--- a/spi_report_ben.pptx
+++ b/spi_report_ben.pptx
@@ -19,7 +19,7 @@
     <p:sldId id="326" r:id="rId7"/>
     <p:sldId id="271" r:id="rId8"/>
     <p:sldId id="279" r:id="rId9"/>
-    <p:sldId id="313" r:id="rId10"/>
+    <p:sldId id="327" r:id="rId10"/>
     <p:sldId id="273" r:id="rId11"/>
     <p:sldId id="296" r:id="rId12"/>
     <p:sldId id="306" r:id="rId13"/>
@@ -245,7 +245,7 @@
             <a:fld id="{325154A4-CA18-43B2-977D-6DF08BA83A3D}" type="datetimeFigureOut">
               <a:rPr lang="zh-TW" altLang="en-US" smtClean="0"/>
               <a:pPr/>
-              <a:t>2015/9/18</a:t>
+              <a:t>2015/10/6</a:t>
             </a:fld>
             <a:endParaRPr lang="zh-TW" altLang="en-US"/>
           </a:p>
@@ -321,7 +321,7 @@
     </p:spTree>
     <p:extLst>
       <p:ext uri="{BB962C8B-B14F-4D97-AF65-F5344CB8AC3E}">
-        <p14:creationId xmlns:p14="http://schemas.microsoft.com/office/powerpoint/2010/main" xmlns="" val="1745725823"/>
+        <p14:creationId xmlns="" xmlns:p14="http://schemas.microsoft.com/office/powerpoint/2010/main" val="1745725823"/>
       </p:ext>
     </p:extLst>
   </p:cSld>
@@ -412,7 +412,7 @@
             <a:fld id="{956157D8-F6D7-4F1C-8521-742A313DD9E2}" type="datetimeFigureOut">
               <a:rPr lang="zh-TW" altLang="en-US" smtClean="0"/>
               <a:pPr/>
-              <a:t>2015/9/18</a:t>
+              <a:t>2015/10/6</a:t>
             </a:fld>
             <a:endParaRPr lang="zh-TW" altLang="en-US"/>
           </a:p>
@@ -583,7 +583,7 @@
     </p:spTree>
     <p:extLst>
       <p:ext uri="{BB962C8B-B14F-4D97-AF65-F5344CB8AC3E}">
-        <p14:creationId xmlns:p14="http://schemas.microsoft.com/office/powerpoint/2010/main" xmlns="" val="3871340698"/>
+        <p14:creationId xmlns="" xmlns:p14="http://schemas.microsoft.com/office/powerpoint/2010/main" val="3871340698"/>
       </p:ext>
     </p:extLst>
   </p:cSld>
@@ -1352,7 +1352,7 @@
           <a:blip r:embed="rId2" cstate="print">
             <a:extLst>
               <a:ext uri="{28A0092B-C50C-407E-A947-70E740481C1C}">
-                <a14:useLocalDpi xmlns:a14="http://schemas.microsoft.com/office/drawing/2010/main" xmlns="" val="0"/>
+                <a14:useLocalDpi xmlns="" xmlns:a14="http://schemas.microsoft.com/office/drawing/2010/main" val="0"/>
               </a:ext>
             </a:extLst>
           </a:blip>
@@ -1718,7 +1718,7 @@
     </p:spTree>
     <p:extLst>
       <p:ext uri="{BB962C8B-B14F-4D97-AF65-F5344CB8AC3E}">
-        <p14:creationId xmlns:p14="http://schemas.microsoft.com/office/powerpoint/2010/main" xmlns="" val="1604652190"/>
+        <p14:creationId xmlns="" xmlns:p14="http://schemas.microsoft.com/office/powerpoint/2010/main" val="1604652190"/>
       </p:ext>
     </p:extLst>
   </p:cSld>
@@ -1764,7 +1764,7 @@
           <a:blip r:embed="rId2" cstate="print">
             <a:extLst>
               <a:ext uri="{28A0092B-C50C-407E-A947-70E740481C1C}">
-                <a14:useLocalDpi xmlns:a14="http://schemas.microsoft.com/office/drawing/2010/main" xmlns="" val="0"/>
+                <a14:useLocalDpi xmlns="" xmlns:a14="http://schemas.microsoft.com/office/drawing/2010/main" val="0"/>
               </a:ext>
             </a:extLst>
           </a:blip>
@@ -1852,7 +1852,7 @@
     </p:spTree>
     <p:extLst>
       <p:ext uri="{BB962C8B-B14F-4D97-AF65-F5344CB8AC3E}">
-        <p14:creationId xmlns:p14="http://schemas.microsoft.com/office/powerpoint/2010/main" xmlns="" val="3828523544"/>
+        <p14:creationId xmlns="" xmlns:p14="http://schemas.microsoft.com/office/powerpoint/2010/main" val="3828523544"/>
       </p:ext>
     </p:extLst>
   </p:cSld>
@@ -4807,7 +4807,7 @@
           <a:blip r:embed="rId10" cstate="print">
             <a:extLst>
               <a:ext uri="{28A0092B-C50C-407E-A947-70E740481C1C}">
-                <a14:useLocalDpi xmlns:a14="http://schemas.microsoft.com/office/drawing/2010/main" xmlns="" val="0"/>
+                <a14:useLocalDpi xmlns="" xmlns:a14="http://schemas.microsoft.com/office/drawing/2010/main" val="0"/>
               </a:ext>
             </a:extLst>
           </a:blip>
@@ -5399,7 +5399,15 @@
           <a:p>
             <a:r>
               <a:rPr lang="en-US" dirty="0" smtClean="0"/>
-              <a:t>Linux i2c Device Driver </a:t>
+              <a:t>Linux </a:t>
+            </a:r>
+            <a:r>
+              <a:rPr lang="en-US" dirty="0" smtClean="0"/>
+              <a:t>SPI </a:t>
+            </a:r>
+            <a:r>
+              <a:rPr lang="en-US" dirty="0" smtClean="0"/>
+              <a:t>Device Driver </a:t>
             </a:r>
             <a:endParaRPr lang="en-US" dirty="0"/>
           </a:p>
@@ -5506,7 +5514,7 @@
                 <a:tabLst/>
                 <a:defRPr/>
               </a:pPr>
-              <a:t>2015/9/18</a:t>
+              <a:t>2015/10/6</a:t>
             </a:fld>
             <a:endParaRPr kumimoji="0" lang="zh-TW" altLang="en-US" sz="1050" b="0" i="0" u="none" strike="noStrike" kern="1200" cap="none" spc="0" normalizeH="0" baseline="0" noProof="0" dirty="0">
               <a:ln>
@@ -5531,7 +5539,7 @@
     </p:spTree>
     <p:extLst>
       <p:ext uri="{BB962C8B-B14F-4D97-AF65-F5344CB8AC3E}">
-        <p14:creationId xmlns:p14="http://schemas.microsoft.com/office/powerpoint/2010/main" xmlns="" val="495258064"/>
+        <p14:creationId xmlns="" xmlns:p14="http://schemas.microsoft.com/office/powerpoint/2010/main" val="495258064"/>
       </p:ext>
     </p:extLst>
   </p:cSld>
@@ -5614,7 +5622,7 @@
     </p:spTree>
     <p:extLst>
       <p:ext uri="{BB962C8B-B14F-4D97-AF65-F5344CB8AC3E}">
-        <p14:creationId xmlns:p14="http://schemas.microsoft.com/office/powerpoint/2010/main" xmlns="" val="1188013231"/>
+        <p14:creationId xmlns="" xmlns:p14="http://schemas.microsoft.com/office/powerpoint/2010/main" val="1188013231"/>
       </p:ext>
     </p:extLst>
   </p:cSld>
@@ -6747,7 +6755,7 @@
     </p:spTree>
     <p:extLst>
       <p:ext uri="{BB962C8B-B14F-4D97-AF65-F5344CB8AC3E}">
-        <p14:creationId xmlns:p14="http://schemas.microsoft.com/office/powerpoint/2010/main" xmlns="" val="1188013231"/>
+        <p14:creationId xmlns="" xmlns:p14="http://schemas.microsoft.com/office/powerpoint/2010/main" val="1188013231"/>
       </p:ext>
     </p:extLst>
   </p:cSld>
@@ -6847,7 +6855,7 @@
     </p:spTree>
     <p:extLst>
       <p:ext uri="{BB962C8B-B14F-4D97-AF65-F5344CB8AC3E}">
-        <p14:creationId xmlns:p14="http://schemas.microsoft.com/office/powerpoint/2010/main" xmlns="" val="553085013"/>
+        <p14:creationId xmlns="" xmlns:p14="http://schemas.microsoft.com/office/powerpoint/2010/main" val="553085013"/>
       </p:ext>
     </p:extLst>
   </p:cSld>
@@ -7580,7 +7588,7 @@
     </p:spTree>
     <p:extLst>
       <p:ext uri="{BB962C8B-B14F-4D97-AF65-F5344CB8AC3E}">
-        <p14:creationId xmlns="" xmlns:p14="http://schemas.microsoft.com/office/powerpoint/2010/main" val="3577142735"/>
+        <p14:creationId xmlns:p14="http://schemas.microsoft.com/office/powerpoint/2010/main" xmlns="" val="3577142735"/>
       </p:ext>
     </p:extLst>
   </p:cSld>
@@ -8552,7 +8560,7 @@
     </p:spTree>
     <p:extLst>
       <p:ext uri="{BB962C8B-B14F-4D97-AF65-F5344CB8AC3E}">
-        <p14:creationId xmlns:p14="http://schemas.microsoft.com/office/powerpoint/2010/main" xmlns="" val="1188013231"/>
+        <p14:creationId xmlns="" xmlns:p14="http://schemas.microsoft.com/office/powerpoint/2010/main" val="1188013231"/>
       </p:ext>
     </p:extLst>
   </p:cSld>
@@ -10816,7 +10824,7 @@
     </p:spTree>
     <p:extLst>
       <p:ext uri="{BB962C8B-B14F-4D97-AF65-F5344CB8AC3E}">
-        <p14:creationId xmlns:p14="http://schemas.microsoft.com/office/powerpoint/2010/main" xmlns="" val="2423379894"/>
+        <p14:creationId xmlns="" xmlns:p14="http://schemas.microsoft.com/office/powerpoint/2010/main" val="2423379894"/>
       </p:ext>
     </p:extLst>
   </p:cSld>
@@ -12085,7 +12093,7 @@
     </p:spTree>
     <p:extLst>
       <p:ext uri="{BB962C8B-B14F-4D97-AF65-F5344CB8AC3E}">
-        <p14:creationId xmlns:p14="http://schemas.microsoft.com/office/powerpoint/2010/main" xmlns="" val="2423379894"/>
+        <p14:creationId xmlns="" xmlns:p14="http://schemas.microsoft.com/office/powerpoint/2010/main" val="2423379894"/>
       </p:ext>
     </p:extLst>
   </p:cSld>
@@ -12819,11 +12827,11 @@
           <a:p>
             <a:r>
               <a:rPr lang="en-US" altLang="zh-TW" dirty="0" smtClean="0"/>
-              <a:t>Linux Device </a:t>
-            </a:r>
-            <a:r>
-              <a:rPr lang="en-US" altLang="zh-TW" smtClean="0"/>
-              <a:t>Driver – I2C</a:t>
+              <a:t>Linux Device Driver – </a:t>
+            </a:r>
+            <a:r>
+              <a:rPr lang="en-US" altLang="zh-TW" dirty="0" smtClean="0"/>
+              <a:t>SPI</a:t>
             </a:r>
             <a:endParaRPr lang="en-US" altLang="zh-TW" dirty="0" smtClean="0"/>
           </a:p>
@@ -12856,7 +12864,7 @@
     </p:spTree>
     <p:extLst>
       <p:ext uri="{BB962C8B-B14F-4D97-AF65-F5344CB8AC3E}">
-        <p14:creationId xmlns:p14="http://schemas.microsoft.com/office/powerpoint/2010/main" xmlns="" val="1188013231"/>
+        <p14:creationId xmlns="" xmlns:p14="http://schemas.microsoft.com/office/powerpoint/2010/main" val="1188013231"/>
       </p:ext>
     </p:extLst>
   </p:cSld>
@@ -14360,7 +14368,7 @@
     </p:spTree>
     <p:extLst>
       <p:ext uri="{BB962C8B-B14F-4D97-AF65-F5344CB8AC3E}">
-        <p14:creationId xmlns:p14="http://schemas.microsoft.com/office/powerpoint/2010/main" xmlns="" val="2423379894"/>
+        <p14:creationId xmlns="" xmlns:p14="http://schemas.microsoft.com/office/powerpoint/2010/main" val="2423379894"/>
       </p:ext>
     </p:extLst>
   </p:cSld>
@@ -14411,11 +14419,15 @@
           <a:p>
             <a:r>
               <a:rPr lang="en-US" altLang="zh-TW" dirty="0" smtClean="0"/>
-              <a:t>I2C</a:t>
+              <a:t>SPI</a:t>
             </a:r>
             <a:r>
               <a:rPr lang="zh-TW" altLang="en-US" dirty="0" smtClean="0"/>
               <a:t>驅動框架</a:t>
+            </a:r>
+            <a:r>
+              <a:rPr lang="en-US" altLang="zh-TW" dirty="0" smtClean="0"/>
+              <a:t>-master</a:t>
             </a:r>
             <a:endParaRPr lang="zh-TW" altLang="en-US" dirty="0"/>
           </a:p>
@@ -14501,7 +14513,7 @@
             </a:br>
             <a:r>
               <a:rPr lang="en-US" altLang="zh-TW" sz="1000" dirty="0" smtClean="0"/>
-              <a:t>i2c</a:t>
+              <a:t>SPI</a:t>
             </a:r>
             <a:endParaRPr lang="zh-TW" altLang="en-US" dirty="0" smtClean="0"/>
           </a:p>
@@ -14515,7 +14527,7 @@
         </p:nvSpPr>
         <p:spPr>
           <a:xfrm>
-            <a:off x="1691680" y="2569468"/>
+            <a:off x="1691680" y="3577580"/>
             <a:ext cx="576064" cy="504056"/>
           </a:xfrm>
           <a:prstGeom prst="rect">
@@ -14543,7 +14555,7 @@
             <a:pPr algn="ctr"/>
             <a:r>
               <a:rPr lang="en-US" altLang="zh-TW" sz="900" dirty="0" smtClean="0"/>
-              <a:t>adapter</a:t>
+              <a:t>master</a:t>
             </a:r>
             <a:endParaRPr lang="zh-TW" altLang="en-US" sz="900" dirty="0" smtClean="0"/>
           </a:p>
@@ -14557,7 +14569,7 @@
         </p:nvSpPr>
         <p:spPr>
           <a:xfrm>
-            <a:off x="1691680" y="3577580"/>
+            <a:off x="1691680" y="2785492"/>
             <a:ext cx="576064" cy="504056"/>
           </a:xfrm>
           <a:prstGeom prst="rect">
@@ -14584,10 +14596,18 @@
           <a:p>
             <a:pPr algn="ctr"/>
             <a:r>
-              <a:rPr lang="en-US" altLang="zh-TW" sz="800" dirty="0" smtClean="0"/>
-              <a:t>algorithm</a:t>
-            </a:r>
-            <a:endParaRPr lang="zh-TW" altLang="en-US" sz="800" dirty="0" smtClean="0"/>
+              <a:rPr lang="en-US" altLang="zh-TW" sz="800" dirty="0" smtClean="0">
+                <a:solidFill>
+                  <a:schemeClr val="bg1"/>
+                </a:solidFill>
+              </a:rPr>
+              <a:t>board info</a:t>
+            </a:r>
+            <a:endParaRPr lang="zh-TW" altLang="en-US" sz="800" dirty="0" smtClean="0">
+              <a:solidFill>
+                <a:schemeClr val="bg1"/>
+              </a:solidFill>
+            </a:endParaRPr>
           </a:p>
         </p:txBody>
       </p:sp>
@@ -14595,15 +14615,15 @@
         <p:nvCxnSpPr>
           <p:cNvPr id="14" name="直線單箭頭接點 13"/>
           <p:cNvCxnSpPr>
-            <a:stCxn id="12" idx="0"/>
-            <a:endCxn id="11" idx="2"/>
+            <a:stCxn id="89" idx="0"/>
+            <a:endCxn id="40" idx="1"/>
           </p:cNvCxnSpPr>
           <p:nvPr/>
         </p:nvCxnSpPr>
         <p:spPr>
           <a:xfrm flipV="1">
-            <a:off x="1979712" y="3073524"/>
-            <a:ext cx="0" cy="504056"/>
+            <a:off x="1979712" y="1957400"/>
+            <a:ext cx="648072" cy="756084"/>
           </a:xfrm>
           <a:prstGeom prst="straightConnector1">
             <a:avLst/>
@@ -14637,9 +14657,9 @@
           <p:nvPr/>
         </p:nvCxnSpPr>
         <p:spPr>
-          <a:xfrm flipV="1">
-            <a:off x="1187624" y="2821496"/>
-            <a:ext cx="504056" cy="540060"/>
+          <a:xfrm>
+            <a:off x="1187624" y="3361556"/>
+            <a:ext cx="504056" cy="468052"/>
           </a:xfrm>
           <a:prstGeom prst="straightConnector1">
             <a:avLst/>
@@ -14861,7 +14881,7 @@
             </a:br>
             <a:r>
               <a:rPr lang="en-US" altLang="zh-TW" sz="1000" dirty="0" smtClean="0"/>
-              <a:t>i2c</a:t>
+              <a:t>SPI</a:t>
             </a:r>
             <a:endParaRPr lang="zh-TW" altLang="en-US" sz="1000" dirty="0" smtClean="0"/>
           </a:p>
@@ -14952,43 +14972,6 @@
           </a:p>
         </p:txBody>
       </p:sp>
-      <p:cxnSp>
-        <p:nvCxnSpPr>
-          <p:cNvPr id="42" name="直線單箭頭接點 41"/>
-          <p:cNvCxnSpPr>
-            <a:stCxn id="11" idx="0"/>
-            <a:endCxn id="40" idx="1"/>
-          </p:cNvCxnSpPr>
-          <p:nvPr/>
-        </p:nvCxnSpPr>
-        <p:spPr>
-          <a:xfrm flipV="1">
-            <a:off x="1979712" y="1957400"/>
-            <a:ext cx="648072" cy="612068"/>
-          </a:xfrm>
-          <a:prstGeom prst="straightConnector1">
-            <a:avLst/>
-          </a:prstGeom>
-          <a:ln>
-            <a:headEnd type="triangle"/>
-            <a:tailEnd type="triangle"/>
-          </a:ln>
-        </p:spPr>
-        <p:style>
-          <a:lnRef idx="1">
-            <a:schemeClr val="accent1"/>
-          </a:lnRef>
-          <a:fillRef idx="0">
-            <a:schemeClr val="accent1"/>
-          </a:fillRef>
-          <a:effectRef idx="0">
-            <a:schemeClr val="accent1"/>
-          </a:effectRef>
-          <a:fontRef idx="minor">
-            <a:schemeClr val="tx1"/>
-          </a:fontRef>
-        </p:style>
-      </p:cxnSp>
       <p:sp>
         <p:nvSpPr>
           <p:cNvPr id="45" name="矩形 44"/>
@@ -15438,8 +15421,8 @@
         </p:nvSpPr>
         <p:spPr>
           <a:xfrm>
-            <a:off x="1619672" y="2497460"/>
-            <a:ext cx="720080" cy="1656184"/>
+            <a:off x="1619672" y="2713484"/>
+            <a:ext cx="720080" cy="1440160"/>
           </a:xfrm>
           <a:prstGeom prst="rect">
             <a:avLst/>
@@ -15501,7 +15484,11 @@
           <a:p>
             <a:r>
               <a:rPr lang="en-US" altLang="zh-TW" sz="1200" b="1" dirty="0" smtClean="0"/>
-              <a:t>i2c client </a:t>
+              <a:t>SPI </a:t>
+            </a:r>
+            <a:r>
+              <a:rPr lang="en-US" altLang="zh-TW" sz="1200" b="1" dirty="0" smtClean="0"/>
+              <a:t>client </a:t>
             </a:r>
             <a:r>
               <a:rPr lang="en-US" altLang="zh-TW" sz="1200" b="1" dirty="0" err="1" smtClean="0"/>
@@ -15535,7 +15522,11 @@
           <a:p>
             <a:r>
               <a:rPr lang="en-US" altLang="zh-TW" sz="1200" b="1" dirty="0" smtClean="0"/>
-              <a:t>i2c </a:t>
+              <a:t>SPI</a:t>
+            </a:r>
+            <a:r>
+              <a:rPr lang="en-US" altLang="zh-TW" sz="1200" b="1" dirty="0" smtClean="0"/>
+              <a:t> </a:t>
             </a:r>
             <a:r>
               <a:rPr lang="en-US" altLang="zh-TW" sz="1200" b="1" dirty="0" err="1" smtClean="0"/>
@@ -15631,7 +15622,7 @@
         <p:spPr>
           <a:xfrm>
             <a:off x="2987824" y="2683287"/>
-            <a:ext cx="583814" cy="246221"/>
+            <a:ext cx="585417" cy="246221"/>
           </a:xfrm>
           <a:prstGeom prst="rect">
             <a:avLst/>
@@ -15650,7 +15641,15 @@
                   <a:schemeClr val="bg1"/>
                 </a:solidFill>
               </a:rPr>
-              <a:t>i2c bus</a:t>
+              <a:t>SPI </a:t>
+            </a:r>
+            <a:r>
+              <a:rPr lang="en-US" altLang="zh-TW" sz="1000" b="1" dirty="0" smtClean="0">
+                <a:solidFill>
+                  <a:schemeClr val="bg1"/>
+                </a:solidFill>
+              </a:rPr>
+              <a:t>bus</a:t>
             </a:r>
             <a:endParaRPr lang="zh-TW" altLang="en-US" sz="1000" b="1" dirty="0">
               <a:solidFill>
@@ -15668,7 +15667,7 @@
         </p:nvCxnSpPr>
         <p:spPr>
           <a:xfrm>
-            <a:off x="1475656" y="2353444"/>
+            <a:off x="1475656" y="2569468"/>
             <a:ext cx="1008112" cy="0"/>
           </a:xfrm>
           <a:prstGeom prst="line">
@@ -15708,7 +15707,7 @@
         <p:spPr>
           <a:xfrm flipV="1">
             <a:off x="2483768" y="1345332"/>
-            <a:ext cx="0" cy="1008112"/>
+            <a:ext cx="0" cy="1224136"/>
           </a:xfrm>
           <a:prstGeom prst="line">
             <a:avLst/>
@@ -15746,7 +15745,7 @@
         </p:nvCxnSpPr>
         <p:spPr>
           <a:xfrm>
-            <a:off x="1475656" y="3217540"/>
+            <a:off x="1475656" y="4297660"/>
             <a:ext cx="1008112" cy="0"/>
           </a:xfrm>
           <a:prstGeom prst="line">
@@ -15785,47 +15784,8 @@
         </p:nvCxnSpPr>
         <p:spPr>
           <a:xfrm>
-            <a:off x="1475656" y="2353444"/>
-            <a:ext cx="0" cy="864096"/>
-          </a:xfrm>
-          <a:prstGeom prst="line">
-            <a:avLst/>
-          </a:prstGeom>
-          <a:ln w="25400">
-            <a:solidFill>
-              <a:schemeClr val="tx1">
-                <a:lumMod val="95000"/>
-                <a:lumOff val="5000"/>
-              </a:schemeClr>
-            </a:solidFill>
-            <a:prstDash val="dashDot"/>
-          </a:ln>
-        </p:spPr>
-        <p:style>
-          <a:lnRef idx="1">
-            <a:schemeClr val="accent1"/>
-          </a:lnRef>
-          <a:fillRef idx="0">
-            <a:schemeClr val="accent1"/>
-          </a:fillRef>
-          <a:effectRef idx="0">
-            <a:schemeClr val="accent1"/>
-          </a:effectRef>
-          <a:fontRef idx="minor">
-            <a:schemeClr val="tx1"/>
-          </a:fontRef>
-        </p:style>
-      </p:cxnSp>
-      <p:cxnSp>
-        <p:nvCxnSpPr>
-          <p:cNvPr id="119" name="直線接點 118"/>
-          <p:cNvCxnSpPr/>
-          <p:nvPr/>
-        </p:nvCxnSpPr>
-        <p:spPr>
-          <a:xfrm flipV="1">
-            <a:off x="2483768" y="3217540"/>
-            <a:ext cx="0" cy="1080120"/>
+            <a:off x="1475656" y="2569468"/>
+            <a:ext cx="0" cy="1728192"/>
           </a:xfrm>
           <a:prstGeom prst="line">
             <a:avLst/>
@@ -15974,14 +15934,14 @@
       </p:cxnSp>
       <p:sp>
         <p:nvSpPr>
-          <p:cNvPr id="126" name="文字方塊 125"/>
+          <p:cNvPr id="127" name="文字方塊 126"/>
           <p:cNvSpPr txBox="1"/>
           <p:nvPr/>
         </p:nvSpPr>
         <p:spPr>
           <a:xfrm>
-            <a:off x="179512" y="2857500"/>
-            <a:ext cx="1776448" cy="246221"/>
+            <a:off x="2600876" y="1057300"/>
+            <a:ext cx="1467068" cy="246221"/>
           </a:xfrm>
           <a:prstGeom prst="rect">
             <a:avLst/>
@@ -15995,38 +15955,8 @@
           <a:lstStyle/>
           <a:p>
             <a:r>
-              <a:rPr lang="en-US" altLang="zh-TW" sz="1000" b="1" dirty="0" smtClean="0"/>
-              <a:t>i2c_add_numbered_adapter</a:t>
-            </a:r>
-            <a:endParaRPr lang="zh-TW" altLang="en-US" sz="1000" b="1" dirty="0"/>
-          </a:p>
-        </p:txBody>
-      </p:sp>
-      <p:sp>
-        <p:nvSpPr>
-          <p:cNvPr id="127" name="文字方塊 126"/>
-          <p:cNvSpPr txBox="1"/>
-          <p:nvPr/>
-        </p:nvSpPr>
-        <p:spPr>
-          <a:xfrm>
-            <a:off x="1520756" y="2137420"/>
-            <a:ext cx="1467068" cy="246221"/>
-          </a:xfrm>
-          <a:prstGeom prst="rect">
-            <a:avLst/>
-          </a:prstGeom>
-          <a:noFill/>
-        </p:spPr>
-        <p:txBody>
-          <a:bodyPr wrap="none" rtlCol="0">
-            <a:spAutoFit/>
-          </a:bodyPr>
-          <a:lstStyle/>
-          <a:p>
-            <a:r>
-              <a:rPr lang="en-US" altLang="zh-TW" sz="1000" b="1" dirty="0" smtClean="0"/>
-              <a:t>of_i2c_register_devices</a:t>
+              <a:rPr lang="en-US" altLang="zh-TW" sz="1000" b="1" dirty="0" err="1" smtClean="0"/>
+              <a:t>of_register_spi_devices</a:t>
             </a:r>
             <a:endParaRPr lang="zh-TW" altLang="en-US" sz="1000" b="1" dirty="0"/>
           </a:p>
@@ -16112,7 +16042,6 @@
               <a:rPr lang="en-US" sz="1600" dirty="0" smtClean="0"/>
               <a:t>i2c_add_numbered_adapter </a:t>
             </a:r>
-            <a:endParaRPr lang="en-US" sz="1600" dirty="0" smtClean="0"/>
           </a:p>
           <a:p>
             <a:pPr>
@@ -16142,13 +16071,680 @@
             </a:pPr>
             <a:r>
               <a:rPr lang="en-US" sz="1600" dirty="0" smtClean="0"/>
-              <a:t>Device Tree (</a:t>
-            </a:r>
-            <a:r>
-              <a:rPr lang="en-US" sz="1600" smtClean="0"/>
-              <a:t>platform device)</a:t>
-            </a:r>
-            <a:endParaRPr lang="en-US" sz="1400" dirty="0"/>
+              <a:t>Device Tree (platform device</a:t>
+            </a:r>
+            <a:r>
+              <a:rPr lang="en-US" sz="1600" dirty="0" smtClean="0"/>
+              <a:t>)</a:t>
+            </a:r>
+          </a:p>
+        </p:txBody>
+      </p:sp>
+      <p:sp>
+        <p:nvSpPr>
+          <p:cNvPr id="52" name="矩形 51"/>
+          <p:cNvSpPr/>
+          <p:nvPr/>
+        </p:nvSpPr>
+        <p:spPr>
+          <a:xfrm>
+            <a:off x="35496" y="3649588"/>
+            <a:ext cx="1296144" cy="504056"/>
+          </a:xfrm>
+          <a:prstGeom prst="rect">
+            <a:avLst/>
+          </a:prstGeom>
+          <a:noFill/>
+          <a:ln w="12700">
+            <a:solidFill>
+              <a:srgbClr val="00B0F0"/>
+            </a:solidFill>
+            <a:prstDash val="sysDash"/>
+          </a:ln>
+        </p:spPr>
+        <p:style>
+          <a:lnRef idx="1">
+            <a:schemeClr val="accent1"/>
+          </a:lnRef>
+          <a:fillRef idx="3">
+            <a:schemeClr val="accent1"/>
+          </a:fillRef>
+          <a:effectRef idx="2">
+            <a:schemeClr val="accent1"/>
+          </a:effectRef>
+          <a:fontRef idx="minor">
+            <a:schemeClr val="lt1"/>
+          </a:fontRef>
+        </p:style>
+        <p:txBody>
+          <a:bodyPr rtlCol="0" anchor="ctr"/>
+          <a:lstStyle/>
+          <a:p>
+            <a:pPr algn="ctr"/>
+            <a:r>
+              <a:rPr lang="en-US" altLang="zh-TW" sz="800" b="1" dirty="0" err="1" smtClean="0">
+                <a:solidFill>
+                  <a:schemeClr val="tx1"/>
+                </a:solidFill>
+                <a:latin typeface="+mj-ea"/>
+                <a:ea typeface="+mj-ea"/>
+              </a:rPr>
+              <a:t>SOCLE_SPI_driver</a:t>
+            </a:r>
+            <a:endParaRPr lang="en-US" altLang="zh-TW" sz="800" b="1" dirty="0" smtClean="0">
+              <a:solidFill>
+                <a:schemeClr val="tx1"/>
+              </a:solidFill>
+              <a:latin typeface="+mj-ea"/>
+              <a:ea typeface="+mj-ea"/>
+            </a:endParaRPr>
+          </a:p>
+          <a:p>
+            <a:pPr marL="228600" indent="-228600">
+              <a:buAutoNum type="arabicPeriod"/>
+            </a:pPr>
+            <a:r>
+              <a:rPr lang="en-US" altLang="zh-TW" sz="800" b="1" dirty="0" err="1" smtClean="0">
+                <a:solidFill>
+                  <a:schemeClr val="tx1"/>
+                </a:solidFill>
+                <a:latin typeface="+mj-ea"/>
+                <a:ea typeface="+mj-ea"/>
+              </a:rPr>
+              <a:t>of_match_table</a:t>
+            </a:r>
+            <a:endParaRPr lang="en-US" altLang="zh-TW" sz="800" b="1" dirty="0" smtClean="0">
+              <a:solidFill>
+                <a:schemeClr val="tx1"/>
+              </a:solidFill>
+              <a:latin typeface="+mj-ea"/>
+              <a:ea typeface="+mj-ea"/>
+            </a:endParaRPr>
+          </a:p>
+          <a:p>
+            <a:pPr marL="228600" indent="-228600">
+              <a:buAutoNum type="arabicPeriod"/>
+            </a:pPr>
+            <a:r>
+              <a:rPr lang="en-US" altLang="zh-TW" sz="800" b="1" dirty="0" smtClean="0">
+                <a:solidFill>
+                  <a:schemeClr val="tx1"/>
+                </a:solidFill>
+                <a:latin typeface="+mj-ea"/>
+                <a:ea typeface="+mj-ea"/>
+              </a:rPr>
+              <a:t>name</a:t>
+            </a:r>
+          </a:p>
+        </p:txBody>
+      </p:sp>
+      <p:sp>
+        <p:nvSpPr>
+          <p:cNvPr id="54" name="矩形 53"/>
+          <p:cNvSpPr/>
+          <p:nvPr/>
+        </p:nvSpPr>
+        <p:spPr>
+          <a:xfrm>
+            <a:off x="1043608" y="1705372"/>
+            <a:ext cx="1296144" cy="360040"/>
+          </a:xfrm>
+          <a:prstGeom prst="rect">
+            <a:avLst/>
+          </a:prstGeom>
+          <a:noFill/>
+          <a:ln w="12700">
+            <a:solidFill>
+              <a:srgbClr val="FF0000"/>
+            </a:solidFill>
+            <a:prstDash val="sysDash"/>
+          </a:ln>
+        </p:spPr>
+        <p:style>
+          <a:lnRef idx="1">
+            <a:schemeClr val="accent1"/>
+          </a:lnRef>
+          <a:fillRef idx="3">
+            <a:schemeClr val="accent1"/>
+          </a:fillRef>
+          <a:effectRef idx="2">
+            <a:schemeClr val="accent1"/>
+          </a:effectRef>
+          <a:fontRef idx="minor">
+            <a:schemeClr val="lt1"/>
+          </a:fontRef>
+        </p:style>
+        <p:txBody>
+          <a:bodyPr rtlCol="0" anchor="ctr"/>
+          <a:lstStyle/>
+          <a:p>
+            <a:pPr marL="228600" indent="-228600">
+              <a:buAutoNum type="arabicPeriod"/>
+            </a:pPr>
+            <a:r>
+              <a:rPr lang="en-US" altLang="zh-TW" sz="800" b="1" dirty="0" smtClean="0">
+                <a:solidFill>
+                  <a:schemeClr val="tx1"/>
+                </a:solidFill>
+                <a:latin typeface="+mj-ea"/>
+                <a:ea typeface="+mj-ea"/>
+              </a:rPr>
+              <a:t>c</a:t>
+            </a:r>
+            <a:r>
+              <a:rPr lang="en-US" altLang="zh-TW" sz="800" b="1" dirty="0" smtClean="0">
+                <a:solidFill>
+                  <a:schemeClr val="tx1"/>
+                </a:solidFill>
+                <a:latin typeface="+mj-ea"/>
+                <a:ea typeface="+mj-ea"/>
+              </a:rPr>
+              <a:t>ompatible(</a:t>
+            </a:r>
+            <a:r>
+              <a:rPr lang="en-US" altLang="zh-TW" sz="800" b="1" dirty="0" err="1" smtClean="0">
+                <a:solidFill>
+                  <a:schemeClr val="tx1"/>
+                </a:solidFill>
+                <a:latin typeface="+mj-ea"/>
+                <a:ea typeface="+mj-ea"/>
+              </a:rPr>
+              <a:t>dts</a:t>
+            </a:r>
+            <a:r>
+              <a:rPr lang="en-US" altLang="zh-TW" sz="800" b="1" dirty="0" smtClean="0">
+                <a:solidFill>
+                  <a:schemeClr val="tx1"/>
+                </a:solidFill>
+                <a:latin typeface="+mj-ea"/>
+                <a:ea typeface="+mj-ea"/>
+              </a:rPr>
+              <a:t>)</a:t>
+            </a:r>
+          </a:p>
+          <a:p>
+            <a:pPr marL="228600" indent="-228600">
+              <a:buAutoNum type="arabicPeriod"/>
+            </a:pPr>
+            <a:r>
+              <a:rPr lang="en-US" altLang="zh-TW" sz="800" b="1" dirty="0" smtClean="0">
+                <a:solidFill>
+                  <a:schemeClr val="tx1"/>
+                </a:solidFill>
+                <a:latin typeface="+mj-ea"/>
+                <a:ea typeface="+mj-ea"/>
+              </a:rPr>
+              <a:t>name</a:t>
+            </a:r>
+          </a:p>
+        </p:txBody>
+      </p:sp>
+      <p:sp>
+        <p:nvSpPr>
+          <p:cNvPr id="56" name="文字方塊 55"/>
+          <p:cNvSpPr txBox="1"/>
+          <p:nvPr/>
+        </p:nvSpPr>
+        <p:spPr>
+          <a:xfrm>
+            <a:off x="251520" y="2857500"/>
+            <a:ext cx="1261884" cy="246221"/>
+          </a:xfrm>
+          <a:prstGeom prst="rect">
+            <a:avLst/>
+          </a:prstGeom>
+          <a:noFill/>
+        </p:spPr>
+        <p:txBody>
+          <a:bodyPr wrap="none" rtlCol="0">
+            <a:spAutoFit/>
+          </a:bodyPr>
+          <a:lstStyle/>
+          <a:p>
+            <a:r>
+              <a:rPr lang="en-US" altLang="zh-TW" sz="1000" b="1" dirty="0" err="1" smtClean="0"/>
+              <a:t>s</a:t>
+            </a:r>
+            <a:r>
+              <a:rPr lang="en-US" altLang="zh-TW" sz="1000" b="1" dirty="0" err="1" smtClean="0"/>
+              <a:t>pi_register_master</a:t>
+            </a:r>
+            <a:endParaRPr lang="en-US" altLang="zh-TW" sz="1000" b="1" dirty="0" smtClean="0"/>
+          </a:p>
+        </p:txBody>
+      </p:sp>
+      <p:sp>
+        <p:nvSpPr>
+          <p:cNvPr id="82" name="文字方塊 81"/>
+          <p:cNvSpPr txBox="1"/>
+          <p:nvPr/>
+        </p:nvSpPr>
+        <p:spPr>
+          <a:xfrm>
+            <a:off x="1043608" y="2467263"/>
+            <a:ext cx="2004395" cy="400110"/>
+          </a:xfrm>
+          <a:prstGeom prst="rect">
+            <a:avLst/>
+          </a:prstGeom>
+          <a:noFill/>
+        </p:spPr>
+        <p:txBody>
+          <a:bodyPr wrap="none" rtlCol="0">
+            <a:spAutoFit/>
+          </a:bodyPr>
+          <a:lstStyle/>
+          <a:p>
+            <a:r>
+              <a:rPr lang="en-US" altLang="zh-TW" sz="1000" b="1" dirty="0" err="1" smtClean="0">
+                <a:solidFill>
+                  <a:schemeClr val="accent3">
+                    <a:lumMod val="75000"/>
+                  </a:schemeClr>
+                </a:solidFill>
+              </a:rPr>
+              <a:t>spi_match_master_to_boardinfo</a:t>
+            </a:r>
+            <a:endParaRPr lang="en-US" altLang="zh-TW" sz="1000" b="1" dirty="0" smtClean="0">
+              <a:solidFill>
+                <a:schemeClr val="accent3">
+                  <a:lumMod val="75000"/>
+                </a:schemeClr>
+              </a:solidFill>
+            </a:endParaRPr>
+          </a:p>
+          <a:p>
+            <a:pPr algn="ctr"/>
+            <a:r>
+              <a:rPr lang="en-US" altLang="zh-TW" sz="1000" b="1" dirty="0" smtClean="0">
+                <a:solidFill>
+                  <a:schemeClr val="accent3">
+                    <a:lumMod val="75000"/>
+                  </a:schemeClr>
+                </a:solidFill>
+              </a:rPr>
+              <a:t>(</a:t>
+            </a:r>
+            <a:r>
+              <a:rPr lang="en-US" altLang="zh-TW" sz="1000" b="1" dirty="0" err="1" smtClean="0">
+                <a:solidFill>
+                  <a:schemeClr val="accent3">
+                    <a:lumMod val="75000"/>
+                  </a:schemeClr>
+                </a:solidFill>
+              </a:rPr>
+              <a:t>bus_num</a:t>
+            </a:r>
+            <a:r>
+              <a:rPr lang="en-US" altLang="zh-TW" sz="1000" b="1" dirty="0" smtClean="0">
+                <a:solidFill>
+                  <a:schemeClr val="accent3">
+                    <a:lumMod val="75000"/>
+                  </a:schemeClr>
+                </a:solidFill>
+              </a:rPr>
+              <a:t>)</a:t>
+            </a:r>
+            <a:endParaRPr lang="zh-TW" altLang="en-US" sz="1000" b="1" dirty="0">
+              <a:solidFill>
+                <a:schemeClr val="accent3">
+                  <a:lumMod val="75000"/>
+                </a:schemeClr>
+              </a:solidFill>
+            </a:endParaRPr>
+          </a:p>
+        </p:txBody>
+      </p:sp>
+      <p:cxnSp>
+        <p:nvCxnSpPr>
+          <p:cNvPr id="84" name="直線接點 83"/>
+          <p:cNvCxnSpPr>
+            <a:stCxn id="48" idx="4"/>
+            <a:endCxn id="12" idx="1"/>
+          </p:cNvCxnSpPr>
+          <p:nvPr/>
+        </p:nvCxnSpPr>
+        <p:spPr>
+          <a:xfrm>
+            <a:off x="1403648" y="1345332"/>
+            <a:ext cx="288032" cy="1692188"/>
+          </a:xfrm>
+          <a:prstGeom prst="line">
+            <a:avLst/>
+          </a:prstGeom>
+          <a:ln w="22225">
+            <a:solidFill>
+              <a:schemeClr val="accent4">
+                <a:lumMod val="40000"/>
+                <a:lumOff val="60000"/>
+              </a:schemeClr>
+            </a:solidFill>
+            <a:prstDash val="sysDot"/>
+          </a:ln>
+        </p:spPr>
+        <p:style>
+          <a:lnRef idx="1">
+            <a:schemeClr val="accent1"/>
+          </a:lnRef>
+          <a:fillRef idx="0">
+            <a:schemeClr val="accent1"/>
+          </a:fillRef>
+          <a:effectRef idx="0">
+            <a:schemeClr val="accent1"/>
+          </a:effectRef>
+          <a:fontRef idx="minor">
+            <a:schemeClr val="tx1"/>
+          </a:fontRef>
+        </p:style>
+      </p:cxnSp>
+      <p:cxnSp>
+        <p:nvCxnSpPr>
+          <p:cNvPr id="90" name="直線單箭頭接點 89"/>
+          <p:cNvCxnSpPr>
+            <a:stCxn id="40" idx="2"/>
+            <a:endCxn id="11" idx="3"/>
+          </p:cNvCxnSpPr>
+          <p:nvPr/>
+        </p:nvCxnSpPr>
+        <p:spPr>
+          <a:xfrm flipH="1">
+            <a:off x="2267744" y="2497460"/>
+            <a:ext cx="972108" cy="1332148"/>
+          </a:xfrm>
+          <a:prstGeom prst="straightConnector1">
+            <a:avLst/>
+          </a:prstGeom>
+          <a:ln w="15875">
+            <a:solidFill>
+              <a:schemeClr val="accent4">
+                <a:lumMod val="75000"/>
+              </a:schemeClr>
+            </a:solidFill>
+            <a:prstDash val="dash"/>
+            <a:headEnd type="arrow"/>
+            <a:tailEnd type="arrow"/>
+          </a:ln>
+        </p:spPr>
+        <p:style>
+          <a:lnRef idx="1">
+            <a:schemeClr val="accent1"/>
+          </a:lnRef>
+          <a:fillRef idx="0">
+            <a:schemeClr val="accent1"/>
+          </a:fillRef>
+          <a:effectRef idx="0">
+            <a:schemeClr val="accent1"/>
+          </a:effectRef>
+          <a:fontRef idx="minor">
+            <a:schemeClr val="tx1"/>
+          </a:fontRef>
+        </p:style>
+      </p:cxnSp>
+      <p:sp>
+        <p:nvSpPr>
+          <p:cNvPr id="91" name="矩形 90"/>
+          <p:cNvSpPr/>
+          <p:nvPr/>
+        </p:nvSpPr>
+        <p:spPr>
+          <a:xfrm>
+            <a:off x="2915816" y="4225652"/>
+            <a:ext cx="1296144" cy="504056"/>
+          </a:xfrm>
+          <a:prstGeom prst="rect">
+            <a:avLst/>
+          </a:prstGeom>
+          <a:noFill/>
+          <a:ln w="12700">
+            <a:solidFill>
+              <a:srgbClr val="00B0F0"/>
+            </a:solidFill>
+            <a:prstDash val="sysDash"/>
+          </a:ln>
+        </p:spPr>
+        <p:style>
+          <a:lnRef idx="1">
+            <a:schemeClr val="accent1"/>
+          </a:lnRef>
+          <a:fillRef idx="3">
+            <a:schemeClr val="accent1"/>
+          </a:fillRef>
+          <a:effectRef idx="2">
+            <a:schemeClr val="accent1"/>
+          </a:effectRef>
+          <a:fontRef idx="minor">
+            <a:schemeClr val="lt1"/>
+          </a:fontRef>
+        </p:style>
+        <p:txBody>
+          <a:bodyPr rtlCol="0" anchor="ctr"/>
+          <a:lstStyle/>
+          <a:p>
+            <a:pPr algn="ctr"/>
+            <a:r>
+              <a:rPr lang="en-US" altLang="zh-TW" sz="800" b="1" dirty="0" smtClean="0">
+                <a:solidFill>
+                  <a:schemeClr val="tx1"/>
+                </a:solidFill>
+                <a:latin typeface="+mj-ea"/>
+                <a:ea typeface="+mj-ea"/>
+              </a:rPr>
+              <a:t>Slave driver</a:t>
+            </a:r>
+          </a:p>
+          <a:p>
+            <a:pPr marL="228600" indent="-228600">
+              <a:buAutoNum type="arabicPeriod"/>
+            </a:pPr>
+            <a:r>
+              <a:rPr lang="en-US" altLang="zh-TW" sz="800" b="1" dirty="0" err="1" smtClean="0">
+                <a:solidFill>
+                  <a:schemeClr val="tx1"/>
+                </a:solidFill>
+                <a:latin typeface="+mj-ea"/>
+                <a:ea typeface="+mj-ea"/>
+              </a:rPr>
+              <a:t>of_match_table</a:t>
+            </a:r>
+            <a:endParaRPr lang="en-US" altLang="zh-TW" sz="800" b="1" dirty="0" smtClean="0">
+              <a:solidFill>
+                <a:schemeClr val="tx1"/>
+              </a:solidFill>
+              <a:latin typeface="+mj-ea"/>
+              <a:ea typeface="+mj-ea"/>
+            </a:endParaRPr>
+          </a:p>
+          <a:p>
+            <a:pPr marL="228600" indent="-228600">
+              <a:buAutoNum type="arabicPeriod"/>
+            </a:pPr>
+            <a:r>
+              <a:rPr lang="en-US" altLang="zh-TW" sz="800" b="1" dirty="0" err="1" smtClean="0">
+                <a:solidFill>
+                  <a:schemeClr val="tx1"/>
+                </a:solidFill>
+                <a:latin typeface="+mj-ea"/>
+                <a:ea typeface="+mj-ea"/>
+              </a:rPr>
+              <a:t>id_table</a:t>
+            </a:r>
+            <a:r>
+              <a:rPr lang="en-US" altLang="zh-TW" sz="800" b="1" dirty="0" smtClean="0">
+                <a:solidFill>
+                  <a:schemeClr val="tx1"/>
+                </a:solidFill>
+                <a:latin typeface="+mj-ea"/>
+                <a:ea typeface="+mj-ea"/>
+              </a:rPr>
+              <a:t> | name</a:t>
+            </a:r>
+          </a:p>
+        </p:txBody>
+      </p:sp>
+      <p:sp>
+        <p:nvSpPr>
+          <p:cNvPr id="92" name="矩形 91"/>
+          <p:cNvSpPr/>
+          <p:nvPr/>
+        </p:nvSpPr>
+        <p:spPr>
+          <a:xfrm>
+            <a:off x="3419872" y="1489348"/>
+            <a:ext cx="1296144" cy="504056"/>
+          </a:xfrm>
+          <a:prstGeom prst="rect">
+            <a:avLst/>
+          </a:prstGeom>
+          <a:noFill/>
+          <a:ln w="12700">
+            <a:solidFill>
+              <a:schemeClr val="accent6">
+                <a:lumMod val="75000"/>
+              </a:schemeClr>
+            </a:solidFill>
+            <a:prstDash val="sysDash"/>
+          </a:ln>
+        </p:spPr>
+        <p:style>
+          <a:lnRef idx="1">
+            <a:schemeClr val="accent1"/>
+          </a:lnRef>
+          <a:fillRef idx="3">
+            <a:schemeClr val="accent1"/>
+          </a:fillRef>
+          <a:effectRef idx="2">
+            <a:schemeClr val="accent1"/>
+          </a:effectRef>
+          <a:fontRef idx="minor">
+            <a:schemeClr val="lt1"/>
+          </a:fontRef>
+        </p:style>
+        <p:txBody>
+          <a:bodyPr rtlCol="0" anchor="ctr"/>
+          <a:lstStyle/>
+          <a:p>
+            <a:pPr algn="ctr"/>
+            <a:r>
+              <a:rPr lang="en-US" altLang="zh-TW" sz="800" b="1" dirty="0" smtClean="0">
+                <a:solidFill>
+                  <a:schemeClr val="tx1"/>
+                </a:solidFill>
+                <a:latin typeface="+mj-ea"/>
+                <a:ea typeface="+mj-ea"/>
+              </a:rPr>
+              <a:t>Slave device(</a:t>
+            </a:r>
+            <a:r>
+              <a:rPr lang="en-US" altLang="zh-TW" sz="800" b="1" dirty="0" err="1" smtClean="0">
+                <a:solidFill>
+                  <a:schemeClr val="tx1"/>
+                </a:solidFill>
+                <a:latin typeface="+mj-ea"/>
+                <a:ea typeface="+mj-ea"/>
+              </a:rPr>
+              <a:t>dts</a:t>
+            </a:r>
+            <a:r>
+              <a:rPr lang="en-US" altLang="zh-TW" sz="800" b="1" dirty="0" smtClean="0">
+                <a:solidFill>
+                  <a:schemeClr val="tx1"/>
+                </a:solidFill>
+                <a:latin typeface="+mj-ea"/>
+                <a:ea typeface="+mj-ea"/>
+              </a:rPr>
+              <a:t>)</a:t>
+            </a:r>
+          </a:p>
+          <a:p>
+            <a:pPr marL="228600" indent="-228600">
+              <a:buAutoNum type="arabicPeriod"/>
+            </a:pPr>
+            <a:r>
+              <a:rPr lang="en-US" altLang="zh-TW" sz="800" b="1" dirty="0" smtClean="0">
+                <a:solidFill>
+                  <a:schemeClr val="tx1"/>
+                </a:solidFill>
+                <a:latin typeface="+mj-ea"/>
+                <a:ea typeface="+mj-ea"/>
+              </a:rPr>
+              <a:t>compatible</a:t>
+            </a:r>
+          </a:p>
+        </p:txBody>
+      </p:sp>
+      <p:sp>
+        <p:nvSpPr>
+          <p:cNvPr id="93" name="矩形 92"/>
+          <p:cNvSpPr/>
+          <p:nvPr/>
+        </p:nvSpPr>
+        <p:spPr>
+          <a:xfrm>
+            <a:off x="3275856" y="2353444"/>
+            <a:ext cx="1296144" cy="504056"/>
+          </a:xfrm>
+          <a:prstGeom prst="rect">
+            <a:avLst/>
+          </a:prstGeom>
+          <a:noFill/>
+          <a:ln w="12700">
+            <a:solidFill>
+              <a:schemeClr val="accent3">
+                <a:lumMod val="75000"/>
+              </a:schemeClr>
+            </a:solidFill>
+            <a:prstDash val="sysDash"/>
+          </a:ln>
+        </p:spPr>
+        <p:style>
+          <a:lnRef idx="1">
+            <a:schemeClr val="accent1"/>
+          </a:lnRef>
+          <a:fillRef idx="3">
+            <a:schemeClr val="accent1"/>
+          </a:fillRef>
+          <a:effectRef idx="2">
+            <a:schemeClr val="accent1"/>
+          </a:effectRef>
+          <a:fontRef idx="minor">
+            <a:schemeClr val="lt1"/>
+          </a:fontRef>
+        </p:style>
+        <p:txBody>
+          <a:bodyPr rtlCol="0" anchor="ctr"/>
+          <a:lstStyle/>
+          <a:p>
+            <a:pPr algn="ctr"/>
+            <a:r>
+              <a:rPr lang="en-US" altLang="zh-TW" sz="800" b="1" dirty="0" smtClean="0">
+                <a:solidFill>
+                  <a:schemeClr val="tx1"/>
+                </a:solidFill>
+                <a:latin typeface="+mj-ea"/>
+                <a:ea typeface="+mj-ea"/>
+              </a:rPr>
+              <a:t>Slave device</a:t>
+            </a:r>
+          </a:p>
+          <a:p>
+            <a:pPr marL="228600" indent="-228600">
+              <a:buAutoNum type="arabicPeriod"/>
+            </a:pPr>
+            <a:r>
+              <a:rPr lang="en-US" altLang="zh-TW" sz="800" b="1" dirty="0" err="1" smtClean="0">
+                <a:solidFill>
+                  <a:schemeClr val="tx1"/>
+                </a:solidFill>
+                <a:latin typeface="+mj-ea"/>
+              </a:rPr>
+              <a:t>modalias</a:t>
+            </a:r>
+            <a:endParaRPr lang="en-US" altLang="zh-TW" sz="800" b="1" dirty="0" smtClean="0">
+              <a:solidFill>
+                <a:schemeClr val="tx1"/>
+              </a:solidFill>
+              <a:latin typeface="+mj-ea"/>
+            </a:endParaRPr>
           </a:p>
         </p:txBody>
       </p:sp>

--- a/spi_report_ben.pptx
+++ b/spi_report_ben.pptx
@@ -245,7 +245,7 @@
             <a:fld id="{325154A4-CA18-43B2-977D-6DF08BA83A3D}" type="datetimeFigureOut">
               <a:rPr lang="zh-TW" altLang="en-US" smtClean="0"/>
               <a:pPr/>
-              <a:t>2015/10/6</a:t>
+              <a:t>2015/10/7</a:t>
             </a:fld>
             <a:endParaRPr lang="zh-TW" altLang="en-US"/>
           </a:p>
@@ -321,7 +321,7 @@
     </p:spTree>
     <p:extLst>
       <p:ext uri="{BB962C8B-B14F-4D97-AF65-F5344CB8AC3E}">
-        <p14:creationId xmlns="" xmlns:p14="http://schemas.microsoft.com/office/powerpoint/2010/main" val="1745725823"/>
+        <p14:creationId xmlns:p14="http://schemas.microsoft.com/office/powerpoint/2010/main" xmlns="" val="1745725823"/>
       </p:ext>
     </p:extLst>
   </p:cSld>
@@ -412,7 +412,7 @@
             <a:fld id="{956157D8-F6D7-4F1C-8521-742A313DD9E2}" type="datetimeFigureOut">
               <a:rPr lang="zh-TW" altLang="en-US" smtClean="0"/>
               <a:pPr/>
-              <a:t>2015/10/6</a:t>
+              <a:t>2015/10/7</a:t>
             </a:fld>
             <a:endParaRPr lang="zh-TW" altLang="en-US"/>
           </a:p>
@@ -583,7 +583,7 @@
     </p:spTree>
     <p:extLst>
       <p:ext uri="{BB962C8B-B14F-4D97-AF65-F5344CB8AC3E}">
-        <p14:creationId xmlns="" xmlns:p14="http://schemas.microsoft.com/office/powerpoint/2010/main" val="3871340698"/>
+        <p14:creationId xmlns:p14="http://schemas.microsoft.com/office/powerpoint/2010/main" xmlns="" val="3871340698"/>
       </p:ext>
     </p:extLst>
   </p:cSld>
@@ -1352,7 +1352,7 @@
           <a:blip r:embed="rId2" cstate="print">
             <a:extLst>
               <a:ext uri="{28A0092B-C50C-407E-A947-70E740481C1C}">
-                <a14:useLocalDpi xmlns="" xmlns:a14="http://schemas.microsoft.com/office/drawing/2010/main" val="0"/>
+                <a14:useLocalDpi xmlns:a14="http://schemas.microsoft.com/office/drawing/2010/main" xmlns="" val="0"/>
               </a:ext>
             </a:extLst>
           </a:blip>
@@ -1718,7 +1718,7 @@
     </p:spTree>
     <p:extLst>
       <p:ext uri="{BB962C8B-B14F-4D97-AF65-F5344CB8AC3E}">
-        <p14:creationId xmlns="" xmlns:p14="http://schemas.microsoft.com/office/powerpoint/2010/main" val="1604652190"/>
+        <p14:creationId xmlns:p14="http://schemas.microsoft.com/office/powerpoint/2010/main" xmlns="" val="1604652190"/>
       </p:ext>
     </p:extLst>
   </p:cSld>
@@ -1764,7 +1764,7 @@
           <a:blip r:embed="rId2" cstate="print">
             <a:extLst>
               <a:ext uri="{28A0092B-C50C-407E-A947-70E740481C1C}">
-                <a14:useLocalDpi xmlns="" xmlns:a14="http://schemas.microsoft.com/office/drawing/2010/main" val="0"/>
+                <a14:useLocalDpi xmlns:a14="http://schemas.microsoft.com/office/drawing/2010/main" xmlns="" val="0"/>
               </a:ext>
             </a:extLst>
           </a:blip>
@@ -1852,7 +1852,7 @@
     </p:spTree>
     <p:extLst>
       <p:ext uri="{BB962C8B-B14F-4D97-AF65-F5344CB8AC3E}">
-        <p14:creationId xmlns="" xmlns:p14="http://schemas.microsoft.com/office/powerpoint/2010/main" val="3828523544"/>
+        <p14:creationId xmlns:p14="http://schemas.microsoft.com/office/powerpoint/2010/main" xmlns="" val="3828523544"/>
       </p:ext>
     </p:extLst>
   </p:cSld>
@@ -4807,7 +4807,7 @@
           <a:blip r:embed="rId10" cstate="print">
             <a:extLst>
               <a:ext uri="{28A0092B-C50C-407E-A947-70E740481C1C}">
-                <a14:useLocalDpi xmlns="" xmlns:a14="http://schemas.microsoft.com/office/drawing/2010/main" val="0"/>
+                <a14:useLocalDpi xmlns:a14="http://schemas.microsoft.com/office/drawing/2010/main" xmlns="" val="0"/>
               </a:ext>
             </a:extLst>
           </a:blip>
@@ -5399,15 +5399,7 @@
           <a:p>
             <a:r>
               <a:rPr lang="en-US" dirty="0" smtClean="0"/>
-              <a:t>Linux </a:t>
-            </a:r>
-            <a:r>
-              <a:rPr lang="en-US" dirty="0" smtClean="0"/>
-              <a:t>SPI </a:t>
-            </a:r>
-            <a:r>
-              <a:rPr lang="en-US" dirty="0" smtClean="0"/>
-              <a:t>Device Driver </a:t>
+              <a:t>Linux SPI Device Driver </a:t>
             </a:r>
             <a:endParaRPr lang="en-US" dirty="0"/>
           </a:p>
@@ -5514,7 +5506,7 @@
                 <a:tabLst/>
                 <a:defRPr/>
               </a:pPr>
-              <a:t>2015/10/6</a:t>
+              <a:t>2015/10/7</a:t>
             </a:fld>
             <a:endParaRPr kumimoji="0" lang="zh-TW" altLang="en-US" sz="1050" b="0" i="0" u="none" strike="noStrike" kern="1200" cap="none" spc="0" normalizeH="0" baseline="0" noProof="0" dirty="0">
               <a:ln>
@@ -5539,7 +5531,7 @@
     </p:spTree>
     <p:extLst>
       <p:ext uri="{BB962C8B-B14F-4D97-AF65-F5344CB8AC3E}">
-        <p14:creationId xmlns="" xmlns:p14="http://schemas.microsoft.com/office/powerpoint/2010/main" val="495258064"/>
+        <p14:creationId xmlns:p14="http://schemas.microsoft.com/office/powerpoint/2010/main" xmlns="" val="495258064"/>
       </p:ext>
     </p:extLst>
   </p:cSld>
@@ -5622,7 +5614,7 @@
     </p:spTree>
     <p:extLst>
       <p:ext uri="{BB962C8B-B14F-4D97-AF65-F5344CB8AC3E}">
-        <p14:creationId xmlns="" xmlns:p14="http://schemas.microsoft.com/office/powerpoint/2010/main" val="1188013231"/>
+        <p14:creationId xmlns:p14="http://schemas.microsoft.com/office/powerpoint/2010/main" xmlns="" val="1188013231"/>
       </p:ext>
     </p:extLst>
   </p:cSld>
@@ -6755,7 +6747,7 @@
     </p:spTree>
     <p:extLst>
       <p:ext uri="{BB962C8B-B14F-4D97-AF65-F5344CB8AC3E}">
-        <p14:creationId xmlns="" xmlns:p14="http://schemas.microsoft.com/office/powerpoint/2010/main" val="1188013231"/>
+        <p14:creationId xmlns:p14="http://schemas.microsoft.com/office/powerpoint/2010/main" xmlns="" val="1188013231"/>
       </p:ext>
     </p:extLst>
   </p:cSld>
@@ -6855,7 +6847,7 @@
     </p:spTree>
     <p:extLst>
       <p:ext uri="{BB962C8B-B14F-4D97-AF65-F5344CB8AC3E}">
-        <p14:creationId xmlns="" xmlns:p14="http://schemas.microsoft.com/office/powerpoint/2010/main" val="553085013"/>
+        <p14:creationId xmlns:p14="http://schemas.microsoft.com/office/powerpoint/2010/main" xmlns="" val="553085013"/>
       </p:ext>
     </p:extLst>
   </p:cSld>
@@ -7588,7 +7580,7 @@
     </p:spTree>
     <p:extLst>
       <p:ext uri="{BB962C8B-B14F-4D97-AF65-F5344CB8AC3E}">
-        <p14:creationId xmlns:p14="http://schemas.microsoft.com/office/powerpoint/2010/main" xmlns="" val="3577142735"/>
+        <p14:creationId xmlns="" xmlns:p14="http://schemas.microsoft.com/office/powerpoint/2010/main" val="3577142735"/>
       </p:ext>
     </p:extLst>
   </p:cSld>
@@ -8560,7 +8552,7 @@
     </p:spTree>
     <p:extLst>
       <p:ext uri="{BB962C8B-B14F-4D97-AF65-F5344CB8AC3E}">
-        <p14:creationId xmlns="" xmlns:p14="http://schemas.microsoft.com/office/powerpoint/2010/main" val="1188013231"/>
+        <p14:creationId xmlns:p14="http://schemas.microsoft.com/office/powerpoint/2010/main" xmlns="" val="1188013231"/>
       </p:ext>
     </p:extLst>
   </p:cSld>
@@ -10824,7 +10816,7 @@
     </p:spTree>
     <p:extLst>
       <p:ext uri="{BB962C8B-B14F-4D97-AF65-F5344CB8AC3E}">
-        <p14:creationId xmlns="" xmlns:p14="http://schemas.microsoft.com/office/powerpoint/2010/main" val="2423379894"/>
+        <p14:creationId xmlns:p14="http://schemas.microsoft.com/office/powerpoint/2010/main" xmlns="" val="2423379894"/>
       </p:ext>
     </p:extLst>
   </p:cSld>
@@ -12093,7 +12085,7 @@
     </p:spTree>
     <p:extLst>
       <p:ext uri="{BB962C8B-B14F-4D97-AF65-F5344CB8AC3E}">
-        <p14:creationId xmlns="" xmlns:p14="http://schemas.microsoft.com/office/powerpoint/2010/main" val="2423379894"/>
+        <p14:creationId xmlns:p14="http://schemas.microsoft.com/office/powerpoint/2010/main" xmlns="" val="2423379894"/>
       </p:ext>
     </p:extLst>
   </p:cSld>
@@ -12827,13 +12819,8 @@
           <a:p>
             <a:r>
               <a:rPr lang="en-US" altLang="zh-TW" dirty="0" smtClean="0"/>
-              <a:t>Linux Device Driver – </a:t>
-            </a:r>
-            <a:r>
-              <a:rPr lang="en-US" altLang="zh-TW" dirty="0" smtClean="0"/>
-              <a:t>SPI</a:t>
-            </a:r>
-            <a:endParaRPr lang="en-US" altLang="zh-TW" dirty="0" smtClean="0"/>
+              <a:t>Linux Device Driver – SPI</a:t>
+            </a:r>
           </a:p>
         </p:txBody>
       </p:sp>
@@ -12864,7 +12851,7 @@
     </p:spTree>
     <p:extLst>
       <p:ext uri="{BB962C8B-B14F-4D97-AF65-F5344CB8AC3E}">
-        <p14:creationId xmlns="" xmlns:p14="http://schemas.microsoft.com/office/powerpoint/2010/main" val="1188013231"/>
+        <p14:creationId xmlns:p14="http://schemas.microsoft.com/office/powerpoint/2010/main" xmlns="" val="1188013231"/>
       </p:ext>
     </p:extLst>
   </p:cSld>
@@ -14368,7 +14355,7 @@
     </p:spTree>
     <p:extLst>
       <p:ext uri="{BB962C8B-B14F-4D97-AF65-F5344CB8AC3E}">
-        <p14:creationId xmlns="" xmlns:p14="http://schemas.microsoft.com/office/powerpoint/2010/main" val="2423379894"/>
+        <p14:creationId xmlns:p14="http://schemas.microsoft.com/office/powerpoint/2010/main" xmlns="" val="2423379894"/>
       </p:ext>
     </p:extLst>
   </p:cSld>
@@ -14506,7 +14493,11 @@
             <a:pPr algn="ctr"/>
             <a:r>
               <a:rPr lang="en-US" altLang="zh-TW" sz="1000" dirty="0" smtClean="0"/>
-              <a:t>Platform device : </a:t>
+              <a:t>platform </a:t>
+            </a:r>
+            <a:r>
+              <a:rPr lang="en-US" altLang="zh-TW" sz="1000" dirty="0" smtClean="0"/>
+              <a:t>device : </a:t>
             </a:r>
             <a:br>
               <a:rPr lang="en-US" altLang="zh-TW" sz="1000" dirty="0" smtClean="0"/>
@@ -14874,7 +14865,11 @@
             <a:pPr algn="ctr"/>
             <a:r>
               <a:rPr lang="en-US" altLang="zh-TW" sz="1000" dirty="0" smtClean="0"/>
-              <a:t>Platform driver : </a:t>
+              <a:t>platform </a:t>
+            </a:r>
+            <a:r>
+              <a:rPr lang="en-US" altLang="zh-TW" sz="1000" dirty="0" smtClean="0"/>
+              <a:t>driver : </a:t>
             </a:r>
             <a:br>
               <a:rPr lang="en-US" altLang="zh-TW" sz="1000" dirty="0" smtClean="0"/>
@@ -15093,7 +15088,11 @@
             <a:pPr algn="ctr"/>
             <a:r>
               <a:rPr lang="en-US" altLang="zh-TW" sz="1000" dirty="0" smtClean="0"/>
-              <a:t>Client driver</a:t>
+              <a:t>client </a:t>
+            </a:r>
+            <a:r>
+              <a:rPr lang="en-US" altLang="zh-TW" sz="1000" dirty="0" smtClean="0"/>
+              <a:t>driver</a:t>
             </a:r>
             <a:endParaRPr lang="zh-TW" altLang="en-US" sz="1000" dirty="0" smtClean="0"/>
           </a:p>
@@ -15135,7 +15134,11 @@
             <a:pPr algn="ctr"/>
             <a:r>
               <a:rPr lang="en-US" altLang="zh-TW" sz="1200" dirty="0" smtClean="0"/>
-              <a:t>Device tree</a:t>
+              <a:t>device </a:t>
+            </a:r>
+            <a:r>
+              <a:rPr lang="en-US" altLang="zh-TW" sz="1200" dirty="0" smtClean="0"/>
+              <a:t>tree</a:t>
             </a:r>
             <a:endParaRPr lang="zh-TW" altLang="en-US" sz="1200" dirty="0" smtClean="0"/>
           </a:p>
@@ -15484,11 +15487,7 @@
           <a:p>
             <a:r>
               <a:rPr lang="en-US" altLang="zh-TW" sz="1200" b="1" dirty="0" smtClean="0"/>
-              <a:t>SPI </a:t>
-            </a:r>
-            <a:r>
-              <a:rPr lang="en-US" altLang="zh-TW" sz="1200" b="1" dirty="0" smtClean="0"/>
-              <a:t>client </a:t>
+              <a:t>SPI client </a:t>
             </a:r>
             <a:r>
               <a:rPr lang="en-US" altLang="zh-TW" sz="1200" b="1" dirty="0" err="1" smtClean="0"/>
@@ -15522,11 +15521,7 @@
           <a:p>
             <a:r>
               <a:rPr lang="en-US" altLang="zh-TW" sz="1200" b="1" dirty="0" smtClean="0"/>
-              <a:t>SPI</a:t>
-            </a:r>
-            <a:r>
-              <a:rPr lang="en-US" altLang="zh-TW" sz="1200" b="1" dirty="0" smtClean="0"/>
-              <a:t> </a:t>
+              <a:t>SPI </a:t>
             </a:r>
             <a:r>
               <a:rPr lang="en-US" altLang="zh-TW" sz="1200" b="1" dirty="0" err="1" smtClean="0"/>
@@ -15641,15 +15636,7 @@
                   <a:schemeClr val="bg1"/>
                 </a:solidFill>
               </a:rPr>
-              <a:t>SPI </a:t>
-            </a:r>
-            <a:r>
-              <a:rPr lang="en-US" altLang="zh-TW" sz="1000" b="1" dirty="0" smtClean="0">
-                <a:solidFill>
-                  <a:schemeClr val="bg1"/>
-                </a:solidFill>
-              </a:rPr>
-              <a:t>bus</a:t>
+              <a:t>SPI bus</a:t>
             </a:r>
             <a:endParaRPr lang="zh-TW" altLang="en-US" sz="1000" b="1" dirty="0">
               <a:solidFill>
@@ -16016,7 +16003,7 @@
         <p:spPr>
           <a:xfrm>
             <a:off x="4788024" y="769268"/>
-            <a:ext cx="3524506" cy="4044669"/>
+            <a:ext cx="3672408" cy="4044669"/>
           </a:xfrm>
         </p:spPr>
         <p:txBody>
@@ -16028,8 +16015,12 @@
               <a:buChar char="n"/>
             </a:pPr>
             <a:r>
-              <a:rPr lang="en-US" altLang="zh-TW" sz="1600" dirty="0" smtClean="0"/>
-              <a:t>i2c_add_driver</a:t>
+              <a:rPr lang="en-US" altLang="zh-TW" sz="1600" dirty="0" err="1" smtClean="0"/>
+              <a:t>spi</a:t>
+            </a:r>
+            <a:r>
+              <a:rPr lang="en-US" altLang="zh-TW" sz="1600" dirty="0" err="1" smtClean="0"/>
+              <a:t>_add_driver</a:t>
             </a:r>
             <a:endParaRPr lang="zh-TW" altLang="en-US" sz="1600" dirty="0" smtClean="0"/>
           </a:p>
@@ -16039,9 +16030,10 @@
               <a:buChar char="n"/>
             </a:pPr>
             <a:r>
-              <a:rPr lang="en-US" sz="1600" dirty="0" smtClean="0"/>
-              <a:t>i2c_add_numbered_adapter </a:t>
-            </a:r>
+              <a:rPr lang="en-US" sz="1600" dirty="0" err="1" smtClean="0"/>
+              <a:t>spi_register_master</a:t>
+            </a:r>
+            <a:endParaRPr lang="en-US" sz="1600" dirty="0" smtClean="0"/>
           </a:p>
           <a:p>
             <a:pPr>
@@ -16049,9 +16041,10 @@
               <a:buChar char="n"/>
             </a:pPr>
             <a:r>
-              <a:rPr lang="en-US" sz="1600" dirty="0" smtClean="0"/>
-              <a:t>of_i2c_register_devices</a:t>
-            </a:r>
+              <a:rPr lang="en-US" sz="1600" dirty="0" err="1" smtClean="0"/>
+              <a:t>of_register_spi_devices</a:t>
+            </a:r>
+            <a:endParaRPr lang="en-US" sz="1600" dirty="0" smtClean="0"/>
           </a:p>
           <a:p>
             <a:pPr>
@@ -16060,7 +16053,11 @@
             </a:pPr>
             <a:r>
               <a:rPr lang="en-US" sz="1600" dirty="0" err="1" smtClean="0"/>
-              <a:t>platform_driver_register</a:t>
+              <a:t>s</a:t>
+            </a:r>
+            <a:r>
+              <a:rPr lang="en-US" sz="1600" dirty="0" err="1" smtClean="0"/>
+              <a:t>pi_match_master_to_boardinfo</a:t>
             </a:r>
             <a:endParaRPr lang="en-US" sz="1600" dirty="0" smtClean="0"/>
           </a:p>
@@ -16071,11 +16068,11 @@
             </a:pPr>
             <a:r>
               <a:rPr lang="en-US" sz="1600" dirty="0" smtClean="0"/>
-              <a:t>Device Tree (platform device</a:t>
+              <a:t>device tree </a:t>
             </a:r>
             <a:r>
               <a:rPr lang="en-US" sz="1600" dirty="0" smtClean="0"/>
-              <a:t>)</a:t>
+              <a:t>(platform device)</a:t>
             </a:r>
           </a:p>
         </p:txBody>
@@ -16229,17 +16226,7 @@
                 <a:latin typeface="+mj-ea"/>
                 <a:ea typeface="+mj-ea"/>
               </a:rPr>
-              <a:t>c</a:t>
-            </a:r>
-            <a:r>
-              <a:rPr lang="en-US" altLang="zh-TW" sz="800" b="1" dirty="0" smtClean="0">
-                <a:solidFill>
-                  <a:schemeClr val="tx1"/>
-                </a:solidFill>
-                <a:latin typeface="+mj-ea"/>
-                <a:ea typeface="+mj-ea"/>
-              </a:rPr>
-              <a:t>ompatible(</a:t>
+              <a:t>compatible(</a:t>
             </a:r>
             <a:r>
               <a:rPr lang="en-US" altLang="zh-TW" sz="800" b="1" dirty="0" err="1" smtClean="0">
@@ -16303,11 +16290,7 @@
           <a:p>
             <a:r>
               <a:rPr lang="en-US" altLang="zh-TW" sz="1000" b="1" dirty="0" err="1" smtClean="0"/>
-              <a:t>s</a:t>
-            </a:r>
-            <a:r>
-              <a:rPr lang="en-US" altLang="zh-TW" sz="1000" b="1" dirty="0" err="1" smtClean="0"/>
-              <a:t>pi_register_master</a:t>
+              <a:t>spi_register_master</a:t>
             </a:r>
             <a:endParaRPr lang="en-US" altLang="zh-TW" sz="1000" b="1" dirty="0" smtClean="0"/>
           </a:p>
@@ -16744,6 +16727,60 @@
                 <a:schemeClr val="tx1"/>
               </a:solidFill>
               <a:latin typeface="+mj-ea"/>
+            </a:endParaRPr>
+          </a:p>
+        </p:txBody>
+      </p:sp>
+      <p:sp>
+        <p:nvSpPr>
+          <p:cNvPr id="51" name="文字方塊 50"/>
+          <p:cNvSpPr txBox="1"/>
+          <p:nvPr/>
+        </p:nvSpPr>
+        <p:spPr>
+          <a:xfrm>
+            <a:off x="395536" y="2683287"/>
+            <a:ext cx="936104" cy="246221"/>
+          </a:xfrm>
+          <a:prstGeom prst="rect">
+            <a:avLst/>
+          </a:prstGeom>
+          <a:noFill/>
+        </p:spPr>
+        <p:txBody>
+          <a:bodyPr wrap="square" rtlCol="0">
+            <a:spAutoFit/>
+          </a:bodyPr>
+          <a:lstStyle/>
+          <a:p>
+            <a:r>
+              <a:rPr lang="en-US" altLang="zh-TW" sz="1000" b="1" dirty="0" err="1" smtClean="0">
+                <a:solidFill>
+                  <a:schemeClr val="bg1"/>
+                </a:solidFill>
+              </a:rPr>
+              <a:t>platforn</a:t>
+            </a:r>
+            <a:r>
+              <a:rPr lang="en-US" altLang="zh-TW" sz="1000" b="1" dirty="0" smtClean="0">
+                <a:solidFill>
+                  <a:schemeClr val="bg1"/>
+                </a:solidFill>
+              </a:rPr>
+              <a:t> </a:t>
+            </a:r>
+            <a:r>
+              <a:rPr lang="en-US" altLang="zh-TW" sz="1000" b="1" dirty="0" smtClean="0">
+                <a:solidFill>
+                  <a:schemeClr val="bg1"/>
+                </a:solidFill>
+              </a:rPr>
+              <a:t>bus</a:t>
+            </a:r>
+            <a:endParaRPr lang="zh-TW" altLang="en-US" sz="1000" b="1" dirty="0">
+              <a:solidFill>
+                <a:schemeClr val="bg1"/>
+              </a:solidFill>
             </a:endParaRPr>
           </a:p>
         </p:txBody>

--- a/spi_report_ben.pptx
+++ b/spi_report_ben.pptx
@@ -245,7 +245,7 @@
             <a:fld id="{325154A4-CA18-43B2-977D-6DF08BA83A3D}" type="datetimeFigureOut">
               <a:rPr lang="zh-TW" altLang="en-US" smtClean="0"/>
               <a:pPr/>
-              <a:t>2015/10/7</a:t>
+              <a:t>2015/10/14</a:t>
             </a:fld>
             <a:endParaRPr lang="zh-TW" altLang="en-US"/>
           </a:p>
@@ -321,7 +321,7 @@
     </p:spTree>
     <p:extLst>
       <p:ext uri="{BB962C8B-B14F-4D97-AF65-F5344CB8AC3E}">
-        <p14:creationId xmlns:p14="http://schemas.microsoft.com/office/powerpoint/2010/main" xmlns="" val="1745725823"/>
+        <p14:creationId xmlns="" xmlns:p14="http://schemas.microsoft.com/office/powerpoint/2010/main" val="1745725823"/>
       </p:ext>
     </p:extLst>
   </p:cSld>
@@ -412,7 +412,7 @@
             <a:fld id="{956157D8-F6D7-4F1C-8521-742A313DD9E2}" type="datetimeFigureOut">
               <a:rPr lang="zh-TW" altLang="en-US" smtClean="0"/>
               <a:pPr/>
-              <a:t>2015/10/7</a:t>
+              <a:t>2015/10/14</a:t>
             </a:fld>
             <a:endParaRPr lang="zh-TW" altLang="en-US"/>
           </a:p>
@@ -583,7 +583,7 @@
     </p:spTree>
     <p:extLst>
       <p:ext uri="{BB962C8B-B14F-4D97-AF65-F5344CB8AC3E}">
-        <p14:creationId xmlns:p14="http://schemas.microsoft.com/office/powerpoint/2010/main" xmlns="" val="3871340698"/>
+        <p14:creationId xmlns="" xmlns:p14="http://schemas.microsoft.com/office/powerpoint/2010/main" val="3871340698"/>
       </p:ext>
     </p:extLst>
   </p:cSld>
@@ -1352,7 +1352,7 @@
           <a:blip r:embed="rId2" cstate="print">
             <a:extLst>
               <a:ext uri="{28A0092B-C50C-407E-A947-70E740481C1C}">
-                <a14:useLocalDpi xmlns:a14="http://schemas.microsoft.com/office/drawing/2010/main" xmlns="" val="0"/>
+                <a14:useLocalDpi xmlns="" xmlns:a14="http://schemas.microsoft.com/office/drawing/2010/main" val="0"/>
               </a:ext>
             </a:extLst>
           </a:blip>
@@ -1718,7 +1718,7 @@
     </p:spTree>
     <p:extLst>
       <p:ext uri="{BB962C8B-B14F-4D97-AF65-F5344CB8AC3E}">
-        <p14:creationId xmlns:p14="http://schemas.microsoft.com/office/powerpoint/2010/main" xmlns="" val="1604652190"/>
+        <p14:creationId xmlns="" xmlns:p14="http://schemas.microsoft.com/office/powerpoint/2010/main" val="1604652190"/>
       </p:ext>
     </p:extLst>
   </p:cSld>
@@ -1764,7 +1764,7 @@
           <a:blip r:embed="rId2" cstate="print">
             <a:extLst>
               <a:ext uri="{28A0092B-C50C-407E-A947-70E740481C1C}">
-                <a14:useLocalDpi xmlns:a14="http://schemas.microsoft.com/office/drawing/2010/main" xmlns="" val="0"/>
+                <a14:useLocalDpi xmlns="" xmlns:a14="http://schemas.microsoft.com/office/drawing/2010/main" val="0"/>
               </a:ext>
             </a:extLst>
           </a:blip>
@@ -1852,7 +1852,7 @@
     </p:spTree>
     <p:extLst>
       <p:ext uri="{BB962C8B-B14F-4D97-AF65-F5344CB8AC3E}">
-        <p14:creationId xmlns:p14="http://schemas.microsoft.com/office/powerpoint/2010/main" xmlns="" val="3828523544"/>
+        <p14:creationId xmlns="" xmlns:p14="http://schemas.microsoft.com/office/powerpoint/2010/main" val="3828523544"/>
       </p:ext>
     </p:extLst>
   </p:cSld>
@@ -4807,7 +4807,7 @@
           <a:blip r:embed="rId10" cstate="print">
             <a:extLst>
               <a:ext uri="{28A0092B-C50C-407E-A947-70E740481C1C}">
-                <a14:useLocalDpi xmlns:a14="http://schemas.microsoft.com/office/drawing/2010/main" xmlns="" val="0"/>
+                <a14:useLocalDpi xmlns="" xmlns:a14="http://schemas.microsoft.com/office/drawing/2010/main" val="0"/>
               </a:ext>
             </a:extLst>
           </a:blip>
@@ -5506,7 +5506,7 @@
                 <a:tabLst/>
                 <a:defRPr/>
               </a:pPr>
-              <a:t>2015/10/7</a:t>
+              <a:t>2015/10/14</a:t>
             </a:fld>
             <a:endParaRPr kumimoji="0" lang="zh-TW" altLang="en-US" sz="1050" b="0" i="0" u="none" strike="noStrike" kern="1200" cap="none" spc="0" normalizeH="0" baseline="0" noProof="0" dirty="0">
               <a:ln>
@@ -5531,7 +5531,7 @@
     </p:spTree>
     <p:extLst>
       <p:ext uri="{BB962C8B-B14F-4D97-AF65-F5344CB8AC3E}">
-        <p14:creationId xmlns:p14="http://schemas.microsoft.com/office/powerpoint/2010/main" xmlns="" val="495258064"/>
+        <p14:creationId xmlns="" xmlns:p14="http://schemas.microsoft.com/office/powerpoint/2010/main" val="495258064"/>
       </p:ext>
     </p:extLst>
   </p:cSld>
@@ -5614,7 +5614,7 @@
     </p:spTree>
     <p:extLst>
       <p:ext uri="{BB962C8B-B14F-4D97-AF65-F5344CB8AC3E}">
-        <p14:creationId xmlns:p14="http://schemas.microsoft.com/office/powerpoint/2010/main" xmlns="" val="1188013231"/>
+        <p14:creationId xmlns="" xmlns:p14="http://schemas.microsoft.com/office/powerpoint/2010/main" val="1188013231"/>
       </p:ext>
     </p:extLst>
   </p:cSld>
@@ -6747,7 +6747,7 @@
     </p:spTree>
     <p:extLst>
       <p:ext uri="{BB962C8B-B14F-4D97-AF65-F5344CB8AC3E}">
-        <p14:creationId xmlns:p14="http://schemas.microsoft.com/office/powerpoint/2010/main" xmlns="" val="1188013231"/>
+        <p14:creationId xmlns="" xmlns:p14="http://schemas.microsoft.com/office/powerpoint/2010/main" val="1188013231"/>
       </p:ext>
     </p:extLst>
   </p:cSld>
@@ -6847,7 +6847,7 @@
     </p:spTree>
     <p:extLst>
       <p:ext uri="{BB962C8B-B14F-4D97-AF65-F5344CB8AC3E}">
-        <p14:creationId xmlns:p14="http://schemas.microsoft.com/office/powerpoint/2010/main" xmlns="" val="553085013"/>
+        <p14:creationId xmlns="" xmlns:p14="http://schemas.microsoft.com/office/powerpoint/2010/main" val="553085013"/>
       </p:ext>
     </p:extLst>
   </p:cSld>
@@ -7580,7 +7580,7 @@
     </p:spTree>
     <p:extLst>
       <p:ext uri="{BB962C8B-B14F-4D97-AF65-F5344CB8AC3E}">
-        <p14:creationId xmlns="" xmlns:p14="http://schemas.microsoft.com/office/powerpoint/2010/main" val="3577142735"/>
+        <p14:creationId xmlns:p14="http://schemas.microsoft.com/office/powerpoint/2010/main" xmlns="" val="3577142735"/>
       </p:ext>
     </p:extLst>
   </p:cSld>
@@ -8552,7 +8552,7 @@
     </p:spTree>
     <p:extLst>
       <p:ext uri="{BB962C8B-B14F-4D97-AF65-F5344CB8AC3E}">
-        <p14:creationId xmlns:p14="http://schemas.microsoft.com/office/powerpoint/2010/main" xmlns="" val="1188013231"/>
+        <p14:creationId xmlns="" xmlns:p14="http://schemas.microsoft.com/office/powerpoint/2010/main" val="1188013231"/>
       </p:ext>
     </p:extLst>
   </p:cSld>
@@ -10816,7 +10816,7 @@
     </p:spTree>
     <p:extLst>
       <p:ext uri="{BB962C8B-B14F-4D97-AF65-F5344CB8AC3E}">
-        <p14:creationId xmlns:p14="http://schemas.microsoft.com/office/powerpoint/2010/main" xmlns="" val="2423379894"/>
+        <p14:creationId xmlns="" xmlns:p14="http://schemas.microsoft.com/office/powerpoint/2010/main" val="2423379894"/>
       </p:ext>
     </p:extLst>
   </p:cSld>
@@ -12085,7 +12085,7 @@
     </p:spTree>
     <p:extLst>
       <p:ext uri="{BB962C8B-B14F-4D97-AF65-F5344CB8AC3E}">
-        <p14:creationId xmlns:p14="http://schemas.microsoft.com/office/powerpoint/2010/main" xmlns="" val="2423379894"/>
+        <p14:creationId xmlns="" xmlns:p14="http://schemas.microsoft.com/office/powerpoint/2010/main" val="2423379894"/>
       </p:ext>
     </p:extLst>
   </p:cSld>
@@ -12851,7 +12851,7 @@
     </p:spTree>
     <p:extLst>
       <p:ext uri="{BB962C8B-B14F-4D97-AF65-F5344CB8AC3E}">
-        <p14:creationId xmlns:p14="http://schemas.microsoft.com/office/powerpoint/2010/main" xmlns="" val="1188013231"/>
+        <p14:creationId xmlns="" xmlns:p14="http://schemas.microsoft.com/office/powerpoint/2010/main" val="1188013231"/>
       </p:ext>
     </p:extLst>
   </p:cSld>
@@ -14355,7 +14355,7 @@
     </p:spTree>
     <p:extLst>
       <p:ext uri="{BB962C8B-B14F-4D97-AF65-F5344CB8AC3E}">
-        <p14:creationId xmlns:p14="http://schemas.microsoft.com/office/powerpoint/2010/main" xmlns="" val="2423379894"/>
+        <p14:creationId xmlns="" xmlns:p14="http://schemas.microsoft.com/office/powerpoint/2010/main" val="2423379894"/>
       </p:ext>
     </p:extLst>
   </p:cSld>
@@ -14465,7 +14465,7 @@
         </p:nvSpPr>
         <p:spPr>
           <a:xfrm>
-            <a:off x="395536" y="1921396"/>
+            <a:off x="395536" y="1993404"/>
             <a:ext cx="792088" cy="576064"/>
           </a:xfrm>
           <a:prstGeom prst="roundRect">
@@ -14493,11 +14493,7 @@
             <a:pPr algn="ctr"/>
             <a:r>
               <a:rPr lang="en-US" altLang="zh-TW" sz="1000" dirty="0" smtClean="0"/>
-              <a:t>platform </a:t>
-            </a:r>
-            <a:r>
-              <a:rPr lang="en-US" altLang="zh-TW" sz="1000" dirty="0" smtClean="0"/>
-              <a:t>device : </a:t>
+              <a:t>platform device : </a:t>
             </a:r>
             <a:br>
               <a:rPr lang="en-US" altLang="zh-TW" sz="1000" dirty="0" smtClean="0"/>
@@ -14865,11 +14861,7 @@
             <a:pPr algn="ctr"/>
             <a:r>
               <a:rPr lang="en-US" altLang="zh-TW" sz="1000" dirty="0" smtClean="0"/>
-              <a:t>platform </a:t>
-            </a:r>
-            <a:r>
-              <a:rPr lang="en-US" altLang="zh-TW" sz="1000" dirty="0" smtClean="0"/>
-              <a:t>driver : </a:t>
+              <a:t>platform driver : </a:t>
             </a:r>
             <a:br>
               <a:rPr lang="en-US" altLang="zh-TW" sz="1000" dirty="0" smtClean="0"/>
@@ -15088,11 +15080,7 @@
             <a:pPr algn="ctr"/>
             <a:r>
               <a:rPr lang="en-US" altLang="zh-TW" sz="1000" dirty="0" smtClean="0"/>
-              <a:t>client </a:t>
-            </a:r>
-            <a:r>
-              <a:rPr lang="en-US" altLang="zh-TW" sz="1000" dirty="0" smtClean="0"/>
-              <a:t>driver</a:t>
+              <a:t>client driver</a:t>
             </a:r>
             <a:endParaRPr lang="zh-TW" altLang="en-US" sz="1000" dirty="0" smtClean="0"/>
           </a:p>
@@ -15134,11 +15122,7 @@
             <a:pPr algn="ctr"/>
             <a:r>
               <a:rPr lang="en-US" altLang="zh-TW" sz="1200" dirty="0" smtClean="0"/>
-              <a:t>device </a:t>
-            </a:r>
-            <a:r>
-              <a:rPr lang="en-US" altLang="zh-TW" sz="1200" dirty="0" smtClean="0"/>
-              <a:t>tree</a:t>
+              <a:t>device tree</a:t>
             </a:r>
             <a:endParaRPr lang="zh-TW" altLang="en-US" sz="1200" dirty="0" smtClean="0"/>
           </a:p>
@@ -15156,7 +15140,7 @@
         <p:spPr>
           <a:xfrm flipH="1">
             <a:off x="791580" y="1260969"/>
-            <a:ext cx="204729" cy="660427"/>
+            <a:ext cx="204729" cy="732435"/>
           </a:xfrm>
           <a:prstGeom prst="straightConnector1">
             <a:avLst/>
@@ -16016,11 +16000,7 @@
             </a:pPr>
             <a:r>
               <a:rPr lang="en-US" altLang="zh-TW" sz="1600" dirty="0" err="1" smtClean="0"/>
-              <a:t>spi</a:t>
-            </a:r>
-            <a:r>
-              <a:rPr lang="en-US" altLang="zh-TW" sz="1600" dirty="0" err="1" smtClean="0"/>
-              <a:t>_add_driver</a:t>
+              <a:t>spi_add_driver</a:t>
             </a:r>
             <a:endParaRPr lang="zh-TW" altLang="en-US" sz="1600" dirty="0" smtClean="0"/>
           </a:p>
@@ -16053,11 +16033,7 @@
             </a:pPr>
             <a:r>
               <a:rPr lang="en-US" sz="1600" dirty="0" err="1" smtClean="0"/>
-              <a:t>s</a:t>
-            </a:r>
-            <a:r>
-              <a:rPr lang="en-US" sz="1600" dirty="0" err="1" smtClean="0"/>
-              <a:t>pi_match_master_to_boardinfo</a:t>
+              <a:t>spi_match_master_to_boardinfo</a:t>
             </a:r>
             <a:endParaRPr lang="en-US" sz="1600" dirty="0" smtClean="0"/>
           </a:p>
@@ -16068,11 +16044,7 @@
             </a:pPr>
             <a:r>
               <a:rPr lang="en-US" sz="1600" dirty="0" smtClean="0"/>
-              <a:t>device tree </a:t>
-            </a:r>
-            <a:r>
-              <a:rPr lang="en-US" sz="1600" dirty="0" smtClean="0"/>
-              <a:t>(platform device)</a:t>
+              <a:t>device tree (platform device)</a:t>
             </a:r>
           </a:p>
         </p:txBody>
@@ -16767,15 +16739,7 @@
                   <a:schemeClr val="bg1"/>
                 </a:solidFill>
               </a:rPr>
-              <a:t> </a:t>
-            </a:r>
-            <a:r>
-              <a:rPr lang="en-US" altLang="zh-TW" sz="1000" b="1" dirty="0" smtClean="0">
-                <a:solidFill>
-                  <a:schemeClr val="bg1"/>
-                </a:solidFill>
-              </a:rPr>
-              <a:t>bus</a:t>
+              <a:t> bus</a:t>
             </a:r>
             <a:endParaRPr lang="zh-TW" altLang="en-US" sz="1000" b="1" dirty="0">
               <a:solidFill>

--- a/spi_report_ben.pptx
+++ b/spi_report_ben.pptx
@@ -245,7 +245,7 @@
             <a:fld id="{325154A4-CA18-43B2-977D-6DF08BA83A3D}" type="datetimeFigureOut">
               <a:rPr lang="zh-TW" altLang="en-US" smtClean="0"/>
               <a:pPr/>
-              <a:t>2015/10/14</a:t>
+              <a:t>2015/10/27</a:t>
             </a:fld>
             <a:endParaRPr lang="zh-TW" altLang="en-US"/>
           </a:p>
@@ -321,7 +321,7 @@
     </p:spTree>
     <p:extLst>
       <p:ext uri="{BB962C8B-B14F-4D97-AF65-F5344CB8AC3E}">
-        <p14:creationId xmlns="" xmlns:p14="http://schemas.microsoft.com/office/powerpoint/2010/main" val="1745725823"/>
+        <p14:creationId xmlns:p14="http://schemas.microsoft.com/office/powerpoint/2010/main" xmlns="" val="1745725823"/>
       </p:ext>
     </p:extLst>
   </p:cSld>
@@ -412,7 +412,7 @@
             <a:fld id="{956157D8-F6D7-4F1C-8521-742A313DD9E2}" type="datetimeFigureOut">
               <a:rPr lang="zh-TW" altLang="en-US" smtClean="0"/>
               <a:pPr/>
-              <a:t>2015/10/14</a:t>
+              <a:t>2015/10/27</a:t>
             </a:fld>
             <a:endParaRPr lang="zh-TW" altLang="en-US"/>
           </a:p>
@@ -583,7 +583,7 @@
     </p:spTree>
     <p:extLst>
       <p:ext uri="{BB962C8B-B14F-4D97-AF65-F5344CB8AC3E}">
-        <p14:creationId xmlns="" xmlns:p14="http://schemas.microsoft.com/office/powerpoint/2010/main" val="3871340698"/>
+        <p14:creationId xmlns:p14="http://schemas.microsoft.com/office/powerpoint/2010/main" xmlns="" val="3871340698"/>
       </p:ext>
     </p:extLst>
   </p:cSld>
@@ -1352,7 +1352,7 @@
           <a:blip r:embed="rId2" cstate="print">
             <a:extLst>
               <a:ext uri="{28A0092B-C50C-407E-A947-70E740481C1C}">
-                <a14:useLocalDpi xmlns="" xmlns:a14="http://schemas.microsoft.com/office/drawing/2010/main" val="0"/>
+                <a14:useLocalDpi xmlns:a14="http://schemas.microsoft.com/office/drawing/2010/main" xmlns="" val="0"/>
               </a:ext>
             </a:extLst>
           </a:blip>
@@ -1718,7 +1718,7 @@
     </p:spTree>
     <p:extLst>
       <p:ext uri="{BB962C8B-B14F-4D97-AF65-F5344CB8AC3E}">
-        <p14:creationId xmlns="" xmlns:p14="http://schemas.microsoft.com/office/powerpoint/2010/main" val="1604652190"/>
+        <p14:creationId xmlns:p14="http://schemas.microsoft.com/office/powerpoint/2010/main" xmlns="" val="1604652190"/>
       </p:ext>
     </p:extLst>
   </p:cSld>
@@ -1764,7 +1764,7 @@
           <a:blip r:embed="rId2" cstate="print">
             <a:extLst>
               <a:ext uri="{28A0092B-C50C-407E-A947-70E740481C1C}">
-                <a14:useLocalDpi xmlns="" xmlns:a14="http://schemas.microsoft.com/office/drawing/2010/main" val="0"/>
+                <a14:useLocalDpi xmlns:a14="http://schemas.microsoft.com/office/drawing/2010/main" xmlns="" val="0"/>
               </a:ext>
             </a:extLst>
           </a:blip>
@@ -1852,7 +1852,7 @@
     </p:spTree>
     <p:extLst>
       <p:ext uri="{BB962C8B-B14F-4D97-AF65-F5344CB8AC3E}">
-        <p14:creationId xmlns="" xmlns:p14="http://schemas.microsoft.com/office/powerpoint/2010/main" val="3828523544"/>
+        <p14:creationId xmlns:p14="http://schemas.microsoft.com/office/powerpoint/2010/main" xmlns="" val="3828523544"/>
       </p:ext>
     </p:extLst>
   </p:cSld>
@@ -4807,7 +4807,7 @@
           <a:blip r:embed="rId10" cstate="print">
             <a:extLst>
               <a:ext uri="{28A0092B-C50C-407E-A947-70E740481C1C}">
-                <a14:useLocalDpi xmlns="" xmlns:a14="http://schemas.microsoft.com/office/drawing/2010/main" val="0"/>
+                <a14:useLocalDpi xmlns:a14="http://schemas.microsoft.com/office/drawing/2010/main" xmlns="" val="0"/>
               </a:ext>
             </a:extLst>
           </a:blip>
@@ -5506,7 +5506,7 @@
                 <a:tabLst/>
                 <a:defRPr/>
               </a:pPr>
-              <a:t>2015/10/14</a:t>
+              <a:t>2015/10/27</a:t>
             </a:fld>
             <a:endParaRPr kumimoji="0" lang="zh-TW" altLang="en-US" sz="1050" b="0" i="0" u="none" strike="noStrike" kern="1200" cap="none" spc="0" normalizeH="0" baseline="0" noProof="0" dirty="0">
               <a:ln>
@@ -5531,7 +5531,7 @@
     </p:spTree>
     <p:extLst>
       <p:ext uri="{BB962C8B-B14F-4D97-AF65-F5344CB8AC3E}">
-        <p14:creationId xmlns="" xmlns:p14="http://schemas.microsoft.com/office/powerpoint/2010/main" val="495258064"/>
+        <p14:creationId xmlns:p14="http://schemas.microsoft.com/office/powerpoint/2010/main" xmlns="" val="495258064"/>
       </p:ext>
     </p:extLst>
   </p:cSld>
@@ -5614,7 +5614,7 @@
     </p:spTree>
     <p:extLst>
       <p:ext uri="{BB962C8B-B14F-4D97-AF65-F5344CB8AC3E}">
-        <p14:creationId xmlns="" xmlns:p14="http://schemas.microsoft.com/office/powerpoint/2010/main" val="1188013231"/>
+        <p14:creationId xmlns:p14="http://schemas.microsoft.com/office/powerpoint/2010/main" xmlns="" val="1188013231"/>
       </p:ext>
     </p:extLst>
   </p:cSld>
@@ -6747,7 +6747,7 @@
     </p:spTree>
     <p:extLst>
       <p:ext uri="{BB962C8B-B14F-4D97-AF65-F5344CB8AC3E}">
-        <p14:creationId xmlns="" xmlns:p14="http://schemas.microsoft.com/office/powerpoint/2010/main" val="1188013231"/>
+        <p14:creationId xmlns:p14="http://schemas.microsoft.com/office/powerpoint/2010/main" xmlns="" val="1188013231"/>
       </p:ext>
     </p:extLst>
   </p:cSld>
@@ -6847,7 +6847,7 @@
     </p:spTree>
     <p:extLst>
       <p:ext uri="{BB962C8B-B14F-4D97-AF65-F5344CB8AC3E}">
-        <p14:creationId xmlns="" xmlns:p14="http://schemas.microsoft.com/office/powerpoint/2010/main" val="553085013"/>
+        <p14:creationId xmlns:p14="http://schemas.microsoft.com/office/powerpoint/2010/main" xmlns="" val="553085013"/>
       </p:ext>
     </p:extLst>
   </p:cSld>
@@ -7580,7 +7580,7 @@
     </p:spTree>
     <p:extLst>
       <p:ext uri="{BB962C8B-B14F-4D97-AF65-F5344CB8AC3E}">
-        <p14:creationId xmlns:p14="http://schemas.microsoft.com/office/powerpoint/2010/main" xmlns="" val="3577142735"/>
+        <p14:creationId xmlns="" xmlns:p14="http://schemas.microsoft.com/office/powerpoint/2010/main" val="3577142735"/>
       </p:ext>
     </p:extLst>
   </p:cSld>
@@ -8552,7 +8552,7 @@
     </p:spTree>
     <p:extLst>
       <p:ext uri="{BB962C8B-B14F-4D97-AF65-F5344CB8AC3E}">
-        <p14:creationId xmlns="" xmlns:p14="http://schemas.microsoft.com/office/powerpoint/2010/main" val="1188013231"/>
+        <p14:creationId xmlns:p14="http://schemas.microsoft.com/office/powerpoint/2010/main" xmlns="" val="1188013231"/>
       </p:ext>
     </p:extLst>
   </p:cSld>
@@ -10816,7 +10816,7 @@
     </p:spTree>
     <p:extLst>
       <p:ext uri="{BB962C8B-B14F-4D97-AF65-F5344CB8AC3E}">
-        <p14:creationId xmlns="" xmlns:p14="http://schemas.microsoft.com/office/powerpoint/2010/main" val="2423379894"/>
+        <p14:creationId xmlns:p14="http://schemas.microsoft.com/office/powerpoint/2010/main" xmlns="" val="2423379894"/>
       </p:ext>
     </p:extLst>
   </p:cSld>
@@ -12085,7 +12085,7 @@
     </p:spTree>
     <p:extLst>
       <p:ext uri="{BB962C8B-B14F-4D97-AF65-F5344CB8AC3E}">
-        <p14:creationId xmlns="" xmlns:p14="http://schemas.microsoft.com/office/powerpoint/2010/main" val="2423379894"/>
+        <p14:creationId xmlns:p14="http://schemas.microsoft.com/office/powerpoint/2010/main" xmlns="" val="2423379894"/>
       </p:ext>
     </p:extLst>
   </p:cSld>
@@ -12851,7 +12851,7 @@
     </p:spTree>
     <p:extLst>
       <p:ext uri="{BB962C8B-B14F-4D97-AF65-F5344CB8AC3E}">
-        <p14:creationId xmlns="" xmlns:p14="http://schemas.microsoft.com/office/powerpoint/2010/main" val="1188013231"/>
+        <p14:creationId xmlns:p14="http://schemas.microsoft.com/office/powerpoint/2010/main" xmlns="" val="1188013231"/>
       </p:ext>
     </p:extLst>
   </p:cSld>
@@ -13149,8 +13149,12 @@
           <a:p>
             <a:pPr algn="ctr"/>
             <a:r>
+              <a:rPr lang="en-US" altLang="zh-TW" sz="1200" dirty="0" err="1" smtClean="0"/>
+              <a:t>spi</a:t>
+            </a:r>
+            <a:r>
               <a:rPr lang="en-US" altLang="zh-TW" sz="1200" dirty="0" smtClean="0"/>
-              <a:t>i2c-core</a:t>
+              <a:t>-core</a:t>
             </a:r>
             <a:endParaRPr lang="zh-TW" altLang="en-US" sz="1200" dirty="0" smtClean="0"/>
           </a:p>
@@ -13191,8 +13195,12 @@
           <a:p>
             <a:pPr algn="ctr"/>
             <a:r>
+              <a:rPr lang="en-US" altLang="zh-TW" sz="1200" dirty="0" err="1" smtClean="0"/>
+              <a:t>spi</a:t>
+            </a:r>
+            <a:r>
               <a:rPr lang="en-US" altLang="zh-TW" sz="1200" dirty="0" smtClean="0"/>
-              <a:t>i2c-dev</a:t>
+              <a:t>-dev</a:t>
             </a:r>
             <a:endParaRPr lang="zh-TW" altLang="en-US" sz="1200" dirty="0" smtClean="0"/>
           </a:p>
@@ -13416,15 +13424,12 @@
           <a:p>
             <a:pPr algn="ctr"/>
             <a:r>
+              <a:rPr lang="en-US" altLang="zh-TW" sz="1200" dirty="0" err="1" smtClean="0"/>
+              <a:t>spi</a:t>
+            </a:r>
+            <a:r>
               <a:rPr lang="en-US" altLang="zh-TW" sz="1200" dirty="0" smtClean="0"/>
-              <a:t>i2c-adapter</a:t>
-            </a:r>
-          </a:p>
-          <a:p>
-            <a:pPr algn="ctr"/>
-            <a:r>
-              <a:rPr lang="en-US" altLang="zh-TW" sz="1200" dirty="0" smtClean="0"/>
-              <a:t>/algorithm</a:t>
+              <a:t>-master</a:t>
             </a:r>
             <a:endParaRPr lang="zh-TW" altLang="en-US" sz="1200" dirty="0" smtClean="0"/>
           </a:p>
@@ -13636,8 +13641,12 @@
           <a:p>
             <a:pPr algn="ctr"/>
             <a:r>
+              <a:rPr lang="en-US" altLang="zh-TW" sz="1200" dirty="0" err="1" smtClean="0"/>
+              <a:t>spi</a:t>
+            </a:r>
+            <a:r>
               <a:rPr lang="en-US" altLang="zh-TW" sz="1200" dirty="0" smtClean="0"/>
-              <a:t>i2c-client</a:t>
+              <a:t>-client</a:t>
             </a:r>
             <a:endParaRPr lang="zh-TW" altLang="en-US" sz="1200" dirty="0" smtClean="0"/>
           </a:p>
@@ -13726,8 +13735,16 @@
           <a:p>
             <a:pPr algn="ctr"/>
             <a:r>
+              <a:rPr lang="en-US" altLang="zh-TW" sz="1200" dirty="0" err="1" smtClean="0"/>
+              <a:t>spi</a:t>
+            </a:r>
+            <a:r>
               <a:rPr lang="en-US" altLang="zh-TW" sz="1200" dirty="0" smtClean="0"/>
-              <a:t>i2c host controller</a:t>
+              <a:t> </a:t>
+            </a:r>
+            <a:r>
+              <a:rPr lang="en-US" altLang="zh-TW" sz="1200" dirty="0" smtClean="0"/>
+              <a:t>host controller</a:t>
             </a:r>
             <a:endParaRPr lang="zh-TW" altLang="en-US" sz="1200" dirty="0" smtClean="0"/>
           </a:p>
@@ -13798,8 +13815,16 @@
           <a:p>
             <a:pPr algn="ctr"/>
             <a:r>
+              <a:rPr lang="en-US" altLang="zh-TW" sz="1200" dirty="0" err="1" smtClean="0"/>
+              <a:t>spi</a:t>
+            </a:r>
+            <a:r>
               <a:rPr lang="en-US" altLang="zh-TW" sz="1200" dirty="0" smtClean="0"/>
-              <a:t>i2c slave device</a:t>
+              <a:t> </a:t>
+            </a:r>
+            <a:r>
+              <a:rPr lang="en-US" altLang="zh-TW" sz="1200" dirty="0" smtClean="0"/>
+              <a:t>slave device</a:t>
             </a:r>
             <a:endParaRPr lang="zh-TW" altLang="en-US" sz="1200" dirty="0" smtClean="0"/>
           </a:p>
@@ -14355,7 +14380,7 @@
     </p:spTree>
     <p:extLst>
       <p:ext uri="{BB962C8B-B14F-4D97-AF65-F5344CB8AC3E}">
-        <p14:creationId xmlns="" xmlns:p14="http://schemas.microsoft.com/office/powerpoint/2010/main" val="2423379894"/>
+        <p14:creationId xmlns:p14="http://schemas.microsoft.com/office/powerpoint/2010/main" xmlns="" val="2423379894"/>
       </p:ext>
     </p:extLst>
   </p:cSld>
@@ -16044,8 +16069,48 @@
             </a:pPr>
             <a:r>
               <a:rPr lang="en-US" sz="1600" dirty="0" smtClean="0"/>
-              <a:t>device tree (platform device)</a:t>
-            </a:r>
+              <a:t>device tree (platform device</a:t>
+            </a:r>
+            <a:r>
+              <a:rPr lang="en-US" sz="1600" dirty="0" smtClean="0"/>
+              <a:t>)</a:t>
+            </a:r>
+          </a:p>
+          <a:p>
+            <a:pPr>
+              <a:buFont typeface="Wingdings" pitchFamily="2" charset="2"/>
+              <a:buChar char="n"/>
+            </a:pPr>
+            <a:endParaRPr lang="en-US" sz="1600" dirty="0" smtClean="0"/>
+          </a:p>
+          <a:p>
+            <a:pPr>
+              <a:buFont typeface="Wingdings" pitchFamily="2" charset="2"/>
+              <a:buChar char="n"/>
+            </a:pPr>
+            <a:endParaRPr lang="en-US" sz="1600" dirty="0" smtClean="0"/>
+          </a:p>
+          <a:p>
+            <a:pPr>
+              <a:buFont typeface="Wingdings" pitchFamily="2" charset="2"/>
+              <a:buChar char="n"/>
+            </a:pPr>
+            <a:r>
+              <a:rPr lang="en-US" sz="1600" dirty="0" err="1" smtClean="0"/>
+              <a:t>list_add_tail</a:t>
+            </a:r>
+            <a:endParaRPr lang="en-US" sz="1600" dirty="0" smtClean="0"/>
+          </a:p>
+          <a:p>
+            <a:pPr>
+              <a:buFont typeface="Wingdings" pitchFamily="2" charset="2"/>
+              <a:buChar char="n"/>
+            </a:pPr>
+            <a:r>
+              <a:rPr lang="en-US" sz="1600" dirty="0" err="1" smtClean="0"/>
+              <a:t>list_for_each_entry</a:t>
+            </a:r>
+            <a:endParaRPr lang="en-US" sz="1600" dirty="0" smtClean="0"/>
           </a:p>
         </p:txBody>
       </p:sp>

--- a/spi_report_ben.pptx
+++ b/spi_report_ben.pptx
@@ -246,7 +246,7 @@
             <a:fld id="{325154A4-CA18-43B2-977D-6DF08BA83A3D}" type="datetimeFigureOut">
               <a:rPr lang="zh-TW" altLang="en-US" smtClean="0"/>
               <a:pPr/>
-              <a:t>2015/10/30</a:t>
+              <a:t>2015/11/2</a:t>
             </a:fld>
             <a:endParaRPr lang="zh-TW" altLang="en-US"/>
           </a:p>
@@ -322,7 +322,7 @@
     </p:spTree>
     <p:extLst>
       <p:ext uri="{BB962C8B-B14F-4D97-AF65-F5344CB8AC3E}">
-        <p14:creationId xmlns:p14="http://schemas.microsoft.com/office/powerpoint/2010/main" xmlns="" val="1745725823"/>
+        <p14:creationId xmlns="" xmlns:p14="http://schemas.microsoft.com/office/powerpoint/2010/main" val="1745725823"/>
       </p:ext>
     </p:extLst>
   </p:cSld>
@@ -413,7 +413,7 @@
             <a:fld id="{956157D8-F6D7-4F1C-8521-742A313DD9E2}" type="datetimeFigureOut">
               <a:rPr lang="zh-TW" altLang="en-US" smtClean="0"/>
               <a:pPr/>
-              <a:t>2015/10/30</a:t>
+              <a:t>2015/11/2</a:t>
             </a:fld>
             <a:endParaRPr lang="zh-TW" altLang="en-US"/>
           </a:p>
@@ -584,7 +584,7 @@
     </p:spTree>
     <p:extLst>
       <p:ext uri="{BB962C8B-B14F-4D97-AF65-F5344CB8AC3E}">
-        <p14:creationId xmlns:p14="http://schemas.microsoft.com/office/powerpoint/2010/main" xmlns="" val="3871340698"/>
+        <p14:creationId xmlns="" xmlns:p14="http://schemas.microsoft.com/office/powerpoint/2010/main" val="3871340698"/>
       </p:ext>
     </p:extLst>
   </p:cSld>
@@ -1487,6 +1487,160 @@
           <a:p>
             <a:r>
               <a:rPr lang="en-US" altLang="zh-TW" dirty="0" smtClean="0"/>
+              <a:t>Master-&gt;bus</a:t>
+            </a:r>
+            <a:r>
+              <a:rPr lang="en-US" altLang="zh-TW" baseline="0" dirty="0" smtClean="0"/>
+              <a:t> </a:t>
+            </a:r>
+            <a:r>
+              <a:rPr lang="en-US" altLang="zh-TW" baseline="0" dirty="0" err="1" smtClean="0"/>
+              <a:t>mumber</a:t>
+            </a:r>
+            <a:r>
+              <a:rPr lang="zh-TW" altLang="en-US" baseline="0" dirty="0" smtClean="0"/>
+              <a:t>對</a:t>
+            </a:r>
+            <a:r>
+              <a:rPr lang="en-US" altLang="zh-TW" baseline="0" dirty="0" smtClean="0"/>
+              <a:t>Device Tree</a:t>
+            </a:r>
+            <a:r>
+              <a:rPr lang="zh-TW" altLang="en-US" baseline="0" dirty="0" smtClean="0"/>
+              <a:t>的架構不是重點</a:t>
+            </a:r>
+            <a:r>
+              <a:rPr lang="en-US" altLang="zh-TW" baseline="0" dirty="0" smtClean="0"/>
+              <a:t>, </a:t>
+            </a:r>
+            <a:r>
+              <a:rPr lang="zh-TW" altLang="en-US" baseline="0" dirty="0" smtClean="0"/>
+              <a:t>因此有</a:t>
+            </a:r>
+            <a:r>
+              <a:rPr lang="en-US" altLang="zh-TW" baseline="0" dirty="0" smtClean="0"/>
+              <a:t>spidev32766</a:t>
+            </a:r>
+            <a:r>
+              <a:rPr lang="zh-TW" altLang="en-US" baseline="0" dirty="0" smtClean="0"/>
+              <a:t>這奇怪數字的問題</a:t>
+            </a:r>
+            <a:r>
+              <a:rPr lang="en-US" altLang="zh-TW" baseline="0" dirty="0" smtClean="0"/>
+              <a:t>, </a:t>
+            </a:r>
+            <a:r>
+              <a:rPr lang="zh-TW" altLang="en-US" baseline="0" dirty="0" smtClean="0"/>
+              <a:t>但若我們使用</a:t>
+            </a:r>
+            <a:r>
+              <a:rPr lang="en-US" altLang="zh-TW" baseline="0" dirty="0" smtClean="0"/>
+              <a:t>board info </a:t>
+            </a:r>
+            <a:r>
+              <a:rPr lang="zh-TW" altLang="en-US" baseline="0" dirty="0" smtClean="0"/>
+              <a:t>來建立</a:t>
+            </a:r>
+            <a:r>
+              <a:rPr lang="en-US" altLang="zh-TW" baseline="0" dirty="0" err="1" smtClean="0"/>
+              <a:t>spi</a:t>
+            </a:r>
+            <a:r>
+              <a:rPr lang="en-US" altLang="zh-TW" baseline="0" dirty="0" smtClean="0"/>
+              <a:t> client device</a:t>
+            </a:r>
+            <a:r>
+              <a:rPr lang="zh-TW" altLang="en-US" baseline="0" dirty="0" smtClean="0"/>
+              <a:t>則是很重要的判斷機制</a:t>
+            </a:r>
+            <a:r>
+              <a:rPr lang="en-US" altLang="zh-TW" baseline="0" smtClean="0"/>
+              <a:t>.</a:t>
+            </a:r>
+            <a:endParaRPr lang="zh-TW" altLang="en-US" dirty="0"/>
+          </a:p>
+        </p:txBody>
+      </p:sp>
+      <p:sp>
+        <p:nvSpPr>
+          <p:cNvPr id="4" name="投影片編號版面配置區 3"/>
+          <p:cNvSpPr>
+            <a:spLocks noGrp="1"/>
+          </p:cNvSpPr>
+          <p:nvPr>
+            <p:ph type="sldNum" sz="quarter" idx="10"/>
+          </p:nvPr>
+        </p:nvSpPr>
+        <p:spPr/>
+        <p:txBody>
+          <a:bodyPr/>
+          <a:lstStyle/>
+          <a:p>
+            <a:fld id="{AF8DC78C-5E18-4B5E-A3A5-B4400BC2AE47}" type="slidenum">
+              <a:rPr lang="zh-TW" altLang="en-US" smtClean="0"/>
+              <a:pPr/>
+              <a:t>10</a:t>
+            </a:fld>
+            <a:endParaRPr lang="zh-TW" altLang="en-US"/>
+          </a:p>
+        </p:txBody>
+      </p:sp>
+    </p:spTree>
+  </p:cSld>
+  <p:clrMapOvr>
+    <a:masterClrMapping/>
+  </p:clrMapOvr>
+</p:notes>
+</file>
+
+<file path=ppt/notesSlides/notesSlide8.xml><?xml version="1.0" encoding="utf-8"?>
+<p:notes xmlns:a="http://schemas.openxmlformats.org/drawingml/2006/main" xmlns:r="http://schemas.openxmlformats.org/officeDocument/2006/relationships" xmlns:p="http://schemas.openxmlformats.org/presentationml/2006/main">
+  <p:cSld>
+    <p:spTree>
+      <p:nvGrpSpPr>
+        <p:cNvPr id="1" name=""/>
+        <p:cNvGrpSpPr/>
+        <p:nvPr/>
+      </p:nvGrpSpPr>
+      <p:grpSpPr>
+        <a:xfrm>
+          <a:off x="0" y="0"/>
+          <a:ext cx="0" cy="0"/>
+          <a:chOff x="0" y="0"/>
+          <a:chExt cx="0" cy="0"/>
+        </a:xfrm>
+      </p:grpSpPr>
+      <p:sp>
+        <p:nvSpPr>
+          <p:cNvPr id="2" name="投影片圖像版面配置區 1"/>
+          <p:cNvSpPr>
+            <a:spLocks noGrp="1" noRot="1" noChangeAspect="1"/>
+          </p:cNvSpPr>
+          <p:nvPr>
+            <p:ph type="sldImg"/>
+          </p:nvPr>
+        </p:nvSpPr>
+        <p:spPr/>
+      </p:sp>
+      <p:sp>
+        <p:nvSpPr>
+          <p:cNvPr id="3" name="備忘稿版面配置區 2"/>
+          <p:cNvSpPr>
+            <a:spLocks noGrp="1"/>
+          </p:cNvSpPr>
+          <p:nvPr>
+            <p:ph type="body" idx="1"/>
+          </p:nvPr>
+        </p:nvSpPr>
+        <p:spPr/>
+        <p:txBody>
+          <a:bodyPr>
+            <a:normAutofit/>
+          </a:bodyPr>
+          <a:lstStyle/>
+          <a:p>
+            <a:r>
+              <a:rPr lang="en-US" altLang="zh-TW" dirty="0" smtClean="0"/>
               <a:t>http://wiki.csie.ncku.edu.tw/embedded/I2C</a:t>
             </a:r>
             <a:endParaRPr lang="zh-TW" altLang="en-US" dirty="0"/>
@@ -1575,7 +1729,7 @@
           <a:blip r:embed="rId2" cstate="print">
             <a:extLst>
               <a:ext uri="{28A0092B-C50C-407E-A947-70E740481C1C}">
-                <a14:useLocalDpi xmlns:a14="http://schemas.microsoft.com/office/drawing/2010/main" xmlns="" val="0"/>
+                <a14:useLocalDpi xmlns="" xmlns:a14="http://schemas.microsoft.com/office/drawing/2010/main" val="0"/>
               </a:ext>
             </a:extLst>
           </a:blip>
@@ -1941,7 +2095,7 @@
     </p:spTree>
     <p:extLst>
       <p:ext uri="{BB962C8B-B14F-4D97-AF65-F5344CB8AC3E}">
-        <p14:creationId xmlns:p14="http://schemas.microsoft.com/office/powerpoint/2010/main" xmlns="" val="1604652190"/>
+        <p14:creationId xmlns="" xmlns:p14="http://schemas.microsoft.com/office/powerpoint/2010/main" val="1604652190"/>
       </p:ext>
     </p:extLst>
   </p:cSld>
@@ -1987,7 +2141,7 @@
           <a:blip r:embed="rId2" cstate="print">
             <a:extLst>
               <a:ext uri="{28A0092B-C50C-407E-A947-70E740481C1C}">
-                <a14:useLocalDpi xmlns:a14="http://schemas.microsoft.com/office/drawing/2010/main" xmlns="" val="0"/>
+                <a14:useLocalDpi xmlns="" xmlns:a14="http://schemas.microsoft.com/office/drawing/2010/main" val="0"/>
               </a:ext>
             </a:extLst>
           </a:blip>
@@ -2075,7 +2229,7 @@
     </p:spTree>
     <p:extLst>
       <p:ext uri="{BB962C8B-B14F-4D97-AF65-F5344CB8AC3E}">
-        <p14:creationId xmlns:p14="http://schemas.microsoft.com/office/powerpoint/2010/main" xmlns="" val="3828523544"/>
+        <p14:creationId xmlns="" xmlns:p14="http://schemas.microsoft.com/office/powerpoint/2010/main" val="3828523544"/>
       </p:ext>
     </p:extLst>
   </p:cSld>
@@ -5030,7 +5184,7 @@
           <a:blip r:embed="rId10" cstate="print">
             <a:extLst>
               <a:ext uri="{28A0092B-C50C-407E-A947-70E740481C1C}">
-                <a14:useLocalDpi xmlns:a14="http://schemas.microsoft.com/office/drawing/2010/main" xmlns="" val="0"/>
+                <a14:useLocalDpi xmlns="" xmlns:a14="http://schemas.microsoft.com/office/drawing/2010/main" val="0"/>
               </a:ext>
             </a:extLst>
           </a:blip>
@@ -5729,7 +5883,7 @@
                 <a:tabLst/>
                 <a:defRPr/>
               </a:pPr>
-              <a:t>2015/10/30</a:t>
+              <a:t>2015/11/2</a:t>
             </a:fld>
             <a:endParaRPr kumimoji="0" lang="zh-TW" altLang="en-US" sz="1050" b="0" i="0" u="none" strike="noStrike" kern="1200" cap="none" spc="0" normalizeH="0" baseline="0" noProof="0" dirty="0">
               <a:ln>
@@ -5754,7 +5908,7 @@
     </p:spTree>
     <p:extLst>
       <p:ext uri="{BB962C8B-B14F-4D97-AF65-F5344CB8AC3E}">
-        <p14:creationId xmlns:p14="http://schemas.microsoft.com/office/powerpoint/2010/main" xmlns="" val="495258064"/>
+        <p14:creationId xmlns="" xmlns:p14="http://schemas.microsoft.com/office/powerpoint/2010/main" val="495258064"/>
       </p:ext>
     </p:extLst>
   </p:cSld>
@@ -5964,16 +6118,16 @@
         </p:spPr>
         <p:style>
           <a:lnRef idx="1">
-            <a:schemeClr val="accent3"/>
+            <a:schemeClr val="dk1"/>
           </a:lnRef>
-          <a:fillRef idx="3">
-            <a:schemeClr val="accent3"/>
+          <a:fillRef idx="2">
+            <a:schemeClr val="dk1"/>
           </a:fillRef>
-          <a:effectRef idx="2">
-            <a:schemeClr val="accent3"/>
+          <a:effectRef idx="1">
+            <a:schemeClr val="dk1"/>
           </a:effectRef>
           <a:fontRef idx="minor">
-            <a:schemeClr val="lt1"/>
+            <a:schemeClr val="dk1"/>
           </a:fontRef>
         </p:style>
         <p:txBody>
@@ -8227,6 +8381,48 @@
           </a:fontRef>
         </p:style>
       </p:cxnSp>
+      <p:sp>
+        <p:nvSpPr>
+          <p:cNvPr id="55" name="文字方塊 54"/>
+          <p:cNvSpPr txBox="1"/>
+          <p:nvPr/>
+        </p:nvSpPr>
+        <p:spPr>
+          <a:xfrm>
+            <a:off x="2411760" y="2929508"/>
+            <a:ext cx="1042273" cy="246221"/>
+          </a:xfrm>
+          <a:prstGeom prst="rect">
+            <a:avLst/>
+          </a:prstGeom>
+          <a:noFill/>
+        </p:spPr>
+        <p:txBody>
+          <a:bodyPr wrap="none" rtlCol="0">
+            <a:spAutoFit/>
+          </a:bodyPr>
+          <a:lstStyle/>
+          <a:p>
+            <a:r>
+              <a:rPr lang="en-US" altLang="zh-TW" sz="1000" b="1" dirty="0" err="1" smtClean="0">
+                <a:solidFill>
+                  <a:schemeClr val="accent4">
+                    <a:lumMod val="75000"/>
+                  </a:schemeClr>
+                </a:solidFill>
+              </a:rPr>
+              <a:t>spi_add_device</a:t>
+            </a:r>
+            <a:endParaRPr lang="zh-TW" altLang="en-US" sz="1000" b="1" dirty="0">
+              <a:solidFill>
+                <a:schemeClr val="accent4">
+                  <a:lumMod val="75000"/>
+                </a:schemeClr>
+              </a:solidFill>
+            </a:endParaRPr>
+          </a:p>
+        </p:txBody>
+      </p:sp>
     </p:spTree>
   </p:cSld>
   <p:clrMapOvr>
@@ -8301,7 +8497,7 @@
     </p:spTree>
     <p:extLst>
       <p:ext uri="{BB962C8B-B14F-4D97-AF65-F5344CB8AC3E}">
-        <p14:creationId xmlns:p14="http://schemas.microsoft.com/office/powerpoint/2010/main" xmlns="" val="1188013231"/>
+        <p14:creationId xmlns="" xmlns:p14="http://schemas.microsoft.com/office/powerpoint/2010/main" val="1188013231"/>
       </p:ext>
     </p:extLst>
   </p:cSld>
@@ -9434,7 +9630,7 @@
     </p:spTree>
     <p:extLst>
       <p:ext uri="{BB962C8B-B14F-4D97-AF65-F5344CB8AC3E}">
-        <p14:creationId xmlns:p14="http://schemas.microsoft.com/office/powerpoint/2010/main" xmlns="" val="1188013231"/>
+        <p14:creationId xmlns="" xmlns:p14="http://schemas.microsoft.com/office/powerpoint/2010/main" val="1188013231"/>
       </p:ext>
     </p:extLst>
   </p:cSld>
@@ -9534,7 +9730,7 @@
     </p:spTree>
     <p:extLst>
       <p:ext uri="{BB962C8B-B14F-4D97-AF65-F5344CB8AC3E}">
-        <p14:creationId xmlns:p14="http://schemas.microsoft.com/office/powerpoint/2010/main" xmlns="" val="553085013"/>
+        <p14:creationId xmlns="" xmlns:p14="http://schemas.microsoft.com/office/powerpoint/2010/main" val="553085013"/>
       </p:ext>
     </p:extLst>
   </p:cSld>
@@ -9799,7 +9995,7 @@
     </p:spTree>
     <p:extLst>
       <p:ext uri="{BB962C8B-B14F-4D97-AF65-F5344CB8AC3E}">
-        <p14:creationId xmlns="" xmlns:p14="http://schemas.microsoft.com/office/powerpoint/2010/main" val="3577142735"/>
+        <p14:creationId xmlns:p14="http://schemas.microsoft.com/office/powerpoint/2010/main" xmlns="" val="3577142735"/>
       </p:ext>
     </p:extLst>
   </p:cSld>
@@ -11239,7 +11435,7 @@
     </p:spTree>
     <p:extLst>
       <p:ext uri="{BB962C8B-B14F-4D97-AF65-F5344CB8AC3E}">
-        <p14:creationId xmlns:p14="http://schemas.microsoft.com/office/powerpoint/2010/main" xmlns="" val="1188013231"/>
+        <p14:creationId xmlns="" xmlns:p14="http://schemas.microsoft.com/office/powerpoint/2010/main" val="1188013231"/>
       </p:ext>
     </p:extLst>
   </p:cSld>
@@ -13503,7 +13699,7 @@
     </p:spTree>
     <p:extLst>
       <p:ext uri="{BB962C8B-B14F-4D97-AF65-F5344CB8AC3E}">
-        <p14:creationId xmlns:p14="http://schemas.microsoft.com/office/powerpoint/2010/main" xmlns="" val="2423379894"/>
+        <p14:creationId xmlns="" xmlns:p14="http://schemas.microsoft.com/office/powerpoint/2010/main" val="2423379894"/>
       </p:ext>
     </p:extLst>
   </p:cSld>
@@ -14772,7 +14968,7 @@
     </p:spTree>
     <p:extLst>
       <p:ext uri="{BB962C8B-B14F-4D97-AF65-F5344CB8AC3E}">
-        <p14:creationId xmlns:p14="http://schemas.microsoft.com/office/powerpoint/2010/main" xmlns="" val="2423379894"/>
+        <p14:creationId xmlns="" xmlns:p14="http://schemas.microsoft.com/office/powerpoint/2010/main" val="2423379894"/>
       </p:ext>
     </p:extLst>
   </p:cSld>
@@ -15538,7 +15734,7 @@
     </p:spTree>
     <p:extLst>
       <p:ext uri="{BB962C8B-B14F-4D97-AF65-F5344CB8AC3E}">
-        <p14:creationId xmlns:p14="http://schemas.microsoft.com/office/powerpoint/2010/main" xmlns="" val="1188013231"/>
+        <p14:creationId xmlns="" xmlns:p14="http://schemas.microsoft.com/office/powerpoint/2010/main" val="1188013231"/>
       </p:ext>
     </p:extLst>
   </p:cSld>
@@ -17059,7 +17255,7 @@
     </p:spTree>
     <p:extLst>
       <p:ext uri="{BB962C8B-B14F-4D97-AF65-F5344CB8AC3E}">
-        <p14:creationId xmlns:p14="http://schemas.microsoft.com/office/powerpoint/2010/main" xmlns="" val="2423379894"/>
+        <p14:creationId xmlns="" xmlns:p14="http://schemas.microsoft.com/office/powerpoint/2010/main" val="2423379894"/>
       </p:ext>
     </p:extLst>
   </p:cSld>
@@ -18655,7 +18851,6 @@
               <a:rPr lang="en-US" altLang="zh-TW" sz="1000" b="1" dirty="0" smtClean="0"/>
               <a:t>SPI-Core</a:t>
             </a:r>
-            <a:endParaRPr lang="en-US" altLang="zh-TW" sz="1000" b="1" dirty="0" smtClean="0"/>
           </a:p>
           <a:p>
             <a:r>
@@ -18668,11 +18863,7 @@
             </a:r>
             <a:r>
               <a:rPr lang="zh-TW" altLang="en-US" sz="1000" b="1" dirty="0" smtClean="0"/>
-              <a:t>內核中提供</a:t>
-            </a:r>
-            <a:r>
-              <a:rPr lang="zh-TW" altLang="en-US" sz="1000" b="1" dirty="0" smtClean="0"/>
-              <a:t>的</a:t>
+              <a:t>內核中提供的</a:t>
             </a:r>
             <a:r>
               <a:rPr lang="en-US" altLang="zh-TW" sz="1000" b="1" dirty="0" err="1" smtClean="0">
@@ -18692,25 +18883,11 @@
                   </a:schemeClr>
                 </a:solidFill>
               </a:rPr>
-              <a:t>構架</a:t>
-            </a:r>
-            <a:r>
-              <a:rPr lang="zh-TW" altLang="en-US" sz="1000" b="1" dirty="0" smtClean="0">
-                <a:solidFill>
-                  <a:schemeClr val="accent1">
-                    <a:lumMod val="75000"/>
-                  </a:schemeClr>
-                </a:solidFill>
-              </a:rPr>
-              <a:t>核心機制</a:t>
+              <a:t>構架核心機制</a:t>
             </a:r>
             <a:r>
               <a:rPr lang="zh-TW" altLang="en-US" sz="1000" b="1" dirty="0" smtClean="0"/>
-              <a:t>，管理各種</a:t>
-            </a:r>
-            <a:r>
-              <a:rPr lang="zh-TW" altLang="en-US" sz="1000" b="1" dirty="0" smtClean="0"/>
-              <a:t>重要</a:t>
+              <a:t>，管理各種重要</a:t>
             </a:r>
             <a:r>
               <a:rPr lang="en-US" altLang="zh-TW" sz="1000" b="1" dirty="0" smtClean="0"/>
@@ -18718,11 +18895,7 @@
             </a:r>
             <a:r>
               <a:rPr lang="zh-TW" altLang="en-US" sz="1000" b="1" dirty="0" smtClean="0"/>
-              <a:t>要素</a:t>
-            </a:r>
-            <a:r>
-              <a:rPr lang="zh-TW" altLang="en-US" sz="1000" b="1" dirty="0" smtClean="0"/>
-              <a:t>的接口函數，例如</a:t>
+              <a:t>要素的接口函數，例如</a:t>
             </a:r>
             <a:r>
               <a:rPr lang="en-US" altLang="zh-TW" sz="1000" b="1" dirty="0" err="1" smtClean="0"/>
@@ -18912,7 +19085,6 @@
               <a:rPr lang="en-US" altLang="zh-TW" sz="1000" b="1" dirty="0" smtClean="0"/>
               <a:t>:</a:t>
             </a:r>
-            <a:endParaRPr lang="en-US" altLang="zh-TW" sz="1000" b="1" dirty="0" smtClean="0"/>
           </a:p>
           <a:p>
             <a:r>
@@ -19538,7 +19710,7 @@
     </p:spTree>
     <p:extLst>
       <p:ext uri="{BB962C8B-B14F-4D97-AF65-F5344CB8AC3E}">
-        <p14:creationId xmlns:p14="http://schemas.microsoft.com/office/powerpoint/2010/main" xmlns="" val="2423379894"/>
+        <p14:creationId xmlns="" xmlns:p14="http://schemas.microsoft.com/office/powerpoint/2010/main" val="2423379894"/>
       </p:ext>
     </p:extLst>
   </p:cSld>

--- a/spi_report_ben.pptx
+++ b/spi_report_ben.pptx
@@ -5,10 +5,10 @@
     <p:sldMasterId id="2147483648" r:id="rId1"/>
   </p:sldMasterIdLst>
   <p:notesMasterIdLst>
-    <p:notesMasterId r:id="rId35"/>
+    <p:notesMasterId r:id="rId36"/>
   </p:notesMasterIdLst>
   <p:handoutMasterIdLst>
-    <p:handoutMasterId r:id="rId36"/>
+    <p:handoutMasterId r:id="rId37"/>
   </p:handoutMasterIdLst>
   <p:sldIdLst>
     <p:sldId id="256" r:id="rId2"/>
@@ -43,30 +43,31 @@
     <p:sldId id="314" r:id="rId31"/>
     <p:sldId id="258" r:id="rId32"/>
     <p:sldId id="290" r:id="rId33"/>
-    <p:sldId id="331" r:id="rId34"/>
+    <p:sldId id="350" r:id="rId34"/>
+    <p:sldId id="331" r:id="rId35"/>
   </p:sldIdLst>
   <p:sldSz cx="9144000" cy="5715000" type="screen16x10"/>
   <p:notesSz cx="6858000" cy="9144000"/>
   <p:embeddedFontLst>
     <p:embeddedFont>
       <p:font typeface="Futura Bk BT"/>
-      <p:regular r:id="rId37"/>
+      <p:regular r:id="rId38"/>
     </p:embeddedFont>
     <p:embeddedFont>
       <p:font typeface="Arial Unicode MS" pitchFamily="34" charset="-120"/>
-      <p:regular r:id="rId38"/>
+      <p:regular r:id="rId39"/>
     </p:embeddedFont>
     <p:embeddedFont>
       <p:font typeface="微軟正黑體" pitchFamily="34" charset="-120"/>
-      <p:regular r:id="rId39"/>
-      <p:bold r:id="rId40"/>
+      <p:regular r:id="rId40"/>
+      <p:bold r:id="rId41"/>
     </p:embeddedFont>
     <p:embeddedFont>
       <p:font typeface="Calibri" pitchFamily="34" charset="0"/>
-      <p:regular r:id="rId41"/>
-      <p:bold r:id="rId42"/>
-      <p:italic r:id="rId43"/>
-      <p:boldItalic r:id="rId44"/>
+      <p:regular r:id="rId42"/>
+      <p:bold r:id="rId43"/>
+      <p:italic r:id="rId44"/>
+      <p:boldItalic r:id="rId45"/>
     </p:embeddedFont>
   </p:embeddedFontLst>
   <p:defaultTextStyle>
@@ -250,7 +251,7 @@
             <a:fld id="{325154A4-CA18-43B2-977D-6DF08BA83A3D}" type="datetimeFigureOut">
               <a:rPr lang="zh-TW" altLang="en-US" smtClean="0"/>
               <a:pPr/>
-              <a:t>2015/11/6</a:t>
+              <a:t>2015/11/9</a:t>
             </a:fld>
             <a:endParaRPr lang="zh-TW" altLang="en-US"/>
           </a:p>
@@ -326,7 +327,7 @@
     </p:spTree>
     <p:extLst>
       <p:ext uri="{BB962C8B-B14F-4D97-AF65-F5344CB8AC3E}">
-        <p14:creationId xmlns:p14="http://schemas.microsoft.com/office/powerpoint/2010/main" xmlns="" val="1745725823"/>
+        <p14:creationId xmlns="" xmlns:p14="http://schemas.microsoft.com/office/powerpoint/2010/main" val="1745725823"/>
       </p:ext>
     </p:extLst>
   </p:cSld>
@@ -417,7 +418,7 @@
             <a:fld id="{956157D8-F6D7-4F1C-8521-742A313DD9E2}" type="datetimeFigureOut">
               <a:rPr lang="zh-TW" altLang="en-US" smtClean="0"/>
               <a:pPr/>
-              <a:t>2015/11/6</a:t>
+              <a:t>2015/11/9</a:t>
             </a:fld>
             <a:endParaRPr lang="zh-TW" altLang="en-US"/>
           </a:p>
@@ -588,7 +589,7 @@
     </p:spTree>
     <p:extLst>
       <p:ext uri="{BB962C8B-B14F-4D97-AF65-F5344CB8AC3E}">
-        <p14:creationId xmlns:p14="http://schemas.microsoft.com/office/powerpoint/2010/main" xmlns="" val="3871340698"/>
+        <p14:creationId xmlns="" xmlns:p14="http://schemas.microsoft.com/office/powerpoint/2010/main" val="3871340698"/>
       </p:ext>
     </p:extLst>
   </p:cSld>
@@ -1045,7 +1046,7 @@
             <a:fld id="{AF8DC78C-5E18-4B5E-A3A5-B4400BC2AE47}" type="slidenum">
               <a:rPr lang="zh-TW" altLang="en-US" smtClean="0"/>
               <a:pPr/>
-              <a:t>33</a:t>
+              <a:t>34</a:t>
             </a:fld>
             <a:endParaRPr lang="zh-TW" altLang="en-US"/>
           </a:p>
@@ -2031,7 +2032,7 @@
           <a:blip r:embed="rId2" cstate="print">
             <a:extLst>
               <a:ext uri="{28A0092B-C50C-407E-A947-70E740481C1C}">
-                <a14:useLocalDpi xmlns:a14="http://schemas.microsoft.com/office/drawing/2010/main" xmlns="" val="0"/>
+                <a14:useLocalDpi xmlns="" xmlns:a14="http://schemas.microsoft.com/office/drawing/2010/main" val="0"/>
               </a:ext>
             </a:extLst>
           </a:blip>
@@ -2397,7 +2398,7 @@
     </p:spTree>
     <p:extLst>
       <p:ext uri="{BB962C8B-B14F-4D97-AF65-F5344CB8AC3E}">
-        <p14:creationId xmlns:p14="http://schemas.microsoft.com/office/powerpoint/2010/main" xmlns="" val="1604652190"/>
+        <p14:creationId xmlns="" xmlns:p14="http://schemas.microsoft.com/office/powerpoint/2010/main" val="1604652190"/>
       </p:ext>
     </p:extLst>
   </p:cSld>
@@ -2443,7 +2444,7 @@
           <a:blip r:embed="rId2" cstate="print">
             <a:extLst>
               <a:ext uri="{28A0092B-C50C-407E-A947-70E740481C1C}">
-                <a14:useLocalDpi xmlns:a14="http://schemas.microsoft.com/office/drawing/2010/main" xmlns="" val="0"/>
+                <a14:useLocalDpi xmlns="" xmlns:a14="http://schemas.microsoft.com/office/drawing/2010/main" val="0"/>
               </a:ext>
             </a:extLst>
           </a:blip>
@@ -2531,7 +2532,7 @@
     </p:spTree>
     <p:extLst>
       <p:ext uri="{BB962C8B-B14F-4D97-AF65-F5344CB8AC3E}">
-        <p14:creationId xmlns:p14="http://schemas.microsoft.com/office/powerpoint/2010/main" xmlns="" val="3828523544"/>
+        <p14:creationId xmlns="" xmlns:p14="http://schemas.microsoft.com/office/powerpoint/2010/main" val="3828523544"/>
       </p:ext>
     </p:extLst>
   </p:cSld>
@@ -5486,7 +5487,7 @@
           <a:blip r:embed="rId10" cstate="print">
             <a:extLst>
               <a:ext uri="{28A0092B-C50C-407E-A947-70E740481C1C}">
-                <a14:useLocalDpi xmlns:a14="http://schemas.microsoft.com/office/drawing/2010/main" xmlns="" val="0"/>
+                <a14:useLocalDpi xmlns="" xmlns:a14="http://schemas.microsoft.com/office/drawing/2010/main" val="0"/>
               </a:ext>
             </a:extLst>
           </a:blip>
@@ -6185,7 +6186,7 @@
                 <a:tabLst/>
                 <a:defRPr/>
               </a:pPr>
-              <a:t>2015/11/6</a:t>
+              <a:t>2015/11/9</a:t>
             </a:fld>
             <a:endParaRPr kumimoji="0" lang="zh-TW" altLang="en-US" sz="1050" b="0" i="0" u="none" strike="noStrike" kern="1200" cap="none" spc="0" normalizeH="0" baseline="0" noProof="0" dirty="0">
               <a:ln>
@@ -6210,7 +6211,7 @@
     </p:spTree>
     <p:extLst>
       <p:ext uri="{BB962C8B-B14F-4D97-AF65-F5344CB8AC3E}">
-        <p14:creationId xmlns:p14="http://schemas.microsoft.com/office/powerpoint/2010/main" xmlns="" val="495258064"/>
+        <p14:creationId xmlns="" xmlns:p14="http://schemas.microsoft.com/office/powerpoint/2010/main" val="495258064"/>
       </p:ext>
     </p:extLst>
   </p:cSld>
@@ -6394,22 +6395,14 @@
             </a:r>
             <a:r>
               <a:rPr lang="zh-TW" altLang="en-US" sz="1200" dirty="0" smtClean="0"/>
-              <a:t>進行處理，直到隊列變空為止</a:t>
-            </a:r>
+              <a:t>進行處理，直到隊列變空為止。</a:t>
+            </a:r>
+            <a:endParaRPr lang="en-US" altLang="zh-TW" sz="1200" dirty="0" smtClean="0"/>
+          </a:p>
+          <a:p>
             <a:r>
               <a:rPr lang="zh-TW" altLang="en-US" sz="1200" dirty="0" smtClean="0"/>
-              <a:t>。</a:t>
-            </a:r>
-            <a:endParaRPr lang="en-US" altLang="zh-TW" sz="1200" dirty="0" smtClean="0"/>
-          </a:p>
-          <a:p>
-            <a:r>
-              <a:rPr lang="zh-TW" altLang="en-US" sz="1200" dirty="0" smtClean="0"/>
-              <a:t>線</a:t>
-            </a:r>
-            <a:r>
-              <a:rPr lang="zh-TW" altLang="en-US" sz="1200" dirty="0" smtClean="0"/>
-              <a:t>程</a:t>
+              <a:t>線程</a:t>
             </a:r>
             <a:r>
               <a:rPr lang="en-US" altLang="zh-TW" sz="1200" dirty="0" smtClean="0"/>
@@ -7691,7 +7684,7 @@
     </p:spTree>
     <p:extLst>
       <p:ext uri="{BB962C8B-B14F-4D97-AF65-F5344CB8AC3E}">
-        <p14:creationId xmlns:p14="http://schemas.microsoft.com/office/powerpoint/2010/main" xmlns="" val="1188013231"/>
+        <p14:creationId xmlns="" xmlns:p14="http://schemas.microsoft.com/office/powerpoint/2010/main" val="1188013231"/>
       </p:ext>
     </p:extLst>
   </p:cSld>
@@ -8400,11 +8393,7 @@
             <a:pPr algn="ctr"/>
             <a:r>
               <a:rPr lang="en-US" altLang="zh-TW" sz="800" dirty="0" smtClean="0"/>
-              <a:t>control state </a:t>
-            </a:r>
-            <a:r>
-              <a:rPr lang="en-US" altLang="zh-TW" sz="800" dirty="0" smtClean="0"/>
-              <a:t>machine</a:t>
+              <a:t>control state machine</a:t>
             </a:r>
           </a:p>
           <a:p>
@@ -9291,7 +9280,6 @@
               <a:rPr lang="en-US" altLang="zh-TW" sz="800" dirty="0" smtClean="0"/>
               <a:t>Interface</a:t>
             </a:r>
-            <a:endParaRPr lang="en-US" altLang="zh-TW" sz="800" dirty="0" smtClean="0"/>
           </a:p>
         </p:txBody>
       </p:sp>
@@ -9433,22 +9421,14 @@
             </a:r>
             <a:r>
               <a:rPr lang="en-US" altLang="zh-TW" sz="800" dirty="0" smtClean="0"/>
-              <a:t> </a:t>
-            </a:r>
+              <a:t> core</a:t>
+            </a:r>
+          </a:p>
+          <a:p>
+            <a:pPr algn="ctr"/>
             <a:r>
               <a:rPr lang="en-US" altLang="zh-TW" sz="800" dirty="0" smtClean="0"/>
-              <a:t>core</a:t>
-            </a:r>
-          </a:p>
-          <a:p>
-            <a:pPr algn="ctr"/>
-            <a:r>
-              <a:rPr lang="en-US" altLang="zh-TW" sz="800" dirty="0" smtClean="0"/>
-              <a:t>control state </a:t>
-            </a:r>
-            <a:r>
-              <a:rPr lang="en-US" altLang="zh-TW" sz="800" dirty="0" smtClean="0"/>
-              <a:t>machine</a:t>
+              <a:t>control state machine</a:t>
             </a:r>
           </a:p>
           <a:p>
@@ -12620,7 +12600,6 @@
               <a:rPr lang="en-US" altLang="zh-TW" sz="800" b="1" dirty="0" smtClean="0"/>
               <a:t>Run Bit</a:t>
             </a:r>
-            <a:endParaRPr lang="en-US" altLang="zh-TW" sz="800" b="1" dirty="0" smtClean="0"/>
           </a:p>
         </p:txBody>
       </p:sp>
@@ -17168,7 +17147,7 @@
     </p:spTree>
     <p:extLst>
       <p:ext uri="{BB962C8B-B14F-4D97-AF65-F5344CB8AC3E}">
-        <p14:creationId xmlns="" xmlns:p14="http://schemas.microsoft.com/office/powerpoint/2010/main" val="3577142735"/>
+        <p14:creationId xmlns:p14="http://schemas.microsoft.com/office/powerpoint/2010/main" xmlns="" val="3577142735"/>
       </p:ext>
     </p:extLst>
   </p:cSld>
@@ -18248,7 +18227,7 @@
     </p:spTree>
     <p:extLst>
       <p:ext uri="{BB962C8B-B14F-4D97-AF65-F5344CB8AC3E}">
-        <p14:creationId xmlns:p14="http://schemas.microsoft.com/office/powerpoint/2010/main" xmlns="" val="1188013231"/>
+        <p14:creationId xmlns="" xmlns:p14="http://schemas.microsoft.com/office/powerpoint/2010/main" val="1188013231"/>
       </p:ext>
     </p:extLst>
   </p:cSld>
@@ -18331,7 +18310,7 @@
     </p:spTree>
     <p:extLst>
       <p:ext uri="{BB962C8B-B14F-4D97-AF65-F5344CB8AC3E}">
-        <p14:creationId xmlns:p14="http://schemas.microsoft.com/office/powerpoint/2010/main" xmlns="" val="1188013231"/>
+        <p14:creationId xmlns="" xmlns:p14="http://schemas.microsoft.com/office/powerpoint/2010/main" val="1188013231"/>
       </p:ext>
     </p:extLst>
   </p:cSld>
@@ -18431,7 +18410,7 @@
     </p:spTree>
     <p:extLst>
       <p:ext uri="{BB962C8B-B14F-4D97-AF65-F5344CB8AC3E}">
-        <p14:creationId xmlns:p14="http://schemas.microsoft.com/office/powerpoint/2010/main" xmlns="" val="553085013"/>
+        <p14:creationId xmlns="" xmlns:p14="http://schemas.microsoft.com/office/powerpoint/2010/main" val="553085013"/>
       </p:ext>
     </p:extLst>
   </p:cSld>
@@ -18562,6 +18541,101 @@
           <a:bodyPr/>
           <a:lstStyle/>
           <a:p>
+            <a:endParaRPr lang="zh-TW" altLang="en-US"/>
+          </a:p>
+        </p:txBody>
+      </p:sp>
+      <p:sp>
+        <p:nvSpPr>
+          <p:cNvPr id="3" name="標題 2"/>
+          <p:cNvSpPr>
+            <a:spLocks noGrp="1"/>
+          </p:cNvSpPr>
+          <p:nvPr>
+            <p:ph type="title"/>
+          </p:nvPr>
+        </p:nvSpPr>
+        <p:spPr/>
+        <p:txBody>
+          <a:bodyPr/>
+          <a:lstStyle/>
+          <a:p>
+            <a:endParaRPr lang="zh-TW" altLang="en-US"/>
+          </a:p>
+        </p:txBody>
+      </p:sp>
+      <p:pic>
+        <p:nvPicPr>
+          <p:cNvPr id="1026" name="Picture 2"/>
+          <p:cNvPicPr>
+            <a:picLocks noChangeAspect="1" noChangeArrowheads="1"/>
+          </p:cNvPicPr>
+          <p:nvPr/>
+        </p:nvPicPr>
+        <p:blipFill>
+          <a:blip r:embed="rId2" cstate="print"/>
+          <a:srcRect/>
+          <a:stretch>
+            <a:fillRect/>
+          </a:stretch>
+        </p:blipFill>
+        <p:spPr bwMode="auto">
+          <a:xfrm>
+            <a:off x="1485900" y="1609725"/>
+            <a:ext cx="6172200" cy="2495550"/>
+          </a:xfrm>
+          <a:prstGeom prst="rect">
+            <a:avLst/>
+          </a:prstGeom>
+          <a:noFill/>
+          <a:ln w="9525">
+            <a:noFill/>
+            <a:miter lim="800000"/>
+            <a:headEnd/>
+            <a:tailEnd/>
+          </a:ln>
+        </p:spPr>
+      </p:pic>
+    </p:spTree>
+  </p:cSld>
+  <p:clrMapOvr>
+    <a:masterClrMapping/>
+  </p:clrMapOvr>
+</p:sld>
+</file>
+
+<file path=ppt/slides/slide34.xml><?xml version="1.0" encoding="utf-8"?>
+<p:sld xmlns:a="http://schemas.openxmlformats.org/drawingml/2006/main" xmlns:r="http://schemas.openxmlformats.org/officeDocument/2006/relationships" xmlns:p="http://schemas.openxmlformats.org/presentationml/2006/main">
+  <p:cSld>
+    <p:spTree>
+      <p:nvGrpSpPr>
+        <p:cNvPr id="1" name=""/>
+        <p:cNvGrpSpPr/>
+        <p:nvPr/>
+      </p:nvGrpSpPr>
+      <p:grpSpPr>
+        <a:xfrm>
+          <a:off x="0" y="0"/>
+          <a:ext cx="0" cy="0"/>
+          <a:chOff x="0" y="0"/>
+          <a:chExt cx="0" cy="0"/>
+        </a:xfrm>
+      </p:grpSpPr>
+      <p:sp>
+        <p:nvSpPr>
+          <p:cNvPr id="2" name="內容版面配置區 1"/>
+          <p:cNvSpPr>
+            <a:spLocks noGrp="1"/>
+          </p:cNvSpPr>
+          <p:nvPr>
+            <p:ph sz="half" idx="2"/>
+          </p:nvPr>
+        </p:nvSpPr>
+        <p:spPr/>
+        <p:txBody>
+          <a:bodyPr/>
+          <a:lstStyle/>
+          <a:p>
             <a:r>
               <a:rPr lang="en-US" altLang="zh-TW" dirty="0" smtClean="0">
                 <a:hlinkClick r:id="rId3"/>
@@ -20417,7 +20491,7 @@
     </p:spTree>
     <p:extLst>
       <p:ext uri="{BB962C8B-B14F-4D97-AF65-F5344CB8AC3E}">
-        <p14:creationId xmlns:p14="http://schemas.microsoft.com/office/powerpoint/2010/main" xmlns="" val="1188013231"/>
+        <p14:creationId xmlns="" xmlns:p14="http://schemas.microsoft.com/office/powerpoint/2010/main" val="1188013231"/>
       </p:ext>
     </p:extLst>
   </p:cSld>
@@ -22872,7 +22946,7 @@
     </p:spTree>
     <p:extLst>
       <p:ext uri="{BB962C8B-B14F-4D97-AF65-F5344CB8AC3E}">
-        <p14:creationId xmlns:p14="http://schemas.microsoft.com/office/powerpoint/2010/main" xmlns="" val="2423379894"/>
+        <p14:creationId xmlns="" xmlns:p14="http://schemas.microsoft.com/office/powerpoint/2010/main" val="2423379894"/>
       </p:ext>
     </p:extLst>
   </p:cSld>
@@ -26319,7 +26393,7 @@
     </p:spTree>
     <p:extLst>
       <p:ext uri="{BB962C8B-B14F-4D97-AF65-F5344CB8AC3E}">
-        <p14:creationId xmlns:p14="http://schemas.microsoft.com/office/powerpoint/2010/main" xmlns="" val="1188013231"/>
+        <p14:creationId xmlns="" xmlns:p14="http://schemas.microsoft.com/office/powerpoint/2010/main" val="1188013231"/>
       </p:ext>
     </p:extLst>
   </p:cSld>
@@ -27721,7 +27795,7 @@
     </p:spTree>
     <p:extLst>
       <p:ext uri="{BB962C8B-B14F-4D97-AF65-F5344CB8AC3E}">
-        <p14:creationId xmlns:p14="http://schemas.microsoft.com/office/powerpoint/2010/main" xmlns="" val="2423379894"/>
+        <p14:creationId xmlns="" xmlns:p14="http://schemas.microsoft.com/office/powerpoint/2010/main" val="2423379894"/>
       </p:ext>
     </p:extLst>
   </p:cSld>

--- a/spi_report_ben.pptx
+++ b/spi_report_ben.pptx
@@ -5,10 +5,10 @@
     <p:sldMasterId id="2147483648" r:id="rId1"/>
   </p:sldMasterIdLst>
   <p:notesMasterIdLst>
-    <p:notesMasterId r:id="rId36"/>
+    <p:notesMasterId r:id="rId35"/>
   </p:notesMasterIdLst>
   <p:handoutMasterIdLst>
-    <p:handoutMasterId r:id="rId37"/>
+    <p:handoutMasterId r:id="rId36"/>
   </p:handoutMasterIdLst>
   <p:sldIdLst>
     <p:sldId id="256" r:id="rId2"/>
@@ -18,56 +18,55 @@
     <p:sldId id="271" r:id="rId6"/>
     <p:sldId id="328" r:id="rId7"/>
     <p:sldId id="327" r:id="rId8"/>
-    <p:sldId id="329" r:id="rId9"/>
-    <p:sldId id="330" r:id="rId10"/>
-    <p:sldId id="346" r:id="rId11"/>
-    <p:sldId id="349" r:id="rId12"/>
-    <p:sldId id="347" r:id="rId13"/>
+    <p:sldId id="352" r:id="rId9"/>
+    <p:sldId id="346" r:id="rId10"/>
+    <p:sldId id="351" r:id="rId11"/>
+    <p:sldId id="347" r:id="rId12"/>
+    <p:sldId id="329" r:id="rId13"/>
     <p:sldId id="273" r:id="rId14"/>
     <p:sldId id="332" r:id="rId15"/>
-    <p:sldId id="333" r:id="rId16"/>
-    <p:sldId id="348" r:id="rId17"/>
-    <p:sldId id="334" r:id="rId18"/>
-    <p:sldId id="335" r:id="rId19"/>
-    <p:sldId id="336" r:id="rId20"/>
-    <p:sldId id="337" r:id="rId21"/>
-    <p:sldId id="338" r:id="rId22"/>
-    <p:sldId id="339" r:id="rId23"/>
-    <p:sldId id="340" r:id="rId24"/>
-    <p:sldId id="341" r:id="rId25"/>
-    <p:sldId id="342" r:id="rId26"/>
-    <p:sldId id="343" r:id="rId27"/>
-    <p:sldId id="344" r:id="rId28"/>
-    <p:sldId id="345" r:id="rId29"/>
-    <p:sldId id="315" r:id="rId30"/>
-    <p:sldId id="314" r:id="rId31"/>
-    <p:sldId id="258" r:id="rId32"/>
-    <p:sldId id="290" r:id="rId33"/>
-    <p:sldId id="350" r:id="rId34"/>
-    <p:sldId id="331" r:id="rId35"/>
+    <p:sldId id="348" r:id="rId16"/>
+    <p:sldId id="334" r:id="rId17"/>
+    <p:sldId id="335" r:id="rId18"/>
+    <p:sldId id="336" r:id="rId19"/>
+    <p:sldId id="337" r:id="rId20"/>
+    <p:sldId id="338" r:id="rId21"/>
+    <p:sldId id="339" r:id="rId22"/>
+    <p:sldId id="340" r:id="rId23"/>
+    <p:sldId id="341" r:id="rId24"/>
+    <p:sldId id="342" r:id="rId25"/>
+    <p:sldId id="343" r:id="rId26"/>
+    <p:sldId id="344" r:id="rId27"/>
+    <p:sldId id="345" r:id="rId28"/>
+    <p:sldId id="315" r:id="rId29"/>
+    <p:sldId id="314" r:id="rId30"/>
+    <p:sldId id="258" r:id="rId31"/>
+    <p:sldId id="290" r:id="rId32"/>
+    <p:sldId id="350" r:id="rId33"/>
+    <p:sldId id="331" r:id="rId34"/>
   </p:sldIdLst>
   <p:sldSz cx="9144000" cy="5715000" type="screen16x10"/>
   <p:notesSz cx="6858000" cy="9144000"/>
   <p:embeddedFontLst>
     <p:embeddedFont>
       <p:font typeface="Futura Bk BT"/>
+      <p:regular r:id="rId37"/>
+    </p:embeddedFont>
+    <p:embeddedFont>
+      <p:font typeface="Arial Unicode MS" pitchFamily="34" charset="-120"/>
       <p:regular r:id="rId38"/>
     </p:embeddedFont>
     <p:embeddedFont>
-      <p:font typeface="Arial Unicode MS" pitchFamily="34" charset="-120"/>
+      <p:font typeface="微軟正黑體" pitchFamily="34" charset="-120"/>
       <p:regular r:id="rId39"/>
-    </p:embeddedFont>
-    <p:embeddedFont>
-      <p:font typeface="微軟正黑體" pitchFamily="34" charset="-120"/>
-      <p:regular r:id="rId40"/>
-      <p:bold r:id="rId41"/>
+      <p:bold r:id="rId40"/>
     </p:embeddedFont>
     <p:embeddedFont>
       <p:font typeface="Calibri" pitchFamily="34" charset="0"/>
-      <p:regular r:id="rId42"/>
-      <p:bold r:id="rId43"/>
-      <p:italic r:id="rId44"/>
-      <p:boldItalic r:id="rId45"/>
+      <p:regular r:id="rId41"/>
+      <p:bold r:id="rId42"/>
+      <p:italic r:id="rId43"/>
+      <p:boldItalic r:id="rId44"/>
     </p:embeddedFont>
   </p:embeddedFontLst>
   <p:defaultTextStyle>
@@ -251,7 +250,7 @@
             <a:fld id="{325154A4-CA18-43B2-977D-6DF08BA83A3D}" type="datetimeFigureOut">
               <a:rPr lang="zh-TW" altLang="en-US" smtClean="0"/>
               <a:pPr/>
-              <a:t>2015/11/9</a:t>
+              <a:t>2015/11/18</a:t>
             </a:fld>
             <a:endParaRPr lang="zh-TW" altLang="en-US"/>
           </a:p>
@@ -418,7 +417,7 @@
             <a:fld id="{956157D8-F6D7-4F1C-8521-742A313DD9E2}" type="datetimeFigureOut">
               <a:rPr lang="zh-TW" altLang="en-US" smtClean="0"/>
               <a:pPr/>
-              <a:t>2015/11/9</a:t>
+              <a:t>2015/11/18</a:t>
             </a:fld>
             <a:endParaRPr lang="zh-TW" altLang="en-US"/>
           </a:p>
@@ -874,7 +873,7 @@
             <a:fld id="{AF8DC78C-5E18-4B5E-A3A5-B4400BC2AE47}" type="slidenum">
               <a:rPr lang="zh-TW" altLang="en-US" smtClean="0"/>
               <a:pPr/>
-              <a:t>24</a:t>
+              <a:t>23</a:t>
             </a:fld>
             <a:endParaRPr lang="zh-TW" altLang="en-US"/>
           </a:p>
@@ -960,7 +959,7 @@
             <a:fld id="{AF8DC78C-5E18-4B5E-A3A5-B4400BC2AE47}" type="slidenum">
               <a:rPr lang="zh-TW" altLang="en-US" smtClean="0"/>
               <a:pPr/>
-              <a:t>30</a:t>
+              <a:t>29</a:t>
             </a:fld>
             <a:endParaRPr lang="zh-TW" altLang="en-US"/>
           </a:p>
@@ -1046,7 +1045,7 @@
             <a:fld id="{AF8DC78C-5E18-4B5E-A3A5-B4400BC2AE47}" type="slidenum">
               <a:rPr lang="zh-TW" altLang="en-US" smtClean="0"/>
               <a:pPr/>
-              <a:t>34</a:t>
+              <a:t>33</a:t>
             </a:fld>
             <a:endParaRPr lang="zh-TW" altLang="en-US"/>
           </a:p>
@@ -1205,6 +1204,209 @@
               <a:tabLst/>
               <a:defRPr/>
             </a:pPr>
+            <a:r>
+              <a:rPr lang="en-US" altLang="zh-TW" sz="1200" dirty="0" err="1" smtClean="0">
+                <a:solidFill>
+                  <a:srgbClr val="FF0000"/>
+                </a:solidFill>
+              </a:rPr>
+              <a:t>struct</a:t>
+            </a:r>
+            <a:r>
+              <a:rPr lang="en-US" altLang="zh-TW" sz="1200" dirty="0" smtClean="0"/>
+              <a:t> </a:t>
+            </a:r>
+            <a:r>
+              <a:rPr lang="en-US" altLang="zh-TW" sz="1200" dirty="0" err="1" smtClean="0"/>
+              <a:t>spi_master</a:t>
+            </a:r>
+            <a:r>
+              <a:rPr lang="en-US" altLang="zh-TW" sz="1200" dirty="0" smtClean="0"/>
+              <a:t> - interface to SPI master controller</a:t>
+            </a:r>
+          </a:p>
+          <a:p>
+            <a:pPr marL="0" marR="0" indent="0" algn="l" defTabSz="914400" rtl="0" eaLnBrk="1" fontAlgn="auto" latinLnBrk="0" hangingPunct="1">
+              <a:lnSpc>
+                <a:spcPct val="100000"/>
+              </a:lnSpc>
+              <a:spcBef>
+                <a:spcPts val="0"/>
+              </a:spcBef>
+              <a:spcAft>
+                <a:spcPts val="0"/>
+              </a:spcAft>
+              <a:buClrTx/>
+              <a:buSzTx/>
+              <a:buFontTx/>
+              <a:buNone/>
+              <a:tabLst/>
+              <a:defRPr/>
+            </a:pPr>
+            <a:r>
+              <a:rPr lang="en-US" altLang="zh-TW" sz="1200" dirty="0" err="1" smtClean="0"/>
+              <a:t>struct</a:t>
+            </a:r>
+            <a:r>
+              <a:rPr lang="en-US" altLang="zh-TW" sz="1200" dirty="0" smtClean="0"/>
+              <a:t> </a:t>
+            </a:r>
+            <a:r>
+              <a:rPr lang="en-US" altLang="zh-TW" sz="1200" dirty="0" err="1" smtClean="0"/>
+              <a:t>spi_driver</a:t>
+            </a:r>
+            <a:r>
+              <a:rPr lang="en-US" altLang="zh-TW" sz="1200" dirty="0" smtClean="0"/>
+              <a:t> - Host side "protocol" driver</a:t>
+            </a:r>
+          </a:p>
+          <a:p>
+            <a:pPr marL="0" marR="0" indent="0" algn="l" defTabSz="914400" rtl="0" eaLnBrk="1" fontAlgn="auto" latinLnBrk="0" hangingPunct="1">
+              <a:lnSpc>
+                <a:spcPct val="100000"/>
+              </a:lnSpc>
+              <a:spcBef>
+                <a:spcPts val="0"/>
+              </a:spcBef>
+              <a:spcAft>
+                <a:spcPts val="0"/>
+              </a:spcAft>
+              <a:buClrTx/>
+              <a:buSzTx/>
+              <a:buFontTx/>
+              <a:buNone/>
+              <a:tabLst/>
+              <a:defRPr/>
+            </a:pPr>
+            <a:r>
+              <a:rPr lang="en-US" altLang="zh-TW" sz="1200" dirty="0" err="1" smtClean="0"/>
+              <a:t>struct</a:t>
+            </a:r>
+            <a:r>
+              <a:rPr lang="en-US" altLang="zh-TW" sz="1200" dirty="0" smtClean="0"/>
+              <a:t> </a:t>
+            </a:r>
+            <a:r>
+              <a:rPr lang="en-US" altLang="zh-TW" sz="1200" dirty="0" err="1" smtClean="0"/>
+              <a:t>spi_device</a:t>
+            </a:r>
+            <a:r>
+              <a:rPr lang="en-US" altLang="zh-TW" sz="1200" dirty="0" smtClean="0"/>
+              <a:t> - Master side proxy for an SPI slave device</a:t>
+            </a:r>
+          </a:p>
+          <a:p>
+            <a:pPr marL="0" marR="0" indent="0" algn="l" defTabSz="914400" rtl="0" eaLnBrk="1" fontAlgn="auto" latinLnBrk="0" hangingPunct="1">
+              <a:lnSpc>
+                <a:spcPct val="100000"/>
+              </a:lnSpc>
+              <a:spcBef>
+                <a:spcPts val="0"/>
+              </a:spcBef>
+              <a:spcAft>
+                <a:spcPts val="0"/>
+              </a:spcAft>
+              <a:buClrTx/>
+              <a:buSzTx/>
+              <a:buFontTx/>
+              <a:buNone/>
+              <a:tabLst/>
+              <a:defRPr/>
+            </a:pPr>
+            <a:r>
+              <a:rPr lang="en-US" altLang="zh-TW" sz="1200" dirty="0" err="1" smtClean="0"/>
+              <a:t>struct</a:t>
+            </a:r>
+            <a:r>
+              <a:rPr lang="en-US" altLang="zh-TW" sz="1200" dirty="0" smtClean="0"/>
+              <a:t> </a:t>
+            </a:r>
+            <a:r>
+              <a:rPr lang="en-US" altLang="zh-TW" sz="1200" dirty="0" err="1" smtClean="0"/>
+              <a:t>spi_transfer</a:t>
+            </a:r>
+            <a:r>
+              <a:rPr lang="en-US" altLang="zh-TW" sz="1200" dirty="0" smtClean="0"/>
+              <a:t> - a read/write buffer pair</a:t>
+            </a:r>
+          </a:p>
+          <a:p>
+            <a:pPr marL="0" marR="0" indent="0" algn="l" defTabSz="914400" rtl="0" eaLnBrk="1" fontAlgn="auto" latinLnBrk="0" hangingPunct="1">
+              <a:lnSpc>
+                <a:spcPct val="100000"/>
+              </a:lnSpc>
+              <a:spcBef>
+                <a:spcPts val="0"/>
+              </a:spcBef>
+              <a:spcAft>
+                <a:spcPts val="0"/>
+              </a:spcAft>
+              <a:buClrTx/>
+              <a:buSzTx/>
+              <a:buFontTx/>
+              <a:buNone/>
+              <a:tabLst/>
+              <a:defRPr/>
+            </a:pPr>
+            <a:r>
+              <a:rPr lang="en-US" altLang="zh-TW" sz="1200" dirty="0" smtClean="0"/>
+              <a:t> </a:t>
+            </a:r>
+            <a:r>
+              <a:rPr lang="en-US" altLang="zh-TW" sz="1200" dirty="0" err="1" smtClean="0"/>
+              <a:t>struct</a:t>
+            </a:r>
+            <a:r>
+              <a:rPr lang="en-US" altLang="zh-TW" sz="1200" dirty="0" smtClean="0"/>
+              <a:t> </a:t>
+            </a:r>
+            <a:r>
+              <a:rPr lang="en-US" altLang="zh-TW" sz="1200" dirty="0" err="1" smtClean="0"/>
+              <a:t>spi_message</a:t>
+            </a:r>
+            <a:r>
+              <a:rPr lang="en-US" altLang="zh-TW" sz="1200" dirty="0" smtClean="0"/>
+              <a:t> - one multi-segment SPI transaction</a:t>
+            </a:r>
+          </a:p>
+          <a:p>
+            <a:pPr marL="0" marR="0" indent="0" algn="l" defTabSz="914400" rtl="0" eaLnBrk="1" fontAlgn="auto" latinLnBrk="0" hangingPunct="1">
+              <a:lnSpc>
+                <a:spcPct val="100000"/>
+              </a:lnSpc>
+              <a:spcBef>
+                <a:spcPts val="0"/>
+              </a:spcBef>
+              <a:spcAft>
+                <a:spcPts val="0"/>
+              </a:spcAft>
+              <a:buClrTx/>
+              <a:buSzTx/>
+              <a:buFontTx/>
+              <a:buNone/>
+              <a:tabLst/>
+              <a:defRPr/>
+            </a:pPr>
+            <a:endParaRPr lang="en-US" altLang="zh-TW" sz="1200" dirty="0" smtClean="0"/>
+          </a:p>
+          <a:p>
+            <a:pPr marL="0" marR="0" indent="0" algn="l" defTabSz="914400" rtl="0" eaLnBrk="1" fontAlgn="auto" latinLnBrk="0" hangingPunct="1">
+              <a:lnSpc>
+                <a:spcPct val="100000"/>
+              </a:lnSpc>
+              <a:spcBef>
+                <a:spcPts val="0"/>
+              </a:spcBef>
+              <a:spcAft>
+                <a:spcPts val="0"/>
+              </a:spcAft>
+              <a:buClrTx/>
+              <a:buSzTx/>
+              <a:buFontTx/>
+              <a:buNone/>
+              <a:tabLst/>
+              <a:defRPr/>
+            </a:pPr>
             <a:endParaRPr lang="en-US" altLang="zh-TW" sz="1200" dirty="0" smtClean="0"/>
           </a:p>
         </p:txBody>
@@ -1441,24 +1643,7 @@
           </a:bodyPr>
           <a:lstStyle/>
           <a:p>
-            <a:pPr marL="0" marR="0" indent="0" algn="l" defTabSz="914400" rtl="0" eaLnBrk="1" fontAlgn="auto" latinLnBrk="0" hangingPunct="1">
-              <a:lnSpc>
-                <a:spcPct val="100000"/>
-              </a:lnSpc>
-              <a:spcBef>
-                <a:spcPts val="0"/>
-              </a:spcBef>
-              <a:spcAft>
-                <a:spcPts val="0"/>
-              </a:spcAft>
-              <a:buClrTx/>
-              <a:buSzTx/>
-              <a:buFontTx/>
-              <a:buNone/>
-              <a:tabLst/>
-              <a:defRPr/>
-            </a:pPr>
-            <a:endParaRPr lang="en-US" altLang="zh-TW" sz="1200" dirty="0" smtClean="0"/>
+            <a:endParaRPr lang="zh-TW" altLang="en-US" dirty="0"/>
           </a:p>
         </p:txBody>
       </p:sp>
@@ -1480,7 +1665,7 @@
             <a:fld id="{AF8DC78C-5E18-4B5E-A3A5-B4400BC2AE47}" type="slidenum">
               <a:rPr lang="zh-TW" altLang="en-US" smtClean="0"/>
               <a:pPr/>
-              <a:t>9</a:t>
+              <a:t>10</a:t>
             </a:fld>
             <a:endParaRPr lang="zh-TW" altLang="en-US"/>
           </a:p>
@@ -1745,7 +1930,7 @@
             <a:fld id="{AF8DC78C-5E18-4B5E-A3A5-B4400BC2AE47}" type="slidenum">
               <a:rPr lang="zh-TW" altLang="en-US" smtClean="0"/>
               <a:pPr/>
-              <a:t>20</a:t>
+              <a:t>19</a:t>
             </a:fld>
             <a:endParaRPr lang="zh-TW" altLang="en-US"/>
           </a:p>
@@ -1886,7 +2071,7 @@
             <a:fld id="{AF8DC78C-5E18-4B5E-A3A5-B4400BC2AE47}" type="slidenum">
               <a:rPr lang="zh-TW" altLang="en-US" smtClean="0"/>
               <a:pPr/>
-              <a:t>21</a:t>
+              <a:t>20</a:t>
             </a:fld>
             <a:endParaRPr lang="zh-TW" altLang="en-US"/>
           </a:p>
@@ -1968,7 +2153,7 @@
             <a:fld id="{AF8DC78C-5E18-4B5E-A3A5-B4400BC2AE47}" type="slidenum">
               <a:rPr lang="zh-TW" altLang="en-US" smtClean="0"/>
               <a:pPr/>
-              <a:t>22</a:t>
+              <a:t>21</a:t>
             </a:fld>
             <a:endParaRPr lang="zh-TW" altLang="en-US"/>
           </a:p>
@@ -6186,7 +6371,7 @@
                 <a:tabLst/>
                 <a:defRPr/>
               </a:pPr>
-              <a:t>2015/11/9</a:t>
+              <a:t>2015/11/18</a:t>
             </a:fld>
             <a:endParaRPr kumimoji="0" lang="zh-TW" altLang="en-US" sz="1050" b="0" i="0" u="none" strike="noStrike" kern="1200" cap="none" spc="0" normalizeH="0" baseline="0" noProof="0" dirty="0">
               <a:ln>
@@ -6260,167 +6445,7 @@
           <a:bodyPr/>
           <a:lstStyle/>
           <a:p>
-            <a:r>
-              <a:rPr lang="en-US" altLang="zh-TW" sz="1200" dirty="0" smtClean="0"/>
-              <a:t>SPI</a:t>
-            </a:r>
-            <a:r>
-              <a:rPr lang="zh-TW" altLang="en-US" sz="1200" dirty="0" smtClean="0"/>
-              <a:t>數據傳輸可以有兩種方式：</a:t>
-            </a:r>
-            <a:r>
-              <a:rPr lang="zh-TW" altLang="en-US" sz="1200" b="1" dirty="0" smtClean="0"/>
-              <a:t>同步方式</a:t>
-            </a:r>
-            <a:r>
-              <a:rPr lang="zh-TW" altLang="en-US" sz="1200" dirty="0" smtClean="0"/>
-              <a:t>和</a:t>
-            </a:r>
-            <a:r>
-              <a:rPr lang="zh-TW" altLang="en-US" sz="1200" b="1" dirty="0" smtClean="0"/>
-              <a:t>異步方式</a:t>
-            </a:r>
-            <a:r>
-              <a:rPr lang="zh-TW" altLang="en-US" sz="1200" dirty="0" smtClean="0"/>
-              <a:t>。</a:t>
-            </a:r>
-            <a:endParaRPr lang="en-US" altLang="zh-TW" sz="1200" dirty="0" smtClean="0"/>
-          </a:p>
-          <a:p>
-            <a:r>
-              <a:rPr lang="zh-TW" altLang="en-US" sz="1200" dirty="0" smtClean="0"/>
-              <a:t>對於</a:t>
-            </a:r>
-            <a:r>
-              <a:rPr lang="en-US" altLang="zh-TW" sz="1200" dirty="0" smtClean="0"/>
-              <a:t>SPI</a:t>
-            </a:r>
-            <a:r>
-              <a:rPr lang="zh-TW" altLang="en-US" sz="1200" dirty="0" smtClean="0"/>
-              <a:t>控制器來說，要支持異步方式必須要考慮以下兩種狀況：</a:t>
-            </a:r>
-          </a:p>
-          <a:p>
-            <a:pPr lvl="1"/>
-            <a:r>
-              <a:rPr lang="zh-TW" altLang="en-US" sz="1000" dirty="0" smtClean="0"/>
-              <a:t>對於</a:t>
-            </a:r>
-            <a:r>
-              <a:rPr lang="zh-TW" altLang="en-US" sz="1000" b="1" dirty="0" smtClean="0"/>
-              <a:t>同一個數據傳輸的發起者</a:t>
-            </a:r>
-            <a:r>
-              <a:rPr lang="zh-TW" altLang="en-US" sz="1000" dirty="0" smtClean="0"/>
-              <a:t>，既然異步方式無需等待數據傳輸完成即可返回，返回後，該發起者可以立刻又發起一個</a:t>
-            </a:r>
-            <a:r>
-              <a:rPr lang="en-US" altLang="zh-TW" sz="1000" dirty="0" smtClean="0"/>
-              <a:t>message</a:t>
-            </a:r>
-            <a:r>
-              <a:rPr lang="zh-TW" altLang="en-US" sz="1000" dirty="0" smtClean="0"/>
-              <a:t>，而這時上一個</a:t>
-            </a:r>
-            <a:r>
-              <a:rPr lang="en-US" altLang="zh-TW" sz="1000" dirty="0" smtClean="0"/>
-              <a:t>message</a:t>
-            </a:r>
-            <a:r>
-              <a:rPr lang="zh-TW" altLang="en-US" sz="1000" dirty="0" smtClean="0"/>
-              <a:t>還沒有處理完。</a:t>
-            </a:r>
-            <a:endParaRPr lang="en-US" altLang="zh-TW" sz="1000" dirty="0" smtClean="0"/>
-          </a:p>
-          <a:p>
-            <a:pPr lvl="1"/>
-            <a:r>
-              <a:rPr lang="zh-TW" altLang="en-US" sz="1000" dirty="0" smtClean="0"/>
-              <a:t>對於</a:t>
-            </a:r>
-            <a:r>
-              <a:rPr lang="zh-TW" altLang="en-US" sz="1000" b="1" dirty="0" smtClean="0"/>
-              <a:t>另外一個不同的發起者來說</a:t>
-            </a:r>
-            <a:r>
-              <a:rPr lang="zh-TW" altLang="en-US" sz="1000" dirty="0" smtClean="0"/>
-              <a:t>，也有可能同時發起一次</a:t>
-            </a:r>
-            <a:r>
-              <a:rPr lang="en-US" altLang="zh-TW" sz="1000" dirty="0" smtClean="0"/>
-              <a:t>message</a:t>
-            </a:r>
-            <a:r>
-              <a:rPr lang="zh-TW" altLang="en-US" sz="1000" dirty="0" smtClean="0"/>
-              <a:t>傳輸請求。</a:t>
-            </a:r>
-            <a:endParaRPr lang="en-US" altLang="zh-TW" sz="1000" dirty="0" smtClean="0"/>
-          </a:p>
-          <a:p>
-            <a:r>
-              <a:rPr lang="zh-TW" altLang="en-US" sz="1200" b="1" dirty="0" smtClean="0"/>
-              <a:t>隊列化</a:t>
-            </a:r>
-            <a:r>
-              <a:rPr lang="zh-TW" altLang="en-US" sz="1200" dirty="0" smtClean="0"/>
-              <a:t>正是為了為了解決以上的問題，所謂隊列化，是指把等待傳輸的</a:t>
-            </a:r>
-            <a:r>
-              <a:rPr lang="en-US" altLang="zh-TW" sz="1200" dirty="0" smtClean="0"/>
-              <a:t>message</a:t>
-            </a:r>
-            <a:r>
-              <a:rPr lang="zh-TW" altLang="en-US" sz="1200" dirty="0" smtClean="0"/>
-              <a:t>放入一個等待隊列中，發起一個傳輸操作，其實就是把對應的</a:t>
-            </a:r>
-            <a:r>
-              <a:rPr lang="en-US" altLang="zh-TW" sz="1200" dirty="0" smtClean="0"/>
-              <a:t>message</a:t>
-            </a:r>
-            <a:r>
-              <a:rPr lang="zh-TW" altLang="en-US" sz="1200" dirty="0" smtClean="0"/>
-              <a:t>按先後順序放入一個等待隊列中，系統會在不斷檢測隊列中是否有等待傳輸的</a:t>
-            </a:r>
-            <a:r>
-              <a:rPr lang="en-US" altLang="zh-TW" sz="1200" dirty="0" smtClean="0"/>
-              <a:t>message</a:t>
-            </a:r>
-            <a:r>
-              <a:rPr lang="zh-TW" altLang="en-US" sz="1200" dirty="0" smtClean="0"/>
-              <a:t>，如果有就不停地調度數據傳輸內核線程，逐個取出隊列中的</a:t>
-            </a:r>
-            <a:r>
-              <a:rPr lang="en-US" altLang="zh-TW" sz="1200" dirty="0" smtClean="0"/>
-              <a:t>message</a:t>
-            </a:r>
-            <a:r>
-              <a:rPr lang="zh-TW" altLang="en-US" sz="1200" dirty="0" smtClean="0"/>
-              <a:t>進行處理，直到隊列變空為止。</a:t>
-            </a:r>
-            <a:endParaRPr lang="en-US" altLang="zh-TW" sz="1200" dirty="0" smtClean="0"/>
-          </a:p>
-          <a:p>
-            <a:r>
-              <a:rPr lang="zh-TW" altLang="en-US" sz="1200" dirty="0" smtClean="0"/>
-              <a:t>線程</a:t>
-            </a:r>
-            <a:r>
-              <a:rPr lang="en-US" altLang="zh-TW" sz="1200" dirty="0" smtClean="0"/>
-              <a:t>(thread)</a:t>
-            </a:r>
-            <a:r>
-              <a:rPr lang="zh-TW" altLang="en-US" sz="1200" dirty="0" smtClean="0"/>
-              <a:t>與進程</a:t>
-            </a:r>
-            <a:r>
-              <a:rPr lang="en-US" altLang="zh-TW" sz="1200" dirty="0" smtClean="0"/>
-              <a:t>(process)</a:t>
-            </a:r>
-            <a:r>
-              <a:rPr lang="zh-TW" altLang="en-US" sz="1200" dirty="0" smtClean="0"/>
-              <a:t>的區別</a:t>
-            </a:r>
-            <a:endParaRPr lang="zh-TW" altLang="en-US" sz="1200" dirty="0"/>
+            <a:endParaRPr lang="zh-TW" altLang="en-US" dirty="0"/>
           </a:p>
         </p:txBody>
       </p:sp>
@@ -6439,10 +6464,2650 @@
           <a:bodyPr/>
           <a:lstStyle/>
           <a:p>
-            <a:endParaRPr lang="zh-TW" altLang="en-US"/>
-          </a:p>
-        </p:txBody>
-      </p:sp>
+            <a:r>
+              <a:rPr lang="en-US" altLang="zh-TW" dirty="0" smtClean="0"/>
+              <a:t>SPI – </a:t>
+            </a:r>
+            <a:r>
+              <a:rPr lang="zh-TW" altLang="en-US" dirty="0" smtClean="0"/>
+              <a:t>隊列化</a:t>
+            </a:r>
+            <a:endParaRPr lang="zh-TW" altLang="en-US" dirty="0"/>
+          </a:p>
+        </p:txBody>
+      </p:sp>
+      <p:sp>
+        <p:nvSpPr>
+          <p:cNvPr id="6" name="矩形 5"/>
+          <p:cNvSpPr/>
+          <p:nvPr/>
+        </p:nvSpPr>
+        <p:spPr>
+          <a:xfrm>
+            <a:off x="1475656" y="1273324"/>
+            <a:ext cx="792088" cy="144016"/>
+          </a:xfrm>
+          <a:prstGeom prst="rect">
+            <a:avLst/>
+          </a:prstGeom>
+          <a:solidFill>
+            <a:schemeClr val="accent3">
+              <a:lumMod val="75000"/>
+            </a:schemeClr>
+          </a:solidFill>
+          <a:ln>
+            <a:solidFill>
+              <a:schemeClr val="accent3">
+                <a:lumMod val="40000"/>
+                <a:lumOff val="60000"/>
+              </a:schemeClr>
+            </a:solidFill>
+          </a:ln>
+        </p:spPr>
+        <p:style>
+          <a:lnRef idx="1">
+            <a:schemeClr val="accent3"/>
+          </a:lnRef>
+          <a:fillRef idx="2">
+            <a:schemeClr val="accent3"/>
+          </a:fillRef>
+          <a:effectRef idx="1">
+            <a:schemeClr val="accent3"/>
+          </a:effectRef>
+          <a:fontRef idx="minor">
+            <a:schemeClr val="dk1"/>
+          </a:fontRef>
+        </p:style>
+        <p:txBody>
+          <a:bodyPr rtlCol="0" anchor="ctr"/>
+          <a:lstStyle/>
+          <a:p>
+            <a:pPr algn="ctr"/>
+            <a:r>
+              <a:rPr lang="en-US" altLang="zh-TW" sz="1000" dirty="0" err="1" smtClean="0"/>
+              <a:t>Spi_master</a:t>
+            </a:r>
+            <a:endParaRPr lang="zh-TW" altLang="en-US" sz="1000" dirty="0" smtClean="0"/>
+          </a:p>
+        </p:txBody>
+      </p:sp>
+      <p:sp>
+        <p:nvSpPr>
+          <p:cNvPr id="7" name="矩形 6"/>
+          <p:cNvSpPr/>
+          <p:nvPr/>
+        </p:nvSpPr>
+        <p:spPr>
+          <a:xfrm>
+            <a:off x="1475656" y="1425724"/>
+            <a:ext cx="792088" cy="144016"/>
+          </a:xfrm>
+          <a:prstGeom prst="rect">
+            <a:avLst/>
+          </a:prstGeom>
+          <a:solidFill>
+            <a:schemeClr val="accent3">
+              <a:lumMod val="40000"/>
+              <a:lumOff val="60000"/>
+            </a:schemeClr>
+          </a:solidFill>
+        </p:spPr>
+        <p:style>
+          <a:lnRef idx="1">
+            <a:schemeClr val="accent3"/>
+          </a:lnRef>
+          <a:fillRef idx="2">
+            <a:schemeClr val="accent3"/>
+          </a:fillRef>
+          <a:effectRef idx="1">
+            <a:schemeClr val="accent3"/>
+          </a:effectRef>
+          <a:fontRef idx="minor">
+            <a:schemeClr val="dk1"/>
+          </a:fontRef>
+        </p:style>
+        <p:txBody>
+          <a:bodyPr rtlCol="0" anchor="ctr"/>
+          <a:lstStyle/>
+          <a:p>
+            <a:pPr algn="ctr"/>
+            <a:r>
+              <a:rPr lang="en-US" altLang="zh-TW" sz="1000" dirty="0" smtClean="0"/>
+              <a:t>list</a:t>
+            </a:r>
+            <a:endParaRPr lang="zh-TW" altLang="en-US" sz="1000" dirty="0" smtClean="0"/>
+          </a:p>
+        </p:txBody>
+      </p:sp>
+      <p:sp>
+        <p:nvSpPr>
+          <p:cNvPr id="8" name="矩形 7"/>
+          <p:cNvSpPr/>
+          <p:nvPr/>
+        </p:nvSpPr>
+        <p:spPr>
+          <a:xfrm>
+            <a:off x="1475656" y="1561356"/>
+            <a:ext cx="792088" cy="144016"/>
+          </a:xfrm>
+          <a:prstGeom prst="rect">
+            <a:avLst/>
+          </a:prstGeom>
+          <a:solidFill>
+            <a:schemeClr val="accent3">
+              <a:lumMod val="40000"/>
+              <a:lumOff val="60000"/>
+            </a:schemeClr>
+          </a:solidFill>
+        </p:spPr>
+        <p:style>
+          <a:lnRef idx="1">
+            <a:schemeClr val="accent3"/>
+          </a:lnRef>
+          <a:fillRef idx="2">
+            <a:schemeClr val="accent3"/>
+          </a:fillRef>
+          <a:effectRef idx="1">
+            <a:schemeClr val="accent3"/>
+          </a:effectRef>
+          <a:fontRef idx="minor">
+            <a:schemeClr val="dk1"/>
+          </a:fontRef>
+        </p:style>
+        <p:txBody>
+          <a:bodyPr rtlCol="0" anchor="ctr"/>
+          <a:lstStyle/>
+          <a:p>
+            <a:pPr algn="ctr"/>
+            <a:r>
+              <a:rPr lang="en-US" altLang="zh-TW" sz="1000" dirty="0" smtClean="0"/>
+              <a:t>….</a:t>
+            </a:r>
+            <a:endParaRPr lang="zh-TW" altLang="en-US" sz="1000" dirty="0" smtClean="0"/>
+          </a:p>
+        </p:txBody>
+      </p:sp>
+      <p:sp>
+        <p:nvSpPr>
+          <p:cNvPr id="9" name="矩形 8"/>
+          <p:cNvSpPr/>
+          <p:nvPr/>
+        </p:nvSpPr>
+        <p:spPr>
+          <a:xfrm>
+            <a:off x="1475656" y="1705372"/>
+            <a:ext cx="792088" cy="144016"/>
+          </a:xfrm>
+          <a:prstGeom prst="rect">
+            <a:avLst/>
+          </a:prstGeom>
+          <a:solidFill>
+            <a:schemeClr val="accent3">
+              <a:lumMod val="40000"/>
+              <a:lumOff val="60000"/>
+            </a:schemeClr>
+          </a:solidFill>
+        </p:spPr>
+        <p:style>
+          <a:lnRef idx="1">
+            <a:schemeClr val="accent3"/>
+          </a:lnRef>
+          <a:fillRef idx="2">
+            <a:schemeClr val="accent3"/>
+          </a:fillRef>
+          <a:effectRef idx="1">
+            <a:schemeClr val="accent3"/>
+          </a:effectRef>
+          <a:fontRef idx="minor">
+            <a:schemeClr val="dk1"/>
+          </a:fontRef>
+        </p:style>
+        <p:txBody>
+          <a:bodyPr rtlCol="0" anchor="ctr"/>
+          <a:lstStyle/>
+          <a:p>
+            <a:pPr algn="ctr"/>
+            <a:r>
+              <a:rPr lang="en-US" altLang="zh-TW" sz="1000" b="1" dirty="0" smtClean="0">
+                <a:solidFill>
+                  <a:schemeClr val="accent6">
+                    <a:lumMod val="50000"/>
+                  </a:schemeClr>
+                </a:solidFill>
+              </a:rPr>
+              <a:t>queue</a:t>
+            </a:r>
+            <a:endParaRPr lang="zh-TW" altLang="en-US" sz="1000" b="1" dirty="0" smtClean="0">
+              <a:solidFill>
+                <a:schemeClr val="accent6">
+                  <a:lumMod val="50000"/>
+                </a:schemeClr>
+              </a:solidFill>
+            </a:endParaRPr>
+          </a:p>
+        </p:txBody>
+      </p:sp>
+      <p:sp>
+        <p:nvSpPr>
+          <p:cNvPr id="10" name="圓角矩形 9"/>
+          <p:cNvSpPr/>
+          <p:nvPr/>
+        </p:nvSpPr>
+        <p:spPr>
+          <a:xfrm>
+            <a:off x="1691680" y="2065412"/>
+            <a:ext cx="1440160" cy="216024"/>
+          </a:xfrm>
+          <a:prstGeom prst="roundRect">
+            <a:avLst/>
+          </a:prstGeom>
+        </p:spPr>
+        <p:style>
+          <a:lnRef idx="1">
+            <a:schemeClr val="accent3"/>
+          </a:lnRef>
+          <a:fillRef idx="3">
+            <a:schemeClr val="accent3"/>
+          </a:fillRef>
+          <a:effectRef idx="2">
+            <a:schemeClr val="accent3"/>
+          </a:effectRef>
+          <a:fontRef idx="minor">
+            <a:schemeClr val="lt1"/>
+          </a:fontRef>
+        </p:style>
+        <p:txBody>
+          <a:bodyPr rtlCol="0" anchor="ctr"/>
+          <a:lstStyle/>
+          <a:p>
+            <a:pPr algn="ctr"/>
+            <a:r>
+              <a:rPr lang="en-US" altLang="zh-TW" sz="800" dirty="0" err="1" smtClean="0"/>
+              <a:t>spi_queued_transfer</a:t>
+            </a:r>
+            <a:endParaRPr lang="zh-TW" altLang="en-US" sz="800" dirty="0" smtClean="0"/>
+          </a:p>
+        </p:txBody>
+      </p:sp>
+      <p:sp>
+        <p:nvSpPr>
+          <p:cNvPr id="11" name="圓角矩形 10"/>
+          <p:cNvSpPr/>
+          <p:nvPr/>
+        </p:nvSpPr>
+        <p:spPr>
+          <a:xfrm>
+            <a:off x="1115616" y="2497460"/>
+            <a:ext cx="2304256" cy="216024"/>
+          </a:xfrm>
+          <a:prstGeom prst="roundRect">
+            <a:avLst/>
+          </a:prstGeom>
+        </p:spPr>
+        <p:style>
+          <a:lnRef idx="1">
+            <a:schemeClr val="accent3"/>
+          </a:lnRef>
+          <a:fillRef idx="3">
+            <a:schemeClr val="accent3"/>
+          </a:fillRef>
+          <a:effectRef idx="2">
+            <a:schemeClr val="accent3"/>
+          </a:effectRef>
+          <a:fontRef idx="minor">
+            <a:schemeClr val="lt1"/>
+          </a:fontRef>
+        </p:style>
+        <p:txBody>
+          <a:bodyPr rtlCol="0" anchor="ctr"/>
+          <a:lstStyle/>
+          <a:p>
+            <a:r>
+              <a:rPr lang="en-US" altLang="zh-TW" sz="800" dirty="0" err="1" smtClean="0"/>
+              <a:t>list_add_tail</a:t>
+            </a:r>
+            <a:r>
+              <a:rPr lang="en-US" altLang="zh-TW" sz="800" dirty="0" smtClean="0"/>
+              <a:t>(&amp;</a:t>
+            </a:r>
+            <a:r>
+              <a:rPr lang="en-US" altLang="zh-TW" sz="800" dirty="0" err="1" smtClean="0"/>
+              <a:t>msg</a:t>
+            </a:r>
+            <a:r>
+              <a:rPr lang="en-US" altLang="zh-TW" sz="800" dirty="0" smtClean="0"/>
+              <a:t>-&gt;queue, &amp;master-&gt;queue)</a:t>
+            </a:r>
+            <a:endParaRPr lang="zh-TW" altLang="en-US" sz="800" dirty="0"/>
+          </a:p>
+        </p:txBody>
+      </p:sp>
+      <p:cxnSp>
+        <p:nvCxnSpPr>
+          <p:cNvPr id="13" name="直線單箭頭接點 12"/>
+          <p:cNvCxnSpPr>
+            <a:stCxn id="10" idx="2"/>
+          </p:cNvCxnSpPr>
+          <p:nvPr/>
+        </p:nvCxnSpPr>
+        <p:spPr>
+          <a:xfrm>
+            <a:off x="2411760" y="2281436"/>
+            <a:ext cx="0" cy="216024"/>
+          </a:xfrm>
+          <a:prstGeom prst="straightConnector1">
+            <a:avLst/>
+          </a:prstGeom>
+          <a:ln w="12700">
+            <a:solidFill>
+              <a:schemeClr val="accent3">
+                <a:lumMod val="60000"/>
+                <a:lumOff val="40000"/>
+              </a:schemeClr>
+            </a:solidFill>
+            <a:tailEnd type="arrow"/>
+          </a:ln>
+        </p:spPr>
+        <p:style>
+          <a:lnRef idx="1">
+            <a:schemeClr val="accent1"/>
+          </a:lnRef>
+          <a:fillRef idx="0">
+            <a:schemeClr val="accent1"/>
+          </a:fillRef>
+          <a:effectRef idx="0">
+            <a:schemeClr val="accent1"/>
+          </a:effectRef>
+          <a:fontRef idx="minor">
+            <a:schemeClr val="tx1"/>
+          </a:fontRef>
+        </p:style>
+      </p:cxnSp>
+      <p:sp>
+        <p:nvSpPr>
+          <p:cNvPr id="16" name="矩形 15"/>
+          <p:cNvSpPr/>
+          <p:nvPr/>
+        </p:nvSpPr>
+        <p:spPr>
+          <a:xfrm>
+            <a:off x="3923928" y="1273324"/>
+            <a:ext cx="936104" cy="144016"/>
+          </a:xfrm>
+          <a:prstGeom prst="rect">
+            <a:avLst/>
+          </a:prstGeom>
+          <a:solidFill>
+            <a:schemeClr val="accent2">
+              <a:lumMod val="75000"/>
+            </a:schemeClr>
+          </a:solidFill>
+          <a:ln>
+            <a:solidFill>
+              <a:schemeClr val="accent6">
+                <a:lumMod val="60000"/>
+                <a:lumOff val="40000"/>
+              </a:schemeClr>
+            </a:solidFill>
+          </a:ln>
+        </p:spPr>
+        <p:style>
+          <a:lnRef idx="1">
+            <a:schemeClr val="accent3"/>
+          </a:lnRef>
+          <a:fillRef idx="2">
+            <a:schemeClr val="accent3"/>
+          </a:fillRef>
+          <a:effectRef idx="1">
+            <a:schemeClr val="accent3"/>
+          </a:effectRef>
+          <a:fontRef idx="minor">
+            <a:schemeClr val="dk1"/>
+          </a:fontRef>
+        </p:style>
+        <p:txBody>
+          <a:bodyPr rtlCol="0" anchor="ctr"/>
+          <a:lstStyle/>
+          <a:p>
+            <a:pPr algn="ctr"/>
+            <a:r>
+              <a:rPr lang="en-US" altLang="zh-TW" sz="1000" b="1" dirty="0" err="1" smtClean="0">
+                <a:solidFill>
+                  <a:schemeClr val="accent6">
+                    <a:lumMod val="60000"/>
+                    <a:lumOff val="40000"/>
+                  </a:schemeClr>
+                </a:solidFill>
+              </a:rPr>
+              <a:t>Spi_message</a:t>
+            </a:r>
+            <a:endParaRPr lang="zh-TW" altLang="en-US" sz="1000" b="1" dirty="0" smtClean="0">
+              <a:solidFill>
+                <a:schemeClr val="accent6">
+                  <a:lumMod val="60000"/>
+                  <a:lumOff val="40000"/>
+                </a:schemeClr>
+              </a:solidFill>
+            </a:endParaRPr>
+          </a:p>
+        </p:txBody>
+      </p:sp>
+      <p:sp>
+        <p:nvSpPr>
+          <p:cNvPr id="17" name="矩形 16"/>
+          <p:cNvSpPr/>
+          <p:nvPr/>
+        </p:nvSpPr>
+        <p:spPr>
+          <a:xfrm>
+            <a:off x="3923928" y="1425724"/>
+            <a:ext cx="936104" cy="144016"/>
+          </a:xfrm>
+          <a:prstGeom prst="rect">
+            <a:avLst/>
+          </a:prstGeom>
+          <a:solidFill>
+            <a:schemeClr val="accent6">
+              <a:lumMod val="40000"/>
+              <a:lumOff val="60000"/>
+            </a:schemeClr>
+          </a:solidFill>
+          <a:ln>
+            <a:solidFill>
+              <a:schemeClr val="accent2">
+                <a:lumMod val="75000"/>
+              </a:schemeClr>
+            </a:solidFill>
+          </a:ln>
+        </p:spPr>
+        <p:style>
+          <a:lnRef idx="1">
+            <a:schemeClr val="accent3"/>
+          </a:lnRef>
+          <a:fillRef idx="2">
+            <a:schemeClr val="accent3"/>
+          </a:fillRef>
+          <a:effectRef idx="1">
+            <a:schemeClr val="accent3"/>
+          </a:effectRef>
+          <a:fontRef idx="minor">
+            <a:schemeClr val="dk1"/>
+          </a:fontRef>
+        </p:style>
+        <p:txBody>
+          <a:bodyPr rtlCol="0" anchor="ctr"/>
+          <a:lstStyle/>
+          <a:p>
+            <a:pPr algn="ctr"/>
+            <a:r>
+              <a:rPr lang="en-US" altLang="zh-TW" sz="1000" dirty="0" smtClean="0">
+                <a:solidFill>
+                  <a:schemeClr val="tx2">
+                    <a:lumMod val="75000"/>
+                  </a:schemeClr>
+                </a:solidFill>
+              </a:rPr>
+              <a:t>transfers</a:t>
+            </a:r>
+            <a:endParaRPr lang="zh-TW" altLang="en-US" sz="1000" dirty="0" smtClean="0">
+              <a:solidFill>
+                <a:schemeClr val="tx2">
+                  <a:lumMod val="75000"/>
+                </a:schemeClr>
+              </a:solidFill>
+            </a:endParaRPr>
+          </a:p>
+        </p:txBody>
+      </p:sp>
+      <p:sp>
+        <p:nvSpPr>
+          <p:cNvPr id="18" name="矩形 17"/>
+          <p:cNvSpPr/>
+          <p:nvPr/>
+        </p:nvSpPr>
+        <p:spPr>
+          <a:xfrm>
+            <a:off x="3923928" y="1561356"/>
+            <a:ext cx="936104" cy="144016"/>
+          </a:xfrm>
+          <a:prstGeom prst="rect">
+            <a:avLst/>
+          </a:prstGeom>
+          <a:solidFill>
+            <a:schemeClr val="accent6">
+              <a:lumMod val="40000"/>
+              <a:lumOff val="60000"/>
+            </a:schemeClr>
+          </a:solidFill>
+          <a:ln>
+            <a:solidFill>
+              <a:schemeClr val="accent2">
+                <a:lumMod val="75000"/>
+              </a:schemeClr>
+            </a:solidFill>
+          </a:ln>
+        </p:spPr>
+        <p:style>
+          <a:lnRef idx="1">
+            <a:schemeClr val="accent3"/>
+          </a:lnRef>
+          <a:fillRef idx="2">
+            <a:schemeClr val="accent3"/>
+          </a:fillRef>
+          <a:effectRef idx="1">
+            <a:schemeClr val="accent3"/>
+          </a:effectRef>
+          <a:fontRef idx="minor">
+            <a:schemeClr val="dk1"/>
+          </a:fontRef>
+        </p:style>
+        <p:txBody>
+          <a:bodyPr rtlCol="0" anchor="ctr"/>
+          <a:lstStyle/>
+          <a:p>
+            <a:pPr algn="ctr"/>
+            <a:r>
+              <a:rPr lang="en-US" altLang="zh-TW" sz="1000" dirty="0" smtClean="0"/>
+              <a:t>….</a:t>
+            </a:r>
+            <a:endParaRPr lang="zh-TW" altLang="en-US" sz="1000" dirty="0" smtClean="0"/>
+          </a:p>
+        </p:txBody>
+      </p:sp>
+      <p:sp>
+        <p:nvSpPr>
+          <p:cNvPr id="19" name="矩形 18"/>
+          <p:cNvSpPr/>
+          <p:nvPr/>
+        </p:nvSpPr>
+        <p:spPr>
+          <a:xfrm>
+            <a:off x="3923928" y="1705372"/>
+            <a:ext cx="936104" cy="144016"/>
+          </a:xfrm>
+          <a:prstGeom prst="rect">
+            <a:avLst/>
+          </a:prstGeom>
+          <a:solidFill>
+            <a:schemeClr val="accent6">
+              <a:lumMod val="40000"/>
+              <a:lumOff val="60000"/>
+            </a:schemeClr>
+          </a:solidFill>
+          <a:ln>
+            <a:solidFill>
+              <a:schemeClr val="accent2">
+                <a:lumMod val="75000"/>
+              </a:schemeClr>
+            </a:solidFill>
+          </a:ln>
+        </p:spPr>
+        <p:style>
+          <a:lnRef idx="1">
+            <a:schemeClr val="accent3"/>
+          </a:lnRef>
+          <a:fillRef idx="2">
+            <a:schemeClr val="accent3"/>
+          </a:fillRef>
+          <a:effectRef idx="1">
+            <a:schemeClr val="accent3"/>
+          </a:effectRef>
+          <a:fontRef idx="minor">
+            <a:schemeClr val="dk1"/>
+          </a:fontRef>
+        </p:style>
+        <p:txBody>
+          <a:bodyPr rtlCol="0" anchor="ctr"/>
+          <a:lstStyle/>
+          <a:p>
+            <a:pPr algn="ctr"/>
+            <a:r>
+              <a:rPr lang="en-US" altLang="zh-TW" sz="1000" b="1" dirty="0" smtClean="0">
+                <a:solidFill>
+                  <a:schemeClr val="accent6">
+                    <a:lumMod val="50000"/>
+                  </a:schemeClr>
+                </a:solidFill>
+              </a:rPr>
+              <a:t>queue</a:t>
+            </a:r>
+            <a:endParaRPr lang="zh-TW" altLang="en-US" sz="1000" b="1" dirty="0" smtClean="0">
+              <a:solidFill>
+                <a:schemeClr val="accent6">
+                  <a:lumMod val="50000"/>
+                </a:schemeClr>
+              </a:solidFill>
+            </a:endParaRPr>
+          </a:p>
+        </p:txBody>
+      </p:sp>
+      <p:cxnSp>
+        <p:nvCxnSpPr>
+          <p:cNvPr id="21" name="直線單箭頭接點 20"/>
+          <p:cNvCxnSpPr>
+            <a:stCxn id="9" idx="3"/>
+            <a:endCxn id="19" idx="1"/>
+          </p:cNvCxnSpPr>
+          <p:nvPr/>
+        </p:nvCxnSpPr>
+        <p:spPr>
+          <a:xfrm>
+            <a:off x="2267744" y="1777380"/>
+            <a:ext cx="1656184" cy="0"/>
+          </a:xfrm>
+          <a:prstGeom prst="straightConnector1">
+            <a:avLst/>
+          </a:prstGeom>
+          <a:ln w="15875">
+            <a:solidFill>
+              <a:schemeClr val="accent6">
+                <a:lumMod val="50000"/>
+              </a:schemeClr>
+            </a:solidFill>
+            <a:tailEnd type="arrow"/>
+          </a:ln>
+        </p:spPr>
+        <p:style>
+          <a:lnRef idx="1">
+            <a:schemeClr val="accent1"/>
+          </a:lnRef>
+          <a:fillRef idx="0">
+            <a:schemeClr val="accent1"/>
+          </a:fillRef>
+          <a:effectRef idx="0">
+            <a:schemeClr val="accent1"/>
+          </a:effectRef>
+          <a:fontRef idx="minor">
+            <a:schemeClr val="tx1"/>
+          </a:fontRef>
+        </p:style>
+      </p:cxnSp>
+      <p:sp>
+        <p:nvSpPr>
+          <p:cNvPr id="24" name="圓角矩形 23"/>
+          <p:cNvSpPr/>
+          <p:nvPr/>
+        </p:nvSpPr>
+        <p:spPr>
+          <a:xfrm>
+            <a:off x="4932040" y="913284"/>
+            <a:ext cx="3672408" cy="216024"/>
+          </a:xfrm>
+          <a:prstGeom prst="roundRect">
+            <a:avLst/>
+          </a:prstGeom>
+        </p:spPr>
+        <p:style>
+          <a:lnRef idx="1">
+            <a:schemeClr val="accent6"/>
+          </a:lnRef>
+          <a:fillRef idx="3">
+            <a:schemeClr val="accent6"/>
+          </a:fillRef>
+          <a:effectRef idx="2">
+            <a:schemeClr val="accent6"/>
+          </a:effectRef>
+          <a:fontRef idx="minor">
+            <a:schemeClr val="lt1"/>
+          </a:fontRef>
+        </p:style>
+        <p:txBody>
+          <a:bodyPr rtlCol="0" anchor="ctr"/>
+          <a:lstStyle/>
+          <a:p>
+            <a:r>
+              <a:rPr lang="en-US" altLang="zh-TW" sz="800" dirty="0" smtClean="0"/>
+              <a:t>master-&gt;</a:t>
+            </a:r>
+            <a:r>
+              <a:rPr lang="en-US" altLang="zh-TW" sz="800" dirty="0" err="1" smtClean="0"/>
+              <a:t>cur_msg</a:t>
+            </a:r>
+            <a:r>
+              <a:rPr lang="en-US" altLang="zh-TW" sz="800" dirty="0" smtClean="0"/>
+              <a:t>=</a:t>
+            </a:r>
+            <a:r>
+              <a:rPr lang="en-US" altLang="zh-TW" sz="800" dirty="0" err="1" smtClean="0"/>
+              <a:t>list_entry</a:t>
+            </a:r>
+            <a:r>
+              <a:rPr lang="en-US" altLang="zh-TW" sz="800" dirty="0" smtClean="0"/>
+              <a:t>(master-</a:t>
+            </a:r>
+            <a:r>
+              <a:rPr lang="en-US" altLang="zh-TW" sz="800" dirty="0" smtClean="0"/>
+              <a:t>&gt;</a:t>
+            </a:r>
+            <a:r>
+              <a:rPr lang="en-US" altLang="zh-TW" sz="800" dirty="0" err="1" smtClean="0"/>
+              <a:t>queue.next</a:t>
+            </a:r>
+            <a:r>
+              <a:rPr lang="en-US" altLang="zh-TW" sz="800" dirty="0" smtClean="0"/>
+              <a:t>, </a:t>
+            </a:r>
+            <a:r>
+              <a:rPr lang="en-US" altLang="zh-TW" sz="800" dirty="0" err="1" smtClean="0"/>
+              <a:t>struct</a:t>
+            </a:r>
+            <a:r>
+              <a:rPr lang="en-US" altLang="zh-TW" sz="800" dirty="0" smtClean="0"/>
+              <a:t> </a:t>
+            </a:r>
+            <a:r>
+              <a:rPr lang="en-US" altLang="zh-TW" sz="800" dirty="0" err="1" smtClean="0"/>
+              <a:t>spi_message</a:t>
+            </a:r>
+            <a:r>
+              <a:rPr lang="en-US" altLang="zh-TW" sz="800" dirty="0" smtClean="0"/>
+              <a:t>, queue)</a:t>
+            </a:r>
+            <a:endParaRPr lang="zh-TW" altLang="en-US" sz="800" dirty="0"/>
+          </a:p>
+        </p:txBody>
+      </p:sp>
+      <p:sp>
+        <p:nvSpPr>
+          <p:cNvPr id="25" name="矩形 24"/>
+          <p:cNvSpPr/>
+          <p:nvPr/>
+        </p:nvSpPr>
+        <p:spPr>
+          <a:xfrm>
+            <a:off x="5868144" y="1273324"/>
+            <a:ext cx="936104" cy="144016"/>
+          </a:xfrm>
+          <a:prstGeom prst="rect">
+            <a:avLst/>
+          </a:prstGeom>
+          <a:solidFill>
+            <a:schemeClr val="accent2">
+              <a:lumMod val="75000"/>
+            </a:schemeClr>
+          </a:solidFill>
+          <a:ln>
+            <a:solidFill>
+              <a:schemeClr val="accent6">
+                <a:lumMod val="60000"/>
+                <a:lumOff val="40000"/>
+              </a:schemeClr>
+            </a:solidFill>
+          </a:ln>
+        </p:spPr>
+        <p:style>
+          <a:lnRef idx="1">
+            <a:schemeClr val="accent3"/>
+          </a:lnRef>
+          <a:fillRef idx="2">
+            <a:schemeClr val="accent3"/>
+          </a:fillRef>
+          <a:effectRef idx="1">
+            <a:schemeClr val="accent3"/>
+          </a:effectRef>
+          <a:fontRef idx="minor">
+            <a:schemeClr val="dk1"/>
+          </a:fontRef>
+        </p:style>
+        <p:txBody>
+          <a:bodyPr rtlCol="0" anchor="ctr"/>
+          <a:lstStyle/>
+          <a:p>
+            <a:pPr algn="ctr"/>
+            <a:r>
+              <a:rPr lang="en-US" altLang="zh-TW" sz="1000" b="1" dirty="0" err="1" smtClean="0">
+                <a:solidFill>
+                  <a:schemeClr val="accent6">
+                    <a:lumMod val="60000"/>
+                    <a:lumOff val="40000"/>
+                  </a:schemeClr>
+                </a:solidFill>
+              </a:rPr>
+              <a:t>Spi_message</a:t>
+            </a:r>
+            <a:endParaRPr lang="zh-TW" altLang="en-US" sz="1000" b="1" dirty="0" smtClean="0">
+              <a:solidFill>
+                <a:schemeClr val="accent6">
+                  <a:lumMod val="60000"/>
+                  <a:lumOff val="40000"/>
+                </a:schemeClr>
+              </a:solidFill>
+            </a:endParaRPr>
+          </a:p>
+        </p:txBody>
+      </p:sp>
+      <p:sp>
+        <p:nvSpPr>
+          <p:cNvPr id="26" name="矩形 25"/>
+          <p:cNvSpPr/>
+          <p:nvPr/>
+        </p:nvSpPr>
+        <p:spPr>
+          <a:xfrm>
+            <a:off x="5868144" y="1425724"/>
+            <a:ext cx="936104" cy="144016"/>
+          </a:xfrm>
+          <a:prstGeom prst="rect">
+            <a:avLst/>
+          </a:prstGeom>
+          <a:solidFill>
+            <a:schemeClr val="accent6">
+              <a:lumMod val="40000"/>
+              <a:lumOff val="60000"/>
+            </a:schemeClr>
+          </a:solidFill>
+          <a:ln>
+            <a:solidFill>
+              <a:schemeClr val="accent2">
+                <a:lumMod val="75000"/>
+              </a:schemeClr>
+            </a:solidFill>
+          </a:ln>
+        </p:spPr>
+        <p:style>
+          <a:lnRef idx="1">
+            <a:schemeClr val="accent3"/>
+          </a:lnRef>
+          <a:fillRef idx="2">
+            <a:schemeClr val="accent3"/>
+          </a:fillRef>
+          <a:effectRef idx="1">
+            <a:schemeClr val="accent3"/>
+          </a:effectRef>
+          <a:fontRef idx="minor">
+            <a:schemeClr val="dk1"/>
+          </a:fontRef>
+        </p:style>
+        <p:txBody>
+          <a:bodyPr rtlCol="0" anchor="ctr"/>
+          <a:lstStyle/>
+          <a:p>
+            <a:pPr algn="ctr"/>
+            <a:r>
+              <a:rPr lang="en-US" altLang="zh-TW" sz="1000" dirty="0" smtClean="0">
+                <a:solidFill>
+                  <a:schemeClr val="tx2">
+                    <a:lumMod val="75000"/>
+                  </a:schemeClr>
+                </a:solidFill>
+              </a:rPr>
+              <a:t>transfers</a:t>
+            </a:r>
+            <a:endParaRPr lang="zh-TW" altLang="en-US" sz="1000" dirty="0" smtClean="0">
+              <a:solidFill>
+                <a:schemeClr val="tx2">
+                  <a:lumMod val="75000"/>
+                </a:schemeClr>
+              </a:solidFill>
+            </a:endParaRPr>
+          </a:p>
+        </p:txBody>
+      </p:sp>
+      <p:sp>
+        <p:nvSpPr>
+          <p:cNvPr id="27" name="矩形 26"/>
+          <p:cNvSpPr/>
+          <p:nvPr/>
+        </p:nvSpPr>
+        <p:spPr>
+          <a:xfrm>
+            <a:off x="5868144" y="1561356"/>
+            <a:ext cx="936104" cy="144016"/>
+          </a:xfrm>
+          <a:prstGeom prst="rect">
+            <a:avLst/>
+          </a:prstGeom>
+          <a:solidFill>
+            <a:schemeClr val="accent6">
+              <a:lumMod val="40000"/>
+              <a:lumOff val="60000"/>
+            </a:schemeClr>
+          </a:solidFill>
+          <a:ln>
+            <a:solidFill>
+              <a:schemeClr val="accent2">
+                <a:lumMod val="75000"/>
+              </a:schemeClr>
+            </a:solidFill>
+          </a:ln>
+        </p:spPr>
+        <p:style>
+          <a:lnRef idx="1">
+            <a:schemeClr val="accent3"/>
+          </a:lnRef>
+          <a:fillRef idx="2">
+            <a:schemeClr val="accent3"/>
+          </a:fillRef>
+          <a:effectRef idx="1">
+            <a:schemeClr val="accent3"/>
+          </a:effectRef>
+          <a:fontRef idx="minor">
+            <a:schemeClr val="dk1"/>
+          </a:fontRef>
+        </p:style>
+        <p:txBody>
+          <a:bodyPr rtlCol="0" anchor="ctr"/>
+          <a:lstStyle/>
+          <a:p>
+            <a:pPr algn="ctr"/>
+            <a:r>
+              <a:rPr lang="en-US" altLang="zh-TW" sz="1000" dirty="0" smtClean="0"/>
+              <a:t>….</a:t>
+            </a:r>
+            <a:endParaRPr lang="zh-TW" altLang="en-US" sz="1000" dirty="0" smtClean="0"/>
+          </a:p>
+        </p:txBody>
+      </p:sp>
+      <p:sp>
+        <p:nvSpPr>
+          <p:cNvPr id="28" name="矩形 27"/>
+          <p:cNvSpPr/>
+          <p:nvPr/>
+        </p:nvSpPr>
+        <p:spPr>
+          <a:xfrm>
+            <a:off x="5868144" y="1705372"/>
+            <a:ext cx="936104" cy="144016"/>
+          </a:xfrm>
+          <a:prstGeom prst="rect">
+            <a:avLst/>
+          </a:prstGeom>
+          <a:solidFill>
+            <a:schemeClr val="accent6">
+              <a:lumMod val="40000"/>
+              <a:lumOff val="60000"/>
+            </a:schemeClr>
+          </a:solidFill>
+          <a:ln>
+            <a:solidFill>
+              <a:schemeClr val="accent2">
+                <a:lumMod val="75000"/>
+              </a:schemeClr>
+            </a:solidFill>
+          </a:ln>
+        </p:spPr>
+        <p:style>
+          <a:lnRef idx="1">
+            <a:schemeClr val="accent3"/>
+          </a:lnRef>
+          <a:fillRef idx="2">
+            <a:schemeClr val="accent3"/>
+          </a:fillRef>
+          <a:effectRef idx="1">
+            <a:schemeClr val="accent3"/>
+          </a:effectRef>
+          <a:fontRef idx="minor">
+            <a:schemeClr val="dk1"/>
+          </a:fontRef>
+        </p:style>
+        <p:txBody>
+          <a:bodyPr rtlCol="0" anchor="ctr"/>
+          <a:lstStyle/>
+          <a:p>
+            <a:pPr algn="ctr"/>
+            <a:r>
+              <a:rPr lang="en-US" altLang="zh-TW" sz="1000" b="1" dirty="0" smtClean="0">
+                <a:solidFill>
+                  <a:schemeClr val="accent6">
+                    <a:lumMod val="50000"/>
+                  </a:schemeClr>
+                </a:solidFill>
+              </a:rPr>
+              <a:t>queue</a:t>
+            </a:r>
+            <a:endParaRPr lang="zh-TW" altLang="en-US" sz="1000" b="1" dirty="0" smtClean="0">
+              <a:solidFill>
+                <a:schemeClr val="accent6">
+                  <a:lumMod val="50000"/>
+                </a:schemeClr>
+              </a:solidFill>
+            </a:endParaRPr>
+          </a:p>
+        </p:txBody>
+      </p:sp>
+      <p:cxnSp>
+        <p:nvCxnSpPr>
+          <p:cNvPr id="29" name="直線單箭頭接點 28"/>
+          <p:cNvCxnSpPr>
+            <a:stCxn id="19" idx="3"/>
+            <a:endCxn id="28" idx="1"/>
+          </p:cNvCxnSpPr>
+          <p:nvPr/>
+        </p:nvCxnSpPr>
+        <p:spPr>
+          <a:xfrm>
+            <a:off x="4860032" y="1777380"/>
+            <a:ext cx="1008112" cy="0"/>
+          </a:xfrm>
+          <a:prstGeom prst="straightConnector1">
+            <a:avLst/>
+          </a:prstGeom>
+          <a:ln w="15875">
+            <a:solidFill>
+              <a:schemeClr val="accent6">
+                <a:lumMod val="50000"/>
+              </a:schemeClr>
+            </a:solidFill>
+            <a:tailEnd type="arrow"/>
+          </a:ln>
+        </p:spPr>
+        <p:style>
+          <a:lnRef idx="1">
+            <a:schemeClr val="accent1"/>
+          </a:lnRef>
+          <a:fillRef idx="0">
+            <a:schemeClr val="accent1"/>
+          </a:fillRef>
+          <a:effectRef idx="0">
+            <a:schemeClr val="accent1"/>
+          </a:effectRef>
+          <a:fontRef idx="minor">
+            <a:schemeClr val="tx1"/>
+          </a:fontRef>
+        </p:style>
+      </p:cxnSp>
+      <p:cxnSp>
+        <p:nvCxnSpPr>
+          <p:cNvPr id="22" name="直線單箭頭接點 21"/>
+          <p:cNvCxnSpPr/>
+          <p:nvPr/>
+        </p:nvCxnSpPr>
+        <p:spPr>
+          <a:xfrm>
+            <a:off x="6804248" y="1777380"/>
+            <a:ext cx="648072" cy="0"/>
+          </a:xfrm>
+          <a:prstGeom prst="straightConnector1">
+            <a:avLst/>
+          </a:prstGeom>
+          <a:ln w="15875">
+            <a:solidFill>
+              <a:schemeClr val="accent6">
+                <a:lumMod val="50000"/>
+              </a:schemeClr>
+            </a:solidFill>
+            <a:prstDash val="sysDot"/>
+            <a:tailEnd type="none"/>
+          </a:ln>
+        </p:spPr>
+        <p:style>
+          <a:lnRef idx="1">
+            <a:schemeClr val="accent1"/>
+          </a:lnRef>
+          <a:fillRef idx="0">
+            <a:schemeClr val="accent1"/>
+          </a:fillRef>
+          <a:effectRef idx="0">
+            <a:schemeClr val="accent1"/>
+          </a:effectRef>
+          <a:fontRef idx="minor">
+            <a:schemeClr val="tx1"/>
+          </a:fontRef>
+        </p:style>
+      </p:cxnSp>
+      <p:cxnSp>
+        <p:nvCxnSpPr>
+          <p:cNvPr id="31" name="直線接點 30"/>
+          <p:cNvCxnSpPr/>
+          <p:nvPr/>
+        </p:nvCxnSpPr>
+        <p:spPr>
+          <a:xfrm flipV="1">
+            <a:off x="2771800" y="1777380"/>
+            <a:ext cx="144016" cy="288032"/>
+          </a:xfrm>
+          <a:prstGeom prst="line">
+            <a:avLst/>
+          </a:prstGeom>
+          <a:ln>
+            <a:prstDash val="sysDot"/>
+          </a:ln>
+        </p:spPr>
+        <p:style>
+          <a:lnRef idx="1">
+            <a:schemeClr val="accent1"/>
+          </a:lnRef>
+          <a:fillRef idx="0">
+            <a:schemeClr val="accent1"/>
+          </a:fillRef>
+          <a:effectRef idx="0">
+            <a:schemeClr val="accent1"/>
+          </a:effectRef>
+          <a:fontRef idx="minor">
+            <a:schemeClr val="tx1"/>
+          </a:fontRef>
+        </p:style>
+      </p:cxnSp>
+      <p:cxnSp>
+        <p:nvCxnSpPr>
+          <p:cNvPr id="33" name="直線接點 32"/>
+          <p:cNvCxnSpPr/>
+          <p:nvPr/>
+        </p:nvCxnSpPr>
+        <p:spPr>
+          <a:xfrm flipH="1">
+            <a:off x="5220072" y="1129308"/>
+            <a:ext cx="72008" cy="648072"/>
+          </a:xfrm>
+          <a:prstGeom prst="line">
+            <a:avLst/>
+          </a:prstGeom>
+          <a:ln>
+            <a:prstDash val="sysDot"/>
+          </a:ln>
+        </p:spPr>
+        <p:style>
+          <a:lnRef idx="1">
+            <a:schemeClr val="accent1"/>
+          </a:lnRef>
+          <a:fillRef idx="0">
+            <a:schemeClr val="accent1"/>
+          </a:fillRef>
+          <a:effectRef idx="0">
+            <a:schemeClr val="accent1"/>
+          </a:effectRef>
+          <a:fontRef idx="minor">
+            <a:schemeClr val="tx1"/>
+          </a:fontRef>
+        </p:style>
+      </p:cxnSp>
+      <p:sp>
+        <p:nvSpPr>
+          <p:cNvPr id="37" name="矩形 36"/>
+          <p:cNvSpPr/>
+          <p:nvPr/>
+        </p:nvSpPr>
+        <p:spPr>
+          <a:xfrm>
+            <a:off x="3923928" y="2497460"/>
+            <a:ext cx="936104" cy="144016"/>
+          </a:xfrm>
+          <a:prstGeom prst="rect">
+            <a:avLst/>
+          </a:prstGeom>
+          <a:solidFill>
+            <a:schemeClr val="accent1">
+              <a:lumMod val="75000"/>
+            </a:schemeClr>
+          </a:solidFill>
+          <a:ln>
+            <a:solidFill>
+              <a:schemeClr val="tx2">
+                <a:lumMod val="40000"/>
+                <a:lumOff val="60000"/>
+              </a:schemeClr>
+            </a:solidFill>
+          </a:ln>
+        </p:spPr>
+        <p:style>
+          <a:lnRef idx="1">
+            <a:schemeClr val="accent3"/>
+          </a:lnRef>
+          <a:fillRef idx="2">
+            <a:schemeClr val="accent3"/>
+          </a:fillRef>
+          <a:effectRef idx="1">
+            <a:schemeClr val="accent3"/>
+          </a:effectRef>
+          <a:fontRef idx="minor">
+            <a:schemeClr val="dk1"/>
+          </a:fontRef>
+        </p:style>
+        <p:txBody>
+          <a:bodyPr rtlCol="0" anchor="ctr"/>
+          <a:lstStyle/>
+          <a:p>
+            <a:pPr algn="ctr"/>
+            <a:r>
+              <a:rPr lang="en-US" altLang="zh-TW" sz="1000" b="1" dirty="0" err="1" smtClean="0">
+                <a:solidFill>
+                  <a:schemeClr val="tx2">
+                    <a:lumMod val="40000"/>
+                    <a:lumOff val="60000"/>
+                  </a:schemeClr>
+                </a:solidFill>
+              </a:rPr>
+              <a:t>Spi_transfer</a:t>
+            </a:r>
+            <a:endParaRPr lang="zh-TW" altLang="en-US" sz="1000" b="1" dirty="0" smtClean="0">
+              <a:solidFill>
+                <a:schemeClr val="tx2">
+                  <a:lumMod val="40000"/>
+                  <a:lumOff val="60000"/>
+                </a:schemeClr>
+              </a:solidFill>
+            </a:endParaRPr>
+          </a:p>
+        </p:txBody>
+      </p:sp>
+      <p:sp>
+        <p:nvSpPr>
+          <p:cNvPr id="38" name="矩形 37"/>
+          <p:cNvSpPr/>
+          <p:nvPr/>
+        </p:nvSpPr>
+        <p:spPr>
+          <a:xfrm>
+            <a:off x="3923928" y="2649860"/>
+            <a:ext cx="936104" cy="144016"/>
+          </a:xfrm>
+          <a:prstGeom prst="rect">
+            <a:avLst/>
+          </a:prstGeom>
+          <a:solidFill>
+            <a:schemeClr val="tx2">
+              <a:lumMod val="40000"/>
+              <a:lumOff val="60000"/>
+            </a:schemeClr>
+          </a:solidFill>
+          <a:ln>
+            <a:solidFill>
+              <a:schemeClr val="tx2">
+                <a:lumMod val="75000"/>
+              </a:schemeClr>
+            </a:solidFill>
+          </a:ln>
+        </p:spPr>
+        <p:style>
+          <a:lnRef idx="1">
+            <a:schemeClr val="accent3"/>
+          </a:lnRef>
+          <a:fillRef idx="2">
+            <a:schemeClr val="accent3"/>
+          </a:fillRef>
+          <a:effectRef idx="1">
+            <a:schemeClr val="accent3"/>
+          </a:effectRef>
+          <a:fontRef idx="minor">
+            <a:schemeClr val="dk1"/>
+          </a:fontRef>
+        </p:style>
+        <p:txBody>
+          <a:bodyPr rtlCol="0" anchor="ctr"/>
+          <a:lstStyle/>
+          <a:p>
+            <a:pPr algn="ctr"/>
+            <a:r>
+              <a:rPr lang="en-US" altLang="zh-TW" sz="1000" dirty="0" smtClean="0">
+                <a:solidFill>
+                  <a:schemeClr val="tx2">
+                    <a:lumMod val="75000"/>
+                  </a:schemeClr>
+                </a:solidFill>
+              </a:rPr>
+              <a:t>*</a:t>
+            </a:r>
+            <a:r>
+              <a:rPr lang="en-US" altLang="zh-TW" sz="1000" dirty="0" err="1" smtClean="0">
+                <a:solidFill>
+                  <a:schemeClr val="tx2">
+                    <a:lumMod val="75000"/>
+                  </a:schemeClr>
+                </a:solidFill>
+              </a:rPr>
+              <a:t>tx_buffer</a:t>
+            </a:r>
+            <a:endParaRPr lang="zh-TW" altLang="en-US" sz="1000" dirty="0" smtClean="0">
+              <a:solidFill>
+                <a:schemeClr val="tx2">
+                  <a:lumMod val="75000"/>
+                </a:schemeClr>
+              </a:solidFill>
+            </a:endParaRPr>
+          </a:p>
+        </p:txBody>
+      </p:sp>
+      <p:sp>
+        <p:nvSpPr>
+          <p:cNvPr id="39" name="矩形 38"/>
+          <p:cNvSpPr/>
+          <p:nvPr/>
+        </p:nvSpPr>
+        <p:spPr>
+          <a:xfrm>
+            <a:off x="3923928" y="2785492"/>
+            <a:ext cx="936104" cy="144016"/>
+          </a:xfrm>
+          <a:prstGeom prst="rect">
+            <a:avLst/>
+          </a:prstGeom>
+          <a:solidFill>
+            <a:schemeClr val="tx2">
+              <a:lumMod val="40000"/>
+              <a:lumOff val="60000"/>
+            </a:schemeClr>
+          </a:solidFill>
+          <a:ln>
+            <a:solidFill>
+              <a:schemeClr val="tx2">
+                <a:lumMod val="75000"/>
+              </a:schemeClr>
+            </a:solidFill>
+          </a:ln>
+        </p:spPr>
+        <p:style>
+          <a:lnRef idx="1">
+            <a:schemeClr val="accent3"/>
+          </a:lnRef>
+          <a:fillRef idx="2">
+            <a:schemeClr val="accent3"/>
+          </a:fillRef>
+          <a:effectRef idx="1">
+            <a:schemeClr val="accent3"/>
+          </a:effectRef>
+          <a:fontRef idx="minor">
+            <a:schemeClr val="dk1"/>
+          </a:fontRef>
+        </p:style>
+        <p:txBody>
+          <a:bodyPr rtlCol="0" anchor="ctr"/>
+          <a:lstStyle/>
+          <a:p>
+            <a:pPr algn="ctr"/>
+            <a:r>
+              <a:rPr lang="en-US" altLang="zh-TW" sz="1000" dirty="0" smtClean="0"/>
+              <a:t>….</a:t>
+            </a:r>
+            <a:endParaRPr lang="zh-TW" altLang="en-US" sz="1000" dirty="0" smtClean="0"/>
+          </a:p>
+        </p:txBody>
+      </p:sp>
+      <p:sp>
+        <p:nvSpPr>
+          <p:cNvPr id="40" name="矩形 39"/>
+          <p:cNvSpPr/>
+          <p:nvPr/>
+        </p:nvSpPr>
+        <p:spPr>
+          <a:xfrm>
+            <a:off x="3923928" y="2929508"/>
+            <a:ext cx="936104" cy="144016"/>
+          </a:xfrm>
+          <a:prstGeom prst="rect">
+            <a:avLst/>
+          </a:prstGeom>
+          <a:solidFill>
+            <a:schemeClr val="tx2">
+              <a:lumMod val="40000"/>
+              <a:lumOff val="60000"/>
+            </a:schemeClr>
+          </a:solidFill>
+          <a:ln>
+            <a:solidFill>
+              <a:schemeClr val="tx2">
+                <a:lumMod val="75000"/>
+              </a:schemeClr>
+            </a:solidFill>
+          </a:ln>
+        </p:spPr>
+        <p:style>
+          <a:lnRef idx="1">
+            <a:schemeClr val="accent3"/>
+          </a:lnRef>
+          <a:fillRef idx="2">
+            <a:schemeClr val="accent3"/>
+          </a:fillRef>
+          <a:effectRef idx="1">
+            <a:schemeClr val="accent3"/>
+          </a:effectRef>
+          <a:fontRef idx="minor">
+            <a:schemeClr val="dk1"/>
+          </a:fontRef>
+        </p:style>
+        <p:txBody>
+          <a:bodyPr rtlCol="0" anchor="ctr"/>
+          <a:lstStyle/>
+          <a:p>
+            <a:pPr algn="ctr"/>
+            <a:r>
+              <a:rPr lang="en-US" altLang="zh-TW" sz="1000" dirty="0" err="1" smtClean="0">
+                <a:solidFill>
+                  <a:schemeClr val="tx2">
+                    <a:lumMod val="75000"/>
+                  </a:schemeClr>
+                </a:solidFill>
+              </a:rPr>
+              <a:t>transfer_list</a:t>
+            </a:r>
+            <a:endParaRPr lang="zh-TW" altLang="en-US" sz="1000" b="1" dirty="0" smtClean="0">
+              <a:solidFill>
+                <a:schemeClr val="accent6">
+                  <a:lumMod val="50000"/>
+                </a:schemeClr>
+              </a:solidFill>
+            </a:endParaRPr>
+          </a:p>
+        </p:txBody>
+      </p:sp>
+      <p:sp>
+        <p:nvSpPr>
+          <p:cNvPr id="41" name="矩形 40"/>
+          <p:cNvSpPr/>
+          <p:nvPr/>
+        </p:nvSpPr>
+        <p:spPr>
+          <a:xfrm>
+            <a:off x="3923928" y="1849388"/>
+            <a:ext cx="936104" cy="144016"/>
+          </a:xfrm>
+          <a:prstGeom prst="rect">
+            <a:avLst/>
+          </a:prstGeom>
+          <a:solidFill>
+            <a:schemeClr val="accent6">
+              <a:lumMod val="40000"/>
+              <a:lumOff val="60000"/>
+            </a:schemeClr>
+          </a:solidFill>
+          <a:ln>
+            <a:solidFill>
+              <a:schemeClr val="accent2">
+                <a:lumMod val="75000"/>
+              </a:schemeClr>
+            </a:solidFill>
+          </a:ln>
+        </p:spPr>
+        <p:style>
+          <a:lnRef idx="1">
+            <a:schemeClr val="accent3"/>
+          </a:lnRef>
+          <a:fillRef idx="2">
+            <a:schemeClr val="accent3"/>
+          </a:fillRef>
+          <a:effectRef idx="1">
+            <a:schemeClr val="accent3"/>
+          </a:effectRef>
+          <a:fontRef idx="minor">
+            <a:schemeClr val="dk1"/>
+          </a:fontRef>
+        </p:style>
+        <p:txBody>
+          <a:bodyPr rtlCol="0" anchor="ctr"/>
+          <a:lstStyle/>
+          <a:p>
+            <a:pPr algn="ctr"/>
+            <a:r>
+              <a:rPr lang="en-US" altLang="zh-TW" sz="1000" dirty="0" smtClean="0">
+                <a:solidFill>
+                  <a:schemeClr val="accent6">
+                    <a:lumMod val="50000"/>
+                  </a:schemeClr>
+                </a:solidFill>
+              </a:rPr>
+              <a:t>complete</a:t>
+            </a:r>
+            <a:endParaRPr lang="zh-TW" altLang="en-US" sz="1000" dirty="0" smtClean="0">
+              <a:solidFill>
+                <a:schemeClr val="accent6">
+                  <a:lumMod val="50000"/>
+                </a:schemeClr>
+              </a:solidFill>
+            </a:endParaRPr>
+          </a:p>
+        </p:txBody>
+      </p:sp>
+      <p:sp>
+        <p:nvSpPr>
+          <p:cNvPr id="42" name="矩形 41"/>
+          <p:cNvSpPr/>
+          <p:nvPr/>
+        </p:nvSpPr>
+        <p:spPr>
+          <a:xfrm>
+            <a:off x="5868144" y="1849388"/>
+            <a:ext cx="936104" cy="144016"/>
+          </a:xfrm>
+          <a:prstGeom prst="rect">
+            <a:avLst/>
+          </a:prstGeom>
+          <a:solidFill>
+            <a:schemeClr val="accent6">
+              <a:lumMod val="40000"/>
+              <a:lumOff val="60000"/>
+            </a:schemeClr>
+          </a:solidFill>
+          <a:ln>
+            <a:solidFill>
+              <a:schemeClr val="accent2">
+                <a:lumMod val="75000"/>
+              </a:schemeClr>
+            </a:solidFill>
+          </a:ln>
+        </p:spPr>
+        <p:style>
+          <a:lnRef idx="1">
+            <a:schemeClr val="accent3"/>
+          </a:lnRef>
+          <a:fillRef idx="2">
+            <a:schemeClr val="accent3"/>
+          </a:fillRef>
+          <a:effectRef idx="1">
+            <a:schemeClr val="accent3"/>
+          </a:effectRef>
+          <a:fontRef idx="minor">
+            <a:schemeClr val="dk1"/>
+          </a:fontRef>
+        </p:style>
+        <p:txBody>
+          <a:bodyPr rtlCol="0" anchor="ctr"/>
+          <a:lstStyle/>
+          <a:p>
+            <a:pPr algn="ctr"/>
+            <a:r>
+              <a:rPr lang="en-US" altLang="zh-TW" sz="1000" dirty="0" smtClean="0">
+                <a:solidFill>
+                  <a:schemeClr val="accent6">
+                    <a:lumMod val="50000"/>
+                  </a:schemeClr>
+                </a:solidFill>
+              </a:rPr>
+              <a:t>complete</a:t>
+            </a:r>
+            <a:endParaRPr lang="zh-TW" altLang="en-US" sz="1000" dirty="0" smtClean="0">
+              <a:solidFill>
+                <a:schemeClr val="accent6">
+                  <a:lumMod val="50000"/>
+                </a:schemeClr>
+              </a:solidFill>
+            </a:endParaRPr>
+          </a:p>
+        </p:txBody>
+      </p:sp>
+      <p:sp>
+        <p:nvSpPr>
+          <p:cNvPr id="43" name="矩形 42"/>
+          <p:cNvSpPr/>
+          <p:nvPr/>
+        </p:nvSpPr>
+        <p:spPr>
+          <a:xfrm>
+            <a:off x="3923928" y="3577580"/>
+            <a:ext cx="936104" cy="144016"/>
+          </a:xfrm>
+          <a:prstGeom prst="rect">
+            <a:avLst/>
+          </a:prstGeom>
+          <a:solidFill>
+            <a:schemeClr val="accent1">
+              <a:lumMod val="75000"/>
+            </a:schemeClr>
+          </a:solidFill>
+          <a:ln>
+            <a:solidFill>
+              <a:schemeClr val="tx2">
+                <a:lumMod val="40000"/>
+                <a:lumOff val="60000"/>
+              </a:schemeClr>
+            </a:solidFill>
+          </a:ln>
+        </p:spPr>
+        <p:style>
+          <a:lnRef idx="1">
+            <a:schemeClr val="accent3"/>
+          </a:lnRef>
+          <a:fillRef idx="2">
+            <a:schemeClr val="accent3"/>
+          </a:fillRef>
+          <a:effectRef idx="1">
+            <a:schemeClr val="accent3"/>
+          </a:effectRef>
+          <a:fontRef idx="minor">
+            <a:schemeClr val="dk1"/>
+          </a:fontRef>
+        </p:style>
+        <p:txBody>
+          <a:bodyPr rtlCol="0" anchor="ctr"/>
+          <a:lstStyle/>
+          <a:p>
+            <a:pPr algn="ctr"/>
+            <a:r>
+              <a:rPr lang="en-US" altLang="zh-TW" sz="1000" b="1" dirty="0" err="1" smtClean="0">
+                <a:solidFill>
+                  <a:schemeClr val="tx2">
+                    <a:lumMod val="40000"/>
+                    <a:lumOff val="60000"/>
+                  </a:schemeClr>
+                </a:solidFill>
+              </a:rPr>
+              <a:t>Spi_transfer</a:t>
+            </a:r>
+            <a:endParaRPr lang="zh-TW" altLang="en-US" sz="1000" b="1" dirty="0" smtClean="0">
+              <a:solidFill>
+                <a:schemeClr val="tx2">
+                  <a:lumMod val="40000"/>
+                  <a:lumOff val="60000"/>
+                </a:schemeClr>
+              </a:solidFill>
+            </a:endParaRPr>
+          </a:p>
+        </p:txBody>
+      </p:sp>
+      <p:sp>
+        <p:nvSpPr>
+          <p:cNvPr id="44" name="矩形 43"/>
+          <p:cNvSpPr/>
+          <p:nvPr/>
+        </p:nvSpPr>
+        <p:spPr>
+          <a:xfrm>
+            <a:off x="3923928" y="3729980"/>
+            <a:ext cx="936104" cy="144016"/>
+          </a:xfrm>
+          <a:prstGeom prst="rect">
+            <a:avLst/>
+          </a:prstGeom>
+          <a:solidFill>
+            <a:schemeClr val="tx2">
+              <a:lumMod val="40000"/>
+              <a:lumOff val="60000"/>
+            </a:schemeClr>
+          </a:solidFill>
+          <a:ln>
+            <a:solidFill>
+              <a:schemeClr val="tx2">
+                <a:lumMod val="75000"/>
+              </a:schemeClr>
+            </a:solidFill>
+          </a:ln>
+        </p:spPr>
+        <p:style>
+          <a:lnRef idx="1">
+            <a:schemeClr val="accent3"/>
+          </a:lnRef>
+          <a:fillRef idx="2">
+            <a:schemeClr val="accent3"/>
+          </a:fillRef>
+          <a:effectRef idx="1">
+            <a:schemeClr val="accent3"/>
+          </a:effectRef>
+          <a:fontRef idx="minor">
+            <a:schemeClr val="dk1"/>
+          </a:fontRef>
+        </p:style>
+        <p:txBody>
+          <a:bodyPr rtlCol="0" anchor="ctr"/>
+          <a:lstStyle/>
+          <a:p>
+            <a:pPr algn="ctr"/>
+            <a:r>
+              <a:rPr lang="en-US" altLang="zh-TW" sz="1000" dirty="0" smtClean="0">
+                <a:solidFill>
+                  <a:schemeClr val="tx2">
+                    <a:lumMod val="75000"/>
+                  </a:schemeClr>
+                </a:solidFill>
+              </a:rPr>
+              <a:t>*</a:t>
+            </a:r>
+            <a:r>
+              <a:rPr lang="en-US" altLang="zh-TW" sz="1000" dirty="0" err="1" smtClean="0">
+                <a:solidFill>
+                  <a:schemeClr val="tx2">
+                    <a:lumMod val="75000"/>
+                  </a:schemeClr>
+                </a:solidFill>
+              </a:rPr>
+              <a:t>tx_buffer</a:t>
+            </a:r>
+            <a:endParaRPr lang="zh-TW" altLang="en-US" sz="1000" dirty="0" smtClean="0">
+              <a:solidFill>
+                <a:schemeClr val="tx2">
+                  <a:lumMod val="75000"/>
+                </a:schemeClr>
+              </a:solidFill>
+            </a:endParaRPr>
+          </a:p>
+        </p:txBody>
+      </p:sp>
+      <p:sp>
+        <p:nvSpPr>
+          <p:cNvPr id="45" name="矩形 44"/>
+          <p:cNvSpPr/>
+          <p:nvPr/>
+        </p:nvSpPr>
+        <p:spPr>
+          <a:xfrm>
+            <a:off x="3923928" y="3865612"/>
+            <a:ext cx="936104" cy="144016"/>
+          </a:xfrm>
+          <a:prstGeom prst="rect">
+            <a:avLst/>
+          </a:prstGeom>
+          <a:solidFill>
+            <a:schemeClr val="tx2">
+              <a:lumMod val="40000"/>
+              <a:lumOff val="60000"/>
+            </a:schemeClr>
+          </a:solidFill>
+          <a:ln>
+            <a:solidFill>
+              <a:schemeClr val="tx2">
+                <a:lumMod val="75000"/>
+              </a:schemeClr>
+            </a:solidFill>
+          </a:ln>
+        </p:spPr>
+        <p:style>
+          <a:lnRef idx="1">
+            <a:schemeClr val="accent3"/>
+          </a:lnRef>
+          <a:fillRef idx="2">
+            <a:schemeClr val="accent3"/>
+          </a:fillRef>
+          <a:effectRef idx="1">
+            <a:schemeClr val="accent3"/>
+          </a:effectRef>
+          <a:fontRef idx="minor">
+            <a:schemeClr val="dk1"/>
+          </a:fontRef>
+        </p:style>
+        <p:txBody>
+          <a:bodyPr rtlCol="0" anchor="ctr"/>
+          <a:lstStyle/>
+          <a:p>
+            <a:pPr algn="ctr"/>
+            <a:r>
+              <a:rPr lang="en-US" altLang="zh-TW" sz="1000" dirty="0" smtClean="0"/>
+              <a:t>….</a:t>
+            </a:r>
+            <a:endParaRPr lang="zh-TW" altLang="en-US" sz="1000" dirty="0" smtClean="0"/>
+          </a:p>
+        </p:txBody>
+      </p:sp>
+      <p:sp>
+        <p:nvSpPr>
+          <p:cNvPr id="46" name="矩形 45"/>
+          <p:cNvSpPr/>
+          <p:nvPr/>
+        </p:nvSpPr>
+        <p:spPr>
+          <a:xfrm>
+            <a:off x="3923928" y="4009628"/>
+            <a:ext cx="936104" cy="144016"/>
+          </a:xfrm>
+          <a:prstGeom prst="rect">
+            <a:avLst/>
+          </a:prstGeom>
+          <a:solidFill>
+            <a:schemeClr val="tx2">
+              <a:lumMod val="40000"/>
+              <a:lumOff val="60000"/>
+            </a:schemeClr>
+          </a:solidFill>
+          <a:ln>
+            <a:solidFill>
+              <a:schemeClr val="tx2">
+                <a:lumMod val="75000"/>
+              </a:schemeClr>
+            </a:solidFill>
+          </a:ln>
+        </p:spPr>
+        <p:style>
+          <a:lnRef idx="1">
+            <a:schemeClr val="accent3"/>
+          </a:lnRef>
+          <a:fillRef idx="2">
+            <a:schemeClr val="accent3"/>
+          </a:fillRef>
+          <a:effectRef idx="1">
+            <a:schemeClr val="accent3"/>
+          </a:effectRef>
+          <a:fontRef idx="minor">
+            <a:schemeClr val="dk1"/>
+          </a:fontRef>
+        </p:style>
+        <p:txBody>
+          <a:bodyPr rtlCol="0" anchor="ctr"/>
+          <a:lstStyle/>
+          <a:p>
+            <a:pPr algn="ctr"/>
+            <a:r>
+              <a:rPr lang="en-US" altLang="zh-TW" sz="1000" dirty="0" err="1" smtClean="0">
+                <a:solidFill>
+                  <a:schemeClr val="tx2">
+                    <a:lumMod val="75000"/>
+                  </a:schemeClr>
+                </a:solidFill>
+              </a:rPr>
+              <a:t>transfer_list</a:t>
+            </a:r>
+            <a:endParaRPr lang="zh-TW" altLang="en-US" sz="1000" b="1" dirty="0" smtClean="0">
+              <a:solidFill>
+                <a:schemeClr val="accent6">
+                  <a:lumMod val="50000"/>
+                </a:schemeClr>
+              </a:solidFill>
+            </a:endParaRPr>
+          </a:p>
+        </p:txBody>
+      </p:sp>
+      <p:cxnSp>
+        <p:nvCxnSpPr>
+          <p:cNvPr id="48" name="肘形接點 47"/>
+          <p:cNvCxnSpPr>
+            <a:stCxn id="17" idx="1"/>
+            <a:endCxn id="40" idx="1"/>
+          </p:cNvCxnSpPr>
+          <p:nvPr/>
+        </p:nvCxnSpPr>
+        <p:spPr>
+          <a:xfrm rot="10800000" flipV="1">
+            <a:off x="3923928" y="1497732"/>
+            <a:ext cx="12700" cy="1503784"/>
+          </a:xfrm>
+          <a:prstGeom prst="bentConnector3">
+            <a:avLst>
+              <a:gd name="adj1" fmla="val 1800000"/>
+            </a:avLst>
+          </a:prstGeom>
+          <a:ln w="15875">
+            <a:tailEnd type="arrow"/>
+          </a:ln>
+        </p:spPr>
+        <p:style>
+          <a:lnRef idx="1">
+            <a:schemeClr val="accent1"/>
+          </a:lnRef>
+          <a:fillRef idx="0">
+            <a:schemeClr val="accent1"/>
+          </a:fillRef>
+          <a:effectRef idx="0">
+            <a:schemeClr val="accent1"/>
+          </a:effectRef>
+          <a:fontRef idx="minor">
+            <a:schemeClr val="tx1"/>
+          </a:fontRef>
+        </p:style>
+      </p:cxnSp>
+      <p:cxnSp>
+        <p:nvCxnSpPr>
+          <p:cNvPr id="50" name="肘形接點 49"/>
+          <p:cNvCxnSpPr>
+            <a:stCxn id="40" idx="3"/>
+            <a:endCxn id="46" idx="3"/>
+          </p:cNvCxnSpPr>
+          <p:nvPr/>
+        </p:nvCxnSpPr>
+        <p:spPr>
+          <a:xfrm>
+            <a:off x="4860032" y="3001516"/>
+            <a:ext cx="12700" cy="1080120"/>
+          </a:xfrm>
+          <a:prstGeom prst="bentConnector3">
+            <a:avLst>
+              <a:gd name="adj1" fmla="val 1800000"/>
+            </a:avLst>
+          </a:prstGeom>
+          <a:ln w="15875">
+            <a:tailEnd type="arrow"/>
+          </a:ln>
+        </p:spPr>
+        <p:style>
+          <a:lnRef idx="1">
+            <a:schemeClr val="accent1"/>
+          </a:lnRef>
+          <a:fillRef idx="0">
+            <a:schemeClr val="accent1"/>
+          </a:fillRef>
+          <a:effectRef idx="0">
+            <a:schemeClr val="accent1"/>
+          </a:effectRef>
+          <a:fontRef idx="minor">
+            <a:schemeClr val="tx1"/>
+          </a:fontRef>
+        </p:style>
+      </p:cxnSp>
+      <p:cxnSp>
+        <p:nvCxnSpPr>
+          <p:cNvPr id="52" name="直線接點 51"/>
+          <p:cNvCxnSpPr/>
+          <p:nvPr/>
+        </p:nvCxnSpPr>
+        <p:spPr>
+          <a:xfrm>
+            <a:off x="4355976" y="4369668"/>
+            <a:ext cx="0" cy="360040"/>
+          </a:xfrm>
+          <a:prstGeom prst="line">
+            <a:avLst/>
+          </a:prstGeom>
+          <a:ln w="19050">
+            <a:prstDash val="sysDash"/>
+          </a:ln>
+        </p:spPr>
+        <p:style>
+          <a:lnRef idx="1">
+            <a:schemeClr val="accent1"/>
+          </a:lnRef>
+          <a:fillRef idx="0">
+            <a:schemeClr val="accent1"/>
+          </a:fillRef>
+          <a:effectRef idx="0">
+            <a:schemeClr val="accent1"/>
+          </a:effectRef>
+          <a:fontRef idx="minor">
+            <a:schemeClr val="tx1"/>
+          </a:fontRef>
+        </p:style>
+      </p:cxnSp>
+      <p:sp>
+        <p:nvSpPr>
+          <p:cNvPr id="53" name="矩形 52"/>
+          <p:cNvSpPr/>
+          <p:nvPr/>
+        </p:nvSpPr>
+        <p:spPr>
+          <a:xfrm>
+            <a:off x="5868144" y="2497460"/>
+            <a:ext cx="936104" cy="144016"/>
+          </a:xfrm>
+          <a:prstGeom prst="rect">
+            <a:avLst/>
+          </a:prstGeom>
+          <a:solidFill>
+            <a:schemeClr val="accent1">
+              <a:lumMod val="75000"/>
+            </a:schemeClr>
+          </a:solidFill>
+          <a:ln>
+            <a:solidFill>
+              <a:schemeClr val="tx2">
+                <a:lumMod val="40000"/>
+                <a:lumOff val="60000"/>
+              </a:schemeClr>
+            </a:solidFill>
+          </a:ln>
+        </p:spPr>
+        <p:style>
+          <a:lnRef idx="1">
+            <a:schemeClr val="accent3"/>
+          </a:lnRef>
+          <a:fillRef idx="2">
+            <a:schemeClr val="accent3"/>
+          </a:fillRef>
+          <a:effectRef idx="1">
+            <a:schemeClr val="accent3"/>
+          </a:effectRef>
+          <a:fontRef idx="minor">
+            <a:schemeClr val="dk1"/>
+          </a:fontRef>
+        </p:style>
+        <p:txBody>
+          <a:bodyPr rtlCol="0" anchor="ctr"/>
+          <a:lstStyle/>
+          <a:p>
+            <a:pPr algn="ctr"/>
+            <a:r>
+              <a:rPr lang="en-US" altLang="zh-TW" sz="1000" b="1" dirty="0" err="1" smtClean="0">
+                <a:solidFill>
+                  <a:schemeClr val="tx2">
+                    <a:lumMod val="40000"/>
+                    <a:lumOff val="60000"/>
+                  </a:schemeClr>
+                </a:solidFill>
+              </a:rPr>
+              <a:t>Spi_transfer</a:t>
+            </a:r>
+            <a:endParaRPr lang="zh-TW" altLang="en-US" sz="1000" b="1" dirty="0" smtClean="0">
+              <a:solidFill>
+                <a:schemeClr val="tx2">
+                  <a:lumMod val="40000"/>
+                  <a:lumOff val="60000"/>
+                </a:schemeClr>
+              </a:solidFill>
+            </a:endParaRPr>
+          </a:p>
+        </p:txBody>
+      </p:sp>
+      <p:sp>
+        <p:nvSpPr>
+          <p:cNvPr id="54" name="矩形 53"/>
+          <p:cNvSpPr/>
+          <p:nvPr/>
+        </p:nvSpPr>
+        <p:spPr>
+          <a:xfrm>
+            <a:off x="5868144" y="2649860"/>
+            <a:ext cx="936104" cy="144016"/>
+          </a:xfrm>
+          <a:prstGeom prst="rect">
+            <a:avLst/>
+          </a:prstGeom>
+          <a:solidFill>
+            <a:schemeClr val="tx2">
+              <a:lumMod val="40000"/>
+              <a:lumOff val="60000"/>
+            </a:schemeClr>
+          </a:solidFill>
+          <a:ln>
+            <a:solidFill>
+              <a:schemeClr val="tx2">
+                <a:lumMod val="75000"/>
+              </a:schemeClr>
+            </a:solidFill>
+          </a:ln>
+        </p:spPr>
+        <p:style>
+          <a:lnRef idx="1">
+            <a:schemeClr val="accent3"/>
+          </a:lnRef>
+          <a:fillRef idx="2">
+            <a:schemeClr val="accent3"/>
+          </a:fillRef>
+          <a:effectRef idx="1">
+            <a:schemeClr val="accent3"/>
+          </a:effectRef>
+          <a:fontRef idx="minor">
+            <a:schemeClr val="dk1"/>
+          </a:fontRef>
+        </p:style>
+        <p:txBody>
+          <a:bodyPr rtlCol="0" anchor="ctr"/>
+          <a:lstStyle/>
+          <a:p>
+            <a:pPr algn="ctr"/>
+            <a:r>
+              <a:rPr lang="en-US" altLang="zh-TW" sz="1000" dirty="0" smtClean="0">
+                <a:solidFill>
+                  <a:schemeClr val="tx2">
+                    <a:lumMod val="75000"/>
+                  </a:schemeClr>
+                </a:solidFill>
+              </a:rPr>
+              <a:t>*</a:t>
+            </a:r>
+            <a:r>
+              <a:rPr lang="en-US" altLang="zh-TW" sz="1000" dirty="0" err="1" smtClean="0">
+                <a:solidFill>
+                  <a:schemeClr val="tx2">
+                    <a:lumMod val="75000"/>
+                  </a:schemeClr>
+                </a:solidFill>
+              </a:rPr>
+              <a:t>tx_buffer</a:t>
+            </a:r>
+            <a:endParaRPr lang="zh-TW" altLang="en-US" sz="1000" dirty="0" smtClean="0">
+              <a:solidFill>
+                <a:schemeClr val="tx2">
+                  <a:lumMod val="75000"/>
+                </a:schemeClr>
+              </a:solidFill>
+            </a:endParaRPr>
+          </a:p>
+        </p:txBody>
+      </p:sp>
+      <p:sp>
+        <p:nvSpPr>
+          <p:cNvPr id="55" name="矩形 54"/>
+          <p:cNvSpPr/>
+          <p:nvPr/>
+        </p:nvSpPr>
+        <p:spPr>
+          <a:xfrm>
+            <a:off x="5868144" y="2785492"/>
+            <a:ext cx="936104" cy="144016"/>
+          </a:xfrm>
+          <a:prstGeom prst="rect">
+            <a:avLst/>
+          </a:prstGeom>
+          <a:solidFill>
+            <a:schemeClr val="tx2">
+              <a:lumMod val="40000"/>
+              <a:lumOff val="60000"/>
+            </a:schemeClr>
+          </a:solidFill>
+          <a:ln>
+            <a:solidFill>
+              <a:schemeClr val="tx2">
+                <a:lumMod val="75000"/>
+              </a:schemeClr>
+            </a:solidFill>
+          </a:ln>
+        </p:spPr>
+        <p:style>
+          <a:lnRef idx="1">
+            <a:schemeClr val="accent3"/>
+          </a:lnRef>
+          <a:fillRef idx="2">
+            <a:schemeClr val="accent3"/>
+          </a:fillRef>
+          <a:effectRef idx="1">
+            <a:schemeClr val="accent3"/>
+          </a:effectRef>
+          <a:fontRef idx="minor">
+            <a:schemeClr val="dk1"/>
+          </a:fontRef>
+        </p:style>
+        <p:txBody>
+          <a:bodyPr rtlCol="0" anchor="ctr"/>
+          <a:lstStyle/>
+          <a:p>
+            <a:pPr algn="ctr"/>
+            <a:r>
+              <a:rPr lang="en-US" altLang="zh-TW" sz="1000" dirty="0" smtClean="0"/>
+              <a:t>….</a:t>
+            </a:r>
+            <a:endParaRPr lang="zh-TW" altLang="en-US" sz="1000" dirty="0" smtClean="0"/>
+          </a:p>
+        </p:txBody>
+      </p:sp>
+      <p:sp>
+        <p:nvSpPr>
+          <p:cNvPr id="56" name="矩形 55"/>
+          <p:cNvSpPr/>
+          <p:nvPr/>
+        </p:nvSpPr>
+        <p:spPr>
+          <a:xfrm>
+            <a:off x="5868144" y="2929508"/>
+            <a:ext cx="936104" cy="144016"/>
+          </a:xfrm>
+          <a:prstGeom prst="rect">
+            <a:avLst/>
+          </a:prstGeom>
+          <a:solidFill>
+            <a:schemeClr val="tx2">
+              <a:lumMod val="40000"/>
+              <a:lumOff val="60000"/>
+            </a:schemeClr>
+          </a:solidFill>
+          <a:ln>
+            <a:solidFill>
+              <a:schemeClr val="tx2">
+                <a:lumMod val="75000"/>
+              </a:schemeClr>
+            </a:solidFill>
+          </a:ln>
+        </p:spPr>
+        <p:style>
+          <a:lnRef idx="1">
+            <a:schemeClr val="accent3"/>
+          </a:lnRef>
+          <a:fillRef idx="2">
+            <a:schemeClr val="accent3"/>
+          </a:fillRef>
+          <a:effectRef idx="1">
+            <a:schemeClr val="accent3"/>
+          </a:effectRef>
+          <a:fontRef idx="minor">
+            <a:schemeClr val="dk1"/>
+          </a:fontRef>
+        </p:style>
+        <p:txBody>
+          <a:bodyPr rtlCol="0" anchor="ctr"/>
+          <a:lstStyle/>
+          <a:p>
+            <a:pPr algn="ctr"/>
+            <a:r>
+              <a:rPr lang="en-US" altLang="zh-TW" sz="1000" dirty="0" err="1" smtClean="0">
+                <a:solidFill>
+                  <a:schemeClr val="tx2">
+                    <a:lumMod val="75000"/>
+                  </a:schemeClr>
+                </a:solidFill>
+              </a:rPr>
+              <a:t>transfer_list</a:t>
+            </a:r>
+            <a:endParaRPr lang="zh-TW" altLang="en-US" sz="1000" b="1" dirty="0" smtClean="0">
+              <a:solidFill>
+                <a:schemeClr val="accent6">
+                  <a:lumMod val="50000"/>
+                </a:schemeClr>
+              </a:solidFill>
+            </a:endParaRPr>
+          </a:p>
+        </p:txBody>
+      </p:sp>
+      <p:sp>
+        <p:nvSpPr>
+          <p:cNvPr id="57" name="矩形 56"/>
+          <p:cNvSpPr/>
+          <p:nvPr/>
+        </p:nvSpPr>
+        <p:spPr>
+          <a:xfrm>
+            <a:off x="5868144" y="3577580"/>
+            <a:ext cx="936104" cy="144016"/>
+          </a:xfrm>
+          <a:prstGeom prst="rect">
+            <a:avLst/>
+          </a:prstGeom>
+          <a:solidFill>
+            <a:schemeClr val="accent1">
+              <a:lumMod val="75000"/>
+            </a:schemeClr>
+          </a:solidFill>
+          <a:ln>
+            <a:solidFill>
+              <a:schemeClr val="tx2">
+                <a:lumMod val="40000"/>
+                <a:lumOff val="60000"/>
+              </a:schemeClr>
+            </a:solidFill>
+          </a:ln>
+        </p:spPr>
+        <p:style>
+          <a:lnRef idx="1">
+            <a:schemeClr val="accent3"/>
+          </a:lnRef>
+          <a:fillRef idx="2">
+            <a:schemeClr val="accent3"/>
+          </a:fillRef>
+          <a:effectRef idx="1">
+            <a:schemeClr val="accent3"/>
+          </a:effectRef>
+          <a:fontRef idx="minor">
+            <a:schemeClr val="dk1"/>
+          </a:fontRef>
+        </p:style>
+        <p:txBody>
+          <a:bodyPr rtlCol="0" anchor="ctr"/>
+          <a:lstStyle/>
+          <a:p>
+            <a:pPr algn="ctr"/>
+            <a:r>
+              <a:rPr lang="en-US" altLang="zh-TW" sz="1000" b="1" dirty="0" err="1" smtClean="0">
+                <a:solidFill>
+                  <a:schemeClr val="tx2">
+                    <a:lumMod val="40000"/>
+                    <a:lumOff val="60000"/>
+                  </a:schemeClr>
+                </a:solidFill>
+              </a:rPr>
+              <a:t>Spi_transfer</a:t>
+            </a:r>
+            <a:endParaRPr lang="zh-TW" altLang="en-US" sz="1000" b="1" dirty="0" smtClean="0">
+              <a:solidFill>
+                <a:schemeClr val="tx2">
+                  <a:lumMod val="40000"/>
+                  <a:lumOff val="60000"/>
+                </a:schemeClr>
+              </a:solidFill>
+            </a:endParaRPr>
+          </a:p>
+        </p:txBody>
+      </p:sp>
+      <p:sp>
+        <p:nvSpPr>
+          <p:cNvPr id="58" name="矩形 57"/>
+          <p:cNvSpPr/>
+          <p:nvPr/>
+        </p:nvSpPr>
+        <p:spPr>
+          <a:xfrm>
+            <a:off x="5868144" y="3729980"/>
+            <a:ext cx="936104" cy="144016"/>
+          </a:xfrm>
+          <a:prstGeom prst="rect">
+            <a:avLst/>
+          </a:prstGeom>
+          <a:solidFill>
+            <a:schemeClr val="tx2">
+              <a:lumMod val="40000"/>
+              <a:lumOff val="60000"/>
+            </a:schemeClr>
+          </a:solidFill>
+          <a:ln>
+            <a:solidFill>
+              <a:schemeClr val="tx2">
+                <a:lumMod val="75000"/>
+              </a:schemeClr>
+            </a:solidFill>
+          </a:ln>
+        </p:spPr>
+        <p:style>
+          <a:lnRef idx="1">
+            <a:schemeClr val="accent3"/>
+          </a:lnRef>
+          <a:fillRef idx="2">
+            <a:schemeClr val="accent3"/>
+          </a:fillRef>
+          <a:effectRef idx="1">
+            <a:schemeClr val="accent3"/>
+          </a:effectRef>
+          <a:fontRef idx="minor">
+            <a:schemeClr val="dk1"/>
+          </a:fontRef>
+        </p:style>
+        <p:txBody>
+          <a:bodyPr rtlCol="0" anchor="ctr"/>
+          <a:lstStyle/>
+          <a:p>
+            <a:pPr algn="ctr"/>
+            <a:r>
+              <a:rPr lang="en-US" altLang="zh-TW" sz="1000" dirty="0" smtClean="0">
+                <a:solidFill>
+                  <a:schemeClr val="tx2">
+                    <a:lumMod val="75000"/>
+                  </a:schemeClr>
+                </a:solidFill>
+              </a:rPr>
+              <a:t>*</a:t>
+            </a:r>
+            <a:r>
+              <a:rPr lang="en-US" altLang="zh-TW" sz="1000" dirty="0" err="1" smtClean="0">
+                <a:solidFill>
+                  <a:schemeClr val="tx2">
+                    <a:lumMod val="75000"/>
+                  </a:schemeClr>
+                </a:solidFill>
+              </a:rPr>
+              <a:t>tx_buffer</a:t>
+            </a:r>
+            <a:endParaRPr lang="zh-TW" altLang="en-US" sz="1000" dirty="0" smtClean="0">
+              <a:solidFill>
+                <a:schemeClr val="tx2">
+                  <a:lumMod val="75000"/>
+                </a:schemeClr>
+              </a:solidFill>
+            </a:endParaRPr>
+          </a:p>
+        </p:txBody>
+      </p:sp>
+      <p:sp>
+        <p:nvSpPr>
+          <p:cNvPr id="59" name="矩形 58"/>
+          <p:cNvSpPr/>
+          <p:nvPr/>
+        </p:nvSpPr>
+        <p:spPr>
+          <a:xfrm>
+            <a:off x="5868144" y="3865612"/>
+            <a:ext cx="936104" cy="144016"/>
+          </a:xfrm>
+          <a:prstGeom prst="rect">
+            <a:avLst/>
+          </a:prstGeom>
+          <a:solidFill>
+            <a:schemeClr val="tx2">
+              <a:lumMod val="40000"/>
+              <a:lumOff val="60000"/>
+            </a:schemeClr>
+          </a:solidFill>
+          <a:ln>
+            <a:solidFill>
+              <a:schemeClr val="tx2">
+                <a:lumMod val="75000"/>
+              </a:schemeClr>
+            </a:solidFill>
+          </a:ln>
+        </p:spPr>
+        <p:style>
+          <a:lnRef idx="1">
+            <a:schemeClr val="accent3"/>
+          </a:lnRef>
+          <a:fillRef idx="2">
+            <a:schemeClr val="accent3"/>
+          </a:fillRef>
+          <a:effectRef idx="1">
+            <a:schemeClr val="accent3"/>
+          </a:effectRef>
+          <a:fontRef idx="minor">
+            <a:schemeClr val="dk1"/>
+          </a:fontRef>
+        </p:style>
+        <p:txBody>
+          <a:bodyPr rtlCol="0" anchor="ctr"/>
+          <a:lstStyle/>
+          <a:p>
+            <a:pPr algn="ctr"/>
+            <a:r>
+              <a:rPr lang="en-US" altLang="zh-TW" sz="1000" dirty="0" smtClean="0"/>
+              <a:t>….</a:t>
+            </a:r>
+            <a:endParaRPr lang="zh-TW" altLang="en-US" sz="1000" dirty="0" smtClean="0"/>
+          </a:p>
+        </p:txBody>
+      </p:sp>
+      <p:sp>
+        <p:nvSpPr>
+          <p:cNvPr id="60" name="矩形 59"/>
+          <p:cNvSpPr/>
+          <p:nvPr/>
+        </p:nvSpPr>
+        <p:spPr>
+          <a:xfrm>
+            <a:off x="5868144" y="4009628"/>
+            <a:ext cx="936104" cy="144016"/>
+          </a:xfrm>
+          <a:prstGeom prst="rect">
+            <a:avLst/>
+          </a:prstGeom>
+          <a:solidFill>
+            <a:schemeClr val="tx2">
+              <a:lumMod val="40000"/>
+              <a:lumOff val="60000"/>
+            </a:schemeClr>
+          </a:solidFill>
+          <a:ln>
+            <a:solidFill>
+              <a:schemeClr val="tx2">
+                <a:lumMod val="75000"/>
+              </a:schemeClr>
+            </a:solidFill>
+          </a:ln>
+        </p:spPr>
+        <p:style>
+          <a:lnRef idx="1">
+            <a:schemeClr val="accent3"/>
+          </a:lnRef>
+          <a:fillRef idx="2">
+            <a:schemeClr val="accent3"/>
+          </a:fillRef>
+          <a:effectRef idx="1">
+            <a:schemeClr val="accent3"/>
+          </a:effectRef>
+          <a:fontRef idx="minor">
+            <a:schemeClr val="dk1"/>
+          </a:fontRef>
+        </p:style>
+        <p:txBody>
+          <a:bodyPr rtlCol="0" anchor="ctr"/>
+          <a:lstStyle/>
+          <a:p>
+            <a:pPr algn="ctr"/>
+            <a:r>
+              <a:rPr lang="en-US" altLang="zh-TW" sz="1000" dirty="0" err="1" smtClean="0">
+                <a:solidFill>
+                  <a:schemeClr val="tx2">
+                    <a:lumMod val="75000"/>
+                  </a:schemeClr>
+                </a:solidFill>
+              </a:rPr>
+              <a:t>transfer_list</a:t>
+            </a:r>
+            <a:endParaRPr lang="zh-TW" altLang="en-US" sz="1000" b="1" dirty="0" smtClean="0">
+              <a:solidFill>
+                <a:schemeClr val="accent6">
+                  <a:lumMod val="50000"/>
+                </a:schemeClr>
+              </a:solidFill>
+            </a:endParaRPr>
+          </a:p>
+        </p:txBody>
+      </p:sp>
+      <p:cxnSp>
+        <p:nvCxnSpPr>
+          <p:cNvPr id="61" name="肘形接點 60"/>
+          <p:cNvCxnSpPr>
+            <a:stCxn id="56" idx="3"/>
+            <a:endCxn id="60" idx="3"/>
+          </p:cNvCxnSpPr>
+          <p:nvPr/>
+        </p:nvCxnSpPr>
+        <p:spPr>
+          <a:xfrm>
+            <a:off x="6804248" y="3001516"/>
+            <a:ext cx="12700" cy="1080120"/>
+          </a:xfrm>
+          <a:prstGeom prst="bentConnector3">
+            <a:avLst>
+              <a:gd name="adj1" fmla="val 1800000"/>
+            </a:avLst>
+          </a:prstGeom>
+          <a:ln w="15875">
+            <a:tailEnd type="arrow"/>
+          </a:ln>
+        </p:spPr>
+        <p:style>
+          <a:lnRef idx="1">
+            <a:schemeClr val="accent1"/>
+          </a:lnRef>
+          <a:fillRef idx="0">
+            <a:schemeClr val="accent1"/>
+          </a:fillRef>
+          <a:effectRef idx="0">
+            <a:schemeClr val="accent1"/>
+          </a:effectRef>
+          <a:fontRef idx="minor">
+            <a:schemeClr val="tx1"/>
+          </a:fontRef>
+        </p:style>
+      </p:cxnSp>
+      <p:cxnSp>
+        <p:nvCxnSpPr>
+          <p:cNvPr id="62" name="直線接點 61"/>
+          <p:cNvCxnSpPr/>
+          <p:nvPr/>
+        </p:nvCxnSpPr>
+        <p:spPr>
+          <a:xfrm>
+            <a:off x="6300192" y="4369668"/>
+            <a:ext cx="0" cy="360040"/>
+          </a:xfrm>
+          <a:prstGeom prst="line">
+            <a:avLst/>
+          </a:prstGeom>
+          <a:ln w="19050">
+            <a:prstDash val="sysDash"/>
+          </a:ln>
+        </p:spPr>
+        <p:style>
+          <a:lnRef idx="1">
+            <a:schemeClr val="accent1"/>
+          </a:lnRef>
+          <a:fillRef idx="0">
+            <a:schemeClr val="accent1"/>
+          </a:fillRef>
+          <a:effectRef idx="0">
+            <a:schemeClr val="accent1"/>
+          </a:effectRef>
+          <a:fontRef idx="minor">
+            <a:schemeClr val="tx1"/>
+          </a:fontRef>
+        </p:style>
+      </p:cxnSp>
+      <p:cxnSp>
+        <p:nvCxnSpPr>
+          <p:cNvPr id="66" name="肘形接點 65"/>
+          <p:cNvCxnSpPr>
+            <a:stCxn id="26" idx="1"/>
+            <a:endCxn id="56" idx="1"/>
+          </p:cNvCxnSpPr>
+          <p:nvPr/>
+        </p:nvCxnSpPr>
+        <p:spPr>
+          <a:xfrm rot="10800000" flipV="1">
+            <a:off x="5868144" y="1497732"/>
+            <a:ext cx="12700" cy="1503784"/>
+          </a:xfrm>
+          <a:prstGeom prst="bentConnector3">
+            <a:avLst>
+              <a:gd name="adj1" fmla="val 1800000"/>
+            </a:avLst>
+          </a:prstGeom>
+          <a:ln w="15875">
+            <a:tailEnd type="arrow"/>
+          </a:ln>
+        </p:spPr>
+        <p:style>
+          <a:lnRef idx="1">
+            <a:schemeClr val="accent1"/>
+          </a:lnRef>
+          <a:fillRef idx="0">
+            <a:schemeClr val="accent1"/>
+          </a:fillRef>
+          <a:effectRef idx="0">
+            <a:schemeClr val="accent1"/>
+          </a:effectRef>
+          <a:fontRef idx="minor">
+            <a:schemeClr val="tx1"/>
+          </a:fontRef>
+        </p:style>
+      </p:cxnSp>
+      <p:sp>
+        <p:nvSpPr>
+          <p:cNvPr id="67" name="圓角矩形 66"/>
+          <p:cNvSpPr/>
+          <p:nvPr/>
+        </p:nvSpPr>
+        <p:spPr>
+          <a:xfrm>
+            <a:off x="2195736" y="3217540"/>
+            <a:ext cx="1656184" cy="216024"/>
+          </a:xfrm>
+          <a:prstGeom prst="roundRect">
+            <a:avLst/>
+          </a:prstGeom>
+        </p:spPr>
+        <p:style>
+          <a:lnRef idx="1">
+            <a:schemeClr val="accent1"/>
+          </a:lnRef>
+          <a:fillRef idx="3">
+            <a:schemeClr val="accent1"/>
+          </a:fillRef>
+          <a:effectRef idx="2">
+            <a:schemeClr val="accent1"/>
+          </a:effectRef>
+          <a:fontRef idx="minor">
+            <a:schemeClr val="lt1"/>
+          </a:fontRef>
+        </p:style>
+        <p:txBody>
+          <a:bodyPr rtlCol="0" anchor="ctr"/>
+          <a:lstStyle/>
+          <a:p>
+            <a:r>
+              <a:rPr lang="en-US" altLang="zh-TW" sz="800" dirty="0" err="1" smtClean="0"/>
+              <a:t>socle_spi_transfer_one_message</a:t>
+            </a:r>
+            <a:endParaRPr lang="zh-TW" altLang="en-US" sz="800" dirty="0"/>
+          </a:p>
+        </p:txBody>
+      </p:sp>
+      <p:cxnSp>
+        <p:nvCxnSpPr>
+          <p:cNvPr id="70" name="直線接點 69"/>
+          <p:cNvCxnSpPr>
+            <a:stCxn id="67" idx="0"/>
+          </p:cNvCxnSpPr>
+          <p:nvPr/>
+        </p:nvCxnSpPr>
+        <p:spPr>
+          <a:xfrm flipV="1">
+            <a:off x="3023828" y="2353444"/>
+            <a:ext cx="684076" cy="864096"/>
+          </a:xfrm>
+          <a:prstGeom prst="line">
+            <a:avLst/>
+          </a:prstGeom>
+        </p:spPr>
+        <p:style>
+          <a:lnRef idx="1">
+            <a:schemeClr val="accent1"/>
+          </a:lnRef>
+          <a:fillRef idx="0">
+            <a:schemeClr val="accent1"/>
+          </a:fillRef>
+          <a:effectRef idx="0">
+            <a:schemeClr val="accent1"/>
+          </a:effectRef>
+          <a:fontRef idx="minor">
+            <a:schemeClr val="tx1"/>
+          </a:fontRef>
+        </p:style>
+      </p:cxnSp>
     </p:spTree>
   </p:cSld>
   <p:clrMapOvr>
@@ -6490,7 +9155,7 @@
           <a:bodyPr/>
           <a:lstStyle/>
           <a:p>
-            <a:endParaRPr lang="zh-TW" altLang="en-US"/>
+            <a:endParaRPr lang="zh-TW" altLang="en-US" dirty="0"/>
           </a:p>
         </p:txBody>
       </p:sp>
@@ -6511,19 +9176,971 @@
           <a:p>
             <a:r>
               <a:rPr lang="en-US" altLang="zh-TW" dirty="0" smtClean="0"/>
-              <a:t>SPI – </a:t>
+              <a:t>SPI-</a:t>
             </a:r>
             <a:r>
               <a:rPr lang="zh-TW" altLang="en-US" dirty="0" smtClean="0"/>
-              <a:t>隊列化</a:t>
+              <a:t>異同步方式</a:t>
             </a:r>
             <a:endParaRPr lang="zh-TW" altLang="en-US" dirty="0"/>
+          </a:p>
+        </p:txBody>
+      </p:sp>
+      <p:sp>
+        <p:nvSpPr>
+          <p:cNvPr id="6" name="圓角矩形 5"/>
+          <p:cNvSpPr/>
+          <p:nvPr/>
+        </p:nvSpPr>
+        <p:spPr>
+          <a:xfrm>
+            <a:off x="6228184" y="2065412"/>
+            <a:ext cx="1872208" cy="288032"/>
+          </a:xfrm>
+          <a:prstGeom prst="roundRect">
+            <a:avLst/>
+          </a:prstGeom>
+        </p:spPr>
+        <p:style>
+          <a:lnRef idx="1">
+            <a:schemeClr val="accent1"/>
+          </a:lnRef>
+          <a:fillRef idx="3">
+            <a:schemeClr val="accent1"/>
+          </a:fillRef>
+          <a:effectRef idx="2">
+            <a:schemeClr val="accent1"/>
+          </a:effectRef>
+          <a:fontRef idx="minor">
+            <a:schemeClr val="lt1"/>
+          </a:fontRef>
+        </p:style>
+        <p:txBody>
+          <a:bodyPr rtlCol="0" anchor="ctr"/>
+          <a:lstStyle/>
+          <a:p>
+            <a:pPr algn="ctr"/>
+            <a:r>
+              <a:rPr lang="en-US" altLang="zh-TW" sz="1000" dirty="0" err="1" smtClean="0"/>
+              <a:t>prepare_transfer_hardware</a:t>
+            </a:r>
+            <a:endParaRPr lang="zh-TW" altLang="en-US" sz="1000" dirty="0" smtClean="0"/>
+          </a:p>
+        </p:txBody>
+      </p:sp>
+      <p:sp>
+        <p:nvSpPr>
+          <p:cNvPr id="7" name="圓角矩形 6"/>
+          <p:cNvSpPr/>
+          <p:nvPr/>
+        </p:nvSpPr>
+        <p:spPr>
+          <a:xfrm>
+            <a:off x="5652120" y="1273324"/>
+            <a:ext cx="1440160" cy="288032"/>
+          </a:xfrm>
+          <a:prstGeom prst="roundRect">
+            <a:avLst/>
+          </a:prstGeom>
+        </p:spPr>
+        <p:style>
+          <a:lnRef idx="1">
+            <a:schemeClr val="accent1"/>
+          </a:lnRef>
+          <a:fillRef idx="3">
+            <a:schemeClr val="accent1"/>
+          </a:fillRef>
+          <a:effectRef idx="2">
+            <a:schemeClr val="accent1"/>
+          </a:effectRef>
+          <a:fontRef idx="minor">
+            <a:schemeClr val="lt1"/>
+          </a:fontRef>
+        </p:style>
+        <p:txBody>
+          <a:bodyPr rtlCol="0" anchor="ctr"/>
+          <a:lstStyle/>
+          <a:p>
+            <a:pPr algn="ctr"/>
+            <a:r>
+              <a:rPr lang="en-US" altLang="zh-TW" sz="1000" dirty="0" err="1" smtClean="0"/>
+              <a:t>spi_queued_transfer</a:t>
+            </a:r>
+            <a:endParaRPr lang="zh-TW" altLang="en-US" sz="1000" dirty="0" smtClean="0"/>
+          </a:p>
+        </p:txBody>
+      </p:sp>
+      <p:sp>
+        <p:nvSpPr>
+          <p:cNvPr id="8" name="圓角矩形 7"/>
+          <p:cNvSpPr/>
+          <p:nvPr/>
+        </p:nvSpPr>
+        <p:spPr>
+          <a:xfrm>
+            <a:off x="3923928" y="1273324"/>
+            <a:ext cx="1224136" cy="288032"/>
+          </a:xfrm>
+          <a:prstGeom prst="roundRect">
+            <a:avLst/>
+          </a:prstGeom>
+        </p:spPr>
+        <p:style>
+          <a:lnRef idx="1">
+            <a:schemeClr val="accent1"/>
+          </a:lnRef>
+          <a:fillRef idx="3">
+            <a:schemeClr val="accent1"/>
+          </a:fillRef>
+          <a:effectRef idx="2">
+            <a:schemeClr val="accent1"/>
+          </a:effectRef>
+          <a:fontRef idx="minor">
+            <a:schemeClr val="lt1"/>
+          </a:fontRef>
+        </p:style>
+        <p:txBody>
+          <a:bodyPr rtlCol="0" anchor="ctr"/>
+          <a:lstStyle/>
+          <a:p>
+            <a:pPr algn="ctr"/>
+            <a:r>
+              <a:rPr lang="en-US" altLang="zh-TW" sz="1000" dirty="0" smtClean="0"/>
+              <a:t>Master-&gt;transfer</a:t>
+            </a:r>
+            <a:endParaRPr lang="zh-TW" altLang="en-US" sz="1000" dirty="0" smtClean="0"/>
+          </a:p>
+        </p:txBody>
+      </p:sp>
+      <p:cxnSp>
+        <p:nvCxnSpPr>
+          <p:cNvPr id="10" name="直線接點 9"/>
+          <p:cNvCxnSpPr>
+            <a:stCxn id="8" idx="3"/>
+            <a:endCxn id="7" idx="1"/>
+          </p:cNvCxnSpPr>
+          <p:nvPr/>
+        </p:nvCxnSpPr>
+        <p:spPr>
+          <a:xfrm>
+            <a:off x="5148064" y="1417340"/>
+            <a:ext cx="504056" cy="0"/>
+          </a:xfrm>
+          <a:prstGeom prst="line">
+            <a:avLst/>
+          </a:prstGeom>
+          <a:ln>
+            <a:prstDash val="sysDash"/>
+          </a:ln>
+        </p:spPr>
+        <p:style>
+          <a:lnRef idx="1">
+            <a:schemeClr val="accent1"/>
+          </a:lnRef>
+          <a:fillRef idx="0">
+            <a:schemeClr val="accent1"/>
+          </a:fillRef>
+          <a:effectRef idx="0">
+            <a:schemeClr val="accent1"/>
+          </a:effectRef>
+          <a:fontRef idx="minor">
+            <a:schemeClr val="tx1"/>
+          </a:fontRef>
+        </p:style>
+      </p:cxnSp>
+      <p:sp>
+        <p:nvSpPr>
+          <p:cNvPr id="20" name="矩形 19"/>
+          <p:cNvSpPr/>
+          <p:nvPr/>
+        </p:nvSpPr>
+        <p:spPr>
+          <a:xfrm>
+            <a:off x="3851920" y="1129308"/>
+            <a:ext cx="3312368" cy="576064"/>
+          </a:xfrm>
+          <a:prstGeom prst="rect">
+            <a:avLst/>
+          </a:prstGeom>
+          <a:noFill/>
+          <a:ln w="15875">
+            <a:solidFill>
+              <a:schemeClr val="tx2">
+                <a:lumMod val="60000"/>
+                <a:lumOff val="40000"/>
+              </a:schemeClr>
+            </a:solidFill>
+            <a:prstDash val="dash"/>
+          </a:ln>
+        </p:spPr>
+        <p:style>
+          <a:lnRef idx="1">
+            <a:schemeClr val="accent1"/>
+          </a:lnRef>
+          <a:fillRef idx="3">
+            <a:schemeClr val="accent1"/>
+          </a:fillRef>
+          <a:effectRef idx="2">
+            <a:schemeClr val="accent1"/>
+          </a:effectRef>
+          <a:fontRef idx="minor">
+            <a:schemeClr val="lt1"/>
+          </a:fontRef>
+        </p:style>
+        <p:txBody>
+          <a:bodyPr rtlCol="0" anchor="ctr"/>
+          <a:lstStyle/>
+          <a:p>
+            <a:pPr algn="ctr"/>
+            <a:endParaRPr lang="zh-TW" altLang="en-US" dirty="0" smtClean="0"/>
+          </a:p>
+        </p:txBody>
+      </p:sp>
+      <p:sp>
+        <p:nvSpPr>
+          <p:cNvPr id="21" name="圓角矩形 20"/>
+          <p:cNvSpPr/>
+          <p:nvPr/>
+        </p:nvSpPr>
+        <p:spPr>
+          <a:xfrm>
+            <a:off x="2195736" y="1273324"/>
+            <a:ext cx="792088" cy="288032"/>
+          </a:xfrm>
+          <a:prstGeom prst="roundRect">
+            <a:avLst/>
+          </a:prstGeom>
+        </p:spPr>
+        <p:style>
+          <a:lnRef idx="1">
+            <a:schemeClr val="accent1"/>
+          </a:lnRef>
+          <a:fillRef idx="3">
+            <a:schemeClr val="accent1"/>
+          </a:fillRef>
+          <a:effectRef idx="2">
+            <a:schemeClr val="accent1"/>
+          </a:effectRef>
+          <a:fontRef idx="minor">
+            <a:schemeClr val="lt1"/>
+          </a:fontRef>
+        </p:style>
+        <p:txBody>
+          <a:bodyPr rtlCol="0" anchor="ctr"/>
+          <a:lstStyle/>
+          <a:p>
+            <a:pPr algn="ctr"/>
+            <a:r>
+              <a:rPr lang="en-US" altLang="zh-TW" sz="1000" dirty="0" err="1" smtClean="0"/>
+              <a:t>spi_async</a:t>
+            </a:r>
+            <a:endParaRPr lang="zh-TW" altLang="en-US" sz="1000" dirty="0" smtClean="0"/>
+          </a:p>
+        </p:txBody>
+      </p:sp>
+      <p:sp>
+        <p:nvSpPr>
+          <p:cNvPr id="26" name="圓角矩形 25"/>
+          <p:cNvSpPr/>
+          <p:nvPr/>
+        </p:nvSpPr>
+        <p:spPr>
+          <a:xfrm>
+            <a:off x="6588224" y="2425452"/>
+            <a:ext cx="1584176" cy="288032"/>
+          </a:xfrm>
+          <a:prstGeom prst="roundRect">
+            <a:avLst/>
+          </a:prstGeom>
+        </p:spPr>
+        <p:style>
+          <a:lnRef idx="1">
+            <a:schemeClr val="accent1"/>
+          </a:lnRef>
+          <a:fillRef idx="3">
+            <a:schemeClr val="accent1"/>
+          </a:fillRef>
+          <a:effectRef idx="2">
+            <a:schemeClr val="accent1"/>
+          </a:effectRef>
+          <a:fontRef idx="minor">
+            <a:schemeClr val="lt1"/>
+          </a:fontRef>
+        </p:style>
+        <p:txBody>
+          <a:bodyPr rtlCol="0" anchor="ctr"/>
+          <a:lstStyle/>
+          <a:p>
+            <a:pPr algn="ctr"/>
+            <a:r>
+              <a:rPr lang="en-US" altLang="zh-TW" sz="1000" dirty="0" err="1" smtClean="0"/>
+              <a:t>transfer_one_message</a:t>
+            </a:r>
+            <a:endParaRPr lang="zh-TW" altLang="en-US" sz="1000" dirty="0" smtClean="0"/>
+          </a:p>
+        </p:txBody>
+      </p:sp>
+      <p:sp>
+        <p:nvSpPr>
+          <p:cNvPr id="27" name="圓角矩形 26"/>
+          <p:cNvSpPr/>
+          <p:nvPr/>
+        </p:nvSpPr>
+        <p:spPr>
+          <a:xfrm>
+            <a:off x="1187624" y="2425452"/>
+            <a:ext cx="1728192" cy="288032"/>
+          </a:xfrm>
+          <a:prstGeom prst="roundRect">
+            <a:avLst/>
+          </a:prstGeom>
+        </p:spPr>
+        <p:style>
+          <a:lnRef idx="1">
+            <a:schemeClr val="accent1"/>
+          </a:lnRef>
+          <a:fillRef idx="3">
+            <a:schemeClr val="accent1"/>
+          </a:fillRef>
+          <a:effectRef idx="2">
+            <a:schemeClr val="accent1"/>
+          </a:effectRef>
+          <a:fontRef idx="minor">
+            <a:schemeClr val="lt1"/>
+          </a:fontRef>
+        </p:style>
+        <p:txBody>
+          <a:bodyPr rtlCol="0" anchor="ctr"/>
+          <a:lstStyle/>
+          <a:p>
+            <a:r>
+              <a:rPr lang="en-US" altLang="zh-TW" sz="1000" dirty="0" err="1" smtClean="0"/>
+              <a:t>spi_master_initialize_queue</a:t>
+            </a:r>
+            <a:endParaRPr lang="zh-TW" altLang="en-US" sz="1000" dirty="0"/>
+          </a:p>
+        </p:txBody>
+      </p:sp>
+      <p:sp>
+        <p:nvSpPr>
+          <p:cNvPr id="28" name="圓角矩形 27"/>
+          <p:cNvSpPr/>
+          <p:nvPr/>
+        </p:nvSpPr>
+        <p:spPr>
+          <a:xfrm>
+            <a:off x="3203848" y="2425452"/>
+            <a:ext cx="1008112" cy="288032"/>
+          </a:xfrm>
+          <a:prstGeom prst="roundRect">
+            <a:avLst/>
+          </a:prstGeom>
+        </p:spPr>
+        <p:style>
+          <a:lnRef idx="1">
+            <a:schemeClr val="accent1"/>
+          </a:lnRef>
+          <a:fillRef idx="3">
+            <a:schemeClr val="accent1"/>
+          </a:fillRef>
+          <a:effectRef idx="2">
+            <a:schemeClr val="accent1"/>
+          </a:effectRef>
+          <a:fontRef idx="minor">
+            <a:schemeClr val="lt1"/>
+          </a:fontRef>
+        </p:style>
+        <p:txBody>
+          <a:bodyPr rtlCol="0" anchor="ctr"/>
+          <a:lstStyle/>
+          <a:p>
+            <a:pPr algn="ctr"/>
+            <a:r>
+              <a:rPr lang="en-US" altLang="zh-TW" sz="1000" dirty="0" err="1" smtClean="0"/>
+              <a:t>spi_init_queue</a:t>
+            </a:r>
+            <a:endParaRPr lang="zh-TW" altLang="en-US" sz="1000" dirty="0" smtClean="0"/>
+          </a:p>
+        </p:txBody>
+      </p:sp>
+      <p:sp>
+        <p:nvSpPr>
+          <p:cNvPr id="29" name="圓角矩形 28"/>
+          <p:cNvSpPr/>
+          <p:nvPr/>
+        </p:nvSpPr>
+        <p:spPr>
+          <a:xfrm>
+            <a:off x="3275856" y="2857500"/>
+            <a:ext cx="1080120" cy="288032"/>
+          </a:xfrm>
+          <a:prstGeom prst="roundRect">
+            <a:avLst/>
+          </a:prstGeom>
+        </p:spPr>
+        <p:style>
+          <a:lnRef idx="1">
+            <a:schemeClr val="accent1"/>
+          </a:lnRef>
+          <a:fillRef idx="3">
+            <a:schemeClr val="accent1"/>
+          </a:fillRef>
+          <a:effectRef idx="2">
+            <a:schemeClr val="accent1"/>
+          </a:effectRef>
+          <a:fontRef idx="minor">
+            <a:schemeClr val="lt1"/>
+          </a:fontRef>
+        </p:style>
+        <p:txBody>
+          <a:bodyPr rtlCol="0" anchor="ctr"/>
+          <a:lstStyle/>
+          <a:p>
+            <a:pPr algn="ctr"/>
+            <a:r>
+              <a:rPr lang="en-US" altLang="zh-TW" sz="1000" dirty="0" err="1" smtClean="0"/>
+              <a:t>spi_start_queue</a:t>
+            </a:r>
+            <a:endParaRPr lang="zh-TW" altLang="en-US" sz="1000" dirty="0" smtClean="0"/>
+          </a:p>
+        </p:txBody>
+      </p:sp>
+      <p:cxnSp>
+        <p:nvCxnSpPr>
+          <p:cNvPr id="33" name="直線接點 32"/>
+          <p:cNvCxnSpPr>
+            <a:stCxn id="27" idx="3"/>
+            <a:endCxn id="20" idx="2"/>
+          </p:cNvCxnSpPr>
+          <p:nvPr/>
+        </p:nvCxnSpPr>
+        <p:spPr>
+          <a:xfrm flipV="1">
+            <a:off x="2915816" y="1705372"/>
+            <a:ext cx="2592288" cy="864096"/>
+          </a:xfrm>
+          <a:prstGeom prst="line">
+            <a:avLst/>
+          </a:prstGeom>
+          <a:ln>
+            <a:prstDash val="sysDash"/>
+          </a:ln>
+        </p:spPr>
+        <p:style>
+          <a:lnRef idx="1">
+            <a:schemeClr val="accent1"/>
+          </a:lnRef>
+          <a:fillRef idx="0">
+            <a:schemeClr val="accent1"/>
+          </a:fillRef>
+          <a:effectRef idx="0">
+            <a:schemeClr val="accent1"/>
+          </a:effectRef>
+          <a:fontRef idx="minor">
+            <a:schemeClr val="tx1"/>
+          </a:fontRef>
+        </p:style>
+      </p:cxnSp>
+      <p:cxnSp>
+        <p:nvCxnSpPr>
+          <p:cNvPr id="37" name="直線單箭頭接點 36"/>
+          <p:cNvCxnSpPr>
+            <a:stCxn id="27" idx="3"/>
+            <a:endCxn id="28" idx="1"/>
+          </p:cNvCxnSpPr>
+          <p:nvPr/>
+        </p:nvCxnSpPr>
+        <p:spPr>
+          <a:xfrm>
+            <a:off x="2915816" y="2569468"/>
+            <a:ext cx="288032" cy="0"/>
+          </a:xfrm>
+          <a:prstGeom prst="straightConnector1">
+            <a:avLst/>
+          </a:prstGeom>
+          <a:ln>
+            <a:tailEnd type="arrow"/>
+          </a:ln>
+        </p:spPr>
+        <p:style>
+          <a:lnRef idx="1">
+            <a:schemeClr val="accent1"/>
+          </a:lnRef>
+          <a:fillRef idx="0">
+            <a:schemeClr val="accent1"/>
+          </a:fillRef>
+          <a:effectRef idx="0">
+            <a:schemeClr val="accent1"/>
+          </a:effectRef>
+          <a:fontRef idx="minor">
+            <a:schemeClr val="tx1"/>
+          </a:fontRef>
+        </p:style>
+      </p:cxnSp>
+      <p:cxnSp>
+        <p:nvCxnSpPr>
+          <p:cNvPr id="39" name="肘形接點 38"/>
+          <p:cNvCxnSpPr>
+            <a:stCxn id="27" idx="3"/>
+            <a:endCxn id="29" idx="1"/>
+          </p:cNvCxnSpPr>
+          <p:nvPr/>
+        </p:nvCxnSpPr>
+        <p:spPr>
+          <a:xfrm>
+            <a:off x="2915816" y="2569468"/>
+            <a:ext cx="360040" cy="432048"/>
+          </a:xfrm>
+          <a:prstGeom prst="bentConnector3">
+            <a:avLst>
+              <a:gd name="adj1" fmla="val 50000"/>
+            </a:avLst>
+          </a:prstGeom>
+          <a:ln>
+            <a:tailEnd type="arrow"/>
+          </a:ln>
+        </p:spPr>
+        <p:style>
+          <a:lnRef idx="1">
+            <a:schemeClr val="accent1"/>
+          </a:lnRef>
+          <a:fillRef idx="0">
+            <a:schemeClr val="accent1"/>
+          </a:fillRef>
+          <a:effectRef idx="0">
+            <a:schemeClr val="accent1"/>
+          </a:effectRef>
+          <a:fontRef idx="minor">
+            <a:schemeClr val="tx1"/>
+          </a:fontRef>
+        </p:style>
+      </p:cxnSp>
+      <p:sp>
+        <p:nvSpPr>
+          <p:cNvPr id="41" name="圓角矩形 40"/>
+          <p:cNvSpPr/>
+          <p:nvPr/>
+        </p:nvSpPr>
+        <p:spPr>
+          <a:xfrm>
+            <a:off x="899592" y="1921396"/>
+            <a:ext cx="1296144" cy="288032"/>
+          </a:xfrm>
+          <a:prstGeom prst="roundRect">
+            <a:avLst/>
+          </a:prstGeom>
+        </p:spPr>
+        <p:style>
+          <a:lnRef idx="1">
+            <a:schemeClr val="accent1"/>
+          </a:lnRef>
+          <a:fillRef idx="3">
+            <a:schemeClr val="accent1"/>
+          </a:fillRef>
+          <a:effectRef idx="2">
+            <a:schemeClr val="accent1"/>
+          </a:effectRef>
+          <a:fontRef idx="minor">
+            <a:schemeClr val="lt1"/>
+          </a:fontRef>
+        </p:style>
+        <p:txBody>
+          <a:bodyPr rtlCol="0" anchor="ctr"/>
+          <a:lstStyle/>
+          <a:p>
+            <a:r>
+              <a:rPr lang="en-US" altLang="zh-TW" sz="1000" dirty="0" err="1" smtClean="0"/>
+              <a:t>spi_register_master</a:t>
+            </a:r>
+            <a:endParaRPr lang="zh-TW" altLang="en-US" sz="1000" dirty="0"/>
+          </a:p>
+        </p:txBody>
+      </p:sp>
+      <p:cxnSp>
+        <p:nvCxnSpPr>
+          <p:cNvPr id="42" name="肘形接點 41"/>
+          <p:cNvCxnSpPr>
+            <a:stCxn id="41" idx="2"/>
+            <a:endCxn id="27" idx="0"/>
+          </p:cNvCxnSpPr>
+          <p:nvPr/>
+        </p:nvCxnSpPr>
+        <p:spPr>
+          <a:xfrm rot="16200000" flipH="1">
+            <a:off x="1691680" y="2065412"/>
+            <a:ext cx="216024" cy="504056"/>
+          </a:xfrm>
+          <a:prstGeom prst="bentConnector3">
+            <a:avLst>
+              <a:gd name="adj1" fmla="val 50000"/>
+            </a:avLst>
+          </a:prstGeom>
+          <a:ln>
+            <a:tailEnd type="arrow"/>
+          </a:ln>
+        </p:spPr>
+        <p:style>
+          <a:lnRef idx="1">
+            <a:schemeClr val="accent1"/>
+          </a:lnRef>
+          <a:fillRef idx="0">
+            <a:schemeClr val="accent1"/>
+          </a:fillRef>
+          <a:effectRef idx="0">
+            <a:schemeClr val="accent1"/>
+          </a:effectRef>
+          <a:fontRef idx="minor">
+            <a:schemeClr val="tx1"/>
+          </a:fontRef>
+        </p:style>
+      </p:cxnSp>
+      <p:cxnSp>
+        <p:nvCxnSpPr>
+          <p:cNvPr id="45" name="直線單箭頭接點 44"/>
+          <p:cNvCxnSpPr>
+            <a:stCxn id="21" idx="3"/>
+            <a:endCxn id="8" idx="1"/>
+          </p:cNvCxnSpPr>
+          <p:nvPr/>
+        </p:nvCxnSpPr>
+        <p:spPr>
+          <a:xfrm>
+            <a:off x="2987824" y="1417340"/>
+            <a:ext cx="936104" cy="0"/>
+          </a:xfrm>
+          <a:prstGeom prst="straightConnector1">
+            <a:avLst/>
+          </a:prstGeom>
+          <a:ln>
+            <a:tailEnd type="arrow"/>
+          </a:ln>
+        </p:spPr>
+        <p:style>
+          <a:lnRef idx="1">
+            <a:schemeClr val="accent1"/>
+          </a:lnRef>
+          <a:fillRef idx="0">
+            <a:schemeClr val="accent1"/>
+          </a:fillRef>
+          <a:effectRef idx="0">
+            <a:schemeClr val="accent1"/>
+          </a:effectRef>
+          <a:fontRef idx="minor">
+            <a:schemeClr val="tx1"/>
+          </a:fontRef>
+        </p:style>
+      </p:cxnSp>
+      <p:sp>
+        <p:nvSpPr>
+          <p:cNvPr id="49" name="圓角矩形 48"/>
+          <p:cNvSpPr/>
+          <p:nvPr/>
+        </p:nvSpPr>
+        <p:spPr>
+          <a:xfrm>
+            <a:off x="4572000" y="2065412"/>
+            <a:ext cx="1440160" cy="288032"/>
+          </a:xfrm>
+          <a:prstGeom prst="roundRect">
+            <a:avLst/>
+          </a:prstGeom>
+        </p:spPr>
+        <p:style>
+          <a:lnRef idx="1">
+            <a:schemeClr val="accent1"/>
+          </a:lnRef>
+          <a:fillRef idx="3">
+            <a:schemeClr val="accent1"/>
+          </a:fillRef>
+          <a:effectRef idx="2">
+            <a:schemeClr val="accent1"/>
+          </a:effectRef>
+          <a:fontRef idx="minor">
+            <a:schemeClr val="lt1"/>
+          </a:fontRef>
+        </p:style>
+        <p:txBody>
+          <a:bodyPr rtlCol="0" anchor="ctr"/>
+          <a:lstStyle/>
+          <a:p>
+            <a:pPr algn="ctr"/>
+            <a:r>
+              <a:rPr lang="en-US" altLang="zh-TW" sz="1000" dirty="0" err="1" smtClean="0"/>
+              <a:t>spi_pump_messages</a:t>
+            </a:r>
+            <a:endParaRPr lang="zh-TW" altLang="en-US" sz="1000" dirty="0" smtClean="0"/>
+          </a:p>
+        </p:txBody>
+      </p:sp>
+      <p:sp>
+        <p:nvSpPr>
+          <p:cNvPr id="50" name="圓角矩形 49"/>
+          <p:cNvSpPr/>
+          <p:nvPr/>
+        </p:nvSpPr>
+        <p:spPr>
+          <a:xfrm>
+            <a:off x="6444208" y="3217540"/>
+            <a:ext cx="1872208" cy="288032"/>
+          </a:xfrm>
+          <a:prstGeom prst="roundRect">
+            <a:avLst/>
+          </a:prstGeom>
+        </p:spPr>
+        <p:style>
+          <a:lnRef idx="1">
+            <a:schemeClr val="accent1"/>
+          </a:lnRef>
+          <a:fillRef idx="3">
+            <a:schemeClr val="accent1"/>
+          </a:fillRef>
+          <a:effectRef idx="2">
+            <a:schemeClr val="accent1"/>
+          </a:effectRef>
+          <a:fontRef idx="minor">
+            <a:schemeClr val="lt1"/>
+          </a:fontRef>
+        </p:style>
+        <p:txBody>
+          <a:bodyPr rtlCol="0" anchor="ctr"/>
+          <a:lstStyle/>
+          <a:p>
+            <a:pPr algn="ctr"/>
+            <a:r>
+              <a:rPr lang="en-US" altLang="zh-TW" sz="1000" dirty="0" err="1" smtClean="0"/>
+              <a:t>spi_finalize_current_message</a:t>
+            </a:r>
+            <a:endParaRPr lang="zh-TW" altLang="en-US" sz="1000" dirty="0" smtClean="0"/>
+          </a:p>
+        </p:txBody>
+      </p:sp>
+      <p:cxnSp>
+        <p:nvCxnSpPr>
+          <p:cNvPr id="51" name="肘形接點 50"/>
+          <p:cNvCxnSpPr>
+            <a:stCxn id="50" idx="1"/>
+            <a:endCxn id="49" idx="2"/>
+          </p:cNvCxnSpPr>
+          <p:nvPr/>
+        </p:nvCxnSpPr>
+        <p:spPr>
+          <a:xfrm rot="10800000">
+            <a:off x="5292080" y="2353444"/>
+            <a:ext cx="1152128" cy="1008112"/>
+          </a:xfrm>
+          <a:prstGeom prst="bentConnector2">
+            <a:avLst/>
+          </a:prstGeom>
+          <a:ln>
+            <a:tailEnd type="arrow"/>
+          </a:ln>
+        </p:spPr>
+        <p:style>
+          <a:lnRef idx="1">
+            <a:schemeClr val="accent1"/>
+          </a:lnRef>
+          <a:fillRef idx="0">
+            <a:schemeClr val="accent1"/>
+          </a:fillRef>
+          <a:effectRef idx="0">
+            <a:schemeClr val="accent1"/>
+          </a:effectRef>
+          <a:fontRef idx="minor">
+            <a:schemeClr val="tx1"/>
+          </a:fontRef>
+        </p:style>
+      </p:cxnSp>
+      <p:cxnSp>
+        <p:nvCxnSpPr>
+          <p:cNvPr id="55" name="肘形接點 54"/>
+          <p:cNvCxnSpPr>
+            <a:stCxn id="49" idx="3"/>
+            <a:endCxn id="26" idx="1"/>
+          </p:cNvCxnSpPr>
+          <p:nvPr/>
+        </p:nvCxnSpPr>
+        <p:spPr>
+          <a:xfrm>
+            <a:off x="6012160" y="2209428"/>
+            <a:ext cx="576064" cy="360040"/>
+          </a:xfrm>
+          <a:prstGeom prst="bentConnector3">
+            <a:avLst>
+              <a:gd name="adj1" fmla="val 19576"/>
+            </a:avLst>
+          </a:prstGeom>
+          <a:ln>
+            <a:tailEnd type="arrow"/>
+          </a:ln>
+        </p:spPr>
+        <p:style>
+          <a:lnRef idx="1">
+            <a:schemeClr val="accent1"/>
+          </a:lnRef>
+          <a:fillRef idx="0">
+            <a:schemeClr val="accent1"/>
+          </a:fillRef>
+          <a:effectRef idx="0">
+            <a:schemeClr val="accent1"/>
+          </a:effectRef>
+          <a:fontRef idx="minor">
+            <a:schemeClr val="tx1"/>
+          </a:fontRef>
+        </p:style>
+      </p:cxnSp>
+      <p:cxnSp>
+        <p:nvCxnSpPr>
+          <p:cNvPr id="58" name="直線單箭頭接點 57"/>
+          <p:cNvCxnSpPr>
+            <a:stCxn id="49" idx="3"/>
+            <a:endCxn id="6" idx="1"/>
+          </p:cNvCxnSpPr>
+          <p:nvPr/>
+        </p:nvCxnSpPr>
+        <p:spPr>
+          <a:xfrm>
+            <a:off x="6012160" y="2209428"/>
+            <a:ext cx="216024" cy="0"/>
+          </a:xfrm>
+          <a:prstGeom prst="straightConnector1">
+            <a:avLst/>
+          </a:prstGeom>
+          <a:ln>
+            <a:tailEnd type="arrow"/>
+          </a:ln>
+        </p:spPr>
+        <p:style>
+          <a:lnRef idx="1">
+            <a:schemeClr val="accent1"/>
+          </a:lnRef>
+          <a:fillRef idx="0">
+            <a:schemeClr val="accent1"/>
+          </a:fillRef>
+          <a:effectRef idx="0">
+            <a:schemeClr val="accent1"/>
+          </a:effectRef>
+          <a:fontRef idx="minor">
+            <a:schemeClr val="tx1"/>
+          </a:fontRef>
+        </p:style>
+      </p:cxnSp>
+      <p:cxnSp>
+        <p:nvCxnSpPr>
+          <p:cNvPr id="62" name="直線單箭頭接點 61"/>
+          <p:cNvCxnSpPr>
+            <a:stCxn id="26" idx="2"/>
+            <a:endCxn id="50" idx="0"/>
+          </p:cNvCxnSpPr>
+          <p:nvPr/>
+        </p:nvCxnSpPr>
+        <p:spPr>
+          <a:xfrm>
+            <a:off x="7380312" y="2713484"/>
+            <a:ext cx="0" cy="504056"/>
+          </a:xfrm>
+          <a:prstGeom prst="straightConnector1">
+            <a:avLst/>
+          </a:prstGeom>
+          <a:ln>
+            <a:tailEnd type="arrow"/>
+          </a:ln>
+        </p:spPr>
+        <p:style>
+          <a:lnRef idx="1">
+            <a:schemeClr val="accent1"/>
+          </a:lnRef>
+          <a:fillRef idx="0">
+            <a:schemeClr val="accent1"/>
+          </a:fillRef>
+          <a:effectRef idx="0">
+            <a:schemeClr val="accent1"/>
+          </a:effectRef>
+          <a:fontRef idx="minor">
+            <a:schemeClr val="tx1"/>
+          </a:fontRef>
+        </p:style>
+      </p:cxnSp>
+      <p:cxnSp>
+        <p:nvCxnSpPr>
+          <p:cNvPr id="73" name="直線單箭頭接點 72"/>
+          <p:cNvCxnSpPr>
+            <a:stCxn id="50" idx="2"/>
+            <a:endCxn id="75" idx="0"/>
+          </p:cNvCxnSpPr>
+          <p:nvPr/>
+        </p:nvCxnSpPr>
+        <p:spPr>
+          <a:xfrm>
+            <a:off x="7380312" y="3505572"/>
+            <a:ext cx="0" cy="648072"/>
+          </a:xfrm>
+          <a:prstGeom prst="straightConnector1">
+            <a:avLst/>
+          </a:prstGeom>
+          <a:ln>
+            <a:tailEnd type="arrow"/>
+          </a:ln>
+        </p:spPr>
+        <p:style>
+          <a:lnRef idx="1">
+            <a:schemeClr val="accent1"/>
+          </a:lnRef>
+          <a:fillRef idx="0">
+            <a:schemeClr val="accent1"/>
+          </a:fillRef>
+          <a:effectRef idx="0">
+            <a:schemeClr val="accent1"/>
+          </a:effectRef>
+          <a:fontRef idx="minor">
+            <a:schemeClr val="tx1"/>
+          </a:fontRef>
+        </p:style>
+      </p:cxnSp>
+      <p:sp>
+        <p:nvSpPr>
+          <p:cNvPr id="75" name="圓角矩形 74"/>
+          <p:cNvSpPr/>
+          <p:nvPr/>
+        </p:nvSpPr>
+        <p:spPr>
+          <a:xfrm>
+            <a:off x="6444208" y="4153644"/>
+            <a:ext cx="1872208" cy="288032"/>
+          </a:xfrm>
+          <a:prstGeom prst="roundRect">
+            <a:avLst/>
+          </a:prstGeom>
+        </p:spPr>
+        <p:style>
+          <a:lnRef idx="1">
+            <a:schemeClr val="accent1"/>
+          </a:lnRef>
+          <a:fillRef idx="3">
+            <a:schemeClr val="accent1"/>
+          </a:fillRef>
+          <a:effectRef idx="2">
+            <a:schemeClr val="accent1"/>
+          </a:effectRef>
+          <a:fontRef idx="minor">
+            <a:schemeClr val="lt1"/>
+          </a:fontRef>
+        </p:style>
+        <p:txBody>
+          <a:bodyPr rtlCol="0" anchor="ctr"/>
+          <a:lstStyle/>
+          <a:p>
+            <a:pPr algn="ctr"/>
+            <a:r>
+              <a:rPr lang="en-US" altLang="zh-TW" sz="1000" dirty="0" smtClean="0"/>
+              <a:t>message-&gt;complete</a:t>
+            </a:r>
+            <a:endParaRPr lang="zh-TW" altLang="en-US" sz="1000" dirty="0" smtClean="0"/>
           </a:p>
         </p:txBody>
       </p:sp>
       <p:pic>
         <p:nvPicPr>
-          <p:cNvPr id="1026" name="Picture 2" descr="C:\Documents and Settings\bentsai\桌面\SPI_Full\SPI_Kernel\20140428200122859.png"/>
+          <p:cNvPr id="30" name="Picture 3" descr="C:\Documents and Settings\bentsai\桌面\SPI_Full\SPI_Kernel\20140428203629359.png"/>
           <p:cNvPicPr>
             <a:picLocks noChangeAspect="1" noChangeArrowheads="1"/>
           </p:cNvPicPr>
@@ -6538,34 +10155,8 @@
         </p:blipFill>
         <p:spPr bwMode="auto">
           <a:xfrm>
-            <a:off x="4572000" y="1057300"/>
-            <a:ext cx="4383187" cy="3287390"/>
-          </a:xfrm>
-          <a:prstGeom prst="rect">
-            <a:avLst/>
-          </a:prstGeom>
-          <a:noFill/>
-        </p:spPr>
-      </p:pic>
-      <p:pic>
-        <p:nvPicPr>
-          <p:cNvPr id="1027" name="Picture 3" descr="C:\Documents and Settings\bentsai\桌面\SPI_Full\SPI_Kernel\20140428203629359.png"/>
-          <p:cNvPicPr>
-            <a:picLocks noChangeAspect="1" noChangeArrowheads="1"/>
-          </p:cNvPicPr>
-          <p:nvPr/>
-        </p:nvPicPr>
-        <p:blipFill>
-          <a:blip r:embed="rId3" cstate="print"/>
-          <a:srcRect/>
-          <a:stretch>
-            <a:fillRect/>
-          </a:stretch>
-        </p:blipFill>
-        <p:spPr bwMode="auto">
-          <a:xfrm>
-            <a:off x="179512" y="841276"/>
-            <a:ext cx="4272979" cy="3956223"/>
+            <a:off x="179512" y="2857500"/>
+            <a:ext cx="2639739" cy="2444055"/>
           </a:xfrm>
           <a:prstGeom prst="rect">
             <a:avLst/>
@@ -6607,12 +10198,12 @@
       </p:grpSpPr>
       <p:sp>
         <p:nvSpPr>
-          <p:cNvPr id="2" name="內容版面配置區 1"/>
+          <p:cNvPr id="2" name="Title 1"/>
           <p:cNvSpPr>
             <a:spLocks noGrp="1"/>
           </p:cNvSpPr>
           <p:nvPr>
-            <p:ph sz="half" idx="2"/>
+            <p:ph type="ctrTitle"/>
           </p:nvPr>
         </p:nvSpPr>
         <p:spPr/>
@@ -6620,990 +10211,48 @@
           <a:bodyPr/>
           <a:lstStyle/>
           <a:p>
-            <a:endParaRPr lang="zh-TW" altLang="en-US" dirty="0"/>
-          </a:p>
-        </p:txBody>
-      </p:sp>
-      <p:sp>
-        <p:nvSpPr>
-          <p:cNvPr id="3" name="標題 2"/>
-          <p:cNvSpPr>
-            <a:spLocks noGrp="1"/>
-          </p:cNvSpPr>
-          <p:nvPr>
-            <p:ph type="title"/>
-          </p:nvPr>
-        </p:nvSpPr>
-        <p:spPr/>
-        <p:txBody>
-          <a:bodyPr/>
-          <a:lstStyle/>
-          <a:p>
             <a:r>
               <a:rPr lang="en-US" altLang="zh-TW" dirty="0" smtClean="0"/>
-              <a:t>SPI-</a:t>
-            </a:r>
-            <a:r>
-              <a:rPr lang="zh-TW" altLang="en-US" dirty="0" smtClean="0"/>
-              <a:t>異同步方式</a:t>
-            </a:r>
-            <a:endParaRPr lang="zh-TW" altLang="en-US" dirty="0"/>
-          </a:p>
-        </p:txBody>
-      </p:sp>
-      <p:sp>
-        <p:nvSpPr>
-          <p:cNvPr id="6" name="圓角矩形 5"/>
-          <p:cNvSpPr/>
-          <p:nvPr/>
-        </p:nvSpPr>
-        <p:spPr>
-          <a:xfrm>
-            <a:off x="6444208" y="1849388"/>
-            <a:ext cx="1872208" cy="288032"/>
-          </a:xfrm>
-          <a:prstGeom prst="roundRect">
-            <a:avLst/>
-          </a:prstGeom>
-        </p:spPr>
-        <p:style>
-          <a:lnRef idx="1">
-            <a:schemeClr val="accent1"/>
-          </a:lnRef>
-          <a:fillRef idx="3">
-            <a:schemeClr val="accent1"/>
-          </a:fillRef>
-          <a:effectRef idx="2">
-            <a:schemeClr val="accent1"/>
-          </a:effectRef>
-          <a:fontRef idx="minor">
-            <a:schemeClr val="lt1"/>
-          </a:fontRef>
-        </p:style>
-        <p:txBody>
-          <a:bodyPr rtlCol="0" anchor="ctr"/>
-          <a:lstStyle/>
-          <a:p>
-            <a:pPr algn="ctr"/>
-            <a:r>
-              <a:rPr lang="en-US" altLang="zh-TW" sz="1000" dirty="0" err="1" smtClean="0"/>
-              <a:t>prepare_transfer_hardware</a:t>
-            </a:r>
-            <a:endParaRPr lang="zh-TW" altLang="en-US" sz="1000" dirty="0" smtClean="0"/>
-          </a:p>
-        </p:txBody>
-      </p:sp>
-      <p:sp>
-        <p:nvSpPr>
-          <p:cNvPr id="7" name="圓角矩形 6"/>
-          <p:cNvSpPr/>
-          <p:nvPr/>
-        </p:nvSpPr>
-        <p:spPr>
-          <a:xfrm>
-            <a:off x="5508104" y="1057300"/>
-            <a:ext cx="1440160" cy="288032"/>
-          </a:xfrm>
-          <a:prstGeom prst="roundRect">
-            <a:avLst/>
-          </a:prstGeom>
-        </p:spPr>
-        <p:style>
-          <a:lnRef idx="1">
-            <a:schemeClr val="accent1"/>
-          </a:lnRef>
-          <a:fillRef idx="3">
-            <a:schemeClr val="accent1"/>
-          </a:fillRef>
-          <a:effectRef idx="2">
-            <a:schemeClr val="accent1"/>
-          </a:effectRef>
-          <a:fontRef idx="minor">
-            <a:schemeClr val="lt1"/>
-          </a:fontRef>
-        </p:style>
-        <p:txBody>
-          <a:bodyPr rtlCol="0" anchor="ctr"/>
-          <a:lstStyle/>
-          <a:p>
-            <a:pPr algn="ctr"/>
-            <a:r>
-              <a:rPr lang="en-US" altLang="zh-TW" sz="1000" dirty="0" err="1" smtClean="0"/>
-              <a:t>spi_queued_transfer</a:t>
-            </a:r>
-            <a:endParaRPr lang="zh-TW" altLang="en-US" sz="1000" dirty="0" smtClean="0"/>
-          </a:p>
-        </p:txBody>
-      </p:sp>
-      <p:sp>
-        <p:nvSpPr>
-          <p:cNvPr id="8" name="圓角矩形 7"/>
-          <p:cNvSpPr/>
-          <p:nvPr/>
-        </p:nvSpPr>
-        <p:spPr>
-          <a:xfrm>
-            <a:off x="3779912" y="1057300"/>
-            <a:ext cx="1224136" cy="288032"/>
-          </a:xfrm>
-          <a:prstGeom prst="roundRect">
-            <a:avLst/>
-          </a:prstGeom>
-        </p:spPr>
-        <p:style>
-          <a:lnRef idx="1">
-            <a:schemeClr val="accent1"/>
-          </a:lnRef>
-          <a:fillRef idx="3">
-            <a:schemeClr val="accent1"/>
-          </a:fillRef>
-          <a:effectRef idx="2">
-            <a:schemeClr val="accent1"/>
-          </a:effectRef>
-          <a:fontRef idx="minor">
-            <a:schemeClr val="lt1"/>
-          </a:fontRef>
-        </p:style>
-        <p:txBody>
-          <a:bodyPr rtlCol="0" anchor="ctr"/>
-          <a:lstStyle/>
-          <a:p>
-            <a:pPr algn="ctr"/>
-            <a:r>
-              <a:rPr lang="en-US" altLang="zh-TW" sz="1000" dirty="0" smtClean="0"/>
-              <a:t>Master-&gt;transfer</a:t>
-            </a:r>
-            <a:endParaRPr lang="zh-TW" altLang="en-US" sz="1000" dirty="0" smtClean="0"/>
-          </a:p>
-        </p:txBody>
-      </p:sp>
-      <p:cxnSp>
-        <p:nvCxnSpPr>
-          <p:cNvPr id="10" name="直線接點 9"/>
-          <p:cNvCxnSpPr>
-            <a:stCxn id="8" idx="3"/>
-            <a:endCxn id="7" idx="1"/>
-          </p:cNvCxnSpPr>
-          <p:nvPr/>
-        </p:nvCxnSpPr>
-        <p:spPr>
-          <a:xfrm>
-            <a:off x="5004048" y="1201316"/>
-            <a:ext cx="504056" cy="0"/>
-          </a:xfrm>
-          <a:prstGeom prst="line">
-            <a:avLst/>
-          </a:prstGeom>
-          <a:ln>
-            <a:prstDash val="sysDash"/>
-          </a:ln>
-        </p:spPr>
-        <p:style>
-          <a:lnRef idx="1">
-            <a:schemeClr val="accent1"/>
-          </a:lnRef>
-          <a:fillRef idx="0">
-            <a:schemeClr val="accent1"/>
-          </a:fillRef>
-          <a:effectRef idx="0">
-            <a:schemeClr val="accent1"/>
-          </a:effectRef>
-          <a:fontRef idx="minor">
-            <a:schemeClr val="tx1"/>
-          </a:fontRef>
-        </p:style>
-      </p:cxnSp>
-      <p:sp>
-        <p:nvSpPr>
-          <p:cNvPr id="20" name="矩形 19"/>
-          <p:cNvSpPr/>
-          <p:nvPr/>
-        </p:nvSpPr>
-        <p:spPr>
-          <a:xfrm>
-            <a:off x="3707904" y="913284"/>
-            <a:ext cx="3312368" cy="576064"/>
+              <a:t>SPI device driver - </a:t>
+            </a:r>
+            <a:r>
+              <a:rPr lang="en-US" altLang="zh-TW" dirty="0" err="1" smtClean="0"/>
+              <a:t>spidev</a:t>
+            </a:r>
+            <a:endParaRPr lang="en-US" altLang="zh-TW" dirty="0" smtClean="0"/>
+          </a:p>
+        </p:txBody>
+      </p:sp>
+      <p:pic>
+        <p:nvPicPr>
+          <p:cNvPr id="3" name="Picture 2"/>
+          <p:cNvPicPr>
+            <a:picLocks noChangeAspect="1"/>
+          </p:cNvPicPr>
+          <p:nvPr/>
+        </p:nvPicPr>
+        <p:blipFill>
+          <a:blip r:embed="rId2" cstate="print"/>
+          <a:stretch>
+            <a:fillRect/>
+          </a:stretch>
+        </p:blipFill>
+        <p:spPr>
+          <a:xfrm>
+            <a:off x="619031" y="3862565"/>
+            <a:ext cx="72008" cy="969036"/>
           </a:xfrm>
           <a:prstGeom prst="rect">
             <a:avLst/>
           </a:prstGeom>
-          <a:noFill/>
-          <a:ln w="15875">
-            <a:solidFill>
-              <a:schemeClr val="tx2">
-                <a:lumMod val="60000"/>
-                <a:lumOff val="40000"/>
-              </a:schemeClr>
-            </a:solidFill>
-            <a:prstDash val="dash"/>
-          </a:ln>
-        </p:spPr>
-        <p:style>
-          <a:lnRef idx="1">
-            <a:schemeClr val="accent1"/>
-          </a:lnRef>
-          <a:fillRef idx="3">
-            <a:schemeClr val="accent1"/>
-          </a:fillRef>
-          <a:effectRef idx="2">
-            <a:schemeClr val="accent1"/>
-          </a:effectRef>
-          <a:fontRef idx="minor">
-            <a:schemeClr val="lt1"/>
-          </a:fontRef>
-        </p:style>
-        <p:txBody>
-          <a:bodyPr rtlCol="0" anchor="ctr"/>
-          <a:lstStyle/>
-          <a:p>
-            <a:pPr algn="ctr"/>
-            <a:endParaRPr lang="zh-TW" altLang="en-US" dirty="0" smtClean="0"/>
-          </a:p>
-        </p:txBody>
-      </p:sp>
-      <p:sp>
-        <p:nvSpPr>
-          <p:cNvPr id="21" name="圓角矩形 20"/>
-          <p:cNvSpPr/>
-          <p:nvPr/>
-        </p:nvSpPr>
-        <p:spPr>
-          <a:xfrm>
-            <a:off x="2051720" y="1057300"/>
-            <a:ext cx="792088" cy="288032"/>
-          </a:xfrm>
-          <a:prstGeom prst="roundRect">
-            <a:avLst/>
-          </a:prstGeom>
-        </p:spPr>
-        <p:style>
-          <a:lnRef idx="1">
-            <a:schemeClr val="accent1"/>
-          </a:lnRef>
-          <a:fillRef idx="3">
-            <a:schemeClr val="accent1"/>
-          </a:fillRef>
-          <a:effectRef idx="2">
-            <a:schemeClr val="accent1"/>
-          </a:effectRef>
-          <a:fontRef idx="minor">
-            <a:schemeClr val="lt1"/>
-          </a:fontRef>
-        </p:style>
-        <p:txBody>
-          <a:bodyPr rtlCol="0" anchor="ctr"/>
-          <a:lstStyle/>
-          <a:p>
-            <a:pPr algn="ctr"/>
-            <a:r>
-              <a:rPr lang="en-US" altLang="zh-TW" sz="1000" dirty="0" err="1" smtClean="0"/>
-              <a:t>spi_async</a:t>
-            </a:r>
-            <a:endParaRPr lang="zh-TW" altLang="en-US" sz="1000" dirty="0" smtClean="0"/>
-          </a:p>
-        </p:txBody>
-      </p:sp>
-      <p:sp>
-        <p:nvSpPr>
-          <p:cNvPr id="26" name="圓角矩形 25"/>
-          <p:cNvSpPr/>
-          <p:nvPr/>
-        </p:nvSpPr>
-        <p:spPr>
-          <a:xfrm>
-            <a:off x="6804248" y="2209428"/>
-            <a:ext cx="1584176" cy="288032"/>
-          </a:xfrm>
-          <a:prstGeom prst="roundRect">
-            <a:avLst/>
-          </a:prstGeom>
-        </p:spPr>
-        <p:style>
-          <a:lnRef idx="1">
-            <a:schemeClr val="accent1"/>
-          </a:lnRef>
-          <a:fillRef idx="3">
-            <a:schemeClr val="accent1"/>
-          </a:fillRef>
-          <a:effectRef idx="2">
-            <a:schemeClr val="accent1"/>
-          </a:effectRef>
-          <a:fontRef idx="minor">
-            <a:schemeClr val="lt1"/>
-          </a:fontRef>
-        </p:style>
-        <p:txBody>
-          <a:bodyPr rtlCol="0" anchor="ctr"/>
-          <a:lstStyle/>
-          <a:p>
-            <a:pPr algn="ctr"/>
-            <a:r>
-              <a:rPr lang="en-US" altLang="zh-TW" sz="1000" dirty="0" err="1" smtClean="0"/>
-              <a:t>transfer_one_message</a:t>
-            </a:r>
-            <a:endParaRPr lang="zh-TW" altLang="en-US" sz="1000" dirty="0" smtClean="0"/>
-          </a:p>
-        </p:txBody>
-      </p:sp>
-      <p:sp>
-        <p:nvSpPr>
-          <p:cNvPr id="27" name="圓角矩形 26"/>
-          <p:cNvSpPr/>
-          <p:nvPr/>
-        </p:nvSpPr>
-        <p:spPr>
-          <a:xfrm>
-            <a:off x="683568" y="3289548"/>
-            <a:ext cx="1728192" cy="288032"/>
-          </a:xfrm>
-          <a:prstGeom prst="roundRect">
-            <a:avLst/>
-          </a:prstGeom>
-        </p:spPr>
-        <p:style>
-          <a:lnRef idx="1">
-            <a:schemeClr val="accent1"/>
-          </a:lnRef>
-          <a:fillRef idx="3">
-            <a:schemeClr val="accent1"/>
-          </a:fillRef>
-          <a:effectRef idx="2">
-            <a:schemeClr val="accent1"/>
-          </a:effectRef>
-          <a:fontRef idx="minor">
-            <a:schemeClr val="lt1"/>
-          </a:fontRef>
-        </p:style>
-        <p:txBody>
-          <a:bodyPr rtlCol="0" anchor="ctr"/>
-          <a:lstStyle/>
-          <a:p>
-            <a:r>
-              <a:rPr lang="en-US" altLang="zh-TW" sz="1000" dirty="0" err="1" smtClean="0"/>
-              <a:t>spi_master_initialize_queue</a:t>
-            </a:r>
-            <a:endParaRPr lang="zh-TW" altLang="en-US" sz="1000" dirty="0"/>
-          </a:p>
-        </p:txBody>
-      </p:sp>
-      <p:sp>
-        <p:nvSpPr>
-          <p:cNvPr id="28" name="圓角矩形 27"/>
-          <p:cNvSpPr/>
-          <p:nvPr/>
-        </p:nvSpPr>
-        <p:spPr>
-          <a:xfrm>
-            <a:off x="2699792" y="3289548"/>
-            <a:ext cx="1008112" cy="288032"/>
-          </a:xfrm>
-          <a:prstGeom prst="roundRect">
-            <a:avLst/>
-          </a:prstGeom>
-        </p:spPr>
-        <p:style>
-          <a:lnRef idx="1">
-            <a:schemeClr val="accent1"/>
-          </a:lnRef>
-          <a:fillRef idx="3">
-            <a:schemeClr val="accent1"/>
-          </a:fillRef>
-          <a:effectRef idx="2">
-            <a:schemeClr val="accent1"/>
-          </a:effectRef>
-          <a:fontRef idx="minor">
-            <a:schemeClr val="lt1"/>
-          </a:fontRef>
-        </p:style>
-        <p:txBody>
-          <a:bodyPr rtlCol="0" anchor="ctr"/>
-          <a:lstStyle/>
-          <a:p>
-            <a:pPr algn="ctr"/>
-            <a:r>
-              <a:rPr lang="en-US" altLang="zh-TW" sz="1000" dirty="0" err="1" smtClean="0"/>
-              <a:t>spi_init_queue</a:t>
-            </a:r>
-            <a:endParaRPr lang="zh-TW" altLang="en-US" sz="1000" dirty="0" smtClean="0"/>
-          </a:p>
-        </p:txBody>
-      </p:sp>
-      <p:sp>
-        <p:nvSpPr>
-          <p:cNvPr id="29" name="圓角矩形 28"/>
-          <p:cNvSpPr/>
-          <p:nvPr/>
-        </p:nvSpPr>
-        <p:spPr>
-          <a:xfrm>
-            <a:off x="2771800" y="3721596"/>
-            <a:ext cx="1080120" cy="288032"/>
-          </a:xfrm>
-          <a:prstGeom prst="roundRect">
-            <a:avLst/>
-          </a:prstGeom>
-        </p:spPr>
-        <p:style>
-          <a:lnRef idx="1">
-            <a:schemeClr val="accent1"/>
-          </a:lnRef>
-          <a:fillRef idx="3">
-            <a:schemeClr val="accent1"/>
-          </a:fillRef>
-          <a:effectRef idx="2">
-            <a:schemeClr val="accent1"/>
-          </a:effectRef>
-          <a:fontRef idx="minor">
-            <a:schemeClr val="lt1"/>
-          </a:fontRef>
-        </p:style>
-        <p:txBody>
-          <a:bodyPr rtlCol="0" anchor="ctr"/>
-          <a:lstStyle/>
-          <a:p>
-            <a:pPr algn="ctr"/>
-            <a:r>
-              <a:rPr lang="en-US" altLang="zh-TW" sz="1000" dirty="0" err="1" smtClean="0"/>
-              <a:t>spi_start_queue</a:t>
-            </a:r>
-            <a:endParaRPr lang="zh-TW" altLang="en-US" sz="1000" dirty="0" smtClean="0"/>
-          </a:p>
-        </p:txBody>
-      </p:sp>
-      <p:cxnSp>
-        <p:nvCxnSpPr>
-          <p:cNvPr id="33" name="直線接點 32"/>
-          <p:cNvCxnSpPr>
-            <a:stCxn id="27" idx="3"/>
-            <a:endCxn id="20" idx="2"/>
-          </p:cNvCxnSpPr>
-          <p:nvPr/>
-        </p:nvCxnSpPr>
-        <p:spPr>
-          <a:xfrm flipV="1">
-            <a:off x="2411760" y="1489348"/>
-            <a:ext cx="2952328" cy="1944216"/>
-          </a:xfrm>
-          <a:prstGeom prst="line">
-            <a:avLst/>
-          </a:prstGeom>
-          <a:ln>
-            <a:prstDash val="sysDash"/>
-          </a:ln>
-        </p:spPr>
-        <p:style>
-          <a:lnRef idx="1">
-            <a:schemeClr val="accent1"/>
-          </a:lnRef>
-          <a:fillRef idx="0">
-            <a:schemeClr val="accent1"/>
-          </a:fillRef>
-          <a:effectRef idx="0">
-            <a:schemeClr val="accent1"/>
-          </a:effectRef>
-          <a:fontRef idx="minor">
-            <a:schemeClr val="tx1"/>
-          </a:fontRef>
-        </p:style>
-      </p:cxnSp>
-      <p:cxnSp>
-        <p:nvCxnSpPr>
-          <p:cNvPr id="37" name="直線單箭頭接點 36"/>
-          <p:cNvCxnSpPr>
-            <a:stCxn id="27" idx="3"/>
-            <a:endCxn id="28" idx="1"/>
-          </p:cNvCxnSpPr>
-          <p:nvPr/>
-        </p:nvCxnSpPr>
-        <p:spPr>
-          <a:xfrm>
-            <a:off x="2411760" y="3433564"/>
-            <a:ext cx="288032" cy="0"/>
-          </a:xfrm>
-          <a:prstGeom prst="straightConnector1">
-            <a:avLst/>
-          </a:prstGeom>
-          <a:ln>
-            <a:tailEnd type="arrow"/>
-          </a:ln>
-        </p:spPr>
-        <p:style>
-          <a:lnRef idx="1">
-            <a:schemeClr val="accent1"/>
-          </a:lnRef>
-          <a:fillRef idx="0">
-            <a:schemeClr val="accent1"/>
-          </a:fillRef>
-          <a:effectRef idx="0">
-            <a:schemeClr val="accent1"/>
-          </a:effectRef>
-          <a:fontRef idx="minor">
-            <a:schemeClr val="tx1"/>
-          </a:fontRef>
-        </p:style>
-      </p:cxnSp>
-      <p:cxnSp>
-        <p:nvCxnSpPr>
-          <p:cNvPr id="39" name="肘形接點 38"/>
-          <p:cNvCxnSpPr>
-            <a:stCxn id="27" idx="3"/>
-            <a:endCxn id="29" idx="1"/>
-          </p:cNvCxnSpPr>
-          <p:nvPr/>
-        </p:nvCxnSpPr>
-        <p:spPr>
-          <a:xfrm>
-            <a:off x="2411760" y="3433564"/>
-            <a:ext cx="360040" cy="432048"/>
-          </a:xfrm>
-          <a:prstGeom prst="bentConnector3">
-            <a:avLst>
-              <a:gd name="adj1" fmla="val 50000"/>
-            </a:avLst>
-          </a:prstGeom>
-          <a:ln>
-            <a:tailEnd type="arrow"/>
-          </a:ln>
-        </p:spPr>
-        <p:style>
-          <a:lnRef idx="1">
-            <a:schemeClr val="accent1"/>
-          </a:lnRef>
-          <a:fillRef idx="0">
-            <a:schemeClr val="accent1"/>
-          </a:fillRef>
-          <a:effectRef idx="0">
-            <a:schemeClr val="accent1"/>
-          </a:effectRef>
-          <a:fontRef idx="minor">
-            <a:schemeClr val="tx1"/>
-          </a:fontRef>
-        </p:style>
-      </p:cxnSp>
-      <p:sp>
-        <p:nvSpPr>
-          <p:cNvPr id="41" name="圓角矩形 40"/>
-          <p:cNvSpPr/>
-          <p:nvPr/>
-        </p:nvSpPr>
-        <p:spPr>
-          <a:xfrm>
-            <a:off x="395536" y="2785492"/>
-            <a:ext cx="1296144" cy="288032"/>
-          </a:xfrm>
-          <a:prstGeom prst="roundRect">
-            <a:avLst/>
-          </a:prstGeom>
-        </p:spPr>
-        <p:style>
-          <a:lnRef idx="1">
-            <a:schemeClr val="accent1"/>
-          </a:lnRef>
-          <a:fillRef idx="3">
-            <a:schemeClr val="accent1"/>
-          </a:fillRef>
-          <a:effectRef idx="2">
-            <a:schemeClr val="accent1"/>
-          </a:effectRef>
-          <a:fontRef idx="minor">
-            <a:schemeClr val="lt1"/>
-          </a:fontRef>
-        </p:style>
-        <p:txBody>
-          <a:bodyPr rtlCol="0" anchor="ctr"/>
-          <a:lstStyle/>
-          <a:p>
-            <a:r>
-              <a:rPr lang="en-US" altLang="zh-TW" sz="1000" dirty="0" err="1" smtClean="0"/>
-              <a:t>spi_register_master</a:t>
-            </a:r>
-            <a:endParaRPr lang="zh-TW" altLang="en-US" sz="1000" dirty="0"/>
-          </a:p>
-        </p:txBody>
-      </p:sp>
-      <p:cxnSp>
-        <p:nvCxnSpPr>
-          <p:cNvPr id="42" name="肘形接點 41"/>
-          <p:cNvCxnSpPr>
-            <a:stCxn id="41" idx="2"/>
-            <a:endCxn id="27" idx="0"/>
-          </p:cNvCxnSpPr>
-          <p:nvPr/>
-        </p:nvCxnSpPr>
-        <p:spPr>
-          <a:xfrm rot="16200000" flipH="1">
-            <a:off x="1187624" y="2929508"/>
-            <a:ext cx="216024" cy="504056"/>
-          </a:xfrm>
-          <a:prstGeom prst="bentConnector3">
-            <a:avLst>
-              <a:gd name="adj1" fmla="val 50000"/>
-            </a:avLst>
-          </a:prstGeom>
-          <a:ln>
-            <a:tailEnd type="arrow"/>
-          </a:ln>
-        </p:spPr>
-        <p:style>
-          <a:lnRef idx="1">
-            <a:schemeClr val="accent1"/>
-          </a:lnRef>
-          <a:fillRef idx="0">
-            <a:schemeClr val="accent1"/>
-          </a:fillRef>
-          <a:effectRef idx="0">
-            <a:schemeClr val="accent1"/>
-          </a:effectRef>
-          <a:fontRef idx="minor">
-            <a:schemeClr val="tx1"/>
-          </a:fontRef>
-        </p:style>
-      </p:cxnSp>
-      <p:cxnSp>
-        <p:nvCxnSpPr>
-          <p:cNvPr id="45" name="直線單箭頭接點 44"/>
-          <p:cNvCxnSpPr>
-            <a:stCxn id="21" idx="3"/>
-            <a:endCxn id="8" idx="1"/>
-          </p:cNvCxnSpPr>
-          <p:nvPr/>
-        </p:nvCxnSpPr>
-        <p:spPr>
-          <a:xfrm>
-            <a:off x="2843808" y="1201316"/>
-            <a:ext cx="936104" cy="0"/>
-          </a:xfrm>
-          <a:prstGeom prst="straightConnector1">
-            <a:avLst/>
-          </a:prstGeom>
-          <a:ln>
-            <a:tailEnd type="arrow"/>
-          </a:ln>
-        </p:spPr>
-        <p:style>
-          <a:lnRef idx="1">
-            <a:schemeClr val="accent1"/>
-          </a:lnRef>
-          <a:fillRef idx="0">
-            <a:schemeClr val="accent1"/>
-          </a:fillRef>
-          <a:effectRef idx="0">
-            <a:schemeClr val="accent1"/>
-          </a:effectRef>
-          <a:fontRef idx="minor">
-            <a:schemeClr val="tx1"/>
-          </a:fontRef>
-        </p:style>
-      </p:cxnSp>
-      <p:sp>
-        <p:nvSpPr>
-          <p:cNvPr id="49" name="圓角矩形 48"/>
-          <p:cNvSpPr/>
-          <p:nvPr/>
-        </p:nvSpPr>
-        <p:spPr>
-          <a:xfrm>
-            <a:off x="4427984" y="1849388"/>
-            <a:ext cx="1440160" cy="288032"/>
-          </a:xfrm>
-          <a:prstGeom prst="roundRect">
-            <a:avLst/>
-          </a:prstGeom>
-        </p:spPr>
-        <p:style>
-          <a:lnRef idx="1">
-            <a:schemeClr val="accent1"/>
-          </a:lnRef>
-          <a:fillRef idx="3">
-            <a:schemeClr val="accent1"/>
-          </a:fillRef>
-          <a:effectRef idx="2">
-            <a:schemeClr val="accent1"/>
-          </a:effectRef>
-          <a:fontRef idx="minor">
-            <a:schemeClr val="lt1"/>
-          </a:fontRef>
-        </p:style>
-        <p:txBody>
-          <a:bodyPr rtlCol="0" anchor="ctr"/>
-          <a:lstStyle/>
-          <a:p>
-            <a:pPr algn="ctr"/>
-            <a:r>
-              <a:rPr lang="en-US" altLang="zh-TW" sz="1000" dirty="0" err="1" smtClean="0"/>
-              <a:t>spi_pump_messages</a:t>
-            </a:r>
-            <a:endParaRPr lang="zh-TW" altLang="en-US" sz="1000" dirty="0" smtClean="0"/>
-          </a:p>
-        </p:txBody>
-      </p:sp>
-      <p:sp>
-        <p:nvSpPr>
-          <p:cNvPr id="50" name="圓角矩形 49"/>
-          <p:cNvSpPr/>
-          <p:nvPr/>
-        </p:nvSpPr>
-        <p:spPr>
-          <a:xfrm>
-            <a:off x="6660232" y="3001516"/>
-            <a:ext cx="1872208" cy="288032"/>
-          </a:xfrm>
-          <a:prstGeom prst="roundRect">
-            <a:avLst/>
-          </a:prstGeom>
-        </p:spPr>
-        <p:style>
-          <a:lnRef idx="1">
-            <a:schemeClr val="accent1"/>
-          </a:lnRef>
-          <a:fillRef idx="3">
-            <a:schemeClr val="accent1"/>
-          </a:fillRef>
-          <a:effectRef idx="2">
-            <a:schemeClr val="accent1"/>
-          </a:effectRef>
-          <a:fontRef idx="minor">
-            <a:schemeClr val="lt1"/>
-          </a:fontRef>
-        </p:style>
-        <p:txBody>
-          <a:bodyPr rtlCol="0" anchor="ctr"/>
-          <a:lstStyle/>
-          <a:p>
-            <a:pPr algn="ctr"/>
-            <a:r>
-              <a:rPr lang="en-US" altLang="zh-TW" sz="1000" dirty="0" err="1" smtClean="0"/>
-              <a:t>spi_finalize_current_message</a:t>
-            </a:r>
-            <a:endParaRPr lang="zh-TW" altLang="en-US" sz="1000" dirty="0" smtClean="0"/>
-          </a:p>
-        </p:txBody>
-      </p:sp>
-      <p:cxnSp>
-        <p:nvCxnSpPr>
-          <p:cNvPr id="51" name="肘形接點 50"/>
-          <p:cNvCxnSpPr>
-            <a:stCxn id="50" idx="1"/>
-            <a:endCxn id="49" idx="2"/>
-          </p:cNvCxnSpPr>
-          <p:nvPr/>
-        </p:nvCxnSpPr>
-        <p:spPr>
-          <a:xfrm rot="10800000">
-            <a:off x="5148064" y="2137420"/>
-            <a:ext cx="1512168" cy="1008112"/>
-          </a:xfrm>
-          <a:prstGeom prst="bentConnector2">
-            <a:avLst/>
-          </a:prstGeom>
-          <a:ln>
-            <a:tailEnd type="arrow"/>
-          </a:ln>
-        </p:spPr>
-        <p:style>
-          <a:lnRef idx="1">
-            <a:schemeClr val="accent1"/>
-          </a:lnRef>
-          <a:fillRef idx="0">
-            <a:schemeClr val="accent1"/>
-          </a:fillRef>
-          <a:effectRef idx="0">
-            <a:schemeClr val="accent1"/>
-          </a:effectRef>
-          <a:fontRef idx="minor">
-            <a:schemeClr val="tx1"/>
-          </a:fontRef>
-        </p:style>
-      </p:cxnSp>
-      <p:cxnSp>
-        <p:nvCxnSpPr>
-          <p:cNvPr id="55" name="肘形接點 54"/>
-          <p:cNvCxnSpPr>
-            <a:stCxn id="49" idx="3"/>
-            <a:endCxn id="26" idx="1"/>
-          </p:cNvCxnSpPr>
-          <p:nvPr/>
-        </p:nvCxnSpPr>
-        <p:spPr>
-          <a:xfrm>
-            <a:off x="5868144" y="1993404"/>
-            <a:ext cx="936104" cy="360040"/>
-          </a:xfrm>
-          <a:prstGeom prst="bentConnector3">
-            <a:avLst>
-              <a:gd name="adj1" fmla="val 34245"/>
-            </a:avLst>
-          </a:prstGeom>
-          <a:ln>
-            <a:tailEnd type="arrow"/>
-          </a:ln>
-        </p:spPr>
-        <p:style>
-          <a:lnRef idx="1">
-            <a:schemeClr val="accent1"/>
-          </a:lnRef>
-          <a:fillRef idx="0">
-            <a:schemeClr val="accent1"/>
-          </a:fillRef>
-          <a:effectRef idx="0">
-            <a:schemeClr val="accent1"/>
-          </a:effectRef>
-          <a:fontRef idx="minor">
-            <a:schemeClr val="tx1"/>
-          </a:fontRef>
-        </p:style>
-      </p:cxnSp>
-      <p:cxnSp>
-        <p:nvCxnSpPr>
-          <p:cNvPr id="58" name="直線單箭頭接點 57"/>
-          <p:cNvCxnSpPr>
-            <a:stCxn id="49" idx="3"/>
-            <a:endCxn id="6" idx="1"/>
-          </p:cNvCxnSpPr>
-          <p:nvPr/>
-        </p:nvCxnSpPr>
-        <p:spPr>
-          <a:xfrm>
-            <a:off x="5868144" y="1993404"/>
-            <a:ext cx="576064" cy="0"/>
-          </a:xfrm>
-          <a:prstGeom prst="straightConnector1">
-            <a:avLst/>
-          </a:prstGeom>
-          <a:ln>
-            <a:tailEnd type="arrow"/>
-          </a:ln>
-        </p:spPr>
-        <p:style>
-          <a:lnRef idx="1">
-            <a:schemeClr val="accent1"/>
-          </a:lnRef>
-          <a:fillRef idx="0">
-            <a:schemeClr val="accent1"/>
-          </a:fillRef>
-          <a:effectRef idx="0">
-            <a:schemeClr val="accent1"/>
-          </a:effectRef>
-          <a:fontRef idx="minor">
-            <a:schemeClr val="tx1"/>
-          </a:fontRef>
-        </p:style>
-      </p:cxnSp>
-      <p:cxnSp>
-        <p:nvCxnSpPr>
-          <p:cNvPr id="62" name="直線單箭頭接點 61"/>
-          <p:cNvCxnSpPr>
-            <a:stCxn id="26" idx="2"/>
-            <a:endCxn id="50" idx="0"/>
-          </p:cNvCxnSpPr>
-          <p:nvPr/>
-        </p:nvCxnSpPr>
-        <p:spPr>
-          <a:xfrm>
-            <a:off x="7596336" y="2497460"/>
-            <a:ext cx="0" cy="504056"/>
-          </a:xfrm>
-          <a:prstGeom prst="straightConnector1">
-            <a:avLst/>
-          </a:prstGeom>
-          <a:ln>
-            <a:tailEnd type="arrow"/>
-          </a:ln>
-        </p:spPr>
-        <p:style>
-          <a:lnRef idx="1">
-            <a:schemeClr val="accent1"/>
-          </a:lnRef>
-          <a:fillRef idx="0">
-            <a:schemeClr val="accent1"/>
-          </a:fillRef>
-          <a:effectRef idx="0">
-            <a:schemeClr val="accent1"/>
-          </a:effectRef>
-          <a:fontRef idx="minor">
-            <a:schemeClr val="tx1"/>
-          </a:fontRef>
-        </p:style>
-      </p:cxnSp>
-      <p:cxnSp>
-        <p:nvCxnSpPr>
-          <p:cNvPr id="73" name="直線單箭頭接點 72"/>
-          <p:cNvCxnSpPr>
-            <a:stCxn id="50" idx="2"/>
-            <a:endCxn id="75" idx="0"/>
-          </p:cNvCxnSpPr>
-          <p:nvPr/>
-        </p:nvCxnSpPr>
-        <p:spPr>
-          <a:xfrm>
-            <a:off x="7596336" y="3289548"/>
-            <a:ext cx="0" cy="648072"/>
-          </a:xfrm>
-          <a:prstGeom prst="straightConnector1">
-            <a:avLst/>
-          </a:prstGeom>
-          <a:ln>
-            <a:tailEnd type="arrow"/>
-          </a:ln>
-        </p:spPr>
-        <p:style>
-          <a:lnRef idx="1">
-            <a:schemeClr val="accent1"/>
-          </a:lnRef>
-          <a:fillRef idx="0">
-            <a:schemeClr val="accent1"/>
-          </a:fillRef>
-          <a:effectRef idx="0">
-            <a:schemeClr val="accent1"/>
-          </a:effectRef>
-          <a:fontRef idx="minor">
-            <a:schemeClr val="tx1"/>
-          </a:fontRef>
-        </p:style>
-      </p:cxnSp>
-      <p:sp>
-        <p:nvSpPr>
-          <p:cNvPr id="75" name="圓角矩形 74"/>
-          <p:cNvSpPr/>
-          <p:nvPr/>
-        </p:nvSpPr>
-        <p:spPr>
-          <a:xfrm>
-            <a:off x="6660232" y="3937620"/>
-            <a:ext cx="1872208" cy="288032"/>
-          </a:xfrm>
-          <a:prstGeom prst="roundRect">
-            <a:avLst/>
-          </a:prstGeom>
-        </p:spPr>
-        <p:style>
-          <a:lnRef idx="1">
-            <a:schemeClr val="accent1"/>
-          </a:lnRef>
-          <a:fillRef idx="3">
-            <a:schemeClr val="accent1"/>
-          </a:fillRef>
-          <a:effectRef idx="2">
-            <a:schemeClr val="accent1"/>
-          </a:effectRef>
-          <a:fontRef idx="minor">
-            <a:schemeClr val="lt1"/>
-          </a:fontRef>
-        </p:style>
-        <p:txBody>
-          <a:bodyPr rtlCol="0" anchor="ctr"/>
-          <a:lstStyle/>
-          <a:p>
-            <a:pPr algn="ctr"/>
-            <a:r>
-              <a:rPr lang="en-US" altLang="zh-TW" sz="1000" dirty="0" smtClean="0"/>
-              <a:t>message-&gt;complete</a:t>
-            </a:r>
-            <a:endParaRPr lang="zh-TW" altLang="en-US" sz="1000" dirty="0" smtClean="0"/>
-          </a:p>
-        </p:txBody>
-      </p:sp>
+        </p:spPr>
+      </p:pic>
     </p:spTree>
+    <p:extLst>
+      <p:ext uri="{BB962C8B-B14F-4D97-AF65-F5344CB8AC3E}">
+        <p14:creationId xmlns="" xmlns:p14="http://schemas.microsoft.com/office/powerpoint/2010/main" val="1188013231"/>
+      </p:ext>
+    </p:extLst>
   </p:cSld>
   <p:clrMapOvr>
     <a:masterClrMapping/>
@@ -7897,100 +10546,6 @@
 </file>
 
 <file path=ppt/slides/slide15.xml><?xml version="1.0" encoding="utf-8"?>
-<p:sld xmlns:a="http://schemas.openxmlformats.org/drawingml/2006/main" xmlns:r="http://schemas.openxmlformats.org/officeDocument/2006/relationships" xmlns:p="http://schemas.openxmlformats.org/presentationml/2006/main">
-  <p:cSld>
-    <p:spTree>
-      <p:nvGrpSpPr>
-        <p:cNvPr id="1" name=""/>
-        <p:cNvGrpSpPr/>
-        <p:nvPr/>
-      </p:nvGrpSpPr>
-      <p:grpSpPr>
-        <a:xfrm>
-          <a:off x="0" y="0"/>
-          <a:ext cx="0" cy="0"/>
-          <a:chOff x="0" y="0"/>
-          <a:chExt cx="0" cy="0"/>
-        </a:xfrm>
-      </p:grpSpPr>
-      <p:sp>
-        <p:nvSpPr>
-          <p:cNvPr id="3" name="標題 2"/>
-          <p:cNvSpPr>
-            <a:spLocks noGrp="1"/>
-          </p:cNvSpPr>
-          <p:nvPr>
-            <p:ph type="title"/>
-          </p:nvPr>
-        </p:nvSpPr>
-        <p:spPr/>
-        <p:txBody>
-          <a:bodyPr>
-            <a:normAutofit fontScale="90000"/>
-          </a:bodyPr>
-          <a:lstStyle/>
-          <a:p>
-            <a:r>
-              <a:rPr lang="en-US" altLang="zh-TW" dirty="0" smtClean="0"/>
-              <a:t>Block Diagram</a:t>
-            </a:r>
-            <a:br>
-              <a:rPr lang="en-US" altLang="zh-TW" dirty="0" smtClean="0"/>
-            </a:br>
-            <a:endParaRPr lang="zh-TW" altLang="en-US" dirty="0"/>
-          </a:p>
-        </p:txBody>
-      </p:sp>
-      <p:pic>
-        <p:nvPicPr>
-          <p:cNvPr id="1026" name="Picture 2"/>
-          <p:cNvPicPr>
-            <a:picLocks noGrp="1" noChangeAspect="1" noChangeArrowheads="1"/>
-          </p:cNvPicPr>
-          <p:nvPr>
-            <p:ph sz="half" idx="2"/>
-          </p:nvPr>
-        </p:nvPicPr>
-        <p:blipFill>
-          <a:blip r:embed="rId2" cstate="print"/>
-          <a:srcRect/>
-          <a:stretch>
-            <a:fillRect/>
-          </a:stretch>
-        </p:blipFill>
-        <p:spPr bwMode="auto">
-          <a:xfrm>
-            <a:off x="1835696" y="841276"/>
-            <a:ext cx="5445675" cy="4044950"/>
-          </a:xfrm>
-          <a:prstGeom prst="rect">
-            <a:avLst/>
-          </a:prstGeom>
-          <a:noFill/>
-          <a:ln w="9525">
-            <a:noFill/>
-            <a:miter lim="800000"/>
-            <a:headEnd/>
-            <a:tailEnd/>
-          </a:ln>
-        </p:spPr>
-      </p:pic>
-    </p:spTree>
-  </p:cSld>
-  <p:clrMapOvr>
-    <a:masterClrMapping/>
-  </p:clrMapOvr>
-  <p:timing>
-    <p:tnLst>
-      <p:par>
-        <p:cTn id="1" dur="indefinite" restart="never" nodeType="tmRoot"/>
-      </p:par>
-    </p:tnLst>
-  </p:timing>
-</p:sld>
-</file>
-
-<file path=ppt/slides/slide16.xml><?xml version="1.0" encoding="utf-8"?>
 <p:sld xmlns:a="http://schemas.openxmlformats.org/drawingml/2006/main" xmlns:r="http://schemas.openxmlformats.org/officeDocument/2006/relationships" xmlns:p="http://schemas.openxmlformats.org/presentationml/2006/main">
   <p:cSld>
     <p:spTree>
@@ -16618,6 +19173,119 @@
 </p:sld>
 </file>
 
+<file path=ppt/slides/slide16.xml><?xml version="1.0" encoding="utf-8"?>
+<p:sld xmlns:a="http://schemas.openxmlformats.org/drawingml/2006/main" xmlns:r="http://schemas.openxmlformats.org/officeDocument/2006/relationships" xmlns:p="http://schemas.openxmlformats.org/presentationml/2006/main">
+  <p:cSld>
+    <p:spTree>
+      <p:nvGrpSpPr>
+        <p:cNvPr id="1" name=""/>
+        <p:cNvGrpSpPr/>
+        <p:nvPr/>
+      </p:nvGrpSpPr>
+      <p:grpSpPr>
+        <a:xfrm>
+          <a:off x="0" y="0"/>
+          <a:ext cx="0" cy="0"/>
+          <a:chOff x="0" y="0"/>
+          <a:chExt cx="0" cy="0"/>
+        </a:xfrm>
+      </p:grpSpPr>
+      <p:sp>
+        <p:nvSpPr>
+          <p:cNvPr id="2" name="內容版面配置區 1"/>
+          <p:cNvSpPr>
+            <a:spLocks noGrp="1"/>
+          </p:cNvSpPr>
+          <p:nvPr>
+            <p:ph sz="half" idx="2"/>
+          </p:nvPr>
+        </p:nvSpPr>
+        <p:spPr>
+          <a:xfrm>
+            <a:off x="4283968" y="697260"/>
+            <a:ext cx="4402832" cy="4608512"/>
+          </a:xfrm>
+        </p:spPr>
+        <p:txBody>
+          <a:bodyPr/>
+          <a:lstStyle/>
+          <a:p>
+            <a:endParaRPr lang="zh-TW" altLang="en-US" dirty="0"/>
+          </a:p>
+        </p:txBody>
+      </p:sp>
+      <p:sp>
+        <p:nvSpPr>
+          <p:cNvPr id="3" name="標題 2"/>
+          <p:cNvSpPr>
+            <a:spLocks noGrp="1"/>
+          </p:cNvSpPr>
+          <p:nvPr>
+            <p:ph type="title"/>
+          </p:nvPr>
+        </p:nvSpPr>
+        <p:spPr/>
+        <p:txBody>
+          <a:bodyPr>
+            <a:normAutofit/>
+          </a:bodyPr>
+          <a:lstStyle/>
+          <a:p>
+            <a:r>
+              <a:rPr lang="en-US" altLang="zh-TW" dirty="0" smtClean="0"/>
+              <a:t>Registers Summary</a:t>
+            </a:r>
+            <a:endParaRPr lang="zh-TW" altLang="en-US" dirty="0"/>
+          </a:p>
+        </p:txBody>
+      </p:sp>
+      <p:pic>
+        <p:nvPicPr>
+          <p:cNvPr id="2050" name="Picture 2"/>
+          <p:cNvPicPr>
+            <a:picLocks noChangeAspect="1" noChangeArrowheads="1"/>
+          </p:cNvPicPr>
+          <p:nvPr/>
+        </p:nvPicPr>
+        <p:blipFill>
+          <a:blip r:embed="rId2" cstate="print"/>
+          <a:srcRect/>
+          <a:stretch>
+            <a:fillRect/>
+          </a:stretch>
+        </p:blipFill>
+        <p:spPr bwMode="auto">
+          <a:xfrm>
+            <a:off x="179512" y="697260"/>
+            <a:ext cx="4060933" cy="4587230"/>
+          </a:xfrm>
+          <a:prstGeom prst="rect">
+            <a:avLst/>
+          </a:prstGeom>
+          <a:noFill/>
+          <a:ln w="9525">
+            <a:noFill/>
+            <a:miter lim="800000"/>
+            <a:headEnd/>
+            <a:tailEnd/>
+          </a:ln>
+        </p:spPr>
+      </p:pic>
+    </p:spTree>
+  </p:cSld>
+  <p:clrMapOvr>
+    <a:masterClrMapping/>
+  </p:clrMapOvr>
+  <p:timing>
+    <p:tnLst>
+      <p:par>
+        <p:cTn id="1" dur="indefinite" restart="never" nodeType="tmRoot"/>
+      </p:par>
+    </p:tnLst>
+  </p:timing>
+</p:sld>
+</file>
+
 <file path=ppt/slides/slide17.xml><?xml version="1.0" encoding="utf-8"?>
 <p:sld xmlns:a="http://schemas.openxmlformats.org/drawingml/2006/main" xmlns:r="http://schemas.openxmlformats.org/officeDocument/2006/relationships" xmlns:p="http://schemas.openxmlformats.org/presentationml/2006/main">
   <p:cSld>
@@ -16647,8 +19315,8 @@
         </p:nvSpPr>
         <p:spPr>
           <a:xfrm>
-            <a:off x="4283968" y="697260"/>
-            <a:ext cx="4402832" cy="4608512"/>
+            <a:off x="4499992" y="793739"/>
+            <a:ext cx="4186808" cy="4044669"/>
           </a:xfrm>
         </p:spPr>
         <p:txBody>
@@ -16671,22 +19339,16 @@
         </p:nvSpPr>
         <p:spPr/>
         <p:txBody>
-          <a:bodyPr>
-            <a:normAutofit/>
-          </a:bodyPr>
-          <a:lstStyle/>
-          <a:p>
-            <a:r>
-              <a:rPr lang="en-US" altLang="zh-TW" dirty="0" smtClean="0"/>
-              <a:t>Registers Summary</a:t>
-            </a:r>
-            <a:endParaRPr lang="zh-TW" altLang="en-US" dirty="0"/>
+          <a:bodyPr/>
+          <a:lstStyle/>
+          <a:p>
+            <a:endParaRPr lang="zh-TW" altLang="en-US"/>
           </a:p>
         </p:txBody>
       </p:sp>
       <p:pic>
         <p:nvPicPr>
-          <p:cNvPr id="2050" name="Picture 2"/>
+          <p:cNvPr id="3074" name="Picture 2"/>
           <p:cNvPicPr>
             <a:picLocks noChangeAspect="1" noChangeArrowheads="1"/>
           </p:cNvPicPr>
@@ -16701,8 +19363,8 @@
         </p:blipFill>
         <p:spPr bwMode="auto">
           <a:xfrm>
-            <a:off x="179512" y="697260"/>
-            <a:ext cx="4060933" cy="4587230"/>
+            <a:off x="107504" y="697260"/>
+            <a:ext cx="4320000" cy="2027756"/>
           </a:xfrm>
           <a:prstGeom prst="rect">
             <a:avLst/>
@@ -16760,8 +19422,8 @@
         </p:nvSpPr>
         <p:spPr>
           <a:xfrm>
-            <a:off x="4499992" y="793739"/>
-            <a:ext cx="4186808" cy="4044669"/>
+            <a:off x="4932040" y="793739"/>
+            <a:ext cx="3754760" cy="4044669"/>
           </a:xfrm>
         </p:spPr>
         <p:txBody>
@@ -16787,13 +19449,17 @@
           <a:bodyPr/>
           <a:lstStyle/>
           <a:p>
-            <a:endParaRPr lang="zh-TW" altLang="en-US"/>
+            <a:r>
+              <a:rPr lang="en-US" altLang="zh-TW" dirty="0" smtClean="0"/>
+              <a:t>SPI-IER</a:t>
+            </a:r>
+            <a:endParaRPr lang="zh-TW" altLang="en-US" dirty="0"/>
           </a:p>
         </p:txBody>
       </p:sp>
       <p:pic>
         <p:nvPicPr>
-          <p:cNvPr id="3074" name="Picture 2"/>
+          <p:cNvPr id="4098" name="Picture 2"/>
           <p:cNvPicPr>
             <a:picLocks noChangeAspect="1" noChangeArrowheads="1"/>
           </p:cNvPicPr>
@@ -16808,8 +19474,40 @@
         </p:blipFill>
         <p:spPr bwMode="auto">
           <a:xfrm>
-            <a:off x="107504" y="697260"/>
-            <a:ext cx="4320000" cy="2027756"/>
+            <a:off x="108024" y="625252"/>
+            <a:ext cx="4320000" cy="4634929"/>
+          </a:xfrm>
+          <a:prstGeom prst="rect">
+            <a:avLst/>
+          </a:prstGeom>
+          <a:noFill/>
+          <a:ln w="9525">
+            <a:noFill/>
+            <a:miter lim="800000"/>
+            <a:headEnd/>
+            <a:tailEnd/>
+          </a:ln>
+        </p:spPr>
+      </p:pic>
+      <p:pic>
+        <p:nvPicPr>
+          <p:cNvPr id="7" name="Picture 3"/>
+          <p:cNvPicPr>
+            <a:picLocks noChangeAspect="1" noChangeArrowheads="1"/>
+          </p:cNvPicPr>
+          <p:nvPr/>
+        </p:nvPicPr>
+        <p:blipFill>
+          <a:blip r:embed="rId3" cstate="print"/>
+          <a:srcRect/>
+          <a:stretch>
+            <a:fillRect/>
+          </a:stretch>
+        </p:blipFill>
+        <p:spPr bwMode="auto">
+          <a:xfrm>
+            <a:off x="4464000" y="769268"/>
+            <a:ext cx="4320000" cy="4519491"/>
           </a:xfrm>
           <a:prstGeom prst="rect">
             <a:avLst/>
@@ -16867,8 +19565,8 @@
         </p:nvSpPr>
         <p:spPr>
           <a:xfrm>
-            <a:off x="4932040" y="793739"/>
-            <a:ext cx="3754760" cy="4044669"/>
+            <a:off x="4572000" y="793739"/>
+            <a:ext cx="4114800" cy="4044669"/>
           </a:xfrm>
         </p:spPr>
         <p:txBody>
@@ -16894,49 +19592,13 @@
           <a:bodyPr/>
           <a:lstStyle/>
           <a:p>
-            <a:r>
-              <a:rPr lang="en-US" altLang="zh-TW" dirty="0" smtClean="0"/>
-              <a:t>SPI-IER</a:t>
-            </a:r>
-            <a:endParaRPr lang="zh-TW" altLang="en-US" dirty="0"/>
+            <a:endParaRPr lang="zh-TW" altLang="en-US"/>
           </a:p>
         </p:txBody>
       </p:sp>
       <p:pic>
         <p:nvPicPr>
-          <p:cNvPr id="4098" name="Picture 2"/>
-          <p:cNvPicPr>
-            <a:picLocks noChangeAspect="1" noChangeArrowheads="1"/>
-          </p:cNvPicPr>
-          <p:nvPr/>
-        </p:nvPicPr>
-        <p:blipFill>
-          <a:blip r:embed="rId2" cstate="print"/>
-          <a:srcRect/>
-          <a:stretch>
-            <a:fillRect/>
-          </a:stretch>
-        </p:blipFill>
-        <p:spPr bwMode="auto">
-          <a:xfrm>
-            <a:off x="108024" y="625252"/>
-            <a:ext cx="4320000" cy="4634929"/>
-          </a:xfrm>
-          <a:prstGeom prst="rect">
-            <a:avLst/>
-          </a:prstGeom>
-          <a:noFill/>
-          <a:ln w="9525">
-            <a:noFill/>
-            <a:miter lim="800000"/>
-            <a:headEnd/>
-            <a:tailEnd/>
-          </a:ln>
-        </p:spPr>
-      </p:pic>
-      <p:pic>
-        <p:nvPicPr>
-          <p:cNvPr id="7" name="Picture 3"/>
+          <p:cNvPr id="5122" name="Picture 2"/>
           <p:cNvPicPr>
             <a:picLocks noChangeAspect="1" noChangeArrowheads="1"/>
           </p:cNvPicPr>
@@ -16951,8 +19613,8 @@
         </p:blipFill>
         <p:spPr bwMode="auto">
           <a:xfrm>
-            <a:off x="4464000" y="769268"/>
-            <a:ext cx="4320000" cy="4519491"/>
+            <a:off x="179512" y="697260"/>
+            <a:ext cx="4320000" cy="4634929"/>
           </a:xfrm>
           <a:prstGeom prst="rect">
             <a:avLst/>
@@ -16971,13 +19633,6 @@
   <p:clrMapOvr>
     <a:masterClrMapping/>
   </p:clrMapOvr>
-  <p:timing>
-    <p:tnLst>
-      <p:par>
-        <p:cTn id="1" dur="indefinite" restart="never" nodeType="tmRoot"/>
-      </p:par>
-    </p:tnLst>
-  </p:timing>
 </p:sld>
 </file>
 
@@ -17191,17 +19846,12 @@
             <p:ph sz="half" idx="2"/>
           </p:nvPr>
         </p:nvSpPr>
-        <p:spPr>
-          <a:xfrm>
-            <a:off x="4572000" y="793739"/>
-            <a:ext cx="4114800" cy="4044669"/>
-          </a:xfrm>
-        </p:spPr>
+        <p:spPr/>
         <p:txBody>
           <a:bodyPr/>
           <a:lstStyle/>
           <a:p>
-            <a:endParaRPr lang="zh-TW" altLang="en-US" dirty="0"/>
+            <a:endParaRPr lang="zh-TW" altLang="en-US"/>
           </a:p>
         </p:txBody>
       </p:sp>
@@ -17226,7 +19876,7 @@
       </p:sp>
       <p:pic>
         <p:nvPicPr>
-          <p:cNvPr id="5122" name="Picture 2"/>
+          <p:cNvPr id="6147" name="Picture 3"/>
           <p:cNvPicPr>
             <a:picLocks noChangeAspect="1" noChangeArrowheads="1"/>
           </p:cNvPicPr>
@@ -17241,8 +19891,8 @@
         </p:blipFill>
         <p:spPr bwMode="auto">
           <a:xfrm>
-            <a:off x="179512" y="697260"/>
-            <a:ext cx="4320000" cy="4634929"/>
+            <a:off x="107504" y="496922"/>
+            <a:ext cx="4320000" cy="4952866"/>
           </a:xfrm>
           <a:prstGeom prst="rect">
             <a:avLst/>
@@ -17256,11 +19906,50 @@
           </a:ln>
         </p:spPr>
       </p:pic>
+      <p:pic>
+        <p:nvPicPr>
+          <p:cNvPr id="6148" name="Picture 4"/>
+          <p:cNvPicPr>
+            <a:picLocks noChangeAspect="1" noChangeArrowheads="1"/>
+          </p:cNvPicPr>
+          <p:nvPr/>
+        </p:nvPicPr>
+        <p:blipFill>
+          <a:blip r:embed="rId4" cstate="print"/>
+          <a:srcRect/>
+          <a:stretch>
+            <a:fillRect/>
+          </a:stretch>
+        </p:blipFill>
+        <p:spPr bwMode="auto">
+          <a:xfrm>
+            <a:off x="4427984" y="985292"/>
+            <a:ext cx="4320000" cy="4176001"/>
+          </a:xfrm>
+          <a:prstGeom prst="rect">
+            <a:avLst/>
+          </a:prstGeom>
+          <a:noFill/>
+          <a:ln w="9525">
+            <a:noFill/>
+            <a:miter lim="800000"/>
+            <a:headEnd/>
+            <a:tailEnd/>
+          </a:ln>
+        </p:spPr>
+      </p:pic>
     </p:spTree>
   </p:cSld>
   <p:clrMapOvr>
     <a:masterClrMapping/>
   </p:clrMapOvr>
+  <p:timing>
+    <p:tnLst>
+      <p:par>
+        <p:cTn id="1" dur="indefinite" restart="never" nodeType="tmRoot"/>
+      </p:par>
+    </p:tnLst>
+  </p:timing>
 </p:sld>
 </file>
 
@@ -17291,12 +19980,17 @@
             <p:ph sz="half" idx="2"/>
           </p:nvPr>
         </p:nvSpPr>
-        <p:spPr/>
+        <p:spPr>
+          <a:xfrm>
+            <a:off x="4427984" y="793739"/>
+            <a:ext cx="4258816" cy="2711833"/>
+          </a:xfrm>
+        </p:spPr>
         <p:txBody>
           <a:bodyPr/>
           <a:lstStyle/>
           <a:p>
-            <a:endParaRPr lang="zh-TW" altLang="en-US"/>
+            <a:endParaRPr lang="zh-TW" altLang="en-US" dirty="0"/>
           </a:p>
         </p:txBody>
       </p:sp>
@@ -17321,7 +20015,7 @@
       </p:sp>
       <p:pic>
         <p:nvPicPr>
-          <p:cNvPr id="6147" name="Picture 3"/>
+          <p:cNvPr id="7170" name="Picture 2"/>
           <p:cNvPicPr>
             <a:picLocks noChangeAspect="1" noChangeArrowheads="1"/>
           </p:cNvPicPr>
@@ -17336,8 +20030,8 @@
         </p:blipFill>
         <p:spPr bwMode="auto">
           <a:xfrm>
-            <a:off x="107504" y="496922"/>
-            <a:ext cx="4320000" cy="4952866"/>
+            <a:off x="35976" y="409228"/>
+            <a:ext cx="4320000" cy="5021656"/>
           </a:xfrm>
           <a:prstGeom prst="rect">
             <a:avLst/>
@@ -17353,7 +20047,7 @@
       </p:pic>
       <p:pic>
         <p:nvPicPr>
-          <p:cNvPr id="6148" name="Picture 4"/>
+          <p:cNvPr id="7171" name="Picture 3"/>
           <p:cNvPicPr>
             <a:picLocks noChangeAspect="1" noChangeArrowheads="1"/>
           </p:cNvPicPr>
@@ -17368,8 +20062,8 @@
         </p:blipFill>
         <p:spPr bwMode="auto">
           <a:xfrm>
-            <a:off x="4427984" y="985292"/>
-            <a:ext cx="4320000" cy="4176001"/>
+            <a:off x="4499992" y="3577580"/>
+            <a:ext cx="3600000" cy="1787004"/>
           </a:xfrm>
           <a:prstGeom prst="rect">
             <a:avLst/>
@@ -17388,13 +20082,6 @@
   <p:clrMapOvr>
     <a:masterClrMapping/>
   </p:clrMapOvr>
-  <p:timing>
-    <p:tnLst>
-      <p:par>
-        <p:cTn id="1" dur="indefinite" restart="never" nodeType="tmRoot"/>
-      </p:par>
-    </p:tnLst>
-  </p:timing>
 </p:sld>
 </file>
 
@@ -17427,15 +20114,15 @@
         </p:nvSpPr>
         <p:spPr>
           <a:xfrm>
-            <a:off x="4427984" y="793739"/>
-            <a:ext cx="4258816" cy="2711833"/>
+            <a:off x="4499992" y="793739"/>
+            <a:ext cx="4186808" cy="4044669"/>
           </a:xfrm>
         </p:spPr>
         <p:txBody>
           <a:bodyPr/>
           <a:lstStyle/>
           <a:p>
-            <a:endParaRPr lang="zh-TW" altLang="en-US" dirty="0"/>
+            <a:endParaRPr lang="zh-TW" altLang="en-US"/>
           </a:p>
         </p:txBody>
       </p:sp>
@@ -17460,14 +20147,14 @@
       </p:sp>
       <p:pic>
         <p:nvPicPr>
-          <p:cNvPr id="7170" name="Picture 2"/>
+          <p:cNvPr id="8194" name="Picture 2"/>
           <p:cNvPicPr>
             <a:picLocks noChangeAspect="1" noChangeArrowheads="1"/>
           </p:cNvPicPr>
           <p:nvPr/>
         </p:nvPicPr>
         <p:blipFill>
-          <a:blip r:embed="rId3" cstate="print"/>
+          <a:blip r:embed="rId2" cstate="print"/>
           <a:srcRect/>
           <a:stretch>
             <a:fillRect/>
@@ -17475,40 +20162,8 @@
         </p:blipFill>
         <p:spPr bwMode="auto">
           <a:xfrm>
-            <a:off x="35976" y="409228"/>
-            <a:ext cx="4320000" cy="5021656"/>
-          </a:xfrm>
-          <a:prstGeom prst="rect">
-            <a:avLst/>
-          </a:prstGeom>
-          <a:noFill/>
-          <a:ln w="9525">
-            <a:noFill/>
-            <a:miter lim="800000"/>
-            <a:headEnd/>
-            <a:tailEnd/>
-          </a:ln>
-        </p:spPr>
-      </p:pic>
-      <p:pic>
-        <p:nvPicPr>
-          <p:cNvPr id="7171" name="Picture 3"/>
-          <p:cNvPicPr>
-            <a:picLocks noChangeAspect="1" noChangeArrowheads="1"/>
-          </p:cNvPicPr>
-          <p:nvPr/>
-        </p:nvPicPr>
-        <p:blipFill>
-          <a:blip r:embed="rId4" cstate="print"/>
-          <a:srcRect/>
-          <a:stretch>
-            <a:fillRect/>
-          </a:stretch>
-        </p:blipFill>
-        <p:spPr bwMode="auto">
-          <a:xfrm>
-            <a:off x="4499992" y="3577580"/>
-            <a:ext cx="3600000" cy="1787004"/>
+            <a:off x="179512" y="1273324"/>
+            <a:ext cx="4320000" cy="2003281"/>
           </a:xfrm>
           <a:prstGeom prst="rect">
             <a:avLst/>
@@ -17559,15 +20214,15 @@
         </p:nvSpPr>
         <p:spPr>
           <a:xfrm>
-            <a:off x="4499992" y="793739"/>
-            <a:ext cx="4186808" cy="4044669"/>
+            <a:off x="4572000" y="793739"/>
+            <a:ext cx="4114800" cy="4044669"/>
           </a:xfrm>
         </p:spPr>
         <p:txBody>
           <a:bodyPr/>
           <a:lstStyle/>
           <a:p>
-            <a:endParaRPr lang="zh-TW" altLang="en-US"/>
+            <a:endParaRPr lang="zh-TW" altLang="en-US" dirty="0"/>
           </a:p>
         </p:txBody>
       </p:sp>
@@ -17592,14 +20247,14 @@
       </p:sp>
       <p:pic>
         <p:nvPicPr>
-          <p:cNvPr id="8194" name="Picture 2"/>
+          <p:cNvPr id="9219" name="Picture 3"/>
           <p:cNvPicPr>
             <a:picLocks noChangeAspect="1" noChangeArrowheads="1"/>
           </p:cNvPicPr>
           <p:nvPr/>
         </p:nvPicPr>
         <p:blipFill>
-          <a:blip r:embed="rId2" cstate="print"/>
+          <a:blip r:embed="rId3" cstate="print"/>
           <a:srcRect/>
           <a:stretch>
             <a:fillRect/>
@@ -17607,8 +20262,8 @@
         </p:blipFill>
         <p:spPr bwMode="auto">
           <a:xfrm>
-            <a:off x="179512" y="1273324"/>
-            <a:ext cx="4320000" cy="2003281"/>
+            <a:off x="107504" y="769268"/>
+            <a:ext cx="4320000" cy="4416153"/>
           </a:xfrm>
           <a:prstGeom prst="rect">
             <a:avLst/>
@@ -17657,12 +20312,7 @@
             <p:ph sz="half" idx="2"/>
           </p:nvPr>
         </p:nvSpPr>
-        <p:spPr>
-          <a:xfrm>
-            <a:off x="4572000" y="793739"/>
-            <a:ext cx="4114800" cy="4044669"/>
-          </a:xfrm>
-        </p:spPr>
+        <p:spPr/>
         <p:txBody>
           <a:bodyPr/>
           <a:lstStyle/>
@@ -17686,13 +20336,45 @@
           <a:bodyPr/>
           <a:lstStyle/>
           <a:p>
-            <a:endParaRPr lang="zh-TW" altLang="en-US"/>
+            <a:endParaRPr lang="zh-TW" altLang="en-US" dirty="0"/>
           </a:p>
         </p:txBody>
       </p:sp>
       <p:pic>
         <p:nvPicPr>
-          <p:cNvPr id="9219" name="Picture 3"/>
+          <p:cNvPr id="10242" name="Picture 2"/>
+          <p:cNvPicPr>
+            <a:picLocks noChangeAspect="1" noChangeArrowheads="1"/>
+          </p:cNvPicPr>
+          <p:nvPr/>
+        </p:nvPicPr>
+        <p:blipFill>
+          <a:blip r:embed="rId2" cstate="print"/>
+          <a:srcRect/>
+          <a:stretch>
+            <a:fillRect/>
+          </a:stretch>
+        </p:blipFill>
+        <p:spPr bwMode="auto">
+          <a:xfrm>
+            <a:off x="0" y="193204"/>
+            <a:ext cx="4320000" cy="5279233"/>
+          </a:xfrm>
+          <a:prstGeom prst="rect">
+            <a:avLst/>
+          </a:prstGeom>
+          <a:noFill/>
+          <a:ln w="9525">
+            <a:noFill/>
+            <a:miter lim="800000"/>
+            <a:headEnd/>
+            <a:tailEnd/>
+          </a:ln>
+        </p:spPr>
+      </p:pic>
+      <p:pic>
+        <p:nvPicPr>
+          <p:cNvPr id="10243" name="Picture 3"/>
           <p:cNvPicPr>
             <a:picLocks noChangeAspect="1" noChangeArrowheads="1"/>
           </p:cNvPicPr>
@@ -17707,8 +20389,8 @@
         </p:blipFill>
         <p:spPr bwMode="auto">
           <a:xfrm>
-            <a:off x="107504" y="769268"/>
-            <a:ext cx="4320000" cy="4416153"/>
+            <a:off x="4427984" y="553244"/>
+            <a:ext cx="4320000" cy="4909714"/>
           </a:xfrm>
           <a:prstGeom prst="rect">
             <a:avLst/>
@@ -17757,7 +20439,12 @@
             <p:ph sz="half" idx="2"/>
           </p:nvPr>
         </p:nvSpPr>
-        <p:spPr/>
+        <p:spPr>
+          <a:xfrm>
+            <a:off x="4572000" y="793739"/>
+            <a:ext cx="4114800" cy="4044669"/>
+          </a:xfrm>
+        </p:spPr>
         <p:txBody>
           <a:bodyPr/>
           <a:lstStyle/>
@@ -17781,13 +20468,13 @@
           <a:bodyPr/>
           <a:lstStyle/>
           <a:p>
-            <a:endParaRPr lang="zh-TW" altLang="en-US" dirty="0"/>
+            <a:endParaRPr lang="zh-TW" altLang="en-US"/>
           </a:p>
         </p:txBody>
       </p:sp>
       <p:pic>
         <p:nvPicPr>
-          <p:cNvPr id="10242" name="Picture 2"/>
+          <p:cNvPr id="11266" name="Picture 2"/>
           <p:cNvPicPr>
             <a:picLocks noChangeAspect="1" noChangeArrowheads="1"/>
           </p:cNvPicPr>
@@ -17802,40 +20489,8 @@
         </p:blipFill>
         <p:spPr bwMode="auto">
           <a:xfrm>
-            <a:off x="0" y="193204"/>
-            <a:ext cx="4320000" cy="5279233"/>
-          </a:xfrm>
-          <a:prstGeom prst="rect">
-            <a:avLst/>
-          </a:prstGeom>
-          <a:noFill/>
-          <a:ln w="9525">
-            <a:noFill/>
-            <a:miter lim="800000"/>
-            <a:headEnd/>
-            <a:tailEnd/>
-          </a:ln>
-        </p:spPr>
-      </p:pic>
-      <p:pic>
-        <p:nvPicPr>
-          <p:cNvPr id="10243" name="Picture 3"/>
-          <p:cNvPicPr>
-            <a:picLocks noChangeAspect="1" noChangeArrowheads="1"/>
-          </p:cNvPicPr>
-          <p:nvPr/>
-        </p:nvPicPr>
-        <p:blipFill>
-          <a:blip r:embed="rId3" cstate="print"/>
-          <a:srcRect/>
-          <a:stretch>
-            <a:fillRect/>
-          </a:stretch>
-        </p:blipFill>
-        <p:spPr bwMode="auto">
-          <a:xfrm>
-            <a:off x="4427984" y="553244"/>
-            <a:ext cx="4320000" cy="4909714"/>
+            <a:off x="179512" y="841276"/>
+            <a:ext cx="4320000" cy="3804076"/>
           </a:xfrm>
           <a:prstGeom prst="rect">
             <a:avLst/>
@@ -17886,8 +20541,8 @@
         </p:nvSpPr>
         <p:spPr>
           <a:xfrm>
-            <a:off x="4572000" y="793739"/>
-            <a:ext cx="4114800" cy="4044669"/>
+            <a:off x="4427984" y="793739"/>
+            <a:ext cx="4258816" cy="4044669"/>
           </a:xfrm>
         </p:spPr>
         <p:txBody>
@@ -17919,7 +20574,7 @@
       </p:sp>
       <p:pic>
         <p:nvPicPr>
-          <p:cNvPr id="11266" name="Picture 2"/>
+          <p:cNvPr id="12290" name="Picture 2"/>
           <p:cNvPicPr>
             <a:picLocks noChangeAspect="1" noChangeArrowheads="1"/>
           </p:cNvPicPr>
@@ -17934,8 +20589,8 @@
         </p:blipFill>
         <p:spPr bwMode="auto">
           <a:xfrm>
-            <a:off x="179512" y="841276"/>
-            <a:ext cx="4320000" cy="3804076"/>
+            <a:off x="107504" y="1489348"/>
+            <a:ext cx="4320000" cy="2050286"/>
           </a:xfrm>
           <a:prstGeom prst="rect">
             <a:avLst/>
@@ -17986,8 +20641,8 @@
         </p:nvSpPr>
         <p:spPr>
           <a:xfrm>
-            <a:off x="4427984" y="793739"/>
-            <a:ext cx="4258816" cy="4044669"/>
+            <a:off x="4499992" y="793739"/>
+            <a:ext cx="4186808" cy="4044669"/>
           </a:xfrm>
         </p:spPr>
         <p:txBody>
@@ -18013,13 +20668,17 @@
           <a:bodyPr/>
           <a:lstStyle/>
           <a:p>
-            <a:endParaRPr lang="zh-TW" altLang="en-US"/>
+            <a:r>
+              <a:rPr lang="en-US" altLang="zh-TW" dirty="0" smtClean="0"/>
+              <a:t>Master</a:t>
+            </a:r>
+            <a:endParaRPr lang="zh-TW" altLang="en-US" dirty="0"/>
           </a:p>
         </p:txBody>
       </p:sp>
       <p:pic>
         <p:nvPicPr>
-          <p:cNvPr id="12290" name="Picture 2"/>
+          <p:cNvPr id="13314" name="Picture 2"/>
           <p:cNvPicPr>
             <a:picLocks noChangeAspect="1" noChangeArrowheads="1"/>
           </p:cNvPicPr>
@@ -18034,8 +20693,8 @@
         </p:blipFill>
         <p:spPr bwMode="auto">
           <a:xfrm>
-            <a:off x="107504" y="1489348"/>
-            <a:ext cx="4320000" cy="2050286"/>
+            <a:off x="0" y="697260"/>
+            <a:ext cx="4320000" cy="4227824"/>
           </a:xfrm>
           <a:prstGeom prst="rect">
             <a:avLst/>
@@ -18076,88 +20735,67 @@
       </p:grpSpPr>
       <p:sp>
         <p:nvSpPr>
-          <p:cNvPr id="2" name="內容版面配置區 1"/>
+          <p:cNvPr id="2" name="Title 1"/>
           <p:cNvSpPr>
             <a:spLocks noGrp="1"/>
           </p:cNvSpPr>
           <p:nvPr>
-            <p:ph sz="half" idx="2"/>
+            <p:ph type="ctrTitle"/>
           </p:nvPr>
         </p:nvSpPr>
-        <p:spPr>
-          <a:xfrm>
-            <a:off x="4499992" y="793739"/>
-            <a:ext cx="4186808" cy="4044669"/>
-          </a:xfrm>
-        </p:spPr>
+        <p:spPr/>
         <p:txBody>
           <a:bodyPr/>
           <a:lstStyle/>
           <a:p>
-            <a:endParaRPr lang="zh-TW" altLang="en-US" dirty="0"/>
-          </a:p>
-        </p:txBody>
-      </p:sp>
-      <p:sp>
-        <p:nvSpPr>
-          <p:cNvPr id="3" name="標題 2"/>
-          <p:cNvSpPr>
-            <a:spLocks noGrp="1"/>
-          </p:cNvSpPr>
-          <p:nvPr>
-            <p:ph type="title"/>
-          </p:nvPr>
-        </p:nvSpPr>
-        <p:spPr/>
-        <p:txBody>
-          <a:bodyPr/>
-          <a:lstStyle/>
-          <a:p>
             <a:r>
               <a:rPr lang="en-US" altLang="zh-TW" dirty="0" smtClean="0"/>
-              <a:t>Master</a:t>
-            </a:r>
-            <a:endParaRPr lang="zh-TW" altLang="en-US" dirty="0"/>
+              <a:t>F75111R</a:t>
+            </a:r>
           </a:p>
         </p:txBody>
       </p:sp>
       <p:pic>
         <p:nvPicPr>
-          <p:cNvPr id="13314" name="Picture 2"/>
+          <p:cNvPr id="3" name="Picture 2"/>
           <p:cNvPicPr>
-            <a:picLocks noChangeAspect="1" noChangeArrowheads="1"/>
+            <a:picLocks noChangeAspect="1"/>
           </p:cNvPicPr>
           <p:nvPr/>
         </p:nvPicPr>
         <p:blipFill>
           <a:blip r:embed="rId2" cstate="print"/>
-          <a:srcRect/>
           <a:stretch>
             <a:fillRect/>
           </a:stretch>
         </p:blipFill>
-        <p:spPr bwMode="auto">
-          <a:xfrm>
-            <a:off x="0" y="697260"/>
-            <a:ext cx="4320000" cy="4227824"/>
+        <p:spPr>
+          <a:xfrm>
+            <a:off x="619031" y="3862565"/>
+            <a:ext cx="72008" cy="969036"/>
           </a:xfrm>
           <a:prstGeom prst="rect">
             <a:avLst/>
           </a:prstGeom>
-          <a:noFill/>
-          <a:ln w="9525">
-            <a:noFill/>
-            <a:miter lim="800000"/>
-            <a:headEnd/>
-            <a:tailEnd/>
-          </a:ln>
         </p:spPr>
       </p:pic>
     </p:spTree>
+    <p:extLst>
+      <p:ext uri="{BB962C8B-B14F-4D97-AF65-F5344CB8AC3E}">
+        <p14:creationId xmlns="" xmlns:p14="http://schemas.microsoft.com/office/powerpoint/2010/main" val="1188013231"/>
+      </p:ext>
+    </p:extLst>
   </p:cSld>
   <p:clrMapOvr>
     <a:masterClrMapping/>
   </p:clrMapOvr>
+  <p:timing>
+    <p:tnLst>
+      <p:par>
+        <p:cTn id="1" dur="indefinite" restart="never" nodeType="tmRoot"/>
+      </p:par>
+    </p:tnLst>
+  </p:timing>
 </p:sld>
 </file>
 
@@ -18180,12 +20818,12 @@
       </p:grpSpPr>
       <p:sp>
         <p:nvSpPr>
-          <p:cNvPr id="2" name="Title 1"/>
+          <p:cNvPr id="2" name="內容版面配置區 1"/>
           <p:cNvSpPr>
             <a:spLocks noGrp="1"/>
           </p:cNvSpPr>
           <p:nvPr>
-            <p:ph type="ctrTitle"/>
+            <p:ph sz="half" idx="2"/>
           </p:nvPr>
         </p:nvSpPr>
         <p:spPr/>
@@ -18193,54 +20831,34 @@
           <a:bodyPr/>
           <a:lstStyle/>
           <a:p>
-            <a:r>
-              <a:rPr lang="en-US" altLang="zh-TW" dirty="0" smtClean="0"/>
-              <a:t>F75111R</a:t>
-            </a:r>
-          </a:p>
-        </p:txBody>
-      </p:sp>
-      <p:pic>
-        <p:nvPicPr>
-          <p:cNvPr id="3" name="Picture 2"/>
-          <p:cNvPicPr>
-            <a:picLocks noChangeAspect="1"/>
-          </p:cNvPicPr>
-          <p:nvPr/>
-        </p:nvPicPr>
-        <p:blipFill>
-          <a:blip r:embed="rId2" cstate="print"/>
-          <a:stretch>
-            <a:fillRect/>
-          </a:stretch>
-        </p:blipFill>
-        <p:spPr>
-          <a:xfrm>
-            <a:off x="619031" y="3862565"/>
-            <a:ext cx="72008" cy="969036"/>
-          </a:xfrm>
-          <a:prstGeom prst="rect">
-            <a:avLst/>
-          </a:prstGeom>
-        </p:spPr>
-      </p:pic>
+            <a:endParaRPr lang="zh-TW" altLang="en-US"/>
+          </a:p>
+        </p:txBody>
+      </p:sp>
+      <p:sp>
+        <p:nvSpPr>
+          <p:cNvPr id="3" name="標題 2"/>
+          <p:cNvSpPr>
+            <a:spLocks noGrp="1"/>
+          </p:cNvSpPr>
+          <p:nvPr>
+            <p:ph type="title"/>
+          </p:nvPr>
+        </p:nvSpPr>
+        <p:spPr/>
+        <p:txBody>
+          <a:bodyPr/>
+          <a:lstStyle/>
+          <a:p>
+            <a:endParaRPr lang="zh-TW" altLang="en-US"/>
+          </a:p>
+        </p:txBody>
+      </p:sp>
     </p:spTree>
-    <p:extLst>
-      <p:ext uri="{BB962C8B-B14F-4D97-AF65-F5344CB8AC3E}">
-        <p14:creationId xmlns="" xmlns:p14="http://schemas.microsoft.com/office/powerpoint/2010/main" val="1188013231"/>
-      </p:ext>
-    </p:extLst>
   </p:cSld>
   <p:clrMapOvr>
     <a:masterClrMapping/>
   </p:clrMapOvr>
-  <p:timing>
-    <p:tnLst>
-      <p:par>
-        <p:cTn id="1" dur="indefinite" restart="never" nodeType="tmRoot"/>
-      </p:par>
-    </p:tnLst>
-  </p:timing>
 </p:sld>
 </file>
 
@@ -18344,49 +20962,23 @@
           <a:chExt cx="0" cy="0"/>
         </a:xfrm>
       </p:grpSpPr>
-      <p:sp>
-        <p:nvSpPr>
-          <p:cNvPr id="2" name="內容版面配置區 1"/>
-          <p:cNvSpPr>
-            <a:spLocks noGrp="1"/>
-          </p:cNvSpPr>
-          <p:nvPr>
-            <p:ph sz="half" idx="2"/>
-          </p:nvPr>
-        </p:nvSpPr>
-        <p:spPr/>
-        <p:txBody>
-          <a:bodyPr/>
-          <a:lstStyle/>
-          <a:p>
-            <a:endParaRPr lang="zh-TW" altLang="en-US"/>
-          </a:p>
-        </p:txBody>
-      </p:sp>
-      <p:sp>
-        <p:nvSpPr>
-          <p:cNvPr id="3" name="標題 2"/>
-          <p:cNvSpPr>
-            <a:spLocks noGrp="1"/>
-          </p:cNvSpPr>
-          <p:nvPr>
-            <p:ph type="title"/>
-          </p:nvPr>
-        </p:nvSpPr>
-        <p:spPr/>
-        <p:txBody>
-          <a:bodyPr/>
-          <a:lstStyle/>
-          <a:p>
-            <a:endParaRPr lang="zh-TW" altLang="en-US"/>
-          </a:p>
-        </p:txBody>
-      </p:sp>
     </p:spTree>
+    <p:extLst>
+      <p:ext uri="{BB962C8B-B14F-4D97-AF65-F5344CB8AC3E}">
+        <p14:creationId xmlns="" xmlns:p14="http://schemas.microsoft.com/office/powerpoint/2010/main" val="553085013"/>
+      </p:ext>
+    </p:extLst>
   </p:cSld>
   <p:clrMapOvr>
     <a:masterClrMapping/>
   </p:clrMapOvr>
+  <p:timing>
+    <p:tnLst>
+      <p:par>
+        <p:cTn id="1" dur="indefinite" restart="never" nodeType="tmRoot"/>
+      </p:par>
+    </p:tnLst>
+  </p:timing>
 </p:sld>
 </file>
 
@@ -18407,12 +20999,57 @@
           <a:chExt cx="0" cy="0"/>
         </a:xfrm>
       </p:grpSpPr>
+      <p:sp>
+        <p:nvSpPr>
+          <p:cNvPr id="2" name="內容版面配置區 1"/>
+          <p:cNvSpPr>
+            <a:spLocks noGrp="1"/>
+          </p:cNvSpPr>
+          <p:nvPr>
+            <p:ph sz="half" idx="2"/>
+          </p:nvPr>
+        </p:nvSpPr>
+        <p:spPr>
+          <a:xfrm>
+            <a:off x="461086" y="2425452"/>
+            <a:ext cx="8215370" cy="864096"/>
+          </a:xfrm>
+        </p:spPr>
+        <p:txBody>
+          <a:bodyPr/>
+          <a:lstStyle/>
+          <a:p>
+            <a:pPr algn="ctr">
+              <a:buNone/>
+            </a:pPr>
+            <a:r>
+              <a:rPr lang="en-US" altLang="zh-TW" sz="2800" dirty="0" smtClean="0"/>
+              <a:t>Back Up</a:t>
+            </a:r>
+            <a:endParaRPr lang="zh-TW" altLang="en-US" sz="2800" dirty="0"/>
+          </a:p>
+        </p:txBody>
+      </p:sp>
+      <p:sp>
+        <p:nvSpPr>
+          <p:cNvPr id="3" name="標題 2"/>
+          <p:cNvSpPr>
+            <a:spLocks noGrp="1"/>
+          </p:cNvSpPr>
+          <p:nvPr>
+            <p:ph type="title"/>
+          </p:nvPr>
+        </p:nvSpPr>
+        <p:spPr/>
+        <p:txBody>
+          <a:bodyPr/>
+          <a:lstStyle/>
+          <a:p>
+            <a:endParaRPr lang="zh-TW" altLang="en-US"/>
+          </a:p>
+        </p:txBody>
+      </p:sp>
     </p:spTree>
-    <p:extLst>
-      <p:ext uri="{BB962C8B-B14F-4D97-AF65-F5344CB8AC3E}">
-        <p14:creationId xmlns="" xmlns:p14="http://schemas.microsoft.com/office/powerpoint/2010/main" val="553085013"/>
-      </p:ext>
-    </p:extLst>
   </p:cSld>
   <p:clrMapOvr>
     <a:masterClrMapping/>
@@ -18454,88 +21091,6 @@
             <p:ph sz="half" idx="2"/>
           </p:nvPr>
         </p:nvSpPr>
-        <p:spPr>
-          <a:xfrm>
-            <a:off x="461086" y="2425452"/>
-            <a:ext cx="8215370" cy="864096"/>
-          </a:xfrm>
-        </p:spPr>
-        <p:txBody>
-          <a:bodyPr/>
-          <a:lstStyle/>
-          <a:p>
-            <a:pPr algn="ctr">
-              <a:buNone/>
-            </a:pPr>
-            <a:r>
-              <a:rPr lang="en-US" altLang="zh-TW" sz="2800" dirty="0" smtClean="0"/>
-              <a:t>Back Up</a:t>
-            </a:r>
-            <a:endParaRPr lang="zh-TW" altLang="en-US" sz="2800" dirty="0"/>
-          </a:p>
-        </p:txBody>
-      </p:sp>
-      <p:sp>
-        <p:nvSpPr>
-          <p:cNvPr id="3" name="標題 2"/>
-          <p:cNvSpPr>
-            <a:spLocks noGrp="1"/>
-          </p:cNvSpPr>
-          <p:nvPr>
-            <p:ph type="title"/>
-          </p:nvPr>
-        </p:nvSpPr>
-        <p:spPr/>
-        <p:txBody>
-          <a:bodyPr/>
-          <a:lstStyle/>
-          <a:p>
-            <a:endParaRPr lang="zh-TW" altLang="en-US"/>
-          </a:p>
-        </p:txBody>
-      </p:sp>
-    </p:spTree>
-  </p:cSld>
-  <p:clrMapOvr>
-    <a:masterClrMapping/>
-  </p:clrMapOvr>
-  <p:timing>
-    <p:tnLst>
-      <p:par>
-        <p:cTn id="1" dur="indefinite" restart="never" nodeType="tmRoot"/>
-      </p:par>
-    </p:tnLst>
-  </p:timing>
-</p:sld>
-</file>
-
-<file path=ppt/slides/slide33.xml><?xml version="1.0" encoding="utf-8"?>
-<p:sld xmlns:a="http://schemas.openxmlformats.org/drawingml/2006/main" xmlns:r="http://schemas.openxmlformats.org/officeDocument/2006/relationships" xmlns:p="http://schemas.openxmlformats.org/presentationml/2006/main">
-  <p:cSld>
-    <p:spTree>
-      <p:nvGrpSpPr>
-        <p:cNvPr id="1" name=""/>
-        <p:cNvGrpSpPr/>
-        <p:nvPr/>
-      </p:nvGrpSpPr>
-      <p:grpSpPr>
-        <a:xfrm>
-          <a:off x="0" y="0"/>
-          <a:ext cx="0" cy="0"/>
-          <a:chOff x="0" y="0"/>
-          <a:chExt cx="0" cy="0"/>
-        </a:xfrm>
-      </p:grpSpPr>
-      <p:sp>
-        <p:nvSpPr>
-          <p:cNvPr id="2" name="內容版面配置區 1"/>
-          <p:cNvSpPr>
-            <a:spLocks noGrp="1"/>
-          </p:cNvSpPr>
-          <p:nvPr>
-            <p:ph sz="half" idx="2"/>
-          </p:nvPr>
-        </p:nvSpPr>
         <p:spPr/>
         <p:txBody>
           <a:bodyPr/>
@@ -18604,7 +21159,7 @@
 </p:sld>
 </file>
 
-<file path=ppt/slides/slide34.xml><?xml version="1.0" encoding="utf-8"?>
+<file path=ppt/slides/slide33.xml><?xml version="1.0" encoding="utf-8"?>
 <p:sld xmlns:a="http://schemas.openxmlformats.org/drawingml/2006/main" xmlns:r="http://schemas.openxmlformats.org/officeDocument/2006/relationships" xmlns:p="http://schemas.openxmlformats.org/presentationml/2006/main">
   <p:cSld>
     <p:spTree>
@@ -20461,6 +23016,7 @@
               <a:rPr lang="en-US" altLang="zh-TW" dirty="0" smtClean="0"/>
               <a:t>Linux Device Driver – SPI</a:t>
             </a:r>
+            <a:endParaRPr lang="en-US" altLang="zh-TW" dirty="0" smtClean="0"/>
           </a:p>
         </p:txBody>
       </p:sp>
@@ -21935,7 +24491,7 @@
         </p:nvSpPr>
         <p:spPr>
           <a:xfrm>
-            <a:off x="251520" y="2569468"/>
+            <a:off x="323528" y="2776200"/>
             <a:ext cx="2304256" cy="369332"/>
           </a:xfrm>
           <a:prstGeom prst="rect">
@@ -21986,8 +24542,8 @@
         </p:nvCxnSpPr>
         <p:spPr>
           <a:xfrm flipH="1">
-            <a:off x="2555776" y="2137420"/>
-            <a:ext cx="408550" cy="616714"/>
+            <a:off x="2627784" y="2137420"/>
+            <a:ext cx="336542" cy="823446"/>
           </a:xfrm>
           <a:prstGeom prst="straightConnector1">
             <a:avLst/>
@@ -22029,8 +24585,8 @@
         </p:nvCxnSpPr>
         <p:spPr>
           <a:xfrm flipH="1">
-            <a:off x="2555776" y="2269081"/>
-            <a:ext cx="2449483" cy="485053"/>
+            <a:off x="2627784" y="2269081"/>
+            <a:ext cx="2377475" cy="691785"/>
           </a:xfrm>
           <a:prstGeom prst="straightConnector1">
             <a:avLst/>
@@ -22277,8 +24833,8 @@
         </p:nvSpPr>
         <p:spPr>
           <a:xfrm>
-            <a:off x="1115616" y="3073524"/>
-            <a:ext cx="2864887" cy="1477328"/>
+            <a:off x="1131049" y="3291870"/>
+            <a:ext cx="2864887" cy="861774"/>
           </a:xfrm>
           <a:prstGeom prst="rect">
             <a:avLst/>
@@ -22339,13 +24895,19 @@
               <a:rPr lang="zh-TW" altLang="en-US" sz="1000" b="1" dirty="0" smtClean="0">
                 <a:latin typeface="+mn-ea"/>
               </a:rPr>
-              <a:t>內的各組</a:t>
+              <a:t>內的各</a:t>
+            </a:r>
+            <a:r>
+              <a:rPr lang="zh-TW" altLang="en-US" sz="1000" b="1" dirty="0" smtClean="0">
+                <a:latin typeface="+mn-ea"/>
+              </a:rPr>
+              <a:t>組</a:t>
             </a:r>
             <a:r>
               <a:rPr lang="en-US" altLang="zh-TW" sz="1000" b="1" dirty="0" smtClean="0">
                 <a:latin typeface="+mn-ea"/>
               </a:rPr>
-              <a:t>I2C</a:t>
+              <a:t>SPI</a:t>
             </a:r>
             <a:r>
               <a:rPr lang="zh-TW" altLang="en-US" sz="1000" b="1" dirty="0" smtClean="0">
@@ -22455,7 +25017,18 @@
                 </a:solidFill>
                 <a:latin typeface="+mn-ea"/>
               </a:rPr>
-              <a:t>適配器</a:t>
+              <a:t>適配</a:t>
+            </a:r>
+            <a:r>
+              <a:rPr lang="zh-TW" altLang="en-US" sz="1000" b="1" dirty="0" smtClean="0">
+                <a:solidFill>
+                  <a:schemeClr val="accent5">
+                    <a:lumMod val="75000"/>
+                  </a:schemeClr>
+                </a:solidFill>
+                <a:latin typeface="+mn-ea"/>
+              </a:rPr>
+              <a:t>器</a:t>
             </a:r>
             <a:endParaRPr lang="en-US" altLang="zh-TW" sz="1000" b="1" dirty="0" smtClean="0">
               <a:solidFill>
@@ -22465,212 +25038,6 @@
               </a:solidFill>
               <a:latin typeface="+mn-ea"/>
             </a:endParaRPr>
-          </a:p>
-          <a:p>
-            <a:r>
-              <a:rPr lang="en-US" altLang="zh-TW" sz="1000" b="1" dirty="0" smtClean="0">
-                <a:solidFill>
-                  <a:schemeClr val="accent5">
-                    <a:lumMod val="75000"/>
-                  </a:schemeClr>
-                </a:solidFill>
-              </a:rPr>
-              <a:t>I2C-Algorithm</a:t>
-            </a:r>
-            <a:r>
-              <a:rPr lang="en-US" altLang="zh-TW" sz="1000" b="1" dirty="0" smtClean="0"/>
-              <a:t>:</a:t>
-            </a:r>
-          </a:p>
-          <a:p>
-            <a:r>
-              <a:rPr lang="zh-TW" altLang="en-US" sz="1000" b="1" dirty="0" smtClean="0"/>
-              <a:t>對應</a:t>
-            </a:r>
-            <a:r>
-              <a:rPr lang="en-US" altLang="zh-TW" sz="1000" b="1" dirty="0" err="1" smtClean="0"/>
-              <a:t>SoC</a:t>
-            </a:r>
-            <a:r>
-              <a:rPr lang="zh-TW" altLang="en-US" sz="1000" b="1" dirty="0" smtClean="0"/>
-              <a:t>的</a:t>
-            </a:r>
-            <a:r>
-              <a:rPr lang="en-US" altLang="zh-TW" sz="1000" b="1" dirty="0" smtClean="0">
-                <a:solidFill>
-                  <a:schemeClr val="accent5">
-                    <a:lumMod val="75000"/>
-                  </a:schemeClr>
-                </a:solidFill>
-              </a:rPr>
-              <a:t>I2C</a:t>
-            </a:r>
-            <a:r>
-              <a:rPr lang="zh-TW" altLang="en-US" sz="1000" b="1" dirty="0" smtClean="0">
-                <a:solidFill>
-                  <a:schemeClr val="accent5">
-                    <a:lumMod val="75000"/>
-                  </a:schemeClr>
-                </a:solidFill>
-              </a:rPr>
-              <a:t>通信方法</a:t>
-            </a:r>
-            <a:r>
-              <a:rPr lang="en-US" altLang="zh-TW" sz="1000" b="1" dirty="0" smtClean="0">
-                <a:solidFill>
-                  <a:schemeClr val="accent5">
-                    <a:lumMod val="75000"/>
-                  </a:schemeClr>
-                </a:solidFill>
-              </a:rPr>
-              <a:t>,</a:t>
-            </a:r>
-            <a:r>
-              <a:rPr lang="zh-TW" altLang="en-US" sz="1000" b="1" dirty="0" smtClean="0">
-                <a:solidFill>
-                  <a:schemeClr val="accent5">
-                    <a:lumMod val="75000"/>
-                  </a:schemeClr>
-                </a:solidFill>
-              </a:rPr>
-              <a:t> </a:t>
-            </a:r>
-            <a:r>
-              <a:rPr lang="zh-TW" altLang="en-US" sz="1000" b="1" dirty="0" smtClean="0"/>
-              <a:t>包括</a:t>
-            </a:r>
-            <a:r>
-              <a:rPr lang="en-US" altLang="zh-TW" sz="1000" b="1" dirty="0" smtClean="0"/>
-              <a:t>I2C </a:t>
-            </a:r>
-            <a:r>
-              <a:rPr lang="en-US" altLang="zh-TW" sz="1000" b="1" dirty="0" smtClean="0">
-                <a:solidFill>
-                  <a:schemeClr val="accent5">
-                    <a:lumMod val="75000"/>
-                  </a:schemeClr>
-                </a:solidFill>
-              </a:rPr>
-              <a:t>Start Condition</a:t>
-            </a:r>
-            <a:r>
-              <a:rPr lang="en-US" altLang="zh-TW" sz="1000" b="1" dirty="0" smtClean="0"/>
-              <a:t>, </a:t>
-            </a:r>
-            <a:r>
-              <a:rPr lang="en-US" altLang="zh-TW" sz="1000" b="1" dirty="0" smtClean="0">
-                <a:solidFill>
-                  <a:schemeClr val="accent5">
-                    <a:lumMod val="75000"/>
-                  </a:schemeClr>
-                </a:solidFill>
-              </a:rPr>
-              <a:t>Stop Condition</a:t>
-            </a:r>
-            <a:r>
-              <a:rPr lang="en-US" altLang="zh-TW" sz="1000" b="1" dirty="0" smtClean="0"/>
-              <a:t>,</a:t>
-            </a:r>
-            <a:r>
-              <a:rPr lang="zh-TW" altLang="en-US" sz="1000" b="1" dirty="0" smtClean="0">
-                <a:solidFill>
-                  <a:schemeClr val="accent5">
-                    <a:lumMod val="75000"/>
-                  </a:schemeClr>
-                </a:solidFill>
-              </a:rPr>
-              <a:t> </a:t>
-            </a:r>
-            <a:r>
-              <a:rPr lang="en-US" altLang="zh-TW" sz="1000" b="1" dirty="0" smtClean="0">
-                <a:solidFill>
-                  <a:schemeClr val="accent5">
-                    <a:lumMod val="75000"/>
-                  </a:schemeClr>
-                </a:solidFill>
-              </a:rPr>
-              <a:t>Data</a:t>
-            </a:r>
-            <a:r>
-              <a:rPr lang="zh-TW" altLang="en-US" sz="1000" b="1" dirty="0" smtClean="0">
-                <a:solidFill>
-                  <a:schemeClr val="accent5">
-                    <a:lumMod val="75000"/>
-                  </a:schemeClr>
-                </a:solidFill>
-              </a:rPr>
-              <a:t> </a:t>
-            </a:r>
-            <a:r>
-              <a:rPr lang="en-US" altLang="zh-TW" sz="1000" b="1" dirty="0" smtClean="0">
-                <a:solidFill>
-                  <a:schemeClr val="accent5">
-                    <a:lumMod val="75000"/>
-                  </a:schemeClr>
-                </a:solidFill>
-              </a:rPr>
-              <a:t>Transmit</a:t>
-            </a:r>
-            <a:r>
-              <a:rPr lang="en-US" altLang="zh-TW" sz="1000" b="1" dirty="0" smtClean="0"/>
-              <a:t>,</a:t>
-            </a:r>
-            <a:r>
-              <a:rPr lang="zh-TW" altLang="en-US" sz="1000" b="1" dirty="0" smtClean="0">
-                <a:solidFill>
-                  <a:schemeClr val="accent5">
-                    <a:lumMod val="75000"/>
-                  </a:schemeClr>
-                </a:solidFill>
-              </a:rPr>
-              <a:t> </a:t>
-            </a:r>
-            <a:r>
-              <a:rPr lang="en-US" altLang="zh-TW" sz="1000" b="1" dirty="0" smtClean="0">
-                <a:solidFill>
-                  <a:schemeClr val="accent5">
-                    <a:lumMod val="75000"/>
-                  </a:schemeClr>
-                </a:solidFill>
-              </a:rPr>
-              <a:t>Data</a:t>
-            </a:r>
-            <a:r>
-              <a:rPr lang="zh-TW" altLang="en-US" sz="1000" b="1" dirty="0" smtClean="0">
-                <a:solidFill>
-                  <a:schemeClr val="accent5">
-                    <a:lumMod val="75000"/>
-                  </a:schemeClr>
-                </a:solidFill>
-              </a:rPr>
-              <a:t> </a:t>
-            </a:r>
-            <a:r>
-              <a:rPr lang="en-US" altLang="zh-TW" sz="1000" b="1" dirty="0" smtClean="0">
-                <a:solidFill>
-                  <a:schemeClr val="accent5">
-                    <a:lumMod val="75000"/>
-                  </a:schemeClr>
-                </a:solidFill>
-              </a:rPr>
-              <a:t>Receive</a:t>
-            </a:r>
-            <a:r>
-              <a:rPr lang="zh-TW" altLang="en-US" sz="1000" b="1" dirty="0" smtClean="0"/>
-              <a:t>等實際上的</a:t>
-            </a:r>
-            <a:r>
-              <a:rPr lang="en-US" altLang="zh-TW" sz="1000" b="1" dirty="0" err="1" smtClean="0"/>
-              <a:t>Reg</a:t>
-            </a:r>
-            <a:r>
-              <a:rPr lang="zh-TW" altLang="en-US" sz="1000" b="1" dirty="0" smtClean="0"/>
-              <a:t>設定</a:t>
-            </a:r>
-            <a:r>
-              <a:rPr lang="en-US" altLang="zh-TW" sz="1000" b="1" dirty="0" smtClean="0"/>
-              <a:t>.</a:t>
-            </a:r>
           </a:p>
         </p:txBody>
       </p:sp>
@@ -22723,8 +25090,8 @@
         </p:nvCxnSpPr>
         <p:spPr>
           <a:xfrm flipH="1" flipV="1">
-            <a:off x="3980503" y="3812188"/>
-            <a:ext cx="784023" cy="53424"/>
+            <a:off x="3995936" y="3722757"/>
+            <a:ext cx="768590" cy="142855"/>
           </a:xfrm>
           <a:prstGeom prst="straightConnector1">
             <a:avLst/>
@@ -26361,8 +28728,9 @@
           <a:p>
             <a:r>
               <a:rPr lang="en-US" altLang="zh-TW" dirty="0" smtClean="0"/>
-              <a:t>SPI– Full Duplex and Half Duplex</a:t>
-            </a:r>
+              <a:t>SPI bus driver</a:t>
+            </a:r>
+            <a:endParaRPr lang="en-US" altLang="zh-TW" dirty="0" smtClean="0"/>
           </a:p>
         </p:txBody>
       </p:sp>
@@ -26429,7 +28797,186 @@
       </p:grpSpPr>
       <p:sp>
         <p:nvSpPr>
-          <p:cNvPr id="3" name="Title 2"/>
+          <p:cNvPr id="2" name="內容版面配置區 1"/>
+          <p:cNvSpPr>
+            <a:spLocks noGrp="1"/>
+          </p:cNvSpPr>
+          <p:nvPr>
+            <p:ph sz="half" idx="2"/>
+          </p:nvPr>
+        </p:nvSpPr>
+        <p:spPr/>
+        <p:txBody>
+          <a:bodyPr/>
+          <a:lstStyle/>
+          <a:p>
+            <a:r>
+              <a:rPr lang="en-US" altLang="zh-TW" sz="1200" dirty="0" smtClean="0"/>
+              <a:t>SPI</a:t>
+            </a:r>
+            <a:r>
+              <a:rPr lang="zh-TW" altLang="en-US" sz="1200" dirty="0" smtClean="0"/>
+              <a:t>數據傳輸可以有兩種方式：</a:t>
+            </a:r>
+            <a:r>
+              <a:rPr lang="zh-TW" altLang="en-US" sz="1200" b="1" dirty="0" smtClean="0"/>
+              <a:t>同步方式</a:t>
+            </a:r>
+            <a:r>
+              <a:rPr lang="zh-TW" altLang="en-US" sz="1200" dirty="0" smtClean="0"/>
+              <a:t>和</a:t>
+            </a:r>
+            <a:r>
+              <a:rPr lang="zh-TW" altLang="en-US" sz="1200" b="1" dirty="0" smtClean="0"/>
+              <a:t>異步方式</a:t>
+            </a:r>
+            <a:r>
+              <a:rPr lang="zh-TW" altLang="en-US" sz="1200" dirty="0" smtClean="0"/>
+              <a:t>。</a:t>
+            </a:r>
+            <a:endParaRPr lang="en-US" altLang="zh-TW" sz="1200" dirty="0" smtClean="0"/>
+          </a:p>
+          <a:p>
+            <a:r>
+              <a:rPr lang="zh-TW" altLang="en-US" sz="1200" dirty="0" smtClean="0"/>
+              <a:t>對於</a:t>
+            </a:r>
+            <a:r>
+              <a:rPr lang="en-US" altLang="zh-TW" sz="1200" dirty="0" smtClean="0"/>
+              <a:t>SPI</a:t>
+            </a:r>
+            <a:r>
+              <a:rPr lang="zh-TW" altLang="en-US" sz="1200" dirty="0" smtClean="0"/>
+              <a:t>控制器來說，要支持異步方式必須要考慮以下兩種狀況：</a:t>
+            </a:r>
+          </a:p>
+          <a:p>
+            <a:pPr lvl="1"/>
+            <a:r>
+              <a:rPr lang="zh-TW" altLang="en-US" sz="1000" dirty="0" smtClean="0"/>
+              <a:t>對於</a:t>
+            </a:r>
+            <a:r>
+              <a:rPr lang="zh-TW" altLang="en-US" sz="1000" b="1" dirty="0" smtClean="0"/>
+              <a:t>同一個數據傳輸的發起者</a:t>
+            </a:r>
+            <a:r>
+              <a:rPr lang="zh-TW" altLang="en-US" sz="1000" dirty="0" smtClean="0"/>
+              <a:t>，既然異步方式無需等待數據傳輸完成即可返回，返回後，該發起者可以立刻又發起一個</a:t>
+            </a:r>
+            <a:r>
+              <a:rPr lang="en-US" altLang="zh-TW" sz="1000" dirty="0" smtClean="0"/>
+              <a:t>message</a:t>
+            </a:r>
+            <a:r>
+              <a:rPr lang="zh-TW" altLang="en-US" sz="1000" dirty="0" smtClean="0"/>
+              <a:t>，而這時上一個</a:t>
+            </a:r>
+            <a:r>
+              <a:rPr lang="en-US" altLang="zh-TW" sz="1000" dirty="0" smtClean="0"/>
+              <a:t>message</a:t>
+            </a:r>
+            <a:r>
+              <a:rPr lang="zh-TW" altLang="en-US" sz="1000" dirty="0" smtClean="0"/>
+              <a:t>還沒有處理完。</a:t>
+            </a:r>
+            <a:endParaRPr lang="en-US" altLang="zh-TW" sz="1000" dirty="0" smtClean="0"/>
+          </a:p>
+          <a:p>
+            <a:pPr lvl="1"/>
+            <a:r>
+              <a:rPr lang="zh-TW" altLang="en-US" sz="1000" dirty="0" smtClean="0"/>
+              <a:t>對於</a:t>
+            </a:r>
+            <a:r>
+              <a:rPr lang="zh-TW" altLang="en-US" sz="1000" b="1" dirty="0" smtClean="0"/>
+              <a:t>另外一個不同的發起者來說</a:t>
+            </a:r>
+            <a:r>
+              <a:rPr lang="zh-TW" altLang="en-US" sz="1000" dirty="0" smtClean="0"/>
+              <a:t>，也有可能同時發起一次</a:t>
+            </a:r>
+            <a:r>
+              <a:rPr lang="en-US" altLang="zh-TW" sz="1000" dirty="0" smtClean="0"/>
+              <a:t>message</a:t>
+            </a:r>
+            <a:r>
+              <a:rPr lang="zh-TW" altLang="en-US" sz="1000" dirty="0" smtClean="0"/>
+              <a:t>傳輸請求。</a:t>
+            </a:r>
+            <a:endParaRPr lang="en-US" altLang="zh-TW" sz="1000" dirty="0" smtClean="0"/>
+          </a:p>
+          <a:p>
+            <a:r>
+              <a:rPr lang="zh-TW" altLang="en-US" sz="1200" b="1" dirty="0" smtClean="0"/>
+              <a:t>隊列化</a:t>
+            </a:r>
+            <a:r>
+              <a:rPr lang="zh-TW" altLang="en-US" sz="1200" dirty="0" smtClean="0"/>
+              <a:t>正是為了為了解決以上的問題，所謂隊列化，是指把等待傳輸的</a:t>
+            </a:r>
+            <a:r>
+              <a:rPr lang="en-US" altLang="zh-TW" sz="1200" dirty="0" smtClean="0"/>
+              <a:t>message</a:t>
+            </a:r>
+            <a:r>
+              <a:rPr lang="zh-TW" altLang="en-US" sz="1200" dirty="0" smtClean="0"/>
+              <a:t>放入一個等待隊列中，發起一個傳輸操作，其實就是把對應的</a:t>
+            </a:r>
+            <a:r>
+              <a:rPr lang="en-US" altLang="zh-TW" sz="1200" dirty="0" smtClean="0"/>
+              <a:t>message</a:t>
+            </a:r>
+            <a:r>
+              <a:rPr lang="zh-TW" altLang="en-US" sz="1200" dirty="0" smtClean="0"/>
+              <a:t>按先後順序放入一個等待隊列中，系統會在不斷檢測隊列中是否有等待傳輸的</a:t>
+            </a:r>
+            <a:r>
+              <a:rPr lang="en-US" altLang="zh-TW" sz="1200" dirty="0" smtClean="0"/>
+              <a:t>message</a:t>
+            </a:r>
+            <a:r>
+              <a:rPr lang="zh-TW" altLang="en-US" sz="1200" dirty="0" smtClean="0"/>
+              <a:t>，如果有就不停地調度數據傳輸內核線程，逐個取出隊列中的</a:t>
+            </a:r>
+            <a:r>
+              <a:rPr lang="en-US" altLang="zh-TW" sz="1200" dirty="0" smtClean="0"/>
+              <a:t>message</a:t>
+            </a:r>
+            <a:r>
+              <a:rPr lang="zh-TW" altLang="en-US" sz="1200" dirty="0" smtClean="0"/>
+              <a:t>進行處理，直到隊列變空為止。</a:t>
+            </a:r>
+            <a:endParaRPr lang="en-US" altLang="zh-TW" sz="1200" dirty="0" smtClean="0"/>
+          </a:p>
+          <a:p>
+            <a:r>
+              <a:rPr lang="zh-TW" altLang="en-US" sz="1200" dirty="0" smtClean="0"/>
+              <a:t>線程</a:t>
+            </a:r>
+            <a:r>
+              <a:rPr lang="en-US" altLang="zh-TW" sz="1200" dirty="0" smtClean="0"/>
+              <a:t>(thread)</a:t>
+            </a:r>
+            <a:r>
+              <a:rPr lang="zh-TW" altLang="en-US" sz="1200" dirty="0" smtClean="0"/>
+              <a:t>與進程</a:t>
+            </a:r>
+            <a:r>
+              <a:rPr lang="en-US" altLang="zh-TW" sz="1200" dirty="0" smtClean="0"/>
+              <a:t>(process)</a:t>
+            </a:r>
+            <a:r>
+              <a:rPr lang="zh-TW" altLang="en-US" sz="1200" dirty="0" smtClean="0"/>
+              <a:t>的區別</a:t>
+            </a:r>
+            <a:endParaRPr lang="zh-TW" altLang="en-US" sz="1200" dirty="0"/>
+          </a:p>
+        </p:txBody>
+      </p:sp>
+      <p:sp>
+        <p:nvSpPr>
+          <p:cNvPr id="3" name="標題 2"/>
           <p:cNvSpPr>
             <a:spLocks noGrp="1"/>
           </p:cNvSpPr>
@@ -26442,1362 +28989,11 @@
           <a:bodyPr/>
           <a:lstStyle/>
           <a:p>
-            <a:r>
-              <a:rPr lang="en-US" altLang="zh-TW" dirty="0" smtClean="0"/>
-              <a:t>Linux - SPI</a:t>
-            </a:r>
-            <a:r>
-              <a:rPr lang="zh-TW" altLang="en-US" dirty="0" smtClean="0"/>
-              <a:t>架構 </a:t>
-            </a:r>
-            <a:r>
-              <a:rPr lang="en-US" altLang="zh-TW" dirty="0" smtClean="0"/>
-              <a:t>- master</a:t>
-            </a:r>
-            <a:endParaRPr lang="en-US" dirty="0"/>
-          </a:p>
-        </p:txBody>
-      </p:sp>
-      <p:cxnSp>
-        <p:nvCxnSpPr>
-          <p:cNvPr id="16" name="直線接點 15"/>
-          <p:cNvCxnSpPr/>
-          <p:nvPr/>
-        </p:nvCxnSpPr>
-        <p:spPr>
-          <a:xfrm>
-            <a:off x="251520" y="1417340"/>
-            <a:ext cx="4104456" cy="0"/>
-          </a:xfrm>
-          <a:prstGeom prst="line">
-            <a:avLst/>
-          </a:prstGeom>
-          <a:ln w="15875">
-            <a:solidFill>
-              <a:srgbClr val="C00000"/>
-            </a:solidFill>
-            <a:prstDash val="sysDot"/>
-          </a:ln>
-        </p:spPr>
-        <p:style>
-          <a:lnRef idx="1">
-            <a:schemeClr val="accent1"/>
-          </a:lnRef>
-          <a:fillRef idx="0">
-            <a:schemeClr val="accent1"/>
-          </a:fillRef>
-          <a:effectRef idx="0">
-            <a:schemeClr val="accent1"/>
-          </a:effectRef>
-          <a:fontRef idx="minor">
-            <a:schemeClr val="tx1"/>
-          </a:fontRef>
-        </p:style>
-      </p:cxnSp>
-      <p:sp>
-        <p:nvSpPr>
-          <p:cNvPr id="20" name="橢圓 19"/>
-          <p:cNvSpPr/>
-          <p:nvPr/>
-        </p:nvSpPr>
-        <p:spPr>
-          <a:xfrm>
-            <a:off x="1835696" y="2713484"/>
-            <a:ext cx="1152128" cy="576064"/>
-          </a:xfrm>
-          <a:prstGeom prst="ellipse">
-            <a:avLst/>
-          </a:prstGeom>
-        </p:spPr>
-        <p:style>
-          <a:lnRef idx="1">
-            <a:schemeClr val="accent2"/>
-          </a:lnRef>
-          <a:fillRef idx="3">
-            <a:schemeClr val="accent2"/>
-          </a:fillRef>
-          <a:effectRef idx="2">
-            <a:schemeClr val="accent2"/>
-          </a:effectRef>
-          <a:fontRef idx="minor">
-            <a:schemeClr val="lt1"/>
-          </a:fontRef>
-        </p:style>
-        <p:txBody>
-          <a:bodyPr rtlCol="0" anchor="ctr"/>
-          <a:lstStyle/>
-          <a:p>
-            <a:pPr algn="ctr"/>
-            <a:r>
-              <a:rPr lang="en-US" altLang="zh-TW" sz="1200" dirty="0" smtClean="0"/>
-              <a:t>SPI</a:t>
-            </a:r>
-            <a:endParaRPr lang="zh-TW" altLang="en-US" sz="1200" dirty="0" smtClean="0"/>
-          </a:p>
-        </p:txBody>
-      </p:sp>
-      <p:sp>
-        <p:nvSpPr>
-          <p:cNvPr id="21" name="橢圓 20"/>
-          <p:cNvSpPr/>
-          <p:nvPr/>
-        </p:nvSpPr>
-        <p:spPr>
-          <a:xfrm>
-            <a:off x="2699792" y="1777380"/>
-            <a:ext cx="1152128" cy="576064"/>
-          </a:xfrm>
-          <a:prstGeom prst="ellipse">
-            <a:avLst/>
-          </a:prstGeom>
-        </p:spPr>
-        <p:style>
-          <a:lnRef idx="1">
-            <a:schemeClr val="accent4"/>
-          </a:lnRef>
-          <a:fillRef idx="3">
-            <a:schemeClr val="accent4"/>
-          </a:fillRef>
-          <a:effectRef idx="2">
-            <a:schemeClr val="accent4"/>
-          </a:effectRef>
-          <a:fontRef idx="minor">
-            <a:schemeClr val="lt1"/>
-          </a:fontRef>
-        </p:style>
-        <p:txBody>
-          <a:bodyPr rtlCol="0" anchor="ctr"/>
-          <a:lstStyle/>
-          <a:p>
-            <a:pPr algn="ctr"/>
-            <a:r>
-              <a:rPr lang="en-US" altLang="zh-TW" sz="1200" dirty="0" err="1" smtClean="0">
-                <a:solidFill>
-                  <a:schemeClr val="bg1"/>
-                </a:solidFill>
-              </a:rPr>
-              <a:t>spidev</a:t>
-            </a:r>
-            <a:endParaRPr lang="zh-TW" altLang="en-US" sz="1200" dirty="0" smtClean="0">
-              <a:solidFill>
-                <a:schemeClr val="bg1"/>
-              </a:solidFill>
-            </a:endParaRPr>
-          </a:p>
-        </p:txBody>
-      </p:sp>
-      <p:cxnSp>
-        <p:nvCxnSpPr>
-          <p:cNvPr id="23" name="直線接點 22"/>
-          <p:cNvCxnSpPr/>
-          <p:nvPr/>
-        </p:nvCxnSpPr>
-        <p:spPr>
-          <a:xfrm>
-            <a:off x="251520" y="4513684"/>
-            <a:ext cx="4104456" cy="0"/>
-          </a:xfrm>
-          <a:prstGeom prst="line">
-            <a:avLst/>
-          </a:prstGeom>
-          <a:ln w="15875">
-            <a:solidFill>
-              <a:srgbClr val="C00000"/>
-            </a:solidFill>
-            <a:prstDash val="sysDot"/>
-          </a:ln>
-        </p:spPr>
-        <p:style>
-          <a:lnRef idx="1">
-            <a:schemeClr val="accent1"/>
-          </a:lnRef>
-          <a:fillRef idx="0">
-            <a:schemeClr val="accent1"/>
-          </a:fillRef>
-          <a:effectRef idx="0">
-            <a:schemeClr val="accent1"/>
-          </a:effectRef>
-          <a:fontRef idx="minor">
-            <a:schemeClr val="tx1"/>
-          </a:fontRef>
-        </p:style>
-      </p:cxnSp>
-      <p:sp>
-        <p:nvSpPr>
-          <p:cNvPr id="33" name="橢圓 32"/>
-          <p:cNvSpPr/>
-          <p:nvPr/>
-        </p:nvSpPr>
-        <p:spPr>
-          <a:xfrm>
-            <a:off x="2691408" y="3433564"/>
-            <a:ext cx="1584176" cy="576064"/>
-          </a:xfrm>
-          <a:prstGeom prst="ellipse">
-            <a:avLst/>
-          </a:prstGeom>
-        </p:spPr>
-        <p:style>
-          <a:lnRef idx="1">
-            <a:schemeClr val="accent5"/>
-          </a:lnRef>
-          <a:fillRef idx="2">
-            <a:schemeClr val="accent5"/>
-          </a:fillRef>
-          <a:effectRef idx="1">
-            <a:schemeClr val="accent5"/>
-          </a:effectRef>
-          <a:fontRef idx="minor">
-            <a:schemeClr val="dk1"/>
-          </a:fontRef>
-        </p:style>
-        <p:txBody>
-          <a:bodyPr rtlCol="0" anchor="ctr"/>
-          <a:lstStyle/>
-          <a:p>
-            <a:pPr algn="ctr"/>
-            <a:r>
-              <a:rPr lang="en-US" altLang="zh-TW" sz="1200" dirty="0" smtClean="0"/>
-              <a:t>i2c-adapter</a:t>
-            </a:r>
-          </a:p>
-          <a:p>
-            <a:pPr algn="ctr"/>
-            <a:r>
-              <a:rPr lang="en-US" altLang="zh-TW" sz="1200" dirty="0" smtClean="0"/>
-              <a:t>/algorithm</a:t>
-            </a:r>
-            <a:endParaRPr lang="zh-TW" altLang="en-US" sz="1200" dirty="0" smtClean="0"/>
-          </a:p>
-        </p:txBody>
-      </p:sp>
-      <p:sp>
-        <p:nvSpPr>
-          <p:cNvPr id="34" name="橢圓 33"/>
-          <p:cNvSpPr/>
-          <p:nvPr/>
-        </p:nvSpPr>
-        <p:spPr>
-          <a:xfrm>
-            <a:off x="2763416" y="3505572"/>
-            <a:ext cx="1584176" cy="576064"/>
-          </a:xfrm>
-          <a:prstGeom prst="ellipse">
-            <a:avLst/>
-          </a:prstGeom>
-        </p:spPr>
-        <p:style>
-          <a:lnRef idx="1">
-            <a:schemeClr val="accent5"/>
-          </a:lnRef>
-          <a:fillRef idx="2">
-            <a:schemeClr val="accent5"/>
-          </a:fillRef>
-          <a:effectRef idx="1">
-            <a:schemeClr val="accent5"/>
-          </a:effectRef>
-          <a:fontRef idx="minor">
-            <a:schemeClr val="dk1"/>
-          </a:fontRef>
-        </p:style>
-        <p:txBody>
-          <a:bodyPr rtlCol="0" anchor="ctr"/>
-          <a:lstStyle/>
-          <a:p>
-            <a:pPr algn="ctr"/>
-            <a:r>
-              <a:rPr lang="en-US" altLang="zh-TW" sz="1200" dirty="0" smtClean="0"/>
-              <a:t>i2c-adapter</a:t>
-            </a:r>
-          </a:p>
-          <a:p>
-            <a:pPr algn="ctr"/>
-            <a:r>
-              <a:rPr lang="en-US" altLang="zh-TW" sz="1200" dirty="0" smtClean="0"/>
-              <a:t>/algorithm</a:t>
-            </a:r>
-            <a:endParaRPr lang="zh-TW" altLang="en-US" sz="1200" dirty="0" smtClean="0"/>
-          </a:p>
-        </p:txBody>
-      </p:sp>
-      <p:sp>
-        <p:nvSpPr>
-          <p:cNvPr id="35" name="橢圓 34"/>
-          <p:cNvSpPr/>
-          <p:nvPr/>
-        </p:nvSpPr>
-        <p:spPr>
-          <a:xfrm>
-            <a:off x="2835424" y="3577580"/>
-            <a:ext cx="1584176" cy="576064"/>
-          </a:xfrm>
-          <a:prstGeom prst="ellipse">
-            <a:avLst/>
-          </a:prstGeom>
-        </p:spPr>
-        <p:style>
-          <a:lnRef idx="1">
-            <a:schemeClr val="accent5"/>
-          </a:lnRef>
-          <a:fillRef idx="2">
-            <a:schemeClr val="accent5"/>
-          </a:fillRef>
-          <a:effectRef idx="1">
-            <a:schemeClr val="accent5"/>
-          </a:effectRef>
-          <a:fontRef idx="minor">
-            <a:schemeClr val="dk1"/>
-          </a:fontRef>
-        </p:style>
-        <p:txBody>
-          <a:bodyPr rtlCol="0" anchor="ctr"/>
-          <a:lstStyle/>
-          <a:p>
-            <a:pPr algn="ctr"/>
-            <a:r>
-              <a:rPr lang="en-US" altLang="zh-TW" sz="1200" dirty="0" smtClean="0"/>
-              <a:t>i2c-adapter</a:t>
-            </a:r>
-          </a:p>
-          <a:p>
-            <a:pPr algn="ctr"/>
-            <a:r>
-              <a:rPr lang="en-US" altLang="zh-TW" sz="1200" dirty="0" smtClean="0"/>
-              <a:t>/algorithm</a:t>
-            </a:r>
-            <a:endParaRPr lang="zh-TW" altLang="en-US" sz="1200" dirty="0" smtClean="0"/>
-          </a:p>
-        </p:txBody>
-      </p:sp>
-      <p:sp>
-        <p:nvSpPr>
-          <p:cNvPr id="36" name="橢圓 35"/>
-          <p:cNvSpPr/>
-          <p:nvPr/>
-        </p:nvSpPr>
-        <p:spPr>
-          <a:xfrm>
-            <a:off x="2915816" y="3657972"/>
-            <a:ext cx="1584176" cy="576064"/>
-          </a:xfrm>
-          <a:prstGeom prst="ellipse">
-            <a:avLst/>
-          </a:prstGeom>
-        </p:spPr>
-        <p:style>
-          <a:lnRef idx="1">
-            <a:schemeClr val="accent5"/>
-          </a:lnRef>
-          <a:fillRef idx="2">
-            <a:schemeClr val="accent5"/>
-          </a:fillRef>
-          <a:effectRef idx="1">
-            <a:schemeClr val="accent5"/>
-          </a:effectRef>
-          <a:fontRef idx="minor">
-            <a:schemeClr val="dk1"/>
-          </a:fontRef>
-        </p:style>
-        <p:txBody>
-          <a:bodyPr rtlCol="0" anchor="ctr"/>
-          <a:lstStyle/>
-          <a:p>
-            <a:pPr algn="ctr"/>
-            <a:r>
-              <a:rPr lang="en-US" altLang="zh-TW" sz="1200" dirty="0" smtClean="0"/>
-              <a:t>SPI-master</a:t>
-            </a:r>
-            <a:endParaRPr lang="zh-TW" altLang="en-US" sz="1200" dirty="0" smtClean="0"/>
-          </a:p>
-        </p:txBody>
-      </p:sp>
-      <p:sp>
-        <p:nvSpPr>
-          <p:cNvPr id="37" name="矩形 36"/>
-          <p:cNvSpPr/>
-          <p:nvPr/>
-        </p:nvSpPr>
-        <p:spPr>
-          <a:xfrm>
-            <a:off x="827584" y="1633364"/>
-            <a:ext cx="1512168" cy="1008112"/>
-          </a:xfrm>
-          <a:prstGeom prst="rect">
-            <a:avLst/>
-          </a:prstGeom>
-          <a:noFill/>
-          <a:ln w="15875">
-            <a:solidFill>
-              <a:srgbClr val="7030A0"/>
-            </a:solidFill>
-            <a:prstDash val="dash"/>
-          </a:ln>
-        </p:spPr>
-        <p:style>
-          <a:lnRef idx="1">
-            <a:schemeClr val="accent1"/>
-          </a:lnRef>
-          <a:fillRef idx="3">
-            <a:schemeClr val="accent1"/>
-          </a:fillRef>
-          <a:effectRef idx="2">
-            <a:schemeClr val="accent1"/>
-          </a:effectRef>
-          <a:fontRef idx="minor">
-            <a:schemeClr val="lt1"/>
-          </a:fontRef>
-        </p:style>
-        <p:txBody>
-          <a:bodyPr rtlCol="0" anchor="ctr"/>
-          <a:lstStyle/>
-          <a:p>
-            <a:pPr algn="ctr"/>
-            <a:endParaRPr lang="zh-TW" altLang="en-US" dirty="0" smtClean="0"/>
-          </a:p>
-        </p:txBody>
-      </p:sp>
-      <p:sp>
-        <p:nvSpPr>
-          <p:cNvPr id="38" name="橢圓 37"/>
-          <p:cNvSpPr/>
-          <p:nvPr/>
-        </p:nvSpPr>
-        <p:spPr>
-          <a:xfrm>
-            <a:off x="899592" y="1705372"/>
-            <a:ext cx="1152128" cy="576064"/>
-          </a:xfrm>
-          <a:prstGeom prst="ellipse">
-            <a:avLst/>
-          </a:prstGeom>
-        </p:spPr>
-        <p:style>
-          <a:lnRef idx="1">
-            <a:schemeClr val="accent4"/>
-          </a:lnRef>
-          <a:fillRef idx="2">
-            <a:schemeClr val="accent4"/>
-          </a:fillRef>
-          <a:effectRef idx="1">
-            <a:schemeClr val="accent4"/>
-          </a:effectRef>
-          <a:fontRef idx="minor">
-            <a:schemeClr val="dk1"/>
-          </a:fontRef>
-        </p:style>
-        <p:txBody>
-          <a:bodyPr rtlCol="0" anchor="ctr"/>
-          <a:lstStyle/>
-          <a:p>
-            <a:pPr algn="ctr"/>
-            <a:r>
-              <a:rPr lang="en-US" altLang="zh-TW" sz="1200" dirty="0" smtClean="0"/>
-              <a:t>i2c-client</a:t>
-            </a:r>
-            <a:endParaRPr lang="zh-TW" altLang="en-US" sz="1200" dirty="0" smtClean="0"/>
-          </a:p>
-        </p:txBody>
-      </p:sp>
-      <p:sp>
-        <p:nvSpPr>
-          <p:cNvPr id="39" name="橢圓 38"/>
-          <p:cNvSpPr/>
-          <p:nvPr/>
-        </p:nvSpPr>
-        <p:spPr>
-          <a:xfrm>
-            <a:off x="971600" y="1777380"/>
-            <a:ext cx="1152128" cy="576064"/>
-          </a:xfrm>
-          <a:prstGeom prst="ellipse">
-            <a:avLst/>
-          </a:prstGeom>
-        </p:spPr>
-        <p:style>
-          <a:lnRef idx="1">
-            <a:schemeClr val="accent4"/>
-          </a:lnRef>
-          <a:fillRef idx="2">
-            <a:schemeClr val="accent4"/>
-          </a:fillRef>
-          <a:effectRef idx="1">
-            <a:schemeClr val="accent4"/>
-          </a:effectRef>
-          <a:fontRef idx="minor">
-            <a:schemeClr val="dk1"/>
-          </a:fontRef>
-        </p:style>
-        <p:txBody>
-          <a:bodyPr rtlCol="0" anchor="ctr"/>
-          <a:lstStyle/>
-          <a:p>
-            <a:pPr algn="ctr"/>
-            <a:r>
-              <a:rPr lang="en-US" altLang="zh-TW" sz="1200" dirty="0" smtClean="0"/>
-              <a:t>i2c-client</a:t>
-            </a:r>
-            <a:endParaRPr lang="zh-TW" altLang="en-US" sz="1200" dirty="0" smtClean="0"/>
-          </a:p>
-        </p:txBody>
-      </p:sp>
-      <p:sp>
-        <p:nvSpPr>
-          <p:cNvPr id="40" name="橢圓 39"/>
-          <p:cNvSpPr/>
-          <p:nvPr/>
-        </p:nvSpPr>
-        <p:spPr>
-          <a:xfrm>
-            <a:off x="1043608" y="1849388"/>
-            <a:ext cx="1152128" cy="576064"/>
-          </a:xfrm>
-          <a:prstGeom prst="ellipse">
-            <a:avLst/>
-          </a:prstGeom>
-        </p:spPr>
-        <p:style>
-          <a:lnRef idx="1">
-            <a:schemeClr val="accent4"/>
-          </a:lnRef>
-          <a:fillRef idx="2">
-            <a:schemeClr val="accent4"/>
-          </a:fillRef>
-          <a:effectRef idx="1">
-            <a:schemeClr val="accent4"/>
-          </a:effectRef>
-          <a:fontRef idx="minor">
-            <a:schemeClr val="dk1"/>
-          </a:fontRef>
-        </p:style>
-        <p:txBody>
-          <a:bodyPr rtlCol="0" anchor="ctr"/>
-          <a:lstStyle/>
-          <a:p>
-            <a:pPr algn="ctr"/>
-            <a:r>
-              <a:rPr lang="en-US" altLang="zh-TW" sz="1200" dirty="0" smtClean="0"/>
-              <a:t>i2c-client</a:t>
-            </a:r>
-            <a:endParaRPr lang="zh-TW" altLang="en-US" sz="1200" dirty="0" smtClean="0"/>
-          </a:p>
-        </p:txBody>
-      </p:sp>
-      <p:sp>
-        <p:nvSpPr>
-          <p:cNvPr id="41" name="橢圓 40"/>
-          <p:cNvSpPr/>
-          <p:nvPr/>
-        </p:nvSpPr>
-        <p:spPr>
-          <a:xfrm>
-            <a:off x="1115616" y="1921396"/>
-            <a:ext cx="1152128" cy="576064"/>
-          </a:xfrm>
-          <a:prstGeom prst="ellipse">
-            <a:avLst/>
-          </a:prstGeom>
-        </p:spPr>
-        <p:style>
-          <a:lnRef idx="1">
-            <a:schemeClr val="accent4"/>
-          </a:lnRef>
-          <a:fillRef idx="2">
-            <a:schemeClr val="accent4"/>
-          </a:fillRef>
-          <a:effectRef idx="1">
-            <a:schemeClr val="accent4"/>
-          </a:effectRef>
-          <a:fontRef idx="minor">
-            <a:schemeClr val="dk1"/>
-          </a:fontRef>
-        </p:style>
-        <p:txBody>
-          <a:bodyPr rtlCol="0" anchor="ctr"/>
-          <a:lstStyle/>
-          <a:p>
-            <a:pPr algn="ctr"/>
-            <a:r>
-              <a:rPr lang="en-US" altLang="zh-TW" sz="1200" dirty="0" smtClean="0"/>
-              <a:t>SPI-client</a:t>
-            </a:r>
-            <a:endParaRPr lang="zh-TW" altLang="en-US" sz="1200" dirty="0" smtClean="0"/>
-          </a:p>
-        </p:txBody>
-      </p:sp>
-      <p:sp>
-        <p:nvSpPr>
-          <p:cNvPr id="42" name="矩形 41"/>
-          <p:cNvSpPr/>
-          <p:nvPr/>
-        </p:nvSpPr>
-        <p:spPr>
-          <a:xfrm>
-            <a:off x="2627784" y="3361556"/>
-            <a:ext cx="1944216" cy="1008112"/>
-          </a:xfrm>
-          <a:prstGeom prst="rect">
-            <a:avLst/>
-          </a:prstGeom>
-          <a:noFill/>
-          <a:ln w="15875">
-            <a:solidFill>
-              <a:schemeClr val="tx2">
-                <a:lumMod val="60000"/>
-                <a:lumOff val="40000"/>
-              </a:schemeClr>
-            </a:solidFill>
-            <a:prstDash val="dash"/>
-          </a:ln>
-        </p:spPr>
-        <p:style>
-          <a:lnRef idx="1">
-            <a:schemeClr val="accent1"/>
-          </a:lnRef>
-          <a:fillRef idx="3">
-            <a:schemeClr val="accent1"/>
-          </a:fillRef>
-          <a:effectRef idx="2">
-            <a:schemeClr val="accent1"/>
-          </a:effectRef>
-          <a:fontRef idx="minor">
-            <a:schemeClr val="lt1"/>
-          </a:fontRef>
-        </p:style>
-        <p:txBody>
-          <a:bodyPr rtlCol="0" anchor="ctr"/>
-          <a:lstStyle/>
-          <a:p>
-            <a:pPr algn="ctr"/>
-            <a:endParaRPr lang="zh-TW" altLang="en-US" dirty="0" smtClean="0"/>
-          </a:p>
-        </p:txBody>
-      </p:sp>
-      <p:sp>
-        <p:nvSpPr>
-          <p:cNvPr id="43" name="矩形 42"/>
-          <p:cNvSpPr/>
-          <p:nvPr/>
-        </p:nvSpPr>
-        <p:spPr>
-          <a:xfrm>
-            <a:off x="2915816" y="4729708"/>
-            <a:ext cx="1368152" cy="432048"/>
-          </a:xfrm>
-          <a:prstGeom prst="rect">
-            <a:avLst/>
-          </a:prstGeom>
-        </p:spPr>
-        <p:style>
-          <a:lnRef idx="1">
-            <a:schemeClr val="accent5"/>
-          </a:lnRef>
-          <a:fillRef idx="3">
-            <a:schemeClr val="accent5"/>
-          </a:fillRef>
-          <a:effectRef idx="2">
-            <a:schemeClr val="accent5"/>
-          </a:effectRef>
-          <a:fontRef idx="minor">
-            <a:schemeClr val="lt1"/>
-          </a:fontRef>
-        </p:style>
-        <p:txBody>
-          <a:bodyPr rtlCol="0" anchor="ctr"/>
-          <a:lstStyle/>
-          <a:p>
-            <a:pPr algn="ctr"/>
-            <a:r>
-              <a:rPr lang="en-US" altLang="zh-TW" sz="1200" dirty="0" smtClean="0"/>
-              <a:t>SPI host controller</a:t>
-            </a:r>
-            <a:endParaRPr lang="zh-TW" altLang="en-US" sz="1200" dirty="0" smtClean="0"/>
-          </a:p>
-        </p:txBody>
-      </p:sp>
-      <p:cxnSp>
-        <p:nvCxnSpPr>
-          <p:cNvPr id="46" name="直線接點 45"/>
-          <p:cNvCxnSpPr/>
-          <p:nvPr/>
-        </p:nvCxnSpPr>
-        <p:spPr>
-          <a:xfrm>
-            <a:off x="2195736" y="4873724"/>
-            <a:ext cx="720080" cy="0"/>
-          </a:xfrm>
-          <a:prstGeom prst="line">
-            <a:avLst/>
-          </a:prstGeom>
-        </p:spPr>
-        <p:style>
-          <a:lnRef idx="1">
-            <a:schemeClr val="accent1"/>
-          </a:lnRef>
-          <a:fillRef idx="0">
-            <a:schemeClr val="accent1"/>
-          </a:fillRef>
-          <a:effectRef idx="0">
-            <a:schemeClr val="accent1"/>
-          </a:effectRef>
-          <a:fontRef idx="minor">
-            <a:schemeClr val="tx1"/>
-          </a:fontRef>
-        </p:style>
-      </p:cxnSp>
-      <p:cxnSp>
-        <p:nvCxnSpPr>
-          <p:cNvPr id="92" name="直線接點 91"/>
-          <p:cNvCxnSpPr/>
-          <p:nvPr/>
-        </p:nvCxnSpPr>
-        <p:spPr>
-          <a:xfrm>
-            <a:off x="2195736" y="4945732"/>
-            <a:ext cx="720080" cy="0"/>
-          </a:xfrm>
-          <a:prstGeom prst="line">
-            <a:avLst/>
-          </a:prstGeom>
-        </p:spPr>
-        <p:style>
-          <a:lnRef idx="1">
-            <a:schemeClr val="accent1"/>
-          </a:lnRef>
-          <a:fillRef idx="0">
-            <a:schemeClr val="accent1"/>
-          </a:fillRef>
-          <a:effectRef idx="0">
-            <a:schemeClr val="accent1"/>
-          </a:effectRef>
-          <a:fontRef idx="minor">
-            <a:schemeClr val="tx1"/>
-          </a:fontRef>
-        </p:style>
-      </p:cxnSp>
-      <p:cxnSp>
-        <p:nvCxnSpPr>
-          <p:cNvPr id="47" name="直線單箭頭接點 46"/>
-          <p:cNvCxnSpPr>
-            <a:stCxn id="37" idx="0"/>
-          </p:cNvCxnSpPr>
-          <p:nvPr/>
-        </p:nvCxnSpPr>
-        <p:spPr>
-          <a:xfrm flipV="1">
-            <a:off x="1583668" y="1273324"/>
-            <a:ext cx="0" cy="360040"/>
-          </a:xfrm>
-          <a:prstGeom prst="straightConnector1">
-            <a:avLst/>
-          </a:prstGeom>
-          <a:ln w="25400">
-            <a:headEnd type="arrow"/>
-            <a:tailEnd type="arrow"/>
-          </a:ln>
-        </p:spPr>
-        <p:style>
-          <a:lnRef idx="1">
-            <a:schemeClr val="accent1"/>
-          </a:lnRef>
-          <a:fillRef idx="0">
-            <a:schemeClr val="accent1"/>
-          </a:fillRef>
-          <a:effectRef idx="0">
-            <a:schemeClr val="accent1"/>
-          </a:effectRef>
-          <a:fontRef idx="minor">
-            <a:schemeClr val="tx1"/>
-          </a:fontRef>
-        </p:style>
-      </p:cxnSp>
-      <p:cxnSp>
-        <p:nvCxnSpPr>
-          <p:cNvPr id="49" name="直線單箭頭接點 48"/>
-          <p:cNvCxnSpPr>
-            <a:stCxn id="21" idx="0"/>
-          </p:cNvCxnSpPr>
-          <p:nvPr/>
-        </p:nvCxnSpPr>
-        <p:spPr>
-          <a:xfrm flipV="1">
-            <a:off x="3275856" y="1273324"/>
-            <a:ext cx="0" cy="504056"/>
-          </a:xfrm>
-          <a:prstGeom prst="straightConnector1">
-            <a:avLst/>
-          </a:prstGeom>
-          <a:ln w="25400">
-            <a:headEnd type="arrow"/>
-            <a:tailEnd type="arrow"/>
-          </a:ln>
-        </p:spPr>
-        <p:style>
-          <a:lnRef idx="1">
-            <a:schemeClr val="accent1"/>
-          </a:lnRef>
-          <a:fillRef idx="0">
-            <a:schemeClr val="accent1"/>
-          </a:fillRef>
-          <a:effectRef idx="0">
-            <a:schemeClr val="accent1"/>
-          </a:effectRef>
-          <a:fontRef idx="minor">
-            <a:schemeClr val="tx1"/>
-          </a:fontRef>
-        </p:style>
-      </p:cxnSp>
-      <p:cxnSp>
-        <p:nvCxnSpPr>
-          <p:cNvPr id="50" name="直線單箭頭接點 49"/>
-          <p:cNvCxnSpPr>
-            <a:stCxn id="20" idx="7"/>
-            <a:endCxn id="21" idx="4"/>
-          </p:cNvCxnSpPr>
-          <p:nvPr/>
-        </p:nvCxnSpPr>
-        <p:spPr>
-          <a:xfrm flipV="1">
-            <a:off x="2819099" y="2353444"/>
-            <a:ext cx="456757" cy="444403"/>
-          </a:xfrm>
-          <a:prstGeom prst="straightConnector1">
-            <a:avLst/>
-          </a:prstGeom>
-          <a:ln w="25400">
-            <a:solidFill>
-              <a:srgbClr val="C00000"/>
-            </a:solidFill>
-            <a:headEnd type="arrow"/>
-            <a:tailEnd type="arrow"/>
-          </a:ln>
-        </p:spPr>
-        <p:style>
-          <a:lnRef idx="1">
-            <a:schemeClr val="accent1"/>
-          </a:lnRef>
-          <a:fillRef idx="0">
-            <a:schemeClr val="accent1"/>
-          </a:fillRef>
-          <a:effectRef idx="0">
-            <a:schemeClr val="accent1"/>
-          </a:effectRef>
-          <a:fontRef idx="minor">
-            <a:schemeClr val="tx1"/>
-          </a:fontRef>
-        </p:style>
-      </p:cxnSp>
-      <p:cxnSp>
-        <p:nvCxnSpPr>
-          <p:cNvPr id="51" name="直線單箭頭接點 50"/>
-          <p:cNvCxnSpPr>
-            <a:stCxn id="37" idx="2"/>
-            <a:endCxn id="20" idx="1"/>
-          </p:cNvCxnSpPr>
-          <p:nvPr/>
-        </p:nvCxnSpPr>
-        <p:spPr>
-          <a:xfrm>
-            <a:off x="1583668" y="2641476"/>
-            <a:ext cx="420753" cy="156371"/>
-          </a:xfrm>
-          <a:prstGeom prst="straightConnector1">
-            <a:avLst/>
-          </a:prstGeom>
-          <a:ln w="25400">
-            <a:solidFill>
-              <a:srgbClr val="C00000"/>
-            </a:solidFill>
-            <a:headEnd type="arrow"/>
-            <a:tailEnd type="arrow"/>
-          </a:ln>
-        </p:spPr>
-        <p:style>
-          <a:lnRef idx="1">
-            <a:schemeClr val="accent1"/>
-          </a:lnRef>
-          <a:fillRef idx="0">
-            <a:schemeClr val="accent1"/>
-          </a:fillRef>
-          <a:effectRef idx="0">
-            <a:schemeClr val="accent1"/>
-          </a:effectRef>
-          <a:fontRef idx="minor">
-            <a:schemeClr val="tx1"/>
-          </a:fontRef>
-        </p:style>
-      </p:cxnSp>
-      <p:cxnSp>
-        <p:nvCxnSpPr>
-          <p:cNvPr id="52" name="直線單箭頭接點 51"/>
-          <p:cNvCxnSpPr>
-            <a:stCxn id="42" idx="0"/>
-            <a:endCxn id="20" idx="5"/>
-          </p:cNvCxnSpPr>
-          <p:nvPr/>
-        </p:nvCxnSpPr>
-        <p:spPr>
-          <a:xfrm flipH="1" flipV="1">
-            <a:off x="2819099" y="3205185"/>
-            <a:ext cx="780793" cy="156371"/>
-          </a:xfrm>
-          <a:prstGeom prst="straightConnector1">
-            <a:avLst/>
-          </a:prstGeom>
-          <a:ln w="25400">
-            <a:solidFill>
-              <a:srgbClr val="C00000"/>
-            </a:solidFill>
-            <a:headEnd type="arrow"/>
-            <a:tailEnd type="arrow"/>
-          </a:ln>
-        </p:spPr>
-        <p:style>
-          <a:lnRef idx="1">
-            <a:schemeClr val="accent1"/>
-          </a:lnRef>
-          <a:fillRef idx="0">
-            <a:schemeClr val="accent1"/>
-          </a:fillRef>
-          <a:effectRef idx="0">
-            <a:schemeClr val="accent1"/>
-          </a:effectRef>
-          <a:fontRef idx="minor">
-            <a:schemeClr val="tx1"/>
-          </a:fontRef>
-        </p:style>
-      </p:cxnSp>
-      <p:sp>
-        <p:nvSpPr>
-          <p:cNvPr id="56" name="文字方塊 55"/>
-          <p:cNvSpPr txBox="1"/>
-          <p:nvPr/>
-        </p:nvSpPr>
-        <p:spPr>
-          <a:xfrm>
-            <a:off x="35496" y="697260"/>
-            <a:ext cx="764953" cy="646331"/>
-          </a:xfrm>
-          <a:prstGeom prst="rect">
-            <a:avLst/>
-          </a:prstGeom>
-          <a:noFill/>
-        </p:spPr>
-        <p:txBody>
-          <a:bodyPr wrap="none" rtlCol="0">
-            <a:spAutoFit/>
-          </a:bodyPr>
-          <a:lstStyle/>
-          <a:p>
-            <a:r>
-              <a:rPr lang="en-US" altLang="zh-TW" b="1" dirty="0" smtClean="0">
-                <a:solidFill>
-                  <a:schemeClr val="tx2">
-                    <a:lumMod val="75000"/>
-                  </a:schemeClr>
-                </a:solidFill>
-              </a:rPr>
-              <a:t>user </a:t>
-            </a:r>
-            <a:br>
-              <a:rPr lang="en-US" altLang="zh-TW" b="1" dirty="0" smtClean="0">
-                <a:solidFill>
-                  <a:schemeClr val="tx2">
-                    <a:lumMod val="75000"/>
-                  </a:schemeClr>
-                </a:solidFill>
-              </a:rPr>
-            </a:br>
-            <a:r>
-              <a:rPr lang="en-US" altLang="zh-TW" b="1" dirty="0" smtClean="0">
-                <a:solidFill>
-                  <a:schemeClr val="tx2">
-                    <a:lumMod val="75000"/>
-                  </a:schemeClr>
-                </a:solidFill>
-              </a:rPr>
-              <a:t>space</a:t>
-            </a:r>
-            <a:endParaRPr lang="zh-TW" altLang="en-US" b="1" dirty="0">
-              <a:solidFill>
-                <a:schemeClr val="tx2">
-                  <a:lumMod val="75000"/>
-                </a:schemeClr>
-              </a:solidFill>
-            </a:endParaRPr>
-          </a:p>
-        </p:txBody>
-      </p:sp>
-      <p:sp>
-        <p:nvSpPr>
-          <p:cNvPr id="58" name="文字方塊 57"/>
-          <p:cNvSpPr txBox="1"/>
-          <p:nvPr/>
-        </p:nvSpPr>
-        <p:spPr>
-          <a:xfrm>
-            <a:off x="35496" y="1489348"/>
-            <a:ext cx="870751" cy="646331"/>
-          </a:xfrm>
-          <a:prstGeom prst="rect">
-            <a:avLst/>
-          </a:prstGeom>
-          <a:noFill/>
-        </p:spPr>
-        <p:txBody>
-          <a:bodyPr wrap="none" rtlCol="0">
-            <a:spAutoFit/>
-          </a:bodyPr>
-          <a:lstStyle/>
-          <a:p>
-            <a:r>
-              <a:rPr lang="en-US" altLang="zh-TW" b="1" dirty="0" smtClean="0">
-                <a:solidFill>
-                  <a:schemeClr val="accent2">
-                    <a:lumMod val="75000"/>
-                  </a:schemeClr>
-                </a:solidFill>
-              </a:rPr>
-              <a:t>kernel </a:t>
-            </a:r>
-            <a:br>
-              <a:rPr lang="en-US" altLang="zh-TW" b="1" dirty="0" smtClean="0">
-                <a:solidFill>
-                  <a:schemeClr val="accent2">
-                    <a:lumMod val="75000"/>
-                  </a:schemeClr>
-                </a:solidFill>
-              </a:rPr>
-            </a:br>
-            <a:r>
-              <a:rPr lang="en-US" altLang="zh-TW" b="1" dirty="0" smtClean="0">
-                <a:solidFill>
-                  <a:schemeClr val="accent2">
-                    <a:lumMod val="75000"/>
-                  </a:schemeClr>
-                </a:solidFill>
-              </a:rPr>
-              <a:t>space</a:t>
-            </a:r>
-            <a:endParaRPr lang="zh-TW" altLang="en-US" b="1" dirty="0">
-              <a:solidFill>
-                <a:schemeClr val="accent2">
-                  <a:lumMod val="75000"/>
-                </a:schemeClr>
-              </a:solidFill>
-            </a:endParaRPr>
-          </a:p>
-        </p:txBody>
-      </p:sp>
-      <p:sp>
-        <p:nvSpPr>
-          <p:cNvPr id="59" name="文字方塊 58"/>
-          <p:cNvSpPr txBox="1"/>
-          <p:nvPr/>
-        </p:nvSpPr>
-        <p:spPr>
-          <a:xfrm>
-            <a:off x="120593" y="4513684"/>
-            <a:ext cx="562975" cy="369332"/>
-          </a:xfrm>
-          <a:prstGeom prst="rect">
-            <a:avLst/>
-          </a:prstGeom>
-          <a:noFill/>
-        </p:spPr>
-        <p:txBody>
-          <a:bodyPr wrap="none" rtlCol="0">
-            <a:spAutoFit/>
-          </a:bodyPr>
-          <a:lstStyle/>
-          <a:p>
-            <a:r>
-              <a:rPr lang="en-US" altLang="zh-TW" b="1" dirty="0" smtClean="0">
-                <a:solidFill>
-                  <a:schemeClr val="accent3">
-                    <a:lumMod val="75000"/>
-                  </a:schemeClr>
-                </a:solidFill>
-              </a:rPr>
-              <a:t>HW</a:t>
-            </a:r>
-            <a:endParaRPr lang="zh-TW" altLang="en-US" b="1" dirty="0">
-              <a:solidFill>
-                <a:schemeClr val="accent3">
-                  <a:lumMod val="75000"/>
-                </a:schemeClr>
-              </a:solidFill>
-            </a:endParaRPr>
-          </a:p>
-        </p:txBody>
-      </p:sp>
-      <p:cxnSp>
-        <p:nvCxnSpPr>
-          <p:cNvPr id="61" name="直線單箭頭接點 60"/>
-          <p:cNvCxnSpPr>
-            <a:endCxn id="37" idx="2"/>
-          </p:cNvCxnSpPr>
-          <p:nvPr/>
-        </p:nvCxnSpPr>
-        <p:spPr>
-          <a:xfrm flipV="1">
-            <a:off x="1583668" y="2641476"/>
-            <a:ext cx="0" cy="2088232"/>
-          </a:xfrm>
-          <a:prstGeom prst="straightConnector1">
-            <a:avLst/>
-          </a:prstGeom>
-          <a:ln w="19050">
-            <a:solidFill>
-              <a:schemeClr val="bg2">
-                <a:lumMod val="75000"/>
-              </a:schemeClr>
-            </a:solidFill>
-            <a:prstDash val="sysDot"/>
-            <a:headEnd type="arrow"/>
-            <a:tailEnd type="arrow"/>
-          </a:ln>
-        </p:spPr>
-        <p:style>
-          <a:lnRef idx="1">
-            <a:schemeClr val="accent1"/>
-          </a:lnRef>
-          <a:fillRef idx="0">
-            <a:schemeClr val="accent1"/>
-          </a:fillRef>
-          <a:effectRef idx="0">
-            <a:schemeClr val="accent1"/>
-          </a:effectRef>
-          <a:fontRef idx="minor">
-            <a:schemeClr val="tx1"/>
-          </a:fontRef>
-        </p:style>
-      </p:cxnSp>
-      <p:cxnSp>
-        <p:nvCxnSpPr>
-          <p:cNvPr id="62" name="直線單箭頭接點 61"/>
-          <p:cNvCxnSpPr>
-            <a:stCxn id="43" idx="0"/>
-            <a:endCxn id="42" idx="2"/>
-          </p:cNvCxnSpPr>
-          <p:nvPr/>
-        </p:nvCxnSpPr>
-        <p:spPr>
-          <a:xfrm flipV="1">
-            <a:off x="3599892" y="4369668"/>
-            <a:ext cx="0" cy="360040"/>
-          </a:xfrm>
-          <a:prstGeom prst="straightConnector1">
-            <a:avLst/>
-          </a:prstGeom>
-          <a:ln w="25400">
-            <a:headEnd type="arrow"/>
-            <a:tailEnd type="arrow"/>
-          </a:ln>
-        </p:spPr>
-        <p:style>
-          <a:lnRef idx="1">
-            <a:schemeClr val="accent1"/>
-          </a:lnRef>
-          <a:fillRef idx="0">
-            <a:schemeClr val="accent1"/>
-          </a:fillRef>
-          <a:effectRef idx="0">
-            <a:schemeClr val="accent1"/>
-          </a:effectRef>
-          <a:fontRef idx="minor">
-            <a:schemeClr val="tx1"/>
-          </a:fontRef>
-        </p:style>
-      </p:cxnSp>
-      <p:sp>
-        <p:nvSpPr>
-          <p:cNvPr id="89" name="矩形 88"/>
-          <p:cNvSpPr/>
-          <p:nvPr/>
-        </p:nvSpPr>
-        <p:spPr>
-          <a:xfrm>
-            <a:off x="827584" y="985292"/>
-            <a:ext cx="3096344" cy="288032"/>
-          </a:xfrm>
-          <a:prstGeom prst="rect">
-            <a:avLst/>
-          </a:prstGeom>
-        </p:spPr>
-        <p:style>
-          <a:lnRef idx="1">
-            <a:schemeClr val="accent3"/>
-          </a:lnRef>
-          <a:fillRef idx="3">
-            <a:schemeClr val="accent3"/>
-          </a:fillRef>
-          <a:effectRef idx="2">
-            <a:schemeClr val="accent3"/>
-          </a:effectRef>
-          <a:fontRef idx="minor">
-            <a:schemeClr val="lt1"/>
-          </a:fontRef>
-        </p:style>
-        <p:txBody>
-          <a:bodyPr rtlCol="0" anchor="ctr"/>
-          <a:lstStyle/>
-          <a:p>
-            <a:pPr algn="ctr"/>
-            <a:r>
-              <a:rPr lang="zh-TW" altLang="en-US" sz="1200" dirty="0" smtClean="0"/>
-              <a:t>應用程式</a:t>
-            </a:r>
-          </a:p>
-        </p:txBody>
-      </p:sp>
-      <p:cxnSp>
-        <p:nvCxnSpPr>
-          <p:cNvPr id="71" name="直線單箭頭接點 70"/>
-          <p:cNvCxnSpPr>
-            <a:stCxn id="42" idx="1"/>
-          </p:cNvCxnSpPr>
-          <p:nvPr/>
-        </p:nvCxnSpPr>
-        <p:spPr>
-          <a:xfrm flipH="1" flipV="1">
-            <a:off x="1843761" y="3812188"/>
-            <a:ext cx="784023" cy="53424"/>
-          </a:xfrm>
-          <a:prstGeom prst="straightConnector1">
-            <a:avLst/>
-          </a:prstGeom>
-          <a:ln w="63500">
-            <a:solidFill>
-              <a:schemeClr val="accent5">
-                <a:lumMod val="75000"/>
-              </a:schemeClr>
-            </a:solidFill>
-            <a:tailEnd type="arrow"/>
-          </a:ln>
-        </p:spPr>
-        <p:style>
-          <a:lnRef idx="1">
-            <a:schemeClr val="accent1"/>
-          </a:lnRef>
-          <a:fillRef idx="0">
-            <a:schemeClr val="accent1"/>
-          </a:fillRef>
-          <a:effectRef idx="0">
-            <a:schemeClr val="accent1"/>
-          </a:effectRef>
-          <a:fontRef idx="minor">
-            <a:schemeClr val="tx1"/>
-          </a:fontRef>
-        </p:style>
-      </p:cxnSp>
-      <p:cxnSp>
-        <p:nvCxnSpPr>
-          <p:cNvPr id="53" name="直線接點 52"/>
-          <p:cNvCxnSpPr/>
-          <p:nvPr/>
-        </p:nvCxnSpPr>
-        <p:spPr>
-          <a:xfrm>
-            <a:off x="2195736" y="5017740"/>
-            <a:ext cx="720080" cy="0"/>
-          </a:xfrm>
-          <a:prstGeom prst="line">
-            <a:avLst/>
-          </a:prstGeom>
-        </p:spPr>
-        <p:style>
-          <a:lnRef idx="1">
-            <a:schemeClr val="accent1"/>
-          </a:lnRef>
-          <a:fillRef idx="0">
-            <a:schemeClr val="accent1"/>
-          </a:fillRef>
-          <a:effectRef idx="0">
-            <a:schemeClr val="accent1"/>
-          </a:effectRef>
-          <a:fontRef idx="minor">
-            <a:schemeClr val="tx1"/>
-          </a:fontRef>
-        </p:style>
-      </p:cxnSp>
-      <p:cxnSp>
-        <p:nvCxnSpPr>
-          <p:cNvPr id="54" name="直線接點 53"/>
-          <p:cNvCxnSpPr/>
-          <p:nvPr/>
-        </p:nvCxnSpPr>
-        <p:spPr>
-          <a:xfrm>
-            <a:off x="2195736" y="5089748"/>
-            <a:ext cx="720080" cy="0"/>
-          </a:xfrm>
-          <a:prstGeom prst="line">
-            <a:avLst/>
-          </a:prstGeom>
-        </p:spPr>
-        <p:style>
-          <a:lnRef idx="1">
-            <a:schemeClr val="accent1"/>
-          </a:lnRef>
-          <a:fillRef idx="0">
-            <a:schemeClr val="accent1"/>
-          </a:fillRef>
-          <a:effectRef idx="0">
-            <a:schemeClr val="accent1"/>
-          </a:effectRef>
-          <a:fontRef idx="minor">
-            <a:schemeClr val="tx1"/>
-          </a:fontRef>
-        </p:style>
-      </p:cxnSp>
-      <p:sp>
-        <p:nvSpPr>
-          <p:cNvPr id="55" name="矩形 54"/>
-          <p:cNvSpPr/>
-          <p:nvPr/>
-        </p:nvSpPr>
-        <p:spPr>
-          <a:xfrm>
-            <a:off x="899592" y="4729708"/>
-            <a:ext cx="1368152" cy="432048"/>
-          </a:xfrm>
-          <a:prstGeom prst="rect">
-            <a:avLst/>
-          </a:prstGeom>
-        </p:spPr>
-        <p:style>
-          <a:lnRef idx="1">
-            <a:schemeClr val="accent1"/>
-          </a:lnRef>
-          <a:fillRef idx="3">
-            <a:schemeClr val="accent1"/>
-          </a:fillRef>
-          <a:effectRef idx="2">
-            <a:schemeClr val="accent1"/>
-          </a:effectRef>
-          <a:fontRef idx="minor">
-            <a:schemeClr val="lt1"/>
-          </a:fontRef>
-        </p:style>
-        <p:txBody>
-          <a:bodyPr rtlCol="0" anchor="ctr"/>
-          <a:lstStyle/>
-          <a:p>
-            <a:pPr algn="ctr"/>
-            <a:r>
-              <a:rPr lang="en-US" altLang="zh-TW" sz="1200" dirty="0" smtClean="0"/>
-              <a:t>SPI client device</a:t>
-            </a:r>
-            <a:endParaRPr lang="zh-TW" altLang="en-US" sz="1200" dirty="0" smtClean="0"/>
+            <a:endParaRPr lang="zh-TW" altLang="en-US"/>
           </a:p>
         </p:txBody>
       </p:sp>
     </p:spTree>
-    <p:extLst>
-      <p:ext uri="{BB962C8B-B14F-4D97-AF65-F5344CB8AC3E}">
-        <p14:creationId xmlns="" xmlns:p14="http://schemas.microsoft.com/office/powerpoint/2010/main" val="2423379894"/>
-      </p:ext>
-    </p:extLst>
   </p:cSld>
   <p:clrMapOvr>
     <a:masterClrMapping/>
@@ -27805,86 +29001,7 @@
   <p:timing>
     <p:tnLst>
       <p:par>
-        <p:cTn id="1" dur="indefinite" restart="never" nodeType="tmRoot">
-          <p:childTnLst>
-            <p:seq concurrent="1" nextAc="seek">
-              <p:cTn id="2" dur="indefinite" nodeType="mainSeq">
-                <p:childTnLst>
-                  <p:par>
-                    <p:cTn id="3" fill="hold">
-                      <p:stCondLst>
-                        <p:cond delay="indefinite"/>
-                        <p:cond evt="onBegin" delay="0">
-                          <p:tn val="2"/>
-                        </p:cond>
-                      </p:stCondLst>
-                      <p:childTnLst>
-                        <p:par>
-                          <p:cTn id="4" fill="hold">
-                            <p:stCondLst>
-                              <p:cond delay="0"/>
-                            </p:stCondLst>
-                            <p:childTnLst>
-                              <p:par>
-                                <p:cTn id="5" presetID="4" presetClass="entr" presetSubtype="16" fill="hold" nodeType="afterEffect">
-                                  <p:stCondLst>
-                                    <p:cond delay="0"/>
-                                  </p:stCondLst>
-                                  <p:childTnLst>
-                                    <p:set>
-                                      <p:cBhvr>
-                                        <p:cTn id="6" dur="1" fill="hold">
-                                          <p:stCondLst>
-                                            <p:cond delay="0"/>
-                                          </p:stCondLst>
-                                        </p:cTn>
-                                        <p:tgtEl>
-                                          <p:spTgt spid="71"/>
-                                        </p:tgtEl>
-                                        <p:attrNameLst>
-                                          <p:attrName>style.visibility</p:attrName>
-                                        </p:attrNameLst>
-                                      </p:cBhvr>
-                                      <p:to>
-                                        <p:strVal val="visible"/>
-                                      </p:to>
-                                    </p:set>
-                                    <p:animEffect transition="in" filter="box(in)">
-                                      <p:cBhvr>
-                                        <p:cTn id="7" dur="1000"/>
-                                        <p:tgtEl>
-                                          <p:spTgt spid="71"/>
-                                        </p:tgtEl>
-                                      </p:cBhvr>
-                                    </p:animEffect>
-                                  </p:childTnLst>
-                                </p:cTn>
-                              </p:par>
-                            </p:childTnLst>
-                          </p:cTn>
-                        </p:par>
-                      </p:childTnLst>
-                    </p:cTn>
-                  </p:par>
-                </p:childTnLst>
-              </p:cTn>
-              <p:prevCondLst>
-                <p:cond evt="onPrev" delay="0">
-                  <p:tgtEl>
-                    <p:sldTgt/>
-                  </p:tgtEl>
-                </p:cond>
-              </p:prevCondLst>
-              <p:nextCondLst>
-                <p:cond evt="onNext" delay="0">
-                  <p:tgtEl>
-                    <p:sldTgt/>
-                  </p:tgtEl>
-                </p:cond>
-              </p:nextCondLst>
-            </p:seq>
-          </p:childTnLst>
-        </p:cTn>
+        <p:cTn id="1" dur="indefinite" restart="never" nodeType="tmRoot"/>
       </p:par>
     </p:tnLst>
   </p:timing>

--- a/spi_report_ben.pptx
+++ b/spi_report_ben.pptx
@@ -250,7 +250,7 @@
             <a:fld id="{325154A4-CA18-43B2-977D-6DF08BA83A3D}" type="datetimeFigureOut">
               <a:rPr lang="zh-TW" altLang="en-US" smtClean="0"/>
               <a:pPr/>
-              <a:t>2015/11/18</a:t>
+              <a:t>2015/11/20</a:t>
             </a:fld>
             <a:endParaRPr lang="zh-TW" altLang="en-US"/>
           </a:p>
@@ -326,7 +326,7 @@
     </p:spTree>
     <p:extLst>
       <p:ext uri="{BB962C8B-B14F-4D97-AF65-F5344CB8AC3E}">
-        <p14:creationId xmlns="" xmlns:p14="http://schemas.microsoft.com/office/powerpoint/2010/main" val="1745725823"/>
+        <p14:creationId xmlns:p14="http://schemas.microsoft.com/office/powerpoint/2010/main" xmlns="" val="1745725823"/>
       </p:ext>
     </p:extLst>
   </p:cSld>
@@ -417,7 +417,7 @@
             <a:fld id="{956157D8-F6D7-4F1C-8521-742A313DD9E2}" type="datetimeFigureOut">
               <a:rPr lang="zh-TW" altLang="en-US" smtClean="0"/>
               <a:pPr/>
-              <a:t>2015/11/18</a:t>
+              <a:t>2015/11/20</a:t>
             </a:fld>
             <a:endParaRPr lang="zh-TW" altLang="en-US"/>
           </a:p>
@@ -588,7 +588,7 @@
     </p:spTree>
     <p:extLst>
       <p:ext uri="{BB962C8B-B14F-4D97-AF65-F5344CB8AC3E}">
-        <p14:creationId xmlns="" xmlns:p14="http://schemas.microsoft.com/office/powerpoint/2010/main" val="3871340698"/>
+        <p14:creationId xmlns:p14="http://schemas.microsoft.com/office/powerpoint/2010/main" xmlns="" val="3871340698"/>
       </p:ext>
     </p:extLst>
   </p:cSld>
@@ -2217,7 +2217,7 @@
           <a:blip r:embed="rId2" cstate="print">
             <a:extLst>
               <a:ext uri="{28A0092B-C50C-407E-A947-70E740481C1C}">
-                <a14:useLocalDpi xmlns="" xmlns:a14="http://schemas.microsoft.com/office/drawing/2010/main" val="0"/>
+                <a14:useLocalDpi xmlns:a14="http://schemas.microsoft.com/office/drawing/2010/main" xmlns="" val="0"/>
               </a:ext>
             </a:extLst>
           </a:blip>
@@ -2583,7 +2583,7 @@
     </p:spTree>
     <p:extLst>
       <p:ext uri="{BB962C8B-B14F-4D97-AF65-F5344CB8AC3E}">
-        <p14:creationId xmlns="" xmlns:p14="http://schemas.microsoft.com/office/powerpoint/2010/main" val="1604652190"/>
+        <p14:creationId xmlns:p14="http://schemas.microsoft.com/office/powerpoint/2010/main" xmlns="" val="1604652190"/>
       </p:ext>
     </p:extLst>
   </p:cSld>
@@ -2629,7 +2629,7 @@
           <a:blip r:embed="rId2" cstate="print">
             <a:extLst>
               <a:ext uri="{28A0092B-C50C-407E-A947-70E740481C1C}">
-                <a14:useLocalDpi xmlns="" xmlns:a14="http://schemas.microsoft.com/office/drawing/2010/main" val="0"/>
+                <a14:useLocalDpi xmlns:a14="http://schemas.microsoft.com/office/drawing/2010/main" xmlns="" val="0"/>
               </a:ext>
             </a:extLst>
           </a:blip>
@@ -2717,7 +2717,7 @@
     </p:spTree>
     <p:extLst>
       <p:ext uri="{BB962C8B-B14F-4D97-AF65-F5344CB8AC3E}">
-        <p14:creationId xmlns="" xmlns:p14="http://schemas.microsoft.com/office/powerpoint/2010/main" val="3828523544"/>
+        <p14:creationId xmlns:p14="http://schemas.microsoft.com/office/powerpoint/2010/main" xmlns="" val="3828523544"/>
       </p:ext>
     </p:extLst>
   </p:cSld>
@@ -5672,7 +5672,7 @@
           <a:blip r:embed="rId10" cstate="print">
             <a:extLst>
               <a:ext uri="{28A0092B-C50C-407E-A947-70E740481C1C}">
-                <a14:useLocalDpi xmlns="" xmlns:a14="http://schemas.microsoft.com/office/drawing/2010/main" val="0"/>
+                <a14:useLocalDpi xmlns:a14="http://schemas.microsoft.com/office/drawing/2010/main" xmlns="" val="0"/>
               </a:ext>
             </a:extLst>
           </a:blip>
@@ -6371,7 +6371,7 @@
                 <a:tabLst/>
                 <a:defRPr/>
               </a:pPr>
-              <a:t>2015/11/18</a:t>
+              <a:t>2015/11/20</a:t>
             </a:fld>
             <a:endParaRPr kumimoji="0" lang="zh-TW" altLang="en-US" sz="1050" b="0" i="0" u="none" strike="noStrike" kern="1200" cap="none" spc="0" normalizeH="0" baseline="0" noProof="0" dirty="0">
               <a:ln>
@@ -6396,7 +6396,7 @@
     </p:spTree>
     <p:extLst>
       <p:ext uri="{BB962C8B-B14F-4D97-AF65-F5344CB8AC3E}">
-        <p14:creationId xmlns="" xmlns:p14="http://schemas.microsoft.com/office/powerpoint/2010/main" val="495258064"/>
+        <p14:creationId xmlns:p14="http://schemas.microsoft.com/office/powerpoint/2010/main" xmlns="" val="495258064"/>
       </p:ext>
     </p:extLst>
   </p:cSld>
@@ -6470,7 +6470,11 @@
             </a:r>
             <a:r>
               <a:rPr lang="zh-TW" altLang="en-US" dirty="0" smtClean="0"/>
-              <a:t>隊列化</a:t>
+              <a:t>隊列</a:t>
+            </a:r>
+            <a:r>
+              <a:rPr lang="zh-TW" altLang="en-US" dirty="0" smtClean="0"/>
+              <a:t>化</a:t>
             </a:r>
             <a:endParaRPr lang="zh-TW" altLang="en-US" dirty="0"/>
           </a:p>
@@ -7173,11 +7177,7 @@
             </a:r>
             <a:r>
               <a:rPr lang="en-US" altLang="zh-TW" sz="800" dirty="0" smtClean="0"/>
-              <a:t>(master-</a:t>
-            </a:r>
-            <a:r>
-              <a:rPr lang="en-US" altLang="zh-TW" sz="800" dirty="0" smtClean="0"/>
-              <a:t>&gt;</a:t>
+              <a:t>(master-&gt;</a:t>
             </a:r>
             <a:r>
               <a:rPr lang="en-US" altLang="zh-TW" sz="800" dirty="0" err="1" smtClean="0"/>
@@ -10250,7 +10250,7 @@
     </p:spTree>
     <p:extLst>
       <p:ext uri="{BB962C8B-B14F-4D97-AF65-F5344CB8AC3E}">
-        <p14:creationId xmlns="" xmlns:p14="http://schemas.microsoft.com/office/powerpoint/2010/main" val="1188013231"/>
+        <p14:creationId xmlns:p14="http://schemas.microsoft.com/office/powerpoint/2010/main" xmlns="" val="1188013231"/>
       </p:ext>
     </p:extLst>
   </p:cSld>
@@ -10333,7 +10333,7 @@
     </p:spTree>
     <p:extLst>
       <p:ext uri="{BB962C8B-B14F-4D97-AF65-F5344CB8AC3E}">
-        <p14:creationId xmlns="" xmlns:p14="http://schemas.microsoft.com/office/powerpoint/2010/main" val="1188013231"/>
+        <p14:creationId xmlns:p14="http://schemas.microsoft.com/office/powerpoint/2010/main" xmlns="" val="1188013231"/>
       </p:ext>
     </p:extLst>
   </p:cSld>
@@ -19669,9 +19669,10 @@
           <a:lstStyle/>
           <a:p>
             <a:r>
-              <a:rPr lang="en-US" altLang="zh-TW" dirty="0" smtClean="0"/>
-              <a:t>I2C</a:t>
-            </a:r>
+              <a:rPr lang="en-US" altLang="zh-TW" smtClean="0"/>
+              <a:t>SPI</a:t>
+            </a:r>
+            <a:endParaRPr lang="en-US" altLang="zh-TW" dirty="0" smtClean="0"/>
           </a:p>
           <a:p>
             <a:pPr lvl="1"/>
@@ -19802,7 +19803,7 @@
     </p:spTree>
     <p:extLst>
       <p:ext uri="{BB962C8B-B14F-4D97-AF65-F5344CB8AC3E}">
-        <p14:creationId xmlns:p14="http://schemas.microsoft.com/office/powerpoint/2010/main" xmlns="" val="3577142735"/>
+        <p14:creationId xmlns="" xmlns:p14="http://schemas.microsoft.com/office/powerpoint/2010/main" val="3577142735"/>
       </p:ext>
     </p:extLst>
   </p:cSld>
@@ -20782,7 +20783,7 @@
     </p:spTree>
     <p:extLst>
       <p:ext uri="{BB962C8B-B14F-4D97-AF65-F5344CB8AC3E}">
-        <p14:creationId xmlns="" xmlns:p14="http://schemas.microsoft.com/office/powerpoint/2010/main" val="1188013231"/>
+        <p14:creationId xmlns:p14="http://schemas.microsoft.com/office/powerpoint/2010/main" xmlns="" val="1188013231"/>
       </p:ext>
     </p:extLst>
   </p:cSld>
@@ -20928,7 +20929,7 @@
     </p:spTree>
     <p:extLst>
       <p:ext uri="{BB962C8B-B14F-4D97-AF65-F5344CB8AC3E}">
-        <p14:creationId xmlns="" xmlns:p14="http://schemas.microsoft.com/office/powerpoint/2010/main" val="1188013231"/>
+        <p14:creationId xmlns:p14="http://schemas.microsoft.com/office/powerpoint/2010/main" xmlns="" val="1188013231"/>
       </p:ext>
     </p:extLst>
   </p:cSld>
@@ -20965,7 +20966,7 @@
     </p:spTree>
     <p:extLst>
       <p:ext uri="{BB962C8B-B14F-4D97-AF65-F5344CB8AC3E}">
-        <p14:creationId xmlns="" xmlns:p14="http://schemas.microsoft.com/office/powerpoint/2010/main" val="553085013"/>
+        <p14:creationId xmlns:p14="http://schemas.microsoft.com/office/powerpoint/2010/main" xmlns="" val="553085013"/>
       </p:ext>
     </p:extLst>
   </p:cSld>
@@ -21336,7 +21337,7 @@
           <a:p>
             <a:r>
               <a:rPr lang="en-US" altLang="zh-TW" dirty="0" smtClean="0"/>
-              <a:t>I2C </a:t>
+              <a:t>SPI </a:t>
             </a:r>
             <a:r>
               <a:rPr lang="zh-TW" altLang="en-US" dirty="0" smtClean="0"/>
@@ -23016,7 +23017,6 @@
               <a:rPr lang="en-US" altLang="zh-TW" dirty="0" smtClean="0"/>
               <a:t>Linux Device Driver – SPI</a:t>
             </a:r>
-            <a:endParaRPr lang="en-US" altLang="zh-TW" dirty="0" smtClean="0"/>
           </a:p>
         </p:txBody>
       </p:sp>
@@ -23047,7 +23047,7 @@
     </p:spTree>
     <p:extLst>
       <p:ext uri="{BB962C8B-B14F-4D97-AF65-F5344CB8AC3E}">
-        <p14:creationId xmlns="" xmlns:p14="http://schemas.microsoft.com/office/powerpoint/2010/main" val="1188013231"/>
+        <p14:creationId xmlns:p14="http://schemas.microsoft.com/office/powerpoint/2010/main" xmlns="" val="1188013231"/>
       </p:ext>
     </p:extLst>
   </p:cSld>
@@ -24895,13 +24895,7 @@
               <a:rPr lang="zh-TW" altLang="en-US" sz="1000" b="1" dirty="0" smtClean="0">
                 <a:latin typeface="+mn-ea"/>
               </a:rPr>
-              <a:t>內的各</a:t>
-            </a:r>
-            <a:r>
-              <a:rPr lang="zh-TW" altLang="en-US" sz="1000" b="1" dirty="0" smtClean="0">
-                <a:latin typeface="+mn-ea"/>
-              </a:rPr>
-              <a:t>組</a:t>
+              <a:t>內的各組</a:t>
             </a:r>
             <a:r>
               <a:rPr lang="en-US" altLang="zh-TW" sz="1000" b="1" dirty="0" smtClean="0">
@@ -25017,18 +25011,7 @@
                 </a:solidFill>
                 <a:latin typeface="+mn-ea"/>
               </a:rPr>
-              <a:t>適配</a:t>
-            </a:r>
-            <a:r>
-              <a:rPr lang="zh-TW" altLang="en-US" sz="1000" b="1" dirty="0" smtClean="0">
-                <a:solidFill>
-                  <a:schemeClr val="accent5">
-                    <a:lumMod val="75000"/>
-                  </a:schemeClr>
-                </a:solidFill>
-                <a:latin typeface="+mn-ea"/>
-              </a:rPr>
-              <a:t>器</a:t>
+              <a:t>適配器</a:t>
             </a:r>
             <a:endParaRPr lang="en-US" altLang="zh-TW" sz="1000" b="1" dirty="0" smtClean="0">
               <a:solidFill>
@@ -25313,7 +25296,7 @@
     </p:spTree>
     <p:extLst>
       <p:ext uri="{BB962C8B-B14F-4D97-AF65-F5344CB8AC3E}">
-        <p14:creationId xmlns="" xmlns:p14="http://schemas.microsoft.com/office/powerpoint/2010/main" val="2423379894"/>
+        <p14:creationId xmlns:p14="http://schemas.microsoft.com/office/powerpoint/2010/main" xmlns="" val="2423379894"/>
       </p:ext>
     </p:extLst>
   </p:cSld>
@@ -28730,7 +28713,6 @@
               <a:rPr lang="en-US" altLang="zh-TW" dirty="0" smtClean="0"/>
               <a:t>SPI bus driver</a:t>
             </a:r>
-            <a:endParaRPr lang="en-US" altLang="zh-TW" dirty="0" smtClean="0"/>
           </a:p>
         </p:txBody>
       </p:sp>
@@ -28761,7 +28743,7 @@
     </p:spTree>
     <p:extLst>
       <p:ext uri="{BB962C8B-B14F-4D97-AF65-F5344CB8AC3E}">
-        <p14:creationId xmlns="" xmlns:p14="http://schemas.microsoft.com/office/powerpoint/2010/main" val="1188013231"/>
+        <p14:creationId xmlns:p14="http://schemas.microsoft.com/office/powerpoint/2010/main" xmlns="" val="1188013231"/>
       </p:ext>
     </p:extLst>
   </p:cSld>

--- a/spi_report_ben.pptx
+++ b/spi_report_ben.pptx
@@ -5,10 +5,10 @@
     <p:sldMasterId id="2147483648" r:id="rId1"/>
   </p:sldMasterIdLst>
   <p:notesMasterIdLst>
-    <p:notesMasterId r:id="rId35"/>
+    <p:notesMasterId r:id="rId36"/>
   </p:notesMasterIdLst>
   <p:handoutMasterIdLst>
-    <p:handoutMasterId r:id="rId36"/>
+    <p:handoutMasterId r:id="rId37"/>
   </p:handoutMasterIdLst>
   <p:sldIdLst>
     <p:sldId id="256" r:id="rId2"/>
@@ -26,47 +26,48 @@
     <p:sldId id="273" r:id="rId14"/>
     <p:sldId id="332" r:id="rId15"/>
     <p:sldId id="348" r:id="rId16"/>
-    <p:sldId id="334" r:id="rId17"/>
-    <p:sldId id="335" r:id="rId18"/>
-    <p:sldId id="336" r:id="rId19"/>
-    <p:sldId id="337" r:id="rId20"/>
-    <p:sldId id="338" r:id="rId21"/>
-    <p:sldId id="339" r:id="rId22"/>
-    <p:sldId id="340" r:id="rId23"/>
-    <p:sldId id="341" r:id="rId24"/>
-    <p:sldId id="342" r:id="rId25"/>
-    <p:sldId id="343" r:id="rId26"/>
-    <p:sldId id="344" r:id="rId27"/>
-    <p:sldId id="345" r:id="rId28"/>
-    <p:sldId id="315" r:id="rId29"/>
-    <p:sldId id="314" r:id="rId30"/>
-    <p:sldId id="258" r:id="rId31"/>
-    <p:sldId id="290" r:id="rId32"/>
-    <p:sldId id="350" r:id="rId33"/>
-    <p:sldId id="331" r:id="rId34"/>
+    <p:sldId id="353" r:id="rId17"/>
+    <p:sldId id="334" r:id="rId18"/>
+    <p:sldId id="335" r:id="rId19"/>
+    <p:sldId id="336" r:id="rId20"/>
+    <p:sldId id="337" r:id="rId21"/>
+    <p:sldId id="338" r:id="rId22"/>
+    <p:sldId id="339" r:id="rId23"/>
+    <p:sldId id="340" r:id="rId24"/>
+    <p:sldId id="341" r:id="rId25"/>
+    <p:sldId id="342" r:id="rId26"/>
+    <p:sldId id="343" r:id="rId27"/>
+    <p:sldId id="344" r:id="rId28"/>
+    <p:sldId id="345" r:id="rId29"/>
+    <p:sldId id="315" r:id="rId30"/>
+    <p:sldId id="314" r:id="rId31"/>
+    <p:sldId id="258" r:id="rId32"/>
+    <p:sldId id="290" r:id="rId33"/>
+    <p:sldId id="350" r:id="rId34"/>
+    <p:sldId id="331" r:id="rId35"/>
   </p:sldIdLst>
   <p:sldSz cx="9144000" cy="5715000" type="screen16x10"/>
   <p:notesSz cx="6858000" cy="9144000"/>
   <p:embeddedFontLst>
     <p:embeddedFont>
       <p:font typeface="Futura Bk BT"/>
-      <p:regular r:id="rId37"/>
+      <p:regular r:id="rId38"/>
     </p:embeddedFont>
     <p:embeddedFont>
       <p:font typeface="Arial Unicode MS" pitchFamily="34" charset="-120"/>
-      <p:regular r:id="rId38"/>
+      <p:regular r:id="rId39"/>
     </p:embeddedFont>
     <p:embeddedFont>
       <p:font typeface="微軟正黑體" pitchFamily="34" charset="-120"/>
-      <p:regular r:id="rId39"/>
-      <p:bold r:id="rId40"/>
+      <p:regular r:id="rId40"/>
+      <p:bold r:id="rId41"/>
     </p:embeddedFont>
     <p:embeddedFont>
       <p:font typeface="Calibri" pitchFamily="34" charset="0"/>
-      <p:regular r:id="rId41"/>
-      <p:bold r:id="rId42"/>
-      <p:italic r:id="rId43"/>
-      <p:boldItalic r:id="rId44"/>
+      <p:regular r:id="rId42"/>
+      <p:bold r:id="rId43"/>
+      <p:italic r:id="rId44"/>
+      <p:boldItalic r:id="rId45"/>
     </p:embeddedFont>
   </p:embeddedFontLst>
   <p:defaultTextStyle>
@@ -250,7 +251,7 @@
             <a:fld id="{325154A4-CA18-43B2-977D-6DF08BA83A3D}" type="datetimeFigureOut">
               <a:rPr lang="zh-TW" altLang="en-US" smtClean="0"/>
               <a:pPr/>
-              <a:t>2015/11/20</a:t>
+              <a:t>2015/11/25</a:t>
             </a:fld>
             <a:endParaRPr lang="zh-TW" altLang="en-US"/>
           </a:p>
@@ -326,7 +327,7 @@
     </p:spTree>
     <p:extLst>
       <p:ext uri="{BB962C8B-B14F-4D97-AF65-F5344CB8AC3E}">
-        <p14:creationId xmlns:p14="http://schemas.microsoft.com/office/powerpoint/2010/main" xmlns="" val="1745725823"/>
+        <p14:creationId xmlns="" xmlns:p14="http://schemas.microsoft.com/office/powerpoint/2010/main" val="1745725823"/>
       </p:ext>
     </p:extLst>
   </p:cSld>
@@ -417,7 +418,7 @@
             <a:fld id="{956157D8-F6D7-4F1C-8521-742A313DD9E2}" type="datetimeFigureOut">
               <a:rPr lang="zh-TW" altLang="en-US" smtClean="0"/>
               <a:pPr/>
-              <a:t>2015/11/20</a:t>
+              <a:t>2015/11/25</a:t>
             </a:fld>
             <a:endParaRPr lang="zh-TW" altLang="en-US"/>
           </a:p>
@@ -588,7 +589,7 @@
     </p:spTree>
     <p:extLst>
       <p:ext uri="{BB962C8B-B14F-4D97-AF65-F5344CB8AC3E}">
-        <p14:creationId xmlns:p14="http://schemas.microsoft.com/office/powerpoint/2010/main" xmlns="" val="3871340698"/>
+        <p14:creationId xmlns="" xmlns:p14="http://schemas.microsoft.com/office/powerpoint/2010/main" val="3871340698"/>
       </p:ext>
     </p:extLst>
   </p:cSld>
@@ -821,36 +822,6 @@
           </a:bodyPr>
           <a:lstStyle/>
           <a:p>
-            <a:pPr marL="0" marR="0" indent="0" algn="l" defTabSz="914400" rtl="0" eaLnBrk="1" fontAlgn="auto" latinLnBrk="0" hangingPunct="1">
-              <a:lnSpc>
-                <a:spcPct val="100000"/>
-              </a:lnSpc>
-              <a:spcBef>
-                <a:spcPts val="0"/>
-              </a:spcBef>
-              <a:spcAft>
-                <a:spcPts val="0"/>
-              </a:spcAft>
-              <a:buClrTx/>
-              <a:buSzTx/>
-              <a:buFontTx/>
-              <a:buNone/>
-              <a:tabLst/>
-              <a:defRPr/>
-            </a:pPr>
-            <a:r>
-              <a:rPr lang="en-US" altLang="zh-TW" sz="1200" kern="1200" baseline="0" dirty="0" smtClean="0">
-                <a:solidFill>
-                  <a:schemeClr val="tx1"/>
-                </a:solidFill>
-                <a:latin typeface="+mn-lt"/>
-                <a:ea typeface="+mn-ea"/>
-                <a:cs typeface="+mn-cs"/>
-              </a:rPr>
-              <a:t>CPHA, CPOL, should be set to match the protocol expected by the SPI slave device.</a:t>
-            </a:r>
-          </a:p>
-          <a:p>
             <a:endParaRPr lang="zh-TW" altLang="en-US" dirty="0"/>
           </a:p>
         </p:txBody>
@@ -873,7 +844,7 @@
             <a:fld id="{AF8DC78C-5E18-4B5E-A3A5-B4400BC2AE47}" type="slidenum">
               <a:rPr lang="zh-TW" altLang="en-US" smtClean="0"/>
               <a:pPr/>
-              <a:t>23</a:t>
+              <a:t>22</a:t>
             </a:fld>
             <a:endParaRPr lang="zh-TW" altLang="en-US"/>
           </a:p>
@@ -933,10 +904,36 @@
           </a:bodyPr>
           <a:lstStyle/>
           <a:p>
-            <a:r>
-              <a:rPr lang="en-US" altLang="zh-TW" dirty="0" smtClean="0"/>
-              <a:t>http://wiki.csie.ncku.edu.tw/embedded/I2C</a:t>
-            </a:r>
+            <a:pPr marL="0" marR="0" indent="0" algn="l" defTabSz="914400" rtl="0" eaLnBrk="1" fontAlgn="auto" latinLnBrk="0" hangingPunct="1">
+              <a:lnSpc>
+                <a:spcPct val="100000"/>
+              </a:lnSpc>
+              <a:spcBef>
+                <a:spcPts val="0"/>
+              </a:spcBef>
+              <a:spcAft>
+                <a:spcPts val="0"/>
+              </a:spcAft>
+              <a:buClrTx/>
+              <a:buSzTx/>
+              <a:buFontTx/>
+              <a:buNone/>
+              <a:tabLst/>
+              <a:defRPr/>
+            </a:pPr>
+            <a:r>
+              <a:rPr lang="en-US" altLang="zh-TW" sz="1200" kern="1200" baseline="0" dirty="0" smtClean="0">
+                <a:solidFill>
+                  <a:schemeClr val="tx1"/>
+                </a:solidFill>
+                <a:latin typeface="+mn-lt"/>
+                <a:ea typeface="+mn-ea"/>
+                <a:cs typeface="+mn-cs"/>
+              </a:rPr>
+              <a:t>CPHA, CPOL, should be set to match the protocol expected by the SPI slave device.</a:t>
+            </a:r>
+          </a:p>
+          <a:p>
             <a:endParaRPr lang="zh-TW" altLang="en-US" dirty="0"/>
           </a:p>
         </p:txBody>
@@ -959,7 +956,7 @@
             <a:fld id="{AF8DC78C-5E18-4B5E-A3A5-B4400BC2AE47}" type="slidenum">
               <a:rPr lang="zh-TW" altLang="en-US" smtClean="0"/>
               <a:pPr/>
-              <a:t>29</a:t>
+              <a:t>24</a:t>
             </a:fld>
             <a:endParaRPr lang="zh-TW" altLang="en-US"/>
           </a:p>
@@ -1021,7 +1018,7 @@
           <a:p>
             <a:r>
               <a:rPr lang="en-US" altLang="zh-TW" dirty="0" smtClean="0"/>
-              <a:t>Bpi : https://www.olimex.com/forum/index.php?topic=3809.0</a:t>
+              <a:t>http://wiki.csie.ncku.edu.tw/embedded/I2C</a:t>
             </a:r>
             <a:endParaRPr lang="zh-TW" altLang="en-US" dirty="0"/>
           </a:p>
@@ -1045,7 +1042,93 @@
             <a:fld id="{AF8DC78C-5E18-4B5E-A3A5-B4400BC2AE47}" type="slidenum">
               <a:rPr lang="zh-TW" altLang="en-US" smtClean="0"/>
               <a:pPr/>
-              <a:t>33</a:t>
+              <a:t>30</a:t>
+            </a:fld>
+            <a:endParaRPr lang="zh-TW" altLang="en-US"/>
+          </a:p>
+        </p:txBody>
+      </p:sp>
+    </p:spTree>
+  </p:cSld>
+  <p:clrMapOvr>
+    <a:masterClrMapping/>
+  </p:clrMapOvr>
+</p:notes>
+</file>
+
+<file path=ppt/notesSlides/notesSlide13.xml><?xml version="1.0" encoding="utf-8"?>
+<p:notes xmlns:a="http://schemas.openxmlformats.org/drawingml/2006/main" xmlns:r="http://schemas.openxmlformats.org/officeDocument/2006/relationships" xmlns:p="http://schemas.openxmlformats.org/presentationml/2006/main">
+  <p:cSld>
+    <p:spTree>
+      <p:nvGrpSpPr>
+        <p:cNvPr id="1" name=""/>
+        <p:cNvGrpSpPr/>
+        <p:nvPr/>
+      </p:nvGrpSpPr>
+      <p:grpSpPr>
+        <a:xfrm>
+          <a:off x="0" y="0"/>
+          <a:ext cx="0" cy="0"/>
+          <a:chOff x="0" y="0"/>
+          <a:chExt cx="0" cy="0"/>
+        </a:xfrm>
+      </p:grpSpPr>
+      <p:sp>
+        <p:nvSpPr>
+          <p:cNvPr id="2" name="投影片圖像版面配置區 1"/>
+          <p:cNvSpPr>
+            <a:spLocks noGrp="1" noRot="1" noChangeAspect="1"/>
+          </p:cNvSpPr>
+          <p:nvPr>
+            <p:ph type="sldImg"/>
+          </p:nvPr>
+        </p:nvSpPr>
+        <p:spPr/>
+      </p:sp>
+      <p:sp>
+        <p:nvSpPr>
+          <p:cNvPr id="3" name="備忘稿版面配置區 2"/>
+          <p:cNvSpPr>
+            <a:spLocks noGrp="1"/>
+          </p:cNvSpPr>
+          <p:nvPr>
+            <p:ph type="body" idx="1"/>
+          </p:nvPr>
+        </p:nvSpPr>
+        <p:spPr/>
+        <p:txBody>
+          <a:bodyPr>
+            <a:normAutofit/>
+          </a:bodyPr>
+          <a:lstStyle/>
+          <a:p>
+            <a:r>
+              <a:rPr lang="en-US" altLang="zh-TW" dirty="0" smtClean="0"/>
+              <a:t>Bpi : https://www.olimex.com/forum/index.php?topic=3809.0</a:t>
+            </a:r>
+            <a:endParaRPr lang="zh-TW" altLang="en-US" dirty="0"/>
+          </a:p>
+        </p:txBody>
+      </p:sp>
+      <p:sp>
+        <p:nvSpPr>
+          <p:cNvPr id="4" name="投影片編號版面配置區 3"/>
+          <p:cNvSpPr>
+            <a:spLocks noGrp="1"/>
+          </p:cNvSpPr>
+          <p:nvPr>
+            <p:ph type="sldNum" sz="quarter" idx="10"/>
+          </p:nvPr>
+        </p:nvSpPr>
+        <p:spPr/>
+        <p:txBody>
+          <a:bodyPr/>
+          <a:lstStyle/>
+          <a:p>
+            <a:fld id="{AF8DC78C-5E18-4B5E-A3A5-B4400BC2AE47}" type="slidenum">
+              <a:rPr lang="zh-TW" altLang="en-US" smtClean="0"/>
+              <a:pPr/>
+              <a:t>34</a:t>
             </a:fld>
             <a:endParaRPr lang="zh-TW" altLang="en-US"/>
           </a:p>
@@ -1665,7 +1748,7 @@
             <a:fld id="{AF8DC78C-5E18-4B5E-A3A5-B4400BC2AE47}" type="slidenum">
               <a:rPr lang="zh-TW" altLang="en-US" smtClean="0"/>
               <a:pPr/>
-              <a:t>10</a:t>
+              <a:t>9</a:t>
             </a:fld>
             <a:endParaRPr lang="zh-TW" altLang="en-US"/>
           </a:p>
@@ -1747,7 +1830,7 @@
             <a:fld id="{AF8DC78C-5E18-4B5E-A3A5-B4400BC2AE47}" type="slidenum">
               <a:rPr lang="zh-TW" altLang="en-US" smtClean="0"/>
               <a:pPr/>
-              <a:t>14</a:t>
+              <a:t>10</a:t>
             </a:fld>
             <a:endParaRPr lang="zh-TW" altLang="en-US"/>
           </a:p>
@@ -1807,6 +1890,88 @@
           </a:bodyPr>
           <a:lstStyle/>
           <a:p>
+            <a:endParaRPr lang="zh-TW" altLang="en-US" dirty="0"/>
+          </a:p>
+        </p:txBody>
+      </p:sp>
+      <p:sp>
+        <p:nvSpPr>
+          <p:cNvPr id="4" name="投影片編號版面配置區 3"/>
+          <p:cNvSpPr>
+            <a:spLocks noGrp="1"/>
+          </p:cNvSpPr>
+          <p:nvPr>
+            <p:ph type="sldNum" sz="quarter" idx="10"/>
+          </p:nvPr>
+        </p:nvSpPr>
+        <p:spPr/>
+        <p:txBody>
+          <a:bodyPr/>
+          <a:lstStyle/>
+          <a:p>
+            <a:fld id="{AF8DC78C-5E18-4B5E-A3A5-B4400BC2AE47}" type="slidenum">
+              <a:rPr lang="zh-TW" altLang="en-US" smtClean="0"/>
+              <a:pPr/>
+              <a:t>14</a:t>
+            </a:fld>
+            <a:endParaRPr lang="zh-TW" altLang="en-US"/>
+          </a:p>
+        </p:txBody>
+      </p:sp>
+    </p:spTree>
+  </p:cSld>
+  <p:clrMapOvr>
+    <a:masterClrMapping/>
+  </p:clrMapOvr>
+</p:notes>
+</file>
+
+<file path=ppt/notesSlides/notesSlide8.xml><?xml version="1.0" encoding="utf-8"?>
+<p:notes xmlns:a="http://schemas.openxmlformats.org/drawingml/2006/main" xmlns:r="http://schemas.openxmlformats.org/officeDocument/2006/relationships" xmlns:p="http://schemas.openxmlformats.org/presentationml/2006/main">
+  <p:cSld>
+    <p:spTree>
+      <p:nvGrpSpPr>
+        <p:cNvPr id="1" name=""/>
+        <p:cNvGrpSpPr/>
+        <p:nvPr/>
+      </p:nvGrpSpPr>
+      <p:grpSpPr>
+        <a:xfrm>
+          <a:off x="0" y="0"/>
+          <a:ext cx="0" cy="0"/>
+          <a:chOff x="0" y="0"/>
+          <a:chExt cx="0" cy="0"/>
+        </a:xfrm>
+      </p:grpSpPr>
+      <p:sp>
+        <p:nvSpPr>
+          <p:cNvPr id="2" name="投影片圖像版面配置區 1"/>
+          <p:cNvSpPr>
+            <a:spLocks noGrp="1" noRot="1" noChangeAspect="1"/>
+          </p:cNvSpPr>
+          <p:nvPr>
+            <p:ph type="sldImg"/>
+          </p:nvPr>
+        </p:nvSpPr>
+        <p:spPr/>
+      </p:sp>
+      <p:sp>
+        <p:nvSpPr>
+          <p:cNvPr id="3" name="備忘稿版面配置區 2"/>
+          <p:cNvSpPr>
+            <a:spLocks noGrp="1"/>
+          </p:cNvSpPr>
+          <p:nvPr>
+            <p:ph type="body" idx="1"/>
+          </p:nvPr>
+        </p:nvSpPr>
+        <p:spPr/>
+        <p:txBody>
+          <a:bodyPr>
+            <a:normAutofit/>
+          </a:bodyPr>
+          <a:lstStyle/>
+          <a:p>
             <a:pPr marL="0" marR="0" indent="0" algn="l" defTabSz="914400" rtl="0" eaLnBrk="1" fontAlgn="auto" latinLnBrk="0" hangingPunct="1">
               <a:lnSpc>
                 <a:spcPct val="100000"/>
@@ -1930,147 +2095,6 @@
             <a:fld id="{AF8DC78C-5E18-4B5E-A3A5-B4400BC2AE47}" type="slidenum">
               <a:rPr lang="zh-TW" altLang="en-US" smtClean="0"/>
               <a:pPr/>
-              <a:t>19</a:t>
-            </a:fld>
-            <a:endParaRPr lang="zh-TW" altLang="en-US"/>
-          </a:p>
-        </p:txBody>
-      </p:sp>
-    </p:spTree>
-  </p:cSld>
-  <p:clrMapOvr>
-    <a:masterClrMapping/>
-  </p:clrMapOvr>
-</p:notes>
-</file>
-
-<file path=ppt/notesSlides/notesSlide8.xml><?xml version="1.0" encoding="utf-8"?>
-<p:notes xmlns:a="http://schemas.openxmlformats.org/drawingml/2006/main" xmlns:r="http://schemas.openxmlformats.org/officeDocument/2006/relationships" xmlns:p="http://schemas.openxmlformats.org/presentationml/2006/main">
-  <p:cSld>
-    <p:spTree>
-      <p:nvGrpSpPr>
-        <p:cNvPr id="1" name=""/>
-        <p:cNvGrpSpPr/>
-        <p:nvPr/>
-      </p:nvGrpSpPr>
-      <p:grpSpPr>
-        <a:xfrm>
-          <a:off x="0" y="0"/>
-          <a:ext cx="0" cy="0"/>
-          <a:chOff x="0" y="0"/>
-          <a:chExt cx="0" cy="0"/>
-        </a:xfrm>
-      </p:grpSpPr>
-      <p:sp>
-        <p:nvSpPr>
-          <p:cNvPr id="2" name="投影片圖像版面配置區 1"/>
-          <p:cNvSpPr>
-            <a:spLocks noGrp="1" noRot="1" noChangeAspect="1"/>
-          </p:cNvSpPr>
-          <p:nvPr>
-            <p:ph type="sldImg"/>
-          </p:nvPr>
-        </p:nvSpPr>
-        <p:spPr/>
-      </p:sp>
-      <p:sp>
-        <p:nvSpPr>
-          <p:cNvPr id="3" name="備忘稿版面配置區 2"/>
-          <p:cNvSpPr>
-            <a:spLocks noGrp="1"/>
-          </p:cNvSpPr>
-          <p:nvPr>
-            <p:ph type="body" idx="1"/>
-          </p:nvPr>
-        </p:nvSpPr>
-        <p:spPr/>
-        <p:txBody>
-          <a:bodyPr>
-            <a:normAutofit/>
-          </a:bodyPr>
-          <a:lstStyle/>
-          <a:p>
-            <a:r>
-              <a:rPr lang="en-US" altLang="zh-TW" sz="1200" kern="1200" baseline="0" dirty="0" smtClean="0">
-                <a:solidFill>
-                  <a:schemeClr val="tx1"/>
-                </a:solidFill>
-                <a:latin typeface="+mn-lt"/>
-                <a:ea typeface="+mn-ea"/>
-                <a:cs typeface="+mn-cs"/>
-              </a:rPr>
-              <a:t>The soft reset signal would sustain </a:t>
-            </a:r>
-            <a:r>
-              <a:rPr lang="en-US" altLang="zh-TW" sz="1200" b="1" kern="1200" baseline="0" dirty="0" smtClean="0">
-                <a:solidFill>
-                  <a:schemeClr val="tx1"/>
-                </a:solidFill>
-                <a:latin typeface="+mn-lt"/>
-                <a:ea typeface="+mn-ea"/>
-                <a:cs typeface="+mn-cs"/>
-              </a:rPr>
-              <a:t>3 </a:t>
-            </a:r>
-            <a:r>
-              <a:rPr lang="en-US" altLang="zh-TW" sz="1200" b="1" kern="1200" baseline="0" dirty="0" err="1" smtClean="0">
-                <a:solidFill>
-                  <a:schemeClr val="tx1"/>
-                </a:solidFill>
-                <a:latin typeface="+mn-lt"/>
-                <a:ea typeface="+mn-ea"/>
-                <a:cs typeface="+mn-cs"/>
-              </a:rPr>
-              <a:t>pclk</a:t>
-            </a:r>
-            <a:r>
-              <a:rPr lang="en-US" altLang="zh-TW" sz="1200" b="1" kern="1200" baseline="0" dirty="0" smtClean="0">
-                <a:solidFill>
-                  <a:schemeClr val="tx1"/>
-                </a:solidFill>
-                <a:latin typeface="+mn-lt"/>
-                <a:ea typeface="+mn-ea"/>
-                <a:cs typeface="+mn-cs"/>
-              </a:rPr>
-              <a:t> cycles, during the reset period any access to</a:t>
-            </a:r>
-          </a:p>
-          <a:p>
-            <a:r>
-              <a:rPr lang="en-US" altLang="zh-TW" sz="1200" kern="1200" baseline="0" dirty="0" smtClean="0">
-                <a:solidFill>
-                  <a:schemeClr val="tx1"/>
-                </a:solidFill>
-                <a:latin typeface="+mn-lt"/>
-                <a:ea typeface="+mn-ea"/>
-                <a:cs typeface="+mn-cs"/>
-              </a:rPr>
-              <a:t>FIFO would be ignored.</a:t>
-            </a:r>
-          </a:p>
-          <a:p>
-            <a:endParaRPr lang="zh-TW" altLang="en-US" dirty="0"/>
-          </a:p>
-        </p:txBody>
-      </p:sp>
-      <p:sp>
-        <p:nvSpPr>
-          <p:cNvPr id="4" name="投影片編號版面配置區 3"/>
-          <p:cNvSpPr>
-            <a:spLocks noGrp="1"/>
-          </p:cNvSpPr>
-          <p:nvPr>
-            <p:ph type="sldNum" sz="quarter" idx="10"/>
-          </p:nvPr>
-        </p:nvSpPr>
-        <p:spPr/>
-        <p:txBody>
-          <a:bodyPr/>
-          <a:lstStyle/>
-          <a:p>
-            <a:fld id="{AF8DC78C-5E18-4B5E-A3A5-B4400BC2AE47}" type="slidenum">
-              <a:rPr lang="zh-TW" altLang="en-US" smtClean="0"/>
-              <a:pPr/>
               <a:t>20</a:t>
             </a:fld>
             <a:endParaRPr lang="zh-TW" altLang="en-US"/>
@@ -2130,6 +2154,65 @@
             <a:normAutofit/>
           </a:bodyPr>
           <a:lstStyle/>
+          <a:p>
+            <a:r>
+              <a:rPr lang="en-US" altLang="zh-TW" sz="1200" kern="1200" baseline="0" dirty="0" smtClean="0">
+                <a:solidFill>
+                  <a:schemeClr val="tx1"/>
+                </a:solidFill>
+                <a:latin typeface="+mn-lt"/>
+                <a:ea typeface="+mn-ea"/>
+                <a:cs typeface="+mn-cs"/>
+              </a:rPr>
+              <a:t>The soft reset signal would sustain </a:t>
+            </a:r>
+            <a:r>
+              <a:rPr lang="en-US" altLang="zh-TW" sz="1200" b="1" kern="1200" baseline="0" dirty="0" smtClean="0">
+                <a:solidFill>
+                  <a:schemeClr val="tx1"/>
+                </a:solidFill>
+                <a:latin typeface="+mn-lt"/>
+                <a:ea typeface="+mn-ea"/>
+                <a:cs typeface="+mn-cs"/>
+              </a:rPr>
+              <a:t>3 </a:t>
+            </a:r>
+            <a:r>
+              <a:rPr lang="en-US" altLang="zh-TW" sz="1200" b="1" kern="1200" baseline="0" dirty="0" err="1" smtClean="0">
+                <a:solidFill>
+                  <a:schemeClr val="tx1"/>
+                </a:solidFill>
+                <a:latin typeface="+mn-lt"/>
+                <a:ea typeface="+mn-ea"/>
+                <a:cs typeface="+mn-cs"/>
+              </a:rPr>
+              <a:t>pclk</a:t>
+            </a:r>
+            <a:r>
+              <a:rPr lang="en-US" altLang="zh-TW" sz="1200" b="1" kern="1200" baseline="0" dirty="0" smtClean="0">
+                <a:solidFill>
+                  <a:schemeClr val="tx1"/>
+                </a:solidFill>
+                <a:latin typeface="+mn-lt"/>
+                <a:ea typeface="+mn-ea"/>
+                <a:cs typeface="+mn-cs"/>
+              </a:rPr>
+              <a:t> cycles, during the reset period any access to</a:t>
+            </a:r>
+          </a:p>
+          <a:p>
+            <a:r>
+              <a:rPr lang="en-US" altLang="zh-TW" sz="1200" kern="1200" baseline="0" dirty="0" smtClean="0">
+                <a:solidFill>
+                  <a:schemeClr val="tx1"/>
+                </a:solidFill>
+                <a:latin typeface="+mn-lt"/>
+                <a:ea typeface="+mn-ea"/>
+                <a:cs typeface="+mn-cs"/>
+              </a:rPr>
+              <a:t>FIFO would be ignored.</a:t>
+            </a:r>
+          </a:p>
           <a:p>
             <a:endParaRPr lang="zh-TW" altLang="en-US" dirty="0"/>
           </a:p>
@@ -2217,7 +2300,7 @@
           <a:blip r:embed="rId2" cstate="print">
             <a:extLst>
               <a:ext uri="{28A0092B-C50C-407E-A947-70E740481C1C}">
-                <a14:useLocalDpi xmlns:a14="http://schemas.microsoft.com/office/drawing/2010/main" xmlns="" val="0"/>
+                <a14:useLocalDpi xmlns="" xmlns:a14="http://schemas.microsoft.com/office/drawing/2010/main" val="0"/>
               </a:ext>
             </a:extLst>
           </a:blip>
@@ -2583,7 +2666,7 @@
     </p:spTree>
     <p:extLst>
       <p:ext uri="{BB962C8B-B14F-4D97-AF65-F5344CB8AC3E}">
-        <p14:creationId xmlns:p14="http://schemas.microsoft.com/office/powerpoint/2010/main" xmlns="" val="1604652190"/>
+        <p14:creationId xmlns="" xmlns:p14="http://schemas.microsoft.com/office/powerpoint/2010/main" val="1604652190"/>
       </p:ext>
     </p:extLst>
   </p:cSld>
@@ -2629,7 +2712,7 @@
           <a:blip r:embed="rId2" cstate="print">
             <a:extLst>
               <a:ext uri="{28A0092B-C50C-407E-A947-70E740481C1C}">
-                <a14:useLocalDpi xmlns:a14="http://schemas.microsoft.com/office/drawing/2010/main" xmlns="" val="0"/>
+                <a14:useLocalDpi xmlns="" xmlns:a14="http://schemas.microsoft.com/office/drawing/2010/main" val="0"/>
               </a:ext>
             </a:extLst>
           </a:blip>
@@ -2717,7 +2800,7 @@
     </p:spTree>
     <p:extLst>
       <p:ext uri="{BB962C8B-B14F-4D97-AF65-F5344CB8AC3E}">
-        <p14:creationId xmlns:p14="http://schemas.microsoft.com/office/powerpoint/2010/main" xmlns="" val="3828523544"/>
+        <p14:creationId xmlns="" xmlns:p14="http://schemas.microsoft.com/office/powerpoint/2010/main" val="3828523544"/>
       </p:ext>
     </p:extLst>
   </p:cSld>
@@ -5672,7 +5755,7 @@
           <a:blip r:embed="rId10" cstate="print">
             <a:extLst>
               <a:ext uri="{28A0092B-C50C-407E-A947-70E740481C1C}">
-                <a14:useLocalDpi xmlns:a14="http://schemas.microsoft.com/office/drawing/2010/main" xmlns="" val="0"/>
+                <a14:useLocalDpi xmlns="" xmlns:a14="http://schemas.microsoft.com/office/drawing/2010/main" val="0"/>
               </a:ext>
             </a:extLst>
           </a:blip>
@@ -6371,7 +6454,7 @@
                 <a:tabLst/>
                 <a:defRPr/>
               </a:pPr>
-              <a:t>2015/11/20</a:t>
+              <a:t>2015/11/25</a:t>
             </a:fld>
             <a:endParaRPr kumimoji="0" lang="zh-TW" altLang="en-US" sz="1050" b="0" i="0" u="none" strike="noStrike" kern="1200" cap="none" spc="0" normalizeH="0" baseline="0" noProof="0" dirty="0">
               <a:ln>
@@ -6396,7 +6479,7 @@
     </p:spTree>
     <p:extLst>
       <p:ext uri="{BB962C8B-B14F-4D97-AF65-F5344CB8AC3E}">
-        <p14:creationId xmlns:p14="http://schemas.microsoft.com/office/powerpoint/2010/main" xmlns="" val="495258064"/>
+        <p14:creationId xmlns="" xmlns:p14="http://schemas.microsoft.com/office/powerpoint/2010/main" val="495258064"/>
       </p:ext>
     </p:extLst>
   </p:cSld>
@@ -6470,11 +6553,7 @@
             </a:r>
             <a:r>
               <a:rPr lang="zh-TW" altLang="en-US" dirty="0" smtClean="0"/>
-              <a:t>隊列</a:t>
-            </a:r>
-            <a:r>
-              <a:rPr lang="zh-TW" altLang="en-US" dirty="0" smtClean="0"/>
-              <a:t>化</a:t>
+              <a:t>隊列化</a:t>
             </a:r>
             <a:endParaRPr lang="zh-TW" altLang="en-US" dirty="0"/>
           </a:p>
@@ -10155,8 +10234,8 @@
         </p:blipFill>
         <p:spPr bwMode="auto">
           <a:xfrm>
-            <a:off x="179512" y="2857500"/>
-            <a:ext cx="2639739" cy="2444055"/>
+            <a:off x="179512" y="2834764"/>
+            <a:ext cx="2664296" cy="2466792"/>
           </a:xfrm>
           <a:prstGeom prst="rect">
             <a:avLst/>
@@ -10250,7 +10329,7 @@
     </p:spTree>
     <p:extLst>
       <p:ext uri="{BB962C8B-B14F-4D97-AF65-F5344CB8AC3E}">
-        <p14:creationId xmlns:p14="http://schemas.microsoft.com/office/powerpoint/2010/main" xmlns="" val="1188013231"/>
+        <p14:creationId xmlns="" xmlns:p14="http://schemas.microsoft.com/office/powerpoint/2010/main" val="1188013231"/>
       </p:ext>
     </p:extLst>
   </p:cSld>
@@ -10333,7 +10412,7 @@
     </p:spTree>
     <p:extLst>
       <p:ext uri="{BB962C8B-B14F-4D97-AF65-F5344CB8AC3E}">
-        <p14:creationId xmlns:p14="http://schemas.microsoft.com/office/powerpoint/2010/main" xmlns="" val="1188013231"/>
+        <p14:creationId xmlns="" xmlns:p14="http://schemas.microsoft.com/office/powerpoint/2010/main" val="1188013231"/>
       </p:ext>
     </p:extLst>
   </p:cSld>
@@ -19192,30 +19271,6 @@
       </p:grpSpPr>
       <p:sp>
         <p:nvSpPr>
-          <p:cNvPr id="2" name="內容版面配置區 1"/>
-          <p:cNvSpPr>
-            <a:spLocks noGrp="1"/>
-          </p:cNvSpPr>
-          <p:nvPr>
-            <p:ph sz="half" idx="2"/>
-          </p:nvPr>
-        </p:nvSpPr>
-        <p:spPr>
-          <a:xfrm>
-            <a:off x="4283968" y="697260"/>
-            <a:ext cx="4402832" cy="4608512"/>
-          </a:xfrm>
-        </p:spPr>
-        <p:txBody>
-          <a:bodyPr/>
-          <a:lstStyle/>
-          <a:p>
-            <a:endParaRPr lang="zh-TW" altLang="en-US" dirty="0"/>
-          </a:p>
-        </p:txBody>
-      </p:sp>
-      <p:sp>
-        <p:nvSpPr>
           <p:cNvPr id="3" name="標題 2"/>
           <p:cNvSpPr>
             <a:spLocks noGrp="1"/>
@@ -19226,51 +19281,919 @@
         </p:nvSpPr>
         <p:spPr/>
         <p:txBody>
-          <a:bodyPr>
-            <a:normAutofit/>
-          </a:bodyPr>
+          <a:bodyPr/>
           <a:lstStyle/>
           <a:p>
             <a:r>
               <a:rPr lang="en-US" altLang="zh-TW" dirty="0" smtClean="0"/>
-              <a:t>Registers Summary</a:t>
+              <a:t>SPI </a:t>
+            </a:r>
+            <a:r>
+              <a:rPr lang="en-US" altLang="zh-TW" dirty="0" smtClean="0"/>
+              <a:t>Bus Flow Chart</a:t>
             </a:r>
             <a:endParaRPr lang="zh-TW" altLang="en-US" dirty="0"/>
           </a:p>
         </p:txBody>
       </p:sp>
-      <p:pic>
-        <p:nvPicPr>
-          <p:cNvPr id="2050" name="Picture 2"/>
-          <p:cNvPicPr>
-            <a:picLocks noChangeAspect="1" noChangeArrowheads="1"/>
-          </p:cNvPicPr>
-          <p:nvPr/>
-        </p:nvPicPr>
-        <p:blipFill>
-          <a:blip r:embed="rId2" cstate="print"/>
-          <a:srcRect/>
-          <a:stretch>
-            <a:fillRect/>
-          </a:stretch>
-        </p:blipFill>
-        <p:spPr bwMode="auto">
-          <a:xfrm>
-            <a:off x="179512" y="697260"/>
-            <a:ext cx="4060933" cy="4587230"/>
-          </a:xfrm>
-          <a:prstGeom prst="rect">
-            <a:avLst/>
-          </a:prstGeom>
-          <a:noFill/>
-          <a:ln w="9525">
-            <a:noFill/>
-            <a:miter lim="800000"/>
-            <a:headEnd/>
-            <a:tailEnd/>
+      <p:sp>
+        <p:nvSpPr>
+          <p:cNvPr id="126" name="流程圖: 程序 125"/>
+          <p:cNvSpPr/>
+          <p:nvPr/>
+        </p:nvSpPr>
+        <p:spPr>
+          <a:xfrm>
+            <a:off x="1928568" y="2209428"/>
+            <a:ext cx="1080000" cy="360040"/>
+          </a:xfrm>
+          <a:prstGeom prst="flowChartProcess">
+            <a:avLst/>
+          </a:prstGeom>
+        </p:spPr>
+        <p:style>
+          <a:lnRef idx="1">
+            <a:schemeClr val="accent5"/>
+          </a:lnRef>
+          <a:fillRef idx="2">
+            <a:schemeClr val="accent5"/>
+          </a:fillRef>
+          <a:effectRef idx="1">
+            <a:schemeClr val="accent5"/>
+          </a:effectRef>
+          <a:fontRef idx="minor">
+            <a:schemeClr val="dk1"/>
+          </a:fontRef>
+        </p:style>
+        <p:txBody>
+          <a:bodyPr rtlCol="0" anchor="ctr"/>
+          <a:lstStyle/>
+          <a:p>
+            <a:pPr algn="ctr"/>
+            <a:endParaRPr lang="zh-TW" altLang="en-US" dirty="0" smtClean="0"/>
+          </a:p>
+        </p:txBody>
+      </p:sp>
+      <p:sp>
+        <p:nvSpPr>
+          <p:cNvPr id="143" name="流程圖: 決策 142"/>
+          <p:cNvSpPr/>
+          <p:nvPr/>
+        </p:nvSpPr>
+        <p:spPr>
+          <a:xfrm>
+            <a:off x="2015816" y="2929508"/>
+            <a:ext cx="900000" cy="540000"/>
+          </a:xfrm>
+          <a:prstGeom prst="flowChartDecision">
+            <a:avLst/>
+          </a:prstGeom>
+        </p:spPr>
+        <p:style>
+          <a:lnRef idx="1">
+            <a:schemeClr val="accent3"/>
+          </a:lnRef>
+          <a:fillRef idx="2">
+            <a:schemeClr val="accent3"/>
+          </a:fillRef>
+          <a:effectRef idx="1">
+            <a:schemeClr val="accent3"/>
+          </a:effectRef>
+          <a:fontRef idx="minor">
+            <a:schemeClr val="dk1"/>
+          </a:fontRef>
+        </p:style>
+        <p:txBody>
+          <a:bodyPr rtlCol="0" anchor="ctr"/>
+          <a:lstStyle/>
+          <a:p>
+            <a:pPr algn="ctr"/>
+            <a:endParaRPr lang="zh-TW" altLang="en-US" dirty="0" smtClean="0"/>
+          </a:p>
+        </p:txBody>
+      </p:sp>
+      <p:sp>
+        <p:nvSpPr>
+          <p:cNvPr id="145" name="流程圖: 文件 144"/>
+          <p:cNvSpPr/>
+          <p:nvPr/>
+        </p:nvSpPr>
+        <p:spPr>
+          <a:xfrm>
+            <a:off x="1079712" y="3577580"/>
+            <a:ext cx="900000" cy="540000"/>
+          </a:xfrm>
+          <a:prstGeom prst="flowChartDocument">
+            <a:avLst/>
+          </a:prstGeom>
+        </p:spPr>
+        <p:style>
+          <a:lnRef idx="1">
+            <a:schemeClr val="accent1"/>
+          </a:lnRef>
+          <a:fillRef idx="3">
+            <a:schemeClr val="accent1"/>
+          </a:fillRef>
+          <a:effectRef idx="2">
+            <a:schemeClr val="accent1"/>
+          </a:effectRef>
+          <a:fontRef idx="minor">
+            <a:schemeClr val="lt1"/>
+          </a:fontRef>
+        </p:style>
+        <p:txBody>
+          <a:bodyPr rtlCol="0" anchor="ctr"/>
+          <a:lstStyle/>
+          <a:p>
+            <a:pPr algn="ctr"/>
+            <a:endParaRPr lang="zh-TW" altLang="en-US" dirty="0" smtClean="0"/>
+          </a:p>
+        </p:txBody>
+      </p:sp>
+      <p:sp>
+        <p:nvSpPr>
+          <p:cNvPr id="146" name="流程圖: 直接存取儲存裝置 145"/>
+          <p:cNvSpPr/>
+          <p:nvPr/>
+        </p:nvSpPr>
+        <p:spPr>
+          <a:xfrm>
+            <a:off x="3167944" y="3577580"/>
+            <a:ext cx="900000" cy="540000"/>
+          </a:xfrm>
+          <a:prstGeom prst="flowChartMagneticDrum">
+            <a:avLst/>
+          </a:prstGeom>
+        </p:spPr>
+        <p:style>
+          <a:lnRef idx="1">
+            <a:schemeClr val="accent1"/>
+          </a:lnRef>
+          <a:fillRef idx="3">
+            <a:schemeClr val="accent1"/>
+          </a:fillRef>
+          <a:effectRef idx="2">
+            <a:schemeClr val="accent1"/>
+          </a:effectRef>
+          <a:fontRef idx="minor">
+            <a:schemeClr val="lt1"/>
+          </a:fontRef>
+        </p:style>
+        <p:txBody>
+          <a:bodyPr rtlCol="0" anchor="ctr"/>
+          <a:lstStyle/>
+          <a:p>
+            <a:pPr algn="ctr"/>
+            <a:endParaRPr lang="zh-TW" altLang="en-US" dirty="0" smtClean="0"/>
+          </a:p>
+        </p:txBody>
+      </p:sp>
+      <p:sp>
+        <p:nvSpPr>
+          <p:cNvPr id="147" name="流程圖: 程序 146"/>
+          <p:cNvSpPr/>
+          <p:nvPr/>
+        </p:nvSpPr>
+        <p:spPr>
+          <a:xfrm>
+            <a:off x="1943808" y="4297660"/>
+            <a:ext cx="1080000" cy="360040"/>
+          </a:xfrm>
+          <a:prstGeom prst="flowChartProcess">
+            <a:avLst/>
+          </a:prstGeom>
+        </p:spPr>
+        <p:style>
+          <a:lnRef idx="1">
+            <a:schemeClr val="accent5"/>
+          </a:lnRef>
+          <a:fillRef idx="2">
+            <a:schemeClr val="accent5"/>
+          </a:fillRef>
+          <a:effectRef idx="1">
+            <a:schemeClr val="accent5"/>
+          </a:effectRef>
+          <a:fontRef idx="minor">
+            <a:schemeClr val="dk1"/>
+          </a:fontRef>
+        </p:style>
+        <p:txBody>
+          <a:bodyPr rtlCol="0" anchor="ctr"/>
+          <a:lstStyle/>
+          <a:p>
+            <a:pPr algn="ctr"/>
+            <a:endParaRPr lang="zh-TW" altLang="en-US" dirty="0" smtClean="0"/>
+          </a:p>
+        </p:txBody>
+      </p:sp>
+      <p:sp>
+        <p:nvSpPr>
+          <p:cNvPr id="148" name="流程圖: 程序 147"/>
+          <p:cNvSpPr/>
+          <p:nvPr/>
+        </p:nvSpPr>
+        <p:spPr>
+          <a:xfrm>
+            <a:off x="5721212" y="1489348"/>
+            <a:ext cx="1080000" cy="360040"/>
+          </a:xfrm>
+          <a:prstGeom prst="flowChartProcess">
+            <a:avLst/>
+          </a:prstGeom>
+        </p:spPr>
+        <p:style>
+          <a:lnRef idx="1">
+            <a:schemeClr val="accent5"/>
+          </a:lnRef>
+          <a:fillRef idx="2">
+            <a:schemeClr val="accent5"/>
+          </a:fillRef>
+          <a:effectRef idx="1">
+            <a:schemeClr val="accent5"/>
+          </a:effectRef>
+          <a:fontRef idx="minor">
+            <a:schemeClr val="dk1"/>
+          </a:fontRef>
+        </p:style>
+        <p:txBody>
+          <a:bodyPr rtlCol="0" anchor="ctr"/>
+          <a:lstStyle/>
+          <a:p>
+            <a:pPr algn="ctr"/>
+            <a:endParaRPr lang="zh-TW" altLang="en-US" dirty="0" smtClean="0"/>
+          </a:p>
+        </p:txBody>
+      </p:sp>
+      <p:sp>
+        <p:nvSpPr>
+          <p:cNvPr id="149" name="流程圖: 決策 148"/>
+          <p:cNvSpPr/>
+          <p:nvPr/>
+        </p:nvSpPr>
+        <p:spPr>
+          <a:xfrm>
+            <a:off x="5811376" y="2353444"/>
+            <a:ext cx="900000" cy="540000"/>
+          </a:xfrm>
+          <a:prstGeom prst="flowChartDecision">
+            <a:avLst/>
+          </a:prstGeom>
+        </p:spPr>
+        <p:style>
+          <a:lnRef idx="1">
+            <a:schemeClr val="accent3"/>
+          </a:lnRef>
+          <a:fillRef idx="2">
+            <a:schemeClr val="accent3"/>
+          </a:fillRef>
+          <a:effectRef idx="1">
+            <a:schemeClr val="accent3"/>
+          </a:effectRef>
+          <a:fontRef idx="minor">
+            <a:schemeClr val="dk1"/>
+          </a:fontRef>
+        </p:style>
+        <p:txBody>
+          <a:bodyPr rtlCol="0" anchor="ctr"/>
+          <a:lstStyle/>
+          <a:p>
+            <a:pPr algn="ctr"/>
+            <a:endParaRPr lang="zh-TW" altLang="en-US" dirty="0" smtClean="0"/>
+          </a:p>
+        </p:txBody>
+      </p:sp>
+      <p:sp>
+        <p:nvSpPr>
+          <p:cNvPr id="150" name="流程圖: 決策 149"/>
+          <p:cNvSpPr/>
+          <p:nvPr/>
+        </p:nvSpPr>
+        <p:spPr>
+          <a:xfrm>
+            <a:off x="5811376" y="3322692"/>
+            <a:ext cx="900000" cy="540000"/>
+          </a:xfrm>
+          <a:prstGeom prst="flowChartDecision">
+            <a:avLst/>
+          </a:prstGeom>
+        </p:spPr>
+        <p:style>
+          <a:lnRef idx="1">
+            <a:schemeClr val="accent3"/>
+          </a:lnRef>
+          <a:fillRef idx="2">
+            <a:schemeClr val="accent3"/>
+          </a:fillRef>
+          <a:effectRef idx="1">
+            <a:schemeClr val="accent3"/>
+          </a:effectRef>
+          <a:fontRef idx="minor">
+            <a:schemeClr val="dk1"/>
+          </a:fontRef>
+        </p:style>
+        <p:txBody>
+          <a:bodyPr rtlCol="0" anchor="ctr"/>
+          <a:lstStyle/>
+          <a:p>
+            <a:pPr algn="ctr"/>
+            <a:endParaRPr lang="zh-TW" altLang="en-US" dirty="0" smtClean="0"/>
+          </a:p>
+        </p:txBody>
+      </p:sp>
+      <p:sp>
+        <p:nvSpPr>
+          <p:cNvPr id="151" name="流程圖: 結束點 150"/>
+          <p:cNvSpPr/>
+          <p:nvPr/>
+        </p:nvSpPr>
+        <p:spPr>
+          <a:xfrm>
+            <a:off x="5724248" y="4225692"/>
+            <a:ext cx="1080000" cy="360000"/>
+          </a:xfrm>
+          <a:prstGeom prst="flowChartTerminator">
+            <a:avLst/>
+          </a:prstGeom>
+        </p:spPr>
+        <p:style>
+          <a:lnRef idx="1">
+            <a:schemeClr val="accent1"/>
+          </a:lnRef>
+          <a:fillRef idx="2">
+            <a:schemeClr val="accent1"/>
+          </a:fillRef>
+          <a:effectRef idx="1">
+            <a:schemeClr val="accent1"/>
+          </a:effectRef>
+          <a:fontRef idx="minor">
+            <a:schemeClr val="dk1"/>
+          </a:fontRef>
+        </p:style>
+        <p:txBody>
+          <a:bodyPr rtlCol="0" anchor="ctr"/>
+          <a:lstStyle/>
+          <a:p>
+            <a:pPr algn="ctr"/>
+            <a:r>
+              <a:rPr lang="en-US" altLang="zh-TW" sz="1400" dirty="0" smtClean="0"/>
+              <a:t>complete</a:t>
+            </a:r>
+            <a:endParaRPr lang="zh-TW" altLang="en-US" sz="1400" dirty="0" smtClean="0"/>
+          </a:p>
+        </p:txBody>
+      </p:sp>
+      <p:cxnSp>
+        <p:nvCxnSpPr>
+          <p:cNvPr id="153" name="直線單箭頭接點 152"/>
+          <p:cNvCxnSpPr>
+            <a:stCxn id="148" idx="2"/>
+            <a:endCxn id="149" idx="0"/>
+          </p:cNvCxnSpPr>
+          <p:nvPr/>
+        </p:nvCxnSpPr>
+        <p:spPr>
+          <a:xfrm>
+            <a:off x="6261212" y="1849388"/>
+            <a:ext cx="164" cy="504056"/>
+          </a:xfrm>
+          <a:prstGeom prst="straightConnector1">
+            <a:avLst/>
+          </a:prstGeom>
+          <a:ln>
+            <a:tailEnd type="arrow"/>
           </a:ln>
         </p:spPr>
-      </p:pic>
+        <p:style>
+          <a:lnRef idx="1">
+            <a:schemeClr val="accent1"/>
+          </a:lnRef>
+          <a:fillRef idx="0">
+            <a:schemeClr val="accent1"/>
+          </a:fillRef>
+          <a:effectRef idx="0">
+            <a:schemeClr val="accent1"/>
+          </a:effectRef>
+          <a:fontRef idx="minor">
+            <a:schemeClr val="tx1"/>
+          </a:fontRef>
+        </p:style>
+      </p:cxnSp>
+      <p:cxnSp>
+        <p:nvCxnSpPr>
+          <p:cNvPr id="157" name="直線單箭頭接點 156"/>
+          <p:cNvCxnSpPr>
+            <a:stCxn id="149" idx="2"/>
+            <a:endCxn id="150" idx="0"/>
+          </p:cNvCxnSpPr>
+          <p:nvPr/>
+        </p:nvCxnSpPr>
+        <p:spPr>
+          <a:xfrm>
+            <a:off x="6261376" y="2893444"/>
+            <a:ext cx="0" cy="429248"/>
+          </a:xfrm>
+          <a:prstGeom prst="straightConnector1">
+            <a:avLst/>
+          </a:prstGeom>
+          <a:ln>
+            <a:tailEnd type="arrow"/>
+          </a:ln>
+        </p:spPr>
+        <p:style>
+          <a:lnRef idx="1">
+            <a:schemeClr val="accent1"/>
+          </a:lnRef>
+          <a:fillRef idx="0">
+            <a:schemeClr val="accent1"/>
+          </a:fillRef>
+          <a:effectRef idx="0">
+            <a:schemeClr val="accent1"/>
+          </a:effectRef>
+          <a:fontRef idx="minor">
+            <a:schemeClr val="tx1"/>
+          </a:fontRef>
+        </p:style>
+      </p:cxnSp>
+      <p:cxnSp>
+        <p:nvCxnSpPr>
+          <p:cNvPr id="159" name="直線單箭頭接點 158"/>
+          <p:cNvCxnSpPr>
+            <a:stCxn id="150" idx="2"/>
+            <a:endCxn id="151" idx="0"/>
+          </p:cNvCxnSpPr>
+          <p:nvPr/>
+        </p:nvCxnSpPr>
+        <p:spPr>
+          <a:xfrm>
+            <a:off x="6261376" y="3862692"/>
+            <a:ext cx="2872" cy="363000"/>
+          </a:xfrm>
+          <a:prstGeom prst="straightConnector1">
+            <a:avLst/>
+          </a:prstGeom>
+          <a:ln>
+            <a:tailEnd type="arrow"/>
+          </a:ln>
+        </p:spPr>
+        <p:style>
+          <a:lnRef idx="1">
+            <a:schemeClr val="accent1"/>
+          </a:lnRef>
+          <a:fillRef idx="0">
+            <a:schemeClr val="accent1"/>
+          </a:fillRef>
+          <a:effectRef idx="0">
+            <a:schemeClr val="accent1"/>
+          </a:effectRef>
+          <a:fontRef idx="minor">
+            <a:schemeClr val="tx1"/>
+          </a:fontRef>
+        </p:style>
+      </p:cxnSp>
+      <p:cxnSp>
+        <p:nvCxnSpPr>
+          <p:cNvPr id="164" name="肘形接點 163"/>
+          <p:cNvCxnSpPr>
+            <a:stCxn id="149" idx="3"/>
+            <a:endCxn id="148" idx="3"/>
+          </p:cNvCxnSpPr>
+          <p:nvPr/>
+        </p:nvCxnSpPr>
+        <p:spPr>
+          <a:xfrm flipV="1">
+            <a:off x="6711376" y="1669368"/>
+            <a:ext cx="89836" cy="954076"/>
+          </a:xfrm>
+          <a:prstGeom prst="bentConnector3">
+            <a:avLst>
+              <a:gd name="adj1" fmla="val 354464"/>
+            </a:avLst>
+          </a:prstGeom>
+          <a:ln>
+            <a:tailEnd type="arrow"/>
+          </a:ln>
+        </p:spPr>
+        <p:style>
+          <a:lnRef idx="1">
+            <a:schemeClr val="accent1"/>
+          </a:lnRef>
+          <a:fillRef idx="0">
+            <a:schemeClr val="accent1"/>
+          </a:fillRef>
+          <a:effectRef idx="0">
+            <a:schemeClr val="accent1"/>
+          </a:effectRef>
+          <a:fontRef idx="minor">
+            <a:schemeClr val="tx1"/>
+          </a:fontRef>
+        </p:style>
+      </p:cxnSp>
+      <p:cxnSp>
+        <p:nvCxnSpPr>
+          <p:cNvPr id="166" name="圖案 165"/>
+          <p:cNvCxnSpPr/>
+          <p:nvPr/>
+        </p:nvCxnSpPr>
+        <p:spPr>
+          <a:xfrm rot="5400000" flipH="1" flipV="1">
+            <a:off x="3112360" y="1580836"/>
+            <a:ext cx="2988332" cy="3237404"/>
+          </a:xfrm>
+          <a:prstGeom prst="bentConnector4">
+            <a:avLst>
+              <a:gd name="adj1" fmla="val -7650"/>
+              <a:gd name="adj2" fmla="val 58340"/>
+            </a:avLst>
+          </a:prstGeom>
+          <a:ln>
+            <a:tailEnd type="arrow"/>
+          </a:ln>
+        </p:spPr>
+        <p:style>
+          <a:lnRef idx="1">
+            <a:schemeClr val="accent1"/>
+          </a:lnRef>
+          <a:fillRef idx="0">
+            <a:schemeClr val="accent1"/>
+          </a:fillRef>
+          <a:effectRef idx="0">
+            <a:schemeClr val="accent1"/>
+          </a:effectRef>
+          <a:fontRef idx="minor">
+            <a:schemeClr val="tx1"/>
+          </a:fontRef>
+        </p:style>
+      </p:cxnSp>
+      <p:cxnSp>
+        <p:nvCxnSpPr>
+          <p:cNvPr id="168" name="圖案 167"/>
+          <p:cNvCxnSpPr>
+            <a:stCxn id="143" idx="3"/>
+            <a:endCxn id="146" idx="0"/>
+          </p:cNvCxnSpPr>
+          <p:nvPr/>
+        </p:nvCxnSpPr>
+        <p:spPr>
+          <a:xfrm>
+            <a:off x="2915816" y="3199508"/>
+            <a:ext cx="702128" cy="378072"/>
+          </a:xfrm>
+          <a:prstGeom prst="bentConnector2">
+            <a:avLst/>
+          </a:prstGeom>
+          <a:ln>
+            <a:tailEnd type="arrow"/>
+          </a:ln>
+        </p:spPr>
+        <p:style>
+          <a:lnRef idx="1">
+            <a:schemeClr val="accent1"/>
+          </a:lnRef>
+          <a:fillRef idx="0">
+            <a:schemeClr val="accent1"/>
+          </a:fillRef>
+          <a:effectRef idx="0">
+            <a:schemeClr val="accent1"/>
+          </a:effectRef>
+          <a:fontRef idx="minor">
+            <a:schemeClr val="tx1"/>
+          </a:fontRef>
+        </p:style>
+      </p:cxnSp>
+      <p:cxnSp>
+        <p:nvCxnSpPr>
+          <p:cNvPr id="170" name="圖案 169"/>
+          <p:cNvCxnSpPr>
+            <a:stCxn id="143" idx="1"/>
+            <a:endCxn id="145" idx="0"/>
+          </p:cNvCxnSpPr>
+          <p:nvPr/>
+        </p:nvCxnSpPr>
+        <p:spPr>
+          <a:xfrm rot="10800000" flipV="1">
+            <a:off x="1529712" y="3199508"/>
+            <a:ext cx="486104" cy="378072"/>
+          </a:xfrm>
+          <a:prstGeom prst="bentConnector2">
+            <a:avLst/>
+          </a:prstGeom>
+          <a:ln>
+            <a:tailEnd type="arrow"/>
+          </a:ln>
+        </p:spPr>
+        <p:style>
+          <a:lnRef idx="1">
+            <a:schemeClr val="accent1"/>
+          </a:lnRef>
+          <a:fillRef idx="0">
+            <a:schemeClr val="accent1"/>
+          </a:fillRef>
+          <a:effectRef idx="0">
+            <a:schemeClr val="accent1"/>
+          </a:effectRef>
+          <a:fontRef idx="minor">
+            <a:schemeClr val="tx1"/>
+          </a:fontRef>
+        </p:style>
+      </p:cxnSp>
+      <p:cxnSp>
+        <p:nvCxnSpPr>
+          <p:cNvPr id="172" name="圖案 171"/>
+          <p:cNvCxnSpPr>
+            <a:stCxn id="145" idx="2"/>
+            <a:endCxn id="147" idx="1"/>
+          </p:cNvCxnSpPr>
+          <p:nvPr/>
+        </p:nvCxnSpPr>
+        <p:spPr>
+          <a:xfrm rot="16200000" flipH="1">
+            <a:off x="1538860" y="4072732"/>
+            <a:ext cx="395800" cy="414096"/>
+          </a:xfrm>
+          <a:prstGeom prst="bentConnector2">
+            <a:avLst/>
+          </a:prstGeom>
+          <a:ln>
+            <a:tailEnd type="arrow"/>
+          </a:ln>
+        </p:spPr>
+        <p:style>
+          <a:lnRef idx="1">
+            <a:schemeClr val="accent1"/>
+          </a:lnRef>
+          <a:fillRef idx="0">
+            <a:schemeClr val="accent1"/>
+          </a:fillRef>
+          <a:effectRef idx="0">
+            <a:schemeClr val="accent1"/>
+          </a:effectRef>
+          <a:fontRef idx="minor">
+            <a:schemeClr val="tx1"/>
+          </a:fontRef>
+        </p:style>
+      </p:cxnSp>
+      <p:cxnSp>
+        <p:nvCxnSpPr>
+          <p:cNvPr id="174" name="圖案 173"/>
+          <p:cNvCxnSpPr>
+            <a:stCxn id="146" idx="2"/>
+            <a:endCxn id="147" idx="3"/>
+          </p:cNvCxnSpPr>
+          <p:nvPr/>
+        </p:nvCxnSpPr>
+        <p:spPr>
+          <a:xfrm rot="5400000">
+            <a:off x="3140826" y="4000562"/>
+            <a:ext cx="360100" cy="594136"/>
+          </a:xfrm>
+          <a:prstGeom prst="bentConnector2">
+            <a:avLst/>
+          </a:prstGeom>
+          <a:ln>
+            <a:tailEnd type="arrow"/>
+          </a:ln>
+        </p:spPr>
+        <p:style>
+          <a:lnRef idx="1">
+            <a:schemeClr val="accent1"/>
+          </a:lnRef>
+          <a:fillRef idx="0">
+            <a:schemeClr val="accent1"/>
+          </a:fillRef>
+          <a:effectRef idx="0">
+            <a:schemeClr val="accent1"/>
+          </a:effectRef>
+          <a:fontRef idx="minor">
+            <a:schemeClr val="tx1"/>
+          </a:fontRef>
+        </p:style>
+      </p:cxnSp>
+      <p:cxnSp>
+        <p:nvCxnSpPr>
+          <p:cNvPr id="176" name="直線單箭頭接點 175"/>
+          <p:cNvCxnSpPr>
+            <a:stCxn id="126" idx="2"/>
+            <a:endCxn id="143" idx="0"/>
+          </p:cNvCxnSpPr>
+          <p:nvPr/>
+        </p:nvCxnSpPr>
+        <p:spPr>
+          <a:xfrm flipH="1">
+            <a:off x="2465816" y="2569468"/>
+            <a:ext cx="2752" cy="360040"/>
+          </a:xfrm>
+          <a:prstGeom prst="straightConnector1">
+            <a:avLst/>
+          </a:prstGeom>
+          <a:ln>
+            <a:tailEnd type="arrow"/>
+          </a:ln>
+        </p:spPr>
+        <p:style>
+          <a:lnRef idx="1">
+            <a:schemeClr val="accent1"/>
+          </a:lnRef>
+          <a:fillRef idx="0">
+            <a:schemeClr val="accent1"/>
+          </a:fillRef>
+          <a:effectRef idx="0">
+            <a:schemeClr val="accent1"/>
+          </a:effectRef>
+          <a:fontRef idx="minor">
+            <a:schemeClr val="tx1"/>
+          </a:fontRef>
+        </p:style>
+      </p:cxnSp>
+      <p:cxnSp>
+        <p:nvCxnSpPr>
+          <p:cNvPr id="198" name="直線單箭頭接點 197"/>
+          <p:cNvCxnSpPr>
+            <a:stCxn id="203" idx="2"/>
+            <a:endCxn id="126" idx="0"/>
+          </p:cNvCxnSpPr>
+          <p:nvPr/>
+        </p:nvCxnSpPr>
+        <p:spPr>
+          <a:xfrm flipH="1">
+            <a:off x="2468568" y="1849388"/>
+            <a:ext cx="1996" cy="360040"/>
+          </a:xfrm>
+          <a:prstGeom prst="straightConnector1">
+            <a:avLst/>
+          </a:prstGeom>
+          <a:ln>
+            <a:tailEnd type="arrow"/>
+          </a:ln>
+        </p:spPr>
+        <p:style>
+          <a:lnRef idx="1">
+            <a:schemeClr val="accent1"/>
+          </a:lnRef>
+          <a:fillRef idx="0">
+            <a:schemeClr val="accent1"/>
+          </a:fillRef>
+          <a:effectRef idx="0">
+            <a:schemeClr val="accent1"/>
+          </a:effectRef>
+          <a:fontRef idx="minor">
+            <a:schemeClr val="tx1"/>
+          </a:fontRef>
+        </p:style>
+      </p:cxnSp>
+      <p:cxnSp>
+        <p:nvCxnSpPr>
+          <p:cNvPr id="200" name="肘形接點 199"/>
+          <p:cNvCxnSpPr>
+            <a:stCxn id="150" idx="1"/>
+            <a:endCxn id="203" idx="3"/>
+          </p:cNvCxnSpPr>
+          <p:nvPr/>
+        </p:nvCxnSpPr>
+        <p:spPr>
+          <a:xfrm rot="10800000">
+            <a:off x="3010564" y="1669368"/>
+            <a:ext cx="2800812" cy="1923324"/>
+          </a:xfrm>
+          <a:prstGeom prst="bentConnector3">
+            <a:avLst>
+              <a:gd name="adj1" fmla="val 46463"/>
+            </a:avLst>
+          </a:prstGeom>
+          <a:ln>
+            <a:tailEnd type="arrow"/>
+          </a:ln>
+        </p:spPr>
+        <p:style>
+          <a:lnRef idx="1">
+            <a:schemeClr val="accent1"/>
+          </a:lnRef>
+          <a:fillRef idx="0">
+            <a:schemeClr val="accent1"/>
+          </a:fillRef>
+          <a:effectRef idx="0">
+            <a:schemeClr val="accent1"/>
+          </a:effectRef>
+          <a:fontRef idx="minor">
+            <a:schemeClr val="tx1"/>
+          </a:fontRef>
+        </p:style>
+      </p:cxnSp>
+      <p:sp>
+        <p:nvSpPr>
+          <p:cNvPr id="202" name="流程圖: 結束點 201"/>
+          <p:cNvSpPr/>
+          <p:nvPr/>
+        </p:nvSpPr>
+        <p:spPr>
+          <a:xfrm>
+            <a:off x="1930564" y="841276"/>
+            <a:ext cx="1080000" cy="360000"/>
+          </a:xfrm>
+          <a:prstGeom prst="flowChartTerminator">
+            <a:avLst/>
+          </a:prstGeom>
+        </p:spPr>
+        <p:style>
+          <a:lnRef idx="1">
+            <a:schemeClr val="accent1"/>
+          </a:lnRef>
+          <a:fillRef idx="2">
+            <a:schemeClr val="accent1"/>
+          </a:fillRef>
+          <a:effectRef idx="1">
+            <a:schemeClr val="accent1"/>
+          </a:effectRef>
+          <a:fontRef idx="minor">
+            <a:schemeClr val="dk1"/>
+          </a:fontRef>
+        </p:style>
+        <p:txBody>
+          <a:bodyPr rtlCol="0" anchor="ctr"/>
+          <a:lstStyle/>
+          <a:p>
+            <a:pPr algn="ctr"/>
+            <a:r>
+              <a:rPr lang="en-US" altLang="zh-TW" sz="1400" dirty="0" smtClean="0"/>
+              <a:t>Begin</a:t>
+            </a:r>
+            <a:endParaRPr lang="zh-TW" altLang="en-US" sz="1400" dirty="0" smtClean="0"/>
+          </a:p>
+        </p:txBody>
+      </p:sp>
+      <p:sp>
+        <p:nvSpPr>
+          <p:cNvPr id="203" name="流程圖: 程序 202"/>
+          <p:cNvSpPr/>
+          <p:nvPr/>
+        </p:nvSpPr>
+        <p:spPr>
+          <a:xfrm>
+            <a:off x="1930564" y="1489348"/>
+            <a:ext cx="1080000" cy="360040"/>
+          </a:xfrm>
+          <a:prstGeom prst="flowChartProcess">
+            <a:avLst/>
+          </a:prstGeom>
+        </p:spPr>
+        <p:style>
+          <a:lnRef idx="1">
+            <a:schemeClr val="accent5"/>
+          </a:lnRef>
+          <a:fillRef idx="2">
+            <a:schemeClr val="accent5"/>
+          </a:fillRef>
+          <a:effectRef idx="1">
+            <a:schemeClr val="accent5"/>
+          </a:effectRef>
+          <a:fontRef idx="minor">
+            <a:schemeClr val="dk1"/>
+          </a:fontRef>
+        </p:style>
+        <p:txBody>
+          <a:bodyPr rtlCol="0" anchor="ctr"/>
+          <a:lstStyle/>
+          <a:p>
+            <a:pPr algn="ctr"/>
+            <a:endParaRPr lang="zh-TW" altLang="en-US" dirty="0" smtClean="0"/>
+          </a:p>
+        </p:txBody>
+      </p:sp>
+      <p:cxnSp>
+        <p:nvCxnSpPr>
+          <p:cNvPr id="215" name="直線單箭頭接點 214"/>
+          <p:cNvCxnSpPr>
+            <a:stCxn id="202" idx="2"/>
+            <a:endCxn id="203" idx="0"/>
+          </p:cNvCxnSpPr>
+          <p:nvPr/>
+        </p:nvCxnSpPr>
+        <p:spPr>
+          <a:xfrm>
+            <a:off x="2470564" y="1201276"/>
+            <a:ext cx="0" cy="288072"/>
+          </a:xfrm>
+          <a:prstGeom prst="straightConnector1">
+            <a:avLst/>
+          </a:prstGeom>
+          <a:ln>
+            <a:tailEnd type="arrow"/>
+          </a:ln>
+        </p:spPr>
+        <p:style>
+          <a:lnRef idx="1">
+            <a:schemeClr val="accent1"/>
+          </a:lnRef>
+          <a:fillRef idx="0">
+            <a:schemeClr val="accent1"/>
+          </a:fillRef>
+          <a:effectRef idx="0">
+            <a:schemeClr val="accent1"/>
+          </a:effectRef>
+          <a:fontRef idx="minor">
+            <a:schemeClr val="tx1"/>
+          </a:fontRef>
+        </p:style>
+      </p:cxnSp>
     </p:spTree>
   </p:cSld>
   <p:clrMapOvr>
@@ -19315,8 +20238,8 @@
         </p:nvSpPr>
         <p:spPr>
           <a:xfrm>
-            <a:off x="4499992" y="793739"/>
-            <a:ext cx="4186808" cy="4044669"/>
+            <a:off x="4283968" y="697260"/>
+            <a:ext cx="4402832" cy="4608512"/>
           </a:xfrm>
         </p:spPr>
         <p:txBody>
@@ -19339,16 +20262,22 @@
         </p:nvSpPr>
         <p:spPr/>
         <p:txBody>
-          <a:bodyPr/>
-          <a:lstStyle/>
-          <a:p>
-            <a:endParaRPr lang="zh-TW" altLang="en-US"/>
+          <a:bodyPr>
+            <a:normAutofit/>
+          </a:bodyPr>
+          <a:lstStyle/>
+          <a:p>
+            <a:r>
+              <a:rPr lang="en-US" altLang="zh-TW" dirty="0" smtClean="0"/>
+              <a:t>Registers Summary</a:t>
+            </a:r>
+            <a:endParaRPr lang="zh-TW" altLang="en-US" dirty="0"/>
           </a:p>
         </p:txBody>
       </p:sp>
       <p:pic>
         <p:nvPicPr>
-          <p:cNvPr id="3074" name="Picture 2"/>
+          <p:cNvPr id="2050" name="Picture 2"/>
           <p:cNvPicPr>
             <a:picLocks noChangeAspect="1" noChangeArrowheads="1"/>
           </p:cNvPicPr>
@@ -19363,8 +20292,8 @@
         </p:blipFill>
         <p:spPr bwMode="auto">
           <a:xfrm>
-            <a:off x="107504" y="697260"/>
-            <a:ext cx="4320000" cy="2027756"/>
+            <a:off x="179512" y="697260"/>
+            <a:ext cx="4060933" cy="4587230"/>
           </a:xfrm>
           <a:prstGeom prst="rect">
             <a:avLst/>
@@ -19422,8 +20351,8 @@
         </p:nvSpPr>
         <p:spPr>
           <a:xfrm>
-            <a:off x="4932040" y="793739"/>
-            <a:ext cx="3754760" cy="4044669"/>
+            <a:off x="4499992" y="793739"/>
+            <a:ext cx="4186808" cy="4044669"/>
           </a:xfrm>
         </p:spPr>
         <p:txBody>
@@ -19449,17 +20378,13 @@
           <a:bodyPr/>
           <a:lstStyle/>
           <a:p>
-            <a:r>
-              <a:rPr lang="en-US" altLang="zh-TW" dirty="0" smtClean="0"/>
-              <a:t>SPI-IER</a:t>
-            </a:r>
-            <a:endParaRPr lang="zh-TW" altLang="en-US" dirty="0"/>
+            <a:endParaRPr lang="zh-TW" altLang="en-US"/>
           </a:p>
         </p:txBody>
       </p:sp>
       <p:pic>
         <p:nvPicPr>
-          <p:cNvPr id="4098" name="Picture 2"/>
+          <p:cNvPr id="3074" name="Picture 2"/>
           <p:cNvPicPr>
             <a:picLocks noChangeAspect="1" noChangeArrowheads="1"/>
           </p:cNvPicPr>
@@ -19474,40 +20399,8 @@
         </p:blipFill>
         <p:spPr bwMode="auto">
           <a:xfrm>
-            <a:off x="108024" y="625252"/>
-            <a:ext cx="4320000" cy="4634929"/>
-          </a:xfrm>
-          <a:prstGeom prst="rect">
-            <a:avLst/>
-          </a:prstGeom>
-          <a:noFill/>
-          <a:ln w="9525">
-            <a:noFill/>
-            <a:miter lim="800000"/>
-            <a:headEnd/>
-            <a:tailEnd/>
-          </a:ln>
-        </p:spPr>
-      </p:pic>
-      <p:pic>
-        <p:nvPicPr>
-          <p:cNvPr id="7" name="Picture 3"/>
-          <p:cNvPicPr>
-            <a:picLocks noChangeAspect="1" noChangeArrowheads="1"/>
-          </p:cNvPicPr>
-          <p:nvPr/>
-        </p:nvPicPr>
-        <p:blipFill>
-          <a:blip r:embed="rId3" cstate="print"/>
-          <a:srcRect/>
-          <a:stretch>
-            <a:fillRect/>
-          </a:stretch>
-        </p:blipFill>
-        <p:spPr bwMode="auto">
-          <a:xfrm>
-            <a:off x="4464000" y="769268"/>
-            <a:ext cx="4320000" cy="4519491"/>
+            <a:off x="107504" y="697260"/>
+            <a:ext cx="4320000" cy="2027756"/>
           </a:xfrm>
           <a:prstGeom prst="rect">
             <a:avLst/>
@@ -19565,8 +20458,8 @@
         </p:nvSpPr>
         <p:spPr>
           <a:xfrm>
-            <a:off x="4572000" y="793739"/>
-            <a:ext cx="4114800" cy="4044669"/>
+            <a:off x="4932040" y="793739"/>
+            <a:ext cx="3754760" cy="4044669"/>
           </a:xfrm>
         </p:spPr>
         <p:txBody>
@@ -19592,13 +20485,49 @@
           <a:bodyPr/>
           <a:lstStyle/>
           <a:p>
-            <a:endParaRPr lang="zh-TW" altLang="en-US"/>
+            <a:r>
+              <a:rPr lang="en-US" altLang="zh-TW" dirty="0" smtClean="0"/>
+              <a:t>SPI-IER</a:t>
+            </a:r>
+            <a:endParaRPr lang="zh-TW" altLang="en-US" dirty="0"/>
           </a:p>
         </p:txBody>
       </p:sp>
       <p:pic>
         <p:nvPicPr>
-          <p:cNvPr id="5122" name="Picture 2"/>
+          <p:cNvPr id="4098" name="Picture 2"/>
+          <p:cNvPicPr>
+            <a:picLocks noChangeAspect="1" noChangeArrowheads="1"/>
+          </p:cNvPicPr>
+          <p:nvPr/>
+        </p:nvPicPr>
+        <p:blipFill>
+          <a:blip r:embed="rId2" cstate="print"/>
+          <a:srcRect/>
+          <a:stretch>
+            <a:fillRect/>
+          </a:stretch>
+        </p:blipFill>
+        <p:spPr bwMode="auto">
+          <a:xfrm>
+            <a:off x="108024" y="625252"/>
+            <a:ext cx="4320000" cy="4634929"/>
+          </a:xfrm>
+          <a:prstGeom prst="rect">
+            <a:avLst/>
+          </a:prstGeom>
+          <a:noFill/>
+          <a:ln w="9525">
+            <a:noFill/>
+            <a:miter lim="800000"/>
+            <a:headEnd/>
+            <a:tailEnd/>
+          </a:ln>
+        </p:spPr>
+      </p:pic>
+      <p:pic>
+        <p:nvPicPr>
+          <p:cNvPr id="7" name="Picture 3"/>
           <p:cNvPicPr>
             <a:picLocks noChangeAspect="1" noChangeArrowheads="1"/>
           </p:cNvPicPr>
@@ -19613,8 +20542,8 @@
         </p:blipFill>
         <p:spPr bwMode="auto">
           <a:xfrm>
-            <a:off x="179512" y="697260"/>
-            <a:ext cx="4320000" cy="4634929"/>
+            <a:off x="4464000" y="769268"/>
+            <a:ext cx="4320000" cy="4519491"/>
           </a:xfrm>
           <a:prstGeom prst="rect">
             <a:avLst/>
@@ -19633,6 +20562,13 @@
   <p:clrMapOvr>
     <a:masterClrMapping/>
   </p:clrMapOvr>
+  <p:timing>
+    <p:tnLst>
+      <p:par>
+        <p:cTn id="1" dur="indefinite" restart="never" nodeType="tmRoot"/>
+      </p:par>
+    </p:tnLst>
+  </p:timing>
 </p:sld>
 </file>
 
@@ -19803,7 +20739,7 @@
     </p:spTree>
     <p:extLst>
       <p:ext uri="{BB962C8B-B14F-4D97-AF65-F5344CB8AC3E}">
-        <p14:creationId xmlns="" xmlns:p14="http://schemas.microsoft.com/office/powerpoint/2010/main" val="3577142735"/>
+        <p14:creationId xmlns:p14="http://schemas.microsoft.com/office/powerpoint/2010/main" xmlns="" val="3577142735"/>
       </p:ext>
     </p:extLst>
   </p:cSld>
@@ -19847,12 +20783,17 @@
             <p:ph sz="half" idx="2"/>
           </p:nvPr>
         </p:nvSpPr>
-        <p:spPr/>
+        <p:spPr>
+          <a:xfrm>
+            <a:off x="4572000" y="793739"/>
+            <a:ext cx="4114800" cy="4044669"/>
+          </a:xfrm>
+        </p:spPr>
         <p:txBody>
           <a:bodyPr/>
           <a:lstStyle/>
           <a:p>
-            <a:endParaRPr lang="zh-TW" altLang="en-US"/>
+            <a:endParaRPr lang="zh-TW" altLang="en-US" dirty="0"/>
           </a:p>
         </p:txBody>
       </p:sp>
@@ -19877,7 +20818,7 @@
       </p:sp>
       <p:pic>
         <p:nvPicPr>
-          <p:cNvPr id="6147" name="Picture 3"/>
+          <p:cNvPr id="5122" name="Picture 2"/>
           <p:cNvPicPr>
             <a:picLocks noChangeAspect="1" noChangeArrowheads="1"/>
           </p:cNvPicPr>
@@ -19892,8 +20833,8 @@
         </p:blipFill>
         <p:spPr bwMode="auto">
           <a:xfrm>
-            <a:off x="107504" y="496922"/>
-            <a:ext cx="4320000" cy="4952866"/>
+            <a:off x="179512" y="697260"/>
+            <a:ext cx="4320000" cy="4634929"/>
           </a:xfrm>
           <a:prstGeom prst="rect">
             <a:avLst/>
@@ -19907,50 +20848,11 @@
           </a:ln>
         </p:spPr>
       </p:pic>
-      <p:pic>
-        <p:nvPicPr>
-          <p:cNvPr id="6148" name="Picture 4"/>
-          <p:cNvPicPr>
-            <a:picLocks noChangeAspect="1" noChangeArrowheads="1"/>
-          </p:cNvPicPr>
-          <p:nvPr/>
-        </p:nvPicPr>
-        <p:blipFill>
-          <a:blip r:embed="rId4" cstate="print"/>
-          <a:srcRect/>
-          <a:stretch>
-            <a:fillRect/>
-          </a:stretch>
-        </p:blipFill>
-        <p:spPr bwMode="auto">
-          <a:xfrm>
-            <a:off x="4427984" y="985292"/>
-            <a:ext cx="4320000" cy="4176001"/>
-          </a:xfrm>
-          <a:prstGeom prst="rect">
-            <a:avLst/>
-          </a:prstGeom>
-          <a:noFill/>
-          <a:ln w="9525">
-            <a:noFill/>
-            <a:miter lim="800000"/>
-            <a:headEnd/>
-            <a:tailEnd/>
-          </a:ln>
-        </p:spPr>
-      </p:pic>
     </p:spTree>
   </p:cSld>
   <p:clrMapOvr>
     <a:masterClrMapping/>
   </p:clrMapOvr>
-  <p:timing>
-    <p:tnLst>
-      <p:par>
-        <p:cTn id="1" dur="indefinite" restart="never" nodeType="tmRoot"/>
-      </p:par>
-    </p:tnLst>
-  </p:timing>
 </p:sld>
 </file>
 
@@ -19981,17 +20883,12 @@
             <p:ph sz="half" idx="2"/>
           </p:nvPr>
         </p:nvSpPr>
-        <p:spPr>
-          <a:xfrm>
-            <a:off x="4427984" y="793739"/>
-            <a:ext cx="4258816" cy="2711833"/>
-          </a:xfrm>
-        </p:spPr>
+        <p:spPr/>
         <p:txBody>
           <a:bodyPr/>
           <a:lstStyle/>
           <a:p>
-            <a:endParaRPr lang="zh-TW" altLang="en-US" dirty="0"/>
+            <a:endParaRPr lang="zh-TW" altLang="en-US"/>
           </a:p>
         </p:txBody>
       </p:sp>
@@ -20016,7 +20913,7 @@
       </p:sp>
       <p:pic>
         <p:nvPicPr>
-          <p:cNvPr id="7170" name="Picture 2"/>
+          <p:cNvPr id="6147" name="Picture 3"/>
           <p:cNvPicPr>
             <a:picLocks noChangeAspect="1" noChangeArrowheads="1"/>
           </p:cNvPicPr>
@@ -20031,8 +20928,8 @@
         </p:blipFill>
         <p:spPr bwMode="auto">
           <a:xfrm>
-            <a:off x="35976" y="409228"/>
-            <a:ext cx="4320000" cy="5021656"/>
+            <a:off x="107504" y="496922"/>
+            <a:ext cx="4320000" cy="4952866"/>
           </a:xfrm>
           <a:prstGeom prst="rect">
             <a:avLst/>
@@ -20048,7 +20945,7 @@
       </p:pic>
       <p:pic>
         <p:nvPicPr>
-          <p:cNvPr id="7171" name="Picture 3"/>
+          <p:cNvPr id="6148" name="Picture 4"/>
           <p:cNvPicPr>
             <a:picLocks noChangeAspect="1" noChangeArrowheads="1"/>
           </p:cNvPicPr>
@@ -20063,8 +20960,8 @@
         </p:blipFill>
         <p:spPr bwMode="auto">
           <a:xfrm>
-            <a:off x="4499992" y="3577580"/>
-            <a:ext cx="3600000" cy="1787004"/>
+            <a:off x="4427984" y="985292"/>
+            <a:ext cx="4320000" cy="4176001"/>
           </a:xfrm>
           <a:prstGeom prst="rect">
             <a:avLst/>
@@ -20083,6 +20980,13 @@
   <p:clrMapOvr>
     <a:masterClrMapping/>
   </p:clrMapOvr>
+  <p:timing>
+    <p:tnLst>
+      <p:par>
+        <p:cTn id="1" dur="indefinite" restart="never" nodeType="tmRoot"/>
+      </p:par>
+    </p:tnLst>
+  </p:timing>
 </p:sld>
 </file>
 
@@ -20115,15 +21019,15 @@
         </p:nvSpPr>
         <p:spPr>
           <a:xfrm>
-            <a:off x="4499992" y="793739"/>
-            <a:ext cx="4186808" cy="4044669"/>
+            <a:off x="4427984" y="793739"/>
+            <a:ext cx="4258816" cy="2711833"/>
           </a:xfrm>
         </p:spPr>
         <p:txBody>
           <a:bodyPr/>
           <a:lstStyle/>
           <a:p>
-            <a:endParaRPr lang="zh-TW" altLang="en-US"/>
+            <a:endParaRPr lang="zh-TW" altLang="en-US" dirty="0"/>
           </a:p>
         </p:txBody>
       </p:sp>
@@ -20148,14 +21052,14 @@
       </p:sp>
       <p:pic>
         <p:nvPicPr>
-          <p:cNvPr id="8194" name="Picture 2"/>
+          <p:cNvPr id="7170" name="Picture 2"/>
           <p:cNvPicPr>
             <a:picLocks noChangeAspect="1" noChangeArrowheads="1"/>
           </p:cNvPicPr>
           <p:nvPr/>
         </p:nvPicPr>
         <p:blipFill>
-          <a:blip r:embed="rId2" cstate="print"/>
+          <a:blip r:embed="rId3" cstate="print"/>
           <a:srcRect/>
           <a:stretch>
             <a:fillRect/>
@@ -20163,8 +21067,40 @@
         </p:blipFill>
         <p:spPr bwMode="auto">
           <a:xfrm>
-            <a:off x="179512" y="1273324"/>
-            <a:ext cx="4320000" cy="2003281"/>
+            <a:off x="35976" y="409228"/>
+            <a:ext cx="4320000" cy="5021656"/>
+          </a:xfrm>
+          <a:prstGeom prst="rect">
+            <a:avLst/>
+          </a:prstGeom>
+          <a:noFill/>
+          <a:ln w="9525">
+            <a:noFill/>
+            <a:miter lim="800000"/>
+            <a:headEnd/>
+            <a:tailEnd/>
+          </a:ln>
+        </p:spPr>
+      </p:pic>
+      <p:pic>
+        <p:nvPicPr>
+          <p:cNvPr id="7171" name="Picture 3"/>
+          <p:cNvPicPr>
+            <a:picLocks noChangeAspect="1" noChangeArrowheads="1"/>
+          </p:cNvPicPr>
+          <p:nvPr/>
+        </p:nvPicPr>
+        <p:blipFill>
+          <a:blip r:embed="rId4" cstate="print"/>
+          <a:srcRect/>
+          <a:stretch>
+            <a:fillRect/>
+          </a:stretch>
+        </p:blipFill>
+        <p:spPr bwMode="auto">
+          <a:xfrm>
+            <a:off x="4499992" y="3577580"/>
+            <a:ext cx="3600000" cy="1787004"/>
           </a:xfrm>
           <a:prstGeom prst="rect">
             <a:avLst/>
@@ -20215,15 +21151,15 @@
         </p:nvSpPr>
         <p:spPr>
           <a:xfrm>
-            <a:off x="4572000" y="793739"/>
-            <a:ext cx="4114800" cy="4044669"/>
+            <a:off x="4499992" y="793739"/>
+            <a:ext cx="4186808" cy="4044669"/>
           </a:xfrm>
         </p:spPr>
         <p:txBody>
           <a:bodyPr/>
           <a:lstStyle/>
           <a:p>
-            <a:endParaRPr lang="zh-TW" altLang="en-US" dirty="0"/>
+            <a:endParaRPr lang="zh-TW" altLang="en-US"/>
           </a:p>
         </p:txBody>
       </p:sp>
@@ -20248,14 +21184,14 @@
       </p:sp>
       <p:pic>
         <p:nvPicPr>
-          <p:cNvPr id="9219" name="Picture 3"/>
+          <p:cNvPr id="8194" name="Picture 2"/>
           <p:cNvPicPr>
             <a:picLocks noChangeAspect="1" noChangeArrowheads="1"/>
           </p:cNvPicPr>
           <p:nvPr/>
         </p:nvPicPr>
         <p:blipFill>
-          <a:blip r:embed="rId3" cstate="print"/>
+          <a:blip r:embed="rId2" cstate="print"/>
           <a:srcRect/>
           <a:stretch>
             <a:fillRect/>
@@ -20263,8 +21199,8 @@
         </p:blipFill>
         <p:spPr bwMode="auto">
           <a:xfrm>
-            <a:off x="107504" y="769268"/>
-            <a:ext cx="4320000" cy="4416153"/>
+            <a:off x="179512" y="1273324"/>
+            <a:ext cx="4320000" cy="2003281"/>
           </a:xfrm>
           <a:prstGeom prst="rect">
             <a:avLst/>
@@ -20313,7 +21249,12 @@
             <p:ph sz="half" idx="2"/>
           </p:nvPr>
         </p:nvSpPr>
-        <p:spPr/>
+        <p:spPr>
+          <a:xfrm>
+            <a:off x="4572000" y="793739"/>
+            <a:ext cx="4114800" cy="4044669"/>
+          </a:xfrm>
+        </p:spPr>
         <p:txBody>
           <a:bodyPr/>
           <a:lstStyle/>
@@ -20337,45 +21278,13 @@
           <a:bodyPr/>
           <a:lstStyle/>
           <a:p>
-            <a:endParaRPr lang="zh-TW" altLang="en-US" dirty="0"/>
+            <a:endParaRPr lang="zh-TW" altLang="en-US"/>
           </a:p>
         </p:txBody>
       </p:sp>
       <p:pic>
         <p:nvPicPr>
-          <p:cNvPr id="10242" name="Picture 2"/>
-          <p:cNvPicPr>
-            <a:picLocks noChangeAspect="1" noChangeArrowheads="1"/>
-          </p:cNvPicPr>
-          <p:nvPr/>
-        </p:nvPicPr>
-        <p:blipFill>
-          <a:blip r:embed="rId2" cstate="print"/>
-          <a:srcRect/>
-          <a:stretch>
-            <a:fillRect/>
-          </a:stretch>
-        </p:blipFill>
-        <p:spPr bwMode="auto">
-          <a:xfrm>
-            <a:off x="0" y="193204"/>
-            <a:ext cx="4320000" cy="5279233"/>
-          </a:xfrm>
-          <a:prstGeom prst="rect">
-            <a:avLst/>
-          </a:prstGeom>
-          <a:noFill/>
-          <a:ln w="9525">
-            <a:noFill/>
-            <a:miter lim="800000"/>
-            <a:headEnd/>
-            <a:tailEnd/>
-          </a:ln>
-        </p:spPr>
-      </p:pic>
-      <p:pic>
-        <p:nvPicPr>
-          <p:cNvPr id="10243" name="Picture 3"/>
+          <p:cNvPr id="9219" name="Picture 3"/>
           <p:cNvPicPr>
             <a:picLocks noChangeAspect="1" noChangeArrowheads="1"/>
           </p:cNvPicPr>
@@ -20390,8 +21299,8 @@
         </p:blipFill>
         <p:spPr bwMode="auto">
           <a:xfrm>
-            <a:off x="4427984" y="553244"/>
-            <a:ext cx="4320000" cy="4909714"/>
+            <a:off x="107504" y="769268"/>
+            <a:ext cx="4320000" cy="4416153"/>
           </a:xfrm>
           <a:prstGeom prst="rect">
             <a:avLst/>
@@ -20440,12 +21349,7 @@
             <p:ph sz="half" idx="2"/>
           </p:nvPr>
         </p:nvSpPr>
-        <p:spPr>
-          <a:xfrm>
-            <a:off x="4572000" y="793739"/>
-            <a:ext cx="4114800" cy="4044669"/>
-          </a:xfrm>
-        </p:spPr>
+        <p:spPr/>
         <p:txBody>
           <a:bodyPr/>
           <a:lstStyle/>
@@ -20469,13 +21373,13 @@
           <a:bodyPr/>
           <a:lstStyle/>
           <a:p>
-            <a:endParaRPr lang="zh-TW" altLang="en-US"/>
+            <a:endParaRPr lang="zh-TW" altLang="en-US" dirty="0"/>
           </a:p>
         </p:txBody>
       </p:sp>
       <p:pic>
         <p:nvPicPr>
-          <p:cNvPr id="11266" name="Picture 2"/>
+          <p:cNvPr id="10242" name="Picture 2"/>
           <p:cNvPicPr>
             <a:picLocks noChangeAspect="1" noChangeArrowheads="1"/>
           </p:cNvPicPr>
@@ -20490,8 +21394,40 @@
         </p:blipFill>
         <p:spPr bwMode="auto">
           <a:xfrm>
-            <a:off x="179512" y="841276"/>
-            <a:ext cx="4320000" cy="3804076"/>
+            <a:off x="0" y="193204"/>
+            <a:ext cx="4320000" cy="5279233"/>
+          </a:xfrm>
+          <a:prstGeom prst="rect">
+            <a:avLst/>
+          </a:prstGeom>
+          <a:noFill/>
+          <a:ln w="9525">
+            <a:noFill/>
+            <a:miter lim="800000"/>
+            <a:headEnd/>
+            <a:tailEnd/>
+          </a:ln>
+        </p:spPr>
+      </p:pic>
+      <p:pic>
+        <p:nvPicPr>
+          <p:cNvPr id="10243" name="Picture 3"/>
+          <p:cNvPicPr>
+            <a:picLocks noChangeAspect="1" noChangeArrowheads="1"/>
+          </p:cNvPicPr>
+          <p:nvPr/>
+        </p:nvPicPr>
+        <p:blipFill>
+          <a:blip r:embed="rId3" cstate="print"/>
+          <a:srcRect/>
+          <a:stretch>
+            <a:fillRect/>
+          </a:stretch>
+        </p:blipFill>
+        <p:spPr bwMode="auto">
+          <a:xfrm>
+            <a:off x="4427984" y="553244"/>
+            <a:ext cx="4320000" cy="4909714"/>
           </a:xfrm>
           <a:prstGeom prst="rect">
             <a:avLst/>
@@ -20542,8 +21478,8 @@
         </p:nvSpPr>
         <p:spPr>
           <a:xfrm>
-            <a:off x="4427984" y="793739"/>
-            <a:ext cx="4258816" cy="4044669"/>
+            <a:off x="4572000" y="793739"/>
+            <a:ext cx="4114800" cy="4044669"/>
           </a:xfrm>
         </p:spPr>
         <p:txBody>
@@ -20575,7 +21511,7 @@
       </p:sp>
       <p:pic>
         <p:nvPicPr>
-          <p:cNvPr id="12290" name="Picture 2"/>
+          <p:cNvPr id="11266" name="Picture 2"/>
           <p:cNvPicPr>
             <a:picLocks noChangeAspect="1" noChangeArrowheads="1"/>
           </p:cNvPicPr>
@@ -20590,8 +21526,8 @@
         </p:blipFill>
         <p:spPr bwMode="auto">
           <a:xfrm>
-            <a:off x="107504" y="1489348"/>
-            <a:ext cx="4320000" cy="2050286"/>
+            <a:off x="179512" y="841276"/>
+            <a:ext cx="4320000" cy="3804076"/>
           </a:xfrm>
           <a:prstGeom prst="rect">
             <a:avLst/>
@@ -20642,8 +21578,8 @@
         </p:nvSpPr>
         <p:spPr>
           <a:xfrm>
-            <a:off x="4499992" y="793739"/>
-            <a:ext cx="4186808" cy="4044669"/>
+            <a:off x="4427984" y="793739"/>
+            <a:ext cx="4258816" cy="4044669"/>
           </a:xfrm>
         </p:spPr>
         <p:txBody>
@@ -20669,17 +21605,13 @@
           <a:bodyPr/>
           <a:lstStyle/>
           <a:p>
-            <a:r>
-              <a:rPr lang="en-US" altLang="zh-TW" dirty="0" smtClean="0"/>
-              <a:t>Master</a:t>
-            </a:r>
-            <a:endParaRPr lang="zh-TW" altLang="en-US" dirty="0"/>
+            <a:endParaRPr lang="zh-TW" altLang="en-US"/>
           </a:p>
         </p:txBody>
       </p:sp>
       <p:pic>
         <p:nvPicPr>
-          <p:cNvPr id="13314" name="Picture 2"/>
+          <p:cNvPr id="12290" name="Picture 2"/>
           <p:cNvPicPr>
             <a:picLocks noChangeAspect="1" noChangeArrowheads="1"/>
           </p:cNvPicPr>
@@ -20694,8 +21626,8 @@
         </p:blipFill>
         <p:spPr bwMode="auto">
           <a:xfrm>
-            <a:off x="0" y="697260"/>
-            <a:ext cx="4320000" cy="4227824"/>
+            <a:off x="107504" y="1489348"/>
+            <a:ext cx="4320000" cy="2050286"/>
           </a:xfrm>
           <a:prstGeom prst="rect">
             <a:avLst/>
@@ -20736,14 +21668,38 @@
       </p:grpSpPr>
       <p:sp>
         <p:nvSpPr>
-          <p:cNvPr id="2" name="Title 1"/>
+          <p:cNvPr id="2" name="內容版面配置區 1"/>
           <p:cNvSpPr>
             <a:spLocks noGrp="1"/>
           </p:cNvSpPr>
           <p:nvPr>
-            <p:ph type="ctrTitle"/>
+            <p:ph sz="half" idx="2"/>
           </p:nvPr>
         </p:nvSpPr>
+        <p:spPr>
+          <a:xfrm>
+            <a:off x="4499992" y="793739"/>
+            <a:ext cx="4186808" cy="4044669"/>
+          </a:xfrm>
+        </p:spPr>
+        <p:txBody>
+          <a:bodyPr/>
+          <a:lstStyle/>
+          <a:p>
+            <a:endParaRPr lang="zh-TW" altLang="en-US" dirty="0"/>
+          </a:p>
+        </p:txBody>
+      </p:sp>
+      <p:sp>
+        <p:nvSpPr>
+          <p:cNvPr id="3" name="標題 2"/>
+          <p:cNvSpPr>
+            <a:spLocks noGrp="1"/>
+          </p:cNvSpPr>
+          <p:nvPr>
+            <p:ph type="title"/>
+          </p:nvPr>
+        </p:nvSpPr>
         <p:spPr/>
         <p:txBody>
           <a:bodyPr/>
@@ -20751,52 +21707,49 @@
           <a:p>
             <a:r>
               <a:rPr lang="en-US" altLang="zh-TW" dirty="0" smtClean="0"/>
-              <a:t>F75111R</a:t>
-            </a:r>
+              <a:t>Master</a:t>
+            </a:r>
+            <a:endParaRPr lang="zh-TW" altLang="en-US" dirty="0"/>
           </a:p>
         </p:txBody>
       </p:sp>
       <p:pic>
         <p:nvPicPr>
-          <p:cNvPr id="3" name="Picture 2"/>
+          <p:cNvPr id="13314" name="Picture 2"/>
           <p:cNvPicPr>
-            <a:picLocks noChangeAspect="1"/>
+            <a:picLocks noChangeAspect="1" noChangeArrowheads="1"/>
           </p:cNvPicPr>
           <p:nvPr/>
         </p:nvPicPr>
         <p:blipFill>
           <a:blip r:embed="rId2" cstate="print"/>
+          <a:srcRect/>
           <a:stretch>
             <a:fillRect/>
           </a:stretch>
         </p:blipFill>
-        <p:spPr>
-          <a:xfrm>
-            <a:off x="619031" y="3862565"/>
-            <a:ext cx="72008" cy="969036"/>
+        <p:spPr bwMode="auto">
+          <a:xfrm>
+            <a:off x="0" y="697260"/>
+            <a:ext cx="4320000" cy="4227824"/>
           </a:xfrm>
           <a:prstGeom prst="rect">
             <a:avLst/>
           </a:prstGeom>
+          <a:noFill/>
+          <a:ln w="9525">
+            <a:noFill/>
+            <a:miter lim="800000"/>
+            <a:headEnd/>
+            <a:tailEnd/>
+          </a:ln>
         </p:spPr>
       </p:pic>
     </p:spTree>
-    <p:extLst>
-      <p:ext uri="{BB962C8B-B14F-4D97-AF65-F5344CB8AC3E}">
-        <p14:creationId xmlns:p14="http://schemas.microsoft.com/office/powerpoint/2010/main" xmlns="" val="1188013231"/>
-      </p:ext>
-    </p:extLst>
   </p:cSld>
   <p:clrMapOvr>
     <a:masterClrMapping/>
   </p:clrMapOvr>
-  <p:timing>
-    <p:tnLst>
-      <p:par>
-        <p:cTn id="1" dur="indefinite" restart="never" nodeType="tmRoot"/>
-      </p:par>
-    </p:tnLst>
-  </p:timing>
 </p:sld>
 </file>
 
@@ -20819,12 +21772,12 @@
       </p:grpSpPr>
       <p:sp>
         <p:nvSpPr>
-          <p:cNvPr id="2" name="內容版面配置區 1"/>
+          <p:cNvPr id="2" name="Title 1"/>
           <p:cNvSpPr>
             <a:spLocks noGrp="1"/>
           </p:cNvSpPr>
           <p:nvPr>
-            <p:ph sz="half" idx="2"/>
+            <p:ph type="ctrTitle"/>
           </p:nvPr>
         </p:nvSpPr>
         <p:spPr/>
@@ -20832,34 +21785,54 @@
           <a:bodyPr/>
           <a:lstStyle/>
           <a:p>
-            <a:endParaRPr lang="zh-TW" altLang="en-US"/>
-          </a:p>
-        </p:txBody>
-      </p:sp>
-      <p:sp>
-        <p:nvSpPr>
-          <p:cNvPr id="3" name="標題 2"/>
-          <p:cNvSpPr>
-            <a:spLocks noGrp="1"/>
-          </p:cNvSpPr>
-          <p:nvPr>
-            <p:ph type="title"/>
-          </p:nvPr>
-        </p:nvSpPr>
-        <p:spPr/>
-        <p:txBody>
-          <a:bodyPr/>
-          <a:lstStyle/>
-          <a:p>
-            <a:endParaRPr lang="zh-TW" altLang="en-US"/>
-          </a:p>
-        </p:txBody>
-      </p:sp>
+            <a:r>
+              <a:rPr lang="en-US" altLang="zh-TW" dirty="0" smtClean="0"/>
+              <a:t>F75111R</a:t>
+            </a:r>
+          </a:p>
+        </p:txBody>
+      </p:sp>
+      <p:pic>
+        <p:nvPicPr>
+          <p:cNvPr id="3" name="Picture 2"/>
+          <p:cNvPicPr>
+            <a:picLocks noChangeAspect="1"/>
+          </p:cNvPicPr>
+          <p:nvPr/>
+        </p:nvPicPr>
+        <p:blipFill>
+          <a:blip r:embed="rId2" cstate="print"/>
+          <a:stretch>
+            <a:fillRect/>
+          </a:stretch>
+        </p:blipFill>
+        <p:spPr>
+          <a:xfrm>
+            <a:off x="619031" y="3862565"/>
+            <a:ext cx="72008" cy="969036"/>
+          </a:xfrm>
+          <a:prstGeom prst="rect">
+            <a:avLst/>
+          </a:prstGeom>
+        </p:spPr>
+      </p:pic>
     </p:spTree>
+    <p:extLst>
+      <p:ext uri="{BB962C8B-B14F-4D97-AF65-F5344CB8AC3E}">
+        <p14:creationId xmlns="" xmlns:p14="http://schemas.microsoft.com/office/powerpoint/2010/main" val="1188013231"/>
+      </p:ext>
+    </p:extLst>
   </p:cSld>
   <p:clrMapOvr>
     <a:masterClrMapping/>
   </p:clrMapOvr>
+  <p:timing>
+    <p:tnLst>
+      <p:par>
+        <p:cTn id="1" dur="indefinite" restart="never" nodeType="tmRoot"/>
+      </p:par>
+    </p:tnLst>
+  </p:timing>
 </p:sld>
 </file>
 
@@ -20929,7 +21902,7 @@
     </p:spTree>
     <p:extLst>
       <p:ext uri="{BB962C8B-B14F-4D97-AF65-F5344CB8AC3E}">
-        <p14:creationId xmlns:p14="http://schemas.microsoft.com/office/powerpoint/2010/main" xmlns="" val="1188013231"/>
+        <p14:creationId xmlns="" xmlns:p14="http://schemas.microsoft.com/office/powerpoint/2010/main" val="1188013231"/>
       </p:ext>
     </p:extLst>
   </p:cSld>
@@ -20963,23 +21936,49 @@
           <a:chExt cx="0" cy="0"/>
         </a:xfrm>
       </p:grpSpPr>
+      <p:sp>
+        <p:nvSpPr>
+          <p:cNvPr id="2" name="內容版面配置區 1"/>
+          <p:cNvSpPr>
+            <a:spLocks noGrp="1"/>
+          </p:cNvSpPr>
+          <p:nvPr>
+            <p:ph sz="half" idx="2"/>
+          </p:nvPr>
+        </p:nvSpPr>
+        <p:spPr/>
+        <p:txBody>
+          <a:bodyPr/>
+          <a:lstStyle/>
+          <a:p>
+            <a:endParaRPr lang="zh-TW" altLang="en-US"/>
+          </a:p>
+        </p:txBody>
+      </p:sp>
+      <p:sp>
+        <p:nvSpPr>
+          <p:cNvPr id="3" name="標題 2"/>
+          <p:cNvSpPr>
+            <a:spLocks noGrp="1"/>
+          </p:cNvSpPr>
+          <p:nvPr>
+            <p:ph type="title"/>
+          </p:nvPr>
+        </p:nvSpPr>
+        <p:spPr/>
+        <p:txBody>
+          <a:bodyPr/>
+          <a:lstStyle/>
+          <a:p>
+            <a:endParaRPr lang="zh-TW" altLang="en-US"/>
+          </a:p>
+        </p:txBody>
+      </p:sp>
     </p:spTree>
-    <p:extLst>
-      <p:ext uri="{BB962C8B-B14F-4D97-AF65-F5344CB8AC3E}">
-        <p14:creationId xmlns:p14="http://schemas.microsoft.com/office/powerpoint/2010/main" xmlns="" val="553085013"/>
-      </p:ext>
-    </p:extLst>
   </p:cSld>
   <p:clrMapOvr>
     <a:masterClrMapping/>
   </p:clrMapOvr>
-  <p:timing>
-    <p:tnLst>
-      <p:par>
-        <p:cTn id="1" dur="indefinite" restart="never" nodeType="tmRoot"/>
-      </p:par>
-    </p:tnLst>
-  </p:timing>
 </p:sld>
 </file>
 
@@ -21000,57 +21999,12 @@
           <a:chExt cx="0" cy="0"/>
         </a:xfrm>
       </p:grpSpPr>
-      <p:sp>
-        <p:nvSpPr>
-          <p:cNvPr id="2" name="內容版面配置區 1"/>
-          <p:cNvSpPr>
-            <a:spLocks noGrp="1"/>
-          </p:cNvSpPr>
-          <p:nvPr>
-            <p:ph sz="half" idx="2"/>
-          </p:nvPr>
-        </p:nvSpPr>
-        <p:spPr>
-          <a:xfrm>
-            <a:off x="461086" y="2425452"/>
-            <a:ext cx="8215370" cy="864096"/>
-          </a:xfrm>
-        </p:spPr>
-        <p:txBody>
-          <a:bodyPr/>
-          <a:lstStyle/>
-          <a:p>
-            <a:pPr algn="ctr">
-              <a:buNone/>
-            </a:pPr>
-            <a:r>
-              <a:rPr lang="en-US" altLang="zh-TW" sz="2800" dirty="0" smtClean="0"/>
-              <a:t>Back Up</a:t>
-            </a:r>
-            <a:endParaRPr lang="zh-TW" altLang="en-US" sz="2800" dirty="0"/>
-          </a:p>
-        </p:txBody>
-      </p:sp>
-      <p:sp>
-        <p:nvSpPr>
-          <p:cNvPr id="3" name="標題 2"/>
-          <p:cNvSpPr>
-            <a:spLocks noGrp="1"/>
-          </p:cNvSpPr>
-          <p:nvPr>
-            <p:ph type="title"/>
-          </p:nvPr>
-        </p:nvSpPr>
-        <p:spPr/>
-        <p:txBody>
-          <a:bodyPr/>
-          <a:lstStyle/>
-          <a:p>
-            <a:endParaRPr lang="zh-TW" altLang="en-US"/>
-          </a:p>
-        </p:txBody>
-      </p:sp>
     </p:spTree>
+    <p:extLst>
+      <p:ext uri="{BB962C8B-B14F-4D97-AF65-F5344CB8AC3E}">
+        <p14:creationId xmlns="" xmlns:p14="http://schemas.microsoft.com/office/powerpoint/2010/main" val="553085013"/>
+      </p:ext>
+    </p:extLst>
   </p:cSld>
   <p:clrMapOvr>
     <a:masterClrMapping/>
@@ -21092,6 +22046,88 @@
             <p:ph sz="half" idx="2"/>
           </p:nvPr>
         </p:nvSpPr>
+        <p:spPr>
+          <a:xfrm>
+            <a:off x="461086" y="2425452"/>
+            <a:ext cx="8215370" cy="864096"/>
+          </a:xfrm>
+        </p:spPr>
+        <p:txBody>
+          <a:bodyPr/>
+          <a:lstStyle/>
+          <a:p>
+            <a:pPr algn="ctr">
+              <a:buNone/>
+            </a:pPr>
+            <a:r>
+              <a:rPr lang="en-US" altLang="zh-TW" sz="2800" dirty="0" smtClean="0"/>
+              <a:t>Back Up</a:t>
+            </a:r>
+            <a:endParaRPr lang="zh-TW" altLang="en-US" sz="2800" dirty="0"/>
+          </a:p>
+        </p:txBody>
+      </p:sp>
+      <p:sp>
+        <p:nvSpPr>
+          <p:cNvPr id="3" name="標題 2"/>
+          <p:cNvSpPr>
+            <a:spLocks noGrp="1"/>
+          </p:cNvSpPr>
+          <p:nvPr>
+            <p:ph type="title"/>
+          </p:nvPr>
+        </p:nvSpPr>
+        <p:spPr/>
+        <p:txBody>
+          <a:bodyPr/>
+          <a:lstStyle/>
+          <a:p>
+            <a:endParaRPr lang="zh-TW" altLang="en-US"/>
+          </a:p>
+        </p:txBody>
+      </p:sp>
+    </p:spTree>
+  </p:cSld>
+  <p:clrMapOvr>
+    <a:masterClrMapping/>
+  </p:clrMapOvr>
+  <p:timing>
+    <p:tnLst>
+      <p:par>
+        <p:cTn id="1" dur="indefinite" restart="never" nodeType="tmRoot"/>
+      </p:par>
+    </p:tnLst>
+  </p:timing>
+</p:sld>
+</file>
+
+<file path=ppt/slides/slide33.xml><?xml version="1.0" encoding="utf-8"?>
+<p:sld xmlns:a="http://schemas.openxmlformats.org/drawingml/2006/main" xmlns:r="http://schemas.openxmlformats.org/officeDocument/2006/relationships" xmlns:p="http://schemas.openxmlformats.org/presentationml/2006/main">
+  <p:cSld>
+    <p:spTree>
+      <p:nvGrpSpPr>
+        <p:cNvPr id="1" name=""/>
+        <p:cNvGrpSpPr/>
+        <p:nvPr/>
+      </p:nvGrpSpPr>
+      <p:grpSpPr>
+        <a:xfrm>
+          <a:off x="0" y="0"/>
+          <a:ext cx="0" cy="0"/>
+          <a:chOff x="0" y="0"/>
+          <a:chExt cx="0" cy="0"/>
+        </a:xfrm>
+      </p:grpSpPr>
+      <p:sp>
+        <p:nvSpPr>
+          <p:cNvPr id="2" name="內容版面配置區 1"/>
+          <p:cNvSpPr>
+            <a:spLocks noGrp="1"/>
+          </p:cNvSpPr>
+          <p:nvPr>
+            <p:ph sz="half" idx="2"/>
+          </p:nvPr>
+        </p:nvSpPr>
         <p:spPr/>
         <p:txBody>
           <a:bodyPr/>
@@ -21160,7 +22196,7 @@
 </p:sld>
 </file>
 
-<file path=ppt/slides/slide33.xml><?xml version="1.0" encoding="utf-8"?>
+<file path=ppt/slides/slide34.xml><?xml version="1.0" encoding="utf-8"?>
 <p:sld xmlns:a="http://schemas.openxmlformats.org/drawingml/2006/main" xmlns:r="http://schemas.openxmlformats.org/officeDocument/2006/relationships" xmlns:p="http://schemas.openxmlformats.org/presentationml/2006/main">
   <p:cSld>
     <p:spTree>
@@ -23047,7 +24083,7 @@
     </p:spTree>
     <p:extLst>
       <p:ext uri="{BB962C8B-B14F-4D97-AF65-F5344CB8AC3E}">
-        <p14:creationId xmlns:p14="http://schemas.microsoft.com/office/powerpoint/2010/main" xmlns="" val="1188013231"/>
+        <p14:creationId xmlns="" xmlns:p14="http://schemas.microsoft.com/office/powerpoint/2010/main" val="1188013231"/>
       </p:ext>
     </p:extLst>
   </p:cSld>
@@ -25296,7 +26332,7 @@
     </p:spTree>
     <p:extLst>
       <p:ext uri="{BB962C8B-B14F-4D97-AF65-F5344CB8AC3E}">
-        <p14:creationId xmlns:p14="http://schemas.microsoft.com/office/powerpoint/2010/main" xmlns="" val="2423379894"/>
+        <p14:creationId xmlns="" xmlns:p14="http://schemas.microsoft.com/office/powerpoint/2010/main" val="2423379894"/>
       </p:ext>
     </p:extLst>
   </p:cSld>
@@ -28743,7 +29779,7 @@
     </p:spTree>
     <p:extLst>
       <p:ext uri="{BB962C8B-B14F-4D97-AF65-F5344CB8AC3E}">
-        <p14:creationId xmlns:p14="http://schemas.microsoft.com/office/powerpoint/2010/main" xmlns="" val="1188013231"/>
+        <p14:creationId xmlns="" xmlns:p14="http://schemas.microsoft.com/office/powerpoint/2010/main" val="1188013231"/>
       </p:ext>
     </p:extLst>
   </p:cSld>

--- a/spi_report_ben.pptx
+++ b/spi_report_ben.pptx
@@ -251,7 +251,7 @@
             <a:fld id="{325154A4-CA18-43B2-977D-6DF08BA83A3D}" type="datetimeFigureOut">
               <a:rPr lang="zh-TW" altLang="en-US" smtClean="0"/>
               <a:pPr/>
-              <a:t>2015/11/25</a:t>
+              <a:t>2015/11/30</a:t>
             </a:fld>
             <a:endParaRPr lang="zh-TW" altLang="en-US"/>
           </a:p>
@@ -327,7 +327,7 @@
     </p:spTree>
     <p:extLst>
       <p:ext uri="{BB962C8B-B14F-4D97-AF65-F5344CB8AC3E}">
-        <p14:creationId xmlns="" xmlns:p14="http://schemas.microsoft.com/office/powerpoint/2010/main" val="1745725823"/>
+        <p14:creationId xmlns:p14="http://schemas.microsoft.com/office/powerpoint/2010/main" xmlns="" val="1745725823"/>
       </p:ext>
     </p:extLst>
   </p:cSld>
@@ -418,7 +418,7 @@
             <a:fld id="{956157D8-F6D7-4F1C-8521-742A313DD9E2}" type="datetimeFigureOut">
               <a:rPr lang="zh-TW" altLang="en-US" smtClean="0"/>
               <a:pPr/>
-              <a:t>2015/11/25</a:t>
+              <a:t>2015/11/30</a:t>
             </a:fld>
             <a:endParaRPr lang="zh-TW" altLang="en-US"/>
           </a:p>
@@ -589,7 +589,7 @@
     </p:spTree>
     <p:extLst>
       <p:ext uri="{BB962C8B-B14F-4D97-AF65-F5344CB8AC3E}">
-        <p14:creationId xmlns="" xmlns:p14="http://schemas.microsoft.com/office/powerpoint/2010/main" val="3871340698"/>
+        <p14:creationId xmlns:p14="http://schemas.microsoft.com/office/powerpoint/2010/main" xmlns="" val="3871340698"/>
       </p:ext>
     </p:extLst>
   </p:cSld>
@@ -2300,7 +2300,7 @@
           <a:blip r:embed="rId2" cstate="print">
             <a:extLst>
               <a:ext uri="{28A0092B-C50C-407E-A947-70E740481C1C}">
-                <a14:useLocalDpi xmlns="" xmlns:a14="http://schemas.microsoft.com/office/drawing/2010/main" val="0"/>
+                <a14:useLocalDpi xmlns:a14="http://schemas.microsoft.com/office/drawing/2010/main" xmlns="" val="0"/>
               </a:ext>
             </a:extLst>
           </a:blip>
@@ -2666,7 +2666,7 @@
     </p:spTree>
     <p:extLst>
       <p:ext uri="{BB962C8B-B14F-4D97-AF65-F5344CB8AC3E}">
-        <p14:creationId xmlns="" xmlns:p14="http://schemas.microsoft.com/office/powerpoint/2010/main" val="1604652190"/>
+        <p14:creationId xmlns:p14="http://schemas.microsoft.com/office/powerpoint/2010/main" xmlns="" val="1604652190"/>
       </p:ext>
     </p:extLst>
   </p:cSld>
@@ -2712,7 +2712,7 @@
           <a:blip r:embed="rId2" cstate="print">
             <a:extLst>
               <a:ext uri="{28A0092B-C50C-407E-A947-70E740481C1C}">
-                <a14:useLocalDpi xmlns="" xmlns:a14="http://schemas.microsoft.com/office/drawing/2010/main" val="0"/>
+                <a14:useLocalDpi xmlns:a14="http://schemas.microsoft.com/office/drawing/2010/main" xmlns="" val="0"/>
               </a:ext>
             </a:extLst>
           </a:blip>
@@ -2800,7 +2800,7 @@
     </p:spTree>
     <p:extLst>
       <p:ext uri="{BB962C8B-B14F-4D97-AF65-F5344CB8AC3E}">
-        <p14:creationId xmlns="" xmlns:p14="http://schemas.microsoft.com/office/powerpoint/2010/main" val="3828523544"/>
+        <p14:creationId xmlns:p14="http://schemas.microsoft.com/office/powerpoint/2010/main" xmlns="" val="3828523544"/>
       </p:ext>
     </p:extLst>
   </p:cSld>
@@ -5755,7 +5755,7 @@
           <a:blip r:embed="rId10" cstate="print">
             <a:extLst>
               <a:ext uri="{28A0092B-C50C-407E-A947-70E740481C1C}">
-                <a14:useLocalDpi xmlns="" xmlns:a14="http://schemas.microsoft.com/office/drawing/2010/main" val="0"/>
+                <a14:useLocalDpi xmlns:a14="http://schemas.microsoft.com/office/drawing/2010/main" xmlns="" val="0"/>
               </a:ext>
             </a:extLst>
           </a:blip>
@@ -6454,7 +6454,7 @@
                 <a:tabLst/>
                 <a:defRPr/>
               </a:pPr>
-              <a:t>2015/11/25</a:t>
+              <a:t>2015/11/30</a:t>
             </a:fld>
             <a:endParaRPr kumimoji="0" lang="zh-TW" altLang="en-US" sz="1050" b="0" i="0" u="none" strike="noStrike" kern="1200" cap="none" spc="0" normalizeH="0" baseline="0" noProof="0" dirty="0">
               <a:ln>
@@ -6479,7 +6479,7 @@
     </p:spTree>
     <p:extLst>
       <p:ext uri="{BB962C8B-B14F-4D97-AF65-F5344CB8AC3E}">
-        <p14:creationId xmlns="" xmlns:p14="http://schemas.microsoft.com/office/powerpoint/2010/main" val="495258064"/>
+        <p14:creationId xmlns:p14="http://schemas.microsoft.com/office/powerpoint/2010/main" xmlns="" val="495258064"/>
       </p:ext>
     </p:extLst>
   </p:cSld>
@@ -10329,7 +10329,7 @@
     </p:spTree>
     <p:extLst>
       <p:ext uri="{BB962C8B-B14F-4D97-AF65-F5344CB8AC3E}">
-        <p14:creationId xmlns="" xmlns:p14="http://schemas.microsoft.com/office/powerpoint/2010/main" val="1188013231"/>
+        <p14:creationId xmlns:p14="http://schemas.microsoft.com/office/powerpoint/2010/main" xmlns="" val="1188013231"/>
       </p:ext>
     </p:extLst>
   </p:cSld>
@@ -10412,7 +10412,7 @@
     </p:spTree>
     <p:extLst>
       <p:ext uri="{BB962C8B-B14F-4D97-AF65-F5344CB8AC3E}">
-        <p14:creationId xmlns="" xmlns:p14="http://schemas.microsoft.com/office/powerpoint/2010/main" val="1188013231"/>
+        <p14:creationId xmlns:p14="http://schemas.microsoft.com/office/powerpoint/2010/main" xmlns="" val="1188013231"/>
       </p:ext>
     </p:extLst>
   </p:cSld>
@@ -19286,11 +19286,7 @@
           <a:p>
             <a:r>
               <a:rPr lang="en-US" altLang="zh-TW" dirty="0" smtClean="0"/>
-              <a:t>SPI </a:t>
-            </a:r>
-            <a:r>
-              <a:rPr lang="en-US" altLang="zh-TW" dirty="0" smtClean="0"/>
-              <a:t>Bus Flow Chart</a:t>
+              <a:t>SPI Bus Flow Chart</a:t>
             </a:r>
             <a:endParaRPr lang="zh-TW" altLang="en-US" dirty="0"/>
           </a:p>
@@ -19330,7 +19326,11 @@
           <a:lstStyle/>
           <a:p>
             <a:pPr algn="ctr"/>
-            <a:endParaRPr lang="zh-TW" altLang="en-US" dirty="0" smtClean="0"/>
+            <a:r>
+              <a:rPr lang="en-US" altLang="zh-TW" sz="1000" dirty="0" smtClean="0"/>
+              <a:t>Send transfer</a:t>
+            </a:r>
+            <a:endParaRPr lang="zh-TW" altLang="en-US" sz="1000" dirty="0" smtClean="0"/>
           </a:p>
         </p:txBody>
       </p:sp>
@@ -19368,7 +19368,17 @@
           <a:lstStyle/>
           <a:p>
             <a:pPr algn="ctr"/>
-            <a:endParaRPr lang="zh-TW" altLang="en-US" dirty="0" smtClean="0"/>
+            <a:r>
+              <a:rPr lang="en-US" altLang="zh-TW" sz="800" dirty="0" smtClean="0"/>
+              <a:t>Transfer</a:t>
+            </a:r>
+          </a:p>
+          <a:p>
+            <a:pPr algn="ctr"/>
+            <a:r>
+              <a:rPr lang="en-US" altLang="zh-TW" sz="800" dirty="0" smtClean="0"/>
+              <a:t>Para</a:t>
+            </a:r>
           </a:p>
         </p:txBody>
       </p:sp>
@@ -19389,16 +19399,16 @@
         </p:spPr>
         <p:style>
           <a:lnRef idx="1">
-            <a:schemeClr val="accent1"/>
-          </a:lnRef>
-          <a:fillRef idx="3">
-            <a:schemeClr val="accent1"/>
-          </a:fillRef>
-          <a:effectRef idx="2">
-            <a:schemeClr val="accent1"/>
-          </a:effectRef>
-          <a:fontRef idx="minor">
-            <a:schemeClr val="lt1"/>
+            <a:schemeClr val="accent2"/>
+          </a:lnRef>
+          <a:fillRef idx="2">
+            <a:schemeClr val="accent2"/>
+          </a:fillRef>
+          <a:effectRef idx="1">
+            <a:schemeClr val="accent2"/>
+          </a:effectRef>
+          <a:fontRef idx="minor">
+            <a:schemeClr val="dk1"/>
           </a:fontRef>
         </p:style>
         <p:txBody>
@@ -19406,7 +19416,18 @@
           <a:lstStyle/>
           <a:p>
             <a:pPr algn="ctr"/>
-            <a:endParaRPr lang="zh-TW" altLang="en-US" dirty="0" smtClean="0"/>
+            <a:r>
+              <a:rPr lang="en-US" altLang="zh-TW" sz="1000" dirty="0" smtClean="0"/>
+              <a:t>transfer</a:t>
+            </a:r>
+          </a:p>
+          <a:p>
+            <a:pPr algn="ctr"/>
+            <a:r>
+              <a:rPr lang="en-US" altLang="zh-TW" sz="1000" dirty="0" err="1" smtClean="0"/>
+              <a:t>para</a:t>
+            </a:r>
+            <a:endParaRPr lang="zh-TW" altLang="en-US" sz="1000" dirty="0" smtClean="0"/>
           </a:p>
         </p:txBody>
       </p:sp>
@@ -19418,7 +19439,7 @@
         </p:nvSpPr>
         <p:spPr>
           <a:xfrm>
-            <a:off x="3167944" y="3577580"/>
+            <a:off x="3059832" y="3577580"/>
             <a:ext cx="900000" cy="540000"/>
           </a:xfrm>
           <a:prstGeom prst="flowChartMagneticDrum">
@@ -19427,16 +19448,16 @@
         </p:spPr>
         <p:style>
           <a:lnRef idx="1">
-            <a:schemeClr val="accent1"/>
-          </a:lnRef>
-          <a:fillRef idx="3">
-            <a:schemeClr val="accent1"/>
-          </a:fillRef>
-          <a:effectRef idx="2">
-            <a:schemeClr val="accent1"/>
-          </a:effectRef>
-          <a:fontRef idx="minor">
-            <a:schemeClr val="lt1"/>
+            <a:schemeClr val="accent2"/>
+          </a:lnRef>
+          <a:fillRef idx="2">
+            <a:schemeClr val="accent2"/>
+          </a:fillRef>
+          <a:effectRef idx="1">
+            <a:schemeClr val="accent2"/>
+          </a:effectRef>
+          <a:fontRef idx="minor">
+            <a:schemeClr val="dk1"/>
           </a:fontRef>
         </p:style>
         <p:txBody>
@@ -19444,7 +19465,27 @@
           <a:lstStyle/>
           <a:p>
             <a:pPr algn="ctr"/>
-            <a:endParaRPr lang="zh-TW" altLang="en-US" dirty="0" smtClean="0"/>
+            <a:r>
+              <a:rPr lang="en-US" altLang="zh-TW" sz="1000" dirty="0" err="1" smtClean="0"/>
+              <a:t>Spi</a:t>
+            </a:r>
+            <a:endParaRPr lang="en-US" altLang="zh-TW" sz="1000" dirty="0" smtClean="0"/>
+          </a:p>
+          <a:p>
+            <a:pPr algn="ctr"/>
+            <a:r>
+              <a:rPr lang="en-US" altLang="zh-TW" sz="1000" dirty="0" smtClean="0"/>
+              <a:t>bus</a:t>
+            </a:r>
+            <a:endParaRPr lang="en-US" altLang="zh-TW" sz="1000" dirty="0" smtClean="0"/>
+          </a:p>
+          <a:p>
+            <a:pPr algn="ctr"/>
+            <a:r>
+              <a:rPr lang="en-US" altLang="zh-TW" sz="1000" dirty="0" err="1" smtClean="0"/>
+              <a:t>para</a:t>
+            </a:r>
+            <a:endParaRPr lang="zh-TW" altLang="en-US" sz="1000" dirty="0" smtClean="0"/>
           </a:p>
         </p:txBody>
       </p:sp>
@@ -19482,7 +19523,15 @@
           <a:lstStyle/>
           <a:p>
             <a:pPr algn="ctr"/>
-            <a:endParaRPr lang="zh-TW" altLang="en-US" dirty="0" smtClean="0"/>
+            <a:r>
+              <a:rPr lang="en-US" altLang="zh-TW" sz="1000" dirty="0" smtClean="0"/>
+              <a:t>Setup </a:t>
+            </a:r>
+            <a:r>
+              <a:rPr lang="en-US" altLang="zh-TW" sz="1000" dirty="0" err="1" smtClean="0"/>
+              <a:t>xfer</a:t>
+            </a:r>
+            <a:endParaRPr lang="zh-TW" altLang="en-US" sz="1000" dirty="0" smtClean="0"/>
           </a:p>
         </p:txBody>
       </p:sp>
@@ -19520,7 +19569,22 @@
           <a:lstStyle/>
           <a:p>
             <a:pPr algn="ctr"/>
-            <a:endParaRPr lang="zh-TW" altLang="en-US" dirty="0" smtClean="0"/>
+            <a:r>
+              <a:rPr lang="en-US" altLang="zh-TW" sz="1000" dirty="0" err="1" smtClean="0"/>
+              <a:t>tx</a:t>
+            </a:r>
+            <a:r>
+              <a:rPr lang="en-US" altLang="zh-TW" sz="1000" dirty="0" smtClean="0"/>
+              <a:t>/</a:t>
+            </a:r>
+            <a:r>
+              <a:rPr lang="en-US" altLang="zh-TW" sz="1000" dirty="0" err="1" smtClean="0"/>
+              <a:t>rx</a:t>
+            </a:r>
+            <a:r>
+              <a:rPr lang="en-US" altLang="zh-TW" sz="1000" dirty="0" smtClean="0"/>
+              <a:t> buffer</a:t>
+            </a:r>
           </a:p>
         </p:txBody>
       </p:sp>
@@ -19558,7 +19622,11 @@
           <a:lstStyle/>
           <a:p>
             <a:pPr algn="ctr"/>
-            <a:endParaRPr lang="zh-TW" altLang="en-US" dirty="0" smtClean="0"/>
+            <a:r>
+              <a:rPr lang="en-US" altLang="zh-TW" sz="1000" dirty="0" smtClean="0"/>
+              <a:t>Transfer?</a:t>
+            </a:r>
+            <a:endParaRPr lang="zh-TW" altLang="en-US" sz="1000" dirty="0" smtClean="0"/>
           </a:p>
         </p:txBody>
       </p:sp>
@@ -19596,7 +19664,11 @@
           <a:lstStyle/>
           <a:p>
             <a:pPr algn="ctr"/>
-            <a:endParaRPr lang="zh-TW" altLang="en-US" dirty="0" smtClean="0"/>
+            <a:r>
+              <a:rPr lang="en-US" altLang="zh-TW" sz="800" dirty="0" smtClean="0"/>
+              <a:t>Message?</a:t>
+            </a:r>
+            <a:endParaRPr lang="zh-TW" altLang="en-US" sz="800" dirty="0" smtClean="0"/>
           </a:p>
         </p:txBody>
       </p:sp>
@@ -19617,13 +19689,13 @@
         </p:spPr>
         <p:style>
           <a:lnRef idx="1">
-            <a:schemeClr val="accent1"/>
+            <a:schemeClr val="accent6"/>
           </a:lnRef>
           <a:fillRef idx="2">
-            <a:schemeClr val="accent1"/>
+            <a:schemeClr val="accent6"/>
           </a:fillRef>
           <a:effectRef idx="1">
-            <a:schemeClr val="accent1"/>
+            <a:schemeClr val="accent6"/>
           </a:effectRef>
           <a:fontRef idx="minor">
             <a:schemeClr val="dk1"/>
@@ -19635,10 +19707,10 @@
           <a:p>
             <a:pPr algn="ctr"/>
             <a:r>
-              <a:rPr lang="en-US" altLang="zh-TW" sz="1400" dirty="0" smtClean="0"/>
+              <a:rPr lang="en-US" altLang="zh-TW" sz="1000" dirty="0" smtClean="0"/>
               <a:t>complete</a:t>
             </a:r>
-            <a:endParaRPr lang="zh-TW" altLang="en-US" sz="1400" dirty="0" smtClean="0"/>
+            <a:endParaRPr lang="zh-TW" altLang="en-US" sz="1000" dirty="0" smtClean="0"/>
           </a:p>
         </p:txBody>
       </p:sp>
@@ -19791,18 +19863,21 @@
       <p:cxnSp>
         <p:nvCxnSpPr>
           <p:cNvPr id="166" name="圖案 165"/>
-          <p:cNvCxnSpPr/>
+          <p:cNvCxnSpPr>
+            <a:stCxn id="147" idx="2"/>
+            <a:endCxn id="148" idx="1"/>
+          </p:cNvCxnSpPr>
           <p:nvPr/>
         </p:nvCxnSpPr>
         <p:spPr>
           <a:xfrm rot="5400000" flipH="1" flipV="1">
-            <a:off x="3112360" y="1580836"/>
+            <a:off x="2608344" y="1544832"/>
             <a:ext cx="2988332" cy="3237404"/>
           </a:xfrm>
           <a:prstGeom prst="bentConnector4">
             <a:avLst>
               <a:gd name="adj1" fmla="val -7650"/>
-              <a:gd name="adj2" fmla="val 58340"/>
+              <a:gd name="adj2" fmla="val 72698"/>
             </a:avLst>
           </a:prstGeom>
           <a:ln>
@@ -19836,7 +19911,7 @@
         <p:spPr>
           <a:xfrm>
             <a:off x="2915816" y="3199508"/>
-            <a:ext cx="702128" cy="378072"/>
+            <a:ext cx="594016" cy="378072"/>
           </a:xfrm>
           <a:prstGeom prst="bentConnector2">
             <a:avLst/>
@@ -19943,8 +20018,8 @@
         </p:nvCxnSpPr>
         <p:spPr>
           <a:xfrm rot="5400000">
-            <a:off x="3140826" y="4000562"/>
-            <a:ext cx="360100" cy="594136"/>
+            <a:off x="3086770" y="4054618"/>
+            <a:ext cx="360100" cy="486024"/>
           </a:xfrm>
           <a:prstGeom prst="bentConnector2">
             <a:avLst/>
@@ -20095,13 +20170,13 @@
         </p:spPr>
         <p:style>
           <a:lnRef idx="1">
-            <a:schemeClr val="accent1"/>
+            <a:schemeClr val="accent6"/>
           </a:lnRef>
           <a:fillRef idx="2">
-            <a:schemeClr val="accent1"/>
+            <a:schemeClr val="accent6"/>
           </a:fillRef>
           <a:effectRef idx="1">
-            <a:schemeClr val="accent1"/>
+            <a:schemeClr val="accent6"/>
           </a:effectRef>
           <a:fontRef idx="minor">
             <a:schemeClr val="dk1"/>
@@ -20113,10 +20188,14 @@
           <a:p>
             <a:pPr algn="ctr"/>
             <a:r>
-              <a:rPr lang="en-US" altLang="zh-TW" sz="1400" dirty="0" smtClean="0"/>
-              <a:t>Begin</a:t>
-            </a:r>
-            <a:endParaRPr lang="zh-TW" altLang="en-US" sz="1400" dirty="0" smtClean="0"/>
+              <a:rPr lang="zh-TW" altLang="en-US" sz="1000" dirty="0" smtClean="0"/>
+              <a:t>傳送</a:t>
+            </a:r>
+            <a:r>
+              <a:rPr lang="en-US" altLang="zh-TW" sz="1000" dirty="0" smtClean="0"/>
+              <a:t>message</a:t>
+            </a:r>
+            <a:endParaRPr lang="zh-TW" altLang="en-US" sz="1000" dirty="0" smtClean="0"/>
           </a:p>
         </p:txBody>
       </p:sp>
@@ -20154,7 +20233,11 @@
           <a:lstStyle/>
           <a:p>
             <a:pPr algn="ctr"/>
-            <a:endParaRPr lang="zh-TW" altLang="en-US" dirty="0" smtClean="0"/>
+            <a:r>
+              <a:rPr lang="en-US" altLang="zh-TW" sz="1000" dirty="0" smtClean="0"/>
+              <a:t>Send message</a:t>
+            </a:r>
+            <a:endParaRPr lang="zh-TW" altLang="en-US" sz="1000" dirty="0" smtClean="0"/>
           </a:p>
         </p:txBody>
       </p:sp>
@@ -20194,6 +20277,533 @@
           </a:fontRef>
         </p:style>
       </p:cxnSp>
+      <p:sp>
+        <p:nvSpPr>
+          <p:cNvPr id="33" name="文字方塊 32"/>
+          <p:cNvSpPr txBox="1"/>
+          <p:nvPr/>
+        </p:nvSpPr>
+        <p:spPr>
+          <a:xfrm>
+            <a:off x="1582744" y="2940541"/>
+            <a:ext cx="396968" cy="276999"/>
+          </a:xfrm>
+          <a:prstGeom prst="rect">
+            <a:avLst/>
+          </a:prstGeom>
+          <a:noFill/>
+        </p:spPr>
+        <p:txBody>
+          <a:bodyPr wrap="none" rtlCol="0">
+            <a:spAutoFit/>
+          </a:bodyPr>
+          <a:lstStyle/>
+          <a:p>
+            <a:r>
+              <a:rPr lang="en-US" altLang="zh-TW" sz="1200" dirty="0" smtClean="0"/>
+              <a:t>Yes</a:t>
+            </a:r>
+            <a:endParaRPr lang="zh-TW" altLang="en-US" sz="1200" dirty="0"/>
+          </a:p>
+        </p:txBody>
+      </p:sp>
+      <p:sp>
+        <p:nvSpPr>
+          <p:cNvPr id="34" name="文字方塊 33"/>
+          <p:cNvSpPr txBox="1"/>
+          <p:nvPr/>
+        </p:nvSpPr>
+        <p:spPr>
+          <a:xfrm>
+            <a:off x="2987824" y="2940541"/>
+            <a:ext cx="391454" cy="276999"/>
+          </a:xfrm>
+          <a:prstGeom prst="rect">
+            <a:avLst/>
+          </a:prstGeom>
+          <a:noFill/>
+        </p:spPr>
+        <p:txBody>
+          <a:bodyPr wrap="none" rtlCol="0">
+            <a:spAutoFit/>
+          </a:bodyPr>
+          <a:lstStyle/>
+          <a:p>
+            <a:r>
+              <a:rPr lang="en-US" altLang="zh-TW" sz="1200" dirty="0" smtClean="0"/>
+              <a:t>No</a:t>
+            </a:r>
+            <a:endParaRPr lang="zh-TW" altLang="en-US" sz="1200" dirty="0"/>
+          </a:p>
+        </p:txBody>
+      </p:sp>
+      <p:sp>
+        <p:nvSpPr>
+          <p:cNvPr id="38" name="文字方塊 37"/>
+          <p:cNvSpPr txBox="1"/>
+          <p:nvPr/>
+        </p:nvSpPr>
+        <p:spPr>
+          <a:xfrm>
+            <a:off x="5220072" y="1921396"/>
+            <a:ext cx="646331" cy="276999"/>
+          </a:xfrm>
+          <a:prstGeom prst="rect">
+            <a:avLst/>
+          </a:prstGeom>
+          <a:noFill/>
+          <a:ln w="12700">
+            <a:solidFill>
+              <a:schemeClr val="accent1"/>
+            </a:solidFill>
+            <a:prstDash val="sysDash"/>
+          </a:ln>
+        </p:spPr>
+        <p:txBody>
+          <a:bodyPr wrap="none" rtlCol="0">
+            <a:spAutoFit/>
+          </a:bodyPr>
+          <a:lstStyle/>
+          <a:p>
+            <a:r>
+              <a:rPr lang="en-US" altLang="zh-TW" sz="1200" dirty="0" smtClean="0">
+                <a:solidFill>
+                  <a:schemeClr val="tx2">
+                    <a:lumMod val="75000"/>
+                  </a:schemeClr>
+                </a:solidFill>
+              </a:rPr>
+              <a:t>Run bit</a:t>
+            </a:r>
+            <a:endParaRPr lang="zh-TW" altLang="en-US" sz="1200" dirty="0">
+              <a:solidFill>
+                <a:schemeClr val="tx2">
+                  <a:lumMod val="75000"/>
+                </a:schemeClr>
+              </a:solidFill>
+            </a:endParaRPr>
+          </a:p>
+        </p:txBody>
+      </p:sp>
+      <p:cxnSp>
+        <p:nvCxnSpPr>
+          <p:cNvPr id="40" name="直線接點 39"/>
+          <p:cNvCxnSpPr>
+            <a:stCxn id="38" idx="3"/>
+          </p:cNvCxnSpPr>
+          <p:nvPr/>
+        </p:nvCxnSpPr>
+        <p:spPr>
+          <a:xfrm>
+            <a:off x="5866403" y="2059896"/>
+            <a:ext cx="361781" cy="5516"/>
+          </a:xfrm>
+          <a:prstGeom prst="line">
+            <a:avLst/>
+          </a:prstGeom>
+          <a:ln w="12700">
+            <a:prstDash val="sysDash"/>
+          </a:ln>
+        </p:spPr>
+        <p:style>
+          <a:lnRef idx="1">
+            <a:schemeClr val="accent1"/>
+          </a:lnRef>
+          <a:fillRef idx="0">
+            <a:schemeClr val="accent1"/>
+          </a:fillRef>
+          <a:effectRef idx="0">
+            <a:schemeClr val="accent1"/>
+          </a:effectRef>
+          <a:fontRef idx="minor">
+            <a:schemeClr val="tx1"/>
+          </a:fontRef>
+        </p:style>
+      </p:cxnSp>
+      <p:sp>
+        <p:nvSpPr>
+          <p:cNvPr id="41" name="文字方塊 40"/>
+          <p:cNvSpPr txBox="1"/>
+          <p:nvPr/>
+        </p:nvSpPr>
+        <p:spPr>
+          <a:xfrm>
+            <a:off x="2123728" y="3793604"/>
+            <a:ext cx="720080" cy="276999"/>
+          </a:xfrm>
+          <a:prstGeom prst="rect">
+            <a:avLst/>
+          </a:prstGeom>
+          <a:noFill/>
+          <a:ln w="12700">
+            <a:solidFill>
+              <a:schemeClr val="accent1"/>
+            </a:solidFill>
+            <a:prstDash val="sysDash"/>
+          </a:ln>
+        </p:spPr>
+        <p:txBody>
+          <a:bodyPr wrap="square" rtlCol="0">
+            <a:spAutoFit/>
+          </a:bodyPr>
+          <a:lstStyle/>
+          <a:p>
+            <a:r>
+              <a:rPr lang="en-US" altLang="zh-TW" sz="1200" dirty="0" err="1" smtClean="0">
+                <a:solidFill>
+                  <a:schemeClr val="tx2">
+                    <a:lumMod val="75000"/>
+                  </a:schemeClr>
+                </a:solidFill>
+              </a:rPr>
+              <a:t>c</a:t>
+            </a:r>
+            <a:r>
+              <a:rPr lang="en-US" altLang="zh-TW" sz="1200" dirty="0" err="1" smtClean="0">
+                <a:solidFill>
+                  <a:schemeClr val="tx2">
+                    <a:lumMod val="75000"/>
+                  </a:schemeClr>
+                </a:solidFill>
+              </a:rPr>
+              <a:t>s</a:t>
+            </a:r>
+            <a:r>
+              <a:rPr lang="en-US" altLang="zh-TW" sz="1200" dirty="0" smtClean="0">
+                <a:solidFill>
+                  <a:schemeClr val="tx2">
+                    <a:lumMod val="75000"/>
+                  </a:schemeClr>
+                </a:solidFill>
+              </a:rPr>
+              <a:t> setup</a:t>
+            </a:r>
+            <a:endParaRPr lang="zh-TW" altLang="en-US" sz="1200" dirty="0">
+              <a:solidFill>
+                <a:schemeClr val="tx2">
+                  <a:lumMod val="75000"/>
+                </a:schemeClr>
+              </a:solidFill>
+            </a:endParaRPr>
+          </a:p>
+        </p:txBody>
+      </p:sp>
+      <p:cxnSp>
+        <p:nvCxnSpPr>
+          <p:cNvPr id="42" name="直線接點 41"/>
+          <p:cNvCxnSpPr>
+            <a:stCxn id="41" idx="3"/>
+          </p:cNvCxnSpPr>
+          <p:nvPr/>
+        </p:nvCxnSpPr>
+        <p:spPr>
+          <a:xfrm>
+            <a:off x="2843808" y="3932104"/>
+            <a:ext cx="648072" cy="509572"/>
+          </a:xfrm>
+          <a:prstGeom prst="line">
+            <a:avLst/>
+          </a:prstGeom>
+          <a:ln w="12700">
+            <a:prstDash val="sysDash"/>
+          </a:ln>
+        </p:spPr>
+        <p:style>
+          <a:lnRef idx="1">
+            <a:schemeClr val="accent1"/>
+          </a:lnRef>
+          <a:fillRef idx="0">
+            <a:schemeClr val="accent1"/>
+          </a:fillRef>
+          <a:effectRef idx="0">
+            <a:schemeClr val="accent1"/>
+          </a:effectRef>
+          <a:fontRef idx="minor">
+            <a:schemeClr val="tx1"/>
+          </a:fontRef>
+        </p:style>
+      </p:cxnSp>
+      <p:cxnSp>
+        <p:nvCxnSpPr>
+          <p:cNvPr id="45" name="直線接點 44"/>
+          <p:cNvCxnSpPr>
+            <a:stCxn id="41" idx="1"/>
+          </p:cNvCxnSpPr>
+          <p:nvPr/>
+        </p:nvCxnSpPr>
+        <p:spPr>
+          <a:xfrm flipH="1">
+            <a:off x="1547664" y="3932104"/>
+            <a:ext cx="576064" cy="437564"/>
+          </a:xfrm>
+          <a:prstGeom prst="line">
+            <a:avLst/>
+          </a:prstGeom>
+          <a:ln w="12700">
+            <a:prstDash val="sysDash"/>
+          </a:ln>
+        </p:spPr>
+        <p:style>
+          <a:lnRef idx="1">
+            <a:schemeClr val="accent1"/>
+          </a:lnRef>
+          <a:fillRef idx="0">
+            <a:schemeClr val="accent1"/>
+          </a:fillRef>
+          <a:effectRef idx="0">
+            <a:schemeClr val="accent1"/>
+          </a:effectRef>
+          <a:fontRef idx="minor">
+            <a:schemeClr val="tx1"/>
+          </a:fontRef>
+        </p:style>
+      </p:cxnSp>
+      <p:sp>
+        <p:nvSpPr>
+          <p:cNvPr id="48" name="文字方塊 47"/>
+          <p:cNvSpPr txBox="1"/>
+          <p:nvPr/>
+        </p:nvSpPr>
+        <p:spPr>
+          <a:xfrm>
+            <a:off x="6876256" y="3001516"/>
+            <a:ext cx="864339" cy="276999"/>
+          </a:xfrm>
+          <a:prstGeom prst="rect">
+            <a:avLst/>
+          </a:prstGeom>
+          <a:noFill/>
+          <a:ln w="12700">
+            <a:solidFill>
+              <a:schemeClr val="accent1"/>
+            </a:solidFill>
+            <a:prstDash val="sysDash"/>
+          </a:ln>
+        </p:spPr>
+        <p:txBody>
+          <a:bodyPr wrap="none" rtlCol="0">
+            <a:spAutoFit/>
+          </a:bodyPr>
+          <a:lstStyle/>
+          <a:p>
+            <a:r>
+              <a:rPr lang="en-US" altLang="zh-TW" sz="1200" dirty="0" err="1" smtClean="0">
+                <a:solidFill>
+                  <a:schemeClr val="tx2">
+                    <a:lumMod val="75000"/>
+                  </a:schemeClr>
+                </a:solidFill>
+              </a:rPr>
+              <a:t>cs</a:t>
+            </a:r>
+            <a:r>
+              <a:rPr lang="en-US" altLang="zh-TW" sz="1200" dirty="0" smtClean="0">
+                <a:solidFill>
+                  <a:schemeClr val="tx2">
+                    <a:lumMod val="75000"/>
+                  </a:schemeClr>
+                </a:solidFill>
+              </a:rPr>
+              <a:t> inactive</a:t>
+            </a:r>
+            <a:endParaRPr lang="zh-TW" altLang="en-US" sz="1200" dirty="0">
+              <a:solidFill>
+                <a:schemeClr val="tx2">
+                  <a:lumMod val="75000"/>
+                </a:schemeClr>
+              </a:solidFill>
+            </a:endParaRPr>
+          </a:p>
+        </p:txBody>
+      </p:sp>
+      <p:cxnSp>
+        <p:nvCxnSpPr>
+          <p:cNvPr id="49" name="直線接點 48"/>
+          <p:cNvCxnSpPr>
+            <a:stCxn id="48" idx="1"/>
+          </p:cNvCxnSpPr>
+          <p:nvPr/>
+        </p:nvCxnSpPr>
+        <p:spPr>
+          <a:xfrm flipH="1">
+            <a:off x="6300192" y="3140016"/>
+            <a:ext cx="576064" cy="5516"/>
+          </a:xfrm>
+          <a:prstGeom prst="line">
+            <a:avLst/>
+          </a:prstGeom>
+          <a:ln w="12700">
+            <a:prstDash val="sysDash"/>
+          </a:ln>
+        </p:spPr>
+        <p:style>
+          <a:lnRef idx="1">
+            <a:schemeClr val="accent1"/>
+          </a:lnRef>
+          <a:fillRef idx="0">
+            <a:schemeClr val="accent1"/>
+          </a:fillRef>
+          <a:effectRef idx="0">
+            <a:schemeClr val="accent1"/>
+          </a:effectRef>
+          <a:fontRef idx="minor">
+            <a:schemeClr val="tx1"/>
+          </a:fontRef>
+        </p:style>
+      </p:cxnSp>
+      <p:sp>
+        <p:nvSpPr>
+          <p:cNvPr id="52" name="文字方塊 51"/>
+          <p:cNvSpPr txBox="1"/>
+          <p:nvPr/>
+        </p:nvSpPr>
+        <p:spPr>
+          <a:xfrm>
+            <a:off x="5004048" y="985292"/>
+            <a:ext cx="742511" cy="276999"/>
+          </a:xfrm>
+          <a:prstGeom prst="rect">
+            <a:avLst/>
+          </a:prstGeom>
+          <a:noFill/>
+          <a:ln w="12700">
+            <a:solidFill>
+              <a:schemeClr val="accent1"/>
+            </a:solidFill>
+            <a:prstDash val="sysDash"/>
+          </a:ln>
+        </p:spPr>
+        <p:txBody>
+          <a:bodyPr wrap="none" rtlCol="0">
+            <a:spAutoFit/>
+          </a:bodyPr>
+          <a:lstStyle/>
+          <a:p>
+            <a:r>
+              <a:rPr lang="en-US" altLang="zh-TW" sz="1200" dirty="0" err="1" smtClean="0">
+                <a:solidFill>
+                  <a:schemeClr val="tx2">
+                    <a:lumMod val="75000"/>
+                  </a:schemeClr>
+                </a:solidFill>
+              </a:rPr>
+              <a:t>cs</a:t>
+            </a:r>
+            <a:r>
+              <a:rPr lang="en-US" altLang="zh-TW" sz="1200" dirty="0" smtClean="0">
+                <a:solidFill>
+                  <a:schemeClr val="tx2">
+                    <a:lumMod val="75000"/>
+                  </a:schemeClr>
+                </a:solidFill>
+              </a:rPr>
+              <a:t> active</a:t>
+            </a:r>
+            <a:endParaRPr lang="zh-TW" altLang="en-US" sz="1200" dirty="0">
+              <a:solidFill>
+                <a:schemeClr val="tx2">
+                  <a:lumMod val="75000"/>
+                </a:schemeClr>
+              </a:solidFill>
+            </a:endParaRPr>
+          </a:p>
+        </p:txBody>
+      </p:sp>
+      <p:cxnSp>
+        <p:nvCxnSpPr>
+          <p:cNvPr id="53" name="直線接點 52"/>
+          <p:cNvCxnSpPr>
+            <a:stCxn id="52" idx="2"/>
+          </p:cNvCxnSpPr>
+          <p:nvPr/>
+        </p:nvCxnSpPr>
+        <p:spPr>
+          <a:xfrm flipH="1">
+            <a:off x="5292081" y="1262291"/>
+            <a:ext cx="83223" cy="371073"/>
+          </a:xfrm>
+          <a:prstGeom prst="line">
+            <a:avLst/>
+          </a:prstGeom>
+          <a:ln w="12700">
+            <a:prstDash val="sysDash"/>
+          </a:ln>
+        </p:spPr>
+        <p:style>
+          <a:lnRef idx="1">
+            <a:schemeClr val="accent1"/>
+          </a:lnRef>
+          <a:fillRef idx="0">
+            <a:schemeClr val="accent1"/>
+          </a:fillRef>
+          <a:effectRef idx="0">
+            <a:schemeClr val="accent1"/>
+          </a:effectRef>
+          <a:fontRef idx="minor">
+            <a:schemeClr val="tx1"/>
+          </a:fontRef>
+        </p:style>
+      </p:cxnSp>
+      <p:sp>
+        <p:nvSpPr>
+          <p:cNvPr id="56" name="文字方塊 55"/>
+          <p:cNvSpPr txBox="1"/>
+          <p:nvPr/>
+        </p:nvSpPr>
+        <p:spPr>
+          <a:xfrm>
+            <a:off x="5908738" y="2940541"/>
+            <a:ext cx="391454" cy="276999"/>
+          </a:xfrm>
+          <a:prstGeom prst="rect">
+            <a:avLst/>
+          </a:prstGeom>
+          <a:noFill/>
+        </p:spPr>
+        <p:txBody>
+          <a:bodyPr wrap="none" rtlCol="0">
+            <a:spAutoFit/>
+          </a:bodyPr>
+          <a:lstStyle/>
+          <a:p>
+            <a:r>
+              <a:rPr lang="en-US" altLang="zh-TW" sz="1200" dirty="0" smtClean="0"/>
+              <a:t>No</a:t>
+            </a:r>
+            <a:endParaRPr lang="zh-TW" altLang="en-US" sz="1200" dirty="0"/>
+          </a:p>
+        </p:txBody>
+      </p:sp>
+      <p:sp>
+        <p:nvSpPr>
+          <p:cNvPr id="57" name="文字方塊 56"/>
+          <p:cNvSpPr txBox="1"/>
+          <p:nvPr/>
+        </p:nvSpPr>
+        <p:spPr>
+          <a:xfrm>
+            <a:off x="5940152" y="3865612"/>
+            <a:ext cx="391454" cy="276999"/>
+          </a:xfrm>
+          <a:prstGeom prst="rect">
+            <a:avLst/>
+          </a:prstGeom>
+          <a:noFill/>
+        </p:spPr>
+        <p:txBody>
+          <a:bodyPr wrap="none" rtlCol="0">
+            <a:spAutoFit/>
+          </a:bodyPr>
+          <a:lstStyle/>
+          <a:p>
+            <a:r>
+              <a:rPr lang="en-US" altLang="zh-TW" sz="1200" dirty="0" smtClean="0"/>
+              <a:t>No</a:t>
+            </a:r>
+            <a:endParaRPr lang="zh-TW" altLang="en-US" sz="1200" dirty="0"/>
+          </a:p>
+        </p:txBody>
+      </p:sp>
     </p:spTree>
   </p:cSld>
   <p:clrMapOvr>
@@ -20739,7 +21349,7 @@
     </p:spTree>
     <p:extLst>
       <p:ext uri="{BB962C8B-B14F-4D97-AF65-F5344CB8AC3E}">
-        <p14:creationId xmlns:p14="http://schemas.microsoft.com/office/powerpoint/2010/main" xmlns="" val="3577142735"/>
+        <p14:creationId xmlns="" xmlns:p14="http://schemas.microsoft.com/office/powerpoint/2010/main" val="3577142735"/>
       </p:ext>
     </p:extLst>
   </p:cSld>
@@ -21819,7 +22429,7 @@
     </p:spTree>
     <p:extLst>
       <p:ext uri="{BB962C8B-B14F-4D97-AF65-F5344CB8AC3E}">
-        <p14:creationId xmlns="" xmlns:p14="http://schemas.microsoft.com/office/powerpoint/2010/main" val="1188013231"/>
+        <p14:creationId xmlns:p14="http://schemas.microsoft.com/office/powerpoint/2010/main" xmlns="" val="1188013231"/>
       </p:ext>
     </p:extLst>
   </p:cSld>
@@ -21902,7 +22512,7 @@
     </p:spTree>
     <p:extLst>
       <p:ext uri="{BB962C8B-B14F-4D97-AF65-F5344CB8AC3E}">
-        <p14:creationId xmlns="" xmlns:p14="http://schemas.microsoft.com/office/powerpoint/2010/main" val="1188013231"/>
+        <p14:creationId xmlns:p14="http://schemas.microsoft.com/office/powerpoint/2010/main" xmlns="" val="1188013231"/>
       </p:ext>
     </p:extLst>
   </p:cSld>
@@ -22002,7 +22612,7 @@
     </p:spTree>
     <p:extLst>
       <p:ext uri="{BB962C8B-B14F-4D97-AF65-F5344CB8AC3E}">
-        <p14:creationId xmlns="" xmlns:p14="http://schemas.microsoft.com/office/powerpoint/2010/main" val="553085013"/>
+        <p14:creationId xmlns:p14="http://schemas.microsoft.com/office/powerpoint/2010/main" xmlns="" val="553085013"/>
       </p:ext>
     </p:extLst>
   </p:cSld>
@@ -24083,7 +24693,7 @@
     </p:spTree>
     <p:extLst>
       <p:ext uri="{BB962C8B-B14F-4D97-AF65-F5344CB8AC3E}">
-        <p14:creationId xmlns="" xmlns:p14="http://schemas.microsoft.com/office/powerpoint/2010/main" val="1188013231"/>
+        <p14:creationId xmlns:p14="http://schemas.microsoft.com/office/powerpoint/2010/main" xmlns="" val="1188013231"/>
       </p:ext>
     </p:extLst>
   </p:cSld>
@@ -26332,7 +26942,7 @@
     </p:spTree>
     <p:extLst>
       <p:ext uri="{BB962C8B-B14F-4D97-AF65-F5344CB8AC3E}">
-        <p14:creationId xmlns="" xmlns:p14="http://schemas.microsoft.com/office/powerpoint/2010/main" val="2423379894"/>
+        <p14:creationId xmlns:p14="http://schemas.microsoft.com/office/powerpoint/2010/main" xmlns="" val="2423379894"/>
       </p:ext>
     </p:extLst>
   </p:cSld>
@@ -29779,7 +30389,7 @@
     </p:spTree>
     <p:extLst>
       <p:ext uri="{BB962C8B-B14F-4D97-AF65-F5344CB8AC3E}">
-        <p14:creationId xmlns="" xmlns:p14="http://schemas.microsoft.com/office/powerpoint/2010/main" val="1188013231"/>
+        <p14:creationId xmlns:p14="http://schemas.microsoft.com/office/powerpoint/2010/main" xmlns="" val="1188013231"/>
       </p:ext>
     </p:extLst>
   </p:cSld>

--- a/spi_report_ben.pptx
+++ b/spi_report_ben.pptx
@@ -5,10 +5,10 @@
     <p:sldMasterId id="2147483648" r:id="rId1"/>
   </p:sldMasterIdLst>
   <p:notesMasterIdLst>
-    <p:notesMasterId r:id="rId36"/>
+    <p:notesMasterId r:id="rId37"/>
   </p:notesMasterIdLst>
   <p:handoutMasterIdLst>
-    <p:handoutMasterId r:id="rId37"/>
+    <p:handoutMasterId r:id="rId38"/>
   </p:handoutMasterIdLst>
   <p:sldIdLst>
     <p:sldId id="256" r:id="rId2"/>
@@ -26,48 +26,49 @@
     <p:sldId id="273" r:id="rId14"/>
     <p:sldId id="332" r:id="rId15"/>
     <p:sldId id="348" r:id="rId16"/>
-    <p:sldId id="353" r:id="rId17"/>
-    <p:sldId id="334" r:id="rId18"/>
-    <p:sldId id="335" r:id="rId19"/>
-    <p:sldId id="336" r:id="rId20"/>
-    <p:sldId id="337" r:id="rId21"/>
-    <p:sldId id="338" r:id="rId22"/>
-    <p:sldId id="339" r:id="rId23"/>
-    <p:sldId id="340" r:id="rId24"/>
-    <p:sldId id="341" r:id="rId25"/>
-    <p:sldId id="342" r:id="rId26"/>
-    <p:sldId id="343" r:id="rId27"/>
-    <p:sldId id="344" r:id="rId28"/>
-    <p:sldId id="345" r:id="rId29"/>
-    <p:sldId id="315" r:id="rId30"/>
-    <p:sldId id="314" r:id="rId31"/>
-    <p:sldId id="258" r:id="rId32"/>
-    <p:sldId id="290" r:id="rId33"/>
-    <p:sldId id="350" r:id="rId34"/>
-    <p:sldId id="331" r:id="rId35"/>
+    <p:sldId id="354" r:id="rId17"/>
+    <p:sldId id="353" r:id="rId18"/>
+    <p:sldId id="334" r:id="rId19"/>
+    <p:sldId id="335" r:id="rId20"/>
+    <p:sldId id="336" r:id="rId21"/>
+    <p:sldId id="337" r:id="rId22"/>
+    <p:sldId id="338" r:id="rId23"/>
+    <p:sldId id="339" r:id="rId24"/>
+    <p:sldId id="340" r:id="rId25"/>
+    <p:sldId id="341" r:id="rId26"/>
+    <p:sldId id="342" r:id="rId27"/>
+    <p:sldId id="343" r:id="rId28"/>
+    <p:sldId id="344" r:id="rId29"/>
+    <p:sldId id="345" r:id="rId30"/>
+    <p:sldId id="315" r:id="rId31"/>
+    <p:sldId id="314" r:id="rId32"/>
+    <p:sldId id="258" r:id="rId33"/>
+    <p:sldId id="290" r:id="rId34"/>
+    <p:sldId id="350" r:id="rId35"/>
+    <p:sldId id="331" r:id="rId36"/>
   </p:sldIdLst>
   <p:sldSz cx="9144000" cy="5715000" type="screen16x10"/>
   <p:notesSz cx="6858000" cy="9144000"/>
   <p:embeddedFontLst>
     <p:embeddedFont>
       <p:font typeface="Futura Bk BT"/>
-      <p:regular r:id="rId38"/>
+      <p:regular r:id="rId39"/>
     </p:embeddedFont>
     <p:embeddedFont>
       <p:font typeface="Arial Unicode MS" pitchFamily="34" charset="-120"/>
-      <p:regular r:id="rId39"/>
+      <p:regular r:id="rId40"/>
     </p:embeddedFont>
     <p:embeddedFont>
       <p:font typeface="微軟正黑體" pitchFamily="34" charset="-120"/>
-      <p:regular r:id="rId40"/>
-      <p:bold r:id="rId41"/>
+      <p:regular r:id="rId41"/>
+      <p:bold r:id="rId42"/>
     </p:embeddedFont>
     <p:embeddedFont>
       <p:font typeface="Calibri" pitchFamily="34" charset="0"/>
-      <p:regular r:id="rId42"/>
-      <p:bold r:id="rId43"/>
-      <p:italic r:id="rId44"/>
-      <p:boldItalic r:id="rId45"/>
+      <p:regular r:id="rId43"/>
+      <p:bold r:id="rId44"/>
+      <p:italic r:id="rId45"/>
+      <p:boldItalic r:id="rId46"/>
     </p:embeddedFont>
   </p:embeddedFontLst>
   <p:defaultTextStyle>
@@ -251,7 +252,7 @@
             <a:fld id="{325154A4-CA18-43B2-977D-6DF08BA83A3D}" type="datetimeFigureOut">
               <a:rPr lang="zh-TW" altLang="en-US" smtClean="0"/>
               <a:pPr/>
-              <a:t>2015/11/30</a:t>
+              <a:t>2015/12/7</a:t>
             </a:fld>
             <a:endParaRPr lang="zh-TW" altLang="en-US"/>
           </a:p>
@@ -327,7 +328,7 @@
     </p:spTree>
     <p:extLst>
       <p:ext uri="{BB962C8B-B14F-4D97-AF65-F5344CB8AC3E}">
-        <p14:creationId xmlns:p14="http://schemas.microsoft.com/office/powerpoint/2010/main" xmlns="" val="1745725823"/>
+        <p14:creationId xmlns="" xmlns:p14="http://schemas.microsoft.com/office/powerpoint/2010/main" val="1745725823"/>
       </p:ext>
     </p:extLst>
   </p:cSld>
@@ -418,7 +419,7 @@
             <a:fld id="{956157D8-F6D7-4F1C-8521-742A313DD9E2}" type="datetimeFigureOut">
               <a:rPr lang="zh-TW" altLang="en-US" smtClean="0"/>
               <a:pPr/>
-              <a:t>2015/11/30</a:t>
+              <a:t>2015/12/7</a:t>
             </a:fld>
             <a:endParaRPr lang="zh-TW" altLang="en-US"/>
           </a:p>
@@ -589,7 +590,7 @@
     </p:spTree>
     <p:extLst>
       <p:ext uri="{BB962C8B-B14F-4D97-AF65-F5344CB8AC3E}">
-        <p14:creationId xmlns:p14="http://schemas.microsoft.com/office/powerpoint/2010/main" xmlns="" val="3871340698"/>
+        <p14:creationId xmlns="" xmlns:p14="http://schemas.microsoft.com/office/powerpoint/2010/main" val="3871340698"/>
       </p:ext>
     </p:extLst>
   </p:cSld>
@@ -844,7 +845,7 @@
             <a:fld id="{AF8DC78C-5E18-4B5E-A3A5-B4400BC2AE47}" type="slidenum">
               <a:rPr lang="zh-TW" altLang="en-US" smtClean="0"/>
               <a:pPr/>
-              <a:t>22</a:t>
+              <a:t>23</a:t>
             </a:fld>
             <a:endParaRPr lang="zh-TW" altLang="en-US"/>
           </a:p>
@@ -956,7 +957,7 @@
             <a:fld id="{AF8DC78C-5E18-4B5E-A3A5-B4400BC2AE47}" type="slidenum">
               <a:rPr lang="zh-TW" altLang="en-US" smtClean="0"/>
               <a:pPr/>
-              <a:t>24</a:t>
+              <a:t>25</a:t>
             </a:fld>
             <a:endParaRPr lang="zh-TW" altLang="en-US"/>
           </a:p>
@@ -1042,7 +1043,7 @@
             <a:fld id="{AF8DC78C-5E18-4B5E-A3A5-B4400BC2AE47}" type="slidenum">
               <a:rPr lang="zh-TW" altLang="en-US" smtClean="0"/>
               <a:pPr/>
-              <a:t>30</a:t>
+              <a:t>31</a:t>
             </a:fld>
             <a:endParaRPr lang="zh-TW" altLang="en-US"/>
           </a:p>
@@ -1128,7 +1129,7 @@
             <a:fld id="{AF8DC78C-5E18-4B5E-A3A5-B4400BC2AE47}" type="slidenum">
               <a:rPr lang="zh-TW" altLang="en-US" smtClean="0"/>
               <a:pPr/>
-              <a:t>34</a:t>
+              <a:t>35</a:t>
             </a:fld>
             <a:endParaRPr lang="zh-TW" altLang="en-US"/>
           </a:p>
@@ -2095,7 +2096,7 @@
             <a:fld id="{AF8DC78C-5E18-4B5E-A3A5-B4400BC2AE47}" type="slidenum">
               <a:rPr lang="zh-TW" altLang="en-US" smtClean="0"/>
               <a:pPr/>
-              <a:t>20</a:t>
+              <a:t>21</a:t>
             </a:fld>
             <a:endParaRPr lang="zh-TW" altLang="en-US"/>
           </a:p>
@@ -2236,7 +2237,7 @@
             <a:fld id="{AF8DC78C-5E18-4B5E-A3A5-B4400BC2AE47}" type="slidenum">
               <a:rPr lang="zh-TW" altLang="en-US" smtClean="0"/>
               <a:pPr/>
-              <a:t>21</a:t>
+              <a:t>22</a:t>
             </a:fld>
             <a:endParaRPr lang="zh-TW" altLang="en-US"/>
           </a:p>
@@ -2300,7 +2301,7 @@
           <a:blip r:embed="rId2" cstate="print">
             <a:extLst>
               <a:ext uri="{28A0092B-C50C-407E-A947-70E740481C1C}">
-                <a14:useLocalDpi xmlns:a14="http://schemas.microsoft.com/office/drawing/2010/main" xmlns="" val="0"/>
+                <a14:useLocalDpi xmlns="" xmlns:a14="http://schemas.microsoft.com/office/drawing/2010/main" val="0"/>
               </a:ext>
             </a:extLst>
           </a:blip>
@@ -2666,7 +2667,7 @@
     </p:spTree>
     <p:extLst>
       <p:ext uri="{BB962C8B-B14F-4D97-AF65-F5344CB8AC3E}">
-        <p14:creationId xmlns:p14="http://schemas.microsoft.com/office/powerpoint/2010/main" xmlns="" val="1604652190"/>
+        <p14:creationId xmlns="" xmlns:p14="http://schemas.microsoft.com/office/powerpoint/2010/main" val="1604652190"/>
       </p:ext>
     </p:extLst>
   </p:cSld>
@@ -2712,7 +2713,7 @@
           <a:blip r:embed="rId2" cstate="print">
             <a:extLst>
               <a:ext uri="{28A0092B-C50C-407E-A947-70E740481C1C}">
-                <a14:useLocalDpi xmlns:a14="http://schemas.microsoft.com/office/drawing/2010/main" xmlns="" val="0"/>
+                <a14:useLocalDpi xmlns="" xmlns:a14="http://schemas.microsoft.com/office/drawing/2010/main" val="0"/>
               </a:ext>
             </a:extLst>
           </a:blip>
@@ -2800,7 +2801,7 @@
     </p:spTree>
     <p:extLst>
       <p:ext uri="{BB962C8B-B14F-4D97-AF65-F5344CB8AC3E}">
-        <p14:creationId xmlns:p14="http://schemas.microsoft.com/office/powerpoint/2010/main" xmlns="" val="3828523544"/>
+        <p14:creationId xmlns="" xmlns:p14="http://schemas.microsoft.com/office/powerpoint/2010/main" val="3828523544"/>
       </p:ext>
     </p:extLst>
   </p:cSld>
@@ -5755,7 +5756,7 @@
           <a:blip r:embed="rId10" cstate="print">
             <a:extLst>
               <a:ext uri="{28A0092B-C50C-407E-A947-70E740481C1C}">
-                <a14:useLocalDpi xmlns:a14="http://schemas.microsoft.com/office/drawing/2010/main" xmlns="" val="0"/>
+                <a14:useLocalDpi xmlns="" xmlns:a14="http://schemas.microsoft.com/office/drawing/2010/main" val="0"/>
               </a:ext>
             </a:extLst>
           </a:blip>
@@ -6454,7 +6455,7 @@
                 <a:tabLst/>
                 <a:defRPr/>
               </a:pPr>
-              <a:t>2015/11/30</a:t>
+              <a:t>2015/12/7</a:t>
             </a:fld>
             <a:endParaRPr kumimoji="0" lang="zh-TW" altLang="en-US" sz="1050" b="0" i="0" u="none" strike="noStrike" kern="1200" cap="none" spc="0" normalizeH="0" baseline="0" noProof="0" dirty="0">
               <a:ln>
@@ -6479,7 +6480,7 @@
     </p:spTree>
     <p:extLst>
       <p:ext uri="{BB962C8B-B14F-4D97-AF65-F5344CB8AC3E}">
-        <p14:creationId xmlns:p14="http://schemas.microsoft.com/office/powerpoint/2010/main" xmlns="" val="495258064"/>
+        <p14:creationId xmlns="" xmlns:p14="http://schemas.microsoft.com/office/powerpoint/2010/main" val="495258064"/>
       </p:ext>
     </p:extLst>
   </p:cSld>
@@ -10329,7 +10330,7 @@
     </p:spTree>
     <p:extLst>
       <p:ext uri="{BB962C8B-B14F-4D97-AF65-F5344CB8AC3E}">
-        <p14:creationId xmlns:p14="http://schemas.microsoft.com/office/powerpoint/2010/main" xmlns="" val="1188013231"/>
+        <p14:creationId xmlns="" xmlns:p14="http://schemas.microsoft.com/office/powerpoint/2010/main" val="1188013231"/>
       </p:ext>
     </p:extLst>
   </p:cSld>
@@ -10412,7 +10413,7 @@
     </p:spTree>
     <p:extLst>
       <p:ext uri="{BB962C8B-B14F-4D97-AF65-F5344CB8AC3E}">
-        <p14:creationId xmlns:p14="http://schemas.microsoft.com/office/powerpoint/2010/main" xmlns="" val="1188013231"/>
+        <p14:creationId xmlns="" xmlns:p14="http://schemas.microsoft.com/office/powerpoint/2010/main" val="1188013231"/>
       </p:ext>
     </p:extLst>
   </p:cSld>
@@ -19286,7 +19287,11 @@
           <a:p>
             <a:r>
               <a:rPr lang="en-US" altLang="zh-TW" dirty="0" smtClean="0"/>
-              <a:t>SPI Bus Flow Chart</a:t>
+              <a:t>SPI </a:t>
+            </a:r>
+            <a:r>
+              <a:rPr lang="en-US" altLang="zh-TW" dirty="0" smtClean="0"/>
+              <a:t>State &amp; Count</a:t>
             </a:r>
             <a:endParaRPr lang="zh-TW" altLang="en-US" dirty="0"/>
           </a:p>
@@ -19294,31 +19299,31 @@
       </p:sp>
       <p:sp>
         <p:nvSpPr>
-          <p:cNvPr id="126" name="流程圖: 程序 125"/>
+          <p:cNvPr id="124" name="橢圓 123"/>
           <p:cNvSpPr/>
           <p:nvPr/>
         </p:nvSpPr>
         <p:spPr>
           <a:xfrm>
-            <a:off x="1928568" y="2209428"/>
-            <a:ext cx="1080000" cy="360040"/>
-          </a:xfrm>
-          <a:prstGeom prst="flowChartProcess">
-            <a:avLst/>
-          </a:prstGeom>
-        </p:spPr>
-        <p:style>
-          <a:lnRef idx="1">
-            <a:schemeClr val="accent5"/>
+            <a:off x="5292080" y="913284"/>
+            <a:ext cx="720000" cy="720000"/>
+          </a:xfrm>
+          <a:prstGeom prst="ellipse">
+            <a:avLst/>
+          </a:prstGeom>
+        </p:spPr>
+        <p:style>
+          <a:lnRef idx="1">
+            <a:schemeClr val="dk1"/>
           </a:lnRef>
           <a:fillRef idx="2">
-            <a:schemeClr val="accent5"/>
+            <a:schemeClr val="dk1"/>
           </a:fillRef>
           <a:effectRef idx="1">
-            <a:schemeClr val="accent5"/>
-          </a:effectRef>
-          <a:fontRef idx="minor">
             <a:schemeClr val="dk1"/>
+          </a:effectRef>
+          <a:fontRef idx="minor">
+            <a:schemeClr val="dk1"/>
           </a:fontRef>
         </p:style>
         <p:txBody>
@@ -19327,25 +19332,25 @@
           <a:p>
             <a:pPr algn="ctr"/>
             <a:r>
-              <a:rPr lang="en-US" altLang="zh-TW" sz="1000" dirty="0" smtClean="0"/>
-              <a:t>Send transfer</a:t>
-            </a:r>
-            <a:endParaRPr lang="zh-TW" altLang="en-US" sz="1000" dirty="0" smtClean="0"/>
-          </a:p>
-        </p:txBody>
-      </p:sp>
-      <p:sp>
-        <p:nvSpPr>
-          <p:cNvPr id="143" name="流程圖: 決策 142"/>
+              <a:rPr lang="en-US" altLang="zh-TW" sz="1200" dirty="0" smtClean="0"/>
+              <a:t>Idle</a:t>
+            </a:r>
+            <a:endParaRPr lang="zh-TW" altLang="en-US" sz="1200" dirty="0" smtClean="0"/>
+          </a:p>
+        </p:txBody>
+      </p:sp>
+      <p:sp>
+        <p:nvSpPr>
+          <p:cNvPr id="141" name="橢圓 140"/>
           <p:cNvSpPr/>
           <p:nvPr/>
         </p:nvSpPr>
         <p:spPr>
           <a:xfrm>
-            <a:off x="2015816" y="2929508"/>
-            <a:ext cx="900000" cy="540000"/>
-          </a:xfrm>
-          <a:prstGeom prst="flowChartDecision">
+            <a:off x="5292160" y="2065412"/>
+            <a:ext cx="720000" cy="720000"/>
+          </a:xfrm>
+          <a:prstGeom prst="ellipse">
             <a:avLst/>
           </a:prstGeom>
         </p:spPr>
@@ -19369,31 +19374,63 @@
           <a:p>
             <a:pPr algn="ctr"/>
             <a:r>
-              <a:rPr lang="en-US" altLang="zh-TW" sz="800" dirty="0" smtClean="0"/>
-              <a:t>Transfer</a:t>
-            </a:r>
-          </a:p>
+              <a:rPr lang="en-US" altLang="zh-TW" sz="1200" dirty="0" smtClean="0"/>
+              <a:t>Start</a:t>
+            </a:r>
+            <a:endParaRPr lang="zh-TW" altLang="en-US" sz="1200" dirty="0" smtClean="0"/>
+          </a:p>
+        </p:txBody>
+      </p:sp>
+      <p:sp>
+        <p:nvSpPr>
+          <p:cNvPr id="143" name="橢圓 142"/>
+          <p:cNvSpPr/>
+          <p:nvPr/>
+        </p:nvSpPr>
+        <p:spPr>
+          <a:xfrm>
+            <a:off x="5292080" y="3361636"/>
+            <a:ext cx="720000" cy="720000"/>
+          </a:xfrm>
+          <a:prstGeom prst="ellipse">
+            <a:avLst/>
+          </a:prstGeom>
+        </p:spPr>
+        <p:style>
+          <a:lnRef idx="1">
+            <a:schemeClr val="accent4"/>
+          </a:lnRef>
+          <a:fillRef idx="2">
+            <a:schemeClr val="accent4"/>
+          </a:fillRef>
+          <a:effectRef idx="1">
+            <a:schemeClr val="accent4"/>
+          </a:effectRef>
+          <a:fontRef idx="minor">
+            <a:schemeClr val="dk1"/>
+          </a:fontRef>
+        </p:style>
+        <p:txBody>
+          <a:bodyPr rtlCol="0" anchor="ctr"/>
+          <a:lstStyle/>
           <a:p>
             <a:pPr algn="ctr"/>
-            <a:r>
-              <a:rPr lang="en-US" altLang="zh-TW" sz="800" dirty="0" smtClean="0"/>
-              <a:t>Para</a:t>
-            </a:r>
-          </a:p>
-        </p:txBody>
-      </p:sp>
-      <p:sp>
-        <p:nvSpPr>
-          <p:cNvPr id="145" name="流程圖: 文件 144"/>
+            <a:endParaRPr lang="zh-TW" altLang="en-US" dirty="0" smtClean="0"/>
+          </a:p>
+        </p:txBody>
+      </p:sp>
+      <p:sp>
+        <p:nvSpPr>
+          <p:cNvPr id="145" name="橢圓 144"/>
           <p:cNvSpPr/>
           <p:nvPr/>
         </p:nvSpPr>
         <p:spPr>
           <a:xfrm>
-            <a:off x="1079712" y="3577580"/>
-            <a:ext cx="900000" cy="540000"/>
-          </a:xfrm>
-          <a:prstGeom prst="flowChartDocument">
+            <a:off x="6588304" y="3361556"/>
+            <a:ext cx="720000" cy="720000"/>
+          </a:xfrm>
+          <a:prstGeom prst="ellipse">
             <a:avLst/>
           </a:prstGeom>
         </p:spPr>
@@ -19416,319 +19453,230 @@
           <a:lstStyle/>
           <a:p>
             <a:pPr algn="ctr"/>
-            <a:r>
-              <a:rPr lang="en-US" altLang="zh-TW" sz="1000" dirty="0" smtClean="0"/>
-              <a:t>transfer</a:t>
-            </a:r>
-          </a:p>
+            <a:endParaRPr lang="zh-TW" altLang="en-US" dirty="0" smtClean="0"/>
+          </a:p>
+        </p:txBody>
+      </p:sp>
+      <p:sp>
+        <p:nvSpPr>
+          <p:cNvPr id="146" name="橢圓 145"/>
+          <p:cNvSpPr/>
+          <p:nvPr/>
+        </p:nvSpPr>
+        <p:spPr>
+          <a:xfrm>
+            <a:off x="3995936" y="3361556"/>
+            <a:ext cx="720000" cy="720000"/>
+          </a:xfrm>
+          <a:prstGeom prst="ellipse">
+            <a:avLst/>
+          </a:prstGeom>
+        </p:spPr>
+        <p:style>
+          <a:lnRef idx="1">
+            <a:schemeClr val="accent1"/>
+          </a:lnRef>
+          <a:fillRef idx="2">
+            <a:schemeClr val="accent1"/>
+          </a:fillRef>
+          <a:effectRef idx="1">
+            <a:schemeClr val="accent1"/>
+          </a:effectRef>
+          <a:fontRef idx="minor">
+            <a:schemeClr val="dk1"/>
+          </a:fontRef>
+        </p:style>
+        <p:txBody>
+          <a:bodyPr rtlCol="0" anchor="ctr"/>
+          <a:lstStyle/>
           <a:p>
             <a:pPr algn="ctr"/>
-            <a:r>
-              <a:rPr lang="en-US" altLang="zh-TW" sz="1000" dirty="0" err="1" smtClean="0"/>
-              <a:t>para</a:t>
-            </a:r>
-            <a:endParaRPr lang="zh-TW" altLang="en-US" sz="1000" dirty="0" smtClean="0"/>
-          </a:p>
-        </p:txBody>
-      </p:sp>
-      <p:sp>
-        <p:nvSpPr>
-          <p:cNvPr id="146" name="流程圖: 直接存取儲存裝置 145"/>
-          <p:cNvSpPr/>
-          <p:nvPr/>
-        </p:nvSpPr>
-        <p:spPr>
-          <a:xfrm>
-            <a:off x="3059832" y="3577580"/>
-            <a:ext cx="900000" cy="540000"/>
-          </a:xfrm>
-          <a:prstGeom prst="flowChartMagneticDrum">
-            <a:avLst/>
-          </a:prstGeom>
-        </p:spPr>
-        <p:style>
-          <a:lnRef idx="1">
-            <a:schemeClr val="accent2"/>
-          </a:lnRef>
-          <a:fillRef idx="2">
-            <a:schemeClr val="accent2"/>
-          </a:fillRef>
-          <a:effectRef idx="1">
-            <a:schemeClr val="accent2"/>
-          </a:effectRef>
-          <a:fontRef idx="minor">
-            <a:schemeClr val="dk1"/>
-          </a:fontRef>
-        </p:style>
-        <p:txBody>
-          <a:bodyPr rtlCol="0" anchor="ctr"/>
-          <a:lstStyle/>
-          <a:p>
-            <a:pPr algn="ctr"/>
-            <a:r>
-              <a:rPr lang="en-US" altLang="zh-TW" sz="1000" dirty="0" err="1" smtClean="0"/>
-              <a:t>Spi</a:t>
-            </a:r>
-            <a:endParaRPr lang="en-US" altLang="zh-TW" sz="1000" dirty="0" smtClean="0"/>
-          </a:p>
-          <a:p>
-            <a:pPr algn="ctr"/>
-            <a:r>
-              <a:rPr lang="en-US" altLang="zh-TW" sz="1000" dirty="0" smtClean="0"/>
-              <a:t>bus</a:t>
-            </a:r>
-            <a:endParaRPr lang="en-US" altLang="zh-TW" sz="1000" dirty="0" smtClean="0"/>
-          </a:p>
-          <a:p>
-            <a:pPr algn="ctr"/>
-            <a:r>
-              <a:rPr lang="en-US" altLang="zh-TW" sz="1000" dirty="0" err="1" smtClean="0"/>
-              <a:t>para</a:t>
-            </a:r>
-            <a:endParaRPr lang="zh-TW" altLang="en-US" sz="1000" dirty="0" smtClean="0"/>
-          </a:p>
-        </p:txBody>
-      </p:sp>
-      <p:sp>
-        <p:nvSpPr>
-          <p:cNvPr id="147" name="流程圖: 程序 146"/>
-          <p:cNvSpPr/>
-          <p:nvPr/>
-        </p:nvSpPr>
-        <p:spPr>
-          <a:xfrm>
-            <a:off x="1943808" y="4297660"/>
-            <a:ext cx="1080000" cy="360040"/>
-          </a:xfrm>
-          <a:prstGeom prst="flowChartProcess">
-            <a:avLst/>
-          </a:prstGeom>
-        </p:spPr>
-        <p:style>
-          <a:lnRef idx="1">
-            <a:schemeClr val="accent5"/>
-          </a:lnRef>
-          <a:fillRef idx="2">
-            <a:schemeClr val="accent5"/>
-          </a:fillRef>
-          <a:effectRef idx="1">
-            <a:schemeClr val="accent5"/>
-          </a:effectRef>
-          <a:fontRef idx="minor">
-            <a:schemeClr val="dk1"/>
-          </a:fontRef>
-        </p:style>
-        <p:txBody>
-          <a:bodyPr rtlCol="0" anchor="ctr"/>
-          <a:lstStyle/>
-          <a:p>
-            <a:pPr algn="ctr"/>
-            <a:r>
-              <a:rPr lang="en-US" altLang="zh-TW" sz="1000" dirty="0" smtClean="0"/>
-              <a:t>Setup </a:t>
-            </a:r>
-            <a:r>
-              <a:rPr lang="en-US" altLang="zh-TW" sz="1000" dirty="0" err="1" smtClean="0"/>
-              <a:t>xfer</a:t>
-            </a:r>
-            <a:endParaRPr lang="zh-TW" altLang="en-US" sz="1000" dirty="0" smtClean="0"/>
-          </a:p>
-        </p:txBody>
-      </p:sp>
-      <p:sp>
-        <p:nvSpPr>
-          <p:cNvPr id="148" name="流程圖: 程序 147"/>
-          <p:cNvSpPr/>
-          <p:nvPr/>
-        </p:nvSpPr>
-        <p:spPr>
-          <a:xfrm>
-            <a:off x="5721212" y="1489348"/>
-            <a:ext cx="1080000" cy="360040"/>
-          </a:xfrm>
-          <a:prstGeom prst="flowChartProcess">
-            <a:avLst/>
-          </a:prstGeom>
-        </p:spPr>
-        <p:style>
-          <a:lnRef idx="1">
-            <a:schemeClr val="accent5"/>
-          </a:lnRef>
-          <a:fillRef idx="2">
-            <a:schemeClr val="accent5"/>
-          </a:fillRef>
-          <a:effectRef idx="1">
-            <a:schemeClr val="accent5"/>
-          </a:effectRef>
-          <a:fontRef idx="minor">
-            <a:schemeClr val="dk1"/>
-          </a:fontRef>
-        </p:style>
-        <p:txBody>
-          <a:bodyPr rtlCol="0" anchor="ctr"/>
-          <a:lstStyle/>
-          <a:p>
-            <a:pPr algn="ctr"/>
-            <a:r>
-              <a:rPr lang="en-US" altLang="zh-TW" sz="1000" dirty="0" err="1" smtClean="0"/>
-              <a:t>tx</a:t>
-            </a:r>
-            <a:r>
-              <a:rPr lang="en-US" altLang="zh-TW" sz="1000" dirty="0" smtClean="0"/>
-              <a:t>/</a:t>
-            </a:r>
-            <a:r>
-              <a:rPr lang="en-US" altLang="zh-TW" sz="1000" dirty="0" err="1" smtClean="0"/>
-              <a:t>rx</a:t>
-            </a:r>
-            <a:r>
-              <a:rPr lang="en-US" altLang="zh-TW" sz="1000" dirty="0" smtClean="0"/>
-              <a:t> buffer</a:t>
-            </a:r>
-          </a:p>
-        </p:txBody>
-      </p:sp>
-      <p:sp>
-        <p:nvSpPr>
-          <p:cNvPr id="149" name="流程圖: 決策 148"/>
-          <p:cNvSpPr/>
-          <p:nvPr/>
-        </p:nvSpPr>
-        <p:spPr>
-          <a:xfrm>
-            <a:off x="5811376" y="2353444"/>
-            <a:ext cx="900000" cy="540000"/>
-          </a:xfrm>
-          <a:prstGeom prst="flowChartDecision">
-            <a:avLst/>
-          </a:prstGeom>
-        </p:spPr>
-        <p:style>
-          <a:lnRef idx="1">
-            <a:schemeClr val="accent3"/>
-          </a:lnRef>
-          <a:fillRef idx="2">
-            <a:schemeClr val="accent3"/>
-          </a:fillRef>
-          <a:effectRef idx="1">
-            <a:schemeClr val="accent3"/>
-          </a:effectRef>
-          <a:fontRef idx="minor">
-            <a:schemeClr val="dk1"/>
-          </a:fontRef>
-        </p:style>
-        <p:txBody>
-          <a:bodyPr rtlCol="0" anchor="ctr"/>
-          <a:lstStyle/>
-          <a:p>
-            <a:pPr algn="ctr"/>
-            <a:r>
-              <a:rPr lang="en-US" altLang="zh-TW" sz="1000" dirty="0" smtClean="0"/>
-              <a:t>Transfer?</a:t>
-            </a:r>
-            <a:endParaRPr lang="zh-TW" altLang="en-US" sz="1000" dirty="0" smtClean="0"/>
-          </a:p>
-        </p:txBody>
-      </p:sp>
-      <p:sp>
-        <p:nvSpPr>
-          <p:cNvPr id="150" name="流程圖: 決策 149"/>
-          <p:cNvSpPr/>
-          <p:nvPr/>
-        </p:nvSpPr>
-        <p:spPr>
-          <a:xfrm>
-            <a:off x="5811376" y="3322692"/>
-            <a:ext cx="900000" cy="540000"/>
-          </a:xfrm>
-          <a:prstGeom prst="flowChartDecision">
-            <a:avLst/>
-          </a:prstGeom>
-        </p:spPr>
-        <p:style>
-          <a:lnRef idx="1">
-            <a:schemeClr val="accent3"/>
-          </a:lnRef>
-          <a:fillRef idx="2">
-            <a:schemeClr val="accent3"/>
-          </a:fillRef>
-          <a:effectRef idx="1">
-            <a:schemeClr val="accent3"/>
-          </a:effectRef>
-          <a:fontRef idx="minor">
-            <a:schemeClr val="dk1"/>
-          </a:fontRef>
-        </p:style>
-        <p:txBody>
-          <a:bodyPr rtlCol="0" anchor="ctr"/>
-          <a:lstStyle/>
-          <a:p>
-            <a:pPr algn="ctr"/>
-            <a:r>
-              <a:rPr lang="en-US" altLang="zh-TW" sz="800" dirty="0" smtClean="0"/>
-              <a:t>Message?</a:t>
-            </a:r>
-            <a:endParaRPr lang="zh-TW" altLang="en-US" sz="800" dirty="0" smtClean="0"/>
-          </a:p>
-        </p:txBody>
-      </p:sp>
-      <p:sp>
-        <p:nvSpPr>
-          <p:cNvPr id="151" name="流程圖: 結束點 150"/>
-          <p:cNvSpPr/>
-          <p:nvPr/>
-        </p:nvSpPr>
-        <p:spPr>
-          <a:xfrm>
-            <a:off x="5724248" y="4225692"/>
-            <a:ext cx="1080000" cy="360000"/>
-          </a:xfrm>
-          <a:prstGeom prst="flowChartTerminator">
-            <a:avLst/>
-          </a:prstGeom>
-        </p:spPr>
-        <p:style>
-          <a:lnRef idx="1">
-            <a:schemeClr val="accent6"/>
-          </a:lnRef>
-          <a:fillRef idx="2">
-            <a:schemeClr val="accent6"/>
-          </a:fillRef>
-          <a:effectRef idx="1">
-            <a:schemeClr val="accent6"/>
-          </a:effectRef>
-          <a:fontRef idx="minor">
-            <a:schemeClr val="dk1"/>
-          </a:fontRef>
-        </p:style>
-        <p:txBody>
-          <a:bodyPr rtlCol="0" anchor="ctr"/>
-          <a:lstStyle/>
-          <a:p>
-            <a:pPr algn="ctr"/>
-            <a:r>
-              <a:rPr lang="en-US" altLang="zh-TW" sz="1000" dirty="0" smtClean="0"/>
-              <a:t>complete</a:t>
-            </a:r>
-            <a:endParaRPr lang="zh-TW" altLang="en-US" sz="1000" dirty="0" smtClean="0"/>
+            <a:endParaRPr lang="zh-TW" altLang="en-US" dirty="0" smtClean="0"/>
           </a:p>
         </p:txBody>
       </p:sp>
       <p:cxnSp>
         <p:nvCxnSpPr>
-          <p:cNvPr id="153" name="直線單箭頭接點 152"/>
+          <p:cNvPr id="148" name="弧形接點 147"/>
           <p:cNvCxnSpPr>
-            <a:stCxn id="148" idx="2"/>
-            <a:endCxn id="149" idx="0"/>
+            <a:stCxn id="124" idx="4"/>
+            <a:endCxn id="141" idx="0"/>
           </p:cNvCxnSpPr>
           <p:nvPr/>
         </p:nvCxnSpPr>
         <p:spPr>
-          <a:xfrm>
-            <a:off x="6261212" y="1849388"/>
-            <a:ext cx="164" cy="504056"/>
-          </a:xfrm>
-          <a:prstGeom prst="straightConnector1">
+          <a:xfrm rot="16200000" flipH="1">
+            <a:off x="5436056" y="1849308"/>
+            <a:ext cx="432128" cy="80"/>
+          </a:xfrm>
+          <a:prstGeom prst="curvedConnector3">
+            <a:avLst>
+              <a:gd name="adj1" fmla="val 50000"/>
+            </a:avLst>
+          </a:prstGeom>
+          <a:ln>
+            <a:solidFill>
+              <a:schemeClr val="tx1">
+                <a:lumMod val="65000"/>
+                <a:lumOff val="35000"/>
+              </a:schemeClr>
+            </a:solidFill>
+            <a:tailEnd type="arrow"/>
+          </a:ln>
+        </p:spPr>
+        <p:style>
+          <a:lnRef idx="1">
+            <a:schemeClr val="accent1"/>
+          </a:lnRef>
+          <a:fillRef idx="0">
+            <a:schemeClr val="accent1"/>
+          </a:fillRef>
+          <a:effectRef idx="0">
+            <a:schemeClr val="accent1"/>
+          </a:effectRef>
+          <a:fontRef idx="minor">
+            <a:schemeClr val="tx1"/>
+          </a:fontRef>
+        </p:style>
+      </p:cxnSp>
+      <p:cxnSp>
+        <p:nvCxnSpPr>
+          <p:cNvPr id="150" name="弧形接點 149"/>
+          <p:cNvCxnSpPr>
+            <a:stCxn id="141" idx="4"/>
+            <a:endCxn id="143" idx="0"/>
+          </p:cNvCxnSpPr>
+          <p:nvPr/>
+        </p:nvCxnSpPr>
+        <p:spPr>
+          <a:xfrm rot="5400000">
+            <a:off x="5364008" y="3073484"/>
+            <a:ext cx="576224" cy="80"/>
+          </a:xfrm>
+          <a:prstGeom prst="curvedConnector3">
+            <a:avLst>
+              <a:gd name="adj1" fmla="val 50000"/>
+            </a:avLst>
+          </a:prstGeom>
+          <a:ln>
+            <a:solidFill>
+              <a:srgbClr val="00B050"/>
+            </a:solidFill>
+            <a:tailEnd type="arrow"/>
+          </a:ln>
+        </p:spPr>
+        <p:style>
+          <a:lnRef idx="1">
+            <a:schemeClr val="accent1"/>
+          </a:lnRef>
+          <a:fillRef idx="0">
+            <a:schemeClr val="accent1"/>
+          </a:fillRef>
+          <a:effectRef idx="0">
+            <a:schemeClr val="accent1"/>
+          </a:effectRef>
+          <a:fontRef idx="minor">
+            <a:schemeClr val="tx1"/>
+          </a:fontRef>
+        </p:style>
+      </p:cxnSp>
+      <p:cxnSp>
+        <p:nvCxnSpPr>
+          <p:cNvPr id="152" name="弧形接點 151"/>
+          <p:cNvCxnSpPr>
+            <a:stCxn id="141" idx="3"/>
+            <a:endCxn id="146" idx="7"/>
+          </p:cNvCxnSpPr>
+          <p:nvPr/>
+        </p:nvCxnSpPr>
+        <p:spPr>
+          <a:xfrm rot="5400000">
+            <a:off x="4610535" y="2679930"/>
+            <a:ext cx="787026" cy="787108"/>
+          </a:xfrm>
+          <a:prstGeom prst="curvedConnector3">
+            <a:avLst>
+              <a:gd name="adj1" fmla="val 50000"/>
+            </a:avLst>
+          </a:prstGeom>
+          <a:ln>
+            <a:solidFill>
+              <a:srgbClr val="00B050"/>
+            </a:solidFill>
+            <a:tailEnd type="arrow"/>
+          </a:ln>
+        </p:spPr>
+        <p:style>
+          <a:lnRef idx="1">
+            <a:schemeClr val="accent1"/>
+          </a:lnRef>
+          <a:fillRef idx="0">
+            <a:schemeClr val="accent1"/>
+          </a:fillRef>
+          <a:effectRef idx="0">
+            <a:schemeClr val="accent1"/>
+          </a:effectRef>
+          <a:fontRef idx="minor">
+            <a:schemeClr val="tx1"/>
+          </a:fontRef>
+        </p:style>
+      </p:cxnSp>
+      <p:cxnSp>
+        <p:nvCxnSpPr>
+          <p:cNvPr id="155" name="弧形接點 154"/>
+          <p:cNvCxnSpPr>
+            <a:stCxn id="141" idx="5"/>
+            <a:endCxn id="145" idx="1"/>
+          </p:cNvCxnSpPr>
+          <p:nvPr/>
+        </p:nvCxnSpPr>
+        <p:spPr>
+          <a:xfrm rot="16200000" flipH="1">
+            <a:off x="5906719" y="2679970"/>
+            <a:ext cx="787026" cy="787028"/>
+          </a:xfrm>
+          <a:prstGeom prst="curvedConnector3">
+            <a:avLst>
+              <a:gd name="adj1" fmla="val 50000"/>
+            </a:avLst>
+          </a:prstGeom>
+          <a:ln>
+            <a:solidFill>
+              <a:srgbClr val="00B050"/>
+            </a:solidFill>
+            <a:tailEnd type="arrow"/>
+          </a:ln>
+        </p:spPr>
+        <p:style>
+          <a:lnRef idx="1">
+            <a:schemeClr val="accent1"/>
+          </a:lnRef>
+          <a:fillRef idx="0">
+            <a:schemeClr val="accent1"/>
+          </a:fillRef>
+          <a:effectRef idx="0">
+            <a:schemeClr val="accent1"/>
+          </a:effectRef>
+          <a:fontRef idx="minor">
+            <a:schemeClr val="tx1"/>
+          </a:fontRef>
+        </p:style>
+      </p:cxnSp>
+      <p:cxnSp>
+        <p:nvCxnSpPr>
+          <p:cNvPr id="157" name="圖案 156"/>
+          <p:cNvCxnSpPr>
+            <a:stCxn id="146" idx="0"/>
+            <a:endCxn id="124" idx="2"/>
+          </p:cNvCxnSpPr>
+          <p:nvPr/>
+        </p:nvCxnSpPr>
+        <p:spPr>
+          <a:xfrm rot="5400000" flipH="1" flipV="1">
+            <a:off x="3779872" y="1849348"/>
+            <a:ext cx="2088272" cy="936144"/>
+          </a:xfrm>
+          <a:prstGeom prst="curvedConnector2">
             <a:avLst/>
           </a:prstGeom>
           <a:ln>
@@ -19752,22 +19700,25 @@
       </p:cxnSp>
       <p:cxnSp>
         <p:nvCxnSpPr>
-          <p:cNvPr id="157" name="直線單箭頭接點 156"/>
+          <p:cNvPr id="159" name="圖案 158"/>
           <p:cNvCxnSpPr>
-            <a:stCxn id="149" idx="2"/>
-            <a:endCxn id="150" idx="0"/>
+            <a:stCxn id="145" idx="0"/>
+            <a:endCxn id="124" idx="6"/>
           </p:cNvCxnSpPr>
           <p:nvPr/>
         </p:nvCxnSpPr>
         <p:spPr>
-          <a:xfrm>
-            <a:off x="6261376" y="2893444"/>
-            <a:ext cx="0" cy="429248"/>
-          </a:xfrm>
-          <a:prstGeom prst="straightConnector1">
+          <a:xfrm rot="16200000" flipV="1">
+            <a:off x="5436056" y="1849308"/>
+            <a:ext cx="2088272" cy="936224"/>
+          </a:xfrm>
+          <a:prstGeom prst="curvedConnector2">
             <a:avLst/>
           </a:prstGeom>
           <a:ln>
+            <a:solidFill>
+              <a:srgbClr val="FF0000"/>
+            </a:solidFill>
             <a:tailEnd type="arrow"/>
           </a:ln>
         </p:spPr>
@@ -19788,24 +19739,394 @@
       </p:cxnSp>
       <p:cxnSp>
         <p:nvCxnSpPr>
-          <p:cNvPr id="159" name="直線單箭頭接點 158"/>
+          <p:cNvPr id="165" name="弧形接點 164"/>
           <p:cNvCxnSpPr>
-            <a:stCxn id="150" idx="2"/>
-            <a:endCxn id="151" idx="0"/>
+            <a:stCxn id="143" idx="4"/>
+            <a:endCxn id="124" idx="1"/>
           </p:cNvCxnSpPr>
           <p:nvPr/>
         </p:nvCxnSpPr>
         <p:spPr>
-          <a:xfrm>
-            <a:off x="6261376" y="3862692"/>
-            <a:ext cx="2872" cy="363000"/>
-          </a:xfrm>
-          <a:prstGeom prst="straightConnector1">
-            <a:avLst/>
+          <a:xfrm rot="5400000" flipH="1">
+            <a:off x="3993345" y="2422902"/>
+            <a:ext cx="3062911" cy="254558"/>
+          </a:xfrm>
+          <a:prstGeom prst="curvedConnector5">
+            <a:avLst>
+              <a:gd name="adj1" fmla="val -7463"/>
+              <a:gd name="adj2" fmla="val 231224"/>
+              <a:gd name="adj3" fmla="val 107463"/>
+            </a:avLst>
           </a:prstGeom>
           <a:ln>
+            <a:solidFill>
+              <a:srgbClr val="7030A0"/>
+            </a:solidFill>
             <a:tailEnd type="arrow"/>
           </a:ln>
+        </p:spPr>
+        <p:style>
+          <a:lnRef idx="1">
+            <a:schemeClr val="accent1"/>
+          </a:lnRef>
+          <a:fillRef idx="0">
+            <a:schemeClr val="accent1"/>
+          </a:fillRef>
+          <a:effectRef idx="0">
+            <a:schemeClr val="accent1"/>
+          </a:effectRef>
+          <a:fontRef idx="minor">
+            <a:schemeClr val="tx1"/>
+          </a:fontRef>
+        </p:style>
+      </p:cxnSp>
+      <p:sp>
+        <p:nvSpPr>
+          <p:cNvPr id="168" name="文字方塊 167"/>
+          <p:cNvSpPr txBox="1"/>
+          <p:nvPr/>
+        </p:nvSpPr>
+        <p:spPr>
+          <a:xfrm>
+            <a:off x="5364088" y="3001516"/>
+            <a:ext cx="575799" cy="338554"/>
+          </a:xfrm>
+          <a:prstGeom prst="rect">
+            <a:avLst/>
+          </a:prstGeom>
+          <a:noFill/>
+        </p:spPr>
+        <p:txBody>
+          <a:bodyPr wrap="none" rtlCol="0">
+            <a:spAutoFit/>
+          </a:bodyPr>
+          <a:lstStyle/>
+          <a:p>
+            <a:r>
+              <a:rPr lang="en-US" altLang="zh-TW" sz="1600" dirty="0" err="1" smtClean="0"/>
+              <a:t>RxTx</a:t>
+            </a:r>
+            <a:endParaRPr lang="zh-TW" altLang="en-US" sz="1600" dirty="0"/>
+          </a:p>
+        </p:txBody>
+      </p:sp>
+      <p:sp>
+        <p:nvSpPr>
+          <p:cNvPr id="169" name="文字方塊 168"/>
+          <p:cNvSpPr txBox="1"/>
+          <p:nvPr/>
+        </p:nvSpPr>
+        <p:spPr>
+          <a:xfrm>
+            <a:off x="6444208" y="3001516"/>
+            <a:ext cx="377026" cy="338554"/>
+          </a:xfrm>
+          <a:prstGeom prst="rect">
+            <a:avLst/>
+          </a:prstGeom>
+          <a:noFill/>
+        </p:spPr>
+        <p:txBody>
+          <a:bodyPr wrap="none" rtlCol="0">
+            <a:spAutoFit/>
+          </a:bodyPr>
+          <a:lstStyle/>
+          <a:p>
+            <a:r>
+              <a:rPr lang="en-US" altLang="zh-TW" sz="1600" dirty="0" err="1" smtClean="0"/>
+              <a:t>Tx</a:t>
+            </a:r>
+            <a:endParaRPr lang="zh-TW" altLang="en-US" sz="1600" dirty="0"/>
+          </a:p>
+        </p:txBody>
+      </p:sp>
+      <p:sp>
+        <p:nvSpPr>
+          <p:cNvPr id="170" name="文字方塊 169"/>
+          <p:cNvSpPr txBox="1"/>
+          <p:nvPr/>
+        </p:nvSpPr>
+        <p:spPr>
+          <a:xfrm>
+            <a:off x="4483006" y="3023002"/>
+            <a:ext cx="383438" cy="338554"/>
+          </a:xfrm>
+          <a:prstGeom prst="rect">
+            <a:avLst/>
+          </a:prstGeom>
+          <a:noFill/>
+        </p:spPr>
+        <p:txBody>
+          <a:bodyPr wrap="none" rtlCol="0">
+            <a:spAutoFit/>
+          </a:bodyPr>
+          <a:lstStyle/>
+          <a:p>
+            <a:r>
+              <a:rPr lang="en-US" altLang="zh-TW" sz="1600" dirty="0" smtClean="0"/>
+              <a:t>Rx</a:t>
+            </a:r>
+            <a:endParaRPr lang="zh-TW" altLang="en-US" sz="1600" dirty="0"/>
+          </a:p>
+        </p:txBody>
+      </p:sp>
+      <p:sp>
+        <p:nvSpPr>
+          <p:cNvPr id="171" name="文字方塊 170"/>
+          <p:cNvSpPr txBox="1"/>
+          <p:nvPr/>
+        </p:nvSpPr>
+        <p:spPr>
+          <a:xfrm>
+            <a:off x="5635134" y="1705372"/>
+            <a:ext cx="521297" cy="338554"/>
+          </a:xfrm>
+          <a:prstGeom prst="rect">
+            <a:avLst/>
+          </a:prstGeom>
+          <a:noFill/>
+        </p:spPr>
+        <p:txBody>
+          <a:bodyPr wrap="none" rtlCol="0">
+            <a:spAutoFit/>
+          </a:bodyPr>
+          <a:lstStyle/>
+          <a:p>
+            <a:r>
+              <a:rPr lang="en-US" altLang="zh-TW" sz="1600" dirty="0" smtClean="0"/>
+              <a:t>Run</a:t>
+            </a:r>
+            <a:endParaRPr lang="zh-TW" altLang="en-US" sz="1600" dirty="0"/>
+          </a:p>
+        </p:txBody>
+      </p:sp>
+      <p:sp>
+        <p:nvSpPr>
+          <p:cNvPr id="172" name="文字方塊 171"/>
+          <p:cNvSpPr txBox="1"/>
+          <p:nvPr/>
+        </p:nvSpPr>
+        <p:spPr>
+          <a:xfrm>
+            <a:off x="755576" y="769268"/>
+            <a:ext cx="2808312" cy="4524315"/>
+          </a:xfrm>
+          <a:prstGeom prst="rect">
+            <a:avLst/>
+          </a:prstGeom>
+          <a:noFill/>
+        </p:spPr>
+        <p:txBody>
+          <a:bodyPr wrap="square" rtlCol="0">
+            <a:spAutoFit/>
+          </a:bodyPr>
+          <a:lstStyle/>
+          <a:p>
+            <a:r>
+              <a:rPr lang="zh-TW" altLang="en-US" dirty="0" smtClean="0"/>
+              <a:t>半雙工限制</a:t>
+            </a:r>
+            <a:r>
+              <a:rPr lang="en-US" altLang="zh-TW" dirty="0" smtClean="0"/>
+              <a:t>:</a:t>
+            </a:r>
+          </a:p>
+          <a:p>
+            <a:r>
+              <a:rPr lang="en-US" altLang="zh-TW" dirty="0" err="1" smtClean="0"/>
+              <a:t>Tx</a:t>
+            </a:r>
+            <a:endParaRPr lang="en-US" altLang="zh-TW" dirty="0" smtClean="0"/>
+          </a:p>
+          <a:p>
+            <a:r>
+              <a:rPr lang="en-US" altLang="zh-TW" dirty="0" err="1" smtClean="0"/>
+              <a:t>TxCR</a:t>
+            </a:r>
+            <a:r>
+              <a:rPr lang="en-US" altLang="zh-TW" dirty="0" smtClean="0"/>
+              <a:t> : X</a:t>
+            </a:r>
+          </a:p>
+          <a:p>
+            <a:r>
+              <a:rPr lang="en-US" altLang="zh-TW" dirty="0" err="1" smtClean="0"/>
+              <a:t>RxCR</a:t>
+            </a:r>
+            <a:r>
+              <a:rPr lang="en-US" altLang="zh-TW" dirty="0" smtClean="0"/>
+              <a:t> : Don’t Mind</a:t>
+            </a:r>
+          </a:p>
+          <a:p>
+            <a:endParaRPr lang="en-US" altLang="zh-TW" dirty="0" smtClean="0"/>
+          </a:p>
+          <a:p>
+            <a:r>
+              <a:rPr lang="en-US" altLang="zh-TW" dirty="0" smtClean="0"/>
+              <a:t>Rx</a:t>
+            </a:r>
+          </a:p>
+          <a:p>
+            <a:r>
+              <a:rPr lang="en-US" altLang="zh-TW" dirty="0" err="1" smtClean="0"/>
+              <a:t>TxCR</a:t>
+            </a:r>
+            <a:r>
+              <a:rPr lang="en-US" altLang="zh-TW" dirty="0" smtClean="0"/>
+              <a:t> : 0</a:t>
+            </a:r>
+          </a:p>
+          <a:p>
+            <a:r>
+              <a:rPr lang="en-US" altLang="zh-TW" dirty="0" err="1" smtClean="0"/>
+              <a:t>RxCR</a:t>
+            </a:r>
+            <a:r>
+              <a:rPr lang="en-US" altLang="zh-TW" dirty="0" smtClean="0"/>
+              <a:t> : X</a:t>
+            </a:r>
+          </a:p>
+          <a:p>
+            <a:endParaRPr lang="en-US" altLang="zh-TW" dirty="0" smtClean="0"/>
+          </a:p>
+          <a:p>
+            <a:r>
+              <a:rPr lang="zh-TW" altLang="en-US" dirty="0" smtClean="0"/>
+              <a:t>全雙工</a:t>
+            </a:r>
+            <a:r>
+              <a:rPr lang="zh-TW" altLang="en-US" dirty="0" smtClean="0"/>
+              <a:t> </a:t>
+            </a:r>
+            <a:r>
+              <a:rPr lang="en-US" altLang="zh-TW" dirty="0" smtClean="0"/>
+              <a:t>:</a:t>
+            </a:r>
+          </a:p>
+          <a:p>
+            <a:endParaRPr lang="en-US" altLang="zh-TW" dirty="0" smtClean="0"/>
+          </a:p>
+          <a:p>
+            <a:endParaRPr lang="en-US" altLang="zh-TW" dirty="0" smtClean="0"/>
+          </a:p>
+          <a:p>
+            <a:endParaRPr lang="en-US" altLang="zh-TW" dirty="0" smtClean="0"/>
+          </a:p>
+          <a:p>
+            <a:r>
+              <a:rPr lang="zh-TW" altLang="en-US" dirty="0" smtClean="0"/>
+              <a:t>半雙</a:t>
+            </a:r>
+            <a:r>
+              <a:rPr lang="zh-TW" altLang="en-US" dirty="0" smtClean="0"/>
+              <a:t>工 </a:t>
+            </a:r>
+            <a:r>
+              <a:rPr lang="en-US" altLang="zh-TW" dirty="0" smtClean="0"/>
+              <a:t>:</a:t>
+            </a:r>
+          </a:p>
+          <a:p>
+            <a:endParaRPr lang="en-US" altLang="zh-TW" dirty="0" smtClean="0"/>
+          </a:p>
+          <a:p>
+            <a:endParaRPr lang="zh-TW" altLang="en-US" dirty="0"/>
+          </a:p>
+        </p:txBody>
+      </p:sp>
+      <p:sp>
+        <p:nvSpPr>
+          <p:cNvPr id="173" name="矩形 172"/>
+          <p:cNvSpPr/>
+          <p:nvPr/>
+        </p:nvSpPr>
+        <p:spPr>
+          <a:xfrm>
+            <a:off x="827584" y="3649588"/>
+            <a:ext cx="792088" cy="216024"/>
+          </a:xfrm>
+          <a:prstGeom prst="rect">
+            <a:avLst/>
+          </a:prstGeom>
+        </p:spPr>
+        <p:style>
+          <a:lnRef idx="1">
+            <a:schemeClr val="accent2"/>
+          </a:lnRef>
+          <a:fillRef idx="2">
+            <a:schemeClr val="accent2"/>
+          </a:fillRef>
+          <a:effectRef idx="1">
+            <a:schemeClr val="accent2"/>
+          </a:effectRef>
+          <a:fontRef idx="minor">
+            <a:schemeClr val="dk1"/>
+          </a:fontRef>
+        </p:style>
+        <p:txBody>
+          <a:bodyPr rtlCol="0" anchor="ctr"/>
+          <a:lstStyle/>
+          <a:p>
+            <a:pPr algn="ctr"/>
+            <a:endParaRPr lang="zh-TW" altLang="en-US" dirty="0" smtClean="0"/>
+          </a:p>
+        </p:txBody>
+      </p:sp>
+      <p:sp>
+        <p:nvSpPr>
+          <p:cNvPr id="174" name="矩形 173"/>
+          <p:cNvSpPr/>
+          <p:nvPr/>
+        </p:nvSpPr>
+        <p:spPr>
+          <a:xfrm>
+            <a:off x="1619672" y="3649588"/>
+            <a:ext cx="792088" cy="216024"/>
+          </a:xfrm>
+          <a:prstGeom prst="rect">
+            <a:avLst/>
+          </a:prstGeom>
+        </p:spPr>
+        <p:style>
+          <a:lnRef idx="1">
+            <a:schemeClr val="accent1"/>
+          </a:lnRef>
+          <a:fillRef idx="2">
+            <a:schemeClr val="accent1"/>
+          </a:fillRef>
+          <a:effectRef idx="1">
+            <a:schemeClr val="accent1"/>
+          </a:effectRef>
+          <a:fontRef idx="minor">
+            <a:schemeClr val="dk1"/>
+          </a:fontRef>
+        </p:style>
+        <p:txBody>
+          <a:bodyPr rtlCol="0" anchor="ctr"/>
+          <a:lstStyle/>
+          <a:p>
+            <a:pPr algn="ctr"/>
+            <a:endParaRPr lang="zh-TW" altLang="en-US" dirty="0" smtClean="0"/>
+          </a:p>
+        </p:txBody>
+      </p:sp>
+      <p:cxnSp>
+        <p:nvCxnSpPr>
+          <p:cNvPr id="176" name="肘形接點 175"/>
+          <p:cNvCxnSpPr/>
+          <p:nvPr/>
+        </p:nvCxnSpPr>
+        <p:spPr>
+          <a:xfrm>
+            <a:off x="683568" y="4009628"/>
+            <a:ext cx="864096" cy="288032"/>
+          </a:xfrm>
+          <a:prstGeom prst="bentConnector3">
+            <a:avLst>
+              <a:gd name="adj1" fmla="val 20017"/>
+            </a:avLst>
+          </a:prstGeom>
         </p:spPr>
         <p:style>
           <a:lnRef idx="1">
@@ -19824,26 +20145,128 @@
       </p:cxnSp>
       <p:cxnSp>
         <p:nvCxnSpPr>
-          <p:cNvPr id="164" name="肘形接點 163"/>
-          <p:cNvCxnSpPr>
-            <a:stCxn id="149" idx="3"/>
-            <a:endCxn id="148" idx="3"/>
-          </p:cNvCxnSpPr>
+          <p:cNvPr id="199" name="肘形接點 198"/>
+          <p:cNvCxnSpPr/>
           <p:nvPr/>
         </p:nvCxnSpPr>
         <p:spPr>
           <a:xfrm flipV="1">
-            <a:off x="6711376" y="1669368"/>
-            <a:ext cx="89836" cy="954076"/>
+            <a:off x="1547664" y="4009628"/>
+            <a:ext cx="1008112" cy="288032"/>
           </a:xfrm>
           <a:prstGeom prst="bentConnector3">
             <a:avLst>
-              <a:gd name="adj1" fmla="val 354464"/>
+              <a:gd name="adj1" fmla="val 85526"/>
             </a:avLst>
           </a:prstGeom>
-          <a:ln>
-            <a:tailEnd type="arrow"/>
-          </a:ln>
+        </p:spPr>
+        <p:style>
+          <a:lnRef idx="1">
+            <a:schemeClr val="accent1"/>
+          </a:lnRef>
+          <a:fillRef idx="0">
+            <a:schemeClr val="accent1"/>
+          </a:fillRef>
+          <a:effectRef idx="0">
+            <a:schemeClr val="accent1"/>
+          </a:effectRef>
+          <a:fontRef idx="minor">
+            <a:schemeClr val="tx1"/>
+          </a:fontRef>
+        </p:style>
+      </p:cxnSp>
+      <p:sp>
+        <p:nvSpPr>
+          <p:cNvPr id="212" name="矩形 211"/>
+          <p:cNvSpPr/>
+          <p:nvPr/>
+        </p:nvSpPr>
+        <p:spPr>
+          <a:xfrm>
+            <a:off x="827584" y="4729708"/>
+            <a:ext cx="792088" cy="216024"/>
+          </a:xfrm>
+          <a:prstGeom prst="rect">
+            <a:avLst/>
+          </a:prstGeom>
+        </p:spPr>
+        <p:style>
+          <a:lnRef idx="1">
+            <a:schemeClr val="accent2"/>
+          </a:lnRef>
+          <a:fillRef idx="2">
+            <a:schemeClr val="accent2"/>
+          </a:fillRef>
+          <a:effectRef idx="1">
+            <a:schemeClr val="accent2"/>
+          </a:effectRef>
+          <a:fontRef idx="minor">
+            <a:schemeClr val="dk1"/>
+          </a:fontRef>
+        </p:style>
+        <p:txBody>
+          <a:bodyPr rtlCol="0" anchor="ctr"/>
+          <a:lstStyle/>
+          <a:p>
+            <a:pPr algn="ctr"/>
+            <a:endParaRPr lang="zh-TW" altLang="en-US" dirty="0" smtClean="0"/>
+          </a:p>
+        </p:txBody>
+      </p:sp>
+      <p:sp>
+        <p:nvSpPr>
+          <p:cNvPr id="214" name="矩形 213"/>
+          <p:cNvSpPr/>
+          <p:nvPr/>
+        </p:nvSpPr>
+        <p:spPr>
+          <a:xfrm>
+            <a:off x="2267744" y="4729708"/>
+            <a:ext cx="792088" cy="216024"/>
+          </a:xfrm>
+          <a:prstGeom prst="rect">
+            <a:avLst/>
+          </a:prstGeom>
+        </p:spPr>
+        <p:style>
+          <a:lnRef idx="1">
+            <a:schemeClr val="accent1"/>
+          </a:lnRef>
+          <a:fillRef idx="2">
+            <a:schemeClr val="accent1"/>
+          </a:fillRef>
+          <a:effectRef idx="1">
+            <a:schemeClr val="accent1"/>
+          </a:effectRef>
+          <a:fontRef idx="minor">
+            <a:schemeClr val="dk1"/>
+          </a:fontRef>
+        </p:style>
+        <p:txBody>
+          <a:bodyPr rtlCol="0" anchor="ctr"/>
+          <a:lstStyle/>
+          <a:p>
+            <a:pPr algn="ctr"/>
+            <a:endParaRPr lang="zh-TW" altLang="en-US" dirty="0" smtClean="0"/>
+          </a:p>
+        </p:txBody>
+      </p:sp>
+      <p:cxnSp>
+        <p:nvCxnSpPr>
+          <p:cNvPr id="215" name="肘形接點 214"/>
+          <p:cNvCxnSpPr/>
+          <p:nvPr/>
+        </p:nvCxnSpPr>
+        <p:spPr>
+          <a:xfrm>
+            <a:off x="755576" y="5017740"/>
+            <a:ext cx="432048" cy="288032"/>
+          </a:xfrm>
+          <a:prstGeom prst="bentConnector3">
+            <a:avLst>
+              <a:gd name="adj1" fmla="val 25308"/>
+            </a:avLst>
+          </a:prstGeom>
         </p:spPr>
         <p:style>
           <a:lnRef idx="1">
@@ -19862,27 +20285,20 @@
       </p:cxnSp>
       <p:cxnSp>
         <p:nvCxnSpPr>
-          <p:cNvPr id="166" name="圖案 165"/>
-          <p:cNvCxnSpPr>
-            <a:stCxn id="147" idx="2"/>
-            <a:endCxn id="148" idx="1"/>
-          </p:cNvCxnSpPr>
+          <p:cNvPr id="216" name="肘形接點 215"/>
+          <p:cNvCxnSpPr/>
           <p:nvPr/>
         </p:nvCxnSpPr>
         <p:spPr>
-          <a:xfrm rot="5400000" flipH="1" flipV="1">
-            <a:off x="2608344" y="1544832"/>
-            <a:ext cx="2988332" cy="3237404"/>
-          </a:xfrm>
-          <a:prstGeom prst="bentConnector4">
+          <a:xfrm flipV="1">
+            <a:off x="1187624" y="5017740"/>
+            <a:ext cx="504056" cy="288032"/>
+          </a:xfrm>
+          <a:prstGeom prst="bentConnector3">
             <a:avLst>
-              <a:gd name="adj1" fmla="val -7650"/>
-              <a:gd name="adj2" fmla="val 72698"/>
+              <a:gd name="adj1" fmla="val 75699"/>
             </a:avLst>
           </a:prstGeom>
-          <a:ln>
-            <a:tailEnd type="arrow"/>
-          </a:ln>
         </p:spPr>
         <p:style>
           <a:lnRef idx="1">
@@ -19901,24 +20317,20 @@
       </p:cxnSp>
       <p:cxnSp>
         <p:nvCxnSpPr>
-          <p:cNvPr id="168" name="圖案 167"/>
-          <p:cNvCxnSpPr>
-            <a:stCxn id="143" idx="3"/>
-            <a:endCxn id="146" idx="0"/>
-          </p:cNvCxnSpPr>
+          <p:cNvPr id="229" name="肘形接點 228"/>
+          <p:cNvCxnSpPr/>
           <p:nvPr/>
         </p:nvCxnSpPr>
         <p:spPr>
           <a:xfrm>
-            <a:off x="2915816" y="3199508"/>
-            <a:ext cx="594016" cy="378072"/>
-          </a:xfrm>
-          <a:prstGeom prst="bentConnector2">
-            <a:avLst/>
-          </a:prstGeom>
-          <a:ln>
-            <a:tailEnd type="arrow"/>
-          </a:ln>
+            <a:off x="2195736" y="5017740"/>
+            <a:ext cx="432048" cy="288032"/>
+          </a:xfrm>
+          <a:prstGeom prst="bentConnector3">
+            <a:avLst>
+              <a:gd name="adj1" fmla="val 25308"/>
+            </a:avLst>
+          </a:prstGeom>
         </p:spPr>
         <p:style>
           <a:lnRef idx="1">
@@ -19937,206 +20349,20 @@
       </p:cxnSp>
       <p:cxnSp>
         <p:nvCxnSpPr>
-          <p:cNvPr id="170" name="圖案 169"/>
-          <p:cNvCxnSpPr>
-            <a:stCxn id="143" idx="1"/>
-            <a:endCxn id="145" idx="0"/>
-          </p:cNvCxnSpPr>
+          <p:cNvPr id="230" name="肘形接點 229"/>
+          <p:cNvCxnSpPr/>
           <p:nvPr/>
         </p:nvCxnSpPr>
         <p:spPr>
-          <a:xfrm rot="10800000" flipV="1">
-            <a:off x="1529712" y="3199508"/>
-            <a:ext cx="486104" cy="378072"/>
-          </a:xfrm>
-          <a:prstGeom prst="bentConnector2">
-            <a:avLst/>
-          </a:prstGeom>
-          <a:ln>
-            <a:tailEnd type="arrow"/>
-          </a:ln>
-        </p:spPr>
-        <p:style>
-          <a:lnRef idx="1">
-            <a:schemeClr val="accent1"/>
-          </a:lnRef>
-          <a:fillRef idx="0">
-            <a:schemeClr val="accent1"/>
-          </a:fillRef>
-          <a:effectRef idx="0">
-            <a:schemeClr val="accent1"/>
-          </a:effectRef>
-          <a:fontRef idx="minor">
-            <a:schemeClr val="tx1"/>
-          </a:fontRef>
-        </p:style>
-      </p:cxnSp>
-      <p:cxnSp>
-        <p:nvCxnSpPr>
-          <p:cNvPr id="172" name="圖案 171"/>
-          <p:cNvCxnSpPr>
-            <a:stCxn id="145" idx="2"/>
-            <a:endCxn id="147" idx="1"/>
-          </p:cNvCxnSpPr>
-          <p:nvPr/>
-        </p:nvCxnSpPr>
-        <p:spPr>
-          <a:xfrm rot="16200000" flipH="1">
-            <a:off x="1538860" y="4072732"/>
-            <a:ext cx="395800" cy="414096"/>
-          </a:xfrm>
-          <a:prstGeom prst="bentConnector2">
-            <a:avLst/>
-          </a:prstGeom>
-          <a:ln>
-            <a:tailEnd type="arrow"/>
-          </a:ln>
-        </p:spPr>
-        <p:style>
-          <a:lnRef idx="1">
-            <a:schemeClr val="accent1"/>
-          </a:lnRef>
-          <a:fillRef idx="0">
-            <a:schemeClr val="accent1"/>
-          </a:fillRef>
-          <a:effectRef idx="0">
-            <a:schemeClr val="accent1"/>
-          </a:effectRef>
-          <a:fontRef idx="minor">
-            <a:schemeClr val="tx1"/>
-          </a:fontRef>
-        </p:style>
-      </p:cxnSp>
-      <p:cxnSp>
-        <p:nvCxnSpPr>
-          <p:cNvPr id="174" name="圖案 173"/>
-          <p:cNvCxnSpPr>
-            <a:stCxn id="146" idx="2"/>
-            <a:endCxn id="147" idx="3"/>
-          </p:cNvCxnSpPr>
-          <p:nvPr/>
-        </p:nvCxnSpPr>
-        <p:spPr>
-          <a:xfrm rot="5400000">
-            <a:off x="3086770" y="4054618"/>
-            <a:ext cx="360100" cy="486024"/>
-          </a:xfrm>
-          <a:prstGeom prst="bentConnector2">
-            <a:avLst/>
-          </a:prstGeom>
-          <a:ln>
-            <a:tailEnd type="arrow"/>
-          </a:ln>
-        </p:spPr>
-        <p:style>
-          <a:lnRef idx="1">
-            <a:schemeClr val="accent1"/>
-          </a:lnRef>
-          <a:fillRef idx="0">
-            <a:schemeClr val="accent1"/>
-          </a:fillRef>
-          <a:effectRef idx="0">
-            <a:schemeClr val="accent1"/>
-          </a:effectRef>
-          <a:fontRef idx="minor">
-            <a:schemeClr val="tx1"/>
-          </a:fontRef>
-        </p:style>
-      </p:cxnSp>
-      <p:cxnSp>
-        <p:nvCxnSpPr>
-          <p:cNvPr id="176" name="直線單箭頭接點 175"/>
-          <p:cNvCxnSpPr>
-            <a:stCxn id="126" idx="2"/>
-            <a:endCxn id="143" idx="0"/>
-          </p:cNvCxnSpPr>
-          <p:nvPr/>
-        </p:nvCxnSpPr>
-        <p:spPr>
-          <a:xfrm flipH="1">
-            <a:off x="2465816" y="2569468"/>
-            <a:ext cx="2752" cy="360040"/>
-          </a:xfrm>
-          <a:prstGeom prst="straightConnector1">
-            <a:avLst/>
-          </a:prstGeom>
-          <a:ln>
-            <a:tailEnd type="arrow"/>
-          </a:ln>
-        </p:spPr>
-        <p:style>
-          <a:lnRef idx="1">
-            <a:schemeClr val="accent1"/>
-          </a:lnRef>
-          <a:fillRef idx="0">
-            <a:schemeClr val="accent1"/>
-          </a:fillRef>
-          <a:effectRef idx="0">
-            <a:schemeClr val="accent1"/>
-          </a:effectRef>
-          <a:fontRef idx="minor">
-            <a:schemeClr val="tx1"/>
-          </a:fontRef>
-        </p:style>
-      </p:cxnSp>
-      <p:cxnSp>
-        <p:nvCxnSpPr>
-          <p:cNvPr id="198" name="直線單箭頭接點 197"/>
-          <p:cNvCxnSpPr>
-            <a:stCxn id="203" idx="2"/>
-            <a:endCxn id="126" idx="0"/>
-          </p:cNvCxnSpPr>
-          <p:nvPr/>
-        </p:nvCxnSpPr>
-        <p:spPr>
-          <a:xfrm flipH="1">
-            <a:off x="2468568" y="1849388"/>
-            <a:ext cx="1996" cy="360040"/>
-          </a:xfrm>
-          <a:prstGeom prst="straightConnector1">
-            <a:avLst/>
-          </a:prstGeom>
-          <a:ln>
-            <a:tailEnd type="arrow"/>
-          </a:ln>
-        </p:spPr>
-        <p:style>
-          <a:lnRef idx="1">
-            <a:schemeClr val="accent1"/>
-          </a:lnRef>
-          <a:fillRef idx="0">
-            <a:schemeClr val="accent1"/>
-          </a:fillRef>
-          <a:effectRef idx="0">
-            <a:schemeClr val="accent1"/>
-          </a:effectRef>
-          <a:fontRef idx="minor">
-            <a:schemeClr val="tx1"/>
-          </a:fontRef>
-        </p:style>
-      </p:cxnSp>
-      <p:cxnSp>
-        <p:nvCxnSpPr>
-          <p:cNvPr id="200" name="肘形接點 199"/>
-          <p:cNvCxnSpPr>
-            <a:stCxn id="150" idx="1"/>
-            <a:endCxn id="203" idx="3"/>
-          </p:cNvCxnSpPr>
-          <p:nvPr/>
-        </p:nvCxnSpPr>
-        <p:spPr>
-          <a:xfrm rot="10800000">
-            <a:off x="3010564" y="1669368"/>
-            <a:ext cx="2800812" cy="1923324"/>
+          <a:xfrm flipV="1">
+            <a:off x="2627784" y="5017740"/>
+            <a:ext cx="504056" cy="288032"/>
           </a:xfrm>
           <a:prstGeom prst="bentConnector3">
             <a:avLst>
-              <a:gd name="adj1" fmla="val 46463"/>
+              <a:gd name="adj1" fmla="val 75699"/>
             </a:avLst>
           </a:prstGeom>
-          <a:ln>
-            <a:tailEnd type="arrow"/>
-          </a:ln>
         </p:spPr>
         <p:style>
           <a:lnRef idx="1">
@@ -20153,657 +20379,6 @@
           </a:fontRef>
         </p:style>
       </p:cxnSp>
-      <p:sp>
-        <p:nvSpPr>
-          <p:cNvPr id="202" name="流程圖: 結束點 201"/>
-          <p:cNvSpPr/>
-          <p:nvPr/>
-        </p:nvSpPr>
-        <p:spPr>
-          <a:xfrm>
-            <a:off x="1930564" y="841276"/>
-            <a:ext cx="1080000" cy="360000"/>
-          </a:xfrm>
-          <a:prstGeom prst="flowChartTerminator">
-            <a:avLst/>
-          </a:prstGeom>
-        </p:spPr>
-        <p:style>
-          <a:lnRef idx="1">
-            <a:schemeClr val="accent6"/>
-          </a:lnRef>
-          <a:fillRef idx="2">
-            <a:schemeClr val="accent6"/>
-          </a:fillRef>
-          <a:effectRef idx="1">
-            <a:schemeClr val="accent6"/>
-          </a:effectRef>
-          <a:fontRef idx="minor">
-            <a:schemeClr val="dk1"/>
-          </a:fontRef>
-        </p:style>
-        <p:txBody>
-          <a:bodyPr rtlCol="0" anchor="ctr"/>
-          <a:lstStyle/>
-          <a:p>
-            <a:pPr algn="ctr"/>
-            <a:r>
-              <a:rPr lang="zh-TW" altLang="en-US" sz="1000" dirty="0" smtClean="0"/>
-              <a:t>傳送</a:t>
-            </a:r>
-            <a:r>
-              <a:rPr lang="en-US" altLang="zh-TW" sz="1000" dirty="0" smtClean="0"/>
-              <a:t>message</a:t>
-            </a:r>
-            <a:endParaRPr lang="zh-TW" altLang="en-US" sz="1000" dirty="0" smtClean="0"/>
-          </a:p>
-        </p:txBody>
-      </p:sp>
-      <p:sp>
-        <p:nvSpPr>
-          <p:cNvPr id="203" name="流程圖: 程序 202"/>
-          <p:cNvSpPr/>
-          <p:nvPr/>
-        </p:nvSpPr>
-        <p:spPr>
-          <a:xfrm>
-            <a:off x="1930564" y="1489348"/>
-            <a:ext cx="1080000" cy="360040"/>
-          </a:xfrm>
-          <a:prstGeom prst="flowChartProcess">
-            <a:avLst/>
-          </a:prstGeom>
-        </p:spPr>
-        <p:style>
-          <a:lnRef idx="1">
-            <a:schemeClr val="accent5"/>
-          </a:lnRef>
-          <a:fillRef idx="2">
-            <a:schemeClr val="accent5"/>
-          </a:fillRef>
-          <a:effectRef idx="1">
-            <a:schemeClr val="accent5"/>
-          </a:effectRef>
-          <a:fontRef idx="minor">
-            <a:schemeClr val="dk1"/>
-          </a:fontRef>
-        </p:style>
-        <p:txBody>
-          <a:bodyPr rtlCol="0" anchor="ctr"/>
-          <a:lstStyle/>
-          <a:p>
-            <a:pPr algn="ctr"/>
-            <a:r>
-              <a:rPr lang="en-US" altLang="zh-TW" sz="1000" dirty="0" smtClean="0"/>
-              <a:t>Send message</a:t>
-            </a:r>
-            <a:endParaRPr lang="zh-TW" altLang="en-US" sz="1000" dirty="0" smtClean="0"/>
-          </a:p>
-        </p:txBody>
-      </p:sp>
-      <p:cxnSp>
-        <p:nvCxnSpPr>
-          <p:cNvPr id="215" name="直線單箭頭接點 214"/>
-          <p:cNvCxnSpPr>
-            <a:stCxn id="202" idx="2"/>
-            <a:endCxn id="203" idx="0"/>
-          </p:cNvCxnSpPr>
-          <p:nvPr/>
-        </p:nvCxnSpPr>
-        <p:spPr>
-          <a:xfrm>
-            <a:off x="2470564" y="1201276"/>
-            <a:ext cx="0" cy="288072"/>
-          </a:xfrm>
-          <a:prstGeom prst="straightConnector1">
-            <a:avLst/>
-          </a:prstGeom>
-          <a:ln>
-            <a:tailEnd type="arrow"/>
-          </a:ln>
-        </p:spPr>
-        <p:style>
-          <a:lnRef idx="1">
-            <a:schemeClr val="accent1"/>
-          </a:lnRef>
-          <a:fillRef idx="0">
-            <a:schemeClr val="accent1"/>
-          </a:fillRef>
-          <a:effectRef idx="0">
-            <a:schemeClr val="accent1"/>
-          </a:effectRef>
-          <a:fontRef idx="minor">
-            <a:schemeClr val="tx1"/>
-          </a:fontRef>
-        </p:style>
-      </p:cxnSp>
-      <p:sp>
-        <p:nvSpPr>
-          <p:cNvPr id="33" name="文字方塊 32"/>
-          <p:cNvSpPr txBox="1"/>
-          <p:nvPr/>
-        </p:nvSpPr>
-        <p:spPr>
-          <a:xfrm>
-            <a:off x="1582744" y="2940541"/>
-            <a:ext cx="396968" cy="276999"/>
-          </a:xfrm>
-          <a:prstGeom prst="rect">
-            <a:avLst/>
-          </a:prstGeom>
-          <a:noFill/>
-        </p:spPr>
-        <p:txBody>
-          <a:bodyPr wrap="none" rtlCol="0">
-            <a:spAutoFit/>
-          </a:bodyPr>
-          <a:lstStyle/>
-          <a:p>
-            <a:r>
-              <a:rPr lang="en-US" altLang="zh-TW" sz="1200" dirty="0" smtClean="0"/>
-              <a:t>Yes</a:t>
-            </a:r>
-            <a:endParaRPr lang="zh-TW" altLang="en-US" sz="1200" dirty="0"/>
-          </a:p>
-        </p:txBody>
-      </p:sp>
-      <p:sp>
-        <p:nvSpPr>
-          <p:cNvPr id="34" name="文字方塊 33"/>
-          <p:cNvSpPr txBox="1"/>
-          <p:nvPr/>
-        </p:nvSpPr>
-        <p:spPr>
-          <a:xfrm>
-            <a:off x="2987824" y="2940541"/>
-            <a:ext cx="391454" cy="276999"/>
-          </a:xfrm>
-          <a:prstGeom prst="rect">
-            <a:avLst/>
-          </a:prstGeom>
-          <a:noFill/>
-        </p:spPr>
-        <p:txBody>
-          <a:bodyPr wrap="none" rtlCol="0">
-            <a:spAutoFit/>
-          </a:bodyPr>
-          <a:lstStyle/>
-          <a:p>
-            <a:r>
-              <a:rPr lang="en-US" altLang="zh-TW" sz="1200" dirty="0" smtClean="0"/>
-              <a:t>No</a:t>
-            </a:r>
-            <a:endParaRPr lang="zh-TW" altLang="en-US" sz="1200" dirty="0"/>
-          </a:p>
-        </p:txBody>
-      </p:sp>
-      <p:sp>
-        <p:nvSpPr>
-          <p:cNvPr id="38" name="文字方塊 37"/>
-          <p:cNvSpPr txBox="1"/>
-          <p:nvPr/>
-        </p:nvSpPr>
-        <p:spPr>
-          <a:xfrm>
-            <a:off x="5220072" y="1921396"/>
-            <a:ext cx="646331" cy="276999"/>
-          </a:xfrm>
-          <a:prstGeom prst="rect">
-            <a:avLst/>
-          </a:prstGeom>
-          <a:noFill/>
-          <a:ln w="12700">
-            <a:solidFill>
-              <a:schemeClr val="accent1"/>
-            </a:solidFill>
-            <a:prstDash val="sysDash"/>
-          </a:ln>
-        </p:spPr>
-        <p:txBody>
-          <a:bodyPr wrap="none" rtlCol="0">
-            <a:spAutoFit/>
-          </a:bodyPr>
-          <a:lstStyle/>
-          <a:p>
-            <a:r>
-              <a:rPr lang="en-US" altLang="zh-TW" sz="1200" dirty="0" smtClean="0">
-                <a:solidFill>
-                  <a:schemeClr val="tx2">
-                    <a:lumMod val="75000"/>
-                  </a:schemeClr>
-                </a:solidFill>
-              </a:rPr>
-              <a:t>Run bit</a:t>
-            </a:r>
-            <a:endParaRPr lang="zh-TW" altLang="en-US" sz="1200" dirty="0">
-              <a:solidFill>
-                <a:schemeClr val="tx2">
-                  <a:lumMod val="75000"/>
-                </a:schemeClr>
-              </a:solidFill>
-            </a:endParaRPr>
-          </a:p>
-        </p:txBody>
-      </p:sp>
-      <p:cxnSp>
-        <p:nvCxnSpPr>
-          <p:cNvPr id="40" name="直線接點 39"/>
-          <p:cNvCxnSpPr>
-            <a:stCxn id="38" idx="3"/>
-          </p:cNvCxnSpPr>
-          <p:nvPr/>
-        </p:nvCxnSpPr>
-        <p:spPr>
-          <a:xfrm>
-            <a:off x="5866403" y="2059896"/>
-            <a:ext cx="361781" cy="5516"/>
-          </a:xfrm>
-          <a:prstGeom prst="line">
-            <a:avLst/>
-          </a:prstGeom>
-          <a:ln w="12700">
-            <a:prstDash val="sysDash"/>
-          </a:ln>
-        </p:spPr>
-        <p:style>
-          <a:lnRef idx="1">
-            <a:schemeClr val="accent1"/>
-          </a:lnRef>
-          <a:fillRef idx="0">
-            <a:schemeClr val="accent1"/>
-          </a:fillRef>
-          <a:effectRef idx="0">
-            <a:schemeClr val="accent1"/>
-          </a:effectRef>
-          <a:fontRef idx="minor">
-            <a:schemeClr val="tx1"/>
-          </a:fontRef>
-        </p:style>
-      </p:cxnSp>
-      <p:sp>
-        <p:nvSpPr>
-          <p:cNvPr id="41" name="文字方塊 40"/>
-          <p:cNvSpPr txBox="1"/>
-          <p:nvPr/>
-        </p:nvSpPr>
-        <p:spPr>
-          <a:xfrm>
-            <a:off x="2123728" y="3793604"/>
-            <a:ext cx="720080" cy="276999"/>
-          </a:xfrm>
-          <a:prstGeom prst="rect">
-            <a:avLst/>
-          </a:prstGeom>
-          <a:noFill/>
-          <a:ln w="12700">
-            <a:solidFill>
-              <a:schemeClr val="accent1"/>
-            </a:solidFill>
-            <a:prstDash val="sysDash"/>
-          </a:ln>
-        </p:spPr>
-        <p:txBody>
-          <a:bodyPr wrap="square" rtlCol="0">
-            <a:spAutoFit/>
-          </a:bodyPr>
-          <a:lstStyle/>
-          <a:p>
-            <a:r>
-              <a:rPr lang="en-US" altLang="zh-TW" sz="1200" dirty="0" err="1" smtClean="0">
-                <a:solidFill>
-                  <a:schemeClr val="tx2">
-                    <a:lumMod val="75000"/>
-                  </a:schemeClr>
-                </a:solidFill>
-              </a:rPr>
-              <a:t>c</a:t>
-            </a:r>
-            <a:r>
-              <a:rPr lang="en-US" altLang="zh-TW" sz="1200" dirty="0" err="1" smtClean="0">
-                <a:solidFill>
-                  <a:schemeClr val="tx2">
-                    <a:lumMod val="75000"/>
-                  </a:schemeClr>
-                </a:solidFill>
-              </a:rPr>
-              <a:t>s</a:t>
-            </a:r>
-            <a:r>
-              <a:rPr lang="en-US" altLang="zh-TW" sz="1200" dirty="0" smtClean="0">
-                <a:solidFill>
-                  <a:schemeClr val="tx2">
-                    <a:lumMod val="75000"/>
-                  </a:schemeClr>
-                </a:solidFill>
-              </a:rPr>
-              <a:t> setup</a:t>
-            </a:r>
-            <a:endParaRPr lang="zh-TW" altLang="en-US" sz="1200" dirty="0">
-              <a:solidFill>
-                <a:schemeClr val="tx2">
-                  <a:lumMod val="75000"/>
-                </a:schemeClr>
-              </a:solidFill>
-            </a:endParaRPr>
-          </a:p>
-        </p:txBody>
-      </p:sp>
-      <p:cxnSp>
-        <p:nvCxnSpPr>
-          <p:cNvPr id="42" name="直線接點 41"/>
-          <p:cNvCxnSpPr>
-            <a:stCxn id="41" idx="3"/>
-          </p:cNvCxnSpPr>
-          <p:nvPr/>
-        </p:nvCxnSpPr>
-        <p:spPr>
-          <a:xfrm>
-            <a:off x="2843808" y="3932104"/>
-            <a:ext cx="648072" cy="509572"/>
-          </a:xfrm>
-          <a:prstGeom prst="line">
-            <a:avLst/>
-          </a:prstGeom>
-          <a:ln w="12700">
-            <a:prstDash val="sysDash"/>
-          </a:ln>
-        </p:spPr>
-        <p:style>
-          <a:lnRef idx="1">
-            <a:schemeClr val="accent1"/>
-          </a:lnRef>
-          <a:fillRef idx="0">
-            <a:schemeClr val="accent1"/>
-          </a:fillRef>
-          <a:effectRef idx="0">
-            <a:schemeClr val="accent1"/>
-          </a:effectRef>
-          <a:fontRef idx="minor">
-            <a:schemeClr val="tx1"/>
-          </a:fontRef>
-        </p:style>
-      </p:cxnSp>
-      <p:cxnSp>
-        <p:nvCxnSpPr>
-          <p:cNvPr id="45" name="直線接點 44"/>
-          <p:cNvCxnSpPr>
-            <a:stCxn id="41" idx="1"/>
-          </p:cNvCxnSpPr>
-          <p:nvPr/>
-        </p:nvCxnSpPr>
-        <p:spPr>
-          <a:xfrm flipH="1">
-            <a:off x="1547664" y="3932104"/>
-            <a:ext cx="576064" cy="437564"/>
-          </a:xfrm>
-          <a:prstGeom prst="line">
-            <a:avLst/>
-          </a:prstGeom>
-          <a:ln w="12700">
-            <a:prstDash val="sysDash"/>
-          </a:ln>
-        </p:spPr>
-        <p:style>
-          <a:lnRef idx="1">
-            <a:schemeClr val="accent1"/>
-          </a:lnRef>
-          <a:fillRef idx="0">
-            <a:schemeClr val="accent1"/>
-          </a:fillRef>
-          <a:effectRef idx="0">
-            <a:schemeClr val="accent1"/>
-          </a:effectRef>
-          <a:fontRef idx="minor">
-            <a:schemeClr val="tx1"/>
-          </a:fontRef>
-        </p:style>
-      </p:cxnSp>
-      <p:sp>
-        <p:nvSpPr>
-          <p:cNvPr id="48" name="文字方塊 47"/>
-          <p:cNvSpPr txBox="1"/>
-          <p:nvPr/>
-        </p:nvSpPr>
-        <p:spPr>
-          <a:xfrm>
-            <a:off x="6876256" y="3001516"/>
-            <a:ext cx="864339" cy="276999"/>
-          </a:xfrm>
-          <a:prstGeom prst="rect">
-            <a:avLst/>
-          </a:prstGeom>
-          <a:noFill/>
-          <a:ln w="12700">
-            <a:solidFill>
-              <a:schemeClr val="accent1"/>
-            </a:solidFill>
-            <a:prstDash val="sysDash"/>
-          </a:ln>
-        </p:spPr>
-        <p:txBody>
-          <a:bodyPr wrap="none" rtlCol="0">
-            <a:spAutoFit/>
-          </a:bodyPr>
-          <a:lstStyle/>
-          <a:p>
-            <a:r>
-              <a:rPr lang="en-US" altLang="zh-TW" sz="1200" dirty="0" err="1" smtClean="0">
-                <a:solidFill>
-                  <a:schemeClr val="tx2">
-                    <a:lumMod val="75000"/>
-                  </a:schemeClr>
-                </a:solidFill>
-              </a:rPr>
-              <a:t>cs</a:t>
-            </a:r>
-            <a:r>
-              <a:rPr lang="en-US" altLang="zh-TW" sz="1200" dirty="0" smtClean="0">
-                <a:solidFill>
-                  <a:schemeClr val="tx2">
-                    <a:lumMod val="75000"/>
-                  </a:schemeClr>
-                </a:solidFill>
-              </a:rPr>
-              <a:t> inactive</a:t>
-            </a:r>
-            <a:endParaRPr lang="zh-TW" altLang="en-US" sz="1200" dirty="0">
-              <a:solidFill>
-                <a:schemeClr val="tx2">
-                  <a:lumMod val="75000"/>
-                </a:schemeClr>
-              </a:solidFill>
-            </a:endParaRPr>
-          </a:p>
-        </p:txBody>
-      </p:sp>
-      <p:cxnSp>
-        <p:nvCxnSpPr>
-          <p:cNvPr id="49" name="直線接點 48"/>
-          <p:cNvCxnSpPr>
-            <a:stCxn id="48" idx="1"/>
-          </p:cNvCxnSpPr>
-          <p:nvPr/>
-        </p:nvCxnSpPr>
-        <p:spPr>
-          <a:xfrm flipH="1">
-            <a:off x="6300192" y="3140016"/>
-            <a:ext cx="576064" cy="5516"/>
-          </a:xfrm>
-          <a:prstGeom prst="line">
-            <a:avLst/>
-          </a:prstGeom>
-          <a:ln w="12700">
-            <a:prstDash val="sysDash"/>
-          </a:ln>
-        </p:spPr>
-        <p:style>
-          <a:lnRef idx="1">
-            <a:schemeClr val="accent1"/>
-          </a:lnRef>
-          <a:fillRef idx="0">
-            <a:schemeClr val="accent1"/>
-          </a:fillRef>
-          <a:effectRef idx="0">
-            <a:schemeClr val="accent1"/>
-          </a:effectRef>
-          <a:fontRef idx="minor">
-            <a:schemeClr val="tx1"/>
-          </a:fontRef>
-        </p:style>
-      </p:cxnSp>
-      <p:sp>
-        <p:nvSpPr>
-          <p:cNvPr id="52" name="文字方塊 51"/>
-          <p:cNvSpPr txBox="1"/>
-          <p:nvPr/>
-        </p:nvSpPr>
-        <p:spPr>
-          <a:xfrm>
-            <a:off x="5004048" y="985292"/>
-            <a:ext cx="742511" cy="276999"/>
-          </a:xfrm>
-          <a:prstGeom prst="rect">
-            <a:avLst/>
-          </a:prstGeom>
-          <a:noFill/>
-          <a:ln w="12700">
-            <a:solidFill>
-              <a:schemeClr val="accent1"/>
-            </a:solidFill>
-            <a:prstDash val="sysDash"/>
-          </a:ln>
-        </p:spPr>
-        <p:txBody>
-          <a:bodyPr wrap="none" rtlCol="0">
-            <a:spAutoFit/>
-          </a:bodyPr>
-          <a:lstStyle/>
-          <a:p>
-            <a:r>
-              <a:rPr lang="en-US" altLang="zh-TW" sz="1200" dirty="0" err="1" smtClean="0">
-                <a:solidFill>
-                  <a:schemeClr val="tx2">
-                    <a:lumMod val="75000"/>
-                  </a:schemeClr>
-                </a:solidFill>
-              </a:rPr>
-              <a:t>cs</a:t>
-            </a:r>
-            <a:r>
-              <a:rPr lang="en-US" altLang="zh-TW" sz="1200" dirty="0" smtClean="0">
-                <a:solidFill>
-                  <a:schemeClr val="tx2">
-                    <a:lumMod val="75000"/>
-                  </a:schemeClr>
-                </a:solidFill>
-              </a:rPr>
-              <a:t> active</a:t>
-            </a:r>
-            <a:endParaRPr lang="zh-TW" altLang="en-US" sz="1200" dirty="0">
-              <a:solidFill>
-                <a:schemeClr val="tx2">
-                  <a:lumMod val="75000"/>
-                </a:schemeClr>
-              </a:solidFill>
-            </a:endParaRPr>
-          </a:p>
-        </p:txBody>
-      </p:sp>
-      <p:cxnSp>
-        <p:nvCxnSpPr>
-          <p:cNvPr id="53" name="直線接點 52"/>
-          <p:cNvCxnSpPr>
-            <a:stCxn id="52" idx="2"/>
-          </p:cNvCxnSpPr>
-          <p:nvPr/>
-        </p:nvCxnSpPr>
-        <p:spPr>
-          <a:xfrm flipH="1">
-            <a:off x="5292081" y="1262291"/>
-            <a:ext cx="83223" cy="371073"/>
-          </a:xfrm>
-          <a:prstGeom prst="line">
-            <a:avLst/>
-          </a:prstGeom>
-          <a:ln w="12700">
-            <a:prstDash val="sysDash"/>
-          </a:ln>
-        </p:spPr>
-        <p:style>
-          <a:lnRef idx="1">
-            <a:schemeClr val="accent1"/>
-          </a:lnRef>
-          <a:fillRef idx="0">
-            <a:schemeClr val="accent1"/>
-          </a:fillRef>
-          <a:effectRef idx="0">
-            <a:schemeClr val="accent1"/>
-          </a:effectRef>
-          <a:fontRef idx="minor">
-            <a:schemeClr val="tx1"/>
-          </a:fontRef>
-        </p:style>
-      </p:cxnSp>
-      <p:sp>
-        <p:nvSpPr>
-          <p:cNvPr id="56" name="文字方塊 55"/>
-          <p:cNvSpPr txBox="1"/>
-          <p:nvPr/>
-        </p:nvSpPr>
-        <p:spPr>
-          <a:xfrm>
-            <a:off x="5908738" y="2940541"/>
-            <a:ext cx="391454" cy="276999"/>
-          </a:xfrm>
-          <a:prstGeom prst="rect">
-            <a:avLst/>
-          </a:prstGeom>
-          <a:noFill/>
-        </p:spPr>
-        <p:txBody>
-          <a:bodyPr wrap="none" rtlCol="0">
-            <a:spAutoFit/>
-          </a:bodyPr>
-          <a:lstStyle/>
-          <a:p>
-            <a:r>
-              <a:rPr lang="en-US" altLang="zh-TW" sz="1200" dirty="0" smtClean="0"/>
-              <a:t>No</a:t>
-            </a:r>
-            <a:endParaRPr lang="zh-TW" altLang="en-US" sz="1200" dirty="0"/>
-          </a:p>
-        </p:txBody>
-      </p:sp>
-      <p:sp>
-        <p:nvSpPr>
-          <p:cNvPr id="57" name="文字方塊 56"/>
-          <p:cNvSpPr txBox="1"/>
-          <p:nvPr/>
-        </p:nvSpPr>
-        <p:spPr>
-          <a:xfrm>
-            <a:off x="5940152" y="3865612"/>
-            <a:ext cx="391454" cy="276999"/>
-          </a:xfrm>
-          <a:prstGeom prst="rect">
-            <a:avLst/>
-          </a:prstGeom>
-          <a:noFill/>
-        </p:spPr>
-        <p:txBody>
-          <a:bodyPr wrap="none" rtlCol="0">
-            <a:spAutoFit/>
-          </a:bodyPr>
-          <a:lstStyle/>
-          <a:p>
-            <a:r>
-              <a:rPr lang="en-US" altLang="zh-TW" sz="1200" dirty="0" smtClean="0"/>
-              <a:t>No</a:t>
-            </a:r>
-            <a:endParaRPr lang="zh-TW" altLang="en-US" sz="1200" dirty="0"/>
-          </a:p>
-        </p:txBody>
-      </p:sp>
     </p:spTree>
   </p:cSld>
   <p:clrMapOvr>
@@ -20838,30 +20413,6 @@
       </p:grpSpPr>
       <p:sp>
         <p:nvSpPr>
-          <p:cNvPr id="2" name="內容版面配置區 1"/>
-          <p:cNvSpPr>
-            <a:spLocks noGrp="1"/>
-          </p:cNvSpPr>
-          <p:nvPr>
-            <p:ph sz="half" idx="2"/>
-          </p:nvPr>
-        </p:nvSpPr>
-        <p:spPr>
-          <a:xfrm>
-            <a:off x="4283968" y="697260"/>
-            <a:ext cx="4402832" cy="4608512"/>
-          </a:xfrm>
-        </p:spPr>
-        <p:txBody>
-          <a:bodyPr/>
-          <a:lstStyle/>
-          <a:p>
-            <a:endParaRPr lang="zh-TW" altLang="en-US" dirty="0"/>
-          </a:p>
-        </p:txBody>
-      </p:sp>
-      <p:sp>
-        <p:nvSpPr>
           <p:cNvPr id="3" name="標題 2"/>
           <p:cNvSpPr>
             <a:spLocks noGrp="1"/>
@@ -20872,51 +20423,1518 @@
         </p:nvSpPr>
         <p:spPr/>
         <p:txBody>
-          <a:bodyPr>
-            <a:normAutofit/>
+          <a:bodyPr/>
+          <a:lstStyle/>
+          <a:p>
+            <a:r>
+              <a:rPr lang="en-US" altLang="zh-TW" dirty="0" smtClean="0"/>
+              <a:t>SPI Bus Flow Chart</a:t>
+            </a:r>
+            <a:endParaRPr lang="zh-TW" altLang="en-US" dirty="0"/>
+          </a:p>
+        </p:txBody>
+      </p:sp>
+      <p:sp>
+        <p:nvSpPr>
+          <p:cNvPr id="126" name="流程圖: 程序 125"/>
+          <p:cNvSpPr/>
+          <p:nvPr/>
+        </p:nvSpPr>
+        <p:spPr>
+          <a:xfrm>
+            <a:off x="1928568" y="2209428"/>
+            <a:ext cx="1080000" cy="360040"/>
+          </a:xfrm>
+          <a:prstGeom prst="flowChartProcess">
+            <a:avLst/>
+          </a:prstGeom>
+        </p:spPr>
+        <p:style>
+          <a:lnRef idx="1">
+            <a:schemeClr val="accent5"/>
+          </a:lnRef>
+          <a:fillRef idx="2">
+            <a:schemeClr val="accent5"/>
+          </a:fillRef>
+          <a:effectRef idx="1">
+            <a:schemeClr val="accent5"/>
+          </a:effectRef>
+          <a:fontRef idx="minor">
+            <a:schemeClr val="dk1"/>
+          </a:fontRef>
+        </p:style>
+        <p:txBody>
+          <a:bodyPr rtlCol="0" anchor="ctr"/>
+          <a:lstStyle/>
+          <a:p>
+            <a:pPr algn="ctr"/>
+            <a:r>
+              <a:rPr lang="en-US" altLang="zh-TW" sz="1000" dirty="0" smtClean="0"/>
+              <a:t>Send transfer</a:t>
+            </a:r>
+            <a:endParaRPr lang="zh-TW" altLang="en-US" sz="1000" dirty="0" smtClean="0"/>
+          </a:p>
+        </p:txBody>
+      </p:sp>
+      <p:sp>
+        <p:nvSpPr>
+          <p:cNvPr id="143" name="流程圖: 決策 142"/>
+          <p:cNvSpPr/>
+          <p:nvPr/>
+        </p:nvSpPr>
+        <p:spPr>
+          <a:xfrm>
+            <a:off x="2015816" y="2929508"/>
+            <a:ext cx="900000" cy="540000"/>
+          </a:xfrm>
+          <a:prstGeom prst="flowChartDecision">
+            <a:avLst/>
+          </a:prstGeom>
+        </p:spPr>
+        <p:style>
+          <a:lnRef idx="1">
+            <a:schemeClr val="accent3"/>
+          </a:lnRef>
+          <a:fillRef idx="2">
+            <a:schemeClr val="accent3"/>
+          </a:fillRef>
+          <a:effectRef idx="1">
+            <a:schemeClr val="accent3"/>
+          </a:effectRef>
+          <a:fontRef idx="minor">
+            <a:schemeClr val="dk1"/>
+          </a:fontRef>
+        </p:style>
+        <p:txBody>
+          <a:bodyPr rtlCol="0" anchor="ctr"/>
+          <a:lstStyle/>
+          <a:p>
+            <a:pPr algn="ctr"/>
+            <a:r>
+              <a:rPr lang="en-US" altLang="zh-TW" sz="800" dirty="0" smtClean="0"/>
+              <a:t>Transfer</a:t>
+            </a:r>
+          </a:p>
+          <a:p>
+            <a:pPr algn="ctr"/>
+            <a:r>
+              <a:rPr lang="en-US" altLang="zh-TW" sz="800" dirty="0" smtClean="0"/>
+              <a:t>Para</a:t>
+            </a:r>
+          </a:p>
+        </p:txBody>
+      </p:sp>
+      <p:sp>
+        <p:nvSpPr>
+          <p:cNvPr id="145" name="流程圖: 文件 144"/>
+          <p:cNvSpPr/>
+          <p:nvPr/>
+        </p:nvSpPr>
+        <p:spPr>
+          <a:xfrm>
+            <a:off x="1079712" y="3577580"/>
+            <a:ext cx="900000" cy="540000"/>
+          </a:xfrm>
+          <a:prstGeom prst="flowChartDocument">
+            <a:avLst/>
+          </a:prstGeom>
+        </p:spPr>
+        <p:style>
+          <a:lnRef idx="1">
+            <a:schemeClr val="accent2"/>
+          </a:lnRef>
+          <a:fillRef idx="2">
+            <a:schemeClr val="accent2"/>
+          </a:fillRef>
+          <a:effectRef idx="1">
+            <a:schemeClr val="accent2"/>
+          </a:effectRef>
+          <a:fontRef idx="minor">
+            <a:schemeClr val="dk1"/>
+          </a:fontRef>
+        </p:style>
+        <p:txBody>
+          <a:bodyPr rtlCol="0" anchor="ctr"/>
+          <a:lstStyle/>
+          <a:p>
+            <a:pPr algn="ctr"/>
+            <a:r>
+              <a:rPr lang="en-US" altLang="zh-TW" sz="1000" dirty="0" smtClean="0"/>
+              <a:t>transfer</a:t>
+            </a:r>
+          </a:p>
+          <a:p>
+            <a:pPr algn="ctr"/>
+            <a:r>
+              <a:rPr lang="en-US" altLang="zh-TW" sz="1000" dirty="0" err="1" smtClean="0"/>
+              <a:t>para</a:t>
+            </a:r>
+            <a:endParaRPr lang="zh-TW" altLang="en-US" sz="1000" dirty="0" smtClean="0"/>
+          </a:p>
+        </p:txBody>
+      </p:sp>
+      <p:sp>
+        <p:nvSpPr>
+          <p:cNvPr id="146" name="流程圖: 直接存取儲存裝置 145"/>
+          <p:cNvSpPr/>
+          <p:nvPr/>
+        </p:nvSpPr>
+        <p:spPr>
+          <a:xfrm>
+            <a:off x="3059832" y="3577580"/>
+            <a:ext cx="900000" cy="540000"/>
+          </a:xfrm>
+          <a:prstGeom prst="flowChartMagneticDrum">
+            <a:avLst/>
+          </a:prstGeom>
+        </p:spPr>
+        <p:style>
+          <a:lnRef idx="1">
+            <a:schemeClr val="accent2"/>
+          </a:lnRef>
+          <a:fillRef idx="2">
+            <a:schemeClr val="accent2"/>
+          </a:fillRef>
+          <a:effectRef idx="1">
+            <a:schemeClr val="accent2"/>
+          </a:effectRef>
+          <a:fontRef idx="minor">
+            <a:schemeClr val="dk1"/>
+          </a:fontRef>
+        </p:style>
+        <p:txBody>
+          <a:bodyPr rtlCol="0" anchor="ctr"/>
+          <a:lstStyle/>
+          <a:p>
+            <a:pPr algn="ctr"/>
+            <a:r>
+              <a:rPr lang="en-US" altLang="zh-TW" sz="1000" dirty="0" err="1" smtClean="0"/>
+              <a:t>Spi</a:t>
+            </a:r>
+            <a:endParaRPr lang="en-US" altLang="zh-TW" sz="1000" dirty="0" smtClean="0"/>
+          </a:p>
+          <a:p>
+            <a:pPr algn="ctr"/>
+            <a:r>
+              <a:rPr lang="en-US" altLang="zh-TW" sz="1000" dirty="0" smtClean="0"/>
+              <a:t>bus</a:t>
+            </a:r>
+          </a:p>
+          <a:p>
+            <a:pPr algn="ctr"/>
+            <a:r>
+              <a:rPr lang="en-US" altLang="zh-TW" sz="1000" dirty="0" err="1" smtClean="0"/>
+              <a:t>para</a:t>
+            </a:r>
+            <a:endParaRPr lang="zh-TW" altLang="en-US" sz="1000" dirty="0" smtClean="0"/>
+          </a:p>
+        </p:txBody>
+      </p:sp>
+      <p:sp>
+        <p:nvSpPr>
+          <p:cNvPr id="147" name="流程圖: 程序 146"/>
+          <p:cNvSpPr/>
+          <p:nvPr/>
+        </p:nvSpPr>
+        <p:spPr>
+          <a:xfrm>
+            <a:off x="1943808" y="4297660"/>
+            <a:ext cx="1080000" cy="360040"/>
+          </a:xfrm>
+          <a:prstGeom prst="flowChartProcess">
+            <a:avLst/>
+          </a:prstGeom>
+        </p:spPr>
+        <p:style>
+          <a:lnRef idx="1">
+            <a:schemeClr val="accent5"/>
+          </a:lnRef>
+          <a:fillRef idx="2">
+            <a:schemeClr val="accent5"/>
+          </a:fillRef>
+          <a:effectRef idx="1">
+            <a:schemeClr val="accent5"/>
+          </a:effectRef>
+          <a:fontRef idx="minor">
+            <a:schemeClr val="dk1"/>
+          </a:fontRef>
+        </p:style>
+        <p:txBody>
+          <a:bodyPr rtlCol="0" anchor="ctr"/>
+          <a:lstStyle/>
+          <a:p>
+            <a:pPr algn="ctr"/>
+            <a:r>
+              <a:rPr lang="en-US" altLang="zh-TW" sz="1000" dirty="0" smtClean="0"/>
+              <a:t>Setup </a:t>
+            </a:r>
+            <a:r>
+              <a:rPr lang="en-US" altLang="zh-TW" sz="1000" dirty="0" err="1" smtClean="0"/>
+              <a:t>xfer</a:t>
+            </a:r>
+            <a:endParaRPr lang="zh-TW" altLang="en-US" sz="1000" dirty="0" smtClean="0"/>
+          </a:p>
+        </p:txBody>
+      </p:sp>
+      <p:sp>
+        <p:nvSpPr>
+          <p:cNvPr id="148" name="流程圖: 程序 147"/>
+          <p:cNvSpPr/>
+          <p:nvPr/>
+        </p:nvSpPr>
+        <p:spPr>
+          <a:xfrm>
+            <a:off x="5721212" y="1489348"/>
+            <a:ext cx="1080000" cy="360040"/>
+          </a:xfrm>
+          <a:prstGeom prst="flowChartProcess">
+            <a:avLst/>
+          </a:prstGeom>
+        </p:spPr>
+        <p:style>
+          <a:lnRef idx="1">
+            <a:schemeClr val="accent5"/>
+          </a:lnRef>
+          <a:fillRef idx="2">
+            <a:schemeClr val="accent5"/>
+          </a:fillRef>
+          <a:effectRef idx="1">
+            <a:schemeClr val="accent5"/>
+          </a:effectRef>
+          <a:fontRef idx="minor">
+            <a:schemeClr val="dk1"/>
+          </a:fontRef>
+        </p:style>
+        <p:txBody>
+          <a:bodyPr rtlCol="0" anchor="ctr"/>
+          <a:lstStyle/>
+          <a:p>
+            <a:pPr algn="ctr"/>
+            <a:r>
+              <a:rPr lang="en-US" altLang="zh-TW" sz="1000" dirty="0" err="1" smtClean="0"/>
+              <a:t>tx</a:t>
+            </a:r>
+            <a:r>
+              <a:rPr lang="en-US" altLang="zh-TW" sz="1000" dirty="0" smtClean="0"/>
+              <a:t>/</a:t>
+            </a:r>
+            <a:r>
+              <a:rPr lang="en-US" altLang="zh-TW" sz="1000" dirty="0" err="1" smtClean="0"/>
+              <a:t>rx</a:t>
+            </a:r>
+            <a:r>
+              <a:rPr lang="en-US" altLang="zh-TW" sz="1000" dirty="0" smtClean="0"/>
+              <a:t> buffer</a:t>
+            </a:r>
+          </a:p>
+        </p:txBody>
+      </p:sp>
+      <p:sp>
+        <p:nvSpPr>
+          <p:cNvPr id="149" name="流程圖: 決策 148"/>
+          <p:cNvSpPr/>
+          <p:nvPr/>
+        </p:nvSpPr>
+        <p:spPr>
+          <a:xfrm>
+            <a:off x="5811376" y="2353444"/>
+            <a:ext cx="900000" cy="540000"/>
+          </a:xfrm>
+          <a:prstGeom prst="flowChartDecision">
+            <a:avLst/>
+          </a:prstGeom>
+        </p:spPr>
+        <p:style>
+          <a:lnRef idx="1">
+            <a:schemeClr val="accent3"/>
+          </a:lnRef>
+          <a:fillRef idx="2">
+            <a:schemeClr val="accent3"/>
+          </a:fillRef>
+          <a:effectRef idx="1">
+            <a:schemeClr val="accent3"/>
+          </a:effectRef>
+          <a:fontRef idx="minor">
+            <a:schemeClr val="dk1"/>
+          </a:fontRef>
+        </p:style>
+        <p:txBody>
+          <a:bodyPr rtlCol="0" anchor="ctr"/>
+          <a:lstStyle/>
+          <a:p>
+            <a:pPr algn="ctr"/>
+            <a:r>
+              <a:rPr lang="en-US" altLang="zh-TW" sz="1000" dirty="0" smtClean="0"/>
+              <a:t>Transfer?</a:t>
+            </a:r>
+            <a:endParaRPr lang="zh-TW" altLang="en-US" sz="1000" dirty="0" smtClean="0"/>
+          </a:p>
+        </p:txBody>
+      </p:sp>
+      <p:sp>
+        <p:nvSpPr>
+          <p:cNvPr id="150" name="流程圖: 決策 149"/>
+          <p:cNvSpPr/>
+          <p:nvPr/>
+        </p:nvSpPr>
+        <p:spPr>
+          <a:xfrm>
+            <a:off x="5811376" y="3322692"/>
+            <a:ext cx="900000" cy="540000"/>
+          </a:xfrm>
+          <a:prstGeom prst="flowChartDecision">
+            <a:avLst/>
+          </a:prstGeom>
+        </p:spPr>
+        <p:style>
+          <a:lnRef idx="1">
+            <a:schemeClr val="accent3"/>
+          </a:lnRef>
+          <a:fillRef idx="2">
+            <a:schemeClr val="accent3"/>
+          </a:fillRef>
+          <a:effectRef idx="1">
+            <a:schemeClr val="accent3"/>
+          </a:effectRef>
+          <a:fontRef idx="minor">
+            <a:schemeClr val="dk1"/>
+          </a:fontRef>
+        </p:style>
+        <p:txBody>
+          <a:bodyPr rtlCol="0" anchor="ctr"/>
+          <a:lstStyle/>
+          <a:p>
+            <a:pPr algn="ctr"/>
+            <a:r>
+              <a:rPr lang="en-US" altLang="zh-TW" sz="800" dirty="0" smtClean="0"/>
+              <a:t>Message?</a:t>
+            </a:r>
+            <a:endParaRPr lang="zh-TW" altLang="en-US" sz="800" dirty="0" smtClean="0"/>
+          </a:p>
+        </p:txBody>
+      </p:sp>
+      <p:sp>
+        <p:nvSpPr>
+          <p:cNvPr id="151" name="流程圖: 結束點 150"/>
+          <p:cNvSpPr/>
+          <p:nvPr/>
+        </p:nvSpPr>
+        <p:spPr>
+          <a:xfrm>
+            <a:off x="5724248" y="4225692"/>
+            <a:ext cx="1080000" cy="360000"/>
+          </a:xfrm>
+          <a:prstGeom prst="flowChartTerminator">
+            <a:avLst/>
+          </a:prstGeom>
+        </p:spPr>
+        <p:style>
+          <a:lnRef idx="1">
+            <a:schemeClr val="accent6"/>
+          </a:lnRef>
+          <a:fillRef idx="2">
+            <a:schemeClr val="accent6"/>
+          </a:fillRef>
+          <a:effectRef idx="1">
+            <a:schemeClr val="accent6"/>
+          </a:effectRef>
+          <a:fontRef idx="minor">
+            <a:schemeClr val="dk1"/>
+          </a:fontRef>
+        </p:style>
+        <p:txBody>
+          <a:bodyPr rtlCol="0" anchor="ctr"/>
+          <a:lstStyle/>
+          <a:p>
+            <a:pPr algn="ctr"/>
+            <a:r>
+              <a:rPr lang="en-US" altLang="zh-TW" sz="1000" dirty="0" smtClean="0"/>
+              <a:t>complete</a:t>
+            </a:r>
+            <a:endParaRPr lang="zh-TW" altLang="en-US" sz="1000" dirty="0" smtClean="0"/>
+          </a:p>
+        </p:txBody>
+      </p:sp>
+      <p:cxnSp>
+        <p:nvCxnSpPr>
+          <p:cNvPr id="153" name="直線單箭頭接點 152"/>
+          <p:cNvCxnSpPr>
+            <a:stCxn id="148" idx="2"/>
+            <a:endCxn id="149" idx="0"/>
+          </p:cNvCxnSpPr>
+          <p:nvPr/>
+        </p:nvCxnSpPr>
+        <p:spPr>
+          <a:xfrm>
+            <a:off x="6261212" y="1849388"/>
+            <a:ext cx="164" cy="504056"/>
+          </a:xfrm>
+          <a:prstGeom prst="straightConnector1">
+            <a:avLst/>
+          </a:prstGeom>
+          <a:ln>
+            <a:tailEnd type="arrow"/>
+          </a:ln>
+        </p:spPr>
+        <p:style>
+          <a:lnRef idx="1">
+            <a:schemeClr val="accent1"/>
+          </a:lnRef>
+          <a:fillRef idx="0">
+            <a:schemeClr val="accent1"/>
+          </a:fillRef>
+          <a:effectRef idx="0">
+            <a:schemeClr val="accent1"/>
+          </a:effectRef>
+          <a:fontRef idx="minor">
+            <a:schemeClr val="tx1"/>
+          </a:fontRef>
+        </p:style>
+      </p:cxnSp>
+      <p:cxnSp>
+        <p:nvCxnSpPr>
+          <p:cNvPr id="157" name="直線單箭頭接點 156"/>
+          <p:cNvCxnSpPr>
+            <a:stCxn id="149" idx="2"/>
+            <a:endCxn id="150" idx="0"/>
+          </p:cNvCxnSpPr>
+          <p:nvPr/>
+        </p:nvCxnSpPr>
+        <p:spPr>
+          <a:xfrm>
+            <a:off x="6261376" y="2893444"/>
+            <a:ext cx="0" cy="429248"/>
+          </a:xfrm>
+          <a:prstGeom prst="straightConnector1">
+            <a:avLst/>
+          </a:prstGeom>
+          <a:ln>
+            <a:tailEnd type="arrow"/>
+          </a:ln>
+        </p:spPr>
+        <p:style>
+          <a:lnRef idx="1">
+            <a:schemeClr val="accent1"/>
+          </a:lnRef>
+          <a:fillRef idx="0">
+            <a:schemeClr val="accent1"/>
+          </a:fillRef>
+          <a:effectRef idx="0">
+            <a:schemeClr val="accent1"/>
+          </a:effectRef>
+          <a:fontRef idx="minor">
+            <a:schemeClr val="tx1"/>
+          </a:fontRef>
+        </p:style>
+      </p:cxnSp>
+      <p:cxnSp>
+        <p:nvCxnSpPr>
+          <p:cNvPr id="159" name="直線單箭頭接點 158"/>
+          <p:cNvCxnSpPr>
+            <a:stCxn id="150" idx="2"/>
+            <a:endCxn id="151" idx="0"/>
+          </p:cNvCxnSpPr>
+          <p:nvPr/>
+        </p:nvCxnSpPr>
+        <p:spPr>
+          <a:xfrm>
+            <a:off x="6261376" y="3862692"/>
+            <a:ext cx="2872" cy="363000"/>
+          </a:xfrm>
+          <a:prstGeom prst="straightConnector1">
+            <a:avLst/>
+          </a:prstGeom>
+          <a:ln>
+            <a:tailEnd type="arrow"/>
+          </a:ln>
+        </p:spPr>
+        <p:style>
+          <a:lnRef idx="1">
+            <a:schemeClr val="accent1"/>
+          </a:lnRef>
+          <a:fillRef idx="0">
+            <a:schemeClr val="accent1"/>
+          </a:fillRef>
+          <a:effectRef idx="0">
+            <a:schemeClr val="accent1"/>
+          </a:effectRef>
+          <a:fontRef idx="minor">
+            <a:schemeClr val="tx1"/>
+          </a:fontRef>
+        </p:style>
+      </p:cxnSp>
+      <p:cxnSp>
+        <p:nvCxnSpPr>
+          <p:cNvPr id="164" name="肘形接點 163"/>
+          <p:cNvCxnSpPr>
+            <a:stCxn id="149" idx="3"/>
+            <a:endCxn id="148" idx="3"/>
+          </p:cNvCxnSpPr>
+          <p:nvPr/>
+        </p:nvCxnSpPr>
+        <p:spPr>
+          <a:xfrm flipV="1">
+            <a:off x="6711376" y="1669368"/>
+            <a:ext cx="89836" cy="954076"/>
+          </a:xfrm>
+          <a:prstGeom prst="bentConnector3">
+            <a:avLst>
+              <a:gd name="adj1" fmla="val 354464"/>
+            </a:avLst>
+          </a:prstGeom>
+          <a:ln>
+            <a:tailEnd type="arrow"/>
+          </a:ln>
+        </p:spPr>
+        <p:style>
+          <a:lnRef idx="1">
+            <a:schemeClr val="accent1"/>
+          </a:lnRef>
+          <a:fillRef idx="0">
+            <a:schemeClr val="accent1"/>
+          </a:fillRef>
+          <a:effectRef idx="0">
+            <a:schemeClr val="accent1"/>
+          </a:effectRef>
+          <a:fontRef idx="minor">
+            <a:schemeClr val="tx1"/>
+          </a:fontRef>
+        </p:style>
+      </p:cxnSp>
+      <p:cxnSp>
+        <p:nvCxnSpPr>
+          <p:cNvPr id="166" name="圖案 165"/>
+          <p:cNvCxnSpPr>
+            <a:stCxn id="147" idx="2"/>
+            <a:endCxn id="148" idx="1"/>
+          </p:cNvCxnSpPr>
+          <p:nvPr/>
+        </p:nvCxnSpPr>
+        <p:spPr>
+          <a:xfrm rot="5400000" flipH="1" flipV="1">
+            <a:off x="2608344" y="1544832"/>
+            <a:ext cx="2988332" cy="3237404"/>
+          </a:xfrm>
+          <a:prstGeom prst="bentConnector4">
+            <a:avLst>
+              <a:gd name="adj1" fmla="val -7650"/>
+              <a:gd name="adj2" fmla="val 72698"/>
+            </a:avLst>
+          </a:prstGeom>
+          <a:ln>
+            <a:tailEnd type="arrow"/>
+          </a:ln>
+        </p:spPr>
+        <p:style>
+          <a:lnRef idx="1">
+            <a:schemeClr val="accent1"/>
+          </a:lnRef>
+          <a:fillRef idx="0">
+            <a:schemeClr val="accent1"/>
+          </a:fillRef>
+          <a:effectRef idx="0">
+            <a:schemeClr val="accent1"/>
+          </a:effectRef>
+          <a:fontRef idx="minor">
+            <a:schemeClr val="tx1"/>
+          </a:fontRef>
+        </p:style>
+      </p:cxnSp>
+      <p:cxnSp>
+        <p:nvCxnSpPr>
+          <p:cNvPr id="168" name="圖案 167"/>
+          <p:cNvCxnSpPr>
+            <a:stCxn id="143" idx="3"/>
+            <a:endCxn id="146" idx="0"/>
+          </p:cNvCxnSpPr>
+          <p:nvPr/>
+        </p:nvCxnSpPr>
+        <p:spPr>
+          <a:xfrm>
+            <a:off x="2915816" y="3199508"/>
+            <a:ext cx="594016" cy="378072"/>
+          </a:xfrm>
+          <a:prstGeom prst="bentConnector2">
+            <a:avLst/>
+          </a:prstGeom>
+          <a:ln>
+            <a:tailEnd type="arrow"/>
+          </a:ln>
+        </p:spPr>
+        <p:style>
+          <a:lnRef idx="1">
+            <a:schemeClr val="accent1"/>
+          </a:lnRef>
+          <a:fillRef idx="0">
+            <a:schemeClr val="accent1"/>
+          </a:fillRef>
+          <a:effectRef idx="0">
+            <a:schemeClr val="accent1"/>
+          </a:effectRef>
+          <a:fontRef idx="minor">
+            <a:schemeClr val="tx1"/>
+          </a:fontRef>
+        </p:style>
+      </p:cxnSp>
+      <p:cxnSp>
+        <p:nvCxnSpPr>
+          <p:cNvPr id="170" name="圖案 169"/>
+          <p:cNvCxnSpPr>
+            <a:stCxn id="143" idx="1"/>
+            <a:endCxn id="145" idx="0"/>
+          </p:cNvCxnSpPr>
+          <p:nvPr/>
+        </p:nvCxnSpPr>
+        <p:spPr>
+          <a:xfrm rot="10800000" flipV="1">
+            <a:off x="1529712" y="3199508"/>
+            <a:ext cx="486104" cy="378072"/>
+          </a:xfrm>
+          <a:prstGeom prst="bentConnector2">
+            <a:avLst/>
+          </a:prstGeom>
+          <a:ln>
+            <a:tailEnd type="arrow"/>
+          </a:ln>
+        </p:spPr>
+        <p:style>
+          <a:lnRef idx="1">
+            <a:schemeClr val="accent1"/>
+          </a:lnRef>
+          <a:fillRef idx="0">
+            <a:schemeClr val="accent1"/>
+          </a:fillRef>
+          <a:effectRef idx="0">
+            <a:schemeClr val="accent1"/>
+          </a:effectRef>
+          <a:fontRef idx="minor">
+            <a:schemeClr val="tx1"/>
+          </a:fontRef>
+        </p:style>
+      </p:cxnSp>
+      <p:cxnSp>
+        <p:nvCxnSpPr>
+          <p:cNvPr id="172" name="圖案 171"/>
+          <p:cNvCxnSpPr>
+            <a:stCxn id="145" idx="2"/>
+            <a:endCxn id="147" idx="1"/>
+          </p:cNvCxnSpPr>
+          <p:nvPr/>
+        </p:nvCxnSpPr>
+        <p:spPr>
+          <a:xfrm rot="16200000" flipH="1">
+            <a:off x="1538860" y="4072732"/>
+            <a:ext cx="395800" cy="414096"/>
+          </a:xfrm>
+          <a:prstGeom prst="bentConnector2">
+            <a:avLst/>
+          </a:prstGeom>
+          <a:ln>
+            <a:tailEnd type="arrow"/>
+          </a:ln>
+        </p:spPr>
+        <p:style>
+          <a:lnRef idx="1">
+            <a:schemeClr val="accent1"/>
+          </a:lnRef>
+          <a:fillRef idx="0">
+            <a:schemeClr val="accent1"/>
+          </a:fillRef>
+          <a:effectRef idx="0">
+            <a:schemeClr val="accent1"/>
+          </a:effectRef>
+          <a:fontRef idx="minor">
+            <a:schemeClr val="tx1"/>
+          </a:fontRef>
+        </p:style>
+      </p:cxnSp>
+      <p:cxnSp>
+        <p:nvCxnSpPr>
+          <p:cNvPr id="174" name="圖案 173"/>
+          <p:cNvCxnSpPr>
+            <a:stCxn id="146" idx="2"/>
+            <a:endCxn id="147" idx="3"/>
+          </p:cNvCxnSpPr>
+          <p:nvPr/>
+        </p:nvCxnSpPr>
+        <p:spPr>
+          <a:xfrm rot="5400000">
+            <a:off x="3086770" y="4054618"/>
+            <a:ext cx="360100" cy="486024"/>
+          </a:xfrm>
+          <a:prstGeom prst="bentConnector2">
+            <a:avLst/>
+          </a:prstGeom>
+          <a:ln>
+            <a:tailEnd type="arrow"/>
+          </a:ln>
+        </p:spPr>
+        <p:style>
+          <a:lnRef idx="1">
+            <a:schemeClr val="accent1"/>
+          </a:lnRef>
+          <a:fillRef idx="0">
+            <a:schemeClr val="accent1"/>
+          </a:fillRef>
+          <a:effectRef idx="0">
+            <a:schemeClr val="accent1"/>
+          </a:effectRef>
+          <a:fontRef idx="minor">
+            <a:schemeClr val="tx1"/>
+          </a:fontRef>
+        </p:style>
+      </p:cxnSp>
+      <p:cxnSp>
+        <p:nvCxnSpPr>
+          <p:cNvPr id="176" name="直線單箭頭接點 175"/>
+          <p:cNvCxnSpPr>
+            <a:stCxn id="126" idx="2"/>
+            <a:endCxn id="143" idx="0"/>
+          </p:cNvCxnSpPr>
+          <p:nvPr/>
+        </p:nvCxnSpPr>
+        <p:spPr>
+          <a:xfrm flipH="1">
+            <a:off x="2465816" y="2569468"/>
+            <a:ext cx="2752" cy="360040"/>
+          </a:xfrm>
+          <a:prstGeom prst="straightConnector1">
+            <a:avLst/>
+          </a:prstGeom>
+          <a:ln>
+            <a:tailEnd type="arrow"/>
+          </a:ln>
+        </p:spPr>
+        <p:style>
+          <a:lnRef idx="1">
+            <a:schemeClr val="accent1"/>
+          </a:lnRef>
+          <a:fillRef idx="0">
+            <a:schemeClr val="accent1"/>
+          </a:fillRef>
+          <a:effectRef idx="0">
+            <a:schemeClr val="accent1"/>
+          </a:effectRef>
+          <a:fontRef idx="minor">
+            <a:schemeClr val="tx1"/>
+          </a:fontRef>
+        </p:style>
+      </p:cxnSp>
+      <p:cxnSp>
+        <p:nvCxnSpPr>
+          <p:cNvPr id="198" name="直線單箭頭接點 197"/>
+          <p:cNvCxnSpPr>
+            <a:stCxn id="203" idx="2"/>
+            <a:endCxn id="126" idx="0"/>
+          </p:cNvCxnSpPr>
+          <p:nvPr/>
+        </p:nvCxnSpPr>
+        <p:spPr>
+          <a:xfrm flipH="1">
+            <a:off x="2468568" y="1849388"/>
+            <a:ext cx="1996" cy="360040"/>
+          </a:xfrm>
+          <a:prstGeom prst="straightConnector1">
+            <a:avLst/>
+          </a:prstGeom>
+          <a:ln>
+            <a:tailEnd type="arrow"/>
+          </a:ln>
+        </p:spPr>
+        <p:style>
+          <a:lnRef idx="1">
+            <a:schemeClr val="accent1"/>
+          </a:lnRef>
+          <a:fillRef idx="0">
+            <a:schemeClr val="accent1"/>
+          </a:fillRef>
+          <a:effectRef idx="0">
+            <a:schemeClr val="accent1"/>
+          </a:effectRef>
+          <a:fontRef idx="minor">
+            <a:schemeClr val="tx1"/>
+          </a:fontRef>
+        </p:style>
+      </p:cxnSp>
+      <p:cxnSp>
+        <p:nvCxnSpPr>
+          <p:cNvPr id="200" name="肘形接點 199"/>
+          <p:cNvCxnSpPr>
+            <a:stCxn id="150" idx="1"/>
+            <a:endCxn id="203" idx="3"/>
+          </p:cNvCxnSpPr>
+          <p:nvPr/>
+        </p:nvCxnSpPr>
+        <p:spPr>
+          <a:xfrm rot="10800000">
+            <a:off x="3010564" y="1669368"/>
+            <a:ext cx="2800812" cy="1923324"/>
+          </a:xfrm>
+          <a:prstGeom prst="bentConnector3">
+            <a:avLst>
+              <a:gd name="adj1" fmla="val 46463"/>
+            </a:avLst>
+          </a:prstGeom>
+          <a:ln>
+            <a:tailEnd type="arrow"/>
+          </a:ln>
+        </p:spPr>
+        <p:style>
+          <a:lnRef idx="1">
+            <a:schemeClr val="accent1"/>
+          </a:lnRef>
+          <a:fillRef idx="0">
+            <a:schemeClr val="accent1"/>
+          </a:fillRef>
+          <a:effectRef idx="0">
+            <a:schemeClr val="accent1"/>
+          </a:effectRef>
+          <a:fontRef idx="minor">
+            <a:schemeClr val="tx1"/>
+          </a:fontRef>
+        </p:style>
+      </p:cxnSp>
+      <p:sp>
+        <p:nvSpPr>
+          <p:cNvPr id="202" name="流程圖: 結束點 201"/>
+          <p:cNvSpPr/>
+          <p:nvPr/>
+        </p:nvSpPr>
+        <p:spPr>
+          <a:xfrm>
+            <a:off x="1930564" y="841276"/>
+            <a:ext cx="1080000" cy="360000"/>
+          </a:xfrm>
+          <a:prstGeom prst="flowChartTerminator">
+            <a:avLst/>
+          </a:prstGeom>
+        </p:spPr>
+        <p:style>
+          <a:lnRef idx="1">
+            <a:schemeClr val="accent6"/>
+          </a:lnRef>
+          <a:fillRef idx="2">
+            <a:schemeClr val="accent6"/>
+          </a:fillRef>
+          <a:effectRef idx="1">
+            <a:schemeClr val="accent6"/>
+          </a:effectRef>
+          <a:fontRef idx="minor">
+            <a:schemeClr val="dk1"/>
+          </a:fontRef>
+        </p:style>
+        <p:txBody>
+          <a:bodyPr rtlCol="0" anchor="ctr"/>
+          <a:lstStyle/>
+          <a:p>
+            <a:pPr algn="ctr"/>
+            <a:r>
+              <a:rPr lang="zh-TW" altLang="en-US" sz="1000" dirty="0" smtClean="0"/>
+              <a:t>傳送</a:t>
+            </a:r>
+            <a:r>
+              <a:rPr lang="en-US" altLang="zh-TW" sz="1000" dirty="0" smtClean="0"/>
+              <a:t>message</a:t>
+            </a:r>
+            <a:endParaRPr lang="zh-TW" altLang="en-US" sz="1000" dirty="0" smtClean="0"/>
+          </a:p>
+        </p:txBody>
+      </p:sp>
+      <p:sp>
+        <p:nvSpPr>
+          <p:cNvPr id="203" name="流程圖: 程序 202"/>
+          <p:cNvSpPr/>
+          <p:nvPr/>
+        </p:nvSpPr>
+        <p:spPr>
+          <a:xfrm>
+            <a:off x="1930564" y="1489348"/>
+            <a:ext cx="1080000" cy="360040"/>
+          </a:xfrm>
+          <a:prstGeom prst="flowChartProcess">
+            <a:avLst/>
+          </a:prstGeom>
+        </p:spPr>
+        <p:style>
+          <a:lnRef idx="1">
+            <a:schemeClr val="accent5"/>
+          </a:lnRef>
+          <a:fillRef idx="2">
+            <a:schemeClr val="accent5"/>
+          </a:fillRef>
+          <a:effectRef idx="1">
+            <a:schemeClr val="accent5"/>
+          </a:effectRef>
+          <a:fontRef idx="minor">
+            <a:schemeClr val="dk1"/>
+          </a:fontRef>
+        </p:style>
+        <p:txBody>
+          <a:bodyPr rtlCol="0" anchor="ctr"/>
+          <a:lstStyle/>
+          <a:p>
+            <a:pPr algn="ctr"/>
+            <a:r>
+              <a:rPr lang="en-US" altLang="zh-TW" sz="1000" dirty="0" smtClean="0"/>
+              <a:t>Send message</a:t>
+            </a:r>
+            <a:endParaRPr lang="zh-TW" altLang="en-US" sz="1000" dirty="0" smtClean="0"/>
+          </a:p>
+        </p:txBody>
+      </p:sp>
+      <p:cxnSp>
+        <p:nvCxnSpPr>
+          <p:cNvPr id="215" name="直線單箭頭接點 214"/>
+          <p:cNvCxnSpPr>
+            <a:stCxn id="202" idx="2"/>
+            <a:endCxn id="203" idx="0"/>
+          </p:cNvCxnSpPr>
+          <p:nvPr/>
+        </p:nvCxnSpPr>
+        <p:spPr>
+          <a:xfrm>
+            <a:off x="2470564" y="1201276"/>
+            <a:ext cx="0" cy="288072"/>
+          </a:xfrm>
+          <a:prstGeom prst="straightConnector1">
+            <a:avLst/>
+          </a:prstGeom>
+          <a:ln>
+            <a:tailEnd type="arrow"/>
+          </a:ln>
+        </p:spPr>
+        <p:style>
+          <a:lnRef idx="1">
+            <a:schemeClr val="accent1"/>
+          </a:lnRef>
+          <a:fillRef idx="0">
+            <a:schemeClr val="accent1"/>
+          </a:fillRef>
+          <a:effectRef idx="0">
+            <a:schemeClr val="accent1"/>
+          </a:effectRef>
+          <a:fontRef idx="minor">
+            <a:schemeClr val="tx1"/>
+          </a:fontRef>
+        </p:style>
+      </p:cxnSp>
+      <p:sp>
+        <p:nvSpPr>
+          <p:cNvPr id="33" name="文字方塊 32"/>
+          <p:cNvSpPr txBox="1"/>
+          <p:nvPr/>
+        </p:nvSpPr>
+        <p:spPr>
+          <a:xfrm>
+            <a:off x="1582744" y="2940541"/>
+            <a:ext cx="396968" cy="276999"/>
+          </a:xfrm>
+          <a:prstGeom prst="rect">
+            <a:avLst/>
+          </a:prstGeom>
+          <a:noFill/>
+        </p:spPr>
+        <p:txBody>
+          <a:bodyPr wrap="none" rtlCol="0">
+            <a:spAutoFit/>
           </a:bodyPr>
           <a:lstStyle/>
           <a:p>
             <a:r>
-              <a:rPr lang="en-US" altLang="zh-TW" dirty="0" smtClean="0"/>
-              <a:t>Registers Summary</a:t>
-            </a:r>
-            <a:endParaRPr lang="zh-TW" altLang="en-US" dirty="0"/>
-          </a:p>
-        </p:txBody>
-      </p:sp>
-      <p:pic>
-        <p:nvPicPr>
-          <p:cNvPr id="2050" name="Picture 2"/>
-          <p:cNvPicPr>
-            <a:picLocks noChangeAspect="1" noChangeArrowheads="1"/>
-          </p:cNvPicPr>
-          <p:nvPr/>
-        </p:nvPicPr>
-        <p:blipFill>
-          <a:blip r:embed="rId2" cstate="print"/>
-          <a:srcRect/>
-          <a:stretch>
-            <a:fillRect/>
-          </a:stretch>
-        </p:blipFill>
-        <p:spPr bwMode="auto">
-          <a:xfrm>
-            <a:off x="179512" y="697260"/>
-            <a:ext cx="4060933" cy="4587230"/>
+              <a:rPr lang="en-US" altLang="zh-TW" sz="1200" dirty="0" smtClean="0"/>
+              <a:t>Yes</a:t>
+            </a:r>
+            <a:endParaRPr lang="zh-TW" altLang="en-US" sz="1200" dirty="0"/>
+          </a:p>
+        </p:txBody>
+      </p:sp>
+      <p:sp>
+        <p:nvSpPr>
+          <p:cNvPr id="34" name="文字方塊 33"/>
+          <p:cNvSpPr txBox="1"/>
+          <p:nvPr/>
+        </p:nvSpPr>
+        <p:spPr>
+          <a:xfrm>
+            <a:off x="2987824" y="2940541"/>
+            <a:ext cx="391454" cy="276999"/>
           </a:xfrm>
           <a:prstGeom prst="rect">
             <a:avLst/>
           </a:prstGeom>
           <a:noFill/>
-          <a:ln w="9525">
-            <a:noFill/>
-            <a:miter lim="800000"/>
-            <a:headEnd/>
-            <a:tailEnd/>
+        </p:spPr>
+        <p:txBody>
+          <a:bodyPr wrap="none" rtlCol="0">
+            <a:spAutoFit/>
+          </a:bodyPr>
+          <a:lstStyle/>
+          <a:p>
+            <a:r>
+              <a:rPr lang="en-US" altLang="zh-TW" sz="1200" dirty="0" smtClean="0"/>
+              <a:t>No</a:t>
+            </a:r>
+            <a:endParaRPr lang="zh-TW" altLang="en-US" sz="1200" dirty="0"/>
+          </a:p>
+        </p:txBody>
+      </p:sp>
+      <p:sp>
+        <p:nvSpPr>
+          <p:cNvPr id="38" name="文字方塊 37"/>
+          <p:cNvSpPr txBox="1"/>
+          <p:nvPr/>
+        </p:nvSpPr>
+        <p:spPr>
+          <a:xfrm>
+            <a:off x="5220072" y="1921396"/>
+            <a:ext cx="646331" cy="276999"/>
+          </a:xfrm>
+          <a:prstGeom prst="rect">
+            <a:avLst/>
+          </a:prstGeom>
+          <a:noFill/>
+          <a:ln w="12700">
+            <a:solidFill>
+              <a:schemeClr val="accent1"/>
+            </a:solidFill>
+            <a:prstDash val="sysDash"/>
           </a:ln>
         </p:spPr>
-      </p:pic>
+        <p:txBody>
+          <a:bodyPr wrap="none" rtlCol="0">
+            <a:spAutoFit/>
+          </a:bodyPr>
+          <a:lstStyle/>
+          <a:p>
+            <a:r>
+              <a:rPr lang="en-US" altLang="zh-TW" sz="1200" dirty="0" smtClean="0">
+                <a:solidFill>
+                  <a:schemeClr val="tx2">
+                    <a:lumMod val="75000"/>
+                  </a:schemeClr>
+                </a:solidFill>
+              </a:rPr>
+              <a:t>Run bit</a:t>
+            </a:r>
+            <a:endParaRPr lang="zh-TW" altLang="en-US" sz="1200" dirty="0">
+              <a:solidFill>
+                <a:schemeClr val="tx2">
+                  <a:lumMod val="75000"/>
+                </a:schemeClr>
+              </a:solidFill>
+            </a:endParaRPr>
+          </a:p>
+        </p:txBody>
+      </p:sp>
+      <p:cxnSp>
+        <p:nvCxnSpPr>
+          <p:cNvPr id="40" name="直線接點 39"/>
+          <p:cNvCxnSpPr>
+            <a:stCxn id="38" idx="3"/>
+          </p:cNvCxnSpPr>
+          <p:nvPr/>
+        </p:nvCxnSpPr>
+        <p:spPr>
+          <a:xfrm>
+            <a:off x="5866403" y="2059896"/>
+            <a:ext cx="361781" cy="5516"/>
+          </a:xfrm>
+          <a:prstGeom prst="line">
+            <a:avLst/>
+          </a:prstGeom>
+          <a:ln w="12700">
+            <a:prstDash val="sysDash"/>
+          </a:ln>
+        </p:spPr>
+        <p:style>
+          <a:lnRef idx="1">
+            <a:schemeClr val="accent1"/>
+          </a:lnRef>
+          <a:fillRef idx="0">
+            <a:schemeClr val="accent1"/>
+          </a:fillRef>
+          <a:effectRef idx="0">
+            <a:schemeClr val="accent1"/>
+          </a:effectRef>
+          <a:fontRef idx="minor">
+            <a:schemeClr val="tx1"/>
+          </a:fontRef>
+        </p:style>
+      </p:cxnSp>
+      <p:sp>
+        <p:nvSpPr>
+          <p:cNvPr id="41" name="文字方塊 40"/>
+          <p:cNvSpPr txBox="1"/>
+          <p:nvPr/>
+        </p:nvSpPr>
+        <p:spPr>
+          <a:xfrm>
+            <a:off x="2123728" y="3793604"/>
+            <a:ext cx="720080" cy="276999"/>
+          </a:xfrm>
+          <a:prstGeom prst="rect">
+            <a:avLst/>
+          </a:prstGeom>
+          <a:noFill/>
+          <a:ln w="12700">
+            <a:solidFill>
+              <a:schemeClr val="accent1"/>
+            </a:solidFill>
+            <a:prstDash val="sysDash"/>
+          </a:ln>
+        </p:spPr>
+        <p:txBody>
+          <a:bodyPr wrap="square" rtlCol="0">
+            <a:spAutoFit/>
+          </a:bodyPr>
+          <a:lstStyle/>
+          <a:p>
+            <a:r>
+              <a:rPr lang="en-US" altLang="zh-TW" sz="1200" dirty="0" err="1" smtClean="0">
+                <a:solidFill>
+                  <a:schemeClr val="tx2">
+                    <a:lumMod val="75000"/>
+                  </a:schemeClr>
+                </a:solidFill>
+              </a:rPr>
+              <a:t>cs</a:t>
+            </a:r>
+            <a:r>
+              <a:rPr lang="en-US" altLang="zh-TW" sz="1200" dirty="0" smtClean="0">
+                <a:solidFill>
+                  <a:schemeClr val="tx2">
+                    <a:lumMod val="75000"/>
+                  </a:schemeClr>
+                </a:solidFill>
+              </a:rPr>
+              <a:t> setup</a:t>
+            </a:r>
+            <a:endParaRPr lang="zh-TW" altLang="en-US" sz="1200" dirty="0">
+              <a:solidFill>
+                <a:schemeClr val="tx2">
+                  <a:lumMod val="75000"/>
+                </a:schemeClr>
+              </a:solidFill>
+            </a:endParaRPr>
+          </a:p>
+        </p:txBody>
+      </p:sp>
+      <p:cxnSp>
+        <p:nvCxnSpPr>
+          <p:cNvPr id="42" name="直線接點 41"/>
+          <p:cNvCxnSpPr>
+            <a:stCxn id="41" idx="3"/>
+          </p:cNvCxnSpPr>
+          <p:nvPr/>
+        </p:nvCxnSpPr>
+        <p:spPr>
+          <a:xfrm>
+            <a:off x="2843808" y="3932104"/>
+            <a:ext cx="648072" cy="509572"/>
+          </a:xfrm>
+          <a:prstGeom prst="line">
+            <a:avLst/>
+          </a:prstGeom>
+          <a:ln w="12700">
+            <a:prstDash val="sysDash"/>
+          </a:ln>
+        </p:spPr>
+        <p:style>
+          <a:lnRef idx="1">
+            <a:schemeClr val="accent1"/>
+          </a:lnRef>
+          <a:fillRef idx="0">
+            <a:schemeClr val="accent1"/>
+          </a:fillRef>
+          <a:effectRef idx="0">
+            <a:schemeClr val="accent1"/>
+          </a:effectRef>
+          <a:fontRef idx="minor">
+            <a:schemeClr val="tx1"/>
+          </a:fontRef>
+        </p:style>
+      </p:cxnSp>
+      <p:cxnSp>
+        <p:nvCxnSpPr>
+          <p:cNvPr id="45" name="直線接點 44"/>
+          <p:cNvCxnSpPr>
+            <a:stCxn id="41" idx="1"/>
+          </p:cNvCxnSpPr>
+          <p:nvPr/>
+        </p:nvCxnSpPr>
+        <p:spPr>
+          <a:xfrm flipH="1">
+            <a:off x="1547664" y="3932104"/>
+            <a:ext cx="576064" cy="437564"/>
+          </a:xfrm>
+          <a:prstGeom prst="line">
+            <a:avLst/>
+          </a:prstGeom>
+          <a:ln w="12700">
+            <a:prstDash val="sysDash"/>
+          </a:ln>
+        </p:spPr>
+        <p:style>
+          <a:lnRef idx="1">
+            <a:schemeClr val="accent1"/>
+          </a:lnRef>
+          <a:fillRef idx="0">
+            <a:schemeClr val="accent1"/>
+          </a:fillRef>
+          <a:effectRef idx="0">
+            <a:schemeClr val="accent1"/>
+          </a:effectRef>
+          <a:fontRef idx="minor">
+            <a:schemeClr val="tx1"/>
+          </a:fontRef>
+        </p:style>
+      </p:cxnSp>
+      <p:sp>
+        <p:nvSpPr>
+          <p:cNvPr id="48" name="文字方塊 47"/>
+          <p:cNvSpPr txBox="1"/>
+          <p:nvPr/>
+        </p:nvSpPr>
+        <p:spPr>
+          <a:xfrm>
+            <a:off x="6876256" y="3001516"/>
+            <a:ext cx="864339" cy="276999"/>
+          </a:xfrm>
+          <a:prstGeom prst="rect">
+            <a:avLst/>
+          </a:prstGeom>
+          <a:noFill/>
+          <a:ln w="12700">
+            <a:solidFill>
+              <a:schemeClr val="accent1"/>
+            </a:solidFill>
+            <a:prstDash val="sysDash"/>
+          </a:ln>
+        </p:spPr>
+        <p:txBody>
+          <a:bodyPr wrap="none" rtlCol="0">
+            <a:spAutoFit/>
+          </a:bodyPr>
+          <a:lstStyle/>
+          <a:p>
+            <a:r>
+              <a:rPr lang="en-US" altLang="zh-TW" sz="1200" dirty="0" err="1" smtClean="0">
+                <a:solidFill>
+                  <a:schemeClr val="tx2">
+                    <a:lumMod val="75000"/>
+                  </a:schemeClr>
+                </a:solidFill>
+              </a:rPr>
+              <a:t>cs</a:t>
+            </a:r>
+            <a:r>
+              <a:rPr lang="en-US" altLang="zh-TW" sz="1200" dirty="0" smtClean="0">
+                <a:solidFill>
+                  <a:schemeClr val="tx2">
+                    <a:lumMod val="75000"/>
+                  </a:schemeClr>
+                </a:solidFill>
+              </a:rPr>
+              <a:t> inactive</a:t>
+            </a:r>
+            <a:endParaRPr lang="zh-TW" altLang="en-US" sz="1200" dirty="0">
+              <a:solidFill>
+                <a:schemeClr val="tx2">
+                  <a:lumMod val="75000"/>
+                </a:schemeClr>
+              </a:solidFill>
+            </a:endParaRPr>
+          </a:p>
+        </p:txBody>
+      </p:sp>
+      <p:cxnSp>
+        <p:nvCxnSpPr>
+          <p:cNvPr id="49" name="直線接點 48"/>
+          <p:cNvCxnSpPr>
+            <a:stCxn id="48" idx="1"/>
+          </p:cNvCxnSpPr>
+          <p:nvPr/>
+        </p:nvCxnSpPr>
+        <p:spPr>
+          <a:xfrm flipH="1">
+            <a:off x="6300192" y="3140016"/>
+            <a:ext cx="576064" cy="5516"/>
+          </a:xfrm>
+          <a:prstGeom prst="line">
+            <a:avLst/>
+          </a:prstGeom>
+          <a:ln w="12700">
+            <a:prstDash val="sysDash"/>
+          </a:ln>
+        </p:spPr>
+        <p:style>
+          <a:lnRef idx="1">
+            <a:schemeClr val="accent1"/>
+          </a:lnRef>
+          <a:fillRef idx="0">
+            <a:schemeClr val="accent1"/>
+          </a:fillRef>
+          <a:effectRef idx="0">
+            <a:schemeClr val="accent1"/>
+          </a:effectRef>
+          <a:fontRef idx="minor">
+            <a:schemeClr val="tx1"/>
+          </a:fontRef>
+        </p:style>
+      </p:cxnSp>
+      <p:sp>
+        <p:nvSpPr>
+          <p:cNvPr id="52" name="文字方塊 51"/>
+          <p:cNvSpPr txBox="1"/>
+          <p:nvPr/>
+        </p:nvSpPr>
+        <p:spPr>
+          <a:xfrm>
+            <a:off x="5004048" y="985292"/>
+            <a:ext cx="742511" cy="276999"/>
+          </a:xfrm>
+          <a:prstGeom prst="rect">
+            <a:avLst/>
+          </a:prstGeom>
+          <a:noFill/>
+          <a:ln w="12700">
+            <a:solidFill>
+              <a:schemeClr val="accent1"/>
+            </a:solidFill>
+            <a:prstDash val="sysDash"/>
+          </a:ln>
+        </p:spPr>
+        <p:txBody>
+          <a:bodyPr wrap="none" rtlCol="0">
+            <a:spAutoFit/>
+          </a:bodyPr>
+          <a:lstStyle/>
+          <a:p>
+            <a:r>
+              <a:rPr lang="en-US" altLang="zh-TW" sz="1200" dirty="0" err="1" smtClean="0">
+                <a:solidFill>
+                  <a:schemeClr val="tx2">
+                    <a:lumMod val="75000"/>
+                  </a:schemeClr>
+                </a:solidFill>
+              </a:rPr>
+              <a:t>cs</a:t>
+            </a:r>
+            <a:r>
+              <a:rPr lang="en-US" altLang="zh-TW" sz="1200" dirty="0" smtClean="0">
+                <a:solidFill>
+                  <a:schemeClr val="tx2">
+                    <a:lumMod val="75000"/>
+                  </a:schemeClr>
+                </a:solidFill>
+              </a:rPr>
+              <a:t> active</a:t>
+            </a:r>
+            <a:endParaRPr lang="zh-TW" altLang="en-US" sz="1200" dirty="0">
+              <a:solidFill>
+                <a:schemeClr val="tx2">
+                  <a:lumMod val="75000"/>
+                </a:schemeClr>
+              </a:solidFill>
+            </a:endParaRPr>
+          </a:p>
+        </p:txBody>
+      </p:sp>
+      <p:cxnSp>
+        <p:nvCxnSpPr>
+          <p:cNvPr id="53" name="直線接點 52"/>
+          <p:cNvCxnSpPr>
+            <a:stCxn id="52" idx="2"/>
+          </p:cNvCxnSpPr>
+          <p:nvPr/>
+        </p:nvCxnSpPr>
+        <p:spPr>
+          <a:xfrm flipH="1">
+            <a:off x="5292081" y="1262291"/>
+            <a:ext cx="83223" cy="371073"/>
+          </a:xfrm>
+          <a:prstGeom prst="line">
+            <a:avLst/>
+          </a:prstGeom>
+          <a:ln w="12700">
+            <a:prstDash val="sysDash"/>
+          </a:ln>
+        </p:spPr>
+        <p:style>
+          <a:lnRef idx="1">
+            <a:schemeClr val="accent1"/>
+          </a:lnRef>
+          <a:fillRef idx="0">
+            <a:schemeClr val="accent1"/>
+          </a:fillRef>
+          <a:effectRef idx="0">
+            <a:schemeClr val="accent1"/>
+          </a:effectRef>
+          <a:fontRef idx="minor">
+            <a:schemeClr val="tx1"/>
+          </a:fontRef>
+        </p:style>
+      </p:cxnSp>
+      <p:sp>
+        <p:nvSpPr>
+          <p:cNvPr id="56" name="文字方塊 55"/>
+          <p:cNvSpPr txBox="1"/>
+          <p:nvPr/>
+        </p:nvSpPr>
+        <p:spPr>
+          <a:xfrm>
+            <a:off x="5908738" y="2940541"/>
+            <a:ext cx="391454" cy="276999"/>
+          </a:xfrm>
+          <a:prstGeom prst="rect">
+            <a:avLst/>
+          </a:prstGeom>
+          <a:noFill/>
+        </p:spPr>
+        <p:txBody>
+          <a:bodyPr wrap="none" rtlCol="0">
+            <a:spAutoFit/>
+          </a:bodyPr>
+          <a:lstStyle/>
+          <a:p>
+            <a:r>
+              <a:rPr lang="en-US" altLang="zh-TW" sz="1200" dirty="0" smtClean="0"/>
+              <a:t>No</a:t>
+            </a:r>
+            <a:endParaRPr lang="zh-TW" altLang="en-US" sz="1200" dirty="0"/>
+          </a:p>
+        </p:txBody>
+      </p:sp>
+      <p:sp>
+        <p:nvSpPr>
+          <p:cNvPr id="57" name="文字方塊 56"/>
+          <p:cNvSpPr txBox="1"/>
+          <p:nvPr/>
+        </p:nvSpPr>
+        <p:spPr>
+          <a:xfrm>
+            <a:off x="5940152" y="3865612"/>
+            <a:ext cx="391454" cy="276999"/>
+          </a:xfrm>
+          <a:prstGeom prst="rect">
+            <a:avLst/>
+          </a:prstGeom>
+          <a:noFill/>
+        </p:spPr>
+        <p:txBody>
+          <a:bodyPr wrap="none" rtlCol="0">
+            <a:spAutoFit/>
+          </a:bodyPr>
+          <a:lstStyle/>
+          <a:p>
+            <a:r>
+              <a:rPr lang="en-US" altLang="zh-TW" sz="1200" dirty="0" smtClean="0"/>
+              <a:t>No</a:t>
+            </a:r>
+            <a:endParaRPr lang="zh-TW" altLang="en-US" sz="1200" dirty="0"/>
+          </a:p>
+        </p:txBody>
+      </p:sp>
     </p:spTree>
   </p:cSld>
   <p:clrMapOvr>
@@ -20961,8 +21979,8 @@
         </p:nvSpPr>
         <p:spPr>
           <a:xfrm>
-            <a:off x="4499992" y="793739"/>
-            <a:ext cx="4186808" cy="4044669"/>
+            <a:off x="4283968" y="697260"/>
+            <a:ext cx="4402832" cy="4608512"/>
           </a:xfrm>
         </p:spPr>
         <p:txBody>
@@ -20985,16 +22003,22 @@
         </p:nvSpPr>
         <p:spPr/>
         <p:txBody>
-          <a:bodyPr/>
-          <a:lstStyle/>
-          <a:p>
-            <a:endParaRPr lang="zh-TW" altLang="en-US"/>
+          <a:bodyPr>
+            <a:normAutofit/>
+          </a:bodyPr>
+          <a:lstStyle/>
+          <a:p>
+            <a:r>
+              <a:rPr lang="en-US" altLang="zh-TW" dirty="0" smtClean="0"/>
+              <a:t>Registers Summary</a:t>
+            </a:r>
+            <a:endParaRPr lang="zh-TW" altLang="en-US" dirty="0"/>
           </a:p>
         </p:txBody>
       </p:sp>
       <p:pic>
         <p:nvPicPr>
-          <p:cNvPr id="3074" name="Picture 2"/>
+          <p:cNvPr id="2050" name="Picture 2"/>
           <p:cNvPicPr>
             <a:picLocks noChangeAspect="1" noChangeArrowheads="1"/>
           </p:cNvPicPr>
@@ -21009,8 +22033,8 @@
         </p:blipFill>
         <p:spPr bwMode="auto">
           <a:xfrm>
-            <a:off x="107504" y="697260"/>
-            <a:ext cx="4320000" cy="2027756"/>
+            <a:off x="179512" y="697260"/>
+            <a:ext cx="4060933" cy="4587230"/>
           </a:xfrm>
           <a:prstGeom prst="rect">
             <a:avLst/>
@@ -21068,8 +22092,8 @@
         </p:nvSpPr>
         <p:spPr>
           <a:xfrm>
-            <a:off x="4932040" y="793739"/>
-            <a:ext cx="3754760" cy="4044669"/>
+            <a:off x="4499992" y="793739"/>
+            <a:ext cx="4186808" cy="4044669"/>
           </a:xfrm>
         </p:spPr>
         <p:txBody>
@@ -21095,17 +22119,13 @@
           <a:bodyPr/>
           <a:lstStyle/>
           <a:p>
-            <a:r>
-              <a:rPr lang="en-US" altLang="zh-TW" dirty="0" smtClean="0"/>
-              <a:t>SPI-IER</a:t>
-            </a:r>
-            <a:endParaRPr lang="zh-TW" altLang="en-US" dirty="0"/>
+            <a:endParaRPr lang="zh-TW" altLang="en-US"/>
           </a:p>
         </p:txBody>
       </p:sp>
       <p:pic>
         <p:nvPicPr>
-          <p:cNvPr id="4098" name="Picture 2"/>
+          <p:cNvPr id="3074" name="Picture 2"/>
           <p:cNvPicPr>
             <a:picLocks noChangeAspect="1" noChangeArrowheads="1"/>
           </p:cNvPicPr>
@@ -21120,40 +22140,8 @@
         </p:blipFill>
         <p:spPr bwMode="auto">
           <a:xfrm>
-            <a:off x="108024" y="625252"/>
-            <a:ext cx="4320000" cy="4634929"/>
-          </a:xfrm>
-          <a:prstGeom prst="rect">
-            <a:avLst/>
-          </a:prstGeom>
-          <a:noFill/>
-          <a:ln w="9525">
-            <a:noFill/>
-            <a:miter lim="800000"/>
-            <a:headEnd/>
-            <a:tailEnd/>
-          </a:ln>
-        </p:spPr>
-      </p:pic>
-      <p:pic>
-        <p:nvPicPr>
-          <p:cNvPr id="7" name="Picture 3"/>
-          <p:cNvPicPr>
-            <a:picLocks noChangeAspect="1" noChangeArrowheads="1"/>
-          </p:cNvPicPr>
-          <p:nvPr/>
-        </p:nvPicPr>
-        <p:blipFill>
-          <a:blip r:embed="rId3" cstate="print"/>
-          <a:srcRect/>
-          <a:stretch>
-            <a:fillRect/>
-          </a:stretch>
-        </p:blipFill>
-        <p:spPr bwMode="auto">
-          <a:xfrm>
-            <a:off x="4464000" y="769268"/>
-            <a:ext cx="4320000" cy="4519491"/>
+            <a:off x="107504" y="697260"/>
+            <a:ext cx="4320000" cy="2027756"/>
           </a:xfrm>
           <a:prstGeom prst="rect">
             <a:avLst/>
@@ -21349,7 +22337,7 @@
     </p:spTree>
     <p:extLst>
       <p:ext uri="{BB962C8B-B14F-4D97-AF65-F5344CB8AC3E}">
-        <p14:creationId xmlns="" xmlns:p14="http://schemas.microsoft.com/office/powerpoint/2010/main" val="3577142735"/>
+        <p14:creationId xmlns:p14="http://schemas.microsoft.com/office/powerpoint/2010/main" xmlns="" val="3577142735"/>
       </p:ext>
     </p:extLst>
   </p:cSld>
@@ -21395,8 +22383,8 @@
         </p:nvSpPr>
         <p:spPr>
           <a:xfrm>
-            <a:off x="4572000" y="793739"/>
-            <a:ext cx="4114800" cy="4044669"/>
+            <a:off x="4932040" y="793739"/>
+            <a:ext cx="3754760" cy="4044669"/>
           </a:xfrm>
         </p:spPr>
         <p:txBody>
@@ -21422,13 +22410,49 @@
           <a:bodyPr/>
           <a:lstStyle/>
           <a:p>
-            <a:endParaRPr lang="zh-TW" altLang="en-US"/>
+            <a:r>
+              <a:rPr lang="en-US" altLang="zh-TW" dirty="0" smtClean="0"/>
+              <a:t>SPI-IER</a:t>
+            </a:r>
+            <a:endParaRPr lang="zh-TW" altLang="en-US" dirty="0"/>
           </a:p>
         </p:txBody>
       </p:sp>
       <p:pic>
         <p:nvPicPr>
-          <p:cNvPr id="5122" name="Picture 2"/>
+          <p:cNvPr id="4098" name="Picture 2"/>
+          <p:cNvPicPr>
+            <a:picLocks noChangeAspect="1" noChangeArrowheads="1"/>
+          </p:cNvPicPr>
+          <p:nvPr/>
+        </p:nvPicPr>
+        <p:blipFill>
+          <a:blip r:embed="rId2" cstate="print"/>
+          <a:srcRect/>
+          <a:stretch>
+            <a:fillRect/>
+          </a:stretch>
+        </p:blipFill>
+        <p:spPr bwMode="auto">
+          <a:xfrm>
+            <a:off x="108024" y="625252"/>
+            <a:ext cx="4320000" cy="4634929"/>
+          </a:xfrm>
+          <a:prstGeom prst="rect">
+            <a:avLst/>
+          </a:prstGeom>
+          <a:noFill/>
+          <a:ln w="9525">
+            <a:noFill/>
+            <a:miter lim="800000"/>
+            <a:headEnd/>
+            <a:tailEnd/>
+          </a:ln>
+        </p:spPr>
+      </p:pic>
+      <p:pic>
+        <p:nvPicPr>
+          <p:cNvPr id="7" name="Picture 3"/>
           <p:cNvPicPr>
             <a:picLocks noChangeAspect="1" noChangeArrowheads="1"/>
           </p:cNvPicPr>
@@ -21443,8 +22467,8 @@
         </p:blipFill>
         <p:spPr bwMode="auto">
           <a:xfrm>
-            <a:off x="179512" y="697260"/>
-            <a:ext cx="4320000" cy="4634929"/>
+            <a:off x="4464000" y="769268"/>
+            <a:ext cx="4320000" cy="4519491"/>
           </a:xfrm>
           <a:prstGeom prst="rect">
             <a:avLst/>
@@ -21463,6 +22487,13 @@
   <p:clrMapOvr>
     <a:masterClrMapping/>
   </p:clrMapOvr>
+  <p:timing>
+    <p:tnLst>
+      <p:par>
+        <p:cTn id="1" dur="indefinite" restart="never" nodeType="tmRoot"/>
+      </p:par>
+    </p:tnLst>
+  </p:timing>
 </p:sld>
 </file>
 
@@ -21493,12 +22524,17 @@
             <p:ph sz="half" idx="2"/>
           </p:nvPr>
         </p:nvSpPr>
-        <p:spPr/>
+        <p:spPr>
+          <a:xfrm>
+            <a:off x="4572000" y="793739"/>
+            <a:ext cx="4114800" cy="4044669"/>
+          </a:xfrm>
+        </p:spPr>
         <p:txBody>
           <a:bodyPr/>
           <a:lstStyle/>
           <a:p>
-            <a:endParaRPr lang="zh-TW" altLang="en-US"/>
+            <a:endParaRPr lang="zh-TW" altLang="en-US" dirty="0"/>
           </a:p>
         </p:txBody>
       </p:sp>
@@ -21523,7 +22559,7 @@
       </p:sp>
       <p:pic>
         <p:nvPicPr>
-          <p:cNvPr id="6147" name="Picture 3"/>
+          <p:cNvPr id="5122" name="Picture 2"/>
           <p:cNvPicPr>
             <a:picLocks noChangeAspect="1" noChangeArrowheads="1"/>
           </p:cNvPicPr>
@@ -21538,8 +22574,8 @@
         </p:blipFill>
         <p:spPr bwMode="auto">
           <a:xfrm>
-            <a:off x="107504" y="496922"/>
-            <a:ext cx="4320000" cy="4952866"/>
+            <a:off x="179512" y="697260"/>
+            <a:ext cx="4320000" cy="4634929"/>
           </a:xfrm>
           <a:prstGeom prst="rect">
             <a:avLst/>
@@ -21553,50 +22589,11 @@
           </a:ln>
         </p:spPr>
       </p:pic>
-      <p:pic>
-        <p:nvPicPr>
-          <p:cNvPr id="6148" name="Picture 4"/>
-          <p:cNvPicPr>
-            <a:picLocks noChangeAspect="1" noChangeArrowheads="1"/>
-          </p:cNvPicPr>
-          <p:nvPr/>
-        </p:nvPicPr>
-        <p:blipFill>
-          <a:blip r:embed="rId4" cstate="print"/>
-          <a:srcRect/>
-          <a:stretch>
-            <a:fillRect/>
-          </a:stretch>
-        </p:blipFill>
-        <p:spPr bwMode="auto">
-          <a:xfrm>
-            <a:off x="4427984" y="985292"/>
-            <a:ext cx="4320000" cy="4176001"/>
-          </a:xfrm>
-          <a:prstGeom prst="rect">
-            <a:avLst/>
-          </a:prstGeom>
-          <a:noFill/>
-          <a:ln w="9525">
-            <a:noFill/>
-            <a:miter lim="800000"/>
-            <a:headEnd/>
-            <a:tailEnd/>
-          </a:ln>
-        </p:spPr>
-      </p:pic>
     </p:spTree>
   </p:cSld>
   <p:clrMapOvr>
     <a:masterClrMapping/>
   </p:clrMapOvr>
-  <p:timing>
-    <p:tnLst>
-      <p:par>
-        <p:cTn id="1" dur="indefinite" restart="never" nodeType="tmRoot"/>
-      </p:par>
-    </p:tnLst>
-  </p:timing>
 </p:sld>
 </file>
 
@@ -21627,17 +22624,12 @@
             <p:ph sz="half" idx="2"/>
           </p:nvPr>
         </p:nvSpPr>
-        <p:spPr>
-          <a:xfrm>
-            <a:off x="4427984" y="793739"/>
-            <a:ext cx="4258816" cy="2711833"/>
-          </a:xfrm>
-        </p:spPr>
+        <p:spPr/>
         <p:txBody>
           <a:bodyPr/>
           <a:lstStyle/>
           <a:p>
-            <a:endParaRPr lang="zh-TW" altLang="en-US" dirty="0"/>
+            <a:endParaRPr lang="zh-TW" altLang="en-US"/>
           </a:p>
         </p:txBody>
       </p:sp>
@@ -21662,7 +22654,7 @@
       </p:sp>
       <p:pic>
         <p:nvPicPr>
-          <p:cNvPr id="7170" name="Picture 2"/>
+          <p:cNvPr id="6147" name="Picture 3"/>
           <p:cNvPicPr>
             <a:picLocks noChangeAspect="1" noChangeArrowheads="1"/>
           </p:cNvPicPr>
@@ -21677,8 +22669,8 @@
         </p:blipFill>
         <p:spPr bwMode="auto">
           <a:xfrm>
-            <a:off x="35976" y="409228"/>
-            <a:ext cx="4320000" cy="5021656"/>
+            <a:off x="107504" y="496922"/>
+            <a:ext cx="4320000" cy="4952866"/>
           </a:xfrm>
           <a:prstGeom prst="rect">
             <a:avLst/>
@@ -21694,7 +22686,7 @@
       </p:pic>
       <p:pic>
         <p:nvPicPr>
-          <p:cNvPr id="7171" name="Picture 3"/>
+          <p:cNvPr id="6148" name="Picture 4"/>
           <p:cNvPicPr>
             <a:picLocks noChangeAspect="1" noChangeArrowheads="1"/>
           </p:cNvPicPr>
@@ -21709,8 +22701,8 @@
         </p:blipFill>
         <p:spPr bwMode="auto">
           <a:xfrm>
-            <a:off x="4499992" y="3577580"/>
-            <a:ext cx="3600000" cy="1787004"/>
+            <a:off x="4427984" y="985292"/>
+            <a:ext cx="4320000" cy="4176001"/>
           </a:xfrm>
           <a:prstGeom prst="rect">
             <a:avLst/>
@@ -21729,6 +22721,13 @@
   <p:clrMapOvr>
     <a:masterClrMapping/>
   </p:clrMapOvr>
+  <p:timing>
+    <p:tnLst>
+      <p:par>
+        <p:cTn id="1" dur="indefinite" restart="never" nodeType="tmRoot"/>
+      </p:par>
+    </p:tnLst>
+  </p:timing>
 </p:sld>
 </file>
 
@@ -21761,15 +22760,15 @@
         </p:nvSpPr>
         <p:spPr>
           <a:xfrm>
-            <a:off x="4499992" y="793739"/>
-            <a:ext cx="4186808" cy="4044669"/>
+            <a:off x="4427984" y="793739"/>
+            <a:ext cx="4258816" cy="2711833"/>
           </a:xfrm>
         </p:spPr>
         <p:txBody>
           <a:bodyPr/>
           <a:lstStyle/>
           <a:p>
-            <a:endParaRPr lang="zh-TW" altLang="en-US"/>
+            <a:endParaRPr lang="zh-TW" altLang="en-US" dirty="0"/>
           </a:p>
         </p:txBody>
       </p:sp>
@@ -21794,14 +22793,14 @@
       </p:sp>
       <p:pic>
         <p:nvPicPr>
-          <p:cNvPr id="8194" name="Picture 2"/>
+          <p:cNvPr id="7170" name="Picture 2"/>
           <p:cNvPicPr>
             <a:picLocks noChangeAspect="1" noChangeArrowheads="1"/>
           </p:cNvPicPr>
           <p:nvPr/>
         </p:nvPicPr>
         <p:blipFill>
-          <a:blip r:embed="rId2" cstate="print"/>
+          <a:blip r:embed="rId3" cstate="print"/>
           <a:srcRect/>
           <a:stretch>
             <a:fillRect/>
@@ -21809,8 +22808,40 @@
         </p:blipFill>
         <p:spPr bwMode="auto">
           <a:xfrm>
-            <a:off x="179512" y="1273324"/>
-            <a:ext cx="4320000" cy="2003281"/>
+            <a:off x="35976" y="409228"/>
+            <a:ext cx="4320000" cy="5021656"/>
+          </a:xfrm>
+          <a:prstGeom prst="rect">
+            <a:avLst/>
+          </a:prstGeom>
+          <a:noFill/>
+          <a:ln w="9525">
+            <a:noFill/>
+            <a:miter lim="800000"/>
+            <a:headEnd/>
+            <a:tailEnd/>
+          </a:ln>
+        </p:spPr>
+      </p:pic>
+      <p:pic>
+        <p:nvPicPr>
+          <p:cNvPr id="7171" name="Picture 3"/>
+          <p:cNvPicPr>
+            <a:picLocks noChangeAspect="1" noChangeArrowheads="1"/>
+          </p:cNvPicPr>
+          <p:nvPr/>
+        </p:nvPicPr>
+        <p:blipFill>
+          <a:blip r:embed="rId4" cstate="print"/>
+          <a:srcRect/>
+          <a:stretch>
+            <a:fillRect/>
+          </a:stretch>
+        </p:blipFill>
+        <p:spPr bwMode="auto">
+          <a:xfrm>
+            <a:off x="4499992" y="3577580"/>
+            <a:ext cx="3600000" cy="1787004"/>
           </a:xfrm>
           <a:prstGeom prst="rect">
             <a:avLst/>
@@ -21861,15 +22892,15 @@
         </p:nvSpPr>
         <p:spPr>
           <a:xfrm>
-            <a:off x="4572000" y="793739"/>
-            <a:ext cx="4114800" cy="4044669"/>
+            <a:off x="4499992" y="793739"/>
+            <a:ext cx="4186808" cy="4044669"/>
           </a:xfrm>
         </p:spPr>
         <p:txBody>
           <a:bodyPr/>
           <a:lstStyle/>
           <a:p>
-            <a:endParaRPr lang="zh-TW" altLang="en-US" dirty="0"/>
+            <a:endParaRPr lang="zh-TW" altLang="en-US"/>
           </a:p>
         </p:txBody>
       </p:sp>
@@ -21894,14 +22925,14 @@
       </p:sp>
       <p:pic>
         <p:nvPicPr>
-          <p:cNvPr id="9219" name="Picture 3"/>
+          <p:cNvPr id="8194" name="Picture 2"/>
           <p:cNvPicPr>
             <a:picLocks noChangeAspect="1" noChangeArrowheads="1"/>
           </p:cNvPicPr>
           <p:nvPr/>
         </p:nvPicPr>
         <p:blipFill>
-          <a:blip r:embed="rId3" cstate="print"/>
+          <a:blip r:embed="rId2" cstate="print"/>
           <a:srcRect/>
           <a:stretch>
             <a:fillRect/>
@@ -21909,8 +22940,8 @@
         </p:blipFill>
         <p:spPr bwMode="auto">
           <a:xfrm>
-            <a:off x="107504" y="769268"/>
-            <a:ext cx="4320000" cy="4416153"/>
+            <a:off x="179512" y="1273324"/>
+            <a:ext cx="4320000" cy="2003281"/>
           </a:xfrm>
           <a:prstGeom prst="rect">
             <a:avLst/>
@@ -21959,7 +22990,12 @@
             <p:ph sz="half" idx="2"/>
           </p:nvPr>
         </p:nvSpPr>
-        <p:spPr/>
+        <p:spPr>
+          <a:xfrm>
+            <a:off x="4572000" y="793739"/>
+            <a:ext cx="4114800" cy="4044669"/>
+          </a:xfrm>
+        </p:spPr>
         <p:txBody>
           <a:bodyPr/>
           <a:lstStyle/>
@@ -21983,45 +23019,13 @@
           <a:bodyPr/>
           <a:lstStyle/>
           <a:p>
-            <a:endParaRPr lang="zh-TW" altLang="en-US" dirty="0"/>
+            <a:endParaRPr lang="zh-TW" altLang="en-US"/>
           </a:p>
         </p:txBody>
       </p:sp>
       <p:pic>
         <p:nvPicPr>
-          <p:cNvPr id="10242" name="Picture 2"/>
-          <p:cNvPicPr>
-            <a:picLocks noChangeAspect="1" noChangeArrowheads="1"/>
-          </p:cNvPicPr>
-          <p:nvPr/>
-        </p:nvPicPr>
-        <p:blipFill>
-          <a:blip r:embed="rId2" cstate="print"/>
-          <a:srcRect/>
-          <a:stretch>
-            <a:fillRect/>
-          </a:stretch>
-        </p:blipFill>
-        <p:spPr bwMode="auto">
-          <a:xfrm>
-            <a:off x="0" y="193204"/>
-            <a:ext cx="4320000" cy="5279233"/>
-          </a:xfrm>
-          <a:prstGeom prst="rect">
-            <a:avLst/>
-          </a:prstGeom>
-          <a:noFill/>
-          <a:ln w="9525">
-            <a:noFill/>
-            <a:miter lim="800000"/>
-            <a:headEnd/>
-            <a:tailEnd/>
-          </a:ln>
-        </p:spPr>
-      </p:pic>
-      <p:pic>
-        <p:nvPicPr>
-          <p:cNvPr id="10243" name="Picture 3"/>
+          <p:cNvPr id="9219" name="Picture 3"/>
           <p:cNvPicPr>
             <a:picLocks noChangeAspect="1" noChangeArrowheads="1"/>
           </p:cNvPicPr>
@@ -22036,8 +23040,8 @@
         </p:blipFill>
         <p:spPr bwMode="auto">
           <a:xfrm>
-            <a:off x="4427984" y="553244"/>
-            <a:ext cx="4320000" cy="4909714"/>
+            <a:off x="107504" y="769268"/>
+            <a:ext cx="4320000" cy="4416153"/>
           </a:xfrm>
           <a:prstGeom prst="rect">
             <a:avLst/>
@@ -22086,12 +23090,7 @@
             <p:ph sz="half" idx="2"/>
           </p:nvPr>
         </p:nvSpPr>
-        <p:spPr>
-          <a:xfrm>
-            <a:off x="4572000" y="793739"/>
-            <a:ext cx="4114800" cy="4044669"/>
-          </a:xfrm>
-        </p:spPr>
+        <p:spPr/>
         <p:txBody>
           <a:bodyPr/>
           <a:lstStyle/>
@@ -22115,13 +23114,13 @@
           <a:bodyPr/>
           <a:lstStyle/>
           <a:p>
-            <a:endParaRPr lang="zh-TW" altLang="en-US"/>
+            <a:endParaRPr lang="zh-TW" altLang="en-US" dirty="0"/>
           </a:p>
         </p:txBody>
       </p:sp>
       <p:pic>
         <p:nvPicPr>
-          <p:cNvPr id="11266" name="Picture 2"/>
+          <p:cNvPr id="10242" name="Picture 2"/>
           <p:cNvPicPr>
             <a:picLocks noChangeAspect="1" noChangeArrowheads="1"/>
           </p:cNvPicPr>
@@ -22136,8 +23135,40 @@
         </p:blipFill>
         <p:spPr bwMode="auto">
           <a:xfrm>
-            <a:off x="179512" y="841276"/>
-            <a:ext cx="4320000" cy="3804076"/>
+            <a:off x="0" y="193204"/>
+            <a:ext cx="4320000" cy="5279233"/>
+          </a:xfrm>
+          <a:prstGeom prst="rect">
+            <a:avLst/>
+          </a:prstGeom>
+          <a:noFill/>
+          <a:ln w="9525">
+            <a:noFill/>
+            <a:miter lim="800000"/>
+            <a:headEnd/>
+            <a:tailEnd/>
+          </a:ln>
+        </p:spPr>
+      </p:pic>
+      <p:pic>
+        <p:nvPicPr>
+          <p:cNvPr id="10243" name="Picture 3"/>
+          <p:cNvPicPr>
+            <a:picLocks noChangeAspect="1" noChangeArrowheads="1"/>
+          </p:cNvPicPr>
+          <p:nvPr/>
+        </p:nvPicPr>
+        <p:blipFill>
+          <a:blip r:embed="rId3" cstate="print"/>
+          <a:srcRect/>
+          <a:stretch>
+            <a:fillRect/>
+          </a:stretch>
+        </p:blipFill>
+        <p:spPr bwMode="auto">
+          <a:xfrm>
+            <a:off x="4427984" y="553244"/>
+            <a:ext cx="4320000" cy="4909714"/>
           </a:xfrm>
           <a:prstGeom prst="rect">
             <a:avLst/>
@@ -22188,8 +23219,8 @@
         </p:nvSpPr>
         <p:spPr>
           <a:xfrm>
-            <a:off x="4427984" y="793739"/>
-            <a:ext cx="4258816" cy="4044669"/>
+            <a:off x="4572000" y="793739"/>
+            <a:ext cx="4114800" cy="4044669"/>
           </a:xfrm>
         </p:spPr>
         <p:txBody>
@@ -22221,7 +23252,7 @@
       </p:sp>
       <p:pic>
         <p:nvPicPr>
-          <p:cNvPr id="12290" name="Picture 2"/>
+          <p:cNvPr id="11266" name="Picture 2"/>
           <p:cNvPicPr>
             <a:picLocks noChangeAspect="1" noChangeArrowheads="1"/>
           </p:cNvPicPr>
@@ -22236,8 +23267,8 @@
         </p:blipFill>
         <p:spPr bwMode="auto">
           <a:xfrm>
-            <a:off x="107504" y="1489348"/>
-            <a:ext cx="4320000" cy="2050286"/>
+            <a:off x="179512" y="841276"/>
+            <a:ext cx="4320000" cy="3804076"/>
           </a:xfrm>
           <a:prstGeom prst="rect">
             <a:avLst/>
@@ -22288,8 +23319,8 @@
         </p:nvSpPr>
         <p:spPr>
           <a:xfrm>
-            <a:off x="4499992" y="793739"/>
-            <a:ext cx="4186808" cy="4044669"/>
+            <a:off x="4427984" y="793739"/>
+            <a:ext cx="4258816" cy="4044669"/>
           </a:xfrm>
         </p:spPr>
         <p:txBody>
@@ -22315,17 +23346,13 @@
           <a:bodyPr/>
           <a:lstStyle/>
           <a:p>
-            <a:r>
-              <a:rPr lang="en-US" altLang="zh-TW" dirty="0" smtClean="0"/>
-              <a:t>Master</a:t>
-            </a:r>
-            <a:endParaRPr lang="zh-TW" altLang="en-US" dirty="0"/>
+            <a:endParaRPr lang="zh-TW" altLang="en-US"/>
           </a:p>
         </p:txBody>
       </p:sp>
       <p:pic>
         <p:nvPicPr>
-          <p:cNvPr id="13314" name="Picture 2"/>
+          <p:cNvPr id="12290" name="Picture 2"/>
           <p:cNvPicPr>
             <a:picLocks noChangeAspect="1" noChangeArrowheads="1"/>
           </p:cNvPicPr>
@@ -22340,8 +23367,8 @@
         </p:blipFill>
         <p:spPr bwMode="auto">
           <a:xfrm>
-            <a:off x="0" y="697260"/>
-            <a:ext cx="4320000" cy="4227824"/>
+            <a:off x="107504" y="1489348"/>
+            <a:ext cx="4320000" cy="2050286"/>
           </a:xfrm>
           <a:prstGeom prst="rect">
             <a:avLst/>
@@ -22382,14 +23409,38 @@
       </p:grpSpPr>
       <p:sp>
         <p:nvSpPr>
-          <p:cNvPr id="2" name="Title 1"/>
+          <p:cNvPr id="2" name="內容版面配置區 1"/>
           <p:cNvSpPr>
             <a:spLocks noGrp="1"/>
           </p:cNvSpPr>
           <p:nvPr>
-            <p:ph type="ctrTitle"/>
+            <p:ph sz="half" idx="2"/>
           </p:nvPr>
         </p:nvSpPr>
+        <p:spPr>
+          <a:xfrm>
+            <a:off x="4499992" y="793739"/>
+            <a:ext cx="4186808" cy="4044669"/>
+          </a:xfrm>
+        </p:spPr>
+        <p:txBody>
+          <a:bodyPr/>
+          <a:lstStyle/>
+          <a:p>
+            <a:endParaRPr lang="zh-TW" altLang="en-US" dirty="0"/>
+          </a:p>
+        </p:txBody>
+      </p:sp>
+      <p:sp>
+        <p:nvSpPr>
+          <p:cNvPr id="3" name="標題 2"/>
+          <p:cNvSpPr>
+            <a:spLocks noGrp="1"/>
+          </p:cNvSpPr>
+          <p:nvPr>
+            <p:ph type="title"/>
+          </p:nvPr>
+        </p:nvSpPr>
         <p:spPr/>
         <p:txBody>
           <a:bodyPr/>
@@ -22397,52 +23448,49 @@
           <a:p>
             <a:r>
               <a:rPr lang="en-US" altLang="zh-TW" dirty="0" smtClean="0"/>
-              <a:t>F75111R</a:t>
-            </a:r>
+              <a:t>Master</a:t>
+            </a:r>
+            <a:endParaRPr lang="zh-TW" altLang="en-US" dirty="0"/>
           </a:p>
         </p:txBody>
       </p:sp>
       <p:pic>
         <p:nvPicPr>
-          <p:cNvPr id="3" name="Picture 2"/>
+          <p:cNvPr id="13314" name="Picture 2"/>
           <p:cNvPicPr>
-            <a:picLocks noChangeAspect="1"/>
+            <a:picLocks noChangeAspect="1" noChangeArrowheads="1"/>
           </p:cNvPicPr>
           <p:nvPr/>
         </p:nvPicPr>
         <p:blipFill>
           <a:blip r:embed="rId2" cstate="print"/>
+          <a:srcRect/>
           <a:stretch>
             <a:fillRect/>
           </a:stretch>
         </p:blipFill>
-        <p:spPr>
-          <a:xfrm>
-            <a:off x="619031" y="3862565"/>
-            <a:ext cx="72008" cy="969036"/>
+        <p:spPr bwMode="auto">
+          <a:xfrm>
+            <a:off x="0" y="697260"/>
+            <a:ext cx="4320000" cy="4227824"/>
           </a:xfrm>
           <a:prstGeom prst="rect">
             <a:avLst/>
           </a:prstGeom>
+          <a:noFill/>
+          <a:ln w="9525">
+            <a:noFill/>
+            <a:miter lim="800000"/>
+            <a:headEnd/>
+            <a:tailEnd/>
+          </a:ln>
         </p:spPr>
       </p:pic>
     </p:spTree>
-    <p:extLst>
-      <p:ext uri="{BB962C8B-B14F-4D97-AF65-F5344CB8AC3E}">
-        <p14:creationId xmlns:p14="http://schemas.microsoft.com/office/powerpoint/2010/main" xmlns="" val="1188013231"/>
-      </p:ext>
-    </p:extLst>
   </p:cSld>
   <p:clrMapOvr>
     <a:masterClrMapping/>
   </p:clrMapOvr>
-  <p:timing>
-    <p:tnLst>
-      <p:par>
-        <p:cTn id="1" dur="indefinite" restart="never" nodeType="tmRoot"/>
-      </p:par>
-    </p:tnLst>
-  </p:timing>
 </p:sld>
 </file>
 
@@ -22512,7 +23560,7 @@
     </p:spTree>
     <p:extLst>
       <p:ext uri="{BB962C8B-B14F-4D97-AF65-F5344CB8AC3E}">
-        <p14:creationId xmlns:p14="http://schemas.microsoft.com/office/powerpoint/2010/main" xmlns="" val="1188013231"/>
+        <p14:creationId xmlns="" xmlns:p14="http://schemas.microsoft.com/office/powerpoint/2010/main" val="1188013231"/>
       </p:ext>
     </p:extLst>
   </p:cSld>
@@ -22548,12 +23596,12 @@
       </p:grpSpPr>
       <p:sp>
         <p:nvSpPr>
-          <p:cNvPr id="2" name="內容版面配置區 1"/>
+          <p:cNvPr id="2" name="Title 1"/>
           <p:cNvSpPr>
             <a:spLocks noGrp="1"/>
           </p:cNvSpPr>
           <p:nvPr>
-            <p:ph sz="half" idx="2"/>
+            <p:ph type="ctrTitle"/>
           </p:nvPr>
         </p:nvSpPr>
         <p:spPr/>
@@ -22561,34 +23609,54 @@
           <a:bodyPr/>
           <a:lstStyle/>
           <a:p>
-            <a:endParaRPr lang="zh-TW" altLang="en-US"/>
-          </a:p>
-        </p:txBody>
-      </p:sp>
-      <p:sp>
-        <p:nvSpPr>
-          <p:cNvPr id="3" name="標題 2"/>
-          <p:cNvSpPr>
-            <a:spLocks noGrp="1"/>
-          </p:cNvSpPr>
-          <p:nvPr>
-            <p:ph type="title"/>
-          </p:nvPr>
-        </p:nvSpPr>
-        <p:spPr/>
-        <p:txBody>
-          <a:bodyPr/>
-          <a:lstStyle/>
-          <a:p>
-            <a:endParaRPr lang="zh-TW" altLang="en-US"/>
-          </a:p>
-        </p:txBody>
-      </p:sp>
+            <a:r>
+              <a:rPr lang="en-US" altLang="zh-TW" dirty="0" smtClean="0"/>
+              <a:t>F75111R</a:t>
+            </a:r>
+          </a:p>
+        </p:txBody>
+      </p:sp>
+      <p:pic>
+        <p:nvPicPr>
+          <p:cNvPr id="3" name="Picture 2"/>
+          <p:cNvPicPr>
+            <a:picLocks noChangeAspect="1"/>
+          </p:cNvPicPr>
+          <p:nvPr/>
+        </p:nvPicPr>
+        <p:blipFill>
+          <a:blip r:embed="rId2" cstate="print"/>
+          <a:stretch>
+            <a:fillRect/>
+          </a:stretch>
+        </p:blipFill>
+        <p:spPr>
+          <a:xfrm>
+            <a:off x="619031" y="3862565"/>
+            <a:ext cx="72008" cy="969036"/>
+          </a:xfrm>
+          <a:prstGeom prst="rect">
+            <a:avLst/>
+          </a:prstGeom>
+        </p:spPr>
+      </p:pic>
     </p:spTree>
+    <p:extLst>
+      <p:ext uri="{BB962C8B-B14F-4D97-AF65-F5344CB8AC3E}">
+        <p14:creationId xmlns="" xmlns:p14="http://schemas.microsoft.com/office/powerpoint/2010/main" val="1188013231"/>
+      </p:ext>
+    </p:extLst>
   </p:cSld>
   <p:clrMapOvr>
     <a:masterClrMapping/>
   </p:clrMapOvr>
+  <p:timing>
+    <p:tnLst>
+      <p:par>
+        <p:cTn id="1" dur="indefinite" restart="never" nodeType="tmRoot"/>
+      </p:par>
+    </p:tnLst>
+  </p:timing>
 </p:sld>
 </file>
 
@@ -22609,23 +23677,49 @@
           <a:chExt cx="0" cy="0"/>
         </a:xfrm>
       </p:grpSpPr>
+      <p:sp>
+        <p:nvSpPr>
+          <p:cNvPr id="2" name="內容版面配置區 1"/>
+          <p:cNvSpPr>
+            <a:spLocks noGrp="1"/>
+          </p:cNvSpPr>
+          <p:nvPr>
+            <p:ph sz="half" idx="2"/>
+          </p:nvPr>
+        </p:nvSpPr>
+        <p:spPr/>
+        <p:txBody>
+          <a:bodyPr/>
+          <a:lstStyle/>
+          <a:p>
+            <a:endParaRPr lang="zh-TW" altLang="en-US"/>
+          </a:p>
+        </p:txBody>
+      </p:sp>
+      <p:sp>
+        <p:nvSpPr>
+          <p:cNvPr id="3" name="標題 2"/>
+          <p:cNvSpPr>
+            <a:spLocks noGrp="1"/>
+          </p:cNvSpPr>
+          <p:nvPr>
+            <p:ph type="title"/>
+          </p:nvPr>
+        </p:nvSpPr>
+        <p:spPr/>
+        <p:txBody>
+          <a:bodyPr/>
+          <a:lstStyle/>
+          <a:p>
+            <a:endParaRPr lang="zh-TW" altLang="en-US"/>
+          </a:p>
+        </p:txBody>
+      </p:sp>
     </p:spTree>
-    <p:extLst>
-      <p:ext uri="{BB962C8B-B14F-4D97-AF65-F5344CB8AC3E}">
-        <p14:creationId xmlns:p14="http://schemas.microsoft.com/office/powerpoint/2010/main" xmlns="" val="553085013"/>
-      </p:ext>
-    </p:extLst>
   </p:cSld>
   <p:clrMapOvr>
     <a:masterClrMapping/>
   </p:clrMapOvr>
-  <p:timing>
-    <p:tnLst>
-      <p:par>
-        <p:cTn id="1" dur="indefinite" restart="never" nodeType="tmRoot"/>
-      </p:par>
-    </p:tnLst>
-  </p:timing>
 </p:sld>
 </file>
 
@@ -22646,57 +23740,12 @@
           <a:chExt cx="0" cy="0"/>
         </a:xfrm>
       </p:grpSpPr>
-      <p:sp>
-        <p:nvSpPr>
-          <p:cNvPr id="2" name="內容版面配置區 1"/>
-          <p:cNvSpPr>
-            <a:spLocks noGrp="1"/>
-          </p:cNvSpPr>
-          <p:nvPr>
-            <p:ph sz="half" idx="2"/>
-          </p:nvPr>
-        </p:nvSpPr>
-        <p:spPr>
-          <a:xfrm>
-            <a:off x="461086" y="2425452"/>
-            <a:ext cx="8215370" cy="864096"/>
-          </a:xfrm>
-        </p:spPr>
-        <p:txBody>
-          <a:bodyPr/>
-          <a:lstStyle/>
-          <a:p>
-            <a:pPr algn="ctr">
-              <a:buNone/>
-            </a:pPr>
-            <a:r>
-              <a:rPr lang="en-US" altLang="zh-TW" sz="2800" dirty="0" smtClean="0"/>
-              <a:t>Back Up</a:t>
-            </a:r>
-            <a:endParaRPr lang="zh-TW" altLang="en-US" sz="2800" dirty="0"/>
-          </a:p>
-        </p:txBody>
-      </p:sp>
-      <p:sp>
-        <p:nvSpPr>
-          <p:cNvPr id="3" name="標題 2"/>
-          <p:cNvSpPr>
-            <a:spLocks noGrp="1"/>
-          </p:cNvSpPr>
-          <p:nvPr>
-            <p:ph type="title"/>
-          </p:nvPr>
-        </p:nvSpPr>
-        <p:spPr/>
-        <p:txBody>
-          <a:bodyPr/>
-          <a:lstStyle/>
-          <a:p>
-            <a:endParaRPr lang="zh-TW" altLang="en-US"/>
-          </a:p>
-        </p:txBody>
-      </p:sp>
     </p:spTree>
+    <p:extLst>
+      <p:ext uri="{BB962C8B-B14F-4D97-AF65-F5344CB8AC3E}">
+        <p14:creationId xmlns="" xmlns:p14="http://schemas.microsoft.com/office/powerpoint/2010/main" val="553085013"/>
+      </p:ext>
+    </p:extLst>
   </p:cSld>
   <p:clrMapOvr>
     <a:masterClrMapping/>
@@ -22738,6 +23787,88 @@
             <p:ph sz="half" idx="2"/>
           </p:nvPr>
         </p:nvSpPr>
+        <p:spPr>
+          <a:xfrm>
+            <a:off x="461086" y="2425452"/>
+            <a:ext cx="8215370" cy="864096"/>
+          </a:xfrm>
+        </p:spPr>
+        <p:txBody>
+          <a:bodyPr/>
+          <a:lstStyle/>
+          <a:p>
+            <a:pPr algn="ctr">
+              <a:buNone/>
+            </a:pPr>
+            <a:r>
+              <a:rPr lang="en-US" altLang="zh-TW" sz="2800" dirty="0" smtClean="0"/>
+              <a:t>Back Up</a:t>
+            </a:r>
+            <a:endParaRPr lang="zh-TW" altLang="en-US" sz="2800" dirty="0"/>
+          </a:p>
+        </p:txBody>
+      </p:sp>
+      <p:sp>
+        <p:nvSpPr>
+          <p:cNvPr id="3" name="標題 2"/>
+          <p:cNvSpPr>
+            <a:spLocks noGrp="1"/>
+          </p:cNvSpPr>
+          <p:nvPr>
+            <p:ph type="title"/>
+          </p:nvPr>
+        </p:nvSpPr>
+        <p:spPr/>
+        <p:txBody>
+          <a:bodyPr/>
+          <a:lstStyle/>
+          <a:p>
+            <a:endParaRPr lang="zh-TW" altLang="en-US"/>
+          </a:p>
+        </p:txBody>
+      </p:sp>
+    </p:spTree>
+  </p:cSld>
+  <p:clrMapOvr>
+    <a:masterClrMapping/>
+  </p:clrMapOvr>
+  <p:timing>
+    <p:tnLst>
+      <p:par>
+        <p:cTn id="1" dur="indefinite" restart="never" nodeType="tmRoot"/>
+      </p:par>
+    </p:tnLst>
+  </p:timing>
+</p:sld>
+</file>
+
+<file path=ppt/slides/slide34.xml><?xml version="1.0" encoding="utf-8"?>
+<p:sld xmlns:a="http://schemas.openxmlformats.org/drawingml/2006/main" xmlns:r="http://schemas.openxmlformats.org/officeDocument/2006/relationships" xmlns:p="http://schemas.openxmlformats.org/presentationml/2006/main">
+  <p:cSld>
+    <p:spTree>
+      <p:nvGrpSpPr>
+        <p:cNvPr id="1" name=""/>
+        <p:cNvGrpSpPr/>
+        <p:nvPr/>
+      </p:nvGrpSpPr>
+      <p:grpSpPr>
+        <a:xfrm>
+          <a:off x="0" y="0"/>
+          <a:ext cx="0" cy="0"/>
+          <a:chOff x="0" y="0"/>
+          <a:chExt cx="0" cy="0"/>
+        </a:xfrm>
+      </p:grpSpPr>
+      <p:sp>
+        <p:nvSpPr>
+          <p:cNvPr id="2" name="內容版面配置區 1"/>
+          <p:cNvSpPr>
+            <a:spLocks noGrp="1"/>
+          </p:cNvSpPr>
+          <p:nvPr>
+            <p:ph sz="half" idx="2"/>
+          </p:nvPr>
+        </p:nvSpPr>
         <p:spPr/>
         <p:txBody>
           <a:bodyPr/>
@@ -22806,7 +23937,7 @@
 </p:sld>
 </file>
 
-<file path=ppt/slides/slide34.xml><?xml version="1.0" encoding="utf-8"?>
+<file path=ppt/slides/slide35.xml><?xml version="1.0" encoding="utf-8"?>
 <p:sld xmlns:a="http://schemas.openxmlformats.org/drawingml/2006/main" xmlns:r="http://schemas.openxmlformats.org/officeDocument/2006/relationships" xmlns:p="http://schemas.openxmlformats.org/presentationml/2006/main">
   <p:cSld>
     <p:spTree>
@@ -24693,7 +25824,7 @@
     </p:spTree>
     <p:extLst>
       <p:ext uri="{BB962C8B-B14F-4D97-AF65-F5344CB8AC3E}">
-        <p14:creationId xmlns:p14="http://schemas.microsoft.com/office/powerpoint/2010/main" xmlns="" val="1188013231"/>
+        <p14:creationId xmlns="" xmlns:p14="http://schemas.microsoft.com/office/powerpoint/2010/main" val="1188013231"/>
       </p:ext>
     </p:extLst>
   </p:cSld>
@@ -26942,7 +28073,7 @@
     </p:spTree>
     <p:extLst>
       <p:ext uri="{BB962C8B-B14F-4D97-AF65-F5344CB8AC3E}">
-        <p14:creationId xmlns:p14="http://schemas.microsoft.com/office/powerpoint/2010/main" xmlns="" val="2423379894"/>
+        <p14:creationId xmlns="" xmlns:p14="http://schemas.microsoft.com/office/powerpoint/2010/main" val="2423379894"/>
       </p:ext>
     </p:extLst>
   </p:cSld>
@@ -30389,7 +31520,7 @@
     </p:spTree>
     <p:extLst>
       <p:ext uri="{BB962C8B-B14F-4D97-AF65-F5344CB8AC3E}">
-        <p14:creationId xmlns:p14="http://schemas.microsoft.com/office/powerpoint/2010/main" xmlns="" val="1188013231"/>
+        <p14:creationId xmlns="" xmlns:p14="http://schemas.microsoft.com/office/powerpoint/2010/main" val="1188013231"/>
       </p:ext>
     </p:extLst>
   </p:cSld>
